--- a/doc/report.pptx
+++ b/doc/report.pptx
@@ -14682,8 +14682,8 @@
         </p:nvSpPr>
         <p:spPr>
           <a:xfrm>
-            <a:off x="5156703" y="635518"/>
-            <a:ext cx="6773324" cy="5883616"/>
+            <a:off x="4988216" y="41207"/>
+            <a:ext cx="7167129" cy="6816793"/>
           </a:xfrm>
         </p:spPr>
         <p:txBody>
@@ -15195,6 +15195,9 @@
             </a:r>
             <a:r>
               <a:rPr lang="en-US" sz="1400" dirty="0" err="1">
+                <a:solidFill>
+                  <a:srgbClr val="FF0000"/>
+                </a:solidFill>
                 <a:latin typeface="Arial" panose="020B0604020202020204" pitchFamily="34" charset="0"/>
                 <a:cs typeface="Arial" panose="020B0604020202020204" pitchFamily="34" charset="0"/>
               </a:rPr>
@@ -15202,6 +15205,9 @@
             </a:r>
             <a:r>
               <a:rPr lang="en-US" sz="1400" dirty="0">
+                <a:solidFill>
+                  <a:srgbClr val="FF0000"/>
+                </a:solidFill>
                 <a:latin typeface="Arial" panose="020B0604020202020204" pitchFamily="34" charset="0"/>
                 <a:cs typeface="Arial" panose="020B0604020202020204" pitchFamily="34" charset="0"/>
               </a:rPr>
@@ -15209,6 +15215,9 @@
             </a:r>
             <a:r>
               <a:rPr lang="en-US" sz="1400" dirty="0" err="1">
+                <a:solidFill>
+                  <a:srgbClr val="FF0000"/>
+                </a:solidFill>
                 <a:latin typeface="Arial" panose="020B0604020202020204" pitchFamily="34" charset="0"/>
                 <a:cs typeface="Arial" panose="020B0604020202020204" pitchFamily="34" charset="0"/>
               </a:rPr>
@@ -15216,6 +15225,9 @@
             </a:r>
             <a:r>
               <a:rPr lang="en-US" sz="1400" dirty="0">
+                <a:solidFill>
+                  <a:srgbClr val="FF0000"/>
+                </a:solidFill>
                 <a:latin typeface="Arial" panose="020B0604020202020204" pitchFamily="34" charset="0"/>
                 <a:cs typeface="Arial" panose="020B0604020202020204" pitchFamily="34" charset="0"/>
               </a:rPr>
@@ -15223,6 +15235,9 @@
             </a:r>
             <a:r>
               <a:rPr lang="en-US" sz="1400" dirty="0" err="1">
+                <a:solidFill>
+                  <a:srgbClr val="FF0000"/>
+                </a:solidFill>
                 <a:latin typeface="Arial" panose="020B0604020202020204" pitchFamily="34" charset="0"/>
                 <a:cs typeface="Arial" panose="020B0604020202020204" pitchFamily="34" charset="0"/>
               </a:rPr>
@@ -15230,6 +15245,9 @@
             </a:r>
             <a:r>
               <a:rPr lang="en-US" sz="1400" dirty="0">
+                <a:solidFill>
+                  <a:srgbClr val="FF0000"/>
+                </a:solidFill>
                 <a:latin typeface="Arial" panose="020B0604020202020204" pitchFamily="34" charset="0"/>
                 <a:cs typeface="Arial" panose="020B0604020202020204" pitchFamily="34" charset="0"/>
               </a:rPr>
@@ -15237,6 +15255,9 @@
             </a:r>
             <a:r>
               <a:rPr lang="en-US" sz="1400" dirty="0" err="1">
+                <a:solidFill>
+                  <a:srgbClr val="FF0000"/>
+                </a:solidFill>
                 <a:latin typeface="Arial" panose="020B0604020202020204" pitchFamily="34" charset="0"/>
                 <a:cs typeface="Arial" panose="020B0604020202020204" pitchFamily="34" charset="0"/>
               </a:rPr>
@@ -15244,6 +15265,9 @@
             </a:r>
             <a:r>
               <a:rPr lang="en-US" sz="1400" dirty="0">
+                <a:solidFill>
+                  <a:srgbClr val="FF0000"/>
+                </a:solidFill>
                 <a:latin typeface="Arial" panose="020B0604020202020204" pitchFamily="34" charset="0"/>
                 <a:cs typeface="Arial" panose="020B0604020202020204" pitchFamily="34" charset="0"/>
               </a:rPr>
@@ -15389,8 +15413,300 @@
                 <a:latin typeface="Arial" panose="020B0604020202020204" pitchFamily="34" charset="0"/>
                 <a:cs typeface="Arial" panose="020B0604020202020204" pitchFamily="34" charset="0"/>
               </a:rPr>
-              <a:t>.</a:t>
-            </a:r>
+              <a:t>:</a:t>
+            </a:r>
+          </a:p>
+          <a:p>
+            <a:pPr marL="914400" lvl="2" indent="0">
+              <a:lnSpc>
+                <a:spcPct val="150000"/>
+              </a:lnSpc>
+              <a:buNone/>
+            </a:pPr>
+            <a:r>
+              <a:rPr lang="en-US" sz="1400" dirty="0" err="1">
+                <a:latin typeface="Arial" panose="020B0604020202020204" pitchFamily="34" charset="0"/>
+                <a:cs typeface="Arial" panose="020B0604020202020204" pitchFamily="34" charset="0"/>
+              </a:rPr>
+              <a:t>Dữ</a:t>
+            </a:r>
+            <a:r>
+              <a:rPr lang="en-US" sz="1400" dirty="0">
+                <a:latin typeface="Arial" panose="020B0604020202020204" pitchFamily="34" charset="0"/>
+                <a:cs typeface="Arial" panose="020B0604020202020204" pitchFamily="34" charset="0"/>
+              </a:rPr>
+              <a:t> </a:t>
+            </a:r>
+            <a:r>
+              <a:rPr lang="en-US" sz="1400" dirty="0" err="1">
+                <a:latin typeface="Arial" panose="020B0604020202020204" pitchFamily="34" charset="0"/>
+                <a:cs typeface="Arial" panose="020B0604020202020204" pitchFamily="34" charset="0"/>
+              </a:rPr>
+              <a:t>liệu</a:t>
+            </a:r>
+            <a:r>
+              <a:rPr lang="en-US" sz="1400" dirty="0">
+                <a:latin typeface="Arial" panose="020B0604020202020204" pitchFamily="34" charset="0"/>
+                <a:cs typeface="Arial" panose="020B0604020202020204" pitchFamily="34" charset="0"/>
+              </a:rPr>
+              <a:t> </a:t>
+            </a:r>
+            <a:r>
+              <a:rPr lang="en-US" sz="1400" dirty="0" err="1">
+                <a:latin typeface="Arial" panose="020B0604020202020204" pitchFamily="34" charset="0"/>
+                <a:cs typeface="Arial" panose="020B0604020202020204" pitchFamily="34" charset="0"/>
+              </a:rPr>
+              <a:t>huân</a:t>
+            </a:r>
+            <a:r>
+              <a:rPr lang="en-US" sz="1400" dirty="0">
+                <a:latin typeface="Arial" panose="020B0604020202020204" pitchFamily="34" charset="0"/>
+                <a:cs typeface="Arial" panose="020B0604020202020204" pitchFamily="34" charset="0"/>
+              </a:rPr>
+              <a:t> </a:t>
+            </a:r>
+            <a:r>
+              <a:rPr lang="en-US" sz="1400" dirty="0" err="1">
+                <a:latin typeface="Arial" panose="020B0604020202020204" pitchFamily="34" charset="0"/>
+                <a:cs typeface="Arial" panose="020B0604020202020204" pitchFamily="34" charset="0"/>
+              </a:rPr>
+              <a:t>luyện</a:t>
+            </a:r>
+            <a:r>
+              <a:rPr lang="en-US" sz="1400" dirty="0">
+                <a:latin typeface="Arial" panose="020B0604020202020204" pitchFamily="34" charset="0"/>
+                <a:cs typeface="Arial" panose="020B0604020202020204" pitchFamily="34" charset="0"/>
+              </a:rPr>
+              <a:t> </a:t>
+            </a:r>
+            <a:r>
+              <a:rPr lang="en-US" sz="1400" dirty="0" err="1">
+                <a:latin typeface="Arial" panose="020B0604020202020204" pitchFamily="34" charset="0"/>
+                <a:cs typeface="Arial" panose="020B0604020202020204" pitchFamily="34" charset="0"/>
+              </a:rPr>
+              <a:t>gồm</a:t>
+            </a:r>
+            <a:r>
+              <a:rPr lang="en-US" sz="1400" dirty="0">
+                <a:latin typeface="Arial" panose="020B0604020202020204" pitchFamily="34" charset="0"/>
+                <a:cs typeface="Arial" panose="020B0604020202020204" pitchFamily="34" charset="0"/>
+              </a:rPr>
+              <a:t> 80000 </a:t>
+            </a:r>
+            <a:r>
+              <a:rPr lang="en-US" sz="1400" dirty="0" err="1">
+                <a:latin typeface="Arial" panose="020B0604020202020204" pitchFamily="34" charset="0"/>
+                <a:cs typeface="Arial" panose="020B0604020202020204" pitchFamily="34" charset="0"/>
+              </a:rPr>
+              <a:t>mẫu</a:t>
+            </a:r>
+            <a:r>
+              <a:rPr lang="en-US" sz="1400" dirty="0">
+                <a:latin typeface="Arial" panose="020B0604020202020204" pitchFamily="34" charset="0"/>
+                <a:cs typeface="Arial" panose="020B0604020202020204" pitchFamily="34" charset="0"/>
+              </a:rPr>
+              <a:t> (</a:t>
+            </a:r>
+            <a:r>
+              <a:rPr lang="en-US" sz="1400" dirty="0" err="1">
+                <a:latin typeface="Arial" panose="020B0604020202020204" pitchFamily="34" charset="0"/>
+                <a:cs typeface="Arial" panose="020B0604020202020204" pitchFamily="34" charset="0"/>
+              </a:rPr>
+              <a:t>mỗi</a:t>
+            </a:r>
+            <a:r>
+              <a:rPr lang="en-US" sz="1400" dirty="0">
+                <a:latin typeface="Arial" panose="020B0604020202020204" pitchFamily="34" charset="0"/>
+                <a:cs typeface="Arial" panose="020B0604020202020204" pitchFamily="34" charset="0"/>
+              </a:rPr>
+              <a:t> </a:t>
+            </a:r>
+            <a:r>
+              <a:rPr lang="en-US" sz="1400" dirty="0" err="1">
+                <a:latin typeface="Arial" panose="020B0604020202020204" pitchFamily="34" charset="0"/>
+                <a:cs typeface="Arial" panose="020B0604020202020204" pitchFamily="34" charset="0"/>
+              </a:rPr>
+              <a:t>thể</a:t>
+            </a:r>
+            <a:r>
+              <a:rPr lang="en-US" sz="1400" dirty="0">
+                <a:latin typeface="Arial" panose="020B0604020202020204" pitchFamily="34" charset="0"/>
+                <a:cs typeface="Arial" panose="020B0604020202020204" pitchFamily="34" charset="0"/>
+              </a:rPr>
+              <a:t> </a:t>
+            </a:r>
+            <a:r>
+              <a:rPr lang="en-US" sz="1400" dirty="0" err="1">
+                <a:latin typeface="Arial" panose="020B0604020202020204" pitchFamily="34" charset="0"/>
+                <a:cs typeface="Arial" panose="020B0604020202020204" pitchFamily="34" charset="0"/>
+              </a:rPr>
+              <a:t>loại</a:t>
+            </a:r>
+            <a:r>
+              <a:rPr lang="en-US" sz="1400" dirty="0">
+                <a:latin typeface="Arial" panose="020B0604020202020204" pitchFamily="34" charset="0"/>
+                <a:cs typeface="Arial" panose="020B0604020202020204" pitchFamily="34" charset="0"/>
+              </a:rPr>
+              <a:t>: 10000 </a:t>
+            </a:r>
+            <a:r>
+              <a:rPr lang="en-US" sz="1400" dirty="0" err="1">
+                <a:latin typeface="Arial" panose="020B0604020202020204" pitchFamily="34" charset="0"/>
+                <a:cs typeface="Arial" panose="020B0604020202020204" pitchFamily="34" charset="0"/>
+              </a:rPr>
+              <a:t>mẫu</a:t>
+            </a:r>
+            <a:r>
+              <a:rPr lang="en-US" sz="1400" dirty="0">
+                <a:latin typeface="Arial" panose="020B0604020202020204" pitchFamily="34" charset="0"/>
+                <a:cs typeface="Arial" panose="020B0604020202020204" pitchFamily="34" charset="0"/>
+              </a:rPr>
+              <a:t>). </a:t>
+            </a:r>
+            <a:r>
+              <a:rPr lang="en-US" sz="1400" dirty="0" err="1">
+                <a:latin typeface="Arial" panose="020B0604020202020204" pitchFamily="34" charset="0"/>
+                <a:cs typeface="Arial" panose="020B0604020202020204" pitchFamily="34" charset="0"/>
+              </a:rPr>
+              <a:t>Trong</a:t>
+            </a:r>
+            <a:r>
+              <a:rPr lang="en-US" sz="1400" dirty="0">
+                <a:latin typeface="Arial" panose="020B0604020202020204" pitchFamily="34" charset="0"/>
+                <a:cs typeface="Arial" panose="020B0604020202020204" pitchFamily="34" charset="0"/>
+              </a:rPr>
+              <a:t> </a:t>
+            </a:r>
+            <a:r>
+              <a:rPr lang="en-US" sz="1400" dirty="0" err="1">
+                <a:latin typeface="Arial" panose="020B0604020202020204" pitchFamily="34" charset="0"/>
+                <a:cs typeface="Arial" panose="020B0604020202020204" pitchFamily="34" charset="0"/>
+              </a:rPr>
+              <a:t>đó</a:t>
+            </a:r>
+            <a:r>
+              <a:rPr lang="en-US" sz="1400" dirty="0">
+                <a:latin typeface="Arial" panose="020B0604020202020204" pitchFamily="34" charset="0"/>
+                <a:cs typeface="Arial" panose="020B0604020202020204" pitchFamily="34" charset="0"/>
+              </a:rPr>
+              <a:t> </a:t>
+            </a:r>
+            <a:r>
+              <a:rPr lang="en-US" sz="1400" dirty="0" err="1">
+                <a:latin typeface="Arial" panose="020B0604020202020204" pitchFamily="34" charset="0"/>
+                <a:cs typeface="Arial" panose="020B0604020202020204" pitchFamily="34" charset="0"/>
+              </a:rPr>
+              <a:t>tập</a:t>
+            </a:r>
+            <a:r>
+              <a:rPr lang="en-US" sz="1400" dirty="0">
+                <a:latin typeface="Arial" panose="020B0604020202020204" pitchFamily="34" charset="0"/>
+                <a:cs typeface="Arial" panose="020B0604020202020204" pitchFamily="34" charset="0"/>
+              </a:rPr>
+              <a:t> train </a:t>
+            </a:r>
+            <a:r>
+              <a:rPr lang="en-US" sz="1400" dirty="0" err="1">
+                <a:latin typeface="Arial" panose="020B0604020202020204" pitchFamily="34" charset="0"/>
+                <a:cs typeface="Arial" panose="020B0604020202020204" pitchFamily="34" charset="0"/>
+              </a:rPr>
+              <a:t>chiếm</a:t>
+            </a:r>
+            <a:r>
+              <a:rPr lang="en-US" sz="1400" dirty="0">
+                <a:latin typeface="Arial" panose="020B0604020202020204" pitchFamily="34" charset="0"/>
+                <a:cs typeface="Arial" panose="020B0604020202020204" pitchFamily="34" charset="0"/>
+              </a:rPr>
+              <a:t> 70%, validation </a:t>
+            </a:r>
+            <a:r>
+              <a:rPr lang="en-US" sz="1400" dirty="0" err="1">
+                <a:latin typeface="Arial" panose="020B0604020202020204" pitchFamily="34" charset="0"/>
+                <a:cs typeface="Arial" panose="020B0604020202020204" pitchFamily="34" charset="0"/>
+              </a:rPr>
+              <a:t>chiếm</a:t>
+            </a:r>
+            <a:r>
+              <a:rPr lang="en-US" sz="1400" dirty="0">
+                <a:latin typeface="Arial" panose="020B0604020202020204" pitchFamily="34" charset="0"/>
+                <a:cs typeface="Arial" panose="020B0604020202020204" pitchFamily="34" charset="0"/>
+              </a:rPr>
+              <a:t> 30%.</a:t>
+            </a:r>
+          </a:p>
+          <a:p>
+            <a:pPr marL="914400" lvl="2" indent="0">
+              <a:lnSpc>
+                <a:spcPct val="150000"/>
+              </a:lnSpc>
+              <a:buNone/>
+            </a:pPr>
+            <a:r>
+              <a:rPr lang="en-US" sz="1400" dirty="0" err="1">
+                <a:latin typeface="Arial" panose="020B0604020202020204" pitchFamily="34" charset="0"/>
+                <a:cs typeface="Arial" panose="020B0604020202020204" pitchFamily="34" charset="0"/>
+              </a:rPr>
+              <a:t>Dữ</a:t>
+            </a:r>
+            <a:r>
+              <a:rPr lang="en-US" sz="1400" dirty="0">
+                <a:latin typeface="Arial" panose="020B0604020202020204" pitchFamily="34" charset="0"/>
+                <a:cs typeface="Arial" panose="020B0604020202020204" pitchFamily="34" charset="0"/>
+              </a:rPr>
+              <a:t> </a:t>
+            </a:r>
+            <a:r>
+              <a:rPr lang="en-US" sz="1400" dirty="0" err="1">
+                <a:latin typeface="Arial" panose="020B0604020202020204" pitchFamily="34" charset="0"/>
+                <a:cs typeface="Arial" panose="020B0604020202020204" pitchFamily="34" charset="0"/>
+              </a:rPr>
+              <a:t>liệu</a:t>
+            </a:r>
+            <a:r>
+              <a:rPr lang="en-US" sz="1400" dirty="0">
+                <a:latin typeface="Arial" panose="020B0604020202020204" pitchFamily="34" charset="0"/>
+                <a:cs typeface="Arial" panose="020B0604020202020204" pitchFamily="34" charset="0"/>
+              </a:rPr>
+              <a:t> </a:t>
+            </a:r>
+            <a:r>
+              <a:rPr lang="en-US" sz="1400" dirty="0" err="1">
+                <a:latin typeface="Arial" panose="020B0604020202020204" pitchFamily="34" charset="0"/>
+                <a:cs typeface="Arial" panose="020B0604020202020204" pitchFamily="34" charset="0"/>
+              </a:rPr>
+              <a:t>để</a:t>
+            </a:r>
+            <a:r>
+              <a:rPr lang="en-US" sz="1400" dirty="0">
+                <a:latin typeface="Arial" panose="020B0604020202020204" pitchFamily="34" charset="0"/>
+                <a:cs typeface="Arial" panose="020B0604020202020204" pitchFamily="34" charset="0"/>
+              </a:rPr>
+              <a:t> test: </a:t>
+            </a:r>
+          </a:p>
+          <a:p>
+            <a:pPr marL="914400" lvl="2" indent="0">
+              <a:lnSpc>
+                <a:spcPct val="150000"/>
+              </a:lnSpc>
+              <a:buNone/>
+            </a:pPr>
+            <a:endParaRPr lang="en-US" sz="1400" dirty="0">
+              <a:latin typeface="Arial" panose="020B0604020202020204" pitchFamily="34" charset="0"/>
+              <a:cs typeface="Arial" panose="020B0604020202020204" pitchFamily="34" charset="0"/>
+            </a:endParaRPr>
+          </a:p>
+          <a:p>
+            <a:pPr marL="914400" lvl="2" indent="0">
+              <a:lnSpc>
+                <a:spcPct val="150000"/>
+              </a:lnSpc>
+              <a:buNone/>
+            </a:pPr>
+            <a:endParaRPr lang="en-US" sz="1400" dirty="0">
+              <a:latin typeface="Arial" panose="020B0604020202020204" pitchFamily="34" charset="0"/>
+              <a:cs typeface="Arial" panose="020B0604020202020204" pitchFamily="34" charset="0"/>
+            </a:endParaRPr>
           </a:p>
           <a:p>
             <a:pPr marL="800100" lvl="1" indent="-342900">
@@ -15400,6 +15716,19 @@
               <a:buFont typeface="+mj-lt"/>
               <a:buAutoNum type="alphaLcParenR"/>
             </a:pPr>
+            <a:endParaRPr lang="en-US" sz="1800" dirty="0">
+              <a:latin typeface="Arial" panose="020B0604020202020204" pitchFamily="34" charset="0"/>
+              <a:cs typeface="Arial" panose="020B0604020202020204" pitchFamily="34" charset="0"/>
+            </a:endParaRPr>
+          </a:p>
+          <a:p>
+            <a:pPr marL="800100" lvl="1" indent="-342900">
+              <a:lnSpc>
+                <a:spcPct val="150000"/>
+              </a:lnSpc>
+              <a:buFont typeface="+mj-lt"/>
+              <a:buAutoNum type="alphaLcParenR"/>
+            </a:pPr>
             <a:r>
               <a:rPr lang="en-US" sz="1800" dirty="0" err="1">
                 <a:latin typeface="Arial" panose="020B0604020202020204" pitchFamily="34" charset="0"/>
@@ -15479,6 +15808,225 @@
             </a:r>
             <a:r>
               <a:rPr lang="en-US" sz="1800" dirty="0">
+                <a:latin typeface="Arial" panose="020B0604020202020204" pitchFamily="34" charset="0"/>
+                <a:cs typeface="Arial" panose="020B0604020202020204" pitchFamily="34" charset="0"/>
+              </a:rPr>
+              <a:t>:</a:t>
+            </a:r>
+          </a:p>
+          <a:p>
+            <a:pPr marL="914400" lvl="2" indent="0">
+              <a:lnSpc>
+                <a:spcPct val="150000"/>
+              </a:lnSpc>
+              <a:buNone/>
+            </a:pPr>
+            <a:r>
+              <a:rPr lang="en-US" sz="1400" dirty="0" err="1">
+                <a:latin typeface="Arial" panose="020B0604020202020204" pitchFamily="34" charset="0"/>
+                <a:cs typeface="Arial" panose="020B0604020202020204" pitchFamily="34" charset="0"/>
+              </a:rPr>
+              <a:t>Cột</a:t>
+            </a:r>
+            <a:r>
+              <a:rPr lang="en-US" sz="1400" dirty="0">
+                <a:latin typeface="Arial" panose="020B0604020202020204" pitchFamily="34" charset="0"/>
+                <a:cs typeface="Arial" panose="020B0604020202020204" pitchFamily="34" charset="0"/>
+              </a:rPr>
+              <a:t> cast, director, vote, gross </a:t>
+            </a:r>
+            <a:r>
+              <a:rPr lang="en-US" sz="1400" dirty="0" err="1">
+                <a:latin typeface="Arial" panose="020B0604020202020204" pitchFamily="34" charset="0"/>
+                <a:cs typeface="Arial" panose="020B0604020202020204" pitchFamily="34" charset="0"/>
+              </a:rPr>
+              <a:t>có</a:t>
+            </a:r>
+            <a:r>
+              <a:rPr lang="en-US" sz="1400" dirty="0">
+                <a:latin typeface="Arial" panose="020B0604020202020204" pitchFamily="34" charset="0"/>
+                <a:cs typeface="Arial" panose="020B0604020202020204" pitchFamily="34" charset="0"/>
+              </a:rPr>
+              <a:t> tr</a:t>
+            </a:r>
+            <a:r>
+              <a:rPr lang="vi-VN" sz="1400" dirty="0">
+                <a:latin typeface="Arial" panose="020B0604020202020204" pitchFamily="34" charset="0"/>
+                <a:cs typeface="Arial" panose="020B0604020202020204" pitchFamily="34" charset="0"/>
+              </a:rPr>
+              <a:t>ư</a:t>
+            </a:r>
+            <a:r>
+              <a:rPr lang="en-US" sz="1400" dirty="0" err="1">
+                <a:latin typeface="Arial" panose="020B0604020202020204" pitchFamily="34" charset="0"/>
+                <a:cs typeface="Arial" panose="020B0604020202020204" pitchFamily="34" charset="0"/>
+              </a:rPr>
+              <a:t>ờng</a:t>
+            </a:r>
+            <a:r>
+              <a:rPr lang="en-US" sz="1400" dirty="0">
+                <a:latin typeface="Arial" panose="020B0604020202020204" pitchFamily="34" charset="0"/>
+                <a:cs typeface="Arial" panose="020B0604020202020204" pitchFamily="34" charset="0"/>
+              </a:rPr>
+              <a:t> </a:t>
+            </a:r>
+            <a:r>
+              <a:rPr lang="en-US" sz="1400" dirty="0" err="1">
+                <a:latin typeface="Arial" panose="020B0604020202020204" pitchFamily="34" charset="0"/>
+                <a:cs typeface="Arial" panose="020B0604020202020204" pitchFamily="34" charset="0"/>
+              </a:rPr>
+              <a:t>hợp</a:t>
+            </a:r>
+            <a:r>
+              <a:rPr lang="en-US" sz="1400" dirty="0">
+                <a:latin typeface="Arial" panose="020B0604020202020204" pitchFamily="34" charset="0"/>
+                <a:cs typeface="Arial" panose="020B0604020202020204" pitchFamily="34" charset="0"/>
+              </a:rPr>
+              <a:t> </a:t>
+            </a:r>
+            <a:r>
+              <a:rPr lang="en-US" sz="1400" dirty="0" err="1">
+                <a:latin typeface="Arial" panose="020B0604020202020204" pitchFamily="34" charset="0"/>
+                <a:cs typeface="Arial" panose="020B0604020202020204" pitchFamily="34" charset="0"/>
+              </a:rPr>
+              <a:t>không</a:t>
+            </a:r>
+            <a:r>
+              <a:rPr lang="en-US" sz="1400" dirty="0">
+                <a:latin typeface="Arial" panose="020B0604020202020204" pitchFamily="34" charset="0"/>
+                <a:cs typeface="Arial" panose="020B0604020202020204" pitchFamily="34" charset="0"/>
+              </a:rPr>
+              <a:t> </a:t>
+            </a:r>
+            <a:r>
+              <a:rPr lang="en-US" sz="1400" dirty="0" err="1">
+                <a:latin typeface="Arial" panose="020B0604020202020204" pitchFamily="34" charset="0"/>
+                <a:cs typeface="Arial" panose="020B0604020202020204" pitchFamily="34" charset="0"/>
+              </a:rPr>
+              <a:t>có</a:t>
+            </a:r>
+            <a:r>
+              <a:rPr lang="en-US" sz="1400" dirty="0">
+                <a:latin typeface="Arial" panose="020B0604020202020204" pitchFamily="34" charset="0"/>
+                <a:cs typeface="Arial" panose="020B0604020202020204" pitchFamily="34" charset="0"/>
+              </a:rPr>
+              <a:t> </a:t>
+            </a:r>
+            <a:r>
+              <a:rPr lang="en-US" sz="1400" dirty="0" err="1">
+                <a:latin typeface="Arial" panose="020B0604020202020204" pitchFamily="34" charset="0"/>
+                <a:cs typeface="Arial" panose="020B0604020202020204" pitchFamily="34" charset="0"/>
+              </a:rPr>
+              <a:t>dữ</a:t>
+            </a:r>
+            <a:r>
+              <a:rPr lang="en-US" sz="1400" dirty="0">
+                <a:latin typeface="Arial" panose="020B0604020202020204" pitchFamily="34" charset="0"/>
+                <a:cs typeface="Arial" panose="020B0604020202020204" pitchFamily="34" charset="0"/>
+              </a:rPr>
+              <a:t> </a:t>
+            </a:r>
+            <a:r>
+              <a:rPr lang="en-US" sz="1400" dirty="0" err="1">
+                <a:latin typeface="Arial" panose="020B0604020202020204" pitchFamily="34" charset="0"/>
+                <a:cs typeface="Arial" panose="020B0604020202020204" pitchFamily="34" charset="0"/>
+              </a:rPr>
+              <a:t>liệu</a:t>
+            </a:r>
+            <a:r>
+              <a:rPr lang="en-US" sz="1400" dirty="0">
+                <a:latin typeface="Arial" panose="020B0604020202020204" pitchFamily="34" charset="0"/>
+                <a:cs typeface="Arial" panose="020B0604020202020204" pitchFamily="34" charset="0"/>
+              </a:rPr>
+              <a:t>.</a:t>
+            </a:r>
+          </a:p>
+          <a:p>
+            <a:pPr marL="914400" lvl="2" indent="0">
+              <a:lnSpc>
+                <a:spcPct val="150000"/>
+              </a:lnSpc>
+              <a:buNone/>
+            </a:pPr>
+            <a:r>
+              <a:rPr lang="en-US" sz="1400" dirty="0" err="1">
+                <a:latin typeface="Arial" panose="020B0604020202020204" pitchFamily="34" charset="0"/>
+                <a:cs typeface="Arial" panose="020B0604020202020204" pitchFamily="34" charset="0"/>
+              </a:rPr>
+              <a:t>Có</a:t>
+            </a:r>
+            <a:r>
+              <a:rPr lang="en-US" sz="1400" dirty="0">
+                <a:latin typeface="Arial" panose="020B0604020202020204" pitchFamily="34" charset="0"/>
+                <a:cs typeface="Arial" panose="020B0604020202020204" pitchFamily="34" charset="0"/>
+              </a:rPr>
+              <a:t> </a:t>
+            </a:r>
+            <a:r>
+              <a:rPr lang="en-US" sz="1400" dirty="0" err="1">
+                <a:latin typeface="Arial" panose="020B0604020202020204" pitchFamily="34" charset="0"/>
+                <a:cs typeface="Arial" panose="020B0604020202020204" pitchFamily="34" charset="0"/>
+              </a:rPr>
+              <a:t>những</a:t>
+            </a:r>
+            <a:r>
+              <a:rPr lang="en-US" sz="1400" dirty="0">
+                <a:latin typeface="Arial" panose="020B0604020202020204" pitchFamily="34" charset="0"/>
+                <a:cs typeface="Arial" panose="020B0604020202020204" pitchFamily="34" charset="0"/>
+              </a:rPr>
+              <a:t> </a:t>
+            </a:r>
+            <a:r>
+              <a:rPr lang="en-US" sz="1400" dirty="0" err="1">
+                <a:latin typeface="Arial" panose="020B0604020202020204" pitchFamily="34" charset="0"/>
+                <a:cs typeface="Arial" panose="020B0604020202020204" pitchFamily="34" charset="0"/>
+              </a:rPr>
+              <a:t>dòng</a:t>
+            </a:r>
+            <a:r>
+              <a:rPr lang="en-US" sz="1400" dirty="0">
+                <a:latin typeface="Arial" panose="020B0604020202020204" pitchFamily="34" charset="0"/>
+                <a:cs typeface="Arial" panose="020B0604020202020204" pitchFamily="34" charset="0"/>
+              </a:rPr>
+              <a:t> record </a:t>
+            </a:r>
+            <a:r>
+              <a:rPr lang="en-US" sz="1400" dirty="0" err="1">
+                <a:latin typeface="Arial" panose="020B0604020202020204" pitchFamily="34" charset="0"/>
+                <a:cs typeface="Arial" panose="020B0604020202020204" pitchFamily="34" charset="0"/>
+              </a:rPr>
+              <a:t>bị</a:t>
+            </a:r>
+            <a:r>
+              <a:rPr lang="en-US" sz="1400" dirty="0">
+                <a:latin typeface="Arial" panose="020B0604020202020204" pitchFamily="34" charset="0"/>
+                <a:cs typeface="Arial" panose="020B0604020202020204" pitchFamily="34" charset="0"/>
+              </a:rPr>
+              <a:t> </a:t>
+            </a:r>
+            <a:r>
+              <a:rPr lang="en-US" sz="1400" dirty="0" err="1">
+                <a:latin typeface="Arial" panose="020B0604020202020204" pitchFamily="34" charset="0"/>
+                <a:cs typeface="Arial" panose="020B0604020202020204" pitchFamily="34" charset="0"/>
+              </a:rPr>
+              <a:t>trùng</a:t>
+            </a:r>
+            <a:r>
+              <a:rPr lang="en-US" sz="1400" dirty="0">
+                <a:latin typeface="Arial" panose="020B0604020202020204" pitchFamily="34" charset="0"/>
+                <a:cs typeface="Arial" panose="020B0604020202020204" pitchFamily="34" charset="0"/>
+              </a:rPr>
+              <a:t> </a:t>
+            </a:r>
+            <a:r>
+              <a:rPr lang="en-US" sz="1400" dirty="0" err="1">
+                <a:latin typeface="Arial" panose="020B0604020202020204" pitchFamily="34" charset="0"/>
+                <a:cs typeface="Arial" panose="020B0604020202020204" pitchFamily="34" charset="0"/>
+              </a:rPr>
+              <a:t>nhau</a:t>
+            </a:r>
+            <a:r>
+              <a:rPr lang="en-US" sz="1400" dirty="0">
                 <a:latin typeface="Arial" panose="020B0604020202020204" pitchFamily="34" charset="0"/>
                 <a:cs typeface="Arial" panose="020B0604020202020204" pitchFamily="34" charset="0"/>
               </a:rPr>
@@ -15524,7 +16072,7 @@
               <a:rPr lang="en-US" smtClean="0"/>
               <a:t>6</a:t>
             </a:fld>
-            <a:endParaRPr lang="en-US"/>
+            <a:endParaRPr lang="en-US" dirty="0"/>
           </a:p>
         </p:txBody>
       </p:sp>
@@ -15831,6 +16379,138 @@
               <a:latin typeface="Arial" panose="020B0604020202020204" pitchFamily="34" charset="0"/>
               <a:cs typeface="Arial" panose="020B0604020202020204" pitchFamily="34" charset="0"/>
             </a:endParaRPr>
+          </a:p>
+        </p:txBody>
+      </p:sp>
+      <p:pic>
+        <p:nvPicPr>
+          <p:cNvPr id="5" name="Picture 4">
+            <a:extLst>
+              <a:ext uri="{FF2B5EF4-FFF2-40B4-BE49-F238E27FC236}">
+                <a16:creationId xmlns:a16="http://schemas.microsoft.com/office/drawing/2014/main" id="{7F478DD3-0EE1-47B3-A7AE-7DBBDEE50FE0}"/>
+              </a:ext>
+            </a:extLst>
+          </p:cNvPr>
+          <p:cNvPicPr>
+            <a:picLocks noChangeAspect="1"/>
+          </p:cNvPicPr>
+          <p:nvPr/>
+        </p:nvPicPr>
+        <p:blipFill>
+          <a:blip r:embed="rId5"/>
+          <a:stretch>
+            <a:fillRect/>
+          </a:stretch>
+        </p:blipFill>
+        <p:spPr>
+          <a:xfrm>
+            <a:off x="4654296" y="4495470"/>
+            <a:ext cx="7501050" cy="852802"/>
+          </a:xfrm>
+          <a:prstGeom prst="rect">
+            <a:avLst/>
+          </a:prstGeom>
+        </p:spPr>
+      </p:pic>
+      <p:sp>
+        <p:nvSpPr>
+          <p:cNvPr id="11" name="TextBox 10">
+            <a:extLst>
+              <a:ext uri="{FF2B5EF4-FFF2-40B4-BE49-F238E27FC236}">
+                <a16:creationId xmlns:a16="http://schemas.microsoft.com/office/drawing/2014/main" id="{4FE0A5F7-7CBD-4616-A97E-6A851FAF76FA}"/>
+              </a:ext>
+            </a:extLst>
+          </p:cNvPr>
+          <p:cNvSpPr txBox="1"/>
+          <p:nvPr/>
+        </p:nvSpPr>
+        <p:spPr>
+          <a:xfrm>
+            <a:off x="5444870" y="5348272"/>
+            <a:ext cx="6114420" cy="276999"/>
+          </a:xfrm>
+          <a:prstGeom prst="rect">
+            <a:avLst/>
+          </a:prstGeom>
+          <a:noFill/>
+        </p:spPr>
+        <p:txBody>
+          <a:bodyPr wrap="square" rtlCol="0">
+            <a:spAutoFit/>
+          </a:bodyPr>
+          <a:lstStyle/>
+          <a:p>
+            <a:pPr algn="ctr"/>
+            <a:r>
+              <a:rPr lang="en-US" sz="1200" dirty="0" err="1">
+                <a:latin typeface="Arial" panose="020B0604020202020204" pitchFamily="34" charset="0"/>
+                <a:cs typeface="Arial" panose="020B0604020202020204" pitchFamily="34" charset="0"/>
+              </a:rPr>
+              <a:t>Hình</a:t>
+            </a:r>
+            <a:r>
+              <a:rPr lang="en-US" sz="1200" dirty="0">
+                <a:latin typeface="Arial" panose="020B0604020202020204" pitchFamily="34" charset="0"/>
+                <a:cs typeface="Arial" panose="020B0604020202020204" pitchFamily="34" charset="0"/>
+              </a:rPr>
+              <a:t> 2: </a:t>
+            </a:r>
+            <a:r>
+              <a:rPr lang="en-US" sz="1200" dirty="0" err="1">
+                <a:latin typeface="Arial" panose="020B0604020202020204" pitchFamily="34" charset="0"/>
+                <a:cs typeface="Arial" panose="020B0604020202020204" pitchFamily="34" charset="0"/>
+              </a:rPr>
+              <a:t>Mô</a:t>
+            </a:r>
+            <a:r>
+              <a:rPr lang="en-US" sz="1200" dirty="0">
+                <a:latin typeface="Arial" panose="020B0604020202020204" pitchFamily="34" charset="0"/>
+                <a:cs typeface="Arial" panose="020B0604020202020204" pitchFamily="34" charset="0"/>
+              </a:rPr>
+              <a:t> </a:t>
+            </a:r>
+            <a:r>
+              <a:rPr lang="en-US" sz="1200" dirty="0" err="1">
+                <a:latin typeface="Arial" panose="020B0604020202020204" pitchFamily="34" charset="0"/>
+                <a:cs typeface="Arial" panose="020B0604020202020204" pitchFamily="34" charset="0"/>
+              </a:rPr>
+              <a:t>tả</a:t>
+            </a:r>
+            <a:r>
+              <a:rPr lang="en-US" sz="1200" dirty="0">
+                <a:latin typeface="Arial" panose="020B0604020202020204" pitchFamily="34" charset="0"/>
+                <a:cs typeface="Arial" panose="020B0604020202020204" pitchFamily="34" charset="0"/>
+              </a:rPr>
+              <a:t> 4 record </a:t>
+            </a:r>
+            <a:r>
+              <a:rPr lang="en-US" sz="1200" dirty="0" err="1">
+                <a:latin typeface="Arial" panose="020B0604020202020204" pitchFamily="34" charset="0"/>
+                <a:cs typeface="Arial" panose="020B0604020202020204" pitchFamily="34" charset="0"/>
+              </a:rPr>
+              <a:t>trong</a:t>
+            </a:r>
+            <a:r>
+              <a:rPr lang="en-US" sz="1200" dirty="0">
+                <a:latin typeface="Arial" panose="020B0604020202020204" pitchFamily="34" charset="0"/>
+                <a:cs typeface="Arial" panose="020B0604020202020204" pitchFamily="34" charset="0"/>
+              </a:rPr>
+              <a:t> </a:t>
+            </a:r>
+            <a:r>
+              <a:rPr lang="en-US" sz="1200" dirty="0" err="1">
+                <a:latin typeface="Arial" panose="020B0604020202020204" pitchFamily="34" charset="0"/>
+                <a:cs typeface="Arial" panose="020B0604020202020204" pitchFamily="34" charset="0"/>
+              </a:rPr>
+              <a:t>tập</a:t>
+            </a:r>
+            <a:r>
+              <a:rPr lang="en-US" sz="1200" dirty="0">
+                <a:latin typeface="Arial" panose="020B0604020202020204" pitchFamily="34" charset="0"/>
+                <a:cs typeface="Arial" panose="020B0604020202020204" pitchFamily="34" charset="0"/>
+              </a:rPr>
+              <a:t> tin “./data/Action.csv”</a:t>
+            </a:r>
           </a:p>
         </p:txBody>
       </p:sp>

--- a/doc/report.pptx
+++ b/doc/report.pptx
@@ -5,10 +5,10 @@
     <p:sldMasterId id="2147483648" r:id="rId1"/>
   </p:sldMasterIdLst>
   <p:notesMasterIdLst>
-    <p:notesMasterId r:id="rId12"/>
+    <p:notesMasterId r:id="rId13"/>
   </p:notesMasterIdLst>
   <p:handoutMasterIdLst>
-    <p:handoutMasterId r:id="rId13"/>
+    <p:handoutMasterId r:id="rId14"/>
   </p:handoutMasterIdLst>
   <p:sldIdLst>
     <p:sldId id="256" r:id="rId2"/>
@@ -18,9 +18,10 @@
     <p:sldId id="773" r:id="rId6"/>
     <p:sldId id="518" r:id="rId7"/>
     <p:sldId id="520" r:id="rId8"/>
-    <p:sldId id="772" r:id="rId9"/>
-    <p:sldId id="771" r:id="rId10"/>
-    <p:sldId id="766" r:id="rId11"/>
+    <p:sldId id="774" r:id="rId9"/>
+    <p:sldId id="772" r:id="rId10"/>
+    <p:sldId id="771" r:id="rId11"/>
+    <p:sldId id="766" r:id="rId12"/>
   </p:sldIdLst>
   <p:sldSz cx="12192000" cy="6858000"/>
   <p:notesSz cx="6858000" cy="9144000"/>
@@ -6321,6 +6322,401 @@
     <p:bg>
       <p:bgPr>
         <a:solidFill>
+          <a:schemeClr val="bg1"/>
+        </a:solidFill>
+        <a:effectLst/>
+      </p:bgPr>
+    </p:bg>
+    <p:spTree>
+      <p:nvGrpSpPr>
+        <p:cNvPr id="1" name=""/>
+        <p:cNvGrpSpPr/>
+        <p:nvPr/>
+      </p:nvGrpSpPr>
+      <p:grpSpPr>
+        <a:xfrm>
+          <a:off x="0" y="0"/>
+          <a:ext cx="0" cy="0"/>
+          <a:chOff x="0" y="0"/>
+          <a:chExt cx="0" cy="0"/>
+        </a:xfrm>
+      </p:grpSpPr>
+      <p:sp>
+        <p:nvSpPr>
+          <p:cNvPr id="44" name="Rectangle 43">
+            <a:extLst>
+              <a:ext uri="{FF2B5EF4-FFF2-40B4-BE49-F238E27FC236}">
+                <a16:creationId xmlns:a16="http://schemas.microsoft.com/office/drawing/2014/main" id="{867D4867-5BA7-4462-B2F6-A23F4A622AA7}"/>
+              </a:ext>
+              <a:ext uri="{C183D7F6-B498-43B3-948B-1728B52AA6E4}">
+                <adec:decorative xmlns:adec="http://schemas.microsoft.com/office/drawing/2017/decorative" val="1"/>
+              </a:ext>
+            </a:extLst>
+          </p:cNvPr>
+          <p:cNvSpPr>
+            <a:spLocks noGrp="1" noRot="1" noChangeAspect="1" noMove="1" noResize="1" noEditPoints="1" noAdjustHandles="1" noChangeArrowheads="1" noChangeShapeType="1" noTextEdit="1"/>
+          </p:cNvSpPr>
+          <p:nvPr>
+            <p:extLst>
+              <p:ext uri="{386F3935-93C4-4BCD-93E2-E3B085C9AB24}">
+                <p16:designElem xmlns:p16="http://schemas.microsoft.com/office/powerpoint/2015/main" val="1"/>
+              </p:ext>
+            </p:extLst>
+          </p:nvPr>
+        </p:nvSpPr>
+        <p:spPr>
+          <a:xfrm>
+            <a:off x="0" y="0"/>
+            <a:ext cx="4654296" cy="6858000"/>
+          </a:xfrm>
+          <a:prstGeom prst="rect">
+            <a:avLst/>
+          </a:prstGeom>
+          <a:solidFill>
+            <a:schemeClr val="tx1">
+              <a:lumMod val="75000"/>
+              <a:lumOff val="25000"/>
+            </a:schemeClr>
+          </a:solidFill>
+          <a:ln>
+            <a:noFill/>
+          </a:ln>
+        </p:spPr>
+        <p:style>
+          <a:lnRef idx="0">
+            <a:scrgbClr r="0" g="0" b="0"/>
+          </a:lnRef>
+          <a:fillRef idx="0">
+            <a:scrgbClr r="0" g="0" b="0"/>
+          </a:fillRef>
+          <a:effectRef idx="0">
+            <a:scrgbClr r="0" g="0" b="0"/>
+          </a:effectRef>
+          <a:fontRef idx="minor">
+            <a:schemeClr val="lt1"/>
+          </a:fontRef>
+        </p:style>
+        <p:txBody>
+          <a:bodyPr rtlCol="0" anchor="ctr"/>
+          <a:lstStyle/>
+          <a:p>
+            <a:pPr marL="0" marR="0" lvl="0" indent="0" algn="ctr" defTabSz="914400" rtl="0" eaLnBrk="1" fontAlgn="auto" latinLnBrk="0" hangingPunct="1">
+              <a:lnSpc>
+                <a:spcPct val="100000"/>
+              </a:lnSpc>
+              <a:spcBef>
+                <a:spcPts val="0"/>
+              </a:spcBef>
+              <a:spcAft>
+                <a:spcPts val="0"/>
+              </a:spcAft>
+              <a:buClrTx/>
+              <a:buSzTx/>
+              <a:buFontTx/>
+              <a:buNone/>
+              <a:tabLst/>
+              <a:defRPr/>
+            </a:pPr>
+            <a:endParaRPr kumimoji="0" lang="en-US" sz="1800" b="0" i="0" u="none" strike="noStrike" kern="1200" cap="none" spc="0" normalizeH="0" baseline="0" noProof="0">
+              <a:ln>
+                <a:noFill/>
+              </a:ln>
+              <a:solidFill>
+                <a:prstClr val="white"/>
+              </a:solidFill>
+              <a:effectLst/>
+              <a:uLnTx/>
+              <a:uFillTx/>
+              <a:latin typeface="Calibri" panose="020F0502020204030204"/>
+              <a:ea typeface="+mn-ea"/>
+              <a:cs typeface="+mn-cs"/>
+            </a:endParaRPr>
+          </a:p>
+        </p:txBody>
+      </p:sp>
+      <p:sp>
+        <p:nvSpPr>
+          <p:cNvPr id="2" name="Title 1">
+            <a:extLst>
+              <a:ext uri="{FF2B5EF4-FFF2-40B4-BE49-F238E27FC236}">
+                <a16:creationId xmlns:a16="http://schemas.microsoft.com/office/drawing/2014/main" id="{E55A4638-2E2B-40EE-9B03-08240B0DA63F}"/>
+              </a:ext>
+            </a:extLst>
+          </p:cNvPr>
+          <p:cNvSpPr>
+            <a:spLocks noGrp="1"/>
+          </p:cNvSpPr>
+          <p:nvPr>
+            <p:ph type="title"/>
+          </p:nvPr>
+        </p:nvSpPr>
+        <p:spPr>
+          <a:xfrm>
+            <a:off x="480764" y="615022"/>
+            <a:ext cx="3689381" cy="1392702"/>
+          </a:xfrm>
+          <a:noFill/>
+          <a:ln w="19050">
+            <a:solidFill>
+              <a:schemeClr val="bg1"/>
+            </a:solidFill>
+          </a:ln>
+        </p:spPr>
+        <p:txBody>
+          <a:bodyPr wrap="square">
+            <a:normAutofit fontScale="90000"/>
+          </a:bodyPr>
+          <a:lstStyle/>
+          <a:p>
+            <a:pPr algn="ctr"/>
+            <a:r>
+              <a:rPr lang="en-US" sz="4800" dirty="0">
+                <a:solidFill>
+                  <a:schemeClr val="bg1"/>
+                </a:solidFill>
+                <a:latin typeface="Arial" panose="020B0604020202020204" pitchFamily="34" charset="0"/>
+                <a:cs typeface="Arial" panose="020B0604020202020204" pitchFamily="34" charset="0"/>
+              </a:rPr>
+              <a:t>IV. </a:t>
+            </a:r>
+            <a:r>
+              <a:rPr lang="en-US" sz="4800" dirty="0" err="1">
+                <a:solidFill>
+                  <a:schemeClr val="bg1"/>
+                </a:solidFill>
+                <a:latin typeface="Arial" panose="020B0604020202020204" pitchFamily="34" charset="0"/>
+                <a:cs typeface="Arial" panose="020B0604020202020204" pitchFamily="34" charset="0"/>
+              </a:rPr>
+              <a:t>Tài</a:t>
+            </a:r>
+            <a:r>
+              <a:rPr lang="en-US" sz="4800" dirty="0">
+                <a:solidFill>
+                  <a:schemeClr val="bg1"/>
+                </a:solidFill>
+                <a:latin typeface="Arial" panose="020B0604020202020204" pitchFamily="34" charset="0"/>
+                <a:cs typeface="Arial" panose="020B0604020202020204" pitchFamily="34" charset="0"/>
+              </a:rPr>
+              <a:t> </a:t>
+            </a:r>
+            <a:r>
+              <a:rPr lang="en-US" sz="4800" dirty="0" err="1">
+                <a:solidFill>
+                  <a:schemeClr val="bg1"/>
+                </a:solidFill>
+                <a:latin typeface="Arial" panose="020B0604020202020204" pitchFamily="34" charset="0"/>
+                <a:cs typeface="Arial" panose="020B0604020202020204" pitchFamily="34" charset="0"/>
+              </a:rPr>
+              <a:t>liệu</a:t>
+            </a:r>
+            <a:r>
+              <a:rPr lang="en-US" sz="4800" dirty="0">
+                <a:solidFill>
+                  <a:schemeClr val="bg1"/>
+                </a:solidFill>
+                <a:latin typeface="Arial" panose="020B0604020202020204" pitchFamily="34" charset="0"/>
+                <a:cs typeface="Arial" panose="020B0604020202020204" pitchFamily="34" charset="0"/>
+              </a:rPr>
+              <a:t> </a:t>
+            </a:r>
+            <a:r>
+              <a:rPr lang="en-US" sz="4800" dirty="0" err="1">
+                <a:solidFill>
+                  <a:schemeClr val="bg1"/>
+                </a:solidFill>
+                <a:latin typeface="Arial" panose="020B0604020202020204" pitchFamily="34" charset="0"/>
+                <a:cs typeface="Arial" panose="020B0604020202020204" pitchFamily="34" charset="0"/>
+              </a:rPr>
+              <a:t>tham</a:t>
+            </a:r>
+            <a:r>
+              <a:rPr lang="en-US" sz="4800" dirty="0">
+                <a:solidFill>
+                  <a:schemeClr val="bg1"/>
+                </a:solidFill>
+                <a:latin typeface="Arial" panose="020B0604020202020204" pitchFamily="34" charset="0"/>
+                <a:cs typeface="Arial" panose="020B0604020202020204" pitchFamily="34" charset="0"/>
+              </a:rPr>
+              <a:t> </a:t>
+            </a:r>
+            <a:r>
+              <a:rPr lang="en-US" sz="4800" dirty="0" err="1">
+                <a:solidFill>
+                  <a:schemeClr val="bg1"/>
+                </a:solidFill>
+                <a:latin typeface="Arial" panose="020B0604020202020204" pitchFamily="34" charset="0"/>
+                <a:cs typeface="Arial" panose="020B0604020202020204" pitchFamily="34" charset="0"/>
+              </a:rPr>
+              <a:t>khảo</a:t>
+            </a:r>
+            <a:endParaRPr lang="en-US" sz="4800" dirty="0">
+              <a:solidFill>
+                <a:schemeClr val="bg1"/>
+              </a:solidFill>
+              <a:latin typeface="Arial" panose="020B0604020202020204" pitchFamily="34" charset="0"/>
+              <a:cs typeface="Arial" panose="020B0604020202020204" pitchFamily="34" charset="0"/>
+            </a:endParaRPr>
+          </a:p>
+        </p:txBody>
+      </p:sp>
+      <p:sp>
+        <p:nvSpPr>
+          <p:cNvPr id="3" name="Slide Number Placeholder 2">
+            <a:extLst>
+              <a:ext uri="{FF2B5EF4-FFF2-40B4-BE49-F238E27FC236}">
+                <a16:creationId xmlns:a16="http://schemas.microsoft.com/office/drawing/2014/main" id="{68EA66D6-D635-4E00-B77B-D182EE9AF4F0}"/>
+              </a:ext>
+            </a:extLst>
+          </p:cNvPr>
+          <p:cNvSpPr>
+            <a:spLocks noGrp="1"/>
+          </p:cNvSpPr>
+          <p:nvPr>
+            <p:ph type="sldNum" sz="quarter" idx="12"/>
+          </p:nvPr>
+        </p:nvSpPr>
+        <p:spPr/>
+        <p:txBody>
+          <a:bodyPr/>
+          <a:lstStyle/>
+          <a:p>
+            <a:fld id="{BA5EFCD9-C1BF-4EA9-9E14-78586E50B94C}" type="slidenum">
+              <a:rPr lang="en-US" smtClean="0"/>
+              <a:t>10</a:t>
+            </a:fld>
+            <a:endParaRPr lang="en-US"/>
+          </a:p>
+        </p:txBody>
+      </p:sp>
+      <p:sp>
+        <p:nvSpPr>
+          <p:cNvPr id="6" name="Content Placeholder 9">
+            <a:extLst>
+              <a:ext uri="{FF2B5EF4-FFF2-40B4-BE49-F238E27FC236}">
+                <a16:creationId xmlns:a16="http://schemas.microsoft.com/office/drawing/2014/main" id="{59664631-B18D-44AF-A9A3-E01127481337}"/>
+              </a:ext>
+            </a:extLst>
+          </p:cNvPr>
+          <p:cNvSpPr>
+            <a:spLocks noGrp="1"/>
+          </p:cNvSpPr>
+          <p:nvPr>
+            <p:ph idx="1"/>
+          </p:nvPr>
+        </p:nvSpPr>
+        <p:spPr>
+          <a:xfrm>
+            <a:off x="5156703" y="635518"/>
+            <a:ext cx="6773324" cy="5883616"/>
+          </a:xfrm>
+        </p:spPr>
+        <p:txBody>
+          <a:bodyPr>
+            <a:noAutofit/>
+          </a:bodyPr>
+          <a:lstStyle/>
+          <a:p>
+            <a:pPr marL="0" indent="0">
+              <a:lnSpc>
+                <a:spcPct val="150000"/>
+              </a:lnSpc>
+              <a:buNone/>
+            </a:pPr>
+            <a:r>
+              <a:rPr lang="en-US" sz="1800" dirty="0">
+                <a:latin typeface="Arial" panose="020B0604020202020204" pitchFamily="34" charset="0"/>
+                <a:cs typeface="Arial" panose="020B0604020202020204" pitchFamily="34" charset="0"/>
+              </a:rPr>
+              <a:t>[1] </a:t>
+            </a:r>
+            <a:r>
+              <a:rPr lang="en-US" sz="1800" dirty="0">
+                <a:latin typeface="Arial" panose="020B0604020202020204" pitchFamily="34" charset="0"/>
+                <a:cs typeface="Arial" panose="020B0604020202020204" pitchFamily="34" charset="0"/>
+                <a:hlinkClick r:id="rId2"/>
+              </a:rPr>
+              <a:t>https://towardsdatascience.com/review-rating-prediction-a-combined-approach-538c617c495c/</a:t>
+            </a:r>
+            <a:endParaRPr lang="en-US" sz="1800" dirty="0">
+              <a:latin typeface="Arial" panose="020B0604020202020204" pitchFamily="34" charset="0"/>
+              <a:cs typeface="Arial" panose="020B0604020202020204" pitchFamily="34" charset="0"/>
+            </a:endParaRPr>
+          </a:p>
+          <a:p>
+            <a:pPr marL="0" indent="0">
+              <a:lnSpc>
+                <a:spcPct val="150000"/>
+              </a:lnSpc>
+              <a:buNone/>
+            </a:pPr>
+            <a:r>
+              <a:rPr lang="en-US" sz="1800" dirty="0">
+                <a:latin typeface="Arial" panose="020B0604020202020204" pitchFamily="34" charset="0"/>
+                <a:cs typeface="Arial" panose="020B0604020202020204" pitchFamily="34" charset="0"/>
+              </a:rPr>
+              <a:t>[2] </a:t>
+            </a:r>
+            <a:r>
+              <a:rPr lang="en-US" sz="1800" dirty="0">
+                <a:latin typeface="Arial" panose="020B0604020202020204" pitchFamily="34" charset="0"/>
+                <a:cs typeface="Arial" panose="020B0604020202020204" pitchFamily="34" charset="0"/>
+                <a:hlinkClick r:id="rId3"/>
+              </a:rPr>
+              <a:t>https://www.kaggle.com/sherinclaudia/movie-rating-prediction/data/</a:t>
+            </a:r>
+            <a:endParaRPr lang="en-US" sz="1800" dirty="0">
+              <a:latin typeface="Arial" panose="020B0604020202020204" pitchFamily="34" charset="0"/>
+              <a:cs typeface="Arial" panose="020B0604020202020204" pitchFamily="34" charset="0"/>
+            </a:endParaRPr>
+          </a:p>
+          <a:p>
+            <a:pPr marL="0" indent="0">
+              <a:lnSpc>
+                <a:spcPct val="150000"/>
+              </a:lnSpc>
+              <a:buNone/>
+            </a:pPr>
+            <a:r>
+              <a:rPr lang="en-US" sz="1800" dirty="0">
+                <a:latin typeface="Arial" panose="020B0604020202020204" pitchFamily="34" charset="0"/>
+                <a:cs typeface="Arial" panose="020B0604020202020204" pitchFamily="34" charset="0"/>
+              </a:rPr>
+              <a:t>[3] </a:t>
+            </a:r>
+            <a:r>
+              <a:rPr lang="en-US" sz="1800" dirty="0">
+                <a:latin typeface="Arial" panose="020B0604020202020204" pitchFamily="34" charset="0"/>
+                <a:cs typeface="Arial" panose="020B0604020202020204" pitchFamily="34" charset="0"/>
+                <a:hlinkClick r:id="rId4"/>
+              </a:rPr>
+              <a:t>https://www.imdb.com/</a:t>
+            </a:r>
+            <a:endParaRPr lang="en-US" sz="1800" dirty="0">
+              <a:latin typeface="Arial" panose="020B0604020202020204" pitchFamily="34" charset="0"/>
+              <a:cs typeface="Arial" panose="020B0604020202020204" pitchFamily="34" charset="0"/>
+            </a:endParaRPr>
+          </a:p>
+        </p:txBody>
+      </p:sp>
+    </p:spTree>
+    <p:extLst>
+      <p:ext uri="{BB962C8B-B14F-4D97-AF65-F5344CB8AC3E}">
+        <p14:creationId xmlns:p14="http://schemas.microsoft.com/office/powerpoint/2010/main" val="3964564971"/>
+      </p:ext>
+    </p:extLst>
+  </p:cSld>
+  <p:clrMapOvr>
+    <a:masterClrMapping/>
+  </p:clrMapOvr>
+</p:sld>
+</file>
+
+<file path=ppt/slides/slide11.xml><?xml version="1.0" encoding="utf-8"?>
+<p:sld xmlns:a="http://schemas.openxmlformats.org/drawingml/2006/main" xmlns:r="http://schemas.openxmlformats.org/officeDocument/2006/relationships" xmlns:p="http://schemas.openxmlformats.org/presentationml/2006/main">
+  <p:cSld>
+    <p:bg>
+      <p:bgPr>
+        <a:solidFill>
           <a:schemeClr val="tx1"/>
         </a:solidFill>
         <a:effectLst/>
@@ -6556,21 +6952,6 @@
               <a:t> </a:t>
             </a:r>
             <a:r>
-              <a:rPr lang="en-US" sz="5800" dirty="0" err="1"/>
-              <a:t>cô</a:t>
-            </a:r>
-            <a:r>
-              <a:rPr lang="en-US" sz="5800" kern="1200" dirty="0">
-                <a:solidFill>
-                  <a:schemeClr val="tx1"/>
-                </a:solidFill>
-                <a:latin typeface="+mj-lt"/>
-                <a:ea typeface="+mj-ea"/>
-                <a:cs typeface="+mj-cs"/>
-              </a:rPr>
-              <a:t> </a:t>
-            </a:r>
-            <a:r>
               <a:rPr lang="en-US" sz="5800" kern="1200" dirty="0" err="1">
                 <a:solidFill>
                   <a:schemeClr val="tx1"/>
@@ -6804,7 +7185,7 @@
           <a:p>
             <a:fld id="{BA5EFCD9-C1BF-4EA9-9E14-78586E50B94C}" type="slidenum">
               <a:rPr lang="en-US" smtClean="0"/>
-              <a:t>10</a:t>
+              <a:t>11</a:t>
             </a:fld>
             <a:endParaRPr lang="en-US"/>
           </a:p>
@@ -8358,9 +8739,9 @@
         <p:grpSpPr>
           <a:xfrm>
             <a:off x="8993208" y="3632073"/>
-            <a:ext cx="2087182" cy="1855380"/>
+            <a:ext cx="2270048" cy="1495281"/>
             <a:chOff x="2906002" y="3635093"/>
-            <a:chExt cx="2087182" cy="1855380"/>
+            <a:chExt cx="2087182" cy="1495281"/>
           </a:xfrm>
         </p:grpSpPr>
         <p:sp>
@@ -8378,7 +8759,7 @@
           <p:spPr>
             <a:xfrm>
               <a:off x="2906002" y="3635093"/>
-              <a:ext cx="2087182" cy="1855380"/>
+              <a:ext cx="2087182" cy="1495281"/>
             </a:xfrm>
             <a:prstGeom prst="rect">
               <a:avLst/>
@@ -8397,6 +8778,17 @@
                 </a:lnSpc>
               </a:pPr>
               <a:r>
+                <a:rPr lang="en-US" dirty="0">
+                  <a:solidFill>
+                    <a:schemeClr val="bg1"/>
+                  </a:solidFill>
+                  <a:latin typeface="Arial" panose="020B0604020202020204" pitchFamily="34" charset="0"/>
+                  <a:ea typeface="Roboto Condensed Light" panose="02000000000000000000" pitchFamily="2" charset="0"/>
+                  <a:cs typeface="Arial" panose="020B0604020202020204" pitchFamily="34" charset="0"/>
+                </a:rPr>
+                <a:t>Thu </a:t>
+              </a:r>
+              <a:r>
                 <a:rPr lang="en-US" dirty="0" err="1">
                   <a:solidFill>
                     <a:schemeClr val="bg1"/>
@@ -8405,7 +8797,7 @@
                   <a:ea typeface="Roboto Condensed Light" panose="02000000000000000000" pitchFamily="2" charset="0"/>
                   <a:cs typeface="Arial" panose="020B0604020202020204" pitchFamily="34" charset="0"/>
                 </a:rPr>
-                <a:t>Quá</a:t>
+                <a:t>thập</a:t>
               </a:r>
               <a:r>
                 <a:rPr lang="en-US" dirty="0">
@@ -8427,7 +8819,7 @@
                   <a:ea typeface="Roboto Condensed Light" panose="02000000000000000000" pitchFamily="2" charset="0"/>
                   <a:cs typeface="Arial" panose="020B0604020202020204" pitchFamily="34" charset="0"/>
                 </a:rPr>
-                <a:t>trình</a:t>
+                <a:t>dữ</a:t>
               </a:r>
               <a:r>
                 <a:rPr lang="en-US" dirty="0">
@@ -8449,7 +8841,36 @@
                   <a:ea typeface="Roboto Condensed Light" panose="02000000000000000000" pitchFamily="2" charset="0"/>
                   <a:cs typeface="Arial" panose="020B0604020202020204" pitchFamily="34" charset="0"/>
                 </a:rPr>
-                <a:t>phát</a:t>
+                <a:t>liệu</a:t>
+              </a:r>
+              <a:r>
+                <a:rPr lang="en-US" dirty="0">
+                  <a:solidFill>
+                    <a:schemeClr val="bg1"/>
+                  </a:solidFill>
+                  <a:latin typeface="Arial" panose="020B0604020202020204" pitchFamily="34" charset="0"/>
+                  <a:ea typeface="Roboto Condensed Light" panose="02000000000000000000" pitchFamily="2" charset="0"/>
+                  <a:cs typeface="Arial" panose="020B0604020202020204" pitchFamily="34" charset="0"/>
+                </a:rPr>
+                <a:t>.</a:t>
+              </a:r>
+            </a:p>
+            <a:p>
+              <a:pPr>
+                <a:lnSpc>
+                  <a:spcPct val="130000"/>
+                </a:lnSpc>
+              </a:pPr>
+              <a:r>
+                <a:rPr lang="en-US" dirty="0" err="1">
+                  <a:solidFill>
+                    <a:schemeClr val="bg1"/>
+                  </a:solidFill>
+                  <a:latin typeface="Arial" panose="020B0604020202020204" pitchFamily="34" charset="0"/>
+                  <a:ea typeface="Roboto Condensed Light" panose="02000000000000000000" pitchFamily="2" charset="0"/>
+                  <a:cs typeface="Arial" panose="020B0604020202020204" pitchFamily="34" charset="0"/>
+                </a:rPr>
+                <a:t>Tiền</a:t>
               </a:r>
               <a:r>
                 <a:rPr lang="en-US" dirty="0">
@@ -8471,29 +8892,7 @@
                   <a:ea typeface="Roboto Condensed Light" panose="02000000000000000000" pitchFamily="2" charset="0"/>
                   <a:cs typeface="Arial" panose="020B0604020202020204" pitchFamily="34" charset="0"/>
                 </a:rPr>
-                <a:t>triền</a:t>
-              </a:r>
-              <a:r>
-                <a:rPr lang="en-US" dirty="0">
-                  <a:solidFill>
-                    <a:schemeClr val="bg1"/>
-                  </a:solidFill>
-                  <a:latin typeface="Arial" panose="020B0604020202020204" pitchFamily="34" charset="0"/>
-                  <a:ea typeface="Roboto Condensed Light" panose="02000000000000000000" pitchFamily="2" charset="0"/>
-                  <a:cs typeface="Arial" panose="020B0604020202020204" pitchFamily="34" charset="0"/>
-                </a:rPr>
-                <a:t>, </a:t>
-              </a:r>
-              <a:r>
-                <a:rPr lang="en-US" dirty="0" err="1">
-                  <a:solidFill>
-                    <a:schemeClr val="bg1"/>
-                  </a:solidFill>
-                  <a:latin typeface="Arial" panose="020B0604020202020204" pitchFamily="34" charset="0"/>
-                  <a:ea typeface="Roboto Condensed Light" panose="02000000000000000000" pitchFamily="2" charset="0"/>
-                  <a:cs typeface="Arial" panose="020B0604020202020204" pitchFamily="34" charset="0"/>
-                </a:rPr>
-                <a:t>các</a:t>
+                <a:t>xử</a:t>
               </a:r>
               <a:r>
                 <a:rPr lang="en-US" dirty="0">
@@ -8515,7 +8914,7 @@
                   <a:ea typeface="Roboto Condensed Light" panose="02000000000000000000" pitchFamily="2" charset="0"/>
                   <a:cs typeface="Arial" panose="020B0604020202020204" pitchFamily="34" charset="0"/>
                 </a:rPr>
-                <a:t>chức</a:t>
+                <a:t>lý</a:t>
               </a:r>
               <a:r>
                 <a:rPr lang="en-US" dirty="0">
@@ -8537,7 +8936,7 @@
                   <a:ea typeface="Roboto Condensed Light" panose="02000000000000000000" pitchFamily="2" charset="0"/>
                   <a:cs typeface="Arial" panose="020B0604020202020204" pitchFamily="34" charset="0"/>
                 </a:rPr>
-                <a:t>năng</a:t>
+                <a:t>dữ</a:t>
               </a:r>
               <a:r>
                 <a:rPr lang="en-US" dirty="0">
@@ -8559,7 +8958,7 @@
                   <a:ea typeface="Roboto Condensed Light" panose="02000000000000000000" pitchFamily="2" charset="0"/>
                   <a:cs typeface="Arial" panose="020B0604020202020204" pitchFamily="34" charset="0"/>
                 </a:rPr>
-                <a:t>chính</a:t>
+                <a:t>liệu</a:t>
               </a:r>
               <a:r>
                 <a:rPr lang="en-US" dirty="0">
@@ -8570,8 +8969,15 @@
                   <a:ea typeface="Roboto Condensed Light" panose="02000000000000000000" pitchFamily="2" charset="0"/>
                   <a:cs typeface="Arial" panose="020B0604020202020204" pitchFamily="34" charset="0"/>
                 </a:rPr>
-                <a:t>. So </a:t>
+                <a:t>.</a:t>
               </a:r>
+            </a:p>
+            <a:p>
+              <a:pPr>
+                <a:lnSpc>
+                  <a:spcPct val="130000"/>
+                </a:lnSpc>
+              </a:pPr>
               <a:r>
                 <a:rPr lang="en-US" dirty="0" err="1">
                   <a:solidFill>
@@ -8581,7 +8987,7 @@
                   <a:ea typeface="Roboto Condensed Light" panose="02000000000000000000" pitchFamily="2" charset="0"/>
                   <a:cs typeface="Arial" panose="020B0604020202020204" pitchFamily="34" charset="0"/>
                 </a:rPr>
-                <a:t>sánh</a:t>
+                <a:t>Mô</a:t>
               </a:r>
               <a:r>
                 <a:rPr lang="en-US" dirty="0">
@@ -8603,7 +9009,7 @@
                   <a:ea typeface="Roboto Condensed Light" panose="02000000000000000000" pitchFamily="2" charset="0"/>
                   <a:cs typeface="Arial" panose="020B0604020202020204" pitchFamily="34" charset="0"/>
                 </a:rPr>
-                <a:t>với</a:t>
+                <a:t>hình</a:t>
               </a:r>
               <a:r>
                 <a:rPr lang="en-US" dirty="0">
@@ -8625,7 +9031,7 @@
                   <a:ea typeface="Roboto Condensed Light" panose="02000000000000000000" pitchFamily="2" charset="0"/>
                   <a:cs typeface="Arial" panose="020B0604020202020204" pitchFamily="34" charset="0"/>
                 </a:rPr>
-                <a:t>dự</a:t>
+                <a:t>hóa</a:t>
               </a:r>
               <a:r>
                 <a:rPr lang="en-US" dirty="0">
@@ -8647,7 +9053,7 @@
                   <a:ea typeface="Roboto Condensed Light" panose="02000000000000000000" pitchFamily="2" charset="0"/>
                   <a:cs typeface="Arial" panose="020B0604020202020204" pitchFamily="34" charset="0"/>
                 </a:rPr>
-                <a:t>án</a:t>
+                <a:t>dữ</a:t>
               </a:r>
               <a:r>
                 <a:rPr lang="en-US" dirty="0">
@@ -8669,73 +9075,7 @@
                   <a:ea typeface="Roboto Condensed Light" panose="02000000000000000000" pitchFamily="2" charset="0"/>
                   <a:cs typeface="Arial" panose="020B0604020202020204" pitchFamily="34" charset="0"/>
                 </a:rPr>
-                <a:t>có</a:t>
-              </a:r>
-              <a:r>
-                <a:rPr lang="en-US" dirty="0">
-                  <a:solidFill>
-                    <a:schemeClr val="bg1"/>
-                  </a:solidFill>
-                  <a:latin typeface="Arial" panose="020B0604020202020204" pitchFamily="34" charset="0"/>
-                  <a:ea typeface="Roboto Condensed Light" panose="02000000000000000000" pitchFamily="2" charset="0"/>
-                  <a:cs typeface="Arial" panose="020B0604020202020204" pitchFamily="34" charset="0"/>
-                </a:rPr>
-                <a:t> </a:t>
-              </a:r>
-              <a:r>
-                <a:rPr lang="en-US" dirty="0" err="1">
-                  <a:solidFill>
-                    <a:schemeClr val="bg1"/>
-                  </a:solidFill>
-                  <a:latin typeface="Arial" panose="020B0604020202020204" pitchFamily="34" charset="0"/>
-                  <a:ea typeface="Roboto Condensed Light" panose="02000000000000000000" pitchFamily="2" charset="0"/>
-                  <a:cs typeface="Arial" panose="020B0604020202020204" pitchFamily="34" charset="0"/>
-                </a:rPr>
-                <a:t>cùng</a:t>
-              </a:r>
-              <a:r>
-                <a:rPr lang="en-US" dirty="0">
-                  <a:solidFill>
-                    <a:schemeClr val="bg1"/>
-                  </a:solidFill>
-                  <a:latin typeface="Arial" panose="020B0604020202020204" pitchFamily="34" charset="0"/>
-                  <a:ea typeface="Roboto Condensed Light" panose="02000000000000000000" pitchFamily="2" charset="0"/>
-                  <a:cs typeface="Arial" panose="020B0604020202020204" pitchFamily="34" charset="0"/>
-                </a:rPr>
-                <a:t> </a:t>
-              </a:r>
-              <a:r>
-                <a:rPr lang="en-US" dirty="0" err="1">
-                  <a:solidFill>
-                    <a:schemeClr val="bg1"/>
-                  </a:solidFill>
-                  <a:latin typeface="Arial" panose="020B0604020202020204" pitchFamily="34" charset="0"/>
-                  <a:ea typeface="Roboto Condensed Light" panose="02000000000000000000" pitchFamily="2" charset="0"/>
-                  <a:cs typeface="Arial" panose="020B0604020202020204" pitchFamily="34" charset="0"/>
-                </a:rPr>
-                <a:t>chức</a:t>
-              </a:r>
-              <a:r>
-                <a:rPr lang="en-US" dirty="0">
-                  <a:solidFill>
-                    <a:schemeClr val="bg1"/>
-                  </a:solidFill>
-                  <a:latin typeface="Arial" panose="020B0604020202020204" pitchFamily="34" charset="0"/>
-                  <a:ea typeface="Roboto Condensed Light" panose="02000000000000000000" pitchFamily="2" charset="0"/>
-                  <a:cs typeface="Arial" panose="020B0604020202020204" pitchFamily="34" charset="0"/>
-                </a:rPr>
-                <a:t> </a:t>
-              </a:r>
-              <a:r>
-                <a:rPr lang="en-US" dirty="0" err="1">
-                  <a:solidFill>
-                    <a:schemeClr val="bg1"/>
-                  </a:solidFill>
-                  <a:latin typeface="Arial" panose="020B0604020202020204" pitchFamily="34" charset="0"/>
-                  <a:ea typeface="Roboto Condensed Light" panose="02000000000000000000" pitchFamily="2" charset="0"/>
-                  <a:cs typeface="Arial" panose="020B0604020202020204" pitchFamily="34" charset="0"/>
-                </a:rPr>
-                <a:t>năng</a:t>
+                <a:t>liệu</a:t>
               </a:r>
               <a:r>
                 <a:rPr lang="en-US" dirty="0">
@@ -10127,8 +10467,49 @@
                 <a:ea typeface="Open Sans" panose="020B0606030504020204" pitchFamily="34" charset="0"/>
                 <a:cs typeface="Arial" panose="020B0604020202020204" pitchFamily="34" charset="0"/>
               </a:rPr>
-              <a:t>IV. Demo</a:t>
-            </a:r>
+              <a:t>IV. </a:t>
+            </a:r>
+            <a:r>
+              <a:rPr lang="en-US" sz="2000" dirty="0" err="1">
+                <a:solidFill>
+                  <a:schemeClr val="bg1"/>
+                </a:solidFill>
+                <a:latin typeface="Arial" panose="020B0604020202020204" pitchFamily="34" charset="0"/>
+                <a:ea typeface="Open Sans" panose="020B0606030504020204" pitchFamily="34" charset="0"/>
+                <a:cs typeface="Arial" panose="020B0604020202020204" pitchFamily="34" charset="0"/>
+              </a:rPr>
+              <a:t>Tổng</a:t>
+            </a:r>
+            <a:r>
+              <a:rPr lang="en-US" sz="2000" dirty="0">
+                <a:solidFill>
+                  <a:schemeClr val="bg1"/>
+                </a:solidFill>
+                <a:latin typeface="Arial" panose="020B0604020202020204" pitchFamily="34" charset="0"/>
+                <a:ea typeface="Open Sans" panose="020B0606030504020204" pitchFamily="34" charset="0"/>
+                <a:cs typeface="Arial" panose="020B0604020202020204" pitchFamily="34" charset="0"/>
+              </a:rPr>
+              <a:t> </a:t>
+            </a:r>
+            <a:r>
+              <a:rPr lang="en-US" sz="2000" dirty="0" err="1">
+                <a:solidFill>
+                  <a:schemeClr val="bg1"/>
+                </a:solidFill>
+                <a:latin typeface="Arial" panose="020B0604020202020204" pitchFamily="34" charset="0"/>
+                <a:ea typeface="Open Sans" panose="020B0606030504020204" pitchFamily="34" charset="0"/>
+                <a:cs typeface="Arial" panose="020B0604020202020204" pitchFamily="34" charset="0"/>
+              </a:rPr>
+              <a:t>kết</a:t>
+            </a:r>
+            <a:endParaRPr lang="en-US" sz="2000" dirty="0">
+              <a:solidFill>
+                <a:schemeClr val="bg1"/>
+              </a:solidFill>
+              <a:latin typeface="Arial" panose="020B0604020202020204" pitchFamily="34" charset="0"/>
+              <a:ea typeface="Open Sans" panose="020B0606030504020204" pitchFamily="34" charset="0"/>
+              <a:cs typeface="Arial" panose="020B0604020202020204" pitchFamily="34" charset="0"/>
+            </a:endParaRPr>
           </a:p>
         </p:txBody>
       </p:sp>
@@ -10146,8 +10527,8 @@
         </p:nvSpPr>
         <p:spPr>
           <a:xfrm>
-            <a:off x="805108" y="3488042"/>
-            <a:ext cx="2087182" cy="1135183"/>
+            <a:off x="805107" y="3488042"/>
+            <a:ext cx="2658855" cy="1135183"/>
           </a:xfrm>
           <a:prstGeom prst="rect">
             <a:avLst/>
@@ -10174,7 +10555,7 @@
                 <a:ea typeface="Roboto Condensed Light" panose="02000000000000000000" pitchFamily="2" charset="0"/>
                 <a:cs typeface="Arial" panose="020B0604020202020204" pitchFamily="34" charset="0"/>
               </a:rPr>
-              <a:t>Một</a:t>
+              <a:t>Việc</a:t>
             </a:r>
             <a:r>
               <a:rPr lang="en-US" dirty="0">
@@ -10196,7 +10577,7 @@
                 <a:ea typeface="Roboto Condensed Light" panose="02000000000000000000" pitchFamily="2" charset="0"/>
                 <a:cs typeface="Arial" panose="020B0604020202020204" pitchFamily="34" charset="0"/>
               </a:rPr>
-              <a:t>vài</a:t>
+              <a:t>đã</a:t>
             </a:r>
             <a:r>
               <a:rPr lang="en-US" dirty="0">
@@ -10218,7 +10599,7 @@
                 <a:ea typeface="Roboto Condensed Light" panose="02000000000000000000" pitchFamily="2" charset="0"/>
                 <a:cs typeface="Arial" panose="020B0604020202020204" pitchFamily="34" charset="0"/>
               </a:rPr>
-              <a:t>truy</a:t>
+              <a:t>làm</a:t>
             </a:r>
             <a:r>
               <a:rPr lang="en-US" dirty="0">
@@ -10229,7 +10610,18 @@
                 <a:ea typeface="Roboto Condensed Light" panose="02000000000000000000" pitchFamily="2" charset="0"/>
                 <a:cs typeface="Arial" panose="020B0604020202020204" pitchFamily="34" charset="0"/>
               </a:rPr>
-              <a:t> </a:t>
+              <a:t> đ</a:t>
+            </a:r>
+            <a:r>
+              <a:rPr lang="vi-VN" dirty="0">
+                <a:solidFill>
+                  <a:schemeClr val="bg1"/>
+                </a:solidFill>
+                <a:latin typeface="Arial" panose="020B0604020202020204" pitchFamily="34" charset="0"/>
+                <a:ea typeface="Roboto Condensed Light" panose="02000000000000000000" pitchFamily="2" charset="0"/>
+                <a:cs typeface="Arial" panose="020B0604020202020204" pitchFamily="34" charset="0"/>
+              </a:rPr>
+              <a:t>ư</a:t>
             </a:r>
             <a:r>
               <a:rPr lang="en-US" dirty="0" err="1">
@@ -10240,7 +10632,7 @@
                 <a:ea typeface="Roboto Condensed Light" panose="02000000000000000000" pitchFamily="2" charset="0"/>
                 <a:cs typeface="Arial" panose="020B0604020202020204" pitchFamily="34" charset="0"/>
               </a:rPr>
-              <a:t>vấn</a:t>
+              <a:t>ợc</a:t>
             </a:r>
             <a:r>
               <a:rPr lang="en-US" dirty="0">
@@ -10251,10 +10643,17 @@
                 <a:ea typeface="Roboto Condensed Light" panose="02000000000000000000" pitchFamily="2" charset="0"/>
                 <a:cs typeface="Arial" panose="020B0604020202020204" pitchFamily="34" charset="0"/>
               </a:rPr>
-              <a:t> đ</a:t>
-            </a:r>
-            <a:r>
-              <a:rPr lang="vi-VN" dirty="0">
+              <a:t>.</a:t>
+            </a:r>
+          </a:p>
+          <a:p>
+            <a:pPr>
+              <a:lnSpc>
+                <a:spcPct val="130000"/>
+              </a:lnSpc>
+            </a:pPr>
+            <a:r>
+              <a:rPr lang="en-US" dirty="0" err="1">
                 <a:solidFill>
                   <a:schemeClr val="bg1"/>
                 </a:solidFill>
@@ -10262,7 +10661,7 @@
                 <a:ea typeface="Roboto Condensed Light" panose="02000000000000000000" pitchFamily="2" charset="0"/>
                 <a:cs typeface="Arial" panose="020B0604020202020204" pitchFamily="34" charset="0"/>
               </a:rPr>
-              <a:t>ơ</a:t>
+              <a:t>Kinh</a:t>
             </a:r>
             <a:r>
               <a:rPr lang="en-US" dirty="0">
@@ -10273,7 +10672,7 @@
                 <a:ea typeface="Roboto Condensed Light" panose="02000000000000000000" pitchFamily="2" charset="0"/>
                 <a:cs typeface="Arial" panose="020B0604020202020204" pitchFamily="34" charset="0"/>
               </a:rPr>
-              <a:t>n </a:t>
+              <a:t> </a:t>
             </a:r>
             <a:r>
               <a:rPr lang="en-US" dirty="0" err="1">
@@ -10284,7 +10683,7 @@
                 <a:ea typeface="Roboto Condensed Light" panose="02000000000000000000" pitchFamily="2" charset="0"/>
                 <a:cs typeface="Arial" panose="020B0604020202020204" pitchFamily="34" charset="0"/>
               </a:rPr>
-              <a:t>giản</a:t>
+              <a:t>nghiệm</a:t>
             </a:r>
             <a:r>
               <a:rPr lang="en-US" dirty="0">
@@ -10295,7 +10694,7 @@
                 <a:ea typeface="Roboto Condensed Light" panose="02000000000000000000" pitchFamily="2" charset="0"/>
                 <a:cs typeface="Arial" panose="020B0604020202020204" pitchFamily="34" charset="0"/>
               </a:rPr>
-              <a:t>. </a:t>
+              <a:t> </a:t>
             </a:r>
             <a:r>
               <a:rPr lang="en-US" dirty="0" err="1">
@@ -10306,7 +10705,7 @@
                 <a:ea typeface="Roboto Condensed Light" panose="02000000000000000000" pitchFamily="2" charset="0"/>
                 <a:cs typeface="Arial" panose="020B0604020202020204" pitchFamily="34" charset="0"/>
               </a:rPr>
-              <a:t>Sử</a:t>
+              <a:t>đã</a:t>
             </a:r>
             <a:r>
               <a:rPr lang="en-US" dirty="0">
@@ -10328,7 +10727,7 @@
                 <a:ea typeface="Roboto Condensed Light" panose="02000000000000000000" pitchFamily="2" charset="0"/>
                 <a:cs typeface="Arial" panose="020B0604020202020204" pitchFamily="34" charset="0"/>
               </a:rPr>
-              <a:t>dụng</a:t>
+              <a:t>tiếp</a:t>
             </a:r>
             <a:r>
               <a:rPr lang="en-US" dirty="0">
@@ -10339,7 +10738,7 @@
                 <a:ea typeface="Roboto Condensed Light" panose="02000000000000000000" pitchFamily="2" charset="0"/>
                 <a:cs typeface="Arial" panose="020B0604020202020204" pitchFamily="34" charset="0"/>
               </a:rPr>
-              <a:t> UDF </a:t>
+              <a:t> </a:t>
             </a:r>
             <a:r>
               <a:rPr lang="en-US" dirty="0" err="1">
@@ -10350,7 +10749,7 @@
                 <a:ea typeface="Roboto Condensed Light" panose="02000000000000000000" pitchFamily="2" charset="0"/>
                 <a:cs typeface="Arial" panose="020B0604020202020204" pitchFamily="34" charset="0"/>
               </a:rPr>
-              <a:t>tự</a:t>
+              <a:t>thu</a:t>
             </a:r>
             <a:r>
               <a:rPr lang="en-US" dirty="0">
@@ -10361,8 +10760,15 @@
                 <a:ea typeface="Roboto Condensed Light" panose="02000000000000000000" pitchFamily="2" charset="0"/>
                 <a:cs typeface="Arial" panose="020B0604020202020204" pitchFamily="34" charset="0"/>
               </a:rPr>
-              <a:t> </a:t>
-            </a:r>
+              <a:t>.</a:t>
+            </a:r>
+          </a:p>
+          <a:p>
+            <a:pPr>
+              <a:lnSpc>
+                <a:spcPct val="130000"/>
+              </a:lnSpc>
+            </a:pPr>
             <a:r>
               <a:rPr lang="en-US" dirty="0" err="1">
                 <a:solidFill>
@@ -10372,7 +10778,29 @@
                 <a:ea typeface="Roboto Condensed Light" panose="02000000000000000000" pitchFamily="2" charset="0"/>
                 <a:cs typeface="Arial" panose="020B0604020202020204" pitchFamily="34" charset="0"/>
               </a:rPr>
-              <a:t>tạo</a:t>
+              <a:t>Thắc</a:t>
+            </a:r>
+            <a:r>
+              <a:rPr lang="en-US" dirty="0">
+                <a:solidFill>
+                  <a:schemeClr val="bg1"/>
+                </a:solidFill>
+                <a:latin typeface="Arial" panose="020B0604020202020204" pitchFamily="34" charset="0"/>
+                <a:ea typeface="Roboto Condensed Light" panose="02000000000000000000" pitchFamily="2" charset="0"/>
+                <a:cs typeface="Arial" panose="020B0604020202020204" pitchFamily="34" charset="0"/>
+              </a:rPr>
+              <a:t> </a:t>
+            </a:r>
+            <a:r>
+              <a:rPr lang="en-US" dirty="0" err="1">
+                <a:solidFill>
+                  <a:schemeClr val="bg1"/>
+                </a:solidFill>
+                <a:latin typeface="Arial" panose="020B0604020202020204" pitchFamily="34" charset="0"/>
+                <a:ea typeface="Roboto Condensed Light" panose="02000000000000000000" pitchFamily="2" charset="0"/>
+                <a:cs typeface="Arial" panose="020B0604020202020204" pitchFamily="34" charset="0"/>
+              </a:rPr>
+              <a:t>mắc</a:t>
             </a:r>
             <a:r>
               <a:rPr lang="en-US" dirty="0">
@@ -10865,14 +11293,44 @@
           <a:p>
             <a:pPr algn="ctr"/>
             <a:r>
-              <a:rPr lang="en-US" sz="4800">
-                <a:solidFill>
-                  <a:schemeClr val="bg1"/>
-                </a:solidFill>
-                <a:latin typeface="Arial" panose="020B0604020202020204" pitchFamily="34" charset="0"/>
-                <a:cs typeface="Arial" panose="020B0604020202020204" pitchFamily="34" charset="0"/>
-              </a:rPr>
-              <a:t>I. Động lực</a:t>
+              <a:rPr lang="en-US" sz="4800" dirty="0">
+                <a:solidFill>
+                  <a:schemeClr val="bg1"/>
+                </a:solidFill>
+                <a:latin typeface="Arial" panose="020B0604020202020204" pitchFamily="34" charset="0"/>
+                <a:cs typeface="Arial" panose="020B0604020202020204" pitchFamily="34" charset="0"/>
+              </a:rPr>
+              <a:t>I. </a:t>
+            </a:r>
+            <a:r>
+              <a:rPr lang="en-US" sz="4800" dirty="0" err="1">
+                <a:solidFill>
+                  <a:schemeClr val="bg1"/>
+                </a:solidFill>
+                <a:latin typeface="Arial" panose="020B0604020202020204" pitchFamily="34" charset="0"/>
+                <a:cs typeface="Arial" panose="020B0604020202020204" pitchFamily="34" charset="0"/>
+              </a:rPr>
+              <a:t>Động</a:t>
+            </a:r>
+            <a:r>
+              <a:rPr lang="en-US" sz="4800" dirty="0">
+                <a:solidFill>
+                  <a:schemeClr val="bg1"/>
+                </a:solidFill>
+                <a:latin typeface="Arial" panose="020B0604020202020204" pitchFamily="34" charset="0"/>
+                <a:cs typeface="Arial" panose="020B0604020202020204" pitchFamily="34" charset="0"/>
+              </a:rPr>
+              <a:t> </a:t>
+            </a:r>
+            <a:r>
+              <a:rPr lang="en-US" sz="4800" dirty="0" err="1">
+                <a:solidFill>
+                  <a:schemeClr val="bg1"/>
+                </a:solidFill>
+                <a:latin typeface="Arial" panose="020B0604020202020204" pitchFamily="34" charset="0"/>
+                <a:cs typeface="Arial" panose="020B0604020202020204" pitchFamily="34" charset="0"/>
+              </a:rPr>
+              <a:t>lực</a:t>
             </a:r>
             <a:endParaRPr lang="en-US" sz="4800" dirty="0">
               <a:solidFill>
@@ -12677,6 +13135,8 @@
               <a:lnSpc>
                 <a:spcPct val="150000"/>
               </a:lnSpc>
+              <a:buFont typeface="Wingdings" panose="05000000000000000000" pitchFamily="2" charset="2"/>
+              <a:buChar char="Ø"/>
             </a:pPr>
             <a:r>
               <a:rPr lang="en-US" sz="1800" dirty="0" err="1">
@@ -13292,28 +13752,28 @@
               <a:buAutoNum type="arabicParenR"/>
             </a:pPr>
             <a:r>
-              <a:rPr lang="en-US" sz="1800" dirty="0" err="1">
+              <a:rPr lang="en-US" sz="1800" b="1" dirty="0" err="1">
                 <a:latin typeface="Arial" panose="020B0604020202020204" pitchFamily="34" charset="0"/>
                 <a:cs typeface="Arial" panose="020B0604020202020204" pitchFamily="34" charset="0"/>
               </a:rPr>
               <a:t>Câu</a:t>
             </a:r>
             <a:r>
-              <a:rPr lang="en-US" sz="1800" dirty="0">
-                <a:latin typeface="Arial" panose="020B0604020202020204" pitchFamily="34" charset="0"/>
-                <a:cs typeface="Arial" panose="020B0604020202020204" pitchFamily="34" charset="0"/>
-              </a:rPr>
-              <a:t> </a:t>
-            </a:r>
-            <a:r>
-              <a:rPr lang="en-US" sz="1800" dirty="0" err="1">
+              <a:rPr lang="en-US" sz="1800" b="1" dirty="0">
+                <a:latin typeface="Arial" panose="020B0604020202020204" pitchFamily="34" charset="0"/>
+                <a:cs typeface="Arial" panose="020B0604020202020204" pitchFamily="34" charset="0"/>
+              </a:rPr>
+              <a:t> </a:t>
+            </a:r>
+            <a:r>
+              <a:rPr lang="en-US" sz="1800" b="1" dirty="0" err="1">
                 <a:latin typeface="Arial" panose="020B0604020202020204" pitchFamily="34" charset="0"/>
                 <a:cs typeface="Arial" panose="020B0604020202020204" pitchFamily="34" charset="0"/>
               </a:rPr>
               <a:t>hỏi</a:t>
             </a:r>
             <a:r>
-              <a:rPr lang="en-US" sz="1800" dirty="0">
+              <a:rPr lang="en-US" sz="1800" b="1" dirty="0">
                 <a:latin typeface="Arial" panose="020B0604020202020204" pitchFamily="34" charset="0"/>
                 <a:cs typeface="Arial" panose="020B0604020202020204" pitchFamily="34" charset="0"/>
               </a:rPr>
@@ -13328,300 +13788,210 @@
               <a:buNone/>
             </a:pPr>
             <a:r>
-              <a:rPr lang="en-US" sz="1800" b="1" dirty="0" err="1">
-                <a:solidFill>
-                  <a:srgbClr val="FF0000"/>
-                </a:solidFill>
+              <a:rPr lang="en-US" sz="1800" dirty="0" err="1">
                 <a:latin typeface="Arial" panose="020B0604020202020204" pitchFamily="34" charset="0"/>
                 <a:cs typeface="Arial" panose="020B0604020202020204" pitchFamily="34" charset="0"/>
               </a:rPr>
               <a:t>Dự</a:t>
             </a:r>
             <a:r>
-              <a:rPr lang="en-US" sz="1800" b="1" dirty="0">
-                <a:solidFill>
-                  <a:srgbClr val="FF0000"/>
-                </a:solidFill>
-                <a:latin typeface="Arial" panose="020B0604020202020204" pitchFamily="34" charset="0"/>
-                <a:cs typeface="Arial" panose="020B0604020202020204" pitchFamily="34" charset="0"/>
-              </a:rPr>
-              <a:t> </a:t>
-            </a:r>
-            <a:r>
-              <a:rPr lang="en-US" sz="1800" b="1" dirty="0" err="1">
-                <a:solidFill>
-                  <a:srgbClr val="FF0000"/>
-                </a:solidFill>
+              <a:rPr lang="en-US" sz="1800" dirty="0">
+                <a:latin typeface="Arial" panose="020B0604020202020204" pitchFamily="34" charset="0"/>
+                <a:cs typeface="Arial" panose="020B0604020202020204" pitchFamily="34" charset="0"/>
+              </a:rPr>
+              <a:t> </a:t>
+            </a:r>
+            <a:r>
+              <a:rPr lang="en-US" sz="1800" dirty="0" err="1">
                 <a:latin typeface="Arial" panose="020B0604020202020204" pitchFamily="34" charset="0"/>
                 <a:cs typeface="Arial" panose="020B0604020202020204" pitchFamily="34" charset="0"/>
               </a:rPr>
               <a:t>đoán</a:t>
             </a:r>
             <a:r>
-              <a:rPr lang="en-US" sz="1800" b="1" dirty="0">
-                <a:solidFill>
-                  <a:srgbClr val="FF0000"/>
-                </a:solidFill>
+              <a:rPr lang="en-US" sz="1800" dirty="0">
                 <a:latin typeface="Arial" panose="020B0604020202020204" pitchFamily="34" charset="0"/>
                 <a:cs typeface="Arial" panose="020B0604020202020204" pitchFamily="34" charset="0"/>
               </a:rPr>
               <a:t> rating </a:t>
             </a:r>
             <a:r>
-              <a:rPr lang="en-US" sz="1800" b="1" dirty="0" err="1">
-                <a:solidFill>
-                  <a:srgbClr val="FF0000"/>
-                </a:solidFill>
+              <a:rPr lang="en-US" sz="1800" dirty="0" err="1">
                 <a:latin typeface="Arial" panose="020B0604020202020204" pitchFamily="34" charset="0"/>
                 <a:cs typeface="Arial" panose="020B0604020202020204" pitchFamily="34" charset="0"/>
               </a:rPr>
               <a:t>của</a:t>
             </a:r>
             <a:r>
-              <a:rPr lang="en-US" sz="1800" b="1" dirty="0">
-                <a:solidFill>
-                  <a:srgbClr val="FF0000"/>
-                </a:solidFill>
-                <a:latin typeface="Arial" panose="020B0604020202020204" pitchFamily="34" charset="0"/>
-                <a:cs typeface="Arial" panose="020B0604020202020204" pitchFamily="34" charset="0"/>
-              </a:rPr>
-              <a:t> </a:t>
-            </a:r>
-            <a:r>
-              <a:rPr lang="en-US" sz="1800" b="1" dirty="0" err="1">
-                <a:solidFill>
-                  <a:srgbClr val="FF0000"/>
-                </a:solidFill>
+              <a:rPr lang="en-US" sz="1800" dirty="0">
+                <a:latin typeface="Arial" panose="020B0604020202020204" pitchFamily="34" charset="0"/>
+                <a:cs typeface="Arial" panose="020B0604020202020204" pitchFamily="34" charset="0"/>
+              </a:rPr>
+              <a:t> </a:t>
+            </a:r>
+            <a:r>
+              <a:rPr lang="en-US" sz="1800" dirty="0" err="1">
                 <a:latin typeface="Arial" panose="020B0604020202020204" pitchFamily="34" charset="0"/>
                 <a:cs typeface="Arial" panose="020B0604020202020204" pitchFamily="34" charset="0"/>
               </a:rPr>
               <a:t>phim</a:t>
             </a:r>
             <a:r>
-              <a:rPr lang="en-US" sz="1800" b="1" dirty="0">
-                <a:solidFill>
-                  <a:srgbClr val="FF0000"/>
-                </a:solidFill>
-                <a:latin typeface="Arial" panose="020B0604020202020204" pitchFamily="34" charset="0"/>
-                <a:cs typeface="Arial" panose="020B0604020202020204" pitchFamily="34" charset="0"/>
-              </a:rPr>
-              <a:t> </a:t>
-            </a:r>
-            <a:r>
-              <a:rPr lang="en-US" sz="1800" b="1" dirty="0" err="1">
-                <a:solidFill>
-                  <a:srgbClr val="FF0000"/>
-                </a:solidFill>
+              <a:rPr lang="en-US" sz="1800" dirty="0">
+                <a:latin typeface="Arial" panose="020B0604020202020204" pitchFamily="34" charset="0"/>
+                <a:cs typeface="Arial" panose="020B0604020202020204" pitchFamily="34" charset="0"/>
+              </a:rPr>
+              <a:t> </a:t>
+            </a:r>
+            <a:r>
+              <a:rPr lang="en-US" sz="1800" dirty="0" err="1">
                 <a:latin typeface="Arial" panose="020B0604020202020204" pitchFamily="34" charset="0"/>
                 <a:cs typeface="Arial" panose="020B0604020202020204" pitchFamily="34" charset="0"/>
               </a:rPr>
               <a:t>thuộc</a:t>
             </a:r>
             <a:r>
-              <a:rPr lang="en-US" sz="1800" b="1" dirty="0">
-                <a:solidFill>
-                  <a:srgbClr val="FF0000"/>
-                </a:solidFill>
-                <a:latin typeface="Arial" panose="020B0604020202020204" pitchFamily="34" charset="0"/>
-                <a:cs typeface="Arial" panose="020B0604020202020204" pitchFamily="34" charset="0"/>
-              </a:rPr>
-              <a:t> </a:t>
-            </a:r>
-            <a:r>
-              <a:rPr lang="en-US" sz="1800" b="1" dirty="0" err="1">
-                <a:solidFill>
-                  <a:srgbClr val="FF0000"/>
-                </a:solidFill>
+              <a:rPr lang="en-US" sz="1800" dirty="0">
+                <a:latin typeface="Arial" panose="020B0604020202020204" pitchFamily="34" charset="0"/>
+                <a:cs typeface="Arial" panose="020B0604020202020204" pitchFamily="34" charset="0"/>
+              </a:rPr>
+              <a:t> </a:t>
+            </a:r>
+            <a:r>
+              <a:rPr lang="en-US" sz="1800" dirty="0" err="1">
                 <a:latin typeface="Arial" panose="020B0604020202020204" pitchFamily="34" charset="0"/>
                 <a:cs typeface="Arial" panose="020B0604020202020204" pitchFamily="34" charset="0"/>
               </a:rPr>
               <a:t>các</a:t>
             </a:r>
             <a:r>
-              <a:rPr lang="en-US" sz="1800" b="1" dirty="0">
-                <a:solidFill>
-                  <a:srgbClr val="FF0000"/>
-                </a:solidFill>
-                <a:latin typeface="Arial" panose="020B0604020202020204" pitchFamily="34" charset="0"/>
-                <a:cs typeface="Arial" panose="020B0604020202020204" pitchFamily="34" charset="0"/>
-              </a:rPr>
-              <a:t> </a:t>
-            </a:r>
-            <a:r>
-              <a:rPr lang="en-US" sz="1800" b="1" dirty="0" err="1">
-                <a:solidFill>
-                  <a:srgbClr val="FF0000"/>
-                </a:solidFill>
+              <a:rPr lang="en-US" sz="1800" dirty="0">
+                <a:latin typeface="Arial" panose="020B0604020202020204" pitchFamily="34" charset="0"/>
+                <a:cs typeface="Arial" panose="020B0604020202020204" pitchFamily="34" charset="0"/>
+              </a:rPr>
+              <a:t> </a:t>
+            </a:r>
+            <a:r>
+              <a:rPr lang="en-US" sz="1800" dirty="0" err="1">
                 <a:latin typeface="Arial" panose="020B0604020202020204" pitchFamily="34" charset="0"/>
                 <a:cs typeface="Arial" panose="020B0604020202020204" pitchFamily="34" charset="0"/>
               </a:rPr>
               <a:t>thể</a:t>
             </a:r>
             <a:r>
-              <a:rPr lang="en-US" sz="1800" b="1" dirty="0">
-                <a:solidFill>
-                  <a:srgbClr val="FF0000"/>
-                </a:solidFill>
-                <a:latin typeface="Arial" panose="020B0604020202020204" pitchFamily="34" charset="0"/>
-                <a:cs typeface="Arial" panose="020B0604020202020204" pitchFamily="34" charset="0"/>
-              </a:rPr>
-              <a:t> </a:t>
-            </a:r>
-            <a:r>
-              <a:rPr lang="en-US" sz="1800" b="1" dirty="0" err="1">
-                <a:solidFill>
-                  <a:srgbClr val="FF0000"/>
-                </a:solidFill>
+              <a:rPr lang="en-US" sz="1800" dirty="0">
+                <a:latin typeface="Arial" panose="020B0604020202020204" pitchFamily="34" charset="0"/>
+                <a:cs typeface="Arial" panose="020B0604020202020204" pitchFamily="34" charset="0"/>
+              </a:rPr>
+              <a:t> </a:t>
+            </a:r>
+            <a:r>
+              <a:rPr lang="en-US" sz="1800" dirty="0" err="1">
                 <a:latin typeface="Arial" panose="020B0604020202020204" pitchFamily="34" charset="0"/>
                 <a:cs typeface="Arial" panose="020B0604020202020204" pitchFamily="34" charset="0"/>
               </a:rPr>
               <a:t>loại</a:t>
             </a:r>
             <a:r>
-              <a:rPr lang="en-US" sz="1800" b="1" dirty="0">
-                <a:solidFill>
-                  <a:srgbClr val="FF0000"/>
-                </a:solidFill>
+              <a:rPr lang="en-US" sz="1800" dirty="0">
                 <a:latin typeface="Arial" panose="020B0604020202020204" pitchFamily="34" charset="0"/>
                 <a:cs typeface="Arial" panose="020B0604020202020204" pitchFamily="34" charset="0"/>
               </a:rPr>
               <a:t> action, comedy, adventure, animation, crime, romance, documentary, biography, </a:t>
             </a:r>
             <a:r>
-              <a:rPr lang="en-US" sz="1800" b="1" dirty="0" err="1">
-                <a:solidFill>
-                  <a:srgbClr val="FF0000"/>
-                </a:solidFill>
+              <a:rPr lang="en-US" sz="1800" dirty="0" err="1">
                 <a:latin typeface="Arial" panose="020B0604020202020204" pitchFamily="34" charset="0"/>
                 <a:cs typeface="Arial" panose="020B0604020202020204" pitchFamily="34" charset="0"/>
               </a:rPr>
               <a:t>sắp</a:t>
             </a:r>
             <a:r>
-              <a:rPr lang="en-US" sz="1800" b="1" dirty="0">
-                <a:solidFill>
-                  <a:srgbClr val="FF0000"/>
-                </a:solidFill>
-                <a:latin typeface="Arial" panose="020B0604020202020204" pitchFamily="34" charset="0"/>
-                <a:cs typeface="Arial" panose="020B0604020202020204" pitchFamily="34" charset="0"/>
-              </a:rPr>
-              <a:t> </a:t>
-            </a:r>
-            <a:r>
-              <a:rPr lang="en-US" sz="1800" b="1" dirty="0" err="1">
-                <a:solidFill>
-                  <a:srgbClr val="FF0000"/>
-                </a:solidFill>
+              <a:rPr lang="en-US" sz="1800" dirty="0">
+                <a:latin typeface="Arial" panose="020B0604020202020204" pitchFamily="34" charset="0"/>
+                <a:cs typeface="Arial" panose="020B0604020202020204" pitchFamily="34" charset="0"/>
+              </a:rPr>
+              <a:t> </a:t>
+            </a:r>
+            <a:r>
+              <a:rPr lang="en-US" sz="1800" dirty="0" err="1">
                 <a:latin typeface="Arial" panose="020B0604020202020204" pitchFamily="34" charset="0"/>
                 <a:cs typeface="Arial" panose="020B0604020202020204" pitchFamily="34" charset="0"/>
               </a:rPr>
               <a:t>phát</a:t>
             </a:r>
             <a:r>
-              <a:rPr lang="en-US" sz="1800" b="1" dirty="0">
-                <a:solidFill>
-                  <a:srgbClr val="FF0000"/>
-                </a:solidFill>
-                <a:latin typeface="Arial" panose="020B0604020202020204" pitchFamily="34" charset="0"/>
-                <a:cs typeface="Arial" panose="020B0604020202020204" pitchFamily="34" charset="0"/>
-              </a:rPr>
-              <a:t> </a:t>
-            </a:r>
-            <a:r>
-              <a:rPr lang="en-US" sz="1800" b="1" dirty="0" err="1">
-                <a:solidFill>
-                  <a:srgbClr val="FF0000"/>
-                </a:solidFill>
+              <a:rPr lang="en-US" sz="1800" dirty="0">
+                <a:latin typeface="Arial" panose="020B0604020202020204" pitchFamily="34" charset="0"/>
+                <a:cs typeface="Arial" panose="020B0604020202020204" pitchFamily="34" charset="0"/>
+              </a:rPr>
+              <a:t> </a:t>
+            </a:r>
+            <a:r>
+              <a:rPr lang="en-US" sz="1800" dirty="0" err="1">
                 <a:latin typeface="Arial" panose="020B0604020202020204" pitchFamily="34" charset="0"/>
                 <a:cs typeface="Arial" panose="020B0604020202020204" pitchFamily="34" charset="0"/>
               </a:rPr>
               <a:t>hành</a:t>
             </a:r>
             <a:r>
-              <a:rPr lang="en-US" sz="1800" b="1" dirty="0">
-                <a:solidFill>
-                  <a:srgbClr val="FF0000"/>
-                </a:solidFill>
+              <a:rPr lang="en-US" sz="1800" dirty="0">
                 <a:latin typeface="Arial" panose="020B0604020202020204" pitchFamily="34" charset="0"/>
                 <a:cs typeface="Arial" panose="020B0604020202020204" pitchFamily="34" charset="0"/>
               </a:rPr>
               <a:t> (</a:t>
             </a:r>
             <a:r>
-              <a:rPr lang="en-US" sz="1800" b="1" dirty="0" err="1">
-                <a:solidFill>
-                  <a:srgbClr val="FF0000"/>
-                </a:solidFill>
+              <a:rPr lang="en-US" sz="1800" dirty="0" err="1">
                 <a:latin typeface="Arial" panose="020B0604020202020204" pitchFamily="34" charset="0"/>
                 <a:cs typeface="Arial" panose="020B0604020202020204" pitchFamily="34" charset="0"/>
               </a:rPr>
               <a:t>từ</a:t>
             </a:r>
             <a:r>
-              <a:rPr lang="en-US" sz="1800" b="1" dirty="0">
-                <a:solidFill>
-                  <a:srgbClr val="FF0000"/>
-                </a:solidFill>
+              <a:rPr lang="en-US" sz="1800" dirty="0">
                 <a:latin typeface="Arial" panose="020B0604020202020204" pitchFamily="34" charset="0"/>
                 <a:cs typeface="Arial" panose="020B0604020202020204" pitchFamily="34" charset="0"/>
               </a:rPr>
               <a:t> 15/01/2020 </a:t>
             </a:r>
             <a:r>
-              <a:rPr lang="en-US" sz="1800" b="1" dirty="0" err="1">
-                <a:solidFill>
-                  <a:srgbClr val="FF0000"/>
-                </a:solidFill>
+              <a:rPr lang="en-US" sz="1800" dirty="0" err="1">
                 <a:latin typeface="Arial" panose="020B0604020202020204" pitchFamily="34" charset="0"/>
                 <a:cs typeface="Arial" panose="020B0604020202020204" pitchFamily="34" charset="0"/>
               </a:rPr>
               <a:t>đến</a:t>
             </a:r>
             <a:r>
-              <a:rPr lang="en-US" sz="1800" b="1" dirty="0">
-                <a:solidFill>
-                  <a:srgbClr val="FF0000"/>
-                </a:solidFill>
+              <a:rPr lang="en-US" sz="1800" dirty="0">
                 <a:latin typeface="Arial" panose="020B0604020202020204" pitchFamily="34" charset="0"/>
                 <a:cs typeface="Arial" panose="020B0604020202020204" pitchFamily="34" charset="0"/>
               </a:rPr>
               <a:t> 15/01/2022) </a:t>
             </a:r>
             <a:r>
-              <a:rPr lang="en-US" sz="1800" b="1" dirty="0" err="1">
-                <a:solidFill>
-                  <a:srgbClr val="FF0000"/>
-                </a:solidFill>
+              <a:rPr lang="en-US" sz="1800" dirty="0" err="1">
                 <a:latin typeface="Arial" panose="020B0604020202020204" pitchFamily="34" charset="0"/>
                 <a:cs typeface="Arial" panose="020B0604020202020204" pitchFamily="34" charset="0"/>
               </a:rPr>
               <a:t>tại</a:t>
             </a:r>
             <a:r>
-              <a:rPr lang="en-US" sz="1800" b="1" dirty="0">
-                <a:solidFill>
-                  <a:srgbClr val="FF0000"/>
-                </a:solidFill>
-                <a:latin typeface="Arial" panose="020B0604020202020204" pitchFamily="34" charset="0"/>
-                <a:cs typeface="Arial" panose="020B0604020202020204" pitchFamily="34" charset="0"/>
-              </a:rPr>
-              <a:t> </a:t>
-            </a:r>
-            <a:r>
-              <a:rPr lang="en-US" sz="1800" b="1" dirty="0" err="1">
-                <a:solidFill>
-                  <a:srgbClr val="FF0000"/>
-                </a:solidFill>
+              <a:rPr lang="en-US" sz="1800" dirty="0">
+                <a:latin typeface="Arial" panose="020B0604020202020204" pitchFamily="34" charset="0"/>
+                <a:cs typeface="Arial" panose="020B0604020202020204" pitchFamily="34" charset="0"/>
+              </a:rPr>
+              <a:t> </a:t>
+            </a:r>
+            <a:r>
+              <a:rPr lang="en-US" sz="1800" dirty="0" err="1">
                 <a:latin typeface="Arial" panose="020B0604020202020204" pitchFamily="34" charset="0"/>
                 <a:cs typeface="Arial" panose="020B0604020202020204" pitchFamily="34" charset="0"/>
               </a:rPr>
               <a:t>trang</a:t>
             </a:r>
             <a:r>
-              <a:rPr lang="en-US" sz="1800" b="1" dirty="0">
-                <a:solidFill>
-                  <a:srgbClr val="FF0000"/>
-                </a:solidFill>
+              <a:rPr lang="en-US" sz="1800" dirty="0">
                 <a:latin typeface="Arial" panose="020B0604020202020204" pitchFamily="34" charset="0"/>
                 <a:cs typeface="Arial" panose="020B0604020202020204" pitchFamily="34" charset="0"/>
               </a:rPr>
@@ -13636,119 +14006,119 @@
               <a:buAutoNum type="arabicParenR"/>
             </a:pPr>
             <a:r>
-              <a:rPr lang="en-US" sz="1800" dirty="0" err="1">
+              <a:rPr lang="en-US" sz="1800" b="1" dirty="0" err="1">
                 <a:latin typeface="Arial" panose="020B0604020202020204" pitchFamily="34" charset="0"/>
                 <a:cs typeface="Arial" panose="020B0604020202020204" pitchFamily="34" charset="0"/>
               </a:rPr>
               <a:t>Lợi</a:t>
             </a:r>
             <a:r>
-              <a:rPr lang="en-US" sz="1800" dirty="0">
-                <a:latin typeface="Arial" panose="020B0604020202020204" pitchFamily="34" charset="0"/>
-                <a:cs typeface="Arial" panose="020B0604020202020204" pitchFamily="34" charset="0"/>
-              </a:rPr>
-              <a:t> </a:t>
-            </a:r>
-            <a:r>
-              <a:rPr lang="en-US" sz="1800" dirty="0" err="1">
+              <a:rPr lang="en-US" sz="1800" b="1" dirty="0">
+                <a:latin typeface="Arial" panose="020B0604020202020204" pitchFamily="34" charset="0"/>
+                <a:cs typeface="Arial" panose="020B0604020202020204" pitchFamily="34" charset="0"/>
+              </a:rPr>
+              <a:t> </a:t>
+            </a:r>
+            <a:r>
+              <a:rPr lang="en-US" sz="1800" b="1" dirty="0" err="1">
                 <a:latin typeface="Arial" panose="020B0604020202020204" pitchFamily="34" charset="0"/>
                 <a:cs typeface="Arial" panose="020B0604020202020204" pitchFamily="34" charset="0"/>
               </a:rPr>
               <a:t>ích</a:t>
             </a:r>
             <a:r>
-              <a:rPr lang="en-US" sz="1800" dirty="0">
-                <a:latin typeface="Arial" panose="020B0604020202020204" pitchFamily="34" charset="0"/>
-                <a:cs typeface="Arial" panose="020B0604020202020204" pitchFamily="34" charset="0"/>
-              </a:rPr>
-              <a:t> </a:t>
-            </a:r>
-            <a:r>
-              <a:rPr lang="en-US" sz="1800" dirty="0" err="1">
+              <a:rPr lang="en-US" sz="1800" b="1" dirty="0">
+                <a:latin typeface="Arial" panose="020B0604020202020204" pitchFamily="34" charset="0"/>
+                <a:cs typeface="Arial" panose="020B0604020202020204" pitchFamily="34" charset="0"/>
+              </a:rPr>
+              <a:t> </a:t>
+            </a:r>
+            <a:r>
+              <a:rPr lang="en-US" sz="1800" b="1" dirty="0" err="1">
                 <a:latin typeface="Arial" panose="020B0604020202020204" pitchFamily="34" charset="0"/>
                 <a:cs typeface="Arial" panose="020B0604020202020204" pitchFamily="34" charset="0"/>
               </a:rPr>
               <a:t>nếu</a:t>
             </a:r>
             <a:r>
-              <a:rPr lang="en-US" sz="1800" dirty="0">
-                <a:latin typeface="Arial" panose="020B0604020202020204" pitchFamily="34" charset="0"/>
-                <a:cs typeface="Arial" panose="020B0604020202020204" pitchFamily="34" charset="0"/>
-              </a:rPr>
-              <a:t> </a:t>
-            </a:r>
-            <a:r>
-              <a:rPr lang="en-US" sz="1800" dirty="0" err="1">
+              <a:rPr lang="en-US" sz="1800" b="1" dirty="0">
+                <a:latin typeface="Arial" panose="020B0604020202020204" pitchFamily="34" charset="0"/>
+                <a:cs typeface="Arial" panose="020B0604020202020204" pitchFamily="34" charset="0"/>
+              </a:rPr>
+              <a:t> </a:t>
+            </a:r>
+            <a:r>
+              <a:rPr lang="en-US" sz="1800" b="1" dirty="0" err="1">
                 <a:latin typeface="Arial" panose="020B0604020202020204" pitchFamily="34" charset="0"/>
                 <a:cs typeface="Arial" panose="020B0604020202020204" pitchFamily="34" charset="0"/>
               </a:rPr>
               <a:t>trả</a:t>
             </a:r>
             <a:r>
-              <a:rPr lang="en-US" sz="1800" dirty="0">
-                <a:latin typeface="Arial" panose="020B0604020202020204" pitchFamily="34" charset="0"/>
-                <a:cs typeface="Arial" panose="020B0604020202020204" pitchFamily="34" charset="0"/>
-              </a:rPr>
-              <a:t> </a:t>
-            </a:r>
-            <a:r>
-              <a:rPr lang="en-US" sz="1800" dirty="0" err="1">
+              <a:rPr lang="en-US" sz="1800" b="1" dirty="0">
+                <a:latin typeface="Arial" panose="020B0604020202020204" pitchFamily="34" charset="0"/>
+                <a:cs typeface="Arial" panose="020B0604020202020204" pitchFamily="34" charset="0"/>
+              </a:rPr>
+              <a:t> </a:t>
+            </a:r>
+            <a:r>
+              <a:rPr lang="en-US" sz="1800" b="1" dirty="0" err="1">
                 <a:latin typeface="Arial" panose="020B0604020202020204" pitchFamily="34" charset="0"/>
                 <a:cs typeface="Arial" panose="020B0604020202020204" pitchFamily="34" charset="0"/>
               </a:rPr>
               <a:t>lời</a:t>
             </a:r>
             <a:r>
-              <a:rPr lang="en-US" sz="1800" dirty="0">
+              <a:rPr lang="en-US" sz="1800" b="1" dirty="0">
                 <a:latin typeface="Arial" panose="020B0604020202020204" pitchFamily="34" charset="0"/>
                 <a:cs typeface="Arial" panose="020B0604020202020204" pitchFamily="34" charset="0"/>
               </a:rPr>
               <a:t> đ</a:t>
             </a:r>
             <a:r>
-              <a:rPr lang="vi-VN" sz="1800" dirty="0">
+              <a:rPr lang="vi-VN" sz="1800" b="1" dirty="0">
                 <a:latin typeface="Arial" panose="020B0604020202020204" pitchFamily="34" charset="0"/>
                 <a:cs typeface="Arial" panose="020B0604020202020204" pitchFamily="34" charset="0"/>
               </a:rPr>
               <a:t>ư</a:t>
             </a:r>
             <a:r>
-              <a:rPr lang="en-US" sz="1800" dirty="0" err="1">
+              <a:rPr lang="en-US" sz="1800" b="1" dirty="0" err="1">
                 <a:latin typeface="Arial" panose="020B0604020202020204" pitchFamily="34" charset="0"/>
                 <a:cs typeface="Arial" panose="020B0604020202020204" pitchFamily="34" charset="0"/>
               </a:rPr>
               <a:t>ợc</a:t>
             </a:r>
             <a:r>
-              <a:rPr lang="en-US" sz="1800" dirty="0">
-                <a:latin typeface="Arial" panose="020B0604020202020204" pitchFamily="34" charset="0"/>
-                <a:cs typeface="Arial" panose="020B0604020202020204" pitchFamily="34" charset="0"/>
-              </a:rPr>
-              <a:t> </a:t>
-            </a:r>
-            <a:r>
-              <a:rPr lang="en-US" sz="1800" dirty="0" err="1">
+              <a:rPr lang="en-US" sz="1800" b="1" dirty="0">
+                <a:latin typeface="Arial" panose="020B0604020202020204" pitchFamily="34" charset="0"/>
+                <a:cs typeface="Arial" panose="020B0604020202020204" pitchFamily="34" charset="0"/>
+              </a:rPr>
+              <a:t> </a:t>
+            </a:r>
+            <a:r>
+              <a:rPr lang="en-US" sz="1800" b="1" dirty="0" err="1">
                 <a:latin typeface="Arial" panose="020B0604020202020204" pitchFamily="34" charset="0"/>
                 <a:cs typeface="Arial" panose="020B0604020202020204" pitchFamily="34" charset="0"/>
               </a:rPr>
               <a:t>câu</a:t>
             </a:r>
             <a:r>
-              <a:rPr lang="en-US" sz="1800" dirty="0">
-                <a:latin typeface="Arial" panose="020B0604020202020204" pitchFamily="34" charset="0"/>
-                <a:cs typeface="Arial" panose="020B0604020202020204" pitchFamily="34" charset="0"/>
-              </a:rPr>
-              <a:t> </a:t>
-            </a:r>
-            <a:r>
-              <a:rPr lang="en-US" sz="1800" dirty="0" err="1">
+              <a:rPr lang="en-US" sz="1800" b="1" dirty="0">
+                <a:latin typeface="Arial" panose="020B0604020202020204" pitchFamily="34" charset="0"/>
+                <a:cs typeface="Arial" panose="020B0604020202020204" pitchFamily="34" charset="0"/>
+              </a:rPr>
+              <a:t> </a:t>
+            </a:r>
+            <a:r>
+              <a:rPr lang="en-US" sz="1800" b="1" dirty="0" err="1">
                 <a:latin typeface="Arial" panose="020B0604020202020204" pitchFamily="34" charset="0"/>
                 <a:cs typeface="Arial" panose="020B0604020202020204" pitchFamily="34" charset="0"/>
               </a:rPr>
               <a:t>hỏi</a:t>
             </a:r>
             <a:r>
-              <a:rPr lang="en-US" sz="1800" dirty="0">
+              <a:rPr lang="en-US" sz="1800" b="1" dirty="0">
                 <a:latin typeface="Arial" panose="020B0604020202020204" pitchFamily="34" charset="0"/>
                 <a:cs typeface="Arial" panose="020B0604020202020204" pitchFamily="34" charset="0"/>
               </a:rPr>
@@ -13763,610 +14133,427 @@
               <a:buNone/>
             </a:pPr>
             <a:r>
-              <a:rPr lang="en-US" sz="1800" b="1" dirty="0" err="1">
-                <a:solidFill>
-                  <a:srgbClr val="FF0000"/>
-                </a:solidFill>
+              <a:rPr lang="en-US" sz="1800" dirty="0" err="1">
                 <a:latin typeface="Arial" panose="020B0604020202020204" pitchFamily="34" charset="0"/>
                 <a:cs typeface="Arial" panose="020B0604020202020204" pitchFamily="34" charset="0"/>
               </a:rPr>
               <a:t>Là</a:t>
             </a:r>
             <a:r>
-              <a:rPr lang="en-US" sz="1800" b="1" dirty="0">
-                <a:solidFill>
-                  <a:srgbClr val="FF0000"/>
-                </a:solidFill>
-                <a:latin typeface="Arial" panose="020B0604020202020204" pitchFamily="34" charset="0"/>
-                <a:cs typeface="Arial" panose="020B0604020202020204" pitchFamily="34" charset="0"/>
-              </a:rPr>
-              <a:t> </a:t>
-            </a:r>
-            <a:r>
-              <a:rPr lang="en-US" sz="1800" b="1" dirty="0" err="1">
-                <a:solidFill>
-                  <a:srgbClr val="FF0000"/>
-                </a:solidFill>
+              <a:rPr lang="en-US" sz="1800" dirty="0">
+                <a:latin typeface="Arial" panose="020B0604020202020204" pitchFamily="34" charset="0"/>
+                <a:cs typeface="Arial" panose="020B0604020202020204" pitchFamily="34" charset="0"/>
+              </a:rPr>
+              <a:t> </a:t>
+            </a:r>
+            <a:r>
+              <a:rPr lang="en-US" sz="1800" dirty="0" err="1">
                 <a:latin typeface="Arial" panose="020B0604020202020204" pitchFamily="34" charset="0"/>
                 <a:cs typeface="Arial" panose="020B0604020202020204" pitchFamily="34" charset="0"/>
               </a:rPr>
               <a:t>tiền</a:t>
             </a:r>
             <a:r>
-              <a:rPr lang="en-US" sz="1800" b="1" dirty="0">
-                <a:solidFill>
-                  <a:srgbClr val="FF0000"/>
-                </a:solidFill>
-                <a:latin typeface="Arial" panose="020B0604020202020204" pitchFamily="34" charset="0"/>
-                <a:cs typeface="Arial" panose="020B0604020202020204" pitchFamily="34" charset="0"/>
-              </a:rPr>
-              <a:t> </a:t>
-            </a:r>
-            <a:r>
-              <a:rPr lang="en-US" sz="1800" b="1" dirty="0" err="1">
-                <a:solidFill>
-                  <a:srgbClr val="FF0000"/>
-                </a:solidFill>
+              <a:rPr lang="en-US" sz="1800" dirty="0">
+                <a:latin typeface="Arial" panose="020B0604020202020204" pitchFamily="34" charset="0"/>
+                <a:cs typeface="Arial" panose="020B0604020202020204" pitchFamily="34" charset="0"/>
+              </a:rPr>
+              <a:t> </a:t>
+            </a:r>
+            <a:r>
+              <a:rPr lang="en-US" sz="1800" dirty="0" err="1">
                 <a:latin typeface="Arial" panose="020B0604020202020204" pitchFamily="34" charset="0"/>
                 <a:cs typeface="Arial" panose="020B0604020202020204" pitchFamily="34" charset="0"/>
               </a:rPr>
               <a:t>đề</a:t>
             </a:r>
             <a:r>
-              <a:rPr lang="en-US" sz="1800" b="1" dirty="0">
-                <a:solidFill>
-                  <a:srgbClr val="FF0000"/>
-                </a:solidFill>
-                <a:latin typeface="Arial" panose="020B0604020202020204" pitchFamily="34" charset="0"/>
-                <a:cs typeface="Arial" panose="020B0604020202020204" pitchFamily="34" charset="0"/>
-              </a:rPr>
-              <a:t> </a:t>
-            </a:r>
-            <a:r>
-              <a:rPr lang="en-US" sz="1800" b="1" dirty="0" err="1">
-                <a:solidFill>
-                  <a:srgbClr val="FF0000"/>
-                </a:solidFill>
+              <a:rPr lang="en-US" sz="1800" dirty="0">
+                <a:latin typeface="Arial" panose="020B0604020202020204" pitchFamily="34" charset="0"/>
+                <a:cs typeface="Arial" panose="020B0604020202020204" pitchFamily="34" charset="0"/>
+              </a:rPr>
+              <a:t> </a:t>
+            </a:r>
+            <a:r>
+              <a:rPr lang="en-US" sz="1800" dirty="0" err="1">
                 <a:latin typeface="Arial" panose="020B0604020202020204" pitchFamily="34" charset="0"/>
                 <a:cs typeface="Arial" panose="020B0604020202020204" pitchFamily="34" charset="0"/>
               </a:rPr>
               <a:t>cho</a:t>
             </a:r>
             <a:r>
-              <a:rPr lang="en-US" sz="1800" b="1" dirty="0">
-                <a:solidFill>
-                  <a:srgbClr val="FF0000"/>
-                </a:solidFill>
-                <a:latin typeface="Arial" panose="020B0604020202020204" pitchFamily="34" charset="0"/>
-                <a:cs typeface="Arial" panose="020B0604020202020204" pitchFamily="34" charset="0"/>
-              </a:rPr>
-              <a:t> </a:t>
-            </a:r>
-            <a:r>
-              <a:rPr lang="en-US" sz="1800" b="1" dirty="0" err="1">
-                <a:solidFill>
-                  <a:srgbClr val="FF0000"/>
-                </a:solidFill>
+              <a:rPr lang="en-US" sz="1800" dirty="0">
+                <a:latin typeface="Arial" panose="020B0604020202020204" pitchFamily="34" charset="0"/>
+                <a:cs typeface="Arial" panose="020B0604020202020204" pitchFamily="34" charset="0"/>
+              </a:rPr>
+              <a:t> </a:t>
+            </a:r>
+            <a:r>
+              <a:rPr lang="en-US" sz="1800" dirty="0" err="1">
                 <a:latin typeface="Arial" panose="020B0604020202020204" pitchFamily="34" charset="0"/>
                 <a:cs typeface="Arial" panose="020B0604020202020204" pitchFamily="34" charset="0"/>
               </a:rPr>
               <a:t>việc</a:t>
             </a:r>
             <a:r>
-              <a:rPr lang="en-US" sz="1800" b="1" dirty="0">
-                <a:solidFill>
-                  <a:srgbClr val="FF0000"/>
-                </a:solidFill>
-                <a:latin typeface="Arial" panose="020B0604020202020204" pitchFamily="34" charset="0"/>
-                <a:cs typeface="Arial" panose="020B0604020202020204" pitchFamily="34" charset="0"/>
-              </a:rPr>
-              <a:t> </a:t>
-            </a:r>
-            <a:r>
-              <a:rPr lang="en-US" sz="1800" b="1" dirty="0" err="1">
-                <a:solidFill>
-                  <a:srgbClr val="FF0000"/>
-                </a:solidFill>
+              <a:rPr lang="en-US" sz="1800" dirty="0">
+                <a:latin typeface="Arial" panose="020B0604020202020204" pitchFamily="34" charset="0"/>
+                <a:cs typeface="Arial" panose="020B0604020202020204" pitchFamily="34" charset="0"/>
+              </a:rPr>
+              <a:t> </a:t>
+            </a:r>
+            <a:r>
+              <a:rPr lang="en-US" sz="1800" dirty="0" err="1">
                 <a:latin typeface="Arial" panose="020B0604020202020204" pitchFamily="34" charset="0"/>
                 <a:cs typeface="Arial" panose="020B0604020202020204" pitchFamily="34" charset="0"/>
               </a:rPr>
               <a:t>xây</a:t>
             </a:r>
             <a:r>
-              <a:rPr lang="en-US" sz="1800" b="1" dirty="0">
-                <a:solidFill>
-                  <a:srgbClr val="FF0000"/>
-                </a:solidFill>
-                <a:latin typeface="Arial" panose="020B0604020202020204" pitchFamily="34" charset="0"/>
-                <a:cs typeface="Arial" panose="020B0604020202020204" pitchFamily="34" charset="0"/>
-              </a:rPr>
-              <a:t> </a:t>
-            </a:r>
-            <a:r>
-              <a:rPr lang="en-US" sz="1800" b="1" dirty="0" err="1">
-                <a:solidFill>
-                  <a:srgbClr val="FF0000"/>
-                </a:solidFill>
+              <a:rPr lang="en-US" sz="1800" dirty="0">
+                <a:latin typeface="Arial" panose="020B0604020202020204" pitchFamily="34" charset="0"/>
+                <a:cs typeface="Arial" panose="020B0604020202020204" pitchFamily="34" charset="0"/>
+              </a:rPr>
+              <a:t> </a:t>
+            </a:r>
+            <a:r>
+              <a:rPr lang="en-US" sz="1800" dirty="0" err="1">
                 <a:latin typeface="Arial" panose="020B0604020202020204" pitchFamily="34" charset="0"/>
                 <a:cs typeface="Arial" panose="020B0604020202020204" pitchFamily="34" charset="0"/>
               </a:rPr>
               <a:t>dựng</a:t>
             </a:r>
             <a:r>
-              <a:rPr lang="en-US" sz="1800" b="1" dirty="0">
-                <a:solidFill>
-                  <a:srgbClr val="FF0000"/>
-                </a:solidFill>
-                <a:latin typeface="Arial" panose="020B0604020202020204" pitchFamily="34" charset="0"/>
-                <a:cs typeface="Arial" panose="020B0604020202020204" pitchFamily="34" charset="0"/>
-              </a:rPr>
-              <a:t> </a:t>
-            </a:r>
-            <a:r>
-              <a:rPr lang="en-US" sz="1800" b="1" dirty="0" err="1">
-                <a:solidFill>
-                  <a:srgbClr val="FF0000"/>
-                </a:solidFill>
+              <a:rPr lang="en-US" sz="1800" dirty="0">
+                <a:latin typeface="Arial" panose="020B0604020202020204" pitchFamily="34" charset="0"/>
+                <a:cs typeface="Arial" panose="020B0604020202020204" pitchFamily="34" charset="0"/>
+              </a:rPr>
+              <a:t> </a:t>
+            </a:r>
+            <a:r>
+              <a:rPr lang="en-US" sz="1800" dirty="0" err="1">
                 <a:latin typeface="Arial" panose="020B0604020202020204" pitchFamily="34" charset="0"/>
                 <a:cs typeface="Arial" panose="020B0604020202020204" pitchFamily="34" charset="0"/>
               </a:rPr>
               <a:t>hệ</a:t>
             </a:r>
             <a:r>
-              <a:rPr lang="en-US" sz="1800" b="1" dirty="0">
-                <a:solidFill>
-                  <a:srgbClr val="FF0000"/>
-                </a:solidFill>
-                <a:latin typeface="Arial" panose="020B0604020202020204" pitchFamily="34" charset="0"/>
-                <a:cs typeface="Arial" panose="020B0604020202020204" pitchFamily="34" charset="0"/>
-              </a:rPr>
-              <a:t> </a:t>
-            </a:r>
-            <a:r>
-              <a:rPr lang="en-US" sz="1800" b="1" dirty="0" err="1">
-                <a:solidFill>
-                  <a:srgbClr val="FF0000"/>
-                </a:solidFill>
+              <a:rPr lang="en-US" sz="1800" dirty="0">
+                <a:latin typeface="Arial" panose="020B0604020202020204" pitchFamily="34" charset="0"/>
+                <a:cs typeface="Arial" panose="020B0604020202020204" pitchFamily="34" charset="0"/>
+              </a:rPr>
+              <a:t> </a:t>
+            </a:r>
+            <a:r>
+              <a:rPr lang="en-US" sz="1800" dirty="0" err="1">
                 <a:latin typeface="Arial" panose="020B0604020202020204" pitchFamily="34" charset="0"/>
                 <a:cs typeface="Arial" panose="020B0604020202020204" pitchFamily="34" charset="0"/>
               </a:rPr>
               <a:t>thống</a:t>
             </a:r>
             <a:r>
-              <a:rPr lang="en-US" sz="1800" b="1" dirty="0">
-                <a:solidFill>
-                  <a:srgbClr val="FF0000"/>
-                </a:solidFill>
-                <a:latin typeface="Arial" panose="020B0604020202020204" pitchFamily="34" charset="0"/>
-                <a:cs typeface="Arial" panose="020B0604020202020204" pitchFamily="34" charset="0"/>
-              </a:rPr>
-              <a:t> </a:t>
-            </a:r>
-            <a:r>
-              <a:rPr lang="en-US" sz="1800" b="1" dirty="0" err="1">
-                <a:solidFill>
-                  <a:srgbClr val="FF0000"/>
-                </a:solidFill>
+              <a:rPr lang="en-US" sz="1800" dirty="0">
+                <a:latin typeface="Arial" panose="020B0604020202020204" pitchFamily="34" charset="0"/>
+                <a:cs typeface="Arial" panose="020B0604020202020204" pitchFamily="34" charset="0"/>
+              </a:rPr>
+              <a:t> </a:t>
+            </a:r>
+            <a:r>
+              <a:rPr lang="en-US" sz="1800" dirty="0" err="1">
                 <a:latin typeface="Arial" panose="020B0604020202020204" pitchFamily="34" charset="0"/>
                 <a:cs typeface="Arial" panose="020B0604020202020204" pitchFamily="34" charset="0"/>
               </a:rPr>
               <a:t>xếp</a:t>
             </a:r>
             <a:r>
-              <a:rPr lang="en-US" sz="1800" b="1" dirty="0">
-                <a:solidFill>
-                  <a:srgbClr val="FF0000"/>
-                </a:solidFill>
-                <a:latin typeface="Arial" panose="020B0604020202020204" pitchFamily="34" charset="0"/>
-                <a:cs typeface="Arial" panose="020B0604020202020204" pitchFamily="34" charset="0"/>
-              </a:rPr>
-              <a:t> </a:t>
-            </a:r>
-            <a:r>
-              <a:rPr lang="en-US" sz="1800" b="1" dirty="0" err="1">
-                <a:solidFill>
-                  <a:srgbClr val="FF0000"/>
-                </a:solidFill>
+              <a:rPr lang="en-US" sz="1800" dirty="0">
+                <a:latin typeface="Arial" panose="020B0604020202020204" pitchFamily="34" charset="0"/>
+                <a:cs typeface="Arial" panose="020B0604020202020204" pitchFamily="34" charset="0"/>
+              </a:rPr>
+              <a:t> </a:t>
+            </a:r>
+            <a:r>
+              <a:rPr lang="en-US" sz="1800" dirty="0" err="1">
                 <a:latin typeface="Arial" panose="020B0604020202020204" pitchFamily="34" charset="0"/>
                 <a:cs typeface="Arial" panose="020B0604020202020204" pitchFamily="34" charset="0"/>
               </a:rPr>
               <a:t>hạng</a:t>
             </a:r>
             <a:r>
-              <a:rPr lang="en-US" sz="1800" b="1" dirty="0">
-                <a:solidFill>
-                  <a:srgbClr val="FF0000"/>
-                </a:solidFill>
-                <a:latin typeface="Arial" panose="020B0604020202020204" pitchFamily="34" charset="0"/>
-                <a:cs typeface="Arial" panose="020B0604020202020204" pitchFamily="34" charset="0"/>
-              </a:rPr>
-              <a:t> </a:t>
-            </a:r>
-            <a:r>
-              <a:rPr lang="en-US" sz="1800" b="1" dirty="0" err="1">
-                <a:solidFill>
-                  <a:srgbClr val="FF0000"/>
-                </a:solidFill>
+              <a:rPr lang="en-US" sz="1800" dirty="0">
+                <a:latin typeface="Arial" panose="020B0604020202020204" pitchFamily="34" charset="0"/>
+                <a:cs typeface="Arial" panose="020B0604020202020204" pitchFamily="34" charset="0"/>
+              </a:rPr>
+              <a:t> </a:t>
+            </a:r>
+            <a:r>
+              <a:rPr lang="en-US" sz="1800" dirty="0" err="1">
                 <a:latin typeface="Arial" panose="020B0604020202020204" pitchFamily="34" charset="0"/>
                 <a:cs typeface="Arial" panose="020B0604020202020204" pitchFamily="34" charset="0"/>
               </a:rPr>
               <a:t>phim</a:t>
             </a:r>
             <a:r>
-              <a:rPr lang="en-US" sz="1800" b="1" dirty="0">
-                <a:solidFill>
-                  <a:srgbClr val="FF0000"/>
-                </a:solidFill>
-                <a:latin typeface="Arial" panose="020B0604020202020204" pitchFamily="34" charset="0"/>
-                <a:cs typeface="Arial" panose="020B0604020202020204" pitchFamily="34" charset="0"/>
-              </a:rPr>
-              <a:t> </a:t>
-            </a:r>
-            <a:r>
-              <a:rPr lang="en-US" sz="1800" b="1" dirty="0" err="1">
-                <a:solidFill>
-                  <a:srgbClr val="FF0000"/>
-                </a:solidFill>
+              <a:rPr lang="en-US" sz="1800" dirty="0">
+                <a:latin typeface="Arial" panose="020B0604020202020204" pitchFamily="34" charset="0"/>
+                <a:cs typeface="Arial" panose="020B0604020202020204" pitchFamily="34" charset="0"/>
+              </a:rPr>
+              <a:t> </a:t>
+            </a:r>
+            <a:r>
+              <a:rPr lang="en-US" sz="1800" dirty="0" err="1">
                 <a:latin typeface="Arial" panose="020B0604020202020204" pitchFamily="34" charset="0"/>
                 <a:cs typeface="Arial" panose="020B0604020202020204" pitchFamily="34" charset="0"/>
               </a:rPr>
               <a:t>sắp</a:t>
             </a:r>
             <a:r>
-              <a:rPr lang="en-US" sz="1800" b="1" dirty="0">
-                <a:solidFill>
-                  <a:srgbClr val="FF0000"/>
-                </a:solidFill>
-                <a:latin typeface="Arial" panose="020B0604020202020204" pitchFamily="34" charset="0"/>
-                <a:cs typeface="Arial" panose="020B0604020202020204" pitchFamily="34" charset="0"/>
-              </a:rPr>
-              <a:t> </a:t>
-            </a:r>
-            <a:r>
-              <a:rPr lang="en-US" sz="1800" b="1" dirty="0" err="1">
-                <a:solidFill>
-                  <a:srgbClr val="FF0000"/>
-                </a:solidFill>
+              <a:rPr lang="en-US" sz="1800" dirty="0">
+                <a:latin typeface="Arial" panose="020B0604020202020204" pitchFamily="34" charset="0"/>
+                <a:cs typeface="Arial" panose="020B0604020202020204" pitchFamily="34" charset="0"/>
+              </a:rPr>
+              <a:t> </a:t>
+            </a:r>
+            <a:r>
+              <a:rPr lang="en-US" sz="1800" dirty="0" err="1">
                 <a:latin typeface="Arial" panose="020B0604020202020204" pitchFamily="34" charset="0"/>
                 <a:cs typeface="Arial" panose="020B0604020202020204" pitchFamily="34" charset="0"/>
               </a:rPr>
               <a:t>chiếu</a:t>
             </a:r>
             <a:r>
-              <a:rPr lang="en-US" sz="1800" b="1" dirty="0">
-                <a:solidFill>
-                  <a:srgbClr val="FF0000"/>
-                </a:solidFill>
-                <a:latin typeface="Arial" panose="020B0604020202020204" pitchFamily="34" charset="0"/>
-                <a:cs typeface="Arial" panose="020B0604020202020204" pitchFamily="34" charset="0"/>
-              </a:rPr>
-              <a:t> </a:t>
-            </a:r>
-            <a:r>
-              <a:rPr lang="en-US" sz="1800" b="1" dirty="0" err="1">
-                <a:solidFill>
-                  <a:srgbClr val="FF0000"/>
-                </a:solidFill>
+              <a:rPr lang="en-US" sz="1800" dirty="0">
+                <a:latin typeface="Arial" panose="020B0604020202020204" pitchFamily="34" charset="0"/>
+                <a:cs typeface="Arial" panose="020B0604020202020204" pitchFamily="34" charset="0"/>
+              </a:rPr>
+              <a:t> </a:t>
+            </a:r>
+            <a:r>
+              <a:rPr lang="en-US" sz="1800" dirty="0" err="1">
                 <a:latin typeface="Arial" panose="020B0604020202020204" pitchFamily="34" charset="0"/>
                 <a:cs typeface="Arial" panose="020B0604020202020204" pitchFamily="34" charset="0"/>
               </a:rPr>
               <a:t>tự</a:t>
             </a:r>
             <a:r>
-              <a:rPr lang="en-US" sz="1800" b="1" dirty="0">
-                <a:solidFill>
-                  <a:srgbClr val="FF0000"/>
-                </a:solidFill>
-                <a:latin typeface="Arial" panose="020B0604020202020204" pitchFamily="34" charset="0"/>
-                <a:cs typeface="Arial" panose="020B0604020202020204" pitchFamily="34" charset="0"/>
-              </a:rPr>
-              <a:t> </a:t>
-            </a:r>
-            <a:r>
-              <a:rPr lang="en-US" sz="1800" b="1" dirty="0" err="1">
-                <a:solidFill>
-                  <a:srgbClr val="FF0000"/>
-                </a:solidFill>
+              <a:rPr lang="en-US" sz="1800" dirty="0">
+                <a:latin typeface="Arial" panose="020B0604020202020204" pitchFamily="34" charset="0"/>
+                <a:cs typeface="Arial" panose="020B0604020202020204" pitchFamily="34" charset="0"/>
+              </a:rPr>
+              <a:t> </a:t>
+            </a:r>
+            <a:r>
+              <a:rPr lang="en-US" sz="1800" dirty="0" err="1">
                 <a:latin typeface="Arial" panose="020B0604020202020204" pitchFamily="34" charset="0"/>
                 <a:cs typeface="Arial" panose="020B0604020202020204" pitchFamily="34" charset="0"/>
               </a:rPr>
               <a:t>động</a:t>
             </a:r>
             <a:r>
-              <a:rPr lang="en-US" sz="1800" b="1" dirty="0">
-                <a:solidFill>
-                  <a:srgbClr val="FF0000"/>
-                </a:solidFill>
+              <a:rPr lang="en-US" sz="1800" dirty="0">
                 <a:latin typeface="Arial" panose="020B0604020202020204" pitchFamily="34" charset="0"/>
                 <a:cs typeface="Arial" panose="020B0604020202020204" pitchFamily="34" charset="0"/>
               </a:rPr>
               <a:t>. </a:t>
             </a:r>
             <a:r>
-              <a:rPr lang="en-US" sz="1800" b="1" dirty="0" err="1">
-                <a:solidFill>
-                  <a:srgbClr val="FF0000"/>
-                </a:solidFill>
+              <a:rPr lang="en-US" sz="1800" dirty="0" err="1">
                 <a:latin typeface="Arial" panose="020B0604020202020204" pitchFamily="34" charset="0"/>
                 <a:cs typeface="Arial" panose="020B0604020202020204" pitchFamily="34" charset="0"/>
               </a:rPr>
               <a:t>Giúp</a:t>
             </a:r>
             <a:r>
-              <a:rPr lang="en-US" sz="1800" b="1" dirty="0">
-                <a:solidFill>
-                  <a:srgbClr val="FF0000"/>
-                </a:solidFill>
+              <a:rPr lang="en-US" sz="1800" dirty="0">
                 <a:latin typeface="Arial" panose="020B0604020202020204" pitchFamily="34" charset="0"/>
                 <a:cs typeface="Arial" panose="020B0604020202020204" pitchFamily="34" charset="0"/>
               </a:rPr>
               <a:t> ng</a:t>
             </a:r>
             <a:r>
-              <a:rPr lang="vi-VN" sz="1800" b="1" dirty="0">
-                <a:solidFill>
-                  <a:srgbClr val="FF0000"/>
-                </a:solidFill>
+              <a:rPr lang="vi-VN" sz="1800" dirty="0">
                 <a:latin typeface="Arial" panose="020B0604020202020204" pitchFamily="34" charset="0"/>
                 <a:cs typeface="Arial" panose="020B0604020202020204" pitchFamily="34" charset="0"/>
               </a:rPr>
               <a:t>ư</a:t>
             </a:r>
             <a:r>
-              <a:rPr lang="en-US" sz="1800" b="1" dirty="0" err="1">
-                <a:solidFill>
-                  <a:srgbClr val="FF0000"/>
-                </a:solidFill>
+              <a:rPr lang="en-US" sz="1800" dirty="0" err="1">
                 <a:latin typeface="Arial" panose="020B0604020202020204" pitchFamily="34" charset="0"/>
                 <a:cs typeface="Arial" panose="020B0604020202020204" pitchFamily="34" charset="0"/>
               </a:rPr>
               <a:t>ời</a:t>
             </a:r>
             <a:r>
-              <a:rPr lang="en-US" sz="1800" b="1" dirty="0">
-                <a:solidFill>
-                  <a:srgbClr val="FF0000"/>
-                </a:solidFill>
-                <a:latin typeface="Arial" panose="020B0604020202020204" pitchFamily="34" charset="0"/>
-                <a:cs typeface="Arial" panose="020B0604020202020204" pitchFamily="34" charset="0"/>
-              </a:rPr>
-              <a:t> </a:t>
-            </a:r>
-            <a:r>
-              <a:rPr lang="en-US" sz="1800" b="1" dirty="0" err="1">
-                <a:solidFill>
-                  <a:srgbClr val="FF0000"/>
-                </a:solidFill>
+              <a:rPr lang="en-US" sz="1800" dirty="0">
+                <a:latin typeface="Arial" panose="020B0604020202020204" pitchFamily="34" charset="0"/>
+                <a:cs typeface="Arial" panose="020B0604020202020204" pitchFamily="34" charset="0"/>
+              </a:rPr>
+              <a:t> </a:t>
+            </a:r>
+            <a:r>
+              <a:rPr lang="en-US" sz="1800" dirty="0" err="1">
                 <a:latin typeface="Arial" panose="020B0604020202020204" pitchFamily="34" charset="0"/>
                 <a:cs typeface="Arial" panose="020B0604020202020204" pitchFamily="34" charset="0"/>
               </a:rPr>
               <a:t>dùng</a:t>
             </a:r>
             <a:r>
-              <a:rPr lang="en-US" sz="1800" b="1" dirty="0">
-                <a:solidFill>
-                  <a:srgbClr val="FF0000"/>
-                </a:solidFill>
-                <a:latin typeface="Arial" panose="020B0604020202020204" pitchFamily="34" charset="0"/>
-                <a:cs typeface="Arial" panose="020B0604020202020204" pitchFamily="34" charset="0"/>
-              </a:rPr>
-              <a:t> </a:t>
-            </a:r>
-            <a:r>
-              <a:rPr lang="en-US" sz="1800" b="1" dirty="0" err="1">
-                <a:solidFill>
-                  <a:srgbClr val="FF0000"/>
-                </a:solidFill>
+              <a:rPr lang="en-US" sz="1800" dirty="0">
+                <a:latin typeface="Arial" panose="020B0604020202020204" pitchFamily="34" charset="0"/>
+                <a:cs typeface="Arial" panose="020B0604020202020204" pitchFamily="34" charset="0"/>
+              </a:rPr>
+              <a:t> </a:t>
+            </a:r>
+            <a:r>
+              <a:rPr lang="en-US" sz="1800" dirty="0" err="1">
                 <a:latin typeface="Arial" panose="020B0604020202020204" pitchFamily="34" charset="0"/>
                 <a:cs typeface="Arial" panose="020B0604020202020204" pitchFamily="34" charset="0"/>
               </a:rPr>
               <a:t>có</a:t>
             </a:r>
             <a:r>
-              <a:rPr lang="en-US" sz="1800" b="1" dirty="0">
-                <a:solidFill>
-                  <a:srgbClr val="FF0000"/>
-                </a:solidFill>
-                <a:latin typeface="Arial" panose="020B0604020202020204" pitchFamily="34" charset="0"/>
-                <a:cs typeface="Arial" panose="020B0604020202020204" pitchFamily="34" charset="0"/>
-              </a:rPr>
-              <a:t> </a:t>
-            </a:r>
-            <a:r>
-              <a:rPr lang="en-US" sz="1800" b="1" dirty="0" err="1">
-                <a:solidFill>
-                  <a:srgbClr val="FF0000"/>
-                </a:solidFill>
+              <a:rPr lang="en-US" sz="1800" dirty="0">
+                <a:latin typeface="Arial" panose="020B0604020202020204" pitchFamily="34" charset="0"/>
+                <a:cs typeface="Arial" panose="020B0604020202020204" pitchFamily="34" charset="0"/>
+              </a:rPr>
+              <a:t> </a:t>
+            </a:r>
+            <a:r>
+              <a:rPr lang="en-US" sz="1800" dirty="0" err="1">
                 <a:latin typeface="Arial" panose="020B0604020202020204" pitchFamily="34" charset="0"/>
                 <a:cs typeface="Arial" panose="020B0604020202020204" pitchFamily="34" charset="0"/>
               </a:rPr>
               <a:t>một</a:t>
             </a:r>
             <a:r>
-              <a:rPr lang="en-US" sz="1800" b="1" dirty="0">
-                <a:solidFill>
-                  <a:srgbClr val="FF0000"/>
-                </a:solidFill>
-                <a:latin typeface="Arial" panose="020B0604020202020204" pitchFamily="34" charset="0"/>
-                <a:cs typeface="Arial" panose="020B0604020202020204" pitchFamily="34" charset="0"/>
-              </a:rPr>
-              <a:t> </a:t>
-            </a:r>
-            <a:r>
-              <a:rPr lang="en-US" sz="1800" b="1" dirty="0" err="1">
-                <a:solidFill>
-                  <a:srgbClr val="FF0000"/>
-                </a:solidFill>
+              <a:rPr lang="en-US" sz="1800" dirty="0">
+                <a:latin typeface="Arial" panose="020B0604020202020204" pitchFamily="34" charset="0"/>
+                <a:cs typeface="Arial" panose="020B0604020202020204" pitchFamily="34" charset="0"/>
+              </a:rPr>
+              <a:t> </a:t>
+            </a:r>
+            <a:r>
+              <a:rPr lang="en-US" sz="1800" dirty="0" err="1">
                 <a:latin typeface="Arial" panose="020B0604020202020204" pitchFamily="34" charset="0"/>
                 <a:cs typeface="Arial" panose="020B0604020202020204" pitchFamily="34" charset="0"/>
               </a:rPr>
               <a:t>cái</a:t>
             </a:r>
             <a:r>
-              <a:rPr lang="en-US" sz="1800" b="1" dirty="0">
-                <a:solidFill>
-                  <a:srgbClr val="FF0000"/>
-                </a:solidFill>
-                <a:latin typeface="Arial" panose="020B0604020202020204" pitchFamily="34" charset="0"/>
-                <a:cs typeface="Arial" panose="020B0604020202020204" pitchFamily="34" charset="0"/>
-              </a:rPr>
-              <a:t> </a:t>
-            </a:r>
-            <a:r>
-              <a:rPr lang="en-US" sz="1800" b="1" dirty="0" err="1">
-                <a:solidFill>
-                  <a:srgbClr val="FF0000"/>
-                </a:solidFill>
+              <a:rPr lang="en-US" sz="1800" dirty="0">
+                <a:latin typeface="Arial" panose="020B0604020202020204" pitchFamily="34" charset="0"/>
+                <a:cs typeface="Arial" panose="020B0604020202020204" pitchFamily="34" charset="0"/>
+              </a:rPr>
+              <a:t> </a:t>
+            </a:r>
+            <a:r>
+              <a:rPr lang="en-US" sz="1800" dirty="0" err="1">
                 <a:latin typeface="Arial" panose="020B0604020202020204" pitchFamily="34" charset="0"/>
                 <a:cs typeface="Arial" panose="020B0604020202020204" pitchFamily="34" charset="0"/>
               </a:rPr>
               <a:t>nhìn</a:t>
             </a:r>
             <a:r>
-              <a:rPr lang="en-US" sz="1800" b="1" dirty="0">
-                <a:solidFill>
-                  <a:srgbClr val="FF0000"/>
-                </a:solidFill>
-                <a:latin typeface="Arial" panose="020B0604020202020204" pitchFamily="34" charset="0"/>
-                <a:cs typeface="Arial" panose="020B0604020202020204" pitchFamily="34" charset="0"/>
-              </a:rPr>
-              <a:t> </a:t>
-            </a:r>
-            <a:r>
-              <a:rPr lang="en-US" sz="1800" b="1" dirty="0" err="1">
-                <a:solidFill>
-                  <a:srgbClr val="FF0000"/>
-                </a:solidFill>
+              <a:rPr lang="en-US" sz="1800" dirty="0">
+                <a:latin typeface="Arial" panose="020B0604020202020204" pitchFamily="34" charset="0"/>
+                <a:cs typeface="Arial" panose="020B0604020202020204" pitchFamily="34" charset="0"/>
+              </a:rPr>
+              <a:t> </a:t>
+            </a:r>
+            <a:r>
+              <a:rPr lang="en-US" sz="1800" dirty="0" err="1">
                 <a:latin typeface="Arial" panose="020B0604020202020204" pitchFamily="34" charset="0"/>
                 <a:cs typeface="Arial" panose="020B0604020202020204" pitchFamily="34" charset="0"/>
               </a:rPr>
               <a:t>thoáng</a:t>
             </a:r>
             <a:r>
-              <a:rPr lang="en-US" sz="1800" b="1" dirty="0">
-                <a:solidFill>
-                  <a:srgbClr val="FF0000"/>
-                </a:solidFill>
-                <a:latin typeface="Arial" panose="020B0604020202020204" pitchFamily="34" charset="0"/>
-                <a:cs typeface="Arial" panose="020B0604020202020204" pitchFamily="34" charset="0"/>
-              </a:rPr>
-              <a:t> </a:t>
-            </a:r>
-            <a:r>
-              <a:rPr lang="en-US" sz="1800" b="1" dirty="0" err="1">
-                <a:solidFill>
-                  <a:srgbClr val="FF0000"/>
-                </a:solidFill>
+              <a:rPr lang="en-US" sz="1800" dirty="0">
+                <a:latin typeface="Arial" panose="020B0604020202020204" pitchFamily="34" charset="0"/>
+                <a:cs typeface="Arial" panose="020B0604020202020204" pitchFamily="34" charset="0"/>
+              </a:rPr>
+              <a:t> </a:t>
+            </a:r>
+            <a:r>
+              <a:rPr lang="en-US" sz="1800" dirty="0" err="1">
                 <a:latin typeface="Arial" panose="020B0604020202020204" pitchFamily="34" charset="0"/>
                 <a:cs typeface="Arial" panose="020B0604020202020204" pitchFamily="34" charset="0"/>
               </a:rPr>
               <a:t>về</a:t>
             </a:r>
             <a:r>
-              <a:rPr lang="en-US" sz="1800" b="1" dirty="0">
-                <a:solidFill>
-                  <a:srgbClr val="FF0000"/>
-                </a:solidFill>
-                <a:latin typeface="Arial" panose="020B0604020202020204" pitchFamily="34" charset="0"/>
-                <a:cs typeface="Arial" panose="020B0604020202020204" pitchFamily="34" charset="0"/>
-              </a:rPr>
-              <a:t> </a:t>
-            </a:r>
-            <a:r>
-              <a:rPr lang="en-US" sz="1800" b="1" dirty="0" err="1">
-                <a:solidFill>
-                  <a:srgbClr val="FF0000"/>
-                </a:solidFill>
+              <a:rPr lang="en-US" sz="1800" dirty="0">
+                <a:latin typeface="Arial" panose="020B0604020202020204" pitchFamily="34" charset="0"/>
+                <a:cs typeface="Arial" panose="020B0604020202020204" pitchFamily="34" charset="0"/>
+              </a:rPr>
+              <a:t> </a:t>
+            </a:r>
+            <a:r>
+              <a:rPr lang="en-US" sz="1800" dirty="0" err="1">
                 <a:latin typeface="Arial" panose="020B0604020202020204" pitchFamily="34" charset="0"/>
                 <a:cs typeface="Arial" panose="020B0604020202020204" pitchFamily="34" charset="0"/>
               </a:rPr>
               <a:t>những</a:t>
             </a:r>
             <a:r>
-              <a:rPr lang="en-US" sz="1800" b="1" dirty="0">
-                <a:solidFill>
-                  <a:srgbClr val="FF0000"/>
-                </a:solidFill>
-                <a:latin typeface="Arial" panose="020B0604020202020204" pitchFamily="34" charset="0"/>
-                <a:cs typeface="Arial" panose="020B0604020202020204" pitchFamily="34" charset="0"/>
-              </a:rPr>
-              <a:t> </a:t>
-            </a:r>
-            <a:r>
-              <a:rPr lang="en-US" sz="1800" b="1" dirty="0" err="1">
-                <a:solidFill>
-                  <a:srgbClr val="FF0000"/>
-                </a:solidFill>
+              <a:rPr lang="en-US" sz="1800" dirty="0">
+                <a:latin typeface="Arial" panose="020B0604020202020204" pitchFamily="34" charset="0"/>
+                <a:cs typeface="Arial" panose="020B0604020202020204" pitchFamily="34" charset="0"/>
+              </a:rPr>
+              <a:t> </a:t>
+            </a:r>
+            <a:r>
+              <a:rPr lang="en-US" sz="1800" dirty="0" err="1">
                 <a:latin typeface="Arial" panose="020B0604020202020204" pitchFamily="34" charset="0"/>
                 <a:cs typeface="Arial" panose="020B0604020202020204" pitchFamily="34" charset="0"/>
               </a:rPr>
               <a:t>bộ</a:t>
             </a:r>
             <a:r>
-              <a:rPr lang="en-US" sz="1800" b="1" dirty="0">
-                <a:solidFill>
-                  <a:srgbClr val="FF0000"/>
-                </a:solidFill>
-                <a:latin typeface="Arial" panose="020B0604020202020204" pitchFamily="34" charset="0"/>
-                <a:cs typeface="Arial" panose="020B0604020202020204" pitchFamily="34" charset="0"/>
-              </a:rPr>
-              <a:t> </a:t>
-            </a:r>
-            <a:r>
-              <a:rPr lang="en-US" sz="1800" b="1" dirty="0" err="1">
-                <a:solidFill>
-                  <a:srgbClr val="FF0000"/>
-                </a:solidFill>
+              <a:rPr lang="en-US" sz="1800" dirty="0">
+                <a:latin typeface="Arial" panose="020B0604020202020204" pitchFamily="34" charset="0"/>
+                <a:cs typeface="Arial" panose="020B0604020202020204" pitchFamily="34" charset="0"/>
+              </a:rPr>
+              <a:t> </a:t>
+            </a:r>
+            <a:r>
+              <a:rPr lang="en-US" sz="1800" dirty="0" err="1">
                 <a:latin typeface="Arial" panose="020B0604020202020204" pitchFamily="34" charset="0"/>
                 <a:cs typeface="Arial" panose="020B0604020202020204" pitchFamily="34" charset="0"/>
               </a:rPr>
               <a:t>phim</a:t>
             </a:r>
             <a:r>
-              <a:rPr lang="en-US" sz="1800" b="1" dirty="0">
-                <a:solidFill>
-                  <a:srgbClr val="FF0000"/>
-                </a:solidFill>
-                <a:latin typeface="Arial" panose="020B0604020202020204" pitchFamily="34" charset="0"/>
-                <a:cs typeface="Arial" panose="020B0604020202020204" pitchFamily="34" charset="0"/>
-              </a:rPr>
-              <a:t> </a:t>
-            </a:r>
-            <a:r>
-              <a:rPr lang="en-US" sz="1800" b="1" dirty="0" err="1">
-                <a:solidFill>
-                  <a:srgbClr val="FF0000"/>
-                </a:solidFill>
+              <a:rPr lang="en-US" sz="1800" dirty="0">
+                <a:latin typeface="Arial" panose="020B0604020202020204" pitchFamily="34" charset="0"/>
+                <a:cs typeface="Arial" panose="020B0604020202020204" pitchFamily="34" charset="0"/>
+              </a:rPr>
+              <a:t> </a:t>
+            </a:r>
+            <a:r>
+              <a:rPr lang="en-US" sz="1800" dirty="0" err="1">
                 <a:latin typeface="Arial" panose="020B0604020202020204" pitchFamily="34" charset="0"/>
                 <a:cs typeface="Arial" panose="020B0604020202020204" pitchFamily="34" charset="0"/>
               </a:rPr>
               <a:t>tiềm</a:t>
             </a:r>
             <a:r>
-              <a:rPr lang="en-US" sz="1800" b="1" dirty="0">
-                <a:solidFill>
-                  <a:srgbClr val="FF0000"/>
-                </a:solidFill>
-                <a:latin typeface="Arial" panose="020B0604020202020204" pitchFamily="34" charset="0"/>
-                <a:cs typeface="Arial" panose="020B0604020202020204" pitchFamily="34" charset="0"/>
-              </a:rPr>
-              <a:t> </a:t>
-            </a:r>
-            <a:r>
-              <a:rPr lang="en-US" sz="1800" b="1" dirty="0" err="1">
-                <a:solidFill>
-                  <a:srgbClr val="FF0000"/>
-                </a:solidFill>
+              <a:rPr lang="en-US" sz="1800" dirty="0">
+                <a:latin typeface="Arial" panose="020B0604020202020204" pitchFamily="34" charset="0"/>
+                <a:cs typeface="Arial" panose="020B0604020202020204" pitchFamily="34" charset="0"/>
+              </a:rPr>
+              <a:t> </a:t>
+            </a:r>
+            <a:r>
+              <a:rPr lang="en-US" sz="1800" dirty="0" err="1">
                 <a:latin typeface="Arial" panose="020B0604020202020204" pitchFamily="34" charset="0"/>
                 <a:cs typeface="Arial" panose="020B0604020202020204" pitchFamily="34" charset="0"/>
               </a:rPr>
               <a:t>năng</a:t>
             </a:r>
             <a:r>
-              <a:rPr lang="en-US" sz="1800" b="1" dirty="0">
-                <a:solidFill>
-                  <a:srgbClr val="FF0000"/>
-                </a:solidFill>
+              <a:rPr lang="en-US" sz="1800" dirty="0">
                 <a:latin typeface="Arial" panose="020B0604020202020204" pitchFamily="34" charset="0"/>
                 <a:cs typeface="Arial" panose="020B0604020202020204" pitchFamily="34" charset="0"/>
               </a:rPr>
@@ -14381,70 +14568,70 @@
               <a:buAutoNum type="arabicParenR"/>
             </a:pPr>
             <a:r>
-              <a:rPr lang="en-US" sz="1800" dirty="0" err="1">
+              <a:rPr lang="en-US" sz="1800" b="1" dirty="0" err="1">
                 <a:latin typeface="Arial" panose="020B0604020202020204" pitchFamily="34" charset="0"/>
                 <a:cs typeface="Arial" panose="020B0604020202020204" pitchFamily="34" charset="0"/>
               </a:rPr>
               <a:t>Nguồn</a:t>
             </a:r>
             <a:r>
-              <a:rPr lang="en-US" sz="1800" dirty="0">
-                <a:latin typeface="Arial" panose="020B0604020202020204" pitchFamily="34" charset="0"/>
-                <a:cs typeface="Arial" panose="020B0604020202020204" pitchFamily="34" charset="0"/>
-              </a:rPr>
-              <a:t> </a:t>
-            </a:r>
-            <a:r>
-              <a:rPr lang="en-US" sz="1800" dirty="0" err="1">
+              <a:rPr lang="en-US" sz="1800" b="1" dirty="0">
+                <a:latin typeface="Arial" panose="020B0604020202020204" pitchFamily="34" charset="0"/>
+                <a:cs typeface="Arial" panose="020B0604020202020204" pitchFamily="34" charset="0"/>
+              </a:rPr>
+              <a:t> </a:t>
+            </a:r>
+            <a:r>
+              <a:rPr lang="en-US" sz="1800" b="1" dirty="0" err="1">
                 <a:latin typeface="Arial" panose="020B0604020202020204" pitchFamily="34" charset="0"/>
                 <a:cs typeface="Arial" panose="020B0604020202020204" pitchFamily="34" charset="0"/>
               </a:rPr>
               <a:t>cảm</a:t>
             </a:r>
             <a:r>
-              <a:rPr lang="en-US" sz="1800" dirty="0">
-                <a:latin typeface="Arial" panose="020B0604020202020204" pitchFamily="34" charset="0"/>
-                <a:cs typeface="Arial" panose="020B0604020202020204" pitchFamily="34" charset="0"/>
-              </a:rPr>
-              <a:t> </a:t>
-            </a:r>
-            <a:r>
-              <a:rPr lang="en-US" sz="1800" dirty="0" err="1">
+              <a:rPr lang="en-US" sz="1800" b="1" dirty="0">
+                <a:latin typeface="Arial" panose="020B0604020202020204" pitchFamily="34" charset="0"/>
+                <a:cs typeface="Arial" panose="020B0604020202020204" pitchFamily="34" charset="0"/>
+              </a:rPr>
+              <a:t> </a:t>
+            </a:r>
+            <a:r>
+              <a:rPr lang="en-US" sz="1800" b="1" dirty="0" err="1">
                 <a:latin typeface="Arial" panose="020B0604020202020204" pitchFamily="34" charset="0"/>
                 <a:cs typeface="Arial" panose="020B0604020202020204" pitchFamily="34" charset="0"/>
               </a:rPr>
               <a:t>hứng</a:t>
             </a:r>
             <a:r>
-              <a:rPr lang="en-US" sz="1800" dirty="0">
-                <a:latin typeface="Arial" panose="020B0604020202020204" pitchFamily="34" charset="0"/>
-                <a:cs typeface="Arial" panose="020B0604020202020204" pitchFamily="34" charset="0"/>
-              </a:rPr>
-              <a:t> </a:t>
-            </a:r>
-            <a:r>
-              <a:rPr lang="en-US" sz="1800" dirty="0" err="1">
+              <a:rPr lang="en-US" sz="1800" b="1" dirty="0">
+                <a:latin typeface="Arial" panose="020B0604020202020204" pitchFamily="34" charset="0"/>
+                <a:cs typeface="Arial" panose="020B0604020202020204" pitchFamily="34" charset="0"/>
+              </a:rPr>
+              <a:t> </a:t>
+            </a:r>
+            <a:r>
+              <a:rPr lang="en-US" sz="1800" b="1" dirty="0" err="1">
                 <a:latin typeface="Arial" panose="020B0604020202020204" pitchFamily="34" charset="0"/>
                 <a:cs typeface="Arial" panose="020B0604020202020204" pitchFamily="34" charset="0"/>
               </a:rPr>
               <a:t>câu</a:t>
             </a:r>
             <a:r>
-              <a:rPr lang="en-US" sz="1800" dirty="0">
-                <a:latin typeface="Arial" panose="020B0604020202020204" pitchFamily="34" charset="0"/>
-                <a:cs typeface="Arial" panose="020B0604020202020204" pitchFamily="34" charset="0"/>
-              </a:rPr>
-              <a:t> </a:t>
-            </a:r>
-            <a:r>
-              <a:rPr lang="en-US" sz="1800" dirty="0" err="1">
+              <a:rPr lang="en-US" sz="1800" b="1" dirty="0">
+                <a:latin typeface="Arial" panose="020B0604020202020204" pitchFamily="34" charset="0"/>
+                <a:cs typeface="Arial" panose="020B0604020202020204" pitchFamily="34" charset="0"/>
+              </a:rPr>
+              <a:t> </a:t>
+            </a:r>
+            <a:r>
+              <a:rPr lang="en-US" sz="1800" b="1" dirty="0" err="1">
                 <a:latin typeface="Arial" panose="020B0604020202020204" pitchFamily="34" charset="0"/>
                 <a:cs typeface="Arial" panose="020B0604020202020204" pitchFamily="34" charset="0"/>
               </a:rPr>
               <a:t>hỏi</a:t>
             </a:r>
             <a:r>
-              <a:rPr lang="en-US" sz="1800" dirty="0">
+              <a:rPr lang="en-US" sz="1800" b="1" dirty="0">
                 <a:latin typeface="Arial" panose="020B0604020202020204" pitchFamily="34" charset="0"/>
                 <a:cs typeface="Arial" panose="020B0604020202020204" pitchFamily="34" charset="0"/>
               </a:rPr>
@@ -14459,60 +14646,42 @@
               <a:buNone/>
             </a:pPr>
             <a:r>
-              <a:rPr lang="en-US" sz="1800" b="1" dirty="0" err="1">
-                <a:solidFill>
-                  <a:srgbClr val="FF0000"/>
-                </a:solidFill>
+              <a:rPr lang="en-US" sz="1800" dirty="0" err="1">
                 <a:latin typeface="Arial" panose="020B0604020202020204" pitchFamily="34" charset="0"/>
                 <a:cs typeface="Arial" panose="020B0604020202020204" pitchFamily="34" charset="0"/>
               </a:rPr>
               <a:t>Nhóm</a:t>
             </a:r>
             <a:r>
-              <a:rPr lang="en-US" sz="1800" b="1" dirty="0">
-                <a:solidFill>
-                  <a:srgbClr val="FF0000"/>
-                </a:solidFill>
-                <a:latin typeface="Arial" panose="020B0604020202020204" pitchFamily="34" charset="0"/>
-                <a:cs typeface="Arial" panose="020B0604020202020204" pitchFamily="34" charset="0"/>
-              </a:rPr>
-              <a:t> </a:t>
-            </a:r>
-            <a:r>
-              <a:rPr lang="en-US" sz="1800" b="1" dirty="0" err="1">
-                <a:solidFill>
-                  <a:srgbClr val="FF0000"/>
-                </a:solidFill>
+              <a:rPr lang="en-US" sz="1800" dirty="0">
+                <a:latin typeface="Arial" panose="020B0604020202020204" pitchFamily="34" charset="0"/>
+                <a:cs typeface="Arial" panose="020B0604020202020204" pitchFamily="34" charset="0"/>
+              </a:rPr>
+              <a:t> </a:t>
+            </a:r>
+            <a:r>
+              <a:rPr lang="en-US" sz="1800" dirty="0" err="1">
                 <a:latin typeface="Arial" panose="020B0604020202020204" pitchFamily="34" charset="0"/>
                 <a:cs typeface="Arial" panose="020B0604020202020204" pitchFamily="34" charset="0"/>
               </a:rPr>
               <a:t>tự</a:t>
             </a:r>
             <a:r>
-              <a:rPr lang="en-US" sz="1800" b="1" dirty="0">
-                <a:solidFill>
-                  <a:srgbClr val="FF0000"/>
-                </a:solidFill>
-                <a:latin typeface="Arial" panose="020B0604020202020204" pitchFamily="34" charset="0"/>
-                <a:cs typeface="Arial" panose="020B0604020202020204" pitchFamily="34" charset="0"/>
-              </a:rPr>
-              <a:t> </a:t>
-            </a:r>
-            <a:r>
-              <a:rPr lang="en-US" sz="1800" b="1" dirty="0" err="1">
-                <a:solidFill>
-                  <a:srgbClr val="FF0000"/>
-                </a:solidFill>
+              <a:rPr lang="en-US" sz="1800" dirty="0">
+                <a:latin typeface="Arial" panose="020B0604020202020204" pitchFamily="34" charset="0"/>
+                <a:cs typeface="Arial" panose="020B0604020202020204" pitchFamily="34" charset="0"/>
+              </a:rPr>
+              <a:t> </a:t>
+            </a:r>
+            <a:r>
+              <a:rPr lang="en-US" sz="1800" dirty="0" err="1">
                 <a:latin typeface="Arial" panose="020B0604020202020204" pitchFamily="34" charset="0"/>
                 <a:cs typeface="Arial" panose="020B0604020202020204" pitchFamily="34" charset="0"/>
               </a:rPr>
               <a:t>nghĩ</a:t>
             </a:r>
             <a:r>
-              <a:rPr lang="en-US" sz="1800" b="1" dirty="0">
-                <a:solidFill>
-                  <a:srgbClr val="FF0000"/>
-                </a:solidFill>
+              <a:rPr lang="en-US" sz="1800" dirty="0">
                 <a:latin typeface="Arial" panose="020B0604020202020204" pitchFamily="34" charset="0"/>
                 <a:cs typeface="Arial" panose="020B0604020202020204" pitchFamily="34" charset="0"/>
               </a:rPr>
@@ -14559,6 +14728,996 @@
               <a:t>5</a:t>
             </a:fld>
             <a:endParaRPr lang="en-US"/>
+          </a:p>
+        </p:txBody>
+      </p:sp>
+      <p:sp>
+        <p:nvSpPr>
+          <p:cNvPr id="6" name="Content Placeholder 9">
+            <a:extLst>
+              <a:ext uri="{FF2B5EF4-FFF2-40B4-BE49-F238E27FC236}">
+                <a16:creationId xmlns:a16="http://schemas.microsoft.com/office/drawing/2014/main" id="{D0E5FF92-1A92-4586-9081-D17C843C49E6}"/>
+              </a:ext>
+            </a:extLst>
+          </p:cNvPr>
+          <p:cNvSpPr txBox="1">
+            <a:spLocks/>
+          </p:cNvSpPr>
+          <p:nvPr/>
+        </p:nvSpPr>
+        <p:spPr>
+          <a:xfrm>
+            <a:off x="258184" y="2392537"/>
+            <a:ext cx="4087905" cy="4146375"/>
+          </a:xfrm>
+          <a:prstGeom prst="rect">
+            <a:avLst/>
+          </a:prstGeom>
+        </p:spPr>
+        <p:txBody>
+          <a:bodyPr vert="horz" lIns="91440" tIns="45720" rIns="91440" bIns="45720" rtlCol="0">
+            <a:noAutofit/>
+          </a:bodyPr>
+          <a:lstStyle>
+            <a:lvl1pPr marL="228600" indent="-228600" algn="l" defTabSz="914400" rtl="0" eaLnBrk="1" latinLnBrk="0" hangingPunct="1">
+              <a:lnSpc>
+                <a:spcPct val="90000"/>
+              </a:lnSpc>
+              <a:spcBef>
+                <a:spcPts val="1000"/>
+              </a:spcBef>
+              <a:buFont typeface="Arial" panose="020B0604020202020204" pitchFamily="34" charset="0"/>
+              <a:buChar char="•"/>
+              <a:defRPr sz="2800" kern="1200">
+                <a:solidFill>
+                  <a:schemeClr val="tx1"/>
+                </a:solidFill>
+                <a:latin typeface="+mn-lt"/>
+                <a:ea typeface="+mn-ea"/>
+                <a:cs typeface="+mn-cs"/>
+              </a:defRPr>
+            </a:lvl1pPr>
+            <a:lvl2pPr marL="685800" indent="-228600" algn="l" defTabSz="914400" rtl="0" eaLnBrk="1" latinLnBrk="0" hangingPunct="1">
+              <a:lnSpc>
+                <a:spcPct val="90000"/>
+              </a:lnSpc>
+              <a:spcBef>
+                <a:spcPts val="500"/>
+              </a:spcBef>
+              <a:buFont typeface="Arial" panose="020B0604020202020204" pitchFamily="34" charset="0"/>
+              <a:buChar char="•"/>
+              <a:defRPr sz="2400" kern="1200">
+                <a:solidFill>
+                  <a:schemeClr val="tx1"/>
+                </a:solidFill>
+                <a:latin typeface="+mn-lt"/>
+                <a:ea typeface="+mn-ea"/>
+                <a:cs typeface="+mn-cs"/>
+              </a:defRPr>
+            </a:lvl2pPr>
+            <a:lvl3pPr marL="1143000" indent="-228600" algn="l" defTabSz="914400" rtl="0" eaLnBrk="1" latinLnBrk="0" hangingPunct="1">
+              <a:lnSpc>
+                <a:spcPct val="90000"/>
+              </a:lnSpc>
+              <a:spcBef>
+                <a:spcPts val="500"/>
+              </a:spcBef>
+              <a:buFont typeface="Arial" panose="020B0604020202020204" pitchFamily="34" charset="0"/>
+              <a:buChar char="•"/>
+              <a:defRPr sz="2000" kern="1200">
+                <a:solidFill>
+                  <a:schemeClr val="tx1"/>
+                </a:solidFill>
+                <a:latin typeface="+mn-lt"/>
+                <a:ea typeface="+mn-ea"/>
+                <a:cs typeface="+mn-cs"/>
+              </a:defRPr>
+            </a:lvl3pPr>
+            <a:lvl4pPr marL="1600200" indent="-228600" algn="l" defTabSz="914400" rtl="0" eaLnBrk="1" latinLnBrk="0" hangingPunct="1">
+              <a:lnSpc>
+                <a:spcPct val="90000"/>
+              </a:lnSpc>
+              <a:spcBef>
+                <a:spcPts val="500"/>
+              </a:spcBef>
+              <a:buFont typeface="Arial" panose="020B0604020202020204" pitchFamily="34" charset="0"/>
+              <a:buChar char="•"/>
+              <a:defRPr sz="1800" kern="1200">
+                <a:solidFill>
+                  <a:schemeClr val="tx1"/>
+                </a:solidFill>
+                <a:latin typeface="+mn-lt"/>
+                <a:ea typeface="+mn-ea"/>
+                <a:cs typeface="+mn-cs"/>
+              </a:defRPr>
+            </a:lvl4pPr>
+            <a:lvl5pPr marL="2057400" indent="-228600" algn="l" defTabSz="914400" rtl="0" eaLnBrk="1" latinLnBrk="0" hangingPunct="1">
+              <a:lnSpc>
+                <a:spcPct val="90000"/>
+              </a:lnSpc>
+              <a:spcBef>
+                <a:spcPts val="500"/>
+              </a:spcBef>
+              <a:buFont typeface="Arial" panose="020B0604020202020204" pitchFamily="34" charset="0"/>
+              <a:buChar char="•"/>
+              <a:defRPr sz="1800" kern="1200">
+                <a:solidFill>
+                  <a:schemeClr val="tx1"/>
+                </a:solidFill>
+                <a:latin typeface="+mn-lt"/>
+                <a:ea typeface="+mn-ea"/>
+                <a:cs typeface="+mn-cs"/>
+              </a:defRPr>
+            </a:lvl5pPr>
+            <a:lvl6pPr marL="2514600" indent="-228600" algn="l" defTabSz="914400" rtl="0" eaLnBrk="1" latinLnBrk="0" hangingPunct="1">
+              <a:lnSpc>
+                <a:spcPct val="90000"/>
+              </a:lnSpc>
+              <a:spcBef>
+                <a:spcPts val="500"/>
+              </a:spcBef>
+              <a:buFont typeface="Arial" panose="020B0604020202020204" pitchFamily="34" charset="0"/>
+              <a:buChar char="•"/>
+              <a:defRPr sz="1800" kern="1200">
+                <a:solidFill>
+                  <a:schemeClr val="tx1"/>
+                </a:solidFill>
+                <a:latin typeface="+mn-lt"/>
+                <a:ea typeface="+mn-ea"/>
+                <a:cs typeface="+mn-cs"/>
+              </a:defRPr>
+            </a:lvl6pPr>
+            <a:lvl7pPr marL="2971800" indent="-228600" algn="l" defTabSz="914400" rtl="0" eaLnBrk="1" latinLnBrk="0" hangingPunct="1">
+              <a:lnSpc>
+                <a:spcPct val="90000"/>
+              </a:lnSpc>
+              <a:spcBef>
+                <a:spcPts val="500"/>
+              </a:spcBef>
+              <a:buFont typeface="Arial" panose="020B0604020202020204" pitchFamily="34" charset="0"/>
+              <a:buChar char="•"/>
+              <a:defRPr sz="1800" kern="1200">
+                <a:solidFill>
+                  <a:schemeClr val="tx1"/>
+                </a:solidFill>
+                <a:latin typeface="+mn-lt"/>
+                <a:ea typeface="+mn-ea"/>
+                <a:cs typeface="+mn-cs"/>
+              </a:defRPr>
+            </a:lvl7pPr>
+            <a:lvl8pPr marL="3429000" indent="-228600" algn="l" defTabSz="914400" rtl="0" eaLnBrk="1" latinLnBrk="0" hangingPunct="1">
+              <a:lnSpc>
+                <a:spcPct val="90000"/>
+              </a:lnSpc>
+              <a:spcBef>
+                <a:spcPts val="500"/>
+              </a:spcBef>
+              <a:buFont typeface="Arial" panose="020B0604020202020204" pitchFamily="34" charset="0"/>
+              <a:buChar char="•"/>
+              <a:defRPr sz="1800" kern="1200">
+                <a:solidFill>
+                  <a:schemeClr val="tx1"/>
+                </a:solidFill>
+                <a:latin typeface="+mn-lt"/>
+                <a:ea typeface="+mn-ea"/>
+                <a:cs typeface="+mn-cs"/>
+              </a:defRPr>
+            </a:lvl8pPr>
+            <a:lvl9pPr marL="3886200" indent="-228600" algn="l" defTabSz="914400" rtl="0" eaLnBrk="1" latinLnBrk="0" hangingPunct="1">
+              <a:lnSpc>
+                <a:spcPct val="90000"/>
+              </a:lnSpc>
+              <a:spcBef>
+                <a:spcPts val="500"/>
+              </a:spcBef>
+              <a:buFont typeface="Arial" panose="020B0604020202020204" pitchFamily="34" charset="0"/>
+              <a:buChar char="•"/>
+              <a:defRPr sz="1800" kern="1200">
+                <a:solidFill>
+                  <a:schemeClr val="tx1"/>
+                </a:solidFill>
+                <a:latin typeface="+mn-lt"/>
+                <a:ea typeface="+mn-ea"/>
+                <a:cs typeface="+mn-cs"/>
+              </a:defRPr>
+            </a:lvl9pPr>
+          </a:lstStyle>
+          <a:p>
+            <a:pPr lvl="1">
+              <a:lnSpc>
+                <a:spcPct val="150000"/>
+              </a:lnSpc>
+              <a:buFont typeface="Wingdings" panose="05000000000000000000" pitchFamily="2" charset="2"/>
+              <a:buChar char="q"/>
+            </a:pPr>
+            <a:r>
+              <a:rPr lang="en-US" sz="1600" b="1" dirty="0" err="1">
+                <a:solidFill>
+                  <a:schemeClr val="bg1"/>
+                </a:solidFill>
+                <a:latin typeface="Arial" panose="020B0604020202020204" pitchFamily="34" charset="0"/>
+                <a:cs typeface="Arial" panose="020B0604020202020204" pitchFamily="34" charset="0"/>
+              </a:rPr>
+              <a:t>Đầu</a:t>
+            </a:r>
+            <a:r>
+              <a:rPr lang="en-US" sz="1600" b="1" dirty="0">
+                <a:solidFill>
+                  <a:schemeClr val="bg1"/>
+                </a:solidFill>
+                <a:latin typeface="Arial" panose="020B0604020202020204" pitchFamily="34" charset="0"/>
+                <a:cs typeface="Arial" panose="020B0604020202020204" pitchFamily="34" charset="0"/>
+              </a:rPr>
+              <a:t> </a:t>
+            </a:r>
+            <a:r>
+              <a:rPr lang="en-US" sz="1600" b="1" dirty="0" err="1">
+                <a:solidFill>
+                  <a:schemeClr val="bg1"/>
+                </a:solidFill>
+                <a:latin typeface="Arial" panose="020B0604020202020204" pitchFamily="34" charset="0"/>
+                <a:cs typeface="Arial" panose="020B0604020202020204" pitchFamily="34" charset="0"/>
+              </a:rPr>
+              <a:t>vào</a:t>
+            </a:r>
+            <a:r>
+              <a:rPr lang="en-US" sz="1600" b="1" dirty="0">
+                <a:solidFill>
+                  <a:schemeClr val="bg1"/>
+                </a:solidFill>
+                <a:latin typeface="Arial" panose="020B0604020202020204" pitchFamily="34" charset="0"/>
+                <a:cs typeface="Arial" panose="020B0604020202020204" pitchFamily="34" charset="0"/>
+              </a:rPr>
+              <a:t>:</a:t>
+            </a:r>
+            <a:endParaRPr lang="en-US" sz="1200" b="1" dirty="0">
+              <a:solidFill>
+                <a:schemeClr val="bg1"/>
+              </a:solidFill>
+              <a:latin typeface="Arial" panose="020B0604020202020204" pitchFamily="34" charset="0"/>
+              <a:cs typeface="Arial" panose="020B0604020202020204" pitchFamily="34" charset="0"/>
+            </a:endParaRPr>
+          </a:p>
+          <a:p>
+            <a:pPr marL="0" indent="0">
+              <a:lnSpc>
+                <a:spcPct val="150000"/>
+              </a:lnSpc>
+              <a:buNone/>
+            </a:pPr>
+            <a:r>
+              <a:rPr lang="en-US" sz="1600" b="1" dirty="0">
+                <a:solidFill>
+                  <a:schemeClr val="bg1"/>
+                </a:solidFill>
+                <a:latin typeface="Arial" panose="020B0604020202020204" pitchFamily="34" charset="0"/>
+                <a:cs typeface="Arial" panose="020B0604020202020204" pitchFamily="34" charset="0"/>
+              </a:rPr>
+              <a:t>- </a:t>
+            </a:r>
+            <a:r>
+              <a:rPr lang="en-US" sz="1600" b="1" dirty="0" err="1">
+                <a:solidFill>
+                  <a:schemeClr val="bg1"/>
+                </a:solidFill>
+                <a:latin typeface="Arial" panose="020B0604020202020204" pitchFamily="34" charset="0"/>
+                <a:cs typeface="Arial" panose="020B0604020202020204" pitchFamily="34" charset="0"/>
+              </a:rPr>
+              <a:t>Đưa</a:t>
+            </a:r>
+            <a:r>
+              <a:rPr lang="en-US" sz="1600" b="1" dirty="0">
+                <a:solidFill>
+                  <a:schemeClr val="bg1"/>
+                </a:solidFill>
+                <a:latin typeface="Arial" panose="020B0604020202020204" pitchFamily="34" charset="0"/>
+                <a:cs typeface="Arial" panose="020B0604020202020204" pitchFamily="34" charset="0"/>
+              </a:rPr>
+              <a:t> </a:t>
+            </a:r>
+            <a:r>
+              <a:rPr lang="en-US" sz="1600" b="1" dirty="0" err="1">
+                <a:solidFill>
+                  <a:schemeClr val="bg1"/>
+                </a:solidFill>
+                <a:latin typeface="Arial" panose="020B0604020202020204" pitchFamily="34" charset="0"/>
+                <a:cs typeface="Arial" panose="020B0604020202020204" pitchFamily="34" charset="0"/>
+              </a:rPr>
+              <a:t>vào</a:t>
+            </a:r>
+            <a:r>
+              <a:rPr lang="en-US" sz="1600" b="1" dirty="0">
+                <a:solidFill>
+                  <a:schemeClr val="bg1"/>
+                </a:solidFill>
+                <a:latin typeface="Arial" panose="020B0604020202020204" pitchFamily="34" charset="0"/>
+                <a:cs typeface="Arial" panose="020B0604020202020204" pitchFamily="34" charset="0"/>
+              </a:rPr>
+              <a:t> record </a:t>
+            </a:r>
+            <a:r>
+              <a:rPr lang="en-US" sz="1600" b="1" dirty="0" err="1">
+                <a:solidFill>
+                  <a:schemeClr val="bg1"/>
+                </a:solidFill>
+                <a:latin typeface="Arial" panose="020B0604020202020204" pitchFamily="34" charset="0"/>
+                <a:cs typeface="Arial" panose="020B0604020202020204" pitchFamily="34" charset="0"/>
+              </a:rPr>
+              <a:t>chứa</a:t>
+            </a:r>
+            <a:r>
+              <a:rPr lang="en-US" sz="1600" b="1" dirty="0">
+                <a:solidFill>
+                  <a:schemeClr val="bg1"/>
+                </a:solidFill>
+                <a:latin typeface="Arial" panose="020B0604020202020204" pitchFamily="34" charset="0"/>
+                <a:cs typeface="Arial" panose="020B0604020202020204" pitchFamily="34" charset="0"/>
+              </a:rPr>
+              <a:t> </a:t>
+            </a:r>
+            <a:r>
+              <a:rPr lang="en-US" sz="1600" b="1" dirty="0" err="1">
+                <a:solidFill>
+                  <a:schemeClr val="bg1"/>
+                </a:solidFill>
+                <a:latin typeface="Arial" panose="020B0604020202020204" pitchFamily="34" charset="0"/>
+                <a:cs typeface="Arial" panose="020B0604020202020204" pitchFamily="34" charset="0"/>
+              </a:rPr>
+              <a:t>thông</a:t>
+            </a:r>
+            <a:r>
+              <a:rPr lang="en-US" sz="1600" b="1" dirty="0">
+                <a:solidFill>
+                  <a:schemeClr val="bg1"/>
+                </a:solidFill>
+                <a:latin typeface="Arial" panose="020B0604020202020204" pitchFamily="34" charset="0"/>
+                <a:cs typeface="Arial" panose="020B0604020202020204" pitchFamily="34" charset="0"/>
+              </a:rPr>
+              <a:t> tin </a:t>
+            </a:r>
+            <a:r>
+              <a:rPr lang="en-US" sz="1600" b="1" dirty="0" err="1">
+                <a:solidFill>
+                  <a:schemeClr val="bg1"/>
+                </a:solidFill>
+                <a:latin typeface="Arial" panose="020B0604020202020204" pitchFamily="34" charset="0"/>
+                <a:cs typeface="Arial" panose="020B0604020202020204" pitchFamily="34" charset="0"/>
+              </a:rPr>
+              <a:t>của</a:t>
+            </a:r>
+            <a:r>
+              <a:rPr lang="en-US" sz="1600" b="1" dirty="0">
+                <a:solidFill>
+                  <a:schemeClr val="bg1"/>
+                </a:solidFill>
+                <a:latin typeface="Arial" panose="020B0604020202020204" pitchFamily="34" charset="0"/>
+                <a:cs typeface="Arial" panose="020B0604020202020204" pitchFamily="34" charset="0"/>
+              </a:rPr>
+              <a:t> film (</a:t>
+            </a:r>
+            <a:r>
+              <a:rPr lang="en-US" sz="1600" b="1" dirty="0" err="1">
+                <a:solidFill>
+                  <a:schemeClr val="bg1"/>
+                </a:solidFill>
+                <a:latin typeface="Arial" panose="020B0604020202020204" pitchFamily="34" charset="0"/>
+                <a:cs typeface="Arial" panose="020B0604020202020204" pitchFamily="34" charset="0"/>
+              </a:rPr>
+              <a:t>tiêu</a:t>
+            </a:r>
+            <a:r>
+              <a:rPr lang="en-US" sz="1600" b="1" dirty="0">
+                <a:solidFill>
+                  <a:schemeClr val="bg1"/>
+                </a:solidFill>
+                <a:latin typeface="Arial" panose="020B0604020202020204" pitchFamily="34" charset="0"/>
+                <a:cs typeface="Arial" panose="020B0604020202020204" pitchFamily="34" charset="0"/>
+              </a:rPr>
+              <a:t> </a:t>
+            </a:r>
+            <a:r>
+              <a:rPr lang="en-US" sz="1600" b="1" dirty="0" err="1">
+                <a:solidFill>
+                  <a:schemeClr val="bg1"/>
+                </a:solidFill>
+                <a:latin typeface="Arial" panose="020B0604020202020204" pitchFamily="34" charset="0"/>
+                <a:cs typeface="Arial" panose="020B0604020202020204" pitchFamily="34" charset="0"/>
+              </a:rPr>
+              <a:t>đề</a:t>
+            </a:r>
+            <a:r>
+              <a:rPr lang="en-US" sz="1600" b="1" dirty="0">
+                <a:solidFill>
+                  <a:schemeClr val="bg1"/>
+                </a:solidFill>
+                <a:latin typeface="Arial" panose="020B0604020202020204" pitchFamily="34" charset="0"/>
+                <a:cs typeface="Arial" panose="020B0604020202020204" pitchFamily="34" charset="0"/>
+              </a:rPr>
+              <a:t>, </a:t>
+            </a:r>
+            <a:r>
+              <a:rPr lang="en-US" sz="1600" b="1" dirty="0" err="1">
+                <a:solidFill>
+                  <a:schemeClr val="bg1"/>
+                </a:solidFill>
+                <a:latin typeface="Arial" panose="020B0604020202020204" pitchFamily="34" charset="0"/>
+                <a:cs typeface="Arial" panose="020B0604020202020204" pitchFamily="34" charset="0"/>
+              </a:rPr>
+              <a:t>thời</a:t>
+            </a:r>
+            <a:r>
+              <a:rPr lang="en-US" sz="1600" b="1" dirty="0">
+                <a:solidFill>
+                  <a:schemeClr val="bg1"/>
+                </a:solidFill>
+                <a:latin typeface="Arial" panose="020B0604020202020204" pitchFamily="34" charset="0"/>
+                <a:cs typeface="Arial" panose="020B0604020202020204" pitchFamily="34" charset="0"/>
+              </a:rPr>
+              <a:t> l</a:t>
+            </a:r>
+            <a:r>
+              <a:rPr lang="vi-VN" sz="1600" b="1" dirty="0">
+                <a:solidFill>
+                  <a:schemeClr val="bg1"/>
+                </a:solidFill>
+                <a:latin typeface="Arial" panose="020B0604020202020204" pitchFamily="34" charset="0"/>
+                <a:cs typeface="Arial" panose="020B0604020202020204" pitchFamily="34" charset="0"/>
+              </a:rPr>
+              <a:t>ư</a:t>
+            </a:r>
+            <a:r>
+              <a:rPr lang="en-US" sz="1600" b="1" dirty="0" err="1">
+                <a:solidFill>
+                  <a:schemeClr val="bg1"/>
+                </a:solidFill>
+                <a:latin typeface="Arial" panose="020B0604020202020204" pitchFamily="34" charset="0"/>
+                <a:cs typeface="Arial" panose="020B0604020202020204" pitchFamily="34" charset="0"/>
+              </a:rPr>
+              <a:t>ợng</a:t>
+            </a:r>
+            <a:r>
+              <a:rPr lang="en-US" sz="1600" b="1" dirty="0">
+                <a:solidFill>
+                  <a:schemeClr val="bg1"/>
+                </a:solidFill>
+                <a:latin typeface="Arial" panose="020B0604020202020204" pitchFamily="34" charset="0"/>
+                <a:cs typeface="Arial" panose="020B0604020202020204" pitchFamily="34" charset="0"/>
+              </a:rPr>
+              <a:t>, </a:t>
+            </a:r>
+            <a:r>
+              <a:rPr lang="en-US" sz="1600" b="1" dirty="0" err="1">
+                <a:solidFill>
+                  <a:schemeClr val="bg1"/>
+                </a:solidFill>
+                <a:latin typeface="Arial" panose="020B0604020202020204" pitchFamily="34" charset="0"/>
+                <a:cs typeface="Arial" panose="020B0604020202020204" pitchFamily="34" charset="0"/>
+              </a:rPr>
+              <a:t>mô</a:t>
+            </a:r>
+            <a:r>
+              <a:rPr lang="en-US" sz="1600" b="1" dirty="0">
+                <a:solidFill>
+                  <a:schemeClr val="bg1"/>
+                </a:solidFill>
+                <a:latin typeface="Arial" panose="020B0604020202020204" pitchFamily="34" charset="0"/>
+                <a:cs typeface="Arial" panose="020B0604020202020204" pitchFamily="34" charset="0"/>
+              </a:rPr>
+              <a:t> </a:t>
+            </a:r>
+            <a:r>
+              <a:rPr lang="en-US" sz="1600" b="1" dirty="0" err="1">
+                <a:solidFill>
+                  <a:schemeClr val="bg1"/>
+                </a:solidFill>
+                <a:latin typeface="Arial" panose="020B0604020202020204" pitchFamily="34" charset="0"/>
+                <a:cs typeface="Arial" panose="020B0604020202020204" pitchFamily="34" charset="0"/>
+              </a:rPr>
+              <a:t>tả</a:t>
+            </a:r>
+            <a:r>
+              <a:rPr lang="en-US" sz="1600" b="1" dirty="0">
+                <a:solidFill>
+                  <a:schemeClr val="bg1"/>
+                </a:solidFill>
+                <a:latin typeface="Arial" panose="020B0604020202020204" pitchFamily="34" charset="0"/>
+                <a:cs typeface="Arial" panose="020B0604020202020204" pitchFamily="34" charset="0"/>
+              </a:rPr>
+              <a:t>, </a:t>
+            </a:r>
+            <a:r>
+              <a:rPr lang="en-US" sz="1600" b="1" dirty="0" err="1">
+                <a:solidFill>
+                  <a:schemeClr val="bg1"/>
+                </a:solidFill>
+                <a:latin typeface="Arial" panose="020B0604020202020204" pitchFamily="34" charset="0"/>
+                <a:cs typeface="Arial" panose="020B0604020202020204" pitchFamily="34" charset="0"/>
+              </a:rPr>
+              <a:t>ngày</a:t>
+            </a:r>
+            <a:r>
+              <a:rPr lang="en-US" sz="1600" b="1" dirty="0">
+                <a:solidFill>
+                  <a:schemeClr val="bg1"/>
+                </a:solidFill>
+                <a:latin typeface="Arial" panose="020B0604020202020204" pitchFamily="34" charset="0"/>
+                <a:cs typeface="Arial" panose="020B0604020202020204" pitchFamily="34" charset="0"/>
+              </a:rPr>
+              <a:t> </a:t>
+            </a:r>
+            <a:r>
+              <a:rPr lang="en-US" sz="1600" b="1" dirty="0" err="1">
+                <a:solidFill>
+                  <a:schemeClr val="bg1"/>
+                </a:solidFill>
+                <a:latin typeface="Arial" panose="020B0604020202020204" pitchFamily="34" charset="0"/>
+                <a:cs typeface="Arial" panose="020B0604020202020204" pitchFamily="34" charset="0"/>
+              </a:rPr>
+              <a:t>khởi</a:t>
+            </a:r>
+            <a:r>
+              <a:rPr lang="en-US" sz="1600" b="1" dirty="0">
+                <a:solidFill>
+                  <a:schemeClr val="bg1"/>
+                </a:solidFill>
+                <a:latin typeface="Arial" panose="020B0604020202020204" pitchFamily="34" charset="0"/>
+                <a:cs typeface="Arial" panose="020B0604020202020204" pitchFamily="34" charset="0"/>
+              </a:rPr>
+              <a:t> </a:t>
+            </a:r>
+            <a:r>
+              <a:rPr lang="en-US" sz="1600" b="1" dirty="0" err="1">
+                <a:solidFill>
+                  <a:schemeClr val="bg1"/>
+                </a:solidFill>
+                <a:latin typeface="Arial" panose="020B0604020202020204" pitchFamily="34" charset="0"/>
+                <a:cs typeface="Arial" panose="020B0604020202020204" pitchFamily="34" charset="0"/>
+              </a:rPr>
+              <a:t>chiếu</a:t>
+            </a:r>
+            <a:r>
+              <a:rPr lang="en-US" sz="1600" b="1" dirty="0">
+                <a:solidFill>
+                  <a:schemeClr val="bg1"/>
+                </a:solidFill>
+                <a:latin typeface="Arial" panose="020B0604020202020204" pitchFamily="34" charset="0"/>
+                <a:cs typeface="Arial" panose="020B0604020202020204" pitchFamily="34" charset="0"/>
+              </a:rPr>
+              <a:t>, </a:t>
+            </a:r>
+            <a:r>
+              <a:rPr lang="en-US" sz="1600" b="1" dirty="0" err="1">
+                <a:solidFill>
+                  <a:schemeClr val="bg1"/>
+                </a:solidFill>
+                <a:latin typeface="Arial" panose="020B0604020202020204" pitchFamily="34" charset="0"/>
+                <a:cs typeface="Arial" panose="020B0604020202020204" pitchFamily="34" charset="0"/>
+              </a:rPr>
+              <a:t>thể</a:t>
+            </a:r>
+            <a:r>
+              <a:rPr lang="en-US" sz="1600" b="1" dirty="0">
+                <a:solidFill>
+                  <a:schemeClr val="bg1"/>
+                </a:solidFill>
+                <a:latin typeface="Arial" panose="020B0604020202020204" pitchFamily="34" charset="0"/>
+                <a:cs typeface="Arial" panose="020B0604020202020204" pitchFamily="34" charset="0"/>
+              </a:rPr>
+              <a:t> </a:t>
+            </a:r>
+            <a:r>
+              <a:rPr lang="en-US" sz="1600" b="1" dirty="0" err="1">
+                <a:solidFill>
+                  <a:schemeClr val="bg1"/>
+                </a:solidFill>
+                <a:latin typeface="Arial" panose="020B0604020202020204" pitchFamily="34" charset="0"/>
+                <a:cs typeface="Arial" panose="020B0604020202020204" pitchFamily="34" charset="0"/>
+              </a:rPr>
+              <a:t>loại</a:t>
+            </a:r>
+            <a:r>
+              <a:rPr lang="en-US" sz="1600" b="1" dirty="0">
+                <a:solidFill>
+                  <a:schemeClr val="bg1"/>
+                </a:solidFill>
+                <a:latin typeface="Arial" panose="020B0604020202020204" pitchFamily="34" charset="0"/>
+                <a:cs typeface="Arial" panose="020B0604020202020204" pitchFamily="34" charset="0"/>
+              </a:rPr>
+              <a:t>, </a:t>
+            </a:r>
+            <a:r>
+              <a:rPr lang="en-US" sz="1600" b="1" dirty="0" err="1">
+                <a:solidFill>
+                  <a:schemeClr val="bg1"/>
+                </a:solidFill>
+                <a:latin typeface="Arial" panose="020B0604020202020204" pitchFamily="34" charset="0"/>
+                <a:cs typeface="Arial" panose="020B0604020202020204" pitchFamily="34" charset="0"/>
+              </a:rPr>
+              <a:t>diễn</a:t>
+            </a:r>
+            <a:r>
+              <a:rPr lang="en-US" sz="1600" b="1" dirty="0">
+                <a:solidFill>
+                  <a:schemeClr val="bg1"/>
+                </a:solidFill>
+                <a:latin typeface="Arial" panose="020B0604020202020204" pitchFamily="34" charset="0"/>
+                <a:cs typeface="Arial" panose="020B0604020202020204" pitchFamily="34" charset="0"/>
+              </a:rPr>
+              <a:t> </a:t>
+            </a:r>
+            <a:r>
+              <a:rPr lang="en-US" sz="1600" b="1" dirty="0" err="1">
+                <a:solidFill>
+                  <a:schemeClr val="bg1"/>
+                </a:solidFill>
+                <a:latin typeface="Arial" panose="020B0604020202020204" pitchFamily="34" charset="0"/>
+                <a:cs typeface="Arial" panose="020B0604020202020204" pitchFamily="34" charset="0"/>
+              </a:rPr>
+              <a:t>viên</a:t>
+            </a:r>
+            <a:r>
+              <a:rPr lang="en-US" sz="1600" b="1" dirty="0">
+                <a:solidFill>
+                  <a:schemeClr val="bg1"/>
+                </a:solidFill>
+                <a:latin typeface="Arial" panose="020B0604020202020204" pitchFamily="34" charset="0"/>
+                <a:cs typeface="Arial" panose="020B0604020202020204" pitchFamily="34" charset="0"/>
+              </a:rPr>
+              <a:t>, </a:t>
+            </a:r>
+            <a:r>
+              <a:rPr lang="en-US" sz="1600" b="1" dirty="0" err="1">
+                <a:solidFill>
+                  <a:schemeClr val="bg1"/>
+                </a:solidFill>
+                <a:latin typeface="Arial" panose="020B0604020202020204" pitchFamily="34" charset="0"/>
+                <a:cs typeface="Arial" panose="020B0604020202020204" pitchFamily="34" charset="0"/>
+              </a:rPr>
+              <a:t>đạo</a:t>
+            </a:r>
+            <a:r>
+              <a:rPr lang="en-US" sz="1600" b="1" dirty="0">
+                <a:solidFill>
+                  <a:schemeClr val="bg1"/>
+                </a:solidFill>
+                <a:latin typeface="Arial" panose="020B0604020202020204" pitchFamily="34" charset="0"/>
+                <a:cs typeface="Arial" panose="020B0604020202020204" pitchFamily="34" charset="0"/>
+              </a:rPr>
+              <a:t> </a:t>
+            </a:r>
+            <a:r>
+              <a:rPr lang="en-US" sz="1600" b="1" dirty="0" err="1">
+                <a:solidFill>
+                  <a:schemeClr val="bg1"/>
+                </a:solidFill>
+                <a:latin typeface="Arial" panose="020B0604020202020204" pitchFamily="34" charset="0"/>
+                <a:cs typeface="Arial" panose="020B0604020202020204" pitchFamily="34" charset="0"/>
+              </a:rPr>
+              <a:t>diễn</a:t>
+            </a:r>
+            <a:r>
+              <a:rPr lang="en-US" sz="1600" b="1" dirty="0">
+                <a:solidFill>
+                  <a:schemeClr val="bg1"/>
+                </a:solidFill>
+                <a:latin typeface="Arial" panose="020B0604020202020204" pitchFamily="34" charset="0"/>
+                <a:cs typeface="Arial" panose="020B0604020202020204" pitchFamily="34" charset="0"/>
+              </a:rPr>
+              <a:t>, l</a:t>
+            </a:r>
+            <a:r>
+              <a:rPr lang="vi-VN" sz="1600" b="1" dirty="0">
+                <a:solidFill>
+                  <a:schemeClr val="bg1"/>
+                </a:solidFill>
+                <a:latin typeface="Arial" panose="020B0604020202020204" pitchFamily="34" charset="0"/>
+                <a:cs typeface="Arial" panose="020B0604020202020204" pitchFamily="34" charset="0"/>
+              </a:rPr>
+              <a:t>ư</a:t>
+            </a:r>
+            <a:r>
+              <a:rPr lang="en-US" sz="1600" b="1" dirty="0" err="1">
+                <a:solidFill>
+                  <a:schemeClr val="bg1"/>
+                </a:solidFill>
+                <a:latin typeface="Arial" panose="020B0604020202020204" pitchFamily="34" charset="0"/>
+                <a:cs typeface="Arial" panose="020B0604020202020204" pitchFamily="34" charset="0"/>
+              </a:rPr>
+              <a:t>ợng</a:t>
+            </a:r>
+            <a:r>
+              <a:rPr lang="en-US" sz="1600" b="1" dirty="0">
+                <a:solidFill>
+                  <a:schemeClr val="bg1"/>
+                </a:solidFill>
+                <a:latin typeface="Arial" panose="020B0604020202020204" pitchFamily="34" charset="0"/>
+                <a:cs typeface="Arial" panose="020B0604020202020204" pitchFamily="34" charset="0"/>
+              </a:rPr>
+              <a:t> </a:t>
+            </a:r>
+            <a:r>
+              <a:rPr lang="en-US" sz="1600" b="1" dirty="0" err="1">
+                <a:solidFill>
+                  <a:schemeClr val="bg1"/>
+                </a:solidFill>
+                <a:latin typeface="Arial" panose="020B0604020202020204" pitchFamily="34" charset="0"/>
+                <a:cs typeface="Arial" panose="020B0604020202020204" pitchFamily="34" charset="0"/>
+              </a:rPr>
+              <a:t>bầu</a:t>
+            </a:r>
+            <a:r>
+              <a:rPr lang="en-US" sz="1600" b="1" dirty="0">
+                <a:solidFill>
+                  <a:schemeClr val="bg1"/>
+                </a:solidFill>
+                <a:latin typeface="Arial" panose="020B0604020202020204" pitchFamily="34" charset="0"/>
+                <a:cs typeface="Arial" panose="020B0604020202020204" pitchFamily="34" charset="0"/>
+              </a:rPr>
+              <a:t> </a:t>
+            </a:r>
+            <a:r>
+              <a:rPr lang="en-US" sz="1600" b="1" dirty="0" err="1">
+                <a:solidFill>
+                  <a:schemeClr val="bg1"/>
+                </a:solidFill>
+                <a:latin typeface="Arial" panose="020B0604020202020204" pitchFamily="34" charset="0"/>
+                <a:cs typeface="Arial" panose="020B0604020202020204" pitchFamily="34" charset="0"/>
+              </a:rPr>
+              <a:t>chọn</a:t>
+            </a:r>
+            <a:r>
+              <a:rPr lang="en-US" sz="1600" b="1" dirty="0">
+                <a:solidFill>
+                  <a:schemeClr val="bg1"/>
+                </a:solidFill>
+                <a:latin typeface="Arial" panose="020B0604020202020204" pitchFamily="34" charset="0"/>
+                <a:cs typeface="Arial" panose="020B0604020202020204" pitchFamily="34" charset="0"/>
+              </a:rPr>
+              <a:t>, </a:t>
+            </a:r>
+            <a:r>
+              <a:rPr lang="en-US" sz="1600" b="1" dirty="0" err="1">
+                <a:solidFill>
+                  <a:schemeClr val="bg1"/>
+                </a:solidFill>
+                <a:latin typeface="Arial" panose="020B0604020202020204" pitchFamily="34" charset="0"/>
+                <a:cs typeface="Arial" panose="020B0604020202020204" pitchFamily="34" charset="0"/>
+              </a:rPr>
+              <a:t>tiền</a:t>
+            </a:r>
+            <a:r>
+              <a:rPr lang="en-US" sz="1600" b="1" dirty="0">
+                <a:solidFill>
+                  <a:schemeClr val="bg1"/>
+                </a:solidFill>
+                <a:latin typeface="Arial" panose="020B0604020202020204" pitchFamily="34" charset="0"/>
+                <a:cs typeface="Arial" panose="020B0604020202020204" pitchFamily="34" charset="0"/>
+              </a:rPr>
+              <a:t> </a:t>
+            </a:r>
+            <a:r>
+              <a:rPr lang="en-US" sz="1600" b="1" dirty="0" err="1">
+                <a:solidFill>
+                  <a:schemeClr val="bg1"/>
+                </a:solidFill>
+                <a:latin typeface="Arial" panose="020B0604020202020204" pitchFamily="34" charset="0"/>
+                <a:cs typeface="Arial" panose="020B0604020202020204" pitchFamily="34" charset="0"/>
+              </a:rPr>
+              <a:t>đầu</a:t>
+            </a:r>
+            <a:r>
+              <a:rPr lang="en-US" sz="1600" b="1" dirty="0">
+                <a:solidFill>
+                  <a:schemeClr val="bg1"/>
+                </a:solidFill>
+                <a:latin typeface="Arial" panose="020B0604020202020204" pitchFamily="34" charset="0"/>
+                <a:cs typeface="Arial" panose="020B0604020202020204" pitchFamily="34" charset="0"/>
+              </a:rPr>
+              <a:t> t</a:t>
+            </a:r>
+            <a:r>
+              <a:rPr lang="vi-VN" sz="1600" b="1" dirty="0">
+                <a:solidFill>
+                  <a:schemeClr val="bg1"/>
+                </a:solidFill>
+                <a:latin typeface="Arial" panose="020B0604020202020204" pitchFamily="34" charset="0"/>
+                <a:cs typeface="Arial" panose="020B0604020202020204" pitchFamily="34" charset="0"/>
+              </a:rPr>
+              <a:t>ư</a:t>
+            </a:r>
+            <a:r>
+              <a:rPr lang="en-US" sz="1600" b="1" dirty="0">
+                <a:solidFill>
+                  <a:schemeClr val="bg1"/>
+                </a:solidFill>
+                <a:latin typeface="Arial" panose="020B0604020202020204" pitchFamily="34" charset="0"/>
+                <a:cs typeface="Arial" panose="020B0604020202020204" pitchFamily="34" charset="0"/>
+              </a:rPr>
+              <a:t>).</a:t>
+            </a:r>
+          </a:p>
+          <a:p>
+            <a:pPr lvl="1">
+              <a:lnSpc>
+                <a:spcPct val="150000"/>
+              </a:lnSpc>
+              <a:buFont typeface="Wingdings" panose="05000000000000000000" pitchFamily="2" charset="2"/>
+              <a:buChar char="q"/>
+            </a:pPr>
+            <a:r>
+              <a:rPr lang="en-US" sz="1600" b="1" dirty="0" err="1">
+                <a:solidFill>
+                  <a:schemeClr val="bg1"/>
+                </a:solidFill>
+                <a:latin typeface="Arial" panose="020B0604020202020204" pitchFamily="34" charset="0"/>
+                <a:cs typeface="Arial" panose="020B0604020202020204" pitchFamily="34" charset="0"/>
+              </a:rPr>
+              <a:t>Đầu</a:t>
+            </a:r>
+            <a:r>
+              <a:rPr lang="en-US" sz="1600" b="1" dirty="0">
+                <a:solidFill>
+                  <a:schemeClr val="bg1"/>
+                </a:solidFill>
+                <a:latin typeface="Arial" panose="020B0604020202020204" pitchFamily="34" charset="0"/>
+                <a:cs typeface="Arial" panose="020B0604020202020204" pitchFamily="34" charset="0"/>
+              </a:rPr>
+              <a:t> ra:</a:t>
+            </a:r>
+          </a:p>
+          <a:p>
+            <a:pPr marL="0" indent="0">
+              <a:lnSpc>
+                <a:spcPct val="150000"/>
+              </a:lnSpc>
+              <a:buNone/>
+            </a:pPr>
+            <a:r>
+              <a:rPr lang="en-US" sz="1600" b="1" dirty="0">
+                <a:solidFill>
+                  <a:schemeClr val="bg1"/>
+                </a:solidFill>
+                <a:latin typeface="Arial" panose="020B0604020202020204" pitchFamily="34" charset="0"/>
+                <a:cs typeface="Arial" panose="020B0604020202020204" pitchFamily="34" charset="0"/>
+              </a:rPr>
+              <a:t>- </a:t>
+            </a:r>
+            <a:r>
+              <a:rPr lang="en-US" sz="1600" b="1" dirty="0" err="1">
+                <a:solidFill>
+                  <a:schemeClr val="bg1"/>
+                </a:solidFill>
+                <a:latin typeface="Arial" panose="020B0604020202020204" pitchFamily="34" charset="0"/>
+                <a:cs typeface="Arial" panose="020B0604020202020204" pitchFamily="34" charset="0"/>
+              </a:rPr>
+              <a:t>Kết</a:t>
+            </a:r>
+            <a:r>
+              <a:rPr lang="en-US" sz="1600" b="1" dirty="0">
+                <a:solidFill>
+                  <a:schemeClr val="bg1"/>
+                </a:solidFill>
+                <a:latin typeface="Arial" panose="020B0604020202020204" pitchFamily="34" charset="0"/>
+                <a:cs typeface="Arial" panose="020B0604020202020204" pitchFamily="34" charset="0"/>
+              </a:rPr>
+              <a:t> </a:t>
+            </a:r>
+            <a:r>
+              <a:rPr lang="en-US" sz="1600" b="1" dirty="0" err="1">
+                <a:solidFill>
+                  <a:schemeClr val="bg1"/>
+                </a:solidFill>
+                <a:latin typeface="Arial" panose="020B0604020202020204" pitchFamily="34" charset="0"/>
+                <a:cs typeface="Arial" panose="020B0604020202020204" pitchFamily="34" charset="0"/>
+              </a:rPr>
+              <a:t>quả</a:t>
+            </a:r>
+            <a:r>
+              <a:rPr lang="en-US" sz="1600" b="1" dirty="0">
+                <a:solidFill>
+                  <a:schemeClr val="bg1"/>
+                </a:solidFill>
+                <a:latin typeface="Arial" panose="020B0604020202020204" pitchFamily="34" charset="0"/>
+                <a:cs typeface="Arial" panose="020B0604020202020204" pitchFamily="34" charset="0"/>
+              </a:rPr>
+              <a:t> </a:t>
+            </a:r>
+            <a:r>
+              <a:rPr lang="en-US" sz="1600" b="1" dirty="0" err="1">
+                <a:solidFill>
+                  <a:schemeClr val="bg1"/>
+                </a:solidFill>
+                <a:latin typeface="Arial" panose="020B0604020202020204" pitchFamily="34" charset="0"/>
+                <a:cs typeface="Arial" panose="020B0604020202020204" pitchFamily="34" charset="0"/>
+              </a:rPr>
+              <a:t>dự</a:t>
+            </a:r>
+            <a:r>
+              <a:rPr lang="en-US" sz="1600" b="1" dirty="0">
+                <a:solidFill>
+                  <a:schemeClr val="bg1"/>
+                </a:solidFill>
+                <a:latin typeface="Arial" panose="020B0604020202020204" pitchFamily="34" charset="0"/>
+                <a:cs typeface="Arial" panose="020B0604020202020204" pitchFamily="34" charset="0"/>
+              </a:rPr>
+              <a:t> </a:t>
+            </a:r>
+            <a:r>
+              <a:rPr lang="en-US" sz="1600" b="1" dirty="0" err="1">
+                <a:solidFill>
+                  <a:schemeClr val="bg1"/>
+                </a:solidFill>
+                <a:latin typeface="Arial" panose="020B0604020202020204" pitchFamily="34" charset="0"/>
+                <a:cs typeface="Arial" panose="020B0604020202020204" pitchFamily="34" charset="0"/>
+              </a:rPr>
+              <a:t>đoán</a:t>
+            </a:r>
+            <a:r>
+              <a:rPr lang="en-US" sz="1600" b="1" dirty="0">
+                <a:solidFill>
+                  <a:schemeClr val="bg1"/>
+                </a:solidFill>
+                <a:latin typeface="Arial" panose="020B0604020202020204" pitchFamily="34" charset="0"/>
+                <a:cs typeface="Arial" panose="020B0604020202020204" pitchFamily="34" charset="0"/>
+              </a:rPr>
+              <a:t> rating (</a:t>
+            </a:r>
+            <a:r>
+              <a:rPr lang="en-US" sz="1600" b="1" dirty="0" err="1">
+                <a:solidFill>
+                  <a:schemeClr val="bg1"/>
+                </a:solidFill>
+                <a:latin typeface="Arial" panose="020B0604020202020204" pitchFamily="34" charset="0"/>
+                <a:cs typeface="Arial" panose="020B0604020202020204" pitchFamily="34" charset="0"/>
+              </a:rPr>
+              <a:t>trên</a:t>
+            </a:r>
+            <a:r>
+              <a:rPr lang="en-US" sz="1600" b="1" dirty="0">
+                <a:solidFill>
+                  <a:schemeClr val="bg1"/>
+                </a:solidFill>
+                <a:latin typeface="Arial" panose="020B0604020202020204" pitchFamily="34" charset="0"/>
+                <a:cs typeface="Arial" panose="020B0604020202020204" pitchFamily="34" charset="0"/>
+              </a:rPr>
+              <a:t> 10 </a:t>
+            </a:r>
+            <a:r>
+              <a:rPr lang="en-US" sz="1600" b="1" dirty="0" err="1">
+                <a:solidFill>
+                  <a:schemeClr val="bg1"/>
+                </a:solidFill>
+                <a:latin typeface="Arial" panose="020B0604020202020204" pitchFamily="34" charset="0"/>
+                <a:cs typeface="Arial" panose="020B0604020202020204" pitchFamily="34" charset="0"/>
+              </a:rPr>
+              <a:t>điểm</a:t>
+            </a:r>
+            <a:r>
+              <a:rPr lang="en-US" sz="1600" b="1" dirty="0">
+                <a:solidFill>
+                  <a:schemeClr val="bg1"/>
+                </a:solidFill>
+                <a:latin typeface="Arial" panose="020B0604020202020204" pitchFamily="34" charset="0"/>
+                <a:cs typeface="Arial" panose="020B0604020202020204" pitchFamily="34" charset="0"/>
+              </a:rPr>
+              <a:t>).</a:t>
+            </a:r>
+          </a:p>
+          <a:p>
+            <a:pPr marL="0" indent="0">
+              <a:lnSpc>
+                <a:spcPct val="150000"/>
+              </a:lnSpc>
+              <a:buFont typeface="Arial" panose="020B0604020202020204" pitchFamily="34" charset="0"/>
+              <a:buNone/>
+            </a:pPr>
+            <a:endParaRPr lang="en-US" sz="1500" dirty="0">
+              <a:solidFill>
+                <a:schemeClr val="bg1"/>
+              </a:solidFill>
+              <a:latin typeface="Arial" panose="020B0604020202020204" pitchFamily="34" charset="0"/>
+              <a:cs typeface="Arial" panose="020B0604020202020204" pitchFamily="34" charset="0"/>
+            </a:endParaRPr>
           </a:p>
         </p:txBody>
       </p:sp>
@@ -14682,8 +15841,8 @@
         </p:nvSpPr>
         <p:spPr>
           <a:xfrm>
-            <a:off x="4988216" y="41207"/>
-            <a:ext cx="7167129" cy="6816793"/>
+            <a:off x="4762312" y="1"/>
+            <a:ext cx="7393033" cy="6858000"/>
           </a:xfrm>
         </p:spPr>
         <p:txBody>
@@ -14699,49 +15858,49 @@
               <a:buNone/>
             </a:pPr>
             <a:r>
-              <a:rPr lang="en-US" sz="1800" dirty="0">
+              <a:rPr lang="en-US" sz="1600" b="1" dirty="0">
                 <a:latin typeface="Arial" panose="020B0604020202020204" pitchFamily="34" charset="0"/>
                 <a:cs typeface="Arial" panose="020B0604020202020204" pitchFamily="34" charset="0"/>
               </a:rPr>
               <a:t>1) Thu </a:t>
             </a:r>
             <a:r>
-              <a:rPr lang="en-US" sz="1800" dirty="0" err="1">
+              <a:rPr lang="en-US" sz="1600" b="1" dirty="0" err="1">
                 <a:latin typeface="Arial" panose="020B0604020202020204" pitchFamily="34" charset="0"/>
                 <a:cs typeface="Arial" panose="020B0604020202020204" pitchFamily="34" charset="0"/>
               </a:rPr>
               <a:t>thập</a:t>
             </a:r>
             <a:r>
-              <a:rPr lang="en-US" sz="1800" dirty="0">
-                <a:latin typeface="Arial" panose="020B0604020202020204" pitchFamily="34" charset="0"/>
-                <a:cs typeface="Arial" panose="020B0604020202020204" pitchFamily="34" charset="0"/>
-              </a:rPr>
-              <a:t> </a:t>
-            </a:r>
-            <a:r>
-              <a:rPr lang="en-US" sz="1800" dirty="0" err="1">
+              <a:rPr lang="en-US" sz="1600" b="1" dirty="0">
+                <a:latin typeface="Arial" panose="020B0604020202020204" pitchFamily="34" charset="0"/>
+                <a:cs typeface="Arial" panose="020B0604020202020204" pitchFamily="34" charset="0"/>
+              </a:rPr>
+              <a:t> </a:t>
+            </a:r>
+            <a:r>
+              <a:rPr lang="en-US" sz="1600" b="1" dirty="0" err="1">
                 <a:latin typeface="Arial" panose="020B0604020202020204" pitchFamily="34" charset="0"/>
                 <a:cs typeface="Arial" panose="020B0604020202020204" pitchFamily="34" charset="0"/>
               </a:rPr>
               <a:t>dữ</a:t>
             </a:r>
             <a:r>
-              <a:rPr lang="en-US" sz="1800" dirty="0">
-                <a:latin typeface="Arial" panose="020B0604020202020204" pitchFamily="34" charset="0"/>
-                <a:cs typeface="Arial" panose="020B0604020202020204" pitchFamily="34" charset="0"/>
-              </a:rPr>
-              <a:t> </a:t>
-            </a:r>
-            <a:r>
-              <a:rPr lang="en-US" sz="1800" dirty="0" err="1">
+              <a:rPr lang="en-US" sz="1600" b="1" dirty="0">
+                <a:latin typeface="Arial" panose="020B0604020202020204" pitchFamily="34" charset="0"/>
+                <a:cs typeface="Arial" panose="020B0604020202020204" pitchFamily="34" charset="0"/>
+              </a:rPr>
+              <a:t> </a:t>
+            </a:r>
+            <a:r>
+              <a:rPr lang="en-US" sz="1600" b="1" dirty="0" err="1">
                 <a:latin typeface="Arial" panose="020B0604020202020204" pitchFamily="34" charset="0"/>
                 <a:cs typeface="Arial" panose="020B0604020202020204" pitchFamily="34" charset="0"/>
               </a:rPr>
               <a:t>liệu</a:t>
             </a:r>
             <a:r>
-              <a:rPr lang="en-US" sz="1800" dirty="0">
+              <a:rPr lang="en-US" sz="1600" b="1" dirty="0">
                 <a:latin typeface="Arial" panose="020B0604020202020204" pitchFamily="34" charset="0"/>
                 <a:cs typeface="Arial" panose="020B0604020202020204" pitchFamily="34" charset="0"/>
               </a:rPr>
@@ -14757,42 +15916,42 @@
               <a:buAutoNum type="alphaLcParenR"/>
             </a:pPr>
             <a:r>
-              <a:rPr lang="en-US" sz="1800" dirty="0" err="1">
+              <a:rPr lang="en-US" sz="1500" dirty="0" err="1">
                 <a:latin typeface="Arial" panose="020B0604020202020204" pitchFamily="34" charset="0"/>
                 <a:cs typeface="Arial" panose="020B0604020202020204" pitchFamily="34" charset="0"/>
               </a:rPr>
               <a:t>Tính</a:t>
             </a:r>
             <a:r>
-              <a:rPr lang="en-US" sz="1800" dirty="0">
-                <a:latin typeface="Arial" panose="020B0604020202020204" pitchFamily="34" charset="0"/>
-                <a:cs typeface="Arial" panose="020B0604020202020204" pitchFamily="34" charset="0"/>
-              </a:rPr>
-              <a:t> </a:t>
-            </a:r>
-            <a:r>
-              <a:rPr lang="en-US" sz="1800" dirty="0" err="1">
+              <a:rPr lang="en-US" sz="1500" dirty="0">
+                <a:latin typeface="Arial" panose="020B0604020202020204" pitchFamily="34" charset="0"/>
+                <a:cs typeface="Arial" panose="020B0604020202020204" pitchFamily="34" charset="0"/>
+              </a:rPr>
+              <a:t> </a:t>
+            </a:r>
+            <a:r>
+              <a:rPr lang="en-US" sz="1500" dirty="0" err="1">
                 <a:latin typeface="Arial" panose="020B0604020202020204" pitchFamily="34" charset="0"/>
                 <a:cs typeface="Arial" panose="020B0604020202020204" pitchFamily="34" charset="0"/>
               </a:rPr>
               <a:t>hợp</a:t>
             </a:r>
             <a:r>
-              <a:rPr lang="en-US" sz="1800" dirty="0">
-                <a:latin typeface="Arial" panose="020B0604020202020204" pitchFamily="34" charset="0"/>
-                <a:cs typeface="Arial" panose="020B0604020202020204" pitchFamily="34" charset="0"/>
-              </a:rPr>
-              <a:t> </a:t>
-            </a:r>
-            <a:r>
-              <a:rPr lang="en-US" sz="1800" dirty="0" err="1">
+              <a:rPr lang="en-US" sz="1500" dirty="0">
+                <a:latin typeface="Arial" panose="020B0604020202020204" pitchFamily="34" charset="0"/>
+                <a:cs typeface="Arial" panose="020B0604020202020204" pitchFamily="34" charset="0"/>
+              </a:rPr>
+              <a:t> </a:t>
+            </a:r>
+            <a:r>
+              <a:rPr lang="en-US" sz="1500" dirty="0" err="1">
                 <a:latin typeface="Arial" panose="020B0604020202020204" pitchFamily="34" charset="0"/>
                 <a:cs typeface="Arial" panose="020B0604020202020204" pitchFamily="34" charset="0"/>
               </a:rPr>
               <a:t>pháp</a:t>
             </a:r>
             <a:r>
-              <a:rPr lang="en-US" sz="1800" dirty="0">
+              <a:rPr lang="en-US" sz="1500" dirty="0">
                 <a:latin typeface="Arial" panose="020B0604020202020204" pitchFamily="34" charset="0"/>
                 <a:cs typeface="Arial" panose="020B0604020202020204" pitchFamily="34" charset="0"/>
               </a:rPr>
@@ -14807,182 +15966,182 @@
               <a:buNone/>
             </a:pPr>
             <a:r>
-              <a:rPr lang="en-US" sz="1400" dirty="0">
+              <a:rPr lang="en-US" sz="1500" dirty="0">
                 <a:latin typeface="Arial" panose="020B0604020202020204" pitchFamily="34" charset="0"/>
                 <a:cs typeface="Arial" panose="020B0604020202020204" pitchFamily="34" charset="0"/>
               </a:rPr>
               <a:t>URL </a:t>
             </a:r>
             <a:r>
-              <a:rPr lang="en-US" sz="1400" dirty="0" err="1">
+              <a:rPr lang="en-US" sz="1500" dirty="0" err="1">
                 <a:latin typeface="Arial" panose="020B0604020202020204" pitchFamily="34" charset="0"/>
                 <a:cs typeface="Arial" panose="020B0604020202020204" pitchFamily="34" charset="0"/>
               </a:rPr>
               <a:t>mẫu</a:t>
             </a:r>
             <a:r>
-              <a:rPr lang="en-US" sz="1400" dirty="0">
+              <a:rPr lang="en-US" sz="1500" dirty="0">
                 <a:latin typeface="Arial" panose="020B0604020202020204" pitchFamily="34" charset="0"/>
                 <a:cs typeface="Arial" panose="020B0604020202020204" pitchFamily="34" charset="0"/>
               </a:rPr>
               <a:t> đ</a:t>
             </a:r>
             <a:r>
-              <a:rPr lang="vi-VN" sz="1400" dirty="0">
+              <a:rPr lang="vi-VN" sz="1500" dirty="0">
                 <a:latin typeface="Arial" panose="020B0604020202020204" pitchFamily="34" charset="0"/>
                 <a:cs typeface="Arial" panose="020B0604020202020204" pitchFamily="34" charset="0"/>
               </a:rPr>
               <a:t>ư</a:t>
             </a:r>
             <a:r>
-              <a:rPr lang="en-US" sz="1400" dirty="0" err="1">
+              <a:rPr lang="en-US" sz="1500" dirty="0" err="1">
                 <a:latin typeface="Arial" panose="020B0604020202020204" pitchFamily="34" charset="0"/>
                 <a:cs typeface="Arial" panose="020B0604020202020204" pitchFamily="34" charset="0"/>
               </a:rPr>
               <a:t>ợc</a:t>
             </a:r>
             <a:r>
-              <a:rPr lang="en-US" sz="1400" dirty="0">
-                <a:latin typeface="Arial" panose="020B0604020202020204" pitchFamily="34" charset="0"/>
-                <a:cs typeface="Arial" panose="020B0604020202020204" pitchFamily="34" charset="0"/>
-              </a:rPr>
-              <a:t> </a:t>
-            </a:r>
-            <a:r>
-              <a:rPr lang="en-US" sz="1400" dirty="0" err="1">
+              <a:rPr lang="en-US" sz="1500" dirty="0">
+                <a:latin typeface="Arial" panose="020B0604020202020204" pitchFamily="34" charset="0"/>
+                <a:cs typeface="Arial" panose="020B0604020202020204" pitchFamily="34" charset="0"/>
+              </a:rPr>
+              <a:t> </a:t>
+            </a:r>
+            <a:r>
+              <a:rPr lang="en-US" sz="1500" dirty="0" err="1">
                 <a:latin typeface="Arial" panose="020B0604020202020204" pitchFamily="34" charset="0"/>
                 <a:cs typeface="Arial" panose="020B0604020202020204" pitchFamily="34" charset="0"/>
               </a:rPr>
               <a:t>lấy</a:t>
             </a:r>
             <a:r>
-              <a:rPr lang="en-US" sz="1400" dirty="0">
+              <a:rPr lang="en-US" sz="1500" dirty="0">
                 <a:latin typeface="Arial" panose="020B0604020202020204" pitchFamily="34" charset="0"/>
                 <a:cs typeface="Arial" panose="020B0604020202020204" pitchFamily="34" charset="0"/>
               </a:rPr>
               <a:t> ra </a:t>
             </a:r>
             <a:r>
-              <a:rPr lang="en-US" sz="1400" dirty="0" err="1">
+              <a:rPr lang="en-US" sz="1500" dirty="0" err="1">
                 <a:latin typeface="Arial" panose="020B0604020202020204" pitchFamily="34" charset="0"/>
                 <a:cs typeface="Arial" panose="020B0604020202020204" pitchFamily="34" charset="0"/>
               </a:rPr>
               <a:t>từ</a:t>
             </a:r>
             <a:r>
-              <a:rPr lang="en-US" sz="1400" dirty="0">
-                <a:latin typeface="Arial" panose="020B0604020202020204" pitchFamily="34" charset="0"/>
-                <a:cs typeface="Arial" panose="020B0604020202020204" pitchFamily="34" charset="0"/>
-              </a:rPr>
-              <a:t> </a:t>
-            </a:r>
-            <a:r>
-              <a:rPr lang="en-US" sz="1400" dirty="0" err="1">
+              <a:rPr lang="en-US" sz="1500" dirty="0">
+                <a:latin typeface="Arial" panose="020B0604020202020204" pitchFamily="34" charset="0"/>
+                <a:cs typeface="Arial" panose="020B0604020202020204" pitchFamily="34" charset="0"/>
+              </a:rPr>
+              <a:t> </a:t>
+            </a:r>
+            <a:r>
+              <a:rPr lang="en-US" sz="1500" dirty="0" err="1">
                 <a:latin typeface="Arial" panose="020B0604020202020204" pitchFamily="34" charset="0"/>
                 <a:cs typeface="Arial" panose="020B0604020202020204" pitchFamily="34" charset="0"/>
               </a:rPr>
               <a:t>các</a:t>
             </a:r>
             <a:r>
-              <a:rPr lang="en-US" sz="1400" dirty="0">
+              <a:rPr lang="en-US" sz="1500" dirty="0">
                 <a:latin typeface="Arial" panose="020B0604020202020204" pitchFamily="34" charset="0"/>
                 <a:cs typeface="Arial" panose="020B0604020202020204" pitchFamily="34" charset="0"/>
               </a:rPr>
               <a:t> URLs </a:t>
             </a:r>
             <a:r>
-              <a:rPr lang="en-US" sz="1400" dirty="0" err="1">
+              <a:rPr lang="en-US" sz="1500" dirty="0" err="1">
                 <a:latin typeface="Arial" panose="020B0604020202020204" pitchFamily="34" charset="0"/>
                 <a:cs typeface="Arial" panose="020B0604020202020204" pitchFamily="34" charset="0"/>
               </a:rPr>
               <a:t>mà</a:t>
             </a:r>
             <a:r>
-              <a:rPr lang="en-US" sz="1400" dirty="0">
-                <a:latin typeface="Arial" panose="020B0604020202020204" pitchFamily="34" charset="0"/>
-                <a:cs typeface="Arial" panose="020B0604020202020204" pitchFamily="34" charset="0"/>
-              </a:rPr>
-              <a:t> </a:t>
-            </a:r>
-            <a:r>
-              <a:rPr lang="en-US" sz="1400" dirty="0" err="1">
+              <a:rPr lang="en-US" sz="1500" dirty="0">
+                <a:latin typeface="Arial" panose="020B0604020202020204" pitchFamily="34" charset="0"/>
+                <a:cs typeface="Arial" panose="020B0604020202020204" pitchFamily="34" charset="0"/>
+              </a:rPr>
+              <a:t> </a:t>
+            </a:r>
+            <a:r>
+              <a:rPr lang="en-US" sz="1500" dirty="0" err="1">
                 <a:latin typeface="Arial" panose="020B0604020202020204" pitchFamily="34" charset="0"/>
                 <a:cs typeface="Arial" panose="020B0604020202020204" pitchFamily="34" charset="0"/>
               </a:rPr>
               <a:t>nhóm</a:t>
             </a:r>
             <a:r>
-              <a:rPr lang="en-US" sz="1400" dirty="0">
-                <a:latin typeface="Arial" panose="020B0604020202020204" pitchFamily="34" charset="0"/>
-                <a:cs typeface="Arial" panose="020B0604020202020204" pitchFamily="34" charset="0"/>
-              </a:rPr>
-              <a:t> </a:t>
-            </a:r>
-            <a:r>
-              <a:rPr lang="en-US" sz="1400" dirty="0" err="1">
+              <a:rPr lang="en-US" sz="1500" dirty="0">
+                <a:latin typeface="Arial" panose="020B0604020202020204" pitchFamily="34" charset="0"/>
+                <a:cs typeface="Arial" panose="020B0604020202020204" pitchFamily="34" charset="0"/>
+              </a:rPr>
+              <a:t> </a:t>
+            </a:r>
+            <a:r>
+              <a:rPr lang="en-US" sz="1500" dirty="0" err="1">
                 <a:latin typeface="Arial" panose="020B0604020202020204" pitchFamily="34" charset="0"/>
                 <a:cs typeface="Arial" panose="020B0604020202020204" pitchFamily="34" charset="0"/>
               </a:rPr>
               <a:t>đã</a:t>
             </a:r>
             <a:r>
-              <a:rPr lang="en-US" sz="1400" dirty="0">
-                <a:latin typeface="Arial" panose="020B0604020202020204" pitchFamily="34" charset="0"/>
-                <a:cs typeface="Arial" panose="020B0604020202020204" pitchFamily="34" charset="0"/>
-              </a:rPr>
-              <a:t> </a:t>
-            </a:r>
-            <a:r>
-              <a:rPr lang="en-US" sz="1400" dirty="0" err="1">
+              <a:rPr lang="en-US" sz="1500" dirty="0">
+                <a:latin typeface="Arial" panose="020B0604020202020204" pitchFamily="34" charset="0"/>
+                <a:cs typeface="Arial" panose="020B0604020202020204" pitchFamily="34" charset="0"/>
+              </a:rPr>
+              <a:t> </a:t>
+            </a:r>
+            <a:r>
+              <a:rPr lang="en-US" sz="1500" dirty="0" err="1">
                 <a:latin typeface="Arial" panose="020B0604020202020204" pitchFamily="34" charset="0"/>
                 <a:cs typeface="Arial" panose="020B0604020202020204" pitchFamily="34" charset="0"/>
               </a:rPr>
               <a:t>dùng</a:t>
             </a:r>
             <a:r>
-              <a:rPr lang="en-US" sz="1400" dirty="0">
-                <a:latin typeface="Arial" panose="020B0604020202020204" pitchFamily="34" charset="0"/>
-                <a:cs typeface="Arial" panose="020B0604020202020204" pitchFamily="34" charset="0"/>
-              </a:rPr>
-              <a:t> </a:t>
-            </a:r>
-            <a:r>
-              <a:rPr lang="en-US" sz="1400" dirty="0" err="1">
+              <a:rPr lang="en-US" sz="1500" dirty="0">
+                <a:latin typeface="Arial" panose="020B0604020202020204" pitchFamily="34" charset="0"/>
+                <a:cs typeface="Arial" panose="020B0604020202020204" pitchFamily="34" charset="0"/>
+              </a:rPr>
+              <a:t> </a:t>
+            </a:r>
+            <a:r>
+              <a:rPr lang="en-US" sz="1500" dirty="0" err="1">
                 <a:latin typeface="Arial" panose="020B0604020202020204" pitchFamily="34" charset="0"/>
                 <a:cs typeface="Arial" panose="020B0604020202020204" pitchFamily="34" charset="0"/>
               </a:rPr>
               <a:t>để</a:t>
             </a:r>
             <a:r>
-              <a:rPr lang="en-US" sz="1400" dirty="0">
-                <a:latin typeface="Arial" panose="020B0604020202020204" pitchFamily="34" charset="0"/>
-                <a:cs typeface="Arial" panose="020B0604020202020204" pitchFamily="34" charset="0"/>
-              </a:rPr>
-              <a:t> </a:t>
-            </a:r>
-            <a:r>
-              <a:rPr lang="en-US" sz="1400" dirty="0" err="1">
+              <a:rPr lang="en-US" sz="1500" dirty="0">
+                <a:latin typeface="Arial" panose="020B0604020202020204" pitchFamily="34" charset="0"/>
+                <a:cs typeface="Arial" panose="020B0604020202020204" pitchFamily="34" charset="0"/>
+              </a:rPr>
+              <a:t> </a:t>
+            </a:r>
+            <a:r>
+              <a:rPr lang="en-US" sz="1500" dirty="0" err="1">
                 <a:latin typeface="Arial" panose="020B0604020202020204" pitchFamily="34" charset="0"/>
                 <a:cs typeface="Arial" panose="020B0604020202020204" pitchFamily="34" charset="0"/>
               </a:rPr>
               <a:t>thu</a:t>
             </a:r>
             <a:r>
-              <a:rPr lang="en-US" sz="1400" dirty="0">
-                <a:latin typeface="Arial" panose="020B0604020202020204" pitchFamily="34" charset="0"/>
-                <a:cs typeface="Arial" panose="020B0604020202020204" pitchFamily="34" charset="0"/>
-              </a:rPr>
-              <a:t> </a:t>
-            </a:r>
-            <a:r>
-              <a:rPr lang="en-US" sz="1400" dirty="0" err="1">
+              <a:rPr lang="en-US" sz="1500" dirty="0">
+                <a:latin typeface="Arial" panose="020B0604020202020204" pitchFamily="34" charset="0"/>
+                <a:cs typeface="Arial" panose="020B0604020202020204" pitchFamily="34" charset="0"/>
+              </a:rPr>
+              <a:t> </a:t>
+            </a:r>
+            <a:r>
+              <a:rPr lang="en-US" sz="1500" dirty="0" err="1">
                 <a:latin typeface="Arial" panose="020B0604020202020204" pitchFamily="34" charset="0"/>
                 <a:cs typeface="Arial" panose="020B0604020202020204" pitchFamily="34" charset="0"/>
               </a:rPr>
               <a:t>thập</a:t>
             </a:r>
             <a:r>
-              <a:rPr lang="en-US" sz="1400" dirty="0">
+              <a:rPr lang="en-US" sz="1500" dirty="0">
                 <a:latin typeface="Arial" panose="020B0604020202020204" pitchFamily="34" charset="0"/>
                 <a:cs typeface="Arial" panose="020B0604020202020204" pitchFamily="34" charset="0"/>
               </a:rPr>
@@ -14997,7 +16156,7 @@
               <a:buNone/>
             </a:pPr>
             <a:r>
-              <a:rPr lang="en-US" sz="1400" dirty="0">
+              <a:rPr lang="en-US" sz="1500" dirty="0">
                 <a:latin typeface="Arial" panose="020B0604020202020204" pitchFamily="34" charset="0"/>
                 <a:cs typeface="Arial" panose="020B0604020202020204" pitchFamily="34" charset="0"/>
                 <a:hlinkClick r:id="rId3"/>
@@ -15005,7 +16164,7 @@
               <a:t>https://www.imdb.com/</a:t>
             </a:r>
             <a:r>
-              <a:rPr lang="en-US" sz="1400" dirty="0">
+              <a:rPr lang="en-US" sz="1500" dirty="0">
                 <a:highlight>
                   <a:srgbClr val="FFFF00"/>
                 </a:highlight>
@@ -15016,7 +16175,7 @@
               <a:t>search/title</a:t>
             </a:r>
             <a:r>
-              <a:rPr lang="en-US" sz="1400" dirty="0">
+              <a:rPr lang="en-US" sz="1500" dirty="0">
                 <a:latin typeface="Arial" panose="020B0604020202020204" pitchFamily="34" charset="0"/>
                 <a:cs typeface="Arial" panose="020B0604020202020204" pitchFamily="34" charset="0"/>
                 <a:hlinkClick r:id="rId3"/>
@@ -15024,7 +16183,7 @@
               <a:t>/?release_date=2020-01-10,&amp;genres=action</a:t>
             </a:r>
             <a:r>
-              <a:rPr lang="en-US" sz="1400" dirty="0">
+              <a:rPr lang="en-US" sz="1500" dirty="0">
                 <a:latin typeface="Arial" panose="020B0604020202020204" pitchFamily="34" charset="0"/>
                 <a:cs typeface="Arial" panose="020B0604020202020204" pitchFamily="34" charset="0"/>
               </a:rPr>
@@ -15039,119 +16198,119 @@
               <a:buNone/>
             </a:pPr>
             <a:r>
-              <a:rPr lang="en-US" sz="1400" dirty="0">
+              <a:rPr lang="en-US" sz="1500" dirty="0">
                 <a:latin typeface="Arial" panose="020B0604020202020204" pitchFamily="34" charset="0"/>
                 <a:cs typeface="Arial" panose="020B0604020202020204" pitchFamily="34" charset="0"/>
               </a:rPr>
               <a:t>So </a:t>
             </a:r>
             <a:r>
-              <a:rPr lang="en-US" sz="1400" dirty="0" err="1">
+              <a:rPr lang="en-US" sz="1500" dirty="0" err="1">
                 <a:latin typeface="Arial" panose="020B0604020202020204" pitchFamily="34" charset="0"/>
                 <a:cs typeface="Arial" panose="020B0604020202020204" pitchFamily="34" charset="0"/>
               </a:rPr>
               <a:t>với</a:t>
             </a:r>
             <a:r>
-              <a:rPr lang="en-US" sz="1400" dirty="0">
-                <a:latin typeface="Arial" panose="020B0604020202020204" pitchFamily="34" charset="0"/>
-                <a:cs typeface="Arial" panose="020B0604020202020204" pitchFamily="34" charset="0"/>
-              </a:rPr>
-              <a:t> </a:t>
-            </a:r>
-            <a:r>
-              <a:rPr lang="en-US" sz="1400" dirty="0" err="1">
+              <a:rPr lang="en-US" sz="1500" dirty="0">
+                <a:latin typeface="Arial" panose="020B0604020202020204" pitchFamily="34" charset="0"/>
+                <a:cs typeface="Arial" panose="020B0604020202020204" pitchFamily="34" charset="0"/>
+              </a:rPr>
+              <a:t> </a:t>
+            </a:r>
+            <a:r>
+              <a:rPr lang="en-US" sz="1500" dirty="0" err="1">
                 <a:latin typeface="Arial" panose="020B0604020202020204" pitchFamily="34" charset="0"/>
                 <a:cs typeface="Arial" panose="020B0604020202020204" pitchFamily="34" charset="0"/>
               </a:rPr>
               <a:t>hình</a:t>
             </a:r>
             <a:r>
-              <a:rPr lang="en-US" sz="1400" dirty="0">
+              <a:rPr lang="en-US" sz="1500" dirty="0">
                 <a:latin typeface="Arial" panose="020B0604020202020204" pitchFamily="34" charset="0"/>
                 <a:cs typeface="Arial" panose="020B0604020202020204" pitchFamily="34" charset="0"/>
               </a:rPr>
               <a:t> 1 ta </a:t>
             </a:r>
             <a:r>
-              <a:rPr lang="en-US" sz="1400" dirty="0" err="1">
+              <a:rPr lang="en-US" sz="1500" dirty="0" err="1">
                 <a:latin typeface="Arial" panose="020B0604020202020204" pitchFamily="34" charset="0"/>
                 <a:cs typeface="Arial" panose="020B0604020202020204" pitchFamily="34" charset="0"/>
               </a:rPr>
               <a:t>thấy</a:t>
             </a:r>
             <a:r>
-              <a:rPr lang="en-US" sz="1400" dirty="0">
-                <a:latin typeface="Arial" panose="020B0604020202020204" pitchFamily="34" charset="0"/>
-                <a:cs typeface="Arial" panose="020B0604020202020204" pitchFamily="34" charset="0"/>
-              </a:rPr>
-              <a:t> </a:t>
-            </a:r>
-            <a:r>
-              <a:rPr lang="en-US" sz="1400" dirty="0" err="1">
+              <a:rPr lang="en-US" sz="1500" dirty="0">
+                <a:latin typeface="Arial" panose="020B0604020202020204" pitchFamily="34" charset="0"/>
+                <a:cs typeface="Arial" panose="020B0604020202020204" pitchFamily="34" charset="0"/>
+              </a:rPr>
+              <a:t> </a:t>
+            </a:r>
+            <a:r>
+              <a:rPr lang="en-US" sz="1500" dirty="0" err="1">
                 <a:latin typeface="Arial" panose="020B0604020202020204" pitchFamily="34" charset="0"/>
                 <a:cs typeface="Arial" panose="020B0604020202020204" pitchFamily="34" charset="0"/>
               </a:rPr>
               <a:t>rằng</a:t>
             </a:r>
             <a:r>
-              <a:rPr lang="en-US" sz="1400" dirty="0">
-                <a:latin typeface="Arial" panose="020B0604020202020204" pitchFamily="34" charset="0"/>
-                <a:cs typeface="Arial" panose="020B0604020202020204" pitchFamily="34" charset="0"/>
-              </a:rPr>
-              <a:t> </a:t>
-            </a:r>
-            <a:r>
-              <a:rPr lang="en-US" sz="1400" dirty="0" err="1">
+              <a:rPr lang="en-US" sz="1500" dirty="0">
+                <a:latin typeface="Arial" panose="020B0604020202020204" pitchFamily="34" charset="0"/>
+                <a:cs typeface="Arial" panose="020B0604020202020204" pitchFamily="34" charset="0"/>
+              </a:rPr>
+              <a:t> </a:t>
+            </a:r>
+            <a:r>
+              <a:rPr lang="en-US" sz="1500" dirty="0" err="1">
                 <a:latin typeface="Arial" panose="020B0604020202020204" pitchFamily="34" charset="0"/>
                 <a:cs typeface="Arial" panose="020B0604020202020204" pitchFamily="34" charset="0"/>
               </a:rPr>
               <a:t>không</a:t>
             </a:r>
             <a:r>
-              <a:rPr lang="en-US" sz="1400" dirty="0">
-                <a:latin typeface="Arial" panose="020B0604020202020204" pitchFamily="34" charset="0"/>
-                <a:cs typeface="Arial" panose="020B0604020202020204" pitchFamily="34" charset="0"/>
-              </a:rPr>
-              <a:t> </a:t>
-            </a:r>
-            <a:r>
-              <a:rPr lang="en-US" sz="1400" dirty="0" err="1">
+              <a:rPr lang="en-US" sz="1500" dirty="0">
+                <a:latin typeface="Arial" panose="020B0604020202020204" pitchFamily="34" charset="0"/>
+                <a:cs typeface="Arial" panose="020B0604020202020204" pitchFamily="34" charset="0"/>
+              </a:rPr>
+              <a:t> </a:t>
+            </a:r>
+            <a:r>
+              <a:rPr lang="en-US" sz="1500" dirty="0" err="1">
                 <a:latin typeface="Arial" panose="020B0604020202020204" pitchFamily="34" charset="0"/>
                 <a:cs typeface="Arial" panose="020B0604020202020204" pitchFamily="34" charset="0"/>
               </a:rPr>
               <a:t>có</a:t>
             </a:r>
             <a:r>
-              <a:rPr lang="en-US" sz="1400" dirty="0">
-                <a:latin typeface="Arial" panose="020B0604020202020204" pitchFamily="34" charset="0"/>
-                <a:cs typeface="Arial" panose="020B0604020202020204" pitchFamily="34" charset="0"/>
-              </a:rPr>
-              <a:t> </a:t>
-            </a:r>
-            <a:r>
-              <a:rPr lang="en-US" sz="1400" dirty="0" err="1">
+              <a:rPr lang="en-US" sz="1500" dirty="0">
+                <a:latin typeface="Arial" panose="020B0604020202020204" pitchFamily="34" charset="0"/>
+                <a:cs typeface="Arial" panose="020B0604020202020204" pitchFamily="34" charset="0"/>
+              </a:rPr>
+              <a:t> </a:t>
+            </a:r>
+            <a:r>
+              <a:rPr lang="en-US" sz="1500" dirty="0" err="1">
                 <a:latin typeface="Arial" panose="020B0604020202020204" pitchFamily="34" charset="0"/>
                 <a:cs typeface="Arial" panose="020B0604020202020204" pitchFamily="34" charset="0"/>
               </a:rPr>
               <a:t>cụm</a:t>
             </a:r>
             <a:r>
-              <a:rPr lang="en-US" sz="1400" dirty="0">
+              <a:rPr lang="en-US" sz="1500" dirty="0">
                 <a:latin typeface="Arial" panose="020B0604020202020204" pitchFamily="34" charset="0"/>
                 <a:cs typeface="Arial" panose="020B0604020202020204" pitchFamily="34" charset="0"/>
               </a:rPr>
               <a:t> “search/title/” </a:t>
             </a:r>
             <a:r>
-              <a:rPr lang="en-US" sz="1400" dirty="0" err="1">
+              <a:rPr lang="en-US" sz="1500" dirty="0" err="1">
                 <a:latin typeface="Arial" panose="020B0604020202020204" pitchFamily="34" charset="0"/>
                 <a:cs typeface="Arial" panose="020B0604020202020204" pitchFamily="34" charset="0"/>
               </a:rPr>
               <a:t>bị</a:t>
             </a:r>
             <a:r>
-              <a:rPr lang="en-US" sz="1400" dirty="0">
+              <a:rPr lang="en-US" sz="1500" dirty="0">
                 <a:latin typeface="Arial" panose="020B0604020202020204" pitchFamily="34" charset="0"/>
                 <a:cs typeface="Arial" panose="020B0604020202020204" pitchFamily="34" charset="0"/>
               </a:rPr>
@@ -15166,35 +16325,35 @@
               <a:buNone/>
             </a:pPr>
             <a:r>
-              <a:rPr lang="en-US" sz="1400" dirty="0" err="1">
+              <a:rPr lang="en-US" sz="1500" dirty="0" err="1">
                 <a:latin typeface="Arial" panose="020B0604020202020204" pitchFamily="34" charset="0"/>
                 <a:cs typeface="Arial" panose="020B0604020202020204" pitchFamily="34" charset="0"/>
               </a:rPr>
               <a:t>Như</a:t>
             </a:r>
             <a:r>
-              <a:rPr lang="en-US" sz="1400" dirty="0">
-                <a:latin typeface="Arial" panose="020B0604020202020204" pitchFamily="34" charset="0"/>
-                <a:cs typeface="Arial" panose="020B0604020202020204" pitchFamily="34" charset="0"/>
-              </a:rPr>
-              <a:t> </a:t>
-            </a:r>
-            <a:r>
-              <a:rPr lang="en-US" sz="1400" dirty="0" err="1">
+              <a:rPr lang="en-US" sz="1500" dirty="0">
+                <a:latin typeface="Arial" panose="020B0604020202020204" pitchFamily="34" charset="0"/>
+                <a:cs typeface="Arial" panose="020B0604020202020204" pitchFamily="34" charset="0"/>
+              </a:rPr>
+              <a:t> </a:t>
+            </a:r>
+            <a:r>
+              <a:rPr lang="en-US" sz="1500" dirty="0" err="1">
                 <a:latin typeface="Arial" panose="020B0604020202020204" pitchFamily="34" charset="0"/>
                 <a:cs typeface="Arial" panose="020B0604020202020204" pitchFamily="34" charset="0"/>
               </a:rPr>
               <a:t>vậy</a:t>
             </a:r>
             <a:r>
-              <a:rPr lang="en-US" sz="1400" dirty="0">
+              <a:rPr lang="en-US" sz="1500" dirty="0">
                 <a:latin typeface="Arial" panose="020B0604020202020204" pitchFamily="34" charset="0"/>
                 <a:cs typeface="Arial" panose="020B0604020202020204" pitchFamily="34" charset="0"/>
               </a:rPr>
               <a:t> ta </a:t>
             </a:r>
             <a:r>
-              <a:rPr lang="en-US" sz="1400" dirty="0" err="1">
+              <a:rPr lang="en-US" sz="1500" dirty="0" err="1">
                 <a:solidFill>
                   <a:srgbClr val="FF0000"/>
                 </a:solidFill>
@@ -15204,7 +16363,7 @@
               <a:t>có</a:t>
             </a:r>
             <a:r>
-              <a:rPr lang="en-US" sz="1400" dirty="0">
+              <a:rPr lang="en-US" sz="1500" dirty="0">
                 <a:solidFill>
                   <a:srgbClr val="FF0000"/>
                 </a:solidFill>
@@ -15214,7 +16373,7 @@
               <a:t> </a:t>
             </a:r>
             <a:r>
-              <a:rPr lang="en-US" sz="1400" dirty="0" err="1">
+              <a:rPr lang="en-US" sz="1500" dirty="0" err="1">
                 <a:solidFill>
                   <a:srgbClr val="FF0000"/>
                 </a:solidFill>
@@ -15224,7 +16383,7 @@
               <a:t>thể</a:t>
             </a:r>
             <a:r>
-              <a:rPr lang="en-US" sz="1400" dirty="0">
+              <a:rPr lang="en-US" sz="1500" dirty="0">
                 <a:solidFill>
                   <a:srgbClr val="FF0000"/>
                 </a:solidFill>
@@ -15234,7 +16393,7 @@
               <a:t> </a:t>
             </a:r>
             <a:r>
-              <a:rPr lang="en-US" sz="1400" dirty="0" err="1">
+              <a:rPr lang="en-US" sz="1500" dirty="0" err="1">
                 <a:solidFill>
                   <a:srgbClr val="FF0000"/>
                 </a:solidFill>
@@ -15244,7 +16403,7 @@
               <a:t>sử</a:t>
             </a:r>
             <a:r>
-              <a:rPr lang="en-US" sz="1400" dirty="0">
+              <a:rPr lang="en-US" sz="1500" dirty="0">
                 <a:solidFill>
                   <a:srgbClr val="FF0000"/>
                 </a:solidFill>
@@ -15254,7 +16413,7 @@
               <a:t> </a:t>
             </a:r>
             <a:r>
-              <a:rPr lang="en-US" sz="1400" dirty="0" err="1">
+              <a:rPr lang="en-US" sz="1500" dirty="0" err="1">
                 <a:solidFill>
                   <a:srgbClr val="FF0000"/>
                 </a:solidFill>
@@ -15264,7 +16423,7 @@
               <a:t>dụng</a:t>
             </a:r>
             <a:r>
-              <a:rPr lang="en-US" sz="1400" dirty="0">
+              <a:rPr lang="en-US" sz="1500" dirty="0">
                 <a:solidFill>
                   <a:srgbClr val="FF0000"/>
                 </a:solidFill>
@@ -15274,91 +16433,91 @@
               <a:t> </a:t>
             </a:r>
             <a:r>
-              <a:rPr lang="en-US" sz="1400" dirty="0" err="1">
+              <a:rPr lang="en-US" sz="1500" dirty="0" err="1">
                 <a:latin typeface="Arial" panose="020B0604020202020204" pitchFamily="34" charset="0"/>
                 <a:cs typeface="Arial" panose="020B0604020202020204" pitchFamily="34" charset="0"/>
               </a:rPr>
               <a:t>những</a:t>
             </a:r>
             <a:r>
-              <a:rPr lang="en-US" sz="1400" dirty="0">
+              <a:rPr lang="en-US" sz="1500" dirty="0">
                 <a:latin typeface="Arial" panose="020B0604020202020204" pitchFamily="34" charset="0"/>
                 <a:cs typeface="Arial" panose="020B0604020202020204" pitchFamily="34" charset="0"/>
               </a:rPr>
               <a:t> URLs t</a:t>
             </a:r>
             <a:r>
-              <a:rPr lang="vi-VN" sz="1400" dirty="0">
+              <a:rPr lang="vi-VN" sz="1500" dirty="0">
                 <a:latin typeface="Arial" panose="020B0604020202020204" pitchFamily="34" charset="0"/>
                 <a:cs typeface="Arial" panose="020B0604020202020204" pitchFamily="34" charset="0"/>
               </a:rPr>
               <a:t>ư</a:t>
             </a:r>
             <a:r>
-              <a:rPr lang="en-US" sz="1400" dirty="0" err="1">
+              <a:rPr lang="en-US" sz="1500" dirty="0" err="1">
                 <a:latin typeface="Arial" panose="020B0604020202020204" pitchFamily="34" charset="0"/>
                 <a:cs typeface="Arial" panose="020B0604020202020204" pitchFamily="34" charset="0"/>
               </a:rPr>
               <a:t>ơng</a:t>
             </a:r>
             <a:r>
-              <a:rPr lang="en-US" sz="1400" dirty="0">
-                <a:latin typeface="Arial" panose="020B0604020202020204" pitchFamily="34" charset="0"/>
-                <a:cs typeface="Arial" panose="020B0604020202020204" pitchFamily="34" charset="0"/>
-              </a:rPr>
-              <a:t> </a:t>
-            </a:r>
-            <a:r>
-              <a:rPr lang="en-US" sz="1400" dirty="0" err="1">
+              <a:rPr lang="en-US" sz="1500" dirty="0">
+                <a:latin typeface="Arial" panose="020B0604020202020204" pitchFamily="34" charset="0"/>
+                <a:cs typeface="Arial" panose="020B0604020202020204" pitchFamily="34" charset="0"/>
+              </a:rPr>
+              <a:t> </a:t>
+            </a:r>
+            <a:r>
+              <a:rPr lang="en-US" sz="1500" dirty="0" err="1">
                 <a:latin typeface="Arial" panose="020B0604020202020204" pitchFamily="34" charset="0"/>
                 <a:cs typeface="Arial" panose="020B0604020202020204" pitchFamily="34" charset="0"/>
               </a:rPr>
               <a:t>tự</a:t>
             </a:r>
             <a:r>
-              <a:rPr lang="en-US" sz="1400" dirty="0">
-                <a:latin typeface="Arial" panose="020B0604020202020204" pitchFamily="34" charset="0"/>
-                <a:cs typeface="Arial" panose="020B0604020202020204" pitchFamily="34" charset="0"/>
-              </a:rPr>
-              <a:t> </a:t>
-            </a:r>
-            <a:r>
-              <a:rPr lang="en-US" sz="1400" dirty="0" err="1">
+              <a:rPr lang="en-US" sz="1500" dirty="0">
+                <a:latin typeface="Arial" panose="020B0604020202020204" pitchFamily="34" charset="0"/>
+                <a:cs typeface="Arial" panose="020B0604020202020204" pitchFamily="34" charset="0"/>
+              </a:rPr>
+              <a:t> </a:t>
+            </a:r>
+            <a:r>
+              <a:rPr lang="en-US" sz="1500" dirty="0" err="1">
                 <a:latin typeface="Arial" panose="020B0604020202020204" pitchFamily="34" charset="0"/>
                 <a:cs typeface="Arial" panose="020B0604020202020204" pitchFamily="34" charset="0"/>
               </a:rPr>
               <a:t>để</a:t>
             </a:r>
             <a:r>
-              <a:rPr lang="en-US" sz="1400" dirty="0">
-                <a:latin typeface="Arial" panose="020B0604020202020204" pitchFamily="34" charset="0"/>
-                <a:cs typeface="Arial" panose="020B0604020202020204" pitchFamily="34" charset="0"/>
-              </a:rPr>
-              <a:t> </a:t>
-            </a:r>
-            <a:r>
-              <a:rPr lang="en-US" sz="1400" dirty="0" err="1">
+              <a:rPr lang="en-US" sz="1500" dirty="0">
+                <a:latin typeface="Arial" panose="020B0604020202020204" pitchFamily="34" charset="0"/>
+                <a:cs typeface="Arial" panose="020B0604020202020204" pitchFamily="34" charset="0"/>
+              </a:rPr>
+              <a:t> </a:t>
+            </a:r>
+            <a:r>
+              <a:rPr lang="en-US" sz="1500" dirty="0" err="1">
                 <a:latin typeface="Arial" panose="020B0604020202020204" pitchFamily="34" charset="0"/>
                 <a:cs typeface="Arial" panose="020B0604020202020204" pitchFamily="34" charset="0"/>
               </a:rPr>
               <a:t>thu</a:t>
             </a:r>
             <a:r>
-              <a:rPr lang="en-US" sz="1400" dirty="0">
-                <a:latin typeface="Arial" panose="020B0604020202020204" pitchFamily="34" charset="0"/>
-                <a:cs typeface="Arial" panose="020B0604020202020204" pitchFamily="34" charset="0"/>
-              </a:rPr>
-              <a:t> </a:t>
-            </a:r>
-            <a:r>
-              <a:rPr lang="en-US" sz="1400" dirty="0" err="1">
+              <a:rPr lang="en-US" sz="1500" dirty="0">
+                <a:latin typeface="Arial" panose="020B0604020202020204" pitchFamily="34" charset="0"/>
+                <a:cs typeface="Arial" panose="020B0604020202020204" pitchFamily="34" charset="0"/>
+              </a:rPr>
+              <a:t> </a:t>
+            </a:r>
+            <a:r>
+              <a:rPr lang="en-US" sz="1500" dirty="0" err="1">
                 <a:latin typeface="Arial" panose="020B0604020202020204" pitchFamily="34" charset="0"/>
                 <a:cs typeface="Arial" panose="020B0604020202020204" pitchFamily="34" charset="0"/>
               </a:rPr>
               <a:t>thập</a:t>
             </a:r>
             <a:r>
-              <a:rPr lang="en-US" sz="1400" dirty="0">
+              <a:rPr lang="en-US" sz="1500" dirty="0">
                 <a:latin typeface="Arial" panose="020B0604020202020204" pitchFamily="34" charset="0"/>
                 <a:cs typeface="Arial" panose="020B0604020202020204" pitchFamily="34" charset="0"/>
               </a:rPr>
@@ -15374,42 +16533,42 @@
               <a:buAutoNum type="alphaLcParenR"/>
             </a:pPr>
             <a:r>
-              <a:rPr lang="en-US" sz="1800" dirty="0" err="1">
+              <a:rPr lang="en-US" sz="1500" dirty="0" err="1">
                 <a:latin typeface="Arial" panose="020B0604020202020204" pitchFamily="34" charset="0"/>
                 <a:cs typeface="Arial" panose="020B0604020202020204" pitchFamily="34" charset="0"/>
               </a:rPr>
               <a:t>Thông</a:t>
             </a:r>
             <a:r>
-              <a:rPr lang="en-US" sz="1800" dirty="0">
+              <a:rPr lang="en-US" sz="1500" dirty="0">
                 <a:latin typeface="Arial" panose="020B0604020202020204" pitchFamily="34" charset="0"/>
                 <a:cs typeface="Arial" panose="020B0604020202020204" pitchFamily="34" charset="0"/>
               </a:rPr>
               <a:t> tin </a:t>
             </a:r>
             <a:r>
-              <a:rPr lang="en-US" sz="1800" dirty="0" err="1">
+              <a:rPr lang="en-US" sz="1500" dirty="0" err="1">
                 <a:latin typeface="Arial" panose="020B0604020202020204" pitchFamily="34" charset="0"/>
                 <a:cs typeface="Arial" panose="020B0604020202020204" pitchFamily="34" charset="0"/>
               </a:rPr>
               <a:t>dữ</a:t>
             </a:r>
             <a:r>
-              <a:rPr lang="en-US" sz="1800" dirty="0">
-                <a:latin typeface="Arial" panose="020B0604020202020204" pitchFamily="34" charset="0"/>
-                <a:cs typeface="Arial" panose="020B0604020202020204" pitchFamily="34" charset="0"/>
-              </a:rPr>
-              <a:t> </a:t>
-            </a:r>
-            <a:r>
-              <a:rPr lang="en-US" sz="1800" dirty="0" err="1">
+              <a:rPr lang="en-US" sz="1500" dirty="0">
+                <a:latin typeface="Arial" panose="020B0604020202020204" pitchFamily="34" charset="0"/>
+                <a:cs typeface="Arial" panose="020B0604020202020204" pitchFamily="34" charset="0"/>
+              </a:rPr>
+              <a:t> </a:t>
+            </a:r>
+            <a:r>
+              <a:rPr lang="en-US" sz="1500" dirty="0" err="1">
                 <a:latin typeface="Arial" panose="020B0604020202020204" pitchFamily="34" charset="0"/>
                 <a:cs typeface="Arial" panose="020B0604020202020204" pitchFamily="34" charset="0"/>
               </a:rPr>
               <a:t>liệu</a:t>
             </a:r>
             <a:r>
-              <a:rPr lang="en-US" sz="1800" dirty="0">
+              <a:rPr lang="en-US" sz="1500" dirty="0">
                 <a:latin typeface="Arial" panose="020B0604020202020204" pitchFamily="34" charset="0"/>
                 <a:cs typeface="Arial" panose="020B0604020202020204" pitchFamily="34" charset="0"/>
               </a:rPr>
@@ -15424,210 +16583,210 @@
               <a:buNone/>
             </a:pPr>
             <a:r>
-              <a:rPr lang="en-US" sz="1400" dirty="0" err="1">
+              <a:rPr lang="en-US" sz="1500" dirty="0" err="1">
                 <a:latin typeface="Arial" panose="020B0604020202020204" pitchFamily="34" charset="0"/>
                 <a:cs typeface="Arial" panose="020B0604020202020204" pitchFamily="34" charset="0"/>
               </a:rPr>
               <a:t>Dữ</a:t>
             </a:r>
             <a:r>
-              <a:rPr lang="en-US" sz="1400" dirty="0">
-                <a:latin typeface="Arial" panose="020B0604020202020204" pitchFamily="34" charset="0"/>
-                <a:cs typeface="Arial" panose="020B0604020202020204" pitchFamily="34" charset="0"/>
-              </a:rPr>
-              <a:t> </a:t>
-            </a:r>
-            <a:r>
-              <a:rPr lang="en-US" sz="1400" dirty="0" err="1">
+              <a:rPr lang="en-US" sz="1500" dirty="0">
+                <a:latin typeface="Arial" panose="020B0604020202020204" pitchFamily="34" charset="0"/>
+                <a:cs typeface="Arial" panose="020B0604020202020204" pitchFamily="34" charset="0"/>
+              </a:rPr>
+              <a:t> </a:t>
+            </a:r>
+            <a:r>
+              <a:rPr lang="en-US" sz="1500" dirty="0" err="1">
                 <a:latin typeface="Arial" panose="020B0604020202020204" pitchFamily="34" charset="0"/>
                 <a:cs typeface="Arial" panose="020B0604020202020204" pitchFamily="34" charset="0"/>
               </a:rPr>
               <a:t>liệu</a:t>
             </a:r>
             <a:r>
-              <a:rPr lang="en-US" sz="1400" dirty="0">
-                <a:latin typeface="Arial" panose="020B0604020202020204" pitchFamily="34" charset="0"/>
-                <a:cs typeface="Arial" panose="020B0604020202020204" pitchFamily="34" charset="0"/>
-              </a:rPr>
-              <a:t> </a:t>
-            </a:r>
-            <a:r>
-              <a:rPr lang="en-US" sz="1400" dirty="0" err="1">
+              <a:rPr lang="en-US" sz="1500" dirty="0">
+                <a:latin typeface="Arial" panose="020B0604020202020204" pitchFamily="34" charset="0"/>
+                <a:cs typeface="Arial" panose="020B0604020202020204" pitchFamily="34" charset="0"/>
+              </a:rPr>
+              <a:t> </a:t>
+            </a:r>
+            <a:r>
+              <a:rPr lang="en-US" sz="1500" dirty="0" err="1">
                 <a:latin typeface="Arial" panose="020B0604020202020204" pitchFamily="34" charset="0"/>
                 <a:cs typeface="Arial" panose="020B0604020202020204" pitchFamily="34" charset="0"/>
               </a:rPr>
               <a:t>huân</a:t>
             </a:r>
             <a:r>
-              <a:rPr lang="en-US" sz="1400" dirty="0">
-                <a:latin typeface="Arial" panose="020B0604020202020204" pitchFamily="34" charset="0"/>
-                <a:cs typeface="Arial" panose="020B0604020202020204" pitchFamily="34" charset="0"/>
-              </a:rPr>
-              <a:t> </a:t>
-            </a:r>
-            <a:r>
-              <a:rPr lang="en-US" sz="1400" dirty="0" err="1">
+              <a:rPr lang="en-US" sz="1500" dirty="0">
+                <a:latin typeface="Arial" panose="020B0604020202020204" pitchFamily="34" charset="0"/>
+                <a:cs typeface="Arial" panose="020B0604020202020204" pitchFamily="34" charset="0"/>
+              </a:rPr>
+              <a:t> </a:t>
+            </a:r>
+            <a:r>
+              <a:rPr lang="en-US" sz="1500" dirty="0" err="1">
                 <a:latin typeface="Arial" panose="020B0604020202020204" pitchFamily="34" charset="0"/>
                 <a:cs typeface="Arial" panose="020B0604020202020204" pitchFamily="34" charset="0"/>
               </a:rPr>
               <a:t>luyện</a:t>
             </a:r>
             <a:r>
-              <a:rPr lang="en-US" sz="1400" dirty="0">
-                <a:latin typeface="Arial" panose="020B0604020202020204" pitchFamily="34" charset="0"/>
-                <a:cs typeface="Arial" panose="020B0604020202020204" pitchFamily="34" charset="0"/>
-              </a:rPr>
-              <a:t> </a:t>
-            </a:r>
-            <a:r>
-              <a:rPr lang="en-US" sz="1400" dirty="0" err="1">
+              <a:rPr lang="en-US" sz="1500" dirty="0">
+                <a:latin typeface="Arial" panose="020B0604020202020204" pitchFamily="34" charset="0"/>
+                <a:cs typeface="Arial" panose="020B0604020202020204" pitchFamily="34" charset="0"/>
+              </a:rPr>
+              <a:t> </a:t>
+            </a:r>
+            <a:r>
+              <a:rPr lang="en-US" sz="1500" dirty="0" err="1">
                 <a:latin typeface="Arial" panose="020B0604020202020204" pitchFamily="34" charset="0"/>
                 <a:cs typeface="Arial" panose="020B0604020202020204" pitchFamily="34" charset="0"/>
               </a:rPr>
               <a:t>gồm</a:t>
             </a:r>
             <a:r>
-              <a:rPr lang="en-US" sz="1400" dirty="0">
+              <a:rPr lang="en-US" sz="1500" dirty="0">
                 <a:latin typeface="Arial" panose="020B0604020202020204" pitchFamily="34" charset="0"/>
                 <a:cs typeface="Arial" panose="020B0604020202020204" pitchFamily="34" charset="0"/>
               </a:rPr>
               <a:t> 80000 </a:t>
             </a:r>
             <a:r>
-              <a:rPr lang="en-US" sz="1400" dirty="0" err="1">
+              <a:rPr lang="en-US" sz="1500" dirty="0" err="1">
                 <a:latin typeface="Arial" panose="020B0604020202020204" pitchFamily="34" charset="0"/>
                 <a:cs typeface="Arial" panose="020B0604020202020204" pitchFamily="34" charset="0"/>
               </a:rPr>
               <a:t>mẫu</a:t>
             </a:r>
             <a:r>
-              <a:rPr lang="en-US" sz="1400" dirty="0">
+              <a:rPr lang="en-US" sz="1500" dirty="0">
                 <a:latin typeface="Arial" panose="020B0604020202020204" pitchFamily="34" charset="0"/>
                 <a:cs typeface="Arial" panose="020B0604020202020204" pitchFamily="34" charset="0"/>
               </a:rPr>
               <a:t> (</a:t>
             </a:r>
             <a:r>
-              <a:rPr lang="en-US" sz="1400" dirty="0" err="1">
+              <a:rPr lang="en-US" sz="1500" dirty="0" err="1">
                 <a:latin typeface="Arial" panose="020B0604020202020204" pitchFamily="34" charset="0"/>
                 <a:cs typeface="Arial" panose="020B0604020202020204" pitchFamily="34" charset="0"/>
               </a:rPr>
               <a:t>mỗi</a:t>
             </a:r>
             <a:r>
-              <a:rPr lang="en-US" sz="1400" dirty="0">
-                <a:latin typeface="Arial" panose="020B0604020202020204" pitchFamily="34" charset="0"/>
-                <a:cs typeface="Arial" panose="020B0604020202020204" pitchFamily="34" charset="0"/>
-              </a:rPr>
-              <a:t> </a:t>
-            </a:r>
-            <a:r>
-              <a:rPr lang="en-US" sz="1400" dirty="0" err="1">
+              <a:rPr lang="en-US" sz="1500" dirty="0">
+                <a:latin typeface="Arial" panose="020B0604020202020204" pitchFamily="34" charset="0"/>
+                <a:cs typeface="Arial" panose="020B0604020202020204" pitchFamily="34" charset="0"/>
+              </a:rPr>
+              <a:t> </a:t>
+            </a:r>
+            <a:r>
+              <a:rPr lang="en-US" sz="1500" dirty="0" err="1">
                 <a:latin typeface="Arial" panose="020B0604020202020204" pitchFamily="34" charset="0"/>
                 <a:cs typeface="Arial" panose="020B0604020202020204" pitchFamily="34" charset="0"/>
               </a:rPr>
               <a:t>thể</a:t>
             </a:r>
             <a:r>
-              <a:rPr lang="en-US" sz="1400" dirty="0">
-                <a:latin typeface="Arial" panose="020B0604020202020204" pitchFamily="34" charset="0"/>
-                <a:cs typeface="Arial" panose="020B0604020202020204" pitchFamily="34" charset="0"/>
-              </a:rPr>
-              <a:t> </a:t>
-            </a:r>
-            <a:r>
-              <a:rPr lang="en-US" sz="1400" dirty="0" err="1">
+              <a:rPr lang="en-US" sz="1500" dirty="0">
+                <a:latin typeface="Arial" panose="020B0604020202020204" pitchFamily="34" charset="0"/>
+                <a:cs typeface="Arial" panose="020B0604020202020204" pitchFamily="34" charset="0"/>
+              </a:rPr>
+              <a:t> </a:t>
+            </a:r>
+            <a:r>
+              <a:rPr lang="en-US" sz="1500" dirty="0" err="1">
                 <a:latin typeface="Arial" panose="020B0604020202020204" pitchFamily="34" charset="0"/>
                 <a:cs typeface="Arial" panose="020B0604020202020204" pitchFamily="34" charset="0"/>
               </a:rPr>
               <a:t>loại</a:t>
             </a:r>
             <a:r>
-              <a:rPr lang="en-US" sz="1400" dirty="0">
+              <a:rPr lang="en-US" sz="1500" dirty="0">
                 <a:latin typeface="Arial" panose="020B0604020202020204" pitchFamily="34" charset="0"/>
                 <a:cs typeface="Arial" panose="020B0604020202020204" pitchFamily="34" charset="0"/>
               </a:rPr>
               <a:t>: 10000 </a:t>
             </a:r>
             <a:r>
-              <a:rPr lang="en-US" sz="1400" dirty="0" err="1">
+              <a:rPr lang="en-US" sz="1500" dirty="0" err="1">
                 <a:latin typeface="Arial" panose="020B0604020202020204" pitchFamily="34" charset="0"/>
                 <a:cs typeface="Arial" panose="020B0604020202020204" pitchFamily="34" charset="0"/>
               </a:rPr>
               <a:t>mẫu</a:t>
             </a:r>
             <a:r>
-              <a:rPr lang="en-US" sz="1400" dirty="0">
+              <a:rPr lang="en-US" sz="1500" dirty="0">
                 <a:latin typeface="Arial" panose="020B0604020202020204" pitchFamily="34" charset="0"/>
                 <a:cs typeface="Arial" panose="020B0604020202020204" pitchFamily="34" charset="0"/>
               </a:rPr>
               <a:t>). </a:t>
             </a:r>
             <a:r>
-              <a:rPr lang="en-US" sz="1400" dirty="0" err="1">
+              <a:rPr lang="en-US" sz="1500" dirty="0" err="1">
                 <a:latin typeface="Arial" panose="020B0604020202020204" pitchFamily="34" charset="0"/>
                 <a:cs typeface="Arial" panose="020B0604020202020204" pitchFamily="34" charset="0"/>
               </a:rPr>
               <a:t>Trong</a:t>
             </a:r>
             <a:r>
-              <a:rPr lang="en-US" sz="1400" dirty="0">
-                <a:latin typeface="Arial" panose="020B0604020202020204" pitchFamily="34" charset="0"/>
-                <a:cs typeface="Arial" panose="020B0604020202020204" pitchFamily="34" charset="0"/>
-              </a:rPr>
-              <a:t> </a:t>
-            </a:r>
-            <a:r>
-              <a:rPr lang="en-US" sz="1400" dirty="0" err="1">
+              <a:rPr lang="en-US" sz="1500" dirty="0">
+                <a:latin typeface="Arial" panose="020B0604020202020204" pitchFamily="34" charset="0"/>
+                <a:cs typeface="Arial" panose="020B0604020202020204" pitchFamily="34" charset="0"/>
+              </a:rPr>
+              <a:t> </a:t>
+            </a:r>
+            <a:r>
+              <a:rPr lang="en-US" sz="1500" dirty="0" err="1">
                 <a:latin typeface="Arial" panose="020B0604020202020204" pitchFamily="34" charset="0"/>
                 <a:cs typeface="Arial" panose="020B0604020202020204" pitchFamily="34" charset="0"/>
               </a:rPr>
               <a:t>đó</a:t>
             </a:r>
             <a:r>
-              <a:rPr lang="en-US" sz="1400" dirty="0">
-                <a:latin typeface="Arial" panose="020B0604020202020204" pitchFamily="34" charset="0"/>
-                <a:cs typeface="Arial" panose="020B0604020202020204" pitchFamily="34" charset="0"/>
-              </a:rPr>
-              <a:t> </a:t>
-            </a:r>
-            <a:r>
-              <a:rPr lang="en-US" sz="1400" dirty="0" err="1">
+              <a:rPr lang="en-US" sz="1500" dirty="0">
+                <a:latin typeface="Arial" panose="020B0604020202020204" pitchFamily="34" charset="0"/>
+                <a:cs typeface="Arial" panose="020B0604020202020204" pitchFamily="34" charset="0"/>
+              </a:rPr>
+              <a:t> </a:t>
+            </a:r>
+            <a:r>
+              <a:rPr lang="en-US" sz="1500" dirty="0" err="1">
                 <a:latin typeface="Arial" panose="020B0604020202020204" pitchFamily="34" charset="0"/>
                 <a:cs typeface="Arial" panose="020B0604020202020204" pitchFamily="34" charset="0"/>
               </a:rPr>
               <a:t>tập</a:t>
             </a:r>
             <a:r>
-              <a:rPr lang="en-US" sz="1400" dirty="0">
+              <a:rPr lang="en-US" sz="1500" dirty="0">
                 <a:latin typeface="Arial" panose="020B0604020202020204" pitchFamily="34" charset="0"/>
                 <a:cs typeface="Arial" panose="020B0604020202020204" pitchFamily="34" charset="0"/>
               </a:rPr>
               <a:t> train </a:t>
             </a:r>
             <a:r>
-              <a:rPr lang="en-US" sz="1400" dirty="0" err="1">
+              <a:rPr lang="en-US" sz="1500" dirty="0" err="1">
                 <a:latin typeface="Arial" panose="020B0604020202020204" pitchFamily="34" charset="0"/>
                 <a:cs typeface="Arial" panose="020B0604020202020204" pitchFamily="34" charset="0"/>
               </a:rPr>
               <a:t>chiếm</a:t>
             </a:r>
             <a:r>
-              <a:rPr lang="en-US" sz="1400" dirty="0">
+              <a:rPr lang="en-US" sz="1500" dirty="0">
                 <a:latin typeface="Arial" panose="020B0604020202020204" pitchFamily="34" charset="0"/>
                 <a:cs typeface="Arial" panose="020B0604020202020204" pitchFamily="34" charset="0"/>
               </a:rPr>
               <a:t> 70%, validation </a:t>
             </a:r>
             <a:r>
-              <a:rPr lang="en-US" sz="1400" dirty="0" err="1">
+              <a:rPr lang="en-US" sz="1500" dirty="0" err="1">
                 <a:latin typeface="Arial" panose="020B0604020202020204" pitchFamily="34" charset="0"/>
                 <a:cs typeface="Arial" panose="020B0604020202020204" pitchFamily="34" charset="0"/>
               </a:rPr>
               <a:t>chiếm</a:t>
             </a:r>
             <a:r>
-              <a:rPr lang="en-US" sz="1400" dirty="0">
+              <a:rPr lang="en-US" sz="1500" dirty="0">
                 <a:latin typeface="Arial" panose="020B0604020202020204" pitchFamily="34" charset="0"/>
                 <a:cs typeface="Arial" panose="020B0604020202020204" pitchFamily="34" charset="0"/>
               </a:rPr>
@@ -15642,46 +16801,60 @@
               <a:buNone/>
             </a:pPr>
             <a:r>
-              <a:rPr lang="en-US" sz="1400" dirty="0" err="1">
+              <a:rPr lang="en-US" sz="1500" dirty="0" err="1">
                 <a:latin typeface="Arial" panose="020B0604020202020204" pitchFamily="34" charset="0"/>
                 <a:cs typeface="Arial" panose="020B0604020202020204" pitchFamily="34" charset="0"/>
               </a:rPr>
               <a:t>Dữ</a:t>
             </a:r>
             <a:r>
-              <a:rPr lang="en-US" sz="1400" dirty="0">
-                <a:latin typeface="Arial" panose="020B0604020202020204" pitchFamily="34" charset="0"/>
-                <a:cs typeface="Arial" panose="020B0604020202020204" pitchFamily="34" charset="0"/>
-              </a:rPr>
-              <a:t> </a:t>
-            </a:r>
-            <a:r>
-              <a:rPr lang="en-US" sz="1400" dirty="0" err="1">
+              <a:rPr lang="en-US" sz="1500" dirty="0">
+                <a:latin typeface="Arial" panose="020B0604020202020204" pitchFamily="34" charset="0"/>
+                <a:cs typeface="Arial" panose="020B0604020202020204" pitchFamily="34" charset="0"/>
+              </a:rPr>
+              <a:t> </a:t>
+            </a:r>
+            <a:r>
+              <a:rPr lang="en-US" sz="1500" dirty="0" err="1">
                 <a:latin typeface="Arial" panose="020B0604020202020204" pitchFamily="34" charset="0"/>
                 <a:cs typeface="Arial" panose="020B0604020202020204" pitchFamily="34" charset="0"/>
               </a:rPr>
               <a:t>liệu</a:t>
             </a:r>
             <a:r>
-              <a:rPr lang="en-US" sz="1400" dirty="0">
-                <a:latin typeface="Arial" panose="020B0604020202020204" pitchFamily="34" charset="0"/>
-                <a:cs typeface="Arial" panose="020B0604020202020204" pitchFamily="34" charset="0"/>
-              </a:rPr>
-              <a:t> </a:t>
-            </a:r>
-            <a:r>
-              <a:rPr lang="en-US" sz="1400" dirty="0" err="1">
+              <a:rPr lang="en-US" sz="1500" dirty="0">
+                <a:latin typeface="Arial" panose="020B0604020202020204" pitchFamily="34" charset="0"/>
+                <a:cs typeface="Arial" panose="020B0604020202020204" pitchFamily="34" charset="0"/>
+              </a:rPr>
+              <a:t> </a:t>
+            </a:r>
+            <a:r>
+              <a:rPr lang="en-US" sz="1500" dirty="0" err="1">
                 <a:latin typeface="Arial" panose="020B0604020202020204" pitchFamily="34" charset="0"/>
                 <a:cs typeface="Arial" panose="020B0604020202020204" pitchFamily="34" charset="0"/>
               </a:rPr>
               <a:t>để</a:t>
             </a:r>
             <a:r>
-              <a:rPr lang="en-US" sz="1400" dirty="0">
-                <a:latin typeface="Arial" panose="020B0604020202020204" pitchFamily="34" charset="0"/>
-                <a:cs typeface="Arial" panose="020B0604020202020204" pitchFamily="34" charset="0"/>
-              </a:rPr>
-              <a:t> test: </a:t>
+              <a:rPr lang="en-US" sz="1500" dirty="0">
+                <a:latin typeface="Arial" panose="020B0604020202020204" pitchFamily="34" charset="0"/>
+                <a:cs typeface="Arial" panose="020B0604020202020204" pitchFamily="34" charset="0"/>
+              </a:rPr>
+              <a:t> test: 3953 </a:t>
+            </a:r>
+            <a:r>
+              <a:rPr lang="en-US" sz="1500" dirty="0" err="1">
+                <a:latin typeface="Arial" panose="020B0604020202020204" pitchFamily="34" charset="0"/>
+                <a:cs typeface="Arial" panose="020B0604020202020204" pitchFamily="34" charset="0"/>
+              </a:rPr>
+              <a:t>mẫu</a:t>
+            </a:r>
+            <a:r>
+              <a:rPr lang="en-US" sz="1500" dirty="0">
+                <a:latin typeface="Arial" panose="020B0604020202020204" pitchFamily="34" charset="0"/>
+                <a:cs typeface="Arial" panose="020B0604020202020204" pitchFamily="34" charset="0"/>
+              </a:rPr>
+              <a:t>.</a:t>
             </a:r>
           </a:p>
           <a:p>
@@ -15691,7 +16864,7 @@
               </a:lnSpc>
               <a:buNone/>
             </a:pPr>
-            <a:endParaRPr lang="en-US" sz="1400" dirty="0">
+            <a:endParaRPr lang="en-US" sz="1500" dirty="0">
               <a:latin typeface="Arial" panose="020B0604020202020204" pitchFamily="34" charset="0"/>
               <a:cs typeface="Arial" panose="020B0604020202020204" pitchFamily="34" charset="0"/>
             </a:endParaRPr>
@@ -15703,7 +16876,7 @@
               </a:lnSpc>
               <a:buNone/>
             </a:pPr>
-            <a:endParaRPr lang="en-US" sz="1400" dirty="0">
+            <a:endParaRPr lang="en-US" sz="1500" dirty="0">
               <a:latin typeface="Arial" panose="020B0604020202020204" pitchFamily="34" charset="0"/>
               <a:cs typeface="Arial" panose="020B0604020202020204" pitchFamily="34" charset="0"/>
             </a:endParaRPr>
@@ -15716,7 +16889,7 @@
               <a:buFont typeface="+mj-lt"/>
               <a:buAutoNum type="alphaLcParenR"/>
             </a:pPr>
-            <a:endParaRPr lang="en-US" sz="1800" dirty="0">
+            <a:endParaRPr lang="en-US" sz="1500" dirty="0">
               <a:latin typeface="Arial" panose="020B0604020202020204" pitchFamily="34" charset="0"/>
               <a:cs typeface="Arial" panose="020B0604020202020204" pitchFamily="34" charset="0"/>
             </a:endParaRPr>
@@ -15730,84 +16903,84 @@
               <a:buAutoNum type="alphaLcParenR"/>
             </a:pPr>
             <a:r>
-              <a:rPr lang="en-US" sz="1800" dirty="0" err="1">
+              <a:rPr lang="en-US" sz="1500" dirty="0" err="1">
                 <a:latin typeface="Arial" panose="020B0604020202020204" pitchFamily="34" charset="0"/>
                 <a:cs typeface="Arial" panose="020B0604020202020204" pitchFamily="34" charset="0"/>
               </a:rPr>
               <a:t>Sự</a:t>
             </a:r>
             <a:r>
-              <a:rPr lang="en-US" sz="1800" dirty="0">
-                <a:latin typeface="Arial" panose="020B0604020202020204" pitchFamily="34" charset="0"/>
-                <a:cs typeface="Arial" panose="020B0604020202020204" pitchFamily="34" charset="0"/>
-              </a:rPr>
-              <a:t> </a:t>
-            </a:r>
-            <a:r>
-              <a:rPr lang="en-US" sz="1800" dirty="0" err="1">
+              <a:rPr lang="en-US" sz="1500" dirty="0">
+                <a:latin typeface="Arial" panose="020B0604020202020204" pitchFamily="34" charset="0"/>
+                <a:cs typeface="Arial" panose="020B0604020202020204" pitchFamily="34" charset="0"/>
+              </a:rPr>
+              <a:t> </a:t>
+            </a:r>
+            <a:r>
+              <a:rPr lang="en-US" sz="1500" dirty="0" err="1">
                 <a:latin typeface="Arial" panose="020B0604020202020204" pitchFamily="34" charset="0"/>
                 <a:cs typeface="Arial" panose="020B0604020202020204" pitchFamily="34" charset="0"/>
               </a:rPr>
               <a:t>thiếu</a:t>
             </a:r>
             <a:r>
-              <a:rPr lang="en-US" sz="1800" dirty="0">
-                <a:latin typeface="Arial" panose="020B0604020202020204" pitchFamily="34" charset="0"/>
-                <a:cs typeface="Arial" panose="020B0604020202020204" pitchFamily="34" charset="0"/>
-              </a:rPr>
-              <a:t> </a:t>
-            </a:r>
-            <a:r>
-              <a:rPr lang="en-US" sz="1800" dirty="0" err="1">
+              <a:rPr lang="en-US" sz="1500" dirty="0">
+                <a:latin typeface="Arial" panose="020B0604020202020204" pitchFamily="34" charset="0"/>
+                <a:cs typeface="Arial" panose="020B0604020202020204" pitchFamily="34" charset="0"/>
+              </a:rPr>
+              <a:t> </a:t>
+            </a:r>
+            <a:r>
+              <a:rPr lang="en-US" sz="1500" dirty="0" err="1">
                 <a:latin typeface="Arial" panose="020B0604020202020204" pitchFamily="34" charset="0"/>
                 <a:cs typeface="Arial" panose="020B0604020202020204" pitchFamily="34" charset="0"/>
               </a:rPr>
               <a:t>sót</a:t>
             </a:r>
             <a:r>
-              <a:rPr lang="en-US" sz="1800" dirty="0">
-                <a:latin typeface="Arial" panose="020B0604020202020204" pitchFamily="34" charset="0"/>
-                <a:cs typeface="Arial" panose="020B0604020202020204" pitchFamily="34" charset="0"/>
-              </a:rPr>
-              <a:t> </a:t>
-            </a:r>
-            <a:r>
-              <a:rPr lang="en-US" sz="1800" dirty="0" err="1">
+              <a:rPr lang="en-US" sz="1500" dirty="0">
+                <a:latin typeface="Arial" panose="020B0604020202020204" pitchFamily="34" charset="0"/>
+                <a:cs typeface="Arial" panose="020B0604020202020204" pitchFamily="34" charset="0"/>
+              </a:rPr>
+              <a:t> </a:t>
+            </a:r>
+            <a:r>
+              <a:rPr lang="en-US" sz="1500" dirty="0" err="1">
                 <a:latin typeface="Arial" panose="020B0604020202020204" pitchFamily="34" charset="0"/>
                 <a:cs typeface="Arial" panose="020B0604020202020204" pitchFamily="34" charset="0"/>
               </a:rPr>
               <a:t>trong</a:t>
             </a:r>
             <a:r>
-              <a:rPr lang="en-US" sz="1800" dirty="0">
-                <a:latin typeface="Arial" panose="020B0604020202020204" pitchFamily="34" charset="0"/>
-                <a:cs typeface="Arial" panose="020B0604020202020204" pitchFamily="34" charset="0"/>
-              </a:rPr>
-              <a:t> </a:t>
-            </a:r>
-            <a:r>
-              <a:rPr lang="en-US" sz="1800" dirty="0" err="1">
+              <a:rPr lang="en-US" sz="1500" dirty="0">
+                <a:latin typeface="Arial" panose="020B0604020202020204" pitchFamily="34" charset="0"/>
+                <a:cs typeface="Arial" panose="020B0604020202020204" pitchFamily="34" charset="0"/>
+              </a:rPr>
+              <a:t> </a:t>
+            </a:r>
+            <a:r>
+              <a:rPr lang="en-US" sz="1500" dirty="0" err="1">
                 <a:latin typeface="Arial" panose="020B0604020202020204" pitchFamily="34" charset="0"/>
                 <a:cs typeface="Arial" panose="020B0604020202020204" pitchFamily="34" charset="0"/>
               </a:rPr>
               <a:t>dữ</a:t>
             </a:r>
             <a:r>
-              <a:rPr lang="en-US" sz="1800" dirty="0">
-                <a:latin typeface="Arial" panose="020B0604020202020204" pitchFamily="34" charset="0"/>
-                <a:cs typeface="Arial" panose="020B0604020202020204" pitchFamily="34" charset="0"/>
-              </a:rPr>
-              <a:t> </a:t>
-            </a:r>
-            <a:r>
-              <a:rPr lang="en-US" sz="1800" dirty="0" err="1">
+              <a:rPr lang="en-US" sz="1500" dirty="0">
+                <a:latin typeface="Arial" panose="020B0604020202020204" pitchFamily="34" charset="0"/>
+                <a:cs typeface="Arial" panose="020B0604020202020204" pitchFamily="34" charset="0"/>
+              </a:rPr>
+              <a:t> </a:t>
+            </a:r>
+            <a:r>
+              <a:rPr lang="en-US" sz="1500" dirty="0" err="1">
                 <a:latin typeface="Arial" panose="020B0604020202020204" pitchFamily="34" charset="0"/>
                 <a:cs typeface="Arial" panose="020B0604020202020204" pitchFamily="34" charset="0"/>
               </a:rPr>
               <a:t>liệu</a:t>
             </a:r>
             <a:r>
-              <a:rPr lang="en-US" sz="1800" dirty="0">
+              <a:rPr lang="en-US" sz="1500" dirty="0">
                 <a:latin typeface="Arial" panose="020B0604020202020204" pitchFamily="34" charset="0"/>
                 <a:cs typeface="Arial" panose="020B0604020202020204" pitchFamily="34" charset="0"/>
               </a:rPr>
@@ -15822,119 +16995,119 @@
               <a:buNone/>
             </a:pPr>
             <a:r>
-              <a:rPr lang="en-US" sz="1400" dirty="0" err="1">
+              <a:rPr lang="en-US" sz="1500" dirty="0" err="1">
                 <a:latin typeface="Arial" panose="020B0604020202020204" pitchFamily="34" charset="0"/>
                 <a:cs typeface="Arial" panose="020B0604020202020204" pitchFamily="34" charset="0"/>
               </a:rPr>
               <a:t>Cột</a:t>
             </a:r>
             <a:r>
-              <a:rPr lang="en-US" sz="1400" dirty="0">
+              <a:rPr lang="en-US" sz="1500" dirty="0">
                 <a:latin typeface="Arial" panose="020B0604020202020204" pitchFamily="34" charset="0"/>
                 <a:cs typeface="Arial" panose="020B0604020202020204" pitchFamily="34" charset="0"/>
               </a:rPr>
               <a:t> cast, director, vote, gross </a:t>
             </a:r>
             <a:r>
-              <a:rPr lang="en-US" sz="1400" dirty="0" err="1">
+              <a:rPr lang="en-US" sz="1500" dirty="0" err="1">
                 <a:latin typeface="Arial" panose="020B0604020202020204" pitchFamily="34" charset="0"/>
                 <a:cs typeface="Arial" panose="020B0604020202020204" pitchFamily="34" charset="0"/>
               </a:rPr>
               <a:t>có</a:t>
             </a:r>
             <a:r>
-              <a:rPr lang="en-US" sz="1400" dirty="0">
+              <a:rPr lang="en-US" sz="1500" dirty="0">
                 <a:latin typeface="Arial" panose="020B0604020202020204" pitchFamily="34" charset="0"/>
                 <a:cs typeface="Arial" panose="020B0604020202020204" pitchFamily="34" charset="0"/>
               </a:rPr>
               <a:t> tr</a:t>
             </a:r>
             <a:r>
-              <a:rPr lang="vi-VN" sz="1400" dirty="0">
+              <a:rPr lang="vi-VN" sz="1500" dirty="0">
                 <a:latin typeface="Arial" panose="020B0604020202020204" pitchFamily="34" charset="0"/>
                 <a:cs typeface="Arial" panose="020B0604020202020204" pitchFamily="34" charset="0"/>
               </a:rPr>
               <a:t>ư</a:t>
             </a:r>
             <a:r>
-              <a:rPr lang="en-US" sz="1400" dirty="0" err="1">
+              <a:rPr lang="en-US" sz="1500" dirty="0" err="1">
                 <a:latin typeface="Arial" panose="020B0604020202020204" pitchFamily="34" charset="0"/>
                 <a:cs typeface="Arial" panose="020B0604020202020204" pitchFamily="34" charset="0"/>
               </a:rPr>
               <a:t>ờng</a:t>
             </a:r>
             <a:r>
-              <a:rPr lang="en-US" sz="1400" dirty="0">
-                <a:latin typeface="Arial" panose="020B0604020202020204" pitchFamily="34" charset="0"/>
-                <a:cs typeface="Arial" panose="020B0604020202020204" pitchFamily="34" charset="0"/>
-              </a:rPr>
-              <a:t> </a:t>
-            </a:r>
-            <a:r>
-              <a:rPr lang="en-US" sz="1400" dirty="0" err="1">
+              <a:rPr lang="en-US" sz="1500" dirty="0">
+                <a:latin typeface="Arial" panose="020B0604020202020204" pitchFamily="34" charset="0"/>
+                <a:cs typeface="Arial" panose="020B0604020202020204" pitchFamily="34" charset="0"/>
+              </a:rPr>
+              <a:t> </a:t>
+            </a:r>
+            <a:r>
+              <a:rPr lang="en-US" sz="1500" dirty="0" err="1">
                 <a:latin typeface="Arial" panose="020B0604020202020204" pitchFamily="34" charset="0"/>
                 <a:cs typeface="Arial" panose="020B0604020202020204" pitchFamily="34" charset="0"/>
               </a:rPr>
               <a:t>hợp</a:t>
             </a:r>
             <a:r>
-              <a:rPr lang="en-US" sz="1400" dirty="0">
-                <a:latin typeface="Arial" panose="020B0604020202020204" pitchFamily="34" charset="0"/>
-                <a:cs typeface="Arial" panose="020B0604020202020204" pitchFamily="34" charset="0"/>
-              </a:rPr>
-              <a:t> </a:t>
-            </a:r>
-            <a:r>
-              <a:rPr lang="en-US" sz="1400" dirty="0" err="1">
+              <a:rPr lang="en-US" sz="1500" dirty="0">
+                <a:latin typeface="Arial" panose="020B0604020202020204" pitchFamily="34" charset="0"/>
+                <a:cs typeface="Arial" panose="020B0604020202020204" pitchFamily="34" charset="0"/>
+              </a:rPr>
+              <a:t> </a:t>
+            </a:r>
+            <a:r>
+              <a:rPr lang="en-US" sz="1500" dirty="0" err="1">
                 <a:latin typeface="Arial" panose="020B0604020202020204" pitchFamily="34" charset="0"/>
                 <a:cs typeface="Arial" panose="020B0604020202020204" pitchFamily="34" charset="0"/>
               </a:rPr>
               <a:t>không</a:t>
             </a:r>
             <a:r>
-              <a:rPr lang="en-US" sz="1400" dirty="0">
-                <a:latin typeface="Arial" panose="020B0604020202020204" pitchFamily="34" charset="0"/>
-                <a:cs typeface="Arial" panose="020B0604020202020204" pitchFamily="34" charset="0"/>
-              </a:rPr>
-              <a:t> </a:t>
-            </a:r>
-            <a:r>
-              <a:rPr lang="en-US" sz="1400" dirty="0" err="1">
+              <a:rPr lang="en-US" sz="1500" dirty="0">
+                <a:latin typeface="Arial" panose="020B0604020202020204" pitchFamily="34" charset="0"/>
+                <a:cs typeface="Arial" panose="020B0604020202020204" pitchFamily="34" charset="0"/>
+              </a:rPr>
+              <a:t> </a:t>
+            </a:r>
+            <a:r>
+              <a:rPr lang="en-US" sz="1500" dirty="0" err="1">
                 <a:latin typeface="Arial" panose="020B0604020202020204" pitchFamily="34" charset="0"/>
                 <a:cs typeface="Arial" panose="020B0604020202020204" pitchFamily="34" charset="0"/>
               </a:rPr>
               <a:t>có</a:t>
             </a:r>
             <a:r>
-              <a:rPr lang="en-US" sz="1400" dirty="0">
-                <a:latin typeface="Arial" panose="020B0604020202020204" pitchFamily="34" charset="0"/>
-                <a:cs typeface="Arial" panose="020B0604020202020204" pitchFamily="34" charset="0"/>
-              </a:rPr>
-              <a:t> </a:t>
-            </a:r>
-            <a:r>
-              <a:rPr lang="en-US" sz="1400" dirty="0" err="1">
+              <a:rPr lang="en-US" sz="1500" dirty="0">
+                <a:latin typeface="Arial" panose="020B0604020202020204" pitchFamily="34" charset="0"/>
+                <a:cs typeface="Arial" panose="020B0604020202020204" pitchFamily="34" charset="0"/>
+              </a:rPr>
+              <a:t> </a:t>
+            </a:r>
+            <a:r>
+              <a:rPr lang="en-US" sz="1500" dirty="0" err="1">
                 <a:latin typeface="Arial" panose="020B0604020202020204" pitchFamily="34" charset="0"/>
                 <a:cs typeface="Arial" panose="020B0604020202020204" pitchFamily="34" charset="0"/>
               </a:rPr>
               <a:t>dữ</a:t>
             </a:r>
             <a:r>
-              <a:rPr lang="en-US" sz="1400" dirty="0">
-                <a:latin typeface="Arial" panose="020B0604020202020204" pitchFamily="34" charset="0"/>
-                <a:cs typeface="Arial" panose="020B0604020202020204" pitchFamily="34" charset="0"/>
-              </a:rPr>
-              <a:t> </a:t>
-            </a:r>
-            <a:r>
-              <a:rPr lang="en-US" sz="1400" dirty="0" err="1">
+              <a:rPr lang="en-US" sz="1500" dirty="0">
+                <a:latin typeface="Arial" panose="020B0604020202020204" pitchFamily="34" charset="0"/>
+                <a:cs typeface="Arial" panose="020B0604020202020204" pitchFamily="34" charset="0"/>
+              </a:rPr>
+              <a:t> </a:t>
+            </a:r>
+            <a:r>
+              <a:rPr lang="en-US" sz="1500" dirty="0" err="1">
                 <a:latin typeface="Arial" panose="020B0604020202020204" pitchFamily="34" charset="0"/>
                 <a:cs typeface="Arial" panose="020B0604020202020204" pitchFamily="34" charset="0"/>
               </a:rPr>
               <a:t>liệu</a:t>
             </a:r>
             <a:r>
-              <a:rPr lang="en-US" sz="1400" dirty="0">
+              <a:rPr lang="en-US" sz="1500" dirty="0">
                 <a:latin typeface="Arial" panose="020B0604020202020204" pitchFamily="34" charset="0"/>
                 <a:cs typeface="Arial" panose="020B0604020202020204" pitchFamily="34" charset="0"/>
               </a:rPr>
@@ -15949,84 +17122,84 @@
               <a:buNone/>
             </a:pPr>
             <a:r>
-              <a:rPr lang="en-US" sz="1400" dirty="0" err="1">
+              <a:rPr lang="en-US" sz="1500" dirty="0" err="1">
                 <a:latin typeface="Arial" panose="020B0604020202020204" pitchFamily="34" charset="0"/>
                 <a:cs typeface="Arial" panose="020B0604020202020204" pitchFamily="34" charset="0"/>
               </a:rPr>
               <a:t>Có</a:t>
             </a:r>
             <a:r>
-              <a:rPr lang="en-US" sz="1400" dirty="0">
-                <a:latin typeface="Arial" panose="020B0604020202020204" pitchFamily="34" charset="0"/>
-                <a:cs typeface="Arial" panose="020B0604020202020204" pitchFamily="34" charset="0"/>
-              </a:rPr>
-              <a:t> </a:t>
-            </a:r>
-            <a:r>
-              <a:rPr lang="en-US" sz="1400" dirty="0" err="1">
+              <a:rPr lang="en-US" sz="1500" dirty="0">
+                <a:latin typeface="Arial" panose="020B0604020202020204" pitchFamily="34" charset="0"/>
+                <a:cs typeface="Arial" panose="020B0604020202020204" pitchFamily="34" charset="0"/>
+              </a:rPr>
+              <a:t> </a:t>
+            </a:r>
+            <a:r>
+              <a:rPr lang="en-US" sz="1500" dirty="0" err="1">
                 <a:latin typeface="Arial" panose="020B0604020202020204" pitchFamily="34" charset="0"/>
                 <a:cs typeface="Arial" panose="020B0604020202020204" pitchFamily="34" charset="0"/>
               </a:rPr>
               <a:t>những</a:t>
             </a:r>
             <a:r>
-              <a:rPr lang="en-US" sz="1400" dirty="0">
-                <a:latin typeface="Arial" panose="020B0604020202020204" pitchFamily="34" charset="0"/>
-                <a:cs typeface="Arial" panose="020B0604020202020204" pitchFamily="34" charset="0"/>
-              </a:rPr>
-              <a:t> </a:t>
-            </a:r>
-            <a:r>
-              <a:rPr lang="en-US" sz="1400" dirty="0" err="1">
+              <a:rPr lang="en-US" sz="1500" dirty="0">
+                <a:latin typeface="Arial" panose="020B0604020202020204" pitchFamily="34" charset="0"/>
+                <a:cs typeface="Arial" panose="020B0604020202020204" pitchFamily="34" charset="0"/>
+              </a:rPr>
+              <a:t> </a:t>
+            </a:r>
+            <a:r>
+              <a:rPr lang="en-US" sz="1500" dirty="0" err="1">
                 <a:latin typeface="Arial" panose="020B0604020202020204" pitchFamily="34" charset="0"/>
                 <a:cs typeface="Arial" panose="020B0604020202020204" pitchFamily="34" charset="0"/>
               </a:rPr>
               <a:t>dòng</a:t>
             </a:r>
             <a:r>
-              <a:rPr lang="en-US" sz="1400" dirty="0">
+              <a:rPr lang="en-US" sz="1500" dirty="0">
                 <a:latin typeface="Arial" panose="020B0604020202020204" pitchFamily="34" charset="0"/>
                 <a:cs typeface="Arial" panose="020B0604020202020204" pitchFamily="34" charset="0"/>
               </a:rPr>
               <a:t> record </a:t>
             </a:r>
             <a:r>
-              <a:rPr lang="en-US" sz="1400" dirty="0" err="1">
+              <a:rPr lang="en-US" sz="1500" dirty="0" err="1">
                 <a:latin typeface="Arial" panose="020B0604020202020204" pitchFamily="34" charset="0"/>
                 <a:cs typeface="Arial" panose="020B0604020202020204" pitchFamily="34" charset="0"/>
               </a:rPr>
               <a:t>bị</a:t>
             </a:r>
             <a:r>
-              <a:rPr lang="en-US" sz="1400" dirty="0">
-                <a:latin typeface="Arial" panose="020B0604020202020204" pitchFamily="34" charset="0"/>
-                <a:cs typeface="Arial" panose="020B0604020202020204" pitchFamily="34" charset="0"/>
-              </a:rPr>
-              <a:t> </a:t>
-            </a:r>
-            <a:r>
-              <a:rPr lang="en-US" sz="1400" dirty="0" err="1">
+              <a:rPr lang="en-US" sz="1500" dirty="0">
+                <a:latin typeface="Arial" panose="020B0604020202020204" pitchFamily="34" charset="0"/>
+                <a:cs typeface="Arial" panose="020B0604020202020204" pitchFamily="34" charset="0"/>
+              </a:rPr>
+              <a:t> </a:t>
+            </a:r>
+            <a:r>
+              <a:rPr lang="en-US" sz="1500" dirty="0" err="1">
                 <a:latin typeface="Arial" panose="020B0604020202020204" pitchFamily="34" charset="0"/>
                 <a:cs typeface="Arial" panose="020B0604020202020204" pitchFamily="34" charset="0"/>
               </a:rPr>
               <a:t>trùng</a:t>
             </a:r>
             <a:r>
-              <a:rPr lang="en-US" sz="1400" dirty="0">
-                <a:latin typeface="Arial" panose="020B0604020202020204" pitchFamily="34" charset="0"/>
-                <a:cs typeface="Arial" panose="020B0604020202020204" pitchFamily="34" charset="0"/>
-              </a:rPr>
-              <a:t> </a:t>
-            </a:r>
-            <a:r>
-              <a:rPr lang="en-US" sz="1400" dirty="0" err="1">
+              <a:rPr lang="en-US" sz="1500" dirty="0">
+                <a:latin typeface="Arial" panose="020B0604020202020204" pitchFamily="34" charset="0"/>
+                <a:cs typeface="Arial" panose="020B0604020202020204" pitchFamily="34" charset="0"/>
+              </a:rPr>
+              <a:t> </a:t>
+            </a:r>
+            <a:r>
+              <a:rPr lang="en-US" sz="1500" dirty="0" err="1">
                 <a:latin typeface="Arial" panose="020B0604020202020204" pitchFamily="34" charset="0"/>
                 <a:cs typeface="Arial" panose="020B0604020202020204" pitchFamily="34" charset="0"/>
               </a:rPr>
               <a:t>nhau</a:t>
             </a:r>
             <a:r>
-              <a:rPr lang="en-US" sz="1400" dirty="0">
+              <a:rPr lang="en-US" sz="1500" dirty="0">
                 <a:latin typeface="Arial" panose="020B0604020202020204" pitchFamily="34" charset="0"/>
                 <a:cs typeface="Arial" panose="020B0604020202020204" pitchFamily="34" charset="0"/>
               </a:rPr>
@@ -16040,7 +17213,7 @@
               </a:lnSpc>
               <a:buNone/>
             </a:pPr>
-            <a:endParaRPr lang="en-US" sz="1800" dirty="0">
+            <a:endParaRPr lang="en-US" sz="1500" dirty="0">
               <a:latin typeface="Arial" panose="020B0604020202020204" pitchFamily="34" charset="0"/>
               <a:cs typeface="Arial" panose="020B0604020202020204" pitchFamily="34" charset="0"/>
             </a:endParaRPr>
@@ -16404,7 +17577,7 @@
         </p:blipFill>
         <p:spPr>
           <a:xfrm>
-            <a:off x="4654296" y="4495470"/>
+            <a:off x="4654296" y="4358944"/>
             <a:ext cx="7501050" cy="852802"/>
           </a:xfrm>
           <a:prstGeom prst="rect">
@@ -16770,6 +17943,117 @@
           </a:p>
         </p:txBody>
       </p:sp>
+      <p:sp>
+        <p:nvSpPr>
+          <p:cNvPr id="5" name="Content Placeholder 9">
+            <a:extLst>
+              <a:ext uri="{FF2B5EF4-FFF2-40B4-BE49-F238E27FC236}">
+                <a16:creationId xmlns:a16="http://schemas.microsoft.com/office/drawing/2014/main" id="{A1D587CD-FFCB-4AB8-A366-84EBC245702D}"/>
+              </a:ext>
+            </a:extLst>
+          </p:cNvPr>
+          <p:cNvSpPr>
+            <a:spLocks noGrp="1"/>
+          </p:cNvSpPr>
+          <p:nvPr>
+            <p:ph idx="1"/>
+          </p:nvPr>
+        </p:nvSpPr>
+        <p:spPr>
+          <a:xfrm>
+            <a:off x="4762312" y="1"/>
+            <a:ext cx="7393033" cy="6858000"/>
+          </a:xfrm>
+        </p:spPr>
+        <p:txBody>
+          <a:bodyPr>
+            <a:noAutofit/>
+          </a:bodyPr>
+          <a:lstStyle/>
+          <a:p>
+            <a:pPr marL="0" indent="0">
+              <a:lnSpc>
+                <a:spcPct val="150000"/>
+              </a:lnSpc>
+              <a:buNone/>
+            </a:pPr>
+            <a:r>
+              <a:rPr lang="en-US" sz="1600" b="1" dirty="0">
+                <a:latin typeface="Arial" panose="020B0604020202020204" pitchFamily="34" charset="0"/>
+                <a:cs typeface="Arial" panose="020B0604020202020204" pitchFamily="34" charset="0"/>
+              </a:rPr>
+              <a:t>2) </a:t>
+            </a:r>
+            <a:r>
+              <a:rPr lang="en-US" sz="1600" b="1" dirty="0" err="1">
+                <a:latin typeface="Arial" panose="020B0604020202020204" pitchFamily="34" charset="0"/>
+                <a:cs typeface="Arial" panose="020B0604020202020204" pitchFamily="34" charset="0"/>
+              </a:rPr>
+              <a:t>Tiền</a:t>
+            </a:r>
+            <a:r>
+              <a:rPr lang="en-US" sz="1600" b="1" dirty="0">
+                <a:latin typeface="Arial" panose="020B0604020202020204" pitchFamily="34" charset="0"/>
+                <a:cs typeface="Arial" panose="020B0604020202020204" pitchFamily="34" charset="0"/>
+              </a:rPr>
+              <a:t> </a:t>
+            </a:r>
+            <a:r>
+              <a:rPr lang="en-US" sz="1600" b="1" dirty="0" err="1">
+                <a:latin typeface="Arial" panose="020B0604020202020204" pitchFamily="34" charset="0"/>
+                <a:cs typeface="Arial" panose="020B0604020202020204" pitchFamily="34" charset="0"/>
+              </a:rPr>
+              <a:t>xử</a:t>
+            </a:r>
+            <a:r>
+              <a:rPr lang="en-US" sz="1600" b="1" dirty="0">
+                <a:latin typeface="Arial" panose="020B0604020202020204" pitchFamily="34" charset="0"/>
+                <a:cs typeface="Arial" panose="020B0604020202020204" pitchFamily="34" charset="0"/>
+              </a:rPr>
+              <a:t> </a:t>
+            </a:r>
+            <a:r>
+              <a:rPr lang="en-US" sz="1600" b="1" dirty="0" err="1">
+                <a:latin typeface="Arial" panose="020B0604020202020204" pitchFamily="34" charset="0"/>
+                <a:cs typeface="Arial" panose="020B0604020202020204" pitchFamily="34" charset="0"/>
+              </a:rPr>
+              <a:t>lý</a:t>
+            </a:r>
+            <a:r>
+              <a:rPr lang="en-US" sz="1600" b="1" dirty="0">
+                <a:latin typeface="Arial" panose="020B0604020202020204" pitchFamily="34" charset="0"/>
+                <a:cs typeface="Arial" panose="020B0604020202020204" pitchFamily="34" charset="0"/>
+              </a:rPr>
+              <a:t> </a:t>
+            </a:r>
+            <a:r>
+              <a:rPr lang="en-US" sz="1600" b="1" dirty="0" err="1">
+                <a:latin typeface="Arial" panose="020B0604020202020204" pitchFamily="34" charset="0"/>
+                <a:cs typeface="Arial" panose="020B0604020202020204" pitchFamily="34" charset="0"/>
+              </a:rPr>
+              <a:t>dữ</a:t>
+            </a:r>
+            <a:r>
+              <a:rPr lang="en-US" sz="1600" b="1" dirty="0">
+                <a:latin typeface="Arial" panose="020B0604020202020204" pitchFamily="34" charset="0"/>
+                <a:cs typeface="Arial" panose="020B0604020202020204" pitchFamily="34" charset="0"/>
+              </a:rPr>
+              <a:t> </a:t>
+            </a:r>
+            <a:r>
+              <a:rPr lang="en-US" sz="1600" b="1" dirty="0" err="1">
+                <a:latin typeface="Arial" panose="020B0604020202020204" pitchFamily="34" charset="0"/>
+                <a:cs typeface="Arial" panose="020B0604020202020204" pitchFamily="34" charset="0"/>
+              </a:rPr>
+              <a:t>liệu</a:t>
+            </a:r>
+            <a:endParaRPr lang="en-US" sz="1500" dirty="0">
+              <a:latin typeface="Arial" panose="020B0604020202020204" pitchFamily="34" charset="0"/>
+              <a:cs typeface="Arial" panose="020B0604020202020204" pitchFamily="34" charset="0"/>
+            </a:endParaRPr>
+          </a:p>
+        </p:txBody>
+      </p:sp>
     </p:spTree>
     <p:extLst>
       <p:ext uri="{BB962C8B-B14F-4D97-AF65-F5344CB8AC3E}">
@@ -16902,7 +18186,7 @@
         </p:spPr>
         <p:txBody>
           <a:bodyPr wrap="square">
-            <a:normAutofit/>
+            <a:normAutofit fontScale="90000"/>
           </a:bodyPr>
           <a:lstStyle/>
           <a:p>
@@ -16915,8 +18199,85 @@
                 <a:latin typeface="Arial" panose="020B0604020202020204" pitchFamily="34" charset="0"/>
                 <a:cs typeface="Arial" panose="020B0604020202020204" pitchFamily="34" charset="0"/>
               </a:rPr>
-              <a:t>IV. Demo</a:t>
-            </a:r>
+              <a:t>III. </a:t>
+            </a:r>
+            <a:r>
+              <a:rPr lang="en-US" sz="4800" dirty="0" err="1">
+                <a:solidFill>
+                  <a:schemeClr val="bg1"/>
+                </a:solidFill>
+                <a:latin typeface="Arial" panose="020B0604020202020204" pitchFamily="34" charset="0"/>
+                <a:cs typeface="Arial" panose="020B0604020202020204" pitchFamily="34" charset="0"/>
+              </a:rPr>
+              <a:t>Mô</a:t>
+            </a:r>
+            <a:r>
+              <a:rPr lang="en-US" sz="4800" dirty="0">
+                <a:solidFill>
+                  <a:schemeClr val="bg1"/>
+                </a:solidFill>
+                <a:latin typeface="Arial" panose="020B0604020202020204" pitchFamily="34" charset="0"/>
+                <a:cs typeface="Arial" panose="020B0604020202020204" pitchFamily="34" charset="0"/>
+              </a:rPr>
+              <a:t> </a:t>
+            </a:r>
+            <a:r>
+              <a:rPr lang="en-US" sz="4800" dirty="0" err="1">
+                <a:solidFill>
+                  <a:schemeClr val="bg1"/>
+                </a:solidFill>
+                <a:latin typeface="Arial" panose="020B0604020202020204" pitchFamily="34" charset="0"/>
+                <a:cs typeface="Arial" panose="020B0604020202020204" pitchFamily="34" charset="0"/>
+              </a:rPr>
+              <a:t>tả</a:t>
+            </a:r>
+            <a:r>
+              <a:rPr lang="en-US" sz="4800" dirty="0">
+                <a:solidFill>
+                  <a:schemeClr val="bg1"/>
+                </a:solidFill>
+                <a:latin typeface="Arial" panose="020B0604020202020204" pitchFamily="34" charset="0"/>
+                <a:cs typeface="Arial" panose="020B0604020202020204" pitchFamily="34" charset="0"/>
+              </a:rPr>
+              <a:t> </a:t>
+            </a:r>
+            <a:r>
+              <a:rPr lang="en-US" sz="4800" dirty="0" err="1">
+                <a:solidFill>
+                  <a:schemeClr val="bg1"/>
+                </a:solidFill>
+                <a:latin typeface="Arial" panose="020B0604020202020204" pitchFamily="34" charset="0"/>
+                <a:cs typeface="Arial" panose="020B0604020202020204" pitchFamily="34" charset="0"/>
+              </a:rPr>
+              <a:t>dự</a:t>
+            </a:r>
+            <a:r>
+              <a:rPr lang="en-US" sz="4800" dirty="0">
+                <a:solidFill>
+                  <a:schemeClr val="bg1"/>
+                </a:solidFill>
+                <a:latin typeface="Arial" panose="020B0604020202020204" pitchFamily="34" charset="0"/>
+                <a:cs typeface="Arial" panose="020B0604020202020204" pitchFamily="34" charset="0"/>
+              </a:rPr>
+              <a:t> </a:t>
+            </a:r>
+            <a:r>
+              <a:rPr lang="en-US" sz="4800" dirty="0" err="1">
+                <a:solidFill>
+                  <a:schemeClr val="bg1"/>
+                </a:solidFill>
+                <a:latin typeface="Arial" panose="020B0604020202020204" pitchFamily="34" charset="0"/>
+                <a:cs typeface="Arial" panose="020B0604020202020204" pitchFamily="34" charset="0"/>
+              </a:rPr>
+              <a:t>án</a:t>
+            </a:r>
+            <a:endParaRPr lang="en-US" sz="4800" dirty="0">
+              <a:solidFill>
+                <a:schemeClr val="bg1"/>
+              </a:solidFill>
+              <a:latin typeface="Arial" panose="020B0604020202020204" pitchFamily="34" charset="0"/>
+              <a:cs typeface="Arial" panose="020B0604020202020204" pitchFamily="34" charset="0"/>
+            </a:endParaRPr>
           </a:p>
         </p:txBody>
       </p:sp>
@@ -16925,7 +18286,7 @@
           <p:cNvPr id="3" name="Slide Number Placeholder 2">
             <a:extLst>
               <a:ext uri="{FF2B5EF4-FFF2-40B4-BE49-F238E27FC236}">
-                <a16:creationId xmlns:a16="http://schemas.microsoft.com/office/drawing/2014/main" id="{2D880997-B0C4-4DB5-9275-AB00C89AABA6}"/>
+                <a16:creationId xmlns:a16="http://schemas.microsoft.com/office/drawing/2014/main" id="{DBBDF213-6816-4FB5-B1DD-C379810EA68E}"/>
               </a:ext>
             </a:extLst>
           </p:cNvPr>
@@ -16949,10 +18310,121 @@
           </a:p>
         </p:txBody>
       </p:sp>
+      <p:sp>
+        <p:nvSpPr>
+          <p:cNvPr id="5" name="Content Placeholder 9">
+            <a:extLst>
+              <a:ext uri="{FF2B5EF4-FFF2-40B4-BE49-F238E27FC236}">
+                <a16:creationId xmlns:a16="http://schemas.microsoft.com/office/drawing/2014/main" id="{A1D587CD-FFCB-4AB8-A366-84EBC245702D}"/>
+              </a:ext>
+            </a:extLst>
+          </p:cNvPr>
+          <p:cNvSpPr>
+            <a:spLocks noGrp="1"/>
+          </p:cNvSpPr>
+          <p:nvPr>
+            <p:ph idx="1"/>
+          </p:nvPr>
+        </p:nvSpPr>
+        <p:spPr>
+          <a:xfrm>
+            <a:off x="4762312" y="1"/>
+            <a:ext cx="7393033" cy="6858000"/>
+          </a:xfrm>
+        </p:spPr>
+        <p:txBody>
+          <a:bodyPr>
+            <a:noAutofit/>
+          </a:bodyPr>
+          <a:lstStyle/>
+          <a:p>
+            <a:pPr marL="0" indent="0">
+              <a:lnSpc>
+                <a:spcPct val="150000"/>
+              </a:lnSpc>
+              <a:buNone/>
+            </a:pPr>
+            <a:r>
+              <a:rPr lang="en-US" sz="1600" b="1" dirty="0">
+                <a:latin typeface="Arial" panose="020B0604020202020204" pitchFamily="34" charset="0"/>
+                <a:cs typeface="Arial" panose="020B0604020202020204" pitchFamily="34" charset="0"/>
+              </a:rPr>
+              <a:t>3) </a:t>
+            </a:r>
+            <a:r>
+              <a:rPr lang="en-US" sz="1600" b="1" dirty="0" err="1">
+                <a:latin typeface="Arial" panose="020B0604020202020204" pitchFamily="34" charset="0"/>
+                <a:cs typeface="Arial" panose="020B0604020202020204" pitchFamily="34" charset="0"/>
+              </a:rPr>
+              <a:t>Mô</a:t>
+            </a:r>
+            <a:r>
+              <a:rPr lang="en-US" sz="1600" b="1" dirty="0">
+                <a:latin typeface="Arial" panose="020B0604020202020204" pitchFamily="34" charset="0"/>
+                <a:cs typeface="Arial" panose="020B0604020202020204" pitchFamily="34" charset="0"/>
+              </a:rPr>
+              <a:t> </a:t>
+            </a:r>
+            <a:r>
+              <a:rPr lang="en-US" sz="1600" b="1" dirty="0" err="1">
+                <a:latin typeface="Arial" panose="020B0604020202020204" pitchFamily="34" charset="0"/>
+                <a:cs typeface="Arial" panose="020B0604020202020204" pitchFamily="34" charset="0"/>
+              </a:rPr>
+              <a:t>hình</a:t>
+            </a:r>
+            <a:r>
+              <a:rPr lang="en-US" sz="1600" b="1" dirty="0">
+                <a:latin typeface="Arial" panose="020B0604020202020204" pitchFamily="34" charset="0"/>
+                <a:cs typeface="Arial" panose="020B0604020202020204" pitchFamily="34" charset="0"/>
+              </a:rPr>
+              <a:t> </a:t>
+            </a:r>
+            <a:r>
+              <a:rPr lang="en-US" sz="1600" b="1" dirty="0" err="1">
+                <a:latin typeface="Arial" panose="020B0604020202020204" pitchFamily="34" charset="0"/>
+                <a:cs typeface="Arial" panose="020B0604020202020204" pitchFamily="34" charset="0"/>
+              </a:rPr>
+              <a:t>hóa</a:t>
+            </a:r>
+            <a:r>
+              <a:rPr lang="en-US" sz="1600" b="1" dirty="0">
+                <a:latin typeface="Arial" panose="020B0604020202020204" pitchFamily="34" charset="0"/>
+                <a:cs typeface="Arial" panose="020B0604020202020204" pitchFamily="34" charset="0"/>
+              </a:rPr>
+              <a:t> </a:t>
+            </a:r>
+            <a:r>
+              <a:rPr lang="en-US" sz="1600" b="1" dirty="0" err="1">
+                <a:latin typeface="Arial" panose="020B0604020202020204" pitchFamily="34" charset="0"/>
+                <a:cs typeface="Arial" panose="020B0604020202020204" pitchFamily="34" charset="0"/>
+              </a:rPr>
+              <a:t>dữ</a:t>
+            </a:r>
+            <a:r>
+              <a:rPr lang="en-US" sz="1600" b="1" dirty="0">
+                <a:latin typeface="Arial" panose="020B0604020202020204" pitchFamily="34" charset="0"/>
+                <a:cs typeface="Arial" panose="020B0604020202020204" pitchFamily="34" charset="0"/>
+              </a:rPr>
+              <a:t> </a:t>
+            </a:r>
+            <a:r>
+              <a:rPr lang="en-US" sz="1600" b="1" dirty="0" err="1">
+                <a:latin typeface="Arial" panose="020B0604020202020204" pitchFamily="34" charset="0"/>
+                <a:cs typeface="Arial" panose="020B0604020202020204" pitchFamily="34" charset="0"/>
+              </a:rPr>
+              <a:t>liệu</a:t>
+            </a:r>
+            <a:endParaRPr lang="en-US" sz="1500" dirty="0">
+              <a:latin typeface="Arial" panose="020B0604020202020204" pitchFamily="34" charset="0"/>
+              <a:cs typeface="Arial" panose="020B0604020202020204" pitchFamily="34" charset="0"/>
+            </a:endParaRPr>
+          </a:p>
+        </p:txBody>
+      </p:sp>
     </p:spTree>
     <p:extLst>
       <p:ext uri="{BB962C8B-B14F-4D97-AF65-F5344CB8AC3E}">
-        <p14:creationId xmlns:p14="http://schemas.microsoft.com/office/powerpoint/2010/main" val="662106276"/>
+        <p14:creationId xmlns:p14="http://schemas.microsoft.com/office/powerpoint/2010/main" val="721069645"/>
       </p:ext>
     </p:extLst>
   </p:cSld>
@@ -17046,37 +18518,8 @@
           <a:bodyPr rtlCol="0" anchor="ctr"/>
           <a:lstStyle/>
           <a:p>
-            <a:pPr marL="0" marR="0" lvl="0" indent="0" algn="ctr" defTabSz="914400" rtl="0" eaLnBrk="1" fontAlgn="auto" latinLnBrk="0" hangingPunct="1">
-              <a:lnSpc>
-                <a:spcPct val="100000"/>
-              </a:lnSpc>
-              <a:spcBef>
-                <a:spcPts val="0"/>
-              </a:spcBef>
-              <a:spcAft>
-                <a:spcPts val="0"/>
-              </a:spcAft>
-              <a:buClrTx/>
-              <a:buSzTx/>
-              <a:buFontTx/>
-              <a:buNone/>
-              <a:tabLst/>
-              <a:defRPr/>
-            </a:pPr>
-            <a:endParaRPr kumimoji="0" lang="en-US" sz="1800" b="0" i="0" u="none" strike="noStrike" kern="1200" cap="none" spc="0" normalizeH="0" baseline="0" noProof="0">
-              <a:ln>
-                <a:noFill/>
-              </a:ln>
-              <a:solidFill>
-                <a:prstClr val="white"/>
-              </a:solidFill>
-              <a:effectLst/>
-              <a:uLnTx/>
-              <a:uFillTx/>
-              <a:latin typeface="Calibri" panose="020F0502020204030204"/>
-              <a:ea typeface="+mn-ea"/>
-              <a:cs typeface="+mn-cs"/>
-            </a:endParaRPr>
+            <a:pPr algn="ctr"/>
+            <a:endParaRPr lang="en-US"/>
           </a:p>
         </p:txBody>
       </p:sp>
@@ -17099,7 +18542,7 @@
         <p:spPr>
           <a:xfrm>
             <a:off x="480764" y="615022"/>
-            <a:ext cx="3689381" cy="1392702"/>
+            <a:ext cx="3989636" cy="1392702"/>
           </a:xfrm>
           <a:noFill/>
           <a:ln w="19050">
@@ -17110,7 +18553,7 @@
         </p:spPr>
         <p:txBody>
           <a:bodyPr wrap="square">
-            <a:normAutofit fontScale="90000"/>
+            <a:normAutofit/>
           </a:bodyPr>
           <a:lstStyle/>
           <a:p>
@@ -17133,7 +18576,7 @@
                 <a:latin typeface="Arial" panose="020B0604020202020204" pitchFamily="34" charset="0"/>
                 <a:cs typeface="Arial" panose="020B0604020202020204" pitchFamily="34" charset="0"/>
               </a:rPr>
-              <a:t>Tài</a:t>
+              <a:t>Tổng</a:t>
             </a:r>
             <a:r>
               <a:rPr lang="en-US" sz="4800" dirty="0">
@@ -17153,47 +18596,7 @@
                 <a:latin typeface="Arial" panose="020B0604020202020204" pitchFamily="34" charset="0"/>
                 <a:cs typeface="Arial" panose="020B0604020202020204" pitchFamily="34" charset="0"/>
               </a:rPr>
-              <a:t>liệu</a:t>
-            </a:r>
-            <a:r>
-              <a:rPr lang="en-US" sz="4800" dirty="0">
-                <a:solidFill>
-                  <a:schemeClr val="bg1"/>
-                </a:solidFill>
-                <a:latin typeface="Arial" panose="020B0604020202020204" pitchFamily="34" charset="0"/>
-                <a:cs typeface="Arial" panose="020B0604020202020204" pitchFamily="34" charset="0"/>
-              </a:rPr>
-              <a:t> </a:t>
-            </a:r>
-            <a:r>
-              <a:rPr lang="en-US" sz="4800" dirty="0" err="1">
-                <a:solidFill>
-                  <a:schemeClr val="bg1"/>
-                </a:solidFill>
-                <a:latin typeface="Arial" panose="020B0604020202020204" pitchFamily="34" charset="0"/>
-                <a:cs typeface="Arial" panose="020B0604020202020204" pitchFamily="34" charset="0"/>
-              </a:rPr>
-              <a:t>tham</a:t>
-            </a:r>
-            <a:r>
-              <a:rPr lang="en-US" sz="4800" dirty="0">
-                <a:solidFill>
-                  <a:schemeClr val="bg1"/>
-                </a:solidFill>
-                <a:latin typeface="Arial" panose="020B0604020202020204" pitchFamily="34" charset="0"/>
-                <a:cs typeface="Arial" panose="020B0604020202020204" pitchFamily="34" charset="0"/>
-              </a:rPr>
-              <a:t> </a:t>
-            </a:r>
-            <a:r>
-              <a:rPr lang="en-US" sz="4800" dirty="0" err="1">
-                <a:solidFill>
-                  <a:schemeClr val="bg1"/>
-                </a:solidFill>
-                <a:latin typeface="Arial" panose="020B0604020202020204" pitchFamily="34" charset="0"/>
-                <a:cs typeface="Arial" panose="020B0604020202020204" pitchFamily="34" charset="0"/>
-              </a:rPr>
-              <a:t>khảo</a:t>
+              <a:t>kết</a:t>
             </a:r>
             <a:endParaRPr lang="en-US" sz="4800" dirty="0">
               <a:solidFill>
@@ -17207,246 +18610,10 @@
       </p:sp>
       <p:sp>
         <p:nvSpPr>
-          <p:cNvPr id="4" name="TextBox 3">
-            <a:extLst>
-              <a:ext uri="{FF2B5EF4-FFF2-40B4-BE49-F238E27FC236}">
-                <a16:creationId xmlns:a16="http://schemas.microsoft.com/office/drawing/2014/main" id="{9D9E5C33-06AB-4216-A128-B3AF74A6A328}"/>
-              </a:ext>
-            </a:extLst>
-          </p:cNvPr>
-          <p:cNvSpPr txBox="1"/>
-          <p:nvPr/>
-        </p:nvSpPr>
-        <p:spPr>
-          <a:xfrm>
-            <a:off x="5242560" y="1137920"/>
-            <a:ext cx="6468676" cy="4204356"/>
-          </a:xfrm>
-          <a:prstGeom prst="rect">
-            <a:avLst/>
-          </a:prstGeom>
-          <a:noFill/>
-        </p:spPr>
-        <p:txBody>
-          <a:bodyPr wrap="square" rtlCol="0">
-            <a:spAutoFit/>
-          </a:bodyPr>
-          <a:lstStyle/>
-          <a:p>
-            <a:pPr>
-              <a:lnSpc>
-                <a:spcPct val="150000"/>
-              </a:lnSpc>
-            </a:pPr>
-            <a:r>
-              <a:rPr lang="en-US" dirty="0">
-                <a:latin typeface="Calibri" panose="020F0502020204030204" pitchFamily="34" charset="0"/>
-              </a:rPr>
-              <a:t>[1]</a:t>
-            </a:r>
-            <a:r>
-              <a:rPr lang="en-US" dirty="0">
-                <a:solidFill>
-                  <a:srgbClr val="0563C1"/>
-                </a:solidFill>
-                <a:latin typeface="Calibri" panose="020F0502020204030204" pitchFamily="34" charset="0"/>
-              </a:rPr>
-              <a:t> </a:t>
-            </a:r>
-            <a:r>
-              <a:rPr lang="en-US" u="sng" dirty="0">
-                <a:solidFill>
-                  <a:srgbClr val="0563C1"/>
-                </a:solidFill>
-                <a:latin typeface="Calibri" panose="020F0502020204030204" pitchFamily="34" charset="0"/>
-              </a:rPr>
-              <a:t>https://data-flair.training/blogs/hive-data-model/</a:t>
-            </a:r>
-          </a:p>
-          <a:p>
-            <a:pPr>
-              <a:lnSpc>
-                <a:spcPct val="150000"/>
-              </a:lnSpc>
-            </a:pPr>
-            <a:r>
-              <a:rPr lang="en-US" dirty="0">
-                <a:latin typeface="Calibri" panose="020F0502020204030204" pitchFamily="34" charset="0"/>
-              </a:rPr>
-              <a:t>[2]</a:t>
-            </a:r>
-            <a:r>
-              <a:rPr lang="en-US" u="sng" dirty="0">
-                <a:solidFill>
-                  <a:srgbClr val="0563C1"/>
-                </a:solidFill>
-                <a:latin typeface="Calibri" panose="020F0502020204030204" pitchFamily="34" charset="0"/>
-              </a:rPr>
-              <a:t> https://viblo.asia/p/gioi-thieu-ve-hive-4P856kvaKY3/</a:t>
-            </a:r>
-          </a:p>
-          <a:p>
-            <a:pPr>
-              <a:lnSpc>
-                <a:spcPct val="150000"/>
-              </a:lnSpc>
-            </a:pPr>
-            <a:r>
-              <a:rPr lang="en-US" dirty="0">
-                <a:latin typeface="Calibri" panose="020F0502020204030204" pitchFamily="34" charset="0"/>
-              </a:rPr>
-              <a:t>[3] </a:t>
-            </a:r>
-            <a:r>
-              <a:rPr lang="en-US" u="sng" dirty="0">
-                <a:solidFill>
-                  <a:srgbClr val="0563C1"/>
-                </a:solidFill>
-                <a:latin typeface="Calibri" panose="020F0502020204030204" pitchFamily="34" charset="0"/>
-              </a:rPr>
-              <a:t>https://bigsonata.wordpress.com/2014/08/01/504/</a:t>
-            </a:r>
-          </a:p>
-          <a:p>
-            <a:pPr>
-              <a:lnSpc>
-                <a:spcPct val="150000"/>
-              </a:lnSpc>
-            </a:pPr>
-            <a:r>
-              <a:rPr lang="en-US" dirty="0">
-                <a:latin typeface="Calibri" panose="020F0502020204030204" pitchFamily="34" charset="0"/>
-              </a:rPr>
-              <a:t>[4] </a:t>
-            </a:r>
-            <a:r>
-              <a:rPr lang="en-US" u="sng" dirty="0">
-                <a:solidFill>
-                  <a:srgbClr val="0563C1"/>
-                </a:solidFill>
-                <a:latin typeface="Calibri" panose="020F0502020204030204" pitchFamily="34" charset="0"/>
-              </a:rPr>
-              <a:t>https://www.qubole.com/blog/5-tips-for-efficient-hive-queries/</a:t>
-            </a:r>
-          </a:p>
-          <a:p>
-            <a:pPr>
-              <a:lnSpc>
-                <a:spcPct val="150000"/>
-              </a:lnSpc>
-            </a:pPr>
-            <a:r>
-              <a:rPr lang="en-US" dirty="0">
-                <a:latin typeface="Calibri" panose="020F0502020204030204" pitchFamily="34" charset="0"/>
-              </a:rPr>
-              <a:t>[5] </a:t>
-            </a:r>
-            <a:r>
-              <a:rPr lang="en-US" u="sng" dirty="0">
-                <a:solidFill>
-                  <a:srgbClr val="0563C1"/>
-                </a:solidFill>
-                <a:latin typeface="Calibri" panose="020F0502020204030204" pitchFamily="34" charset="0"/>
-              </a:rPr>
-              <a:t>https://www.geeksforgeeks.org/difference-between-rdbms-and-hive/</a:t>
-            </a:r>
-          </a:p>
-          <a:p>
-            <a:pPr>
-              <a:lnSpc>
-                <a:spcPct val="150000"/>
-              </a:lnSpc>
-            </a:pPr>
-            <a:r>
-              <a:rPr lang="en-US" dirty="0">
-                <a:latin typeface="Calibri" panose="020F0502020204030204" pitchFamily="34" charset="0"/>
-              </a:rPr>
-              <a:t>[6] </a:t>
-            </a:r>
-            <a:r>
-              <a:rPr lang="en-US" u="sng" dirty="0">
-                <a:solidFill>
-                  <a:srgbClr val="0563C1"/>
-                </a:solidFill>
-                <a:latin typeface="Calibri" panose="020F0502020204030204" pitchFamily="34" charset="0"/>
-              </a:rPr>
-              <a:t>https://data-flair.training/blogs/hive-optimization-techniques/</a:t>
-            </a:r>
-          </a:p>
-          <a:p>
-            <a:pPr>
-              <a:lnSpc>
-                <a:spcPct val="150000"/>
-              </a:lnSpc>
-            </a:pPr>
-            <a:r>
-              <a:rPr lang="en-US" dirty="0">
-                <a:latin typeface="Calibri" panose="020F0502020204030204" pitchFamily="34" charset="0"/>
-              </a:rPr>
-              <a:t>[7] </a:t>
-            </a:r>
-            <a:r>
-              <a:rPr lang="en-US" u="sng" dirty="0">
-                <a:solidFill>
-                  <a:srgbClr val="0563C1"/>
-                </a:solidFill>
-                <a:latin typeface="Calibri" panose="020F0502020204030204" pitchFamily="34" charset="0"/>
-              </a:rPr>
-              <a:t>https://www.tutorialspoint.com/hive/</a:t>
-            </a:r>
-          </a:p>
-          <a:p>
-            <a:pPr>
-              <a:lnSpc>
-                <a:spcPct val="150000"/>
-              </a:lnSpc>
-            </a:pPr>
-            <a:r>
-              <a:rPr lang="en-US" dirty="0">
-                <a:latin typeface="Calibri" panose="020F0502020204030204" pitchFamily="34" charset="0"/>
-              </a:rPr>
-              <a:t>[8] </a:t>
-            </a:r>
-            <a:r>
-              <a:rPr lang="en-US" u="sng" dirty="0">
-                <a:solidFill>
-                  <a:srgbClr val="0563C1"/>
-                </a:solidFill>
-                <a:latin typeface="Calibri" panose="020F0502020204030204" pitchFamily="34" charset="0"/>
-              </a:rPr>
-              <a:t>https://www.edupristine.com/blog/introduction-to-hive</a:t>
-            </a:r>
-          </a:p>
-          <a:p>
-            <a:pPr>
-              <a:lnSpc>
-                <a:spcPct val="150000"/>
-              </a:lnSpc>
-            </a:pPr>
-            <a:r>
-              <a:rPr lang="en-US" dirty="0">
-                <a:latin typeface="Calibri" panose="020F0502020204030204" pitchFamily="34" charset="0"/>
-              </a:rPr>
-              <a:t>[9] </a:t>
-            </a:r>
-            <a:r>
-              <a:rPr lang="en-US" u="sng" dirty="0">
-                <a:solidFill>
-                  <a:srgbClr val="0563C1"/>
-                </a:solidFill>
-                <a:latin typeface="Calibri" panose="020F0502020204030204" pitchFamily="34" charset="0"/>
-              </a:rPr>
-              <a:t>https://data-flair.training/blogs/hive-features-and-limitations/</a:t>
-            </a:r>
-          </a:p>
-        </p:txBody>
-      </p:sp>
-      <p:sp>
-        <p:nvSpPr>
           <p:cNvPr id="3" name="Slide Number Placeholder 2">
             <a:extLst>
               <a:ext uri="{FF2B5EF4-FFF2-40B4-BE49-F238E27FC236}">
-                <a16:creationId xmlns:a16="http://schemas.microsoft.com/office/drawing/2014/main" id="{68EA66D6-D635-4E00-B77B-D182EE9AF4F0}"/>
+                <a16:creationId xmlns:a16="http://schemas.microsoft.com/office/drawing/2014/main" id="{2D880997-B0C4-4DB5-9275-AB00C89AABA6}"/>
               </a:ext>
             </a:extLst>
           </p:cNvPr>
@@ -17470,10 +18637,1644 @@
           </a:p>
         </p:txBody>
       </p:sp>
+      <p:sp>
+        <p:nvSpPr>
+          <p:cNvPr id="6" name="Content Placeholder 9">
+            <a:extLst>
+              <a:ext uri="{FF2B5EF4-FFF2-40B4-BE49-F238E27FC236}">
+                <a16:creationId xmlns:a16="http://schemas.microsoft.com/office/drawing/2014/main" id="{972C0225-1471-4447-A0D0-63102E2B9347}"/>
+              </a:ext>
+            </a:extLst>
+          </p:cNvPr>
+          <p:cNvSpPr>
+            <a:spLocks noGrp="1"/>
+          </p:cNvSpPr>
+          <p:nvPr>
+            <p:ph idx="1"/>
+          </p:nvPr>
+        </p:nvSpPr>
+        <p:spPr>
+          <a:xfrm>
+            <a:off x="5156703" y="635518"/>
+            <a:ext cx="6741255" cy="5883616"/>
+          </a:xfrm>
+        </p:spPr>
+        <p:txBody>
+          <a:bodyPr>
+            <a:noAutofit/>
+          </a:bodyPr>
+          <a:lstStyle/>
+          <a:p>
+            <a:pPr marL="342900" indent="-342900">
+              <a:lnSpc>
+                <a:spcPct val="150000"/>
+              </a:lnSpc>
+              <a:buAutoNum type="arabicParenR"/>
+            </a:pPr>
+            <a:r>
+              <a:rPr lang="en-US" sz="1800" b="1" dirty="0" err="1">
+                <a:latin typeface="Arial" panose="020B0604020202020204" pitchFamily="34" charset="0"/>
+                <a:cs typeface="Arial" panose="020B0604020202020204" pitchFamily="34" charset="0"/>
+              </a:rPr>
+              <a:t>Việc</a:t>
+            </a:r>
+            <a:r>
+              <a:rPr lang="en-US" sz="1800" b="1" dirty="0">
+                <a:latin typeface="Arial" panose="020B0604020202020204" pitchFamily="34" charset="0"/>
+                <a:cs typeface="Arial" panose="020B0604020202020204" pitchFamily="34" charset="0"/>
+              </a:rPr>
+              <a:t> </a:t>
+            </a:r>
+            <a:r>
+              <a:rPr lang="en-US" sz="1800" b="1" dirty="0" err="1">
+                <a:latin typeface="Arial" panose="020B0604020202020204" pitchFamily="34" charset="0"/>
+                <a:cs typeface="Arial" panose="020B0604020202020204" pitchFamily="34" charset="0"/>
+              </a:rPr>
+              <a:t>đã</a:t>
+            </a:r>
+            <a:r>
+              <a:rPr lang="en-US" sz="1800" b="1" dirty="0">
+                <a:latin typeface="Arial" panose="020B0604020202020204" pitchFamily="34" charset="0"/>
+                <a:cs typeface="Arial" panose="020B0604020202020204" pitchFamily="34" charset="0"/>
+              </a:rPr>
+              <a:t> </a:t>
+            </a:r>
+            <a:r>
+              <a:rPr lang="en-US" sz="1800" b="1" dirty="0" err="1">
+                <a:latin typeface="Arial" panose="020B0604020202020204" pitchFamily="34" charset="0"/>
+                <a:cs typeface="Arial" panose="020B0604020202020204" pitchFamily="34" charset="0"/>
+              </a:rPr>
+              <a:t>làm</a:t>
+            </a:r>
+            <a:r>
+              <a:rPr lang="en-US" sz="1800" b="1" dirty="0">
+                <a:latin typeface="Arial" panose="020B0604020202020204" pitchFamily="34" charset="0"/>
+                <a:cs typeface="Arial" panose="020B0604020202020204" pitchFamily="34" charset="0"/>
+              </a:rPr>
+              <a:t> đ</a:t>
+            </a:r>
+            <a:r>
+              <a:rPr lang="vi-VN" sz="1800" b="1" dirty="0">
+                <a:latin typeface="Arial" panose="020B0604020202020204" pitchFamily="34" charset="0"/>
+                <a:cs typeface="Arial" panose="020B0604020202020204" pitchFamily="34" charset="0"/>
+              </a:rPr>
+              <a:t>ư</a:t>
+            </a:r>
+            <a:r>
+              <a:rPr lang="en-US" sz="1800" b="1" dirty="0" err="1">
+                <a:latin typeface="Arial" panose="020B0604020202020204" pitchFamily="34" charset="0"/>
+                <a:cs typeface="Arial" panose="020B0604020202020204" pitchFamily="34" charset="0"/>
+              </a:rPr>
+              <a:t>ợc</a:t>
+            </a:r>
+            <a:r>
+              <a:rPr lang="en-US" sz="1800" b="1" dirty="0">
+                <a:latin typeface="Arial" panose="020B0604020202020204" pitchFamily="34" charset="0"/>
+                <a:cs typeface="Arial" panose="020B0604020202020204" pitchFamily="34" charset="0"/>
+              </a:rPr>
+              <a:t>:</a:t>
+            </a:r>
+          </a:p>
+          <a:p>
+            <a:pPr marL="342900" indent="-342900">
+              <a:lnSpc>
+                <a:spcPct val="150000"/>
+              </a:lnSpc>
+              <a:buAutoNum type="arabicParenR"/>
+            </a:pPr>
+            <a:r>
+              <a:rPr lang="en-US" sz="1800" b="1" dirty="0" err="1">
+                <a:latin typeface="Arial" panose="020B0604020202020204" pitchFamily="34" charset="0"/>
+                <a:cs typeface="Arial" panose="020B0604020202020204" pitchFamily="34" charset="0"/>
+              </a:rPr>
+              <a:t>Kinh</a:t>
+            </a:r>
+            <a:r>
+              <a:rPr lang="en-US" sz="1800" b="1" dirty="0">
+                <a:latin typeface="Arial" panose="020B0604020202020204" pitchFamily="34" charset="0"/>
+                <a:cs typeface="Arial" panose="020B0604020202020204" pitchFamily="34" charset="0"/>
+              </a:rPr>
+              <a:t> </a:t>
+            </a:r>
+            <a:r>
+              <a:rPr lang="en-US" sz="1800" b="1" dirty="0" err="1">
+                <a:latin typeface="Arial" panose="020B0604020202020204" pitchFamily="34" charset="0"/>
+                <a:cs typeface="Arial" panose="020B0604020202020204" pitchFamily="34" charset="0"/>
+              </a:rPr>
+              <a:t>nghiệm</a:t>
+            </a:r>
+            <a:r>
+              <a:rPr lang="en-US" sz="1800" b="1" dirty="0">
+                <a:latin typeface="Arial" panose="020B0604020202020204" pitchFamily="34" charset="0"/>
+                <a:cs typeface="Arial" panose="020B0604020202020204" pitchFamily="34" charset="0"/>
+              </a:rPr>
+              <a:t> </a:t>
+            </a:r>
+            <a:r>
+              <a:rPr lang="en-US" sz="1800" b="1" dirty="0" err="1">
+                <a:latin typeface="Arial" panose="020B0604020202020204" pitchFamily="34" charset="0"/>
+                <a:cs typeface="Arial" panose="020B0604020202020204" pitchFamily="34" charset="0"/>
+              </a:rPr>
+              <a:t>thu</a:t>
+            </a:r>
+            <a:r>
+              <a:rPr lang="en-US" sz="1800" b="1" dirty="0">
+                <a:latin typeface="Arial" panose="020B0604020202020204" pitchFamily="34" charset="0"/>
+                <a:cs typeface="Arial" panose="020B0604020202020204" pitchFamily="34" charset="0"/>
+              </a:rPr>
+              <a:t> đ</a:t>
+            </a:r>
+            <a:r>
+              <a:rPr lang="vi-VN" sz="1800" b="1" dirty="0">
+                <a:latin typeface="Arial" panose="020B0604020202020204" pitchFamily="34" charset="0"/>
+                <a:cs typeface="Arial" panose="020B0604020202020204" pitchFamily="34" charset="0"/>
+              </a:rPr>
+              <a:t>ư</a:t>
+            </a:r>
+            <a:r>
+              <a:rPr lang="en-US" sz="1800" b="1" dirty="0" err="1">
+                <a:latin typeface="Arial" panose="020B0604020202020204" pitchFamily="34" charset="0"/>
+                <a:cs typeface="Arial" panose="020B0604020202020204" pitchFamily="34" charset="0"/>
+              </a:rPr>
+              <a:t>ợc</a:t>
+            </a:r>
+            <a:r>
+              <a:rPr lang="en-US" sz="1800" b="1" dirty="0">
+                <a:latin typeface="Arial" panose="020B0604020202020204" pitchFamily="34" charset="0"/>
+                <a:cs typeface="Arial" panose="020B0604020202020204" pitchFamily="34" charset="0"/>
+              </a:rPr>
+              <a:t>:</a:t>
+            </a:r>
+          </a:p>
+          <a:p>
+            <a:pPr marL="457200" lvl="1" indent="0">
+              <a:lnSpc>
+                <a:spcPct val="150000"/>
+              </a:lnSpc>
+              <a:buNone/>
+            </a:pPr>
+            <a:r>
+              <a:rPr lang="en-US" sz="1400" dirty="0" err="1">
+                <a:latin typeface="Arial" panose="020B0604020202020204" pitchFamily="34" charset="0"/>
+                <a:cs typeface="Arial" panose="020B0604020202020204" pitchFamily="34" charset="0"/>
+              </a:rPr>
+              <a:t>Biết</a:t>
+            </a:r>
+            <a:r>
+              <a:rPr lang="en-US" sz="1400" dirty="0">
+                <a:latin typeface="Arial" panose="020B0604020202020204" pitchFamily="34" charset="0"/>
+                <a:cs typeface="Arial" panose="020B0604020202020204" pitchFamily="34" charset="0"/>
+              </a:rPr>
+              <a:t> </a:t>
+            </a:r>
+            <a:r>
+              <a:rPr lang="en-US" sz="1400" dirty="0" err="1">
+                <a:latin typeface="Arial" panose="020B0604020202020204" pitchFamily="34" charset="0"/>
+                <a:cs typeface="Arial" panose="020B0604020202020204" pitchFamily="34" charset="0"/>
+              </a:rPr>
+              <a:t>sử</a:t>
+            </a:r>
+            <a:r>
+              <a:rPr lang="en-US" sz="1400" dirty="0">
+                <a:latin typeface="Arial" panose="020B0604020202020204" pitchFamily="34" charset="0"/>
+                <a:cs typeface="Arial" panose="020B0604020202020204" pitchFamily="34" charset="0"/>
+              </a:rPr>
+              <a:t> </a:t>
+            </a:r>
+            <a:r>
+              <a:rPr lang="en-US" sz="1400" dirty="0" err="1">
+                <a:latin typeface="Arial" panose="020B0604020202020204" pitchFamily="34" charset="0"/>
+                <a:cs typeface="Arial" panose="020B0604020202020204" pitchFamily="34" charset="0"/>
+              </a:rPr>
+              <a:t>dụng</a:t>
+            </a:r>
+            <a:r>
+              <a:rPr lang="en-US" sz="1400" dirty="0">
+                <a:latin typeface="Arial" panose="020B0604020202020204" pitchFamily="34" charset="0"/>
+                <a:cs typeface="Arial" panose="020B0604020202020204" pitchFamily="34" charset="0"/>
+              </a:rPr>
+              <a:t> </a:t>
+            </a:r>
+            <a:r>
+              <a:rPr lang="en-US" sz="1400" dirty="0" err="1">
+                <a:latin typeface="Arial" panose="020B0604020202020204" pitchFamily="34" charset="0"/>
+                <a:cs typeface="Arial" panose="020B0604020202020204" pitchFamily="34" charset="0"/>
+              </a:rPr>
+              <a:t>kỹ</a:t>
+            </a:r>
+            <a:r>
+              <a:rPr lang="en-US" sz="1400" dirty="0">
+                <a:latin typeface="Arial" panose="020B0604020202020204" pitchFamily="34" charset="0"/>
+                <a:cs typeface="Arial" panose="020B0604020202020204" pitchFamily="34" charset="0"/>
+              </a:rPr>
+              <a:t> </a:t>
+            </a:r>
+            <a:r>
+              <a:rPr lang="en-US" sz="1400" dirty="0" err="1">
+                <a:latin typeface="Arial" panose="020B0604020202020204" pitchFamily="34" charset="0"/>
+                <a:cs typeface="Arial" panose="020B0604020202020204" pitchFamily="34" charset="0"/>
+              </a:rPr>
+              <a:t>thuật</a:t>
+            </a:r>
+            <a:r>
+              <a:rPr lang="en-US" sz="1400" dirty="0">
+                <a:latin typeface="Arial" panose="020B0604020202020204" pitchFamily="34" charset="0"/>
+                <a:cs typeface="Arial" panose="020B0604020202020204" pitchFamily="34" charset="0"/>
+              </a:rPr>
+              <a:t> TF-IDF </a:t>
+            </a:r>
+            <a:r>
+              <a:rPr lang="en-US" sz="1400" dirty="0" err="1">
+                <a:latin typeface="Arial" panose="020B0604020202020204" pitchFamily="34" charset="0"/>
+                <a:cs typeface="Arial" panose="020B0604020202020204" pitchFamily="34" charset="0"/>
+              </a:rPr>
+              <a:t>để</a:t>
+            </a:r>
+            <a:r>
+              <a:rPr lang="en-US" sz="1400" dirty="0">
+                <a:latin typeface="Arial" panose="020B0604020202020204" pitchFamily="34" charset="0"/>
+                <a:cs typeface="Arial" panose="020B0604020202020204" pitchFamily="34" charset="0"/>
+              </a:rPr>
+              <a:t> </a:t>
+            </a:r>
+            <a:r>
+              <a:rPr lang="en-US" sz="1400" dirty="0" err="1">
+                <a:latin typeface="Arial" panose="020B0604020202020204" pitchFamily="34" charset="0"/>
+                <a:cs typeface="Arial" panose="020B0604020202020204" pitchFamily="34" charset="0"/>
+              </a:rPr>
+              <a:t>đánh</a:t>
+            </a:r>
+            <a:r>
+              <a:rPr lang="en-US" sz="1400" dirty="0">
+                <a:latin typeface="Arial" panose="020B0604020202020204" pitchFamily="34" charset="0"/>
+                <a:cs typeface="Arial" panose="020B0604020202020204" pitchFamily="34" charset="0"/>
+              </a:rPr>
+              <a:t> </a:t>
+            </a:r>
+            <a:r>
+              <a:rPr lang="en-US" sz="1400" dirty="0" err="1">
+                <a:latin typeface="Arial" panose="020B0604020202020204" pitchFamily="34" charset="0"/>
+                <a:cs typeface="Arial" panose="020B0604020202020204" pitchFamily="34" charset="0"/>
+              </a:rPr>
+              <a:t>giá</a:t>
+            </a:r>
+            <a:r>
+              <a:rPr lang="en-US" sz="1400" dirty="0">
+                <a:latin typeface="Arial" panose="020B0604020202020204" pitchFamily="34" charset="0"/>
+                <a:cs typeface="Arial" panose="020B0604020202020204" pitchFamily="34" charset="0"/>
+              </a:rPr>
+              <a:t> </a:t>
+            </a:r>
+            <a:r>
+              <a:rPr lang="en-US" sz="1400" dirty="0" err="1">
+                <a:latin typeface="Arial" panose="020B0604020202020204" pitchFamily="34" charset="0"/>
+                <a:cs typeface="Arial" panose="020B0604020202020204" pitchFamily="34" charset="0"/>
+              </a:rPr>
+              <a:t>tầm</a:t>
+            </a:r>
+            <a:r>
+              <a:rPr lang="en-US" sz="1400" dirty="0">
+                <a:latin typeface="Arial" panose="020B0604020202020204" pitchFamily="34" charset="0"/>
+                <a:cs typeface="Arial" panose="020B0604020202020204" pitchFamily="34" charset="0"/>
+              </a:rPr>
+              <a:t> </a:t>
+            </a:r>
+            <a:r>
+              <a:rPr lang="en-US" sz="1400" dirty="0" err="1">
+                <a:latin typeface="Arial" panose="020B0604020202020204" pitchFamily="34" charset="0"/>
+                <a:cs typeface="Arial" panose="020B0604020202020204" pitchFamily="34" charset="0"/>
+              </a:rPr>
+              <a:t>quan</a:t>
+            </a:r>
+            <a:r>
+              <a:rPr lang="en-US" sz="1400" dirty="0">
+                <a:latin typeface="Arial" panose="020B0604020202020204" pitchFamily="34" charset="0"/>
+                <a:cs typeface="Arial" panose="020B0604020202020204" pitchFamily="34" charset="0"/>
+              </a:rPr>
+              <a:t> </a:t>
+            </a:r>
+            <a:r>
+              <a:rPr lang="en-US" sz="1400" dirty="0" err="1">
+                <a:latin typeface="Arial" panose="020B0604020202020204" pitchFamily="34" charset="0"/>
+                <a:cs typeface="Arial" panose="020B0604020202020204" pitchFamily="34" charset="0"/>
+              </a:rPr>
+              <a:t>trọng</a:t>
+            </a:r>
+            <a:r>
+              <a:rPr lang="en-US" sz="1400" dirty="0">
+                <a:latin typeface="Arial" panose="020B0604020202020204" pitchFamily="34" charset="0"/>
+                <a:cs typeface="Arial" panose="020B0604020202020204" pitchFamily="34" charset="0"/>
+              </a:rPr>
+              <a:t> </a:t>
+            </a:r>
+            <a:r>
+              <a:rPr lang="en-US" sz="1400" dirty="0" err="1">
+                <a:latin typeface="Arial" panose="020B0604020202020204" pitchFamily="34" charset="0"/>
+                <a:cs typeface="Arial" panose="020B0604020202020204" pitchFamily="34" charset="0"/>
+              </a:rPr>
+              <a:t>của</a:t>
+            </a:r>
+            <a:r>
+              <a:rPr lang="en-US" sz="1400" dirty="0">
+                <a:latin typeface="Arial" panose="020B0604020202020204" pitchFamily="34" charset="0"/>
+                <a:cs typeface="Arial" panose="020B0604020202020204" pitchFamily="34" charset="0"/>
+              </a:rPr>
+              <a:t> </a:t>
+            </a:r>
+            <a:r>
+              <a:rPr lang="en-US" sz="1400" dirty="0" err="1">
+                <a:latin typeface="Arial" panose="020B0604020202020204" pitchFamily="34" charset="0"/>
+                <a:cs typeface="Arial" panose="020B0604020202020204" pitchFamily="34" charset="0"/>
+              </a:rPr>
+              <a:t>một</a:t>
+            </a:r>
+            <a:r>
+              <a:rPr lang="en-US" sz="1400" dirty="0">
+                <a:latin typeface="Arial" panose="020B0604020202020204" pitchFamily="34" charset="0"/>
+                <a:cs typeface="Arial" panose="020B0604020202020204" pitchFamily="34" charset="0"/>
+              </a:rPr>
+              <a:t> </a:t>
+            </a:r>
+            <a:r>
+              <a:rPr lang="en-US" sz="1400" dirty="0" err="1">
+                <a:latin typeface="Arial" panose="020B0604020202020204" pitchFamily="34" charset="0"/>
+                <a:cs typeface="Arial" panose="020B0604020202020204" pitchFamily="34" charset="0"/>
+              </a:rPr>
+              <a:t>từ</a:t>
+            </a:r>
+            <a:r>
+              <a:rPr lang="en-US" sz="1400" dirty="0">
+                <a:latin typeface="Arial" panose="020B0604020202020204" pitchFamily="34" charset="0"/>
+                <a:cs typeface="Arial" panose="020B0604020202020204" pitchFamily="34" charset="0"/>
+              </a:rPr>
+              <a:t> </a:t>
+            </a:r>
+            <a:r>
+              <a:rPr lang="en-US" sz="1400" dirty="0" err="1">
+                <a:latin typeface="Arial" panose="020B0604020202020204" pitchFamily="34" charset="0"/>
+                <a:cs typeface="Arial" panose="020B0604020202020204" pitchFamily="34" charset="0"/>
+              </a:rPr>
+              <a:t>trong</a:t>
+            </a:r>
+            <a:r>
+              <a:rPr lang="en-US" sz="1400" dirty="0">
+                <a:latin typeface="Arial" panose="020B0604020202020204" pitchFamily="34" charset="0"/>
+                <a:cs typeface="Arial" panose="020B0604020202020204" pitchFamily="34" charset="0"/>
+              </a:rPr>
+              <a:t> </a:t>
+            </a:r>
+            <a:r>
+              <a:rPr lang="en-US" sz="1400" dirty="0" err="1">
+                <a:latin typeface="Arial" panose="020B0604020202020204" pitchFamily="34" charset="0"/>
+                <a:cs typeface="Arial" panose="020B0604020202020204" pitchFamily="34" charset="0"/>
+              </a:rPr>
+              <a:t>một</a:t>
+            </a:r>
+            <a:r>
+              <a:rPr lang="en-US" sz="1400" dirty="0">
+                <a:latin typeface="Arial" panose="020B0604020202020204" pitchFamily="34" charset="0"/>
+                <a:cs typeface="Arial" panose="020B0604020202020204" pitchFamily="34" charset="0"/>
+              </a:rPr>
+              <a:t> </a:t>
+            </a:r>
+            <a:r>
+              <a:rPr lang="en-US" sz="1400" dirty="0" err="1">
+                <a:latin typeface="Arial" panose="020B0604020202020204" pitchFamily="34" charset="0"/>
+                <a:cs typeface="Arial" panose="020B0604020202020204" pitchFamily="34" charset="0"/>
+              </a:rPr>
+              <a:t>văn</a:t>
+            </a:r>
+            <a:r>
+              <a:rPr lang="en-US" sz="1400" dirty="0">
+                <a:latin typeface="Arial" panose="020B0604020202020204" pitchFamily="34" charset="0"/>
+                <a:cs typeface="Arial" panose="020B0604020202020204" pitchFamily="34" charset="0"/>
+              </a:rPr>
+              <a:t> </a:t>
+            </a:r>
+            <a:r>
+              <a:rPr lang="en-US" sz="1400" dirty="0" err="1">
+                <a:latin typeface="Arial" panose="020B0604020202020204" pitchFamily="34" charset="0"/>
+                <a:cs typeface="Arial" panose="020B0604020202020204" pitchFamily="34" charset="0"/>
+              </a:rPr>
+              <a:t>bản</a:t>
+            </a:r>
+            <a:r>
+              <a:rPr lang="en-US" sz="1400" dirty="0">
+                <a:latin typeface="Arial" panose="020B0604020202020204" pitchFamily="34" charset="0"/>
+                <a:cs typeface="Arial" panose="020B0604020202020204" pitchFamily="34" charset="0"/>
+              </a:rPr>
+              <a:t>.</a:t>
+            </a:r>
+          </a:p>
+          <a:p>
+            <a:pPr marL="457200" lvl="1" indent="0">
+              <a:lnSpc>
+                <a:spcPct val="150000"/>
+              </a:lnSpc>
+              <a:buNone/>
+            </a:pPr>
+            <a:r>
+              <a:rPr lang="en-US" sz="1400" dirty="0" err="1">
+                <a:latin typeface="Arial" panose="020B0604020202020204" pitchFamily="34" charset="0"/>
+                <a:cs typeface="Arial" panose="020B0604020202020204" pitchFamily="34" charset="0"/>
+              </a:rPr>
+              <a:t>Các</a:t>
+            </a:r>
+            <a:r>
+              <a:rPr lang="en-US" sz="1400" dirty="0">
+                <a:latin typeface="Arial" panose="020B0604020202020204" pitchFamily="34" charset="0"/>
+                <a:cs typeface="Arial" panose="020B0604020202020204" pitchFamily="34" charset="0"/>
+              </a:rPr>
+              <a:t> </a:t>
+            </a:r>
+            <a:r>
+              <a:rPr lang="en-US" sz="1400" dirty="0" err="1">
+                <a:latin typeface="Arial" panose="020B0604020202020204" pitchFamily="34" charset="0"/>
+                <a:cs typeface="Arial" panose="020B0604020202020204" pitchFamily="34" charset="0"/>
+              </a:rPr>
+              <a:t>quá</a:t>
+            </a:r>
+            <a:r>
+              <a:rPr lang="en-US" sz="1400" dirty="0">
+                <a:latin typeface="Arial" panose="020B0604020202020204" pitchFamily="34" charset="0"/>
+                <a:cs typeface="Arial" panose="020B0604020202020204" pitchFamily="34" charset="0"/>
+              </a:rPr>
+              <a:t> </a:t>
+            </a:r>
+            <a:r>
+              <a:rPr lang="en-US" sz="1400" dirty="0" err="1">
+                <a:latin typeface="Arial" panose="020B0604020202020204" pitchFamily="34" charset="0"/>
+                <a:cs typeface="Arial" panose="020B0604020202020204" pitchFamily="34" charset="0"/>
+              </a:rPr>
+              <a:t>trình</a:t>
+            </a:r>
+            <a:r>
+              <a:rPr lang="en-US" sz="1400" dirty="0">
+                <a:latin typeface="Arial" panose="020B0604020202020204" pitchFamily="34" charset="0"/>
+                <a:cs typeface="Arial" panose="020B0604020202020204" pitchFamily="34" charset="0"/>
+              </a:rPr>
+              <a:t> chia </a:t>
+            </a:r>
+            <a:r>
+              <a:rPr lang="en-US" sz="1400" dirty="0" err="1">
+                <a:latin typeface="Arial" panose="020B0604020202020204" pitchFamily="34" charset="0"/>
+                <a:cs typeface="Arial" panose="020B0604020202020204" pitchFamily="34" charset="0"/>
+              </a:rPr>
+              <a:t>bộ</a:t>
+            </a:r>
+            <a:r>
+              <a:rPr lang="en-US" sz="1400" dirty="0">
+                <a:latin typeface="Arial" panose="020B0604020202020204" pitchFamily="34" charset="0"/>
+                <a:cs typeface="Arial" panose="020B0604020202020204" pitchFamily="34" charset="0"/>
+              </a:rPr>
+              <a:t> </a:t>
+            </a:r>
+            <a:r>
+              <a:rPr lang="en-US" sz="1400" dirty="0" err="1">
+                <a:latin typeface="Arial" panose="020B0604020202020204" pitchFamily="34" charset="0"/>
+                <a:cs typeface="Arial" panose="020B0604020202020204" pitchFamily="34" charset="0"/>
+              </a:rPr>
+              <a:t>dữ</a:t>
+            </a:r>
+            <a:r>
+              <a:rPr lang="en-US" sz="1400" dirty="0">
+                <a:latin typeface="Arial" panose="020B0604020202020204" pitchFamily="34" charset="0"/>
+                <a:cs typeface="Arial" panose="020B0604020202020204" pitchFamily="34" charset="0"/>
+              </a:rPr>
+              <a:t> </a:t>
+            </a:r>
+            <a:r>
+              <a:rPr lang="en-US" sz="1400" dirty="0" err="1">
+                <a:latin typeface="Arial" panose="020B0604020202020204" pitchFamily="34" charset="0"/>
+                <a:cs typeface="Arial" panose="020B0604020202020204" pitchFamily="34" charset="0"/>
+              </a:rPr>
+              <a:t>liệu</a:t>
+            </a:r>
+            <a:r>
+              <a:rPr lang="en-US" sz="1400" dirty="0">
+                <a:latin typeface="Arial" panose="020B0604020202020204" pitchFamily="34" charset="0"/>
+                <a:cs typeface="Arial" panose="020B0604020202020204" pitchFamily="34" charset="0"/>
+              </a:rPr>
+              <a:t>, </a:t>
+            </a:r>
+            <a:r>
+              <a:rPr lang="en-US" sz="1400" dirty="0" err="1">
+                <a:latin typeface="Arial" panose="020B0604020202020204" pitchFamily="34" charset="0"/>
+                <a:cs typeface="Arial" panose="020B0604020202020204" pitchFamily="34" charset="0"/>
+              </a:rPr>
+              <a:t>xử</a:t>
+            </a:r>
+            <a:r>
+              <a:rPr lang="en-US" sz="1400" dirty="0">
+                <a:latin typeface="Arial" panose="020B0604020202020204" pitchFamily="34" charset="0"/>
+                <a:cs typeface="Arial" panose="020B0604020202020204" pitchFamily="34" charset="0"/>
+              </a:rPr>
+              <a:t> </a:t>
+            </a:r>
+            <a:r>
+              <a:rPr lang="en-US" sz="1400" dirty="0" err="1">
+                <a:latin typeface="Arial" panose="020B0604020202020204" pitchFamily="34" charset="0"/>
+                <a:cs typeface="Arial" panose="020B0604020202020204" pitchFamily="34" charset="0"/>
+              </a:rPr>
+              <a:t>lý</a:t>
+            </a:r>
+            <a:r>
+              <a:rPr lang="en-US" sz="1400" dirty="0">
+                <a:latin typeface="Arial" panose="020B0604020202020204" pitchFamily="34" charset="0"/>
+                <a:cs typeface="Arial" panose="020B0604020202020204" pitchFamily="34" charset="0"/>
+              </a:rPr>
+              <a:t> </a:t>
+            </a:r>
+            <a:r>
+              <a:rPr lang="en-US" sz="1400" dirty="0" err="1">
+                <a:latin typeface="Arial" panose="020B0604020202020204" pitchFamily="34" charset="0"/>
+                <a:cs typeface="Arial" panose="020B0604020202020204" pitchFamily="34" charset="0"/>
+              </a:rPr>
+              <a:t>riêng</a:t>
+            </a:r>
+            <a:r>
+              <a:rPr lang="en-US" sz="1400" dirty="0">
+                <a:latin typeface="Arial" panose="020B0604020202020204" pitchFamily="34" charset="0"/>
+                <a:cs typeface="Arial" panose="020B0604020202020204" pitchFamily="34" charset="0"/>
+              </a:rPr>
+              <a:t> </a:t>
+            </a:r>
+            <a:r>
+              <a:rPr lang="en-US" sz="1400" dirty="0" err="1">
+                <a:latin typeface="Arial" panose="020B0604020202020204" pitchFamily="34" charset="0"/>
+                <a:cs typeface="Arial" panose="020B0604020202020204" pitchFamily="34" charset="0"/>
+              </a:rPr>
+              <a:t>từng</a:t>
+            </a:r>
+            <a:r>
+              <a:rPr lang="en-US" sz="1400" dirty="0">
+                <a:latin typeface="Arial" panose="020B0604020202020204" pitchFamily="34" charset="0"/>
+                <a:cs typeface="Arial" panose="020B0604020202020204" pitchFamily="34" charset="0"/>
+              </a:rPr>
+              <a:t> </a:t>
+            </a:r>
+            <a:r>
+              <a:rPr lang="en-US" sz="1400" dirty="0" err="1">
+                <a:latin typeface="Arial" panose="020B0604020202020204" pitchFamily="34" charset="0"/>
+                <a:cs typeface="Arial" panose="020B0604020202020204" pitchFamily="34" charset="0"/>
+              </a:rPr>
+              <a:t>bộ</a:t>
+            </a:r>
+            <a:r>
+              <a:rPr lang="en-US" sz="1400" dirty="0">
+                <a:latin typeface="Arial" panose="020B0604020202020204" pitchFamily="34" charset="0"/>
+                <a:cs typeface="Arial" panose="020B0604020202020204" pitchFamily="34" charset="0"/>
+              </a:rPr>
+              <a:t> </a:t>
+            </a:r>
+            <a:r>
+              <a:rPr lang="en-US" sz="1400" dirty="0" err="1">
+                <a:latin typeface="Arial" panose="020B0604020202020204" pitchFamily="34" charset="0"/>
+                <a:cs typeface="Arial" panose="020B0604020202020204" pitchFamily="34" charset="0"/>
+              </a:rPr>
+              <a:t>dữ</a:t>
+            </a:r>
+            <a:r>
+              <a:rPr lang="en-US" sz="1400" dirty="0">
+                <a:latin typeface="Arial" panose="020B0604020202020204" pitchFamily="34" charset="0"/>
+                <a:cs typeface="Arial" panose="020B0604020202020204" pitchFamily="34" charset="0"/>
+              </a:rPr>
+              <a:t> </a:t>
+            </a:r>
+            <a:r>
+              <a:rPr lang="en-US" sz="1400" dirty="0" err="1">
+                <a:latin typeface="Arial" panose="020B0604020202020204" pitchFamily="34" charset="0"/>
+                <a:cs typeface="Arial" panose="020B0604020202020204" pitchFamily="34" charset="0"/>
+              </a:rPr>
+              <a:t>liệu</a:t>
+            </a:r>
+            <a:r>
+              <a:rPr lang="en-US" sz="1400" dirty="0">
+                <a:latin typeface="Arial" panose="020B0604020202020204" pitchFamily="34" charset="0"/>
+                <a:cs typeface="Arial" panose="020B0604020202020204" pitchFamily="34" charset="0"/>
+              </a:rPr>
+              <a:t>.</a:t>
+            </a:r>
+          </a:p>
+          <a:p>
+            <a:pPr marL="457200" lvl="1" indent="0">
+              <a:lnSpc>
+                <a:spcPct val="150000"/>
+              </a:lnSpc>
+              <a:buNone/>
+            </a:pPr>
+            <a:r>
+              <a:rPr lang="en-US" sz="1400" dirty="0" err="1">
+                <a:latin typeface="Arial" panose="020B0604020202020204" pitchFamily="34" charset="0"/>
+                <a:cs typeface="Arial" panose="020B0604020202020204" pitchFamily="34" charset="0"/>
+              </a:rPr>
+              <a:t>Biết</a:t>
+            </a:r>
+            <a:r>
+              <a:rPr lang="en-US" sz="1400" dirty="0">
+                <a:latin typeface="Arial" panose="020B0604020202020204" pitchFamily="34" charset="0"/>
+                <a:cs typeface="Arial" panose="020B0604020202020204" pitchFamily="34" charset="0"/>
+              </a:rPr>
+              <a:t> </a:t>
+            </a:r>
+            <a:r>
+              <a:rPr lang="en-US" sz="1400" dirty="0" err="1">
+                <a:latin typeface="Arial" panose="020B0604020202020204" pitchFamily="34" charset="0"/>
+                <a:cs typeface="Arial" panose="020B0604020202020204" pitchFamily="34" charset="0"/>
+              </a:rPr>
+              <a:t>sử</a:t>
+            </a:r>
+            <a:r>
+              <a:rPr lang="en-US" sz="1400" dirty="0">
+                <a:latin typeface="Arial" panose="020B0604020202020204" pitchFamily="34" charset="0"/>
+                <a:cs typeface="Arial" panose="020B0604020202020204" pitchFamily="34" charset="0"/>
+              </a:rPr>
+              <a:t> </a:t>
+            </a:r>
+            <a:r>
+              <a:rPr lang="en-US" sz="1400" dirty="0" err="1">
+                <a:latin typeface="Arial" panose="020B0604020202020204" pitchFamily="34" charset="0"/>
+                <a:cs typeface="Arial" panose="020B0604020202020204" pitchFamily="34" charset="0"/>
+              </a:rPr>
+              <a:t>dụng</a:t>
+            </a:r>
+            <a:r>
+              <a:rPr lang="en-US" sz="1400" dirty="0">
+                <a:latin typeface="Arial" panose="020B0604020202020204" pitchFamily="34" charset="0"/>
+                <a:cs typeface="Arial" panose="020B0604020202020204" pitchFamily="34" charset="0"/>
+              </a:rPr>
+              <a:t> Linear Regression </a:t>
+            </a:r>
+            <a:r>
+              <a:rPr lang="en-US" sz="1400" dirty="0" err="1">
+                <a:latin typeface="Arial" panose="020B0604020202020204" pitchFamily="34" charset="0"/>
+                <a:cs typeface="Arial" panose="020B0604020202020204" pitchFamily="34" charset="0"/>
+              </a:rPr>
+              <a:t>và</a:t>
+            </a:r>
+            <a:r>
+              <a:rPr lang="en-US" sz="1400" dirty="0">
+                <a:latin typeface="Arial" panose="020B0604020202020204" pitchFamily="34" charset="0"/>
+                <a:cs typeface="Arial" panose="020B0604020202020204" pitchFamily="34" charset="0"/>
+              </a:rPr>
+              <a:t> Random Forest </a:t>
+            </a:r>
+            <a:r>
+              <a:rPr lang="en-US" sz="1400" dirty="0" err="1">
+                <a:latin typeface="Arial" panose="020B0604020202020204" pitchFamily="34" charset="0"/>
+                <a:cs typeface="Arial" panose="020B0604020202020204" pitchFamily="34" charset="0"/>
+              </a:rPr>
+              <a:t>trong</a:t>
+            </a:r>
+            <a:r>
+              <a:rPr lang="en-US" sz="1400" dirty="0">
+                <a:latin typeface="Arial" panose="020B0604020202020204" pitchFamily="34" charset="0"/>
+                <a:cs typeface="Arial" panose="020B0604020202020204" pitchFamily="34" charset="0"/>
+              </a:rPr>
+              <a:t> </a:t>
+            </a:r>
+            <a:r>
+              <a:rPr lang="en-US" sz="1400" dirty="0" err="1">
+                <a:latin typeface="Arial" panose="020B0604020202020204" pitchFamily="34" charset="0"/>
+                <a:cs typeface="Arial" panose="020B0604020202020204" pitchFamily="34" charset="0"/>
+              </a:rPr>
+              <a:t>sklearn</a:t>
+            </a:r>
+            <a:r>
+              <a:rPr lang="en-US" sz="1400" dirty="0">
+                <a:latin typeface="Arial" panose="020B0604020202020204" pitchFamily="34" charset="0"/>
+                <a:cs typeface="Arial" panose="020B0604020202020204" pitchFamily="34" charset="0"/>
+              </a:rPr>
+              <a:t>.</a:t>
+            </a:r>
+          </a:p>
+          <a:p>
+            <a:pPr marL="457200" lvl="1" indent="0">
+              <a:lnSpc>
+                <a:spcPct val="150000"/>
+              </a:lnSpc>
+              <a:buNone/>
+            </a:pPr>
+            <a:r>
+              <a:rPr lang="en-US" sz="1400" dirty="0" err="1">
+                <a:latin typeface="Arial" panose="020B0604020202020204" pitchFamily="34" charset="0"/>
+                <a:cs typeface="Arial" panose="020B0604020202020204" pitchFamily="34" charset="0"/>
+              </a:rPr>
+              <a:t>Biết</a:t>
+            </a:r>
+            <a:r>
+              <a:rPr lang="en-US" sz="1400" dirty="0">
+                <a:latin typeface="Arial" panose="020B0604020202020204" pitchFamily="34" charset="0"/>
+                <a:cs typeface="Arial" panose="020B0604020202020204" pitchFamily="34" charset="0"/>
+              </a:rPr>
+              <a:t> </a:t>
+            </a:r>
+            <a:r>
+              <a:rPr lang="en-US" sz="1400" dirty="0" err="1">
+                <a:latin typeface="Arial" panose="020B0604020202020204" pitchFamily="34" charset="0"/>
+                <a:cs typeface="Arial" panose="020B0604020202020204" pitchFamily="34" charset="0"/>
+              </a:rPr>
+              <a:t>cách</a:t>
+            </a:r>
+            <a:r>
+              <a:rPr lang="en-US" sz="1400" dirty="0">
+                <a:latin typeface="Arial" panose="020B0604020202020204" pitchFamily="34" charset="0"/>
+                <a:cs typeface="Arial" panose="020B0604020202020204" pitchFamily="34" charset="0"/>
+              </a:rPr>
+              <a:t> </a:t>
+            </a:r>
+            <a:r>
+              <a:rPr lang="en-US" sz="1400" dirty="0" err="1">
+                <a:latin typeface="Arial" panose="020B0604020202020204" pitchFamily="34" charset="0"/>
+                <a:cs typeface="Arial" panose="020B0604020202020204" pitchFamily="34" charset="0"/>
+              </a:rPr>
+              <a:t>quyết</a:t>
+            </a:r>
+            <a:r>
+              <a:rPr lang="en-US" sz="1400" dirty="0">
+                <a:latin typeface="Arial" panose="020B0604020202020204" pitchFamily="34" charset="0"/>
+                <a:cs typeface="Arial" panose="020B0604020202020204" pitchFamily="34" charset="0"/>
+              </a:rPr>
+              <a:t> </a:t>
+            </a:r>
+            <a:r>
+              <a:rPr lang="en-US" sz="1400" dirty="0" err="1">
+                <a:latin typeface="Arial" panose="020B0604020202020204" pitchFamily="34" charset="0"/>
+                <a:cs typeface="Arial" panose="020B0604020202020204" pitchFamily="34" charset="0"/>
+              </a:rPr>
+              <a:t>định</a:t>
+            </a:r>
+            <a:r>
+              <a:rPr lang="en-US" sz="1400" dirty="0">
+                <a:latin typeface="Arial" panose="020B0604020202020204" pitchFamily="34" charset="0"/>
+                <a:cs typeface="Arial" panose="020B0604020202020204" pitchFamily="34" charset="0"/>
+              </a:rPr>
+              <a:t> </a:t>
+            </a:r>
+            <a:r>
+              <a:rPr lang="en-US" sz="1400" dirty="0" err="1">
+                <a:latin typeface="Arial" panose="020B0604020202020204" pitchFamily="34" charset="0"/>
+                <a:cs typeface="Arial" panose="020B0604020202020204" pitchFamily="34" charset="0"/>
+              </a:rPr>
+              <a:t>đặc</a:t>
+            </a:r>
+            <a:r>
+              <a:rPr lang="en-US" sz="1400" dirty="0">
+                <a:latin typeface="Arial" panose="020B0604020202020204" pitchFamily="34" charset="0"/>
+                <a:cs typeface="Arial" panose="020B0604020202020204" pitchFamily="34" charset="0"/>
+              </a:rPr>
+              <a:t> tr</a:t>
+            </a:r>
+            <a:r>
+              <a:rPr lang="vi-VN" sz="1400" dirty="0">
+                <a:latin typeface="Arial" panose="020B0604020202020204" pitchFamily="34" charset="0"/>
+                <a:cs typeface="Arial" panose="020B0604020202020204" pitchFamily="34" charset="0"/>
+              </a:rPr>
+              <a:t>ư</a:t>
+            </a:r>
+            <a:r>
+              <a:rPr lang="en-US" sz="1400" dirty="0">
+                <a:latin typeface="Arial" panose="020B0604020202020204" pitchFamily="34" charset="0"/>
+                <a:cs typeface="Arial" panose="020B0604020202020204" pitchFamily="34" charset="0"/>
+              </a:rPr>
+              <a:t>ng </a:t>
+            </a:r>
+            <a:r>
+              <a:rPr lang="en-US" sz="1400" dirty="0" err="1">
+                <a:latin typeface="Arial" panose="020B0604020202020204" pitchFamily="34" charset="0"/>
+                <a:cs typeface="Arial" panose="020B0604020202020204" pitchFamily="34" charset="0"/>
+              </a:rPr>
+              <a:t>cần</a:t>
+            </a:r>
+            <a:r>
+              <a:rPr lang="en-US" sz="1400" dirty="0">
+                <a:latin typeface="Arial" panose="020B0604020202020204" pitchFamily="34" charset="0"/>
+                <a:cs typeface="Arial" panose="020B0604020202020204" pitchFamily="34" charset="0"/>
+              </a:rPr>
+              <a:t> </a:t>
+            </a:r>
+            <a:r>
+              <a:rPr lang="en-US" sz="1400" dirty="0" err="1">
+                <a:latin typeface="Arial" panose="020B0604020202020204" pitchFamily="34" charset="0"/>
+                <a:cs typeface="Arial" panose="020B0604020202020204" pitchFamily="34" charset="0"/>
+              </a:rPr>
+              <a:t>thiết</a:t>
+            </a:r>
+            <a:r>
+              <a:rPr lang="en-US" sz="1400" dirty="0">
+                <a:latin typeface="Arial" panose="020B0604020202020204" pitchFamily="34" charset="0"/>
+                <a:cs typeface="Arial" panose="020B0604020202020204" pitchFamily="34" charset="0"/>
+              </a:rPr>
+              <a:t>.</a:t>
+            </a:r>
+          </a:p>
+          <a:p>
+            <a:pPr marL="342900" indent="-342900">
+              <a:lnSpc>
+                <a:spcPct val="150000"/>
+              </a:lnSpc>
+              <a:buAutoNum type="arabicParenR"/>
+            </a:pPr>
+            <a:r>
+              <a:rPr lang="en-US" sz="1800" b="1" dirty="0" err="1">
+                <a:latin typeface="Arial" panose="020B0604020202020204" pitchFamily="34" charset="0"/>
+                <a:cs typeface="Arial" panose="020B0604020202020204" pitchFamily="34" charset="0"/>
+              </a:rPr>
+              <a:t>Thắc</a:t>
+            </a:r>
+            <a:r>
+              <a:rPr lang="en-US" sz="1800" b="1" dirty="0">
+                <a:latin typeface="Arial" panose="020B0604020202020204" pitchFamily="34" charset="0"/>
+                <a:cs typeface="Arial" panose="020B0604020202020204" pitchFamily="34" charset="0"/>
+              </a:rPr>
+              <a:t> </a:t>
+            </a:r>
+            <a:r>
+              <a:rPr lang="en-US" sz="1800" b="1" dirty="0" err="1">
+                <a:latin typeface="Arial" panose="020B0604020202020204" pitchFamily="34" charset="0"/>
+                <a:cs typeface="Arial" panose="020B0604020202020204" pitchFamily="34" charset="0"/>
+              </a:rPr>
+              <a:t>mắc</a:t>
+            </a:r>
+            <a:r>
+              <a:rPr lang="en-US" sz="1800" b="1" dirty="0">
+                <a:latin typeface="Arial" panose="020B0604020202020204" pitchFamily="34" charset="0"/>
+                <a:cs typeface="Arial" panose="020B0604020202020204" pitchFamily="34" charset="0"/>
+              </a:rPr>
+              <a:t> </a:t>
+            </a:r>
+            <a:r>
+              <a:rPr lang="en-US" sz="1800" b="1" dirty="0" err="1">
+                <a:latin typeface="Arial" panose="020B0604020202020204" pitchFamily="34" charset="0"/>
+                <a:cs typeface="Arial" panose="020B0604020202020204" pitchFamily="34" charset="0"/>
+              </a:rPr>
+              <a:t>trong</a:t>
+            </a:r>
+            <a:r>
+              <a:rPr lang="en-US" sz="1800" b="1" dirty="0">
+                <a:latin typeface="Arial" panose="020B0604020202020204" pitchFamily="34" charset="0"/>
+                <a:cs typeface="Arial" panose="020B0604020202020204" pitchFamily="34" charset="0"/>
+              </a:rPr>
+              <a:t> </a:t>
+            </a:r>
+            <a:r>
+              <a:rPr lang="en-US" sz="1800" b="1" dirty="0" err="1">
+                <a:latin typeface="Arial" panose="020B0604020202020204" pitchFamily="34" charset="0"/>
+                <a:cs typeface="Arial" panose="020B0604020202020204" pitchFamily="34" charset="0"/>
+              </a:rPr>
+              <a:t>quá</a:t>
+            </a:r>
+            <a:r>
+              <a:rPr lang="en-US" sz="1800" b="1" dirty="0">
+                <a:latin typeface="Arial" panose="020B0604020202020204" pitchFamily="34" charset="0"/>
+                <a:cs typeface="Arial" panose="020B0604020202020204" pitchFamily="34" charset="0"/>
+              </a:rPr>
+              <a:t> </a:t>
+            </a:r>
+            <a:r>
+              <a:rPr lang="en-US" sz="1800" b="1" dirty="0" err="1">
+                <a:latin typeface="Arial" panose="020B0604020202020204" pitchFamily="34" charset="0"/>
+                <a:cs typeface="Arial" panose="020B0604020202020204" pitchFamily="34" charset="0"/>
+              </a:rPr>
+              <a:t>trình</a:t>
+            </a:r>
+            <a:r>
+              <a:rPr lang="en-US" sz="1800" b="1" dirty="0">
+                <a:latin typeface="Arial" panose="020B0604020202020204" pitchFamily="34" charset="0"/>
+                <a:cs typeface="Arial" panose="020B0604020202020204" pitchFamily="34" charset="0"/>
+              </a:rPr>
+              <a:t> </a:t>
+            </a:r>
+            <a:r>
+              <a:rPr lang="en-US" sz="1800" b="1" dirty="0" err="1">
+                <a:latin typeface="Arial" panose="020B0604020202020204" pitchFamily="34" charset="0"/>
+                <a:cs typeface="Arial" panose="020B0604020202020204" pitchFamily="34" charset="0"/>
+              </a:rPr>
+              <a:t>làm</a:t>
+            </a:r>
+            <a:r>
+              <a:rPr lang="en-US" sz="1800" b="1" dirty="0">
+                <a:latin typeface="Arial" panose="020B0604020202020204" pitchFamily="34" charset="0"/>
+                <a:cs typeface="Arial" panose="020B0604020202020204" pitchFamily="34" charset="0"/>
+              </a:rPr>
+              <a:t>:</a:t>
+            </a:r>
+          </a:p>
+          <a:p>
+            <a:pPr marL="457200" lvl="1" indent="0">
+              <a:lnSpc>
+                <a:spcPct val="150000"/>
+              </a:lnSpc>
+              <a:buNone/>
+            </a:pPr>
+            <a:r>
+              <a:rPr lang="en-US" sz="1400" dirty="0" err="1">
+                <a:latin typeface="Arial" panose="020B0604020202020204" pitchFamily="34" charset="0"/>
+                <a:cs typeface="Arial" panose="020B0604020202020204" pitchFamily="34" charset="0"/>
+              </a:rPr>
+              <a:t>Liệu</a:t>
+            </a:r>
+            <a:r>
+              <a:rPr lang="en-US" sz="1400" dirty="0">
+                <a:latin typeface="Arial" panose="020B0604020202020204" pitchFamily="34" charset="0"/>
+                <a:cs typeface="Arial" panose="020B0604020202020204" pitchFamily="34" charset="0"/>
+              </a:rPr>
+              <a:t> </a:t>
+            </a:r>
+            <a:r>
+              <a:rPr lang="en-US" sz="1400" dirty="0" err="1">
+                <a:latin typeface="Arial" panose="020B0604020202020204" pitchFamily="34" charset="0"/>
+                <a:cs typeface="Arial" panose="020B0604020202020204" pitchFamily="34" charset="0"/>
+              </a:rPr>
+              <a:t>rằng</a:t>
+            </a:r>
+            <a:r>
+              <a:rPr lang="en-US" sz="1400" dirty="0">
+                <a:latin typeface="Arial" panose="020B0604020202020204" pitchFamily="34" charset="0"/>
+                <a:cs typeface="Arial" panose="020B0604020202020204" pitchFamily="34" charset="0"/>
+              </a:rPr>
+              <a:t> </a:t>
+            </a:r>
+            <a:r>
+              <a:rPr lang="en-US" sz="1400" dirty="0" err="1">
+                <a:latin typeface="Arial" panose="020B0604020202020204" pitchFamily="34" charset="0"/>
+                <a:cs typeface="Arial" panose="020B0604020202020204" pitchFamily="34" charset="0"/>
+              </a:rPr>
+              <a:t>phần</a:t>
+            </a:r>
+            <a:r>
+              <a:rPr lang="en-US" sz="1400" dirty="0">
+                <a:latin typeface="Arial" panose="020B0604020202020204" pitchFamily="34" charset="0"/>
+                <a:cs typeface="Arial" panose="020B0604020202020204" pitchFamily="34" charset="0"/>
+              </a:rPr>
+              <a:t> </a:t>
+            </a:r>
+            <a:r>
+              <a:rPr lang="en-US" sz="1400" dirty="0" err="1">
+                <a:latin typeface="Arial" panose="020B0604020202020204" pitchFamily="34" charset="0"/>
+                <a:cs typeface="Arial" panose="020B0604020202020204" pitchFamily="34" charset="0"/>
+              </a:rPr>
+              <a:t>nội</a:t>
+            </a:r>
+            <a:r>
+              <a:rPr lang="en-US" sz="1400" dirty="0">
+                <a:latin typeface="Arial" panose="020B0604020202020204" pitchFamily="34" charset="0"/>
+                <a:cs typeface="Arial" panose="020B0604020202020204" pitchFamily="34" charset="0"/>
+              </a:rPr>
+              <a:t> dung </a:t>
+            </a:r>
+            <a:r>
+              <a:rPr lang="en-US" sz="1400" dirty="0" err="1">
+                <a:latin typeface="Arial" panose="020B0604020202020204" pitchFamily="34" charset="0"/>
+                <a:cs typeface="Arial" panose="020B0604020202020204" pitchFamily="34" charset="0"/>
+              </a:rPr>
+              <a:t>và</a:t>
+            </a:r>
+            <a:r>
+              <a:rPr lang="en-US" sz="1400" dirty="0">
+                <a:latin typeface="Arial" panose="020B0604020202020204" pitchFamily="34" charset="0"/>
+                <a:cs typeface="Arial" panose="020B0604020202020204" pitchFamily="34" charset="0"/>
+              </a:rPr>
+              <a:t> </a:t>
+            </a:r>
+            <a:r>
+              <a:rPr lang="en-US" sz="1400" dirty="0" err="1">
+                <a:latin typeface="Arial" panose="020B0604020202020204" pitchFamily="34" charset="0"/>
+                <a:cs typeface="Arial" panose="020B0604020202020204" pitchFamily="34" charset="0"/>
+              </a:rPr>
+              <a:t>tiêu</a:t>
+            </a:r>
+            <a:r>
+              <a:rPr lang="en-US" sz="1400" dirty="0">
+                <a:latin typeface="Arial" panose="020B0604020202020204" pitchFamily="34" charset="0"/>
+                <a:cs typeface="Arial" panose="020B0604020202020204" pitchFamily="34" charset="0"/>
+              </a:rPr>
+              <a:t> </a:t>
+            </a:r>
+            <a:r>
+              <a:rPr lang="en-US" sz="1400" dirty="0" err="1">
+                <a:latin typeface="Arial" panose="020B0604020202020204" pitchFamily="34" charset="0"/>
+                <a:cs typeface="Arial" panose="020B0604020202020204" pitchFamily="34" charset="0"/>
+              </a:rPr>
+              <a:t>đề</a:t>
+            </a:r>
+            <a:r>
+              <a:rPr lang="en-US" sz="1400" dirty="0">
+                <a:latin typeface="Arial" panose="020B0604020202020204" pitchFamily="34" charset="0"/>
+                <a:cs typeface="Arial" panose="020B0604020202020204" pitchFamily="34" charset="0"/>
+              </a:rPr>
+              <a:t> </a:t>
+            </a:r>
+            <a:r>
+              <a:rPr lang="en-US" sz="1400" dirty="0" err="1">
+                <a:latin typeface="Arial" panose="020B0604020202020204" pitchFamily="34" charset="0"/>
+                <a:cs typeface="Arial" panose="020B0604020202020204" pitchFamily="34" charset="0"/>
+              </a:rPr>
+              <a:t>có</a:t>
+            </a:r>
+            <a:r>
+              <a:rPr lang="en-US" sz="1400" dirty="0">
+                <a:latin typeface="Arial" panose="020B0604020202020204" pitchFamily="34" charset="0"/>
+                <a:cs typeface="Arial" panose="020B0604020202020204" pitchFamily="34" charset="0"/>
+              </a:rPr>
+              <a:t> đ</a:t>
+            </a:r>
+            <a:r>
+              <a:rPr lang="vi-VN" sz="1400" dirty="0">
+                <a:latin typeface="Arial" panose="020B0604020202020204" pitchFamily="34" charset="0"/>
+                <a:cs typeface="Arial" panose="020B0604020202020204" pitchFamily="34" charset="0"/>
+              </a:rPr>
+              <a:t>ư</a:t>
+            </a:r>
+            <a:r>
+              <a:rPr lang="en-US" sz="1400" dirty="0" err="1">
+                <a:latin typeface="Arial" panose="020B0604020202020204" pitchFamily="34" charset="0"/>
+                <a:cs typeface="Arial" panose="020B0604020202020204" pitchFamily="34" charset="0"/>
+              </a:rPr>
+              <a:t>ợc</a:t>
+            </a:r>
+            <a:r>
+              <a:rPr lang="en-US" sz="1400" dirty="0">
+                <a:latin typeface="Arial" panose="020B0604020202020204" pitchFamily="34" charset="0"/>
+                <a:cs typeface="Arial" panose="020B0604020202020204" pitchFamily="34" charset="0"/>
+              </a:rPr>
+              <a:t> </a:t>
+            </a:r>
+            <a:r>
+              <a:rPr lang="en-US" sz="1400" dirty="0" err="1">
+                <a:latin typeface="Arial" panose="020B0604020202020204" pitchFamily="34" charset="0"/>
+                <a:cs typeface="Arial" panose="020B0604020202020204" pitchFamily="34" charset="0"/>
+              </a:rPr>
+              <a:t>xem</a:t>
+            </a:r>
+            <a:r>
+              <a:rPr lang="en-US" sz="1400" dirty="0">
+                <a:latin typeface="Arial" panose="020B0604020202020204" pitchFamily="34" charset="0"/>
+                <a:cs typeface="Arial" panose="020B0604020202020204" pitchFamily="34" charset="0"/>
+              </a:rPr>
+              <a:t> </a:t>
+            </a:r>
+            <a:r>
+              <a:rPr lang="en-US" sz="1400" dirty="0" err="1">
+                <a:latin typeface="Arial" panose="020B0604020202020204" pitchFamily="34" charset="0"/>
+                <a:cs typeface="Arial" panose="020B0604020202020204" pitchFamily="34" charset="0"/>
+              </a:rPr>
+              <a:t>là</a:t>
+            </a:r>
+            <a:r>
+              <a:rPr lang="en-US" sz="1400" dirty="0">
+                <a:latin typeface="Arial" panose="020B0604020202020204" pitchFamily="34" charset="0"/>
+                <a:cs typeface="Arial" panose="020B0604020202020204" pitchFamily="34" charset="0"/>
+              </a:rPr>
+              <a:t> </a:t>
+            </a:r>
+            <a:r>
+              <a:rPr lang="en-US" sz="1400" dirty="0" err="1">
+                <a:latin typeface="Arial" panose="020B0604020202020204" pitchFamily="34" charset="0"/>
+                <a:cs typeface="Arial" panose="020B0604020202020204" pitchFamily="34" charset="0"/>
+              </a:rPr>
+              <a:t>đặc</a:t>
+            </a:r>
+            <a:r>
+              <a:rPr lang="en-US" sz="1400" dirty="0">
+                <a:latin typeface="Arial" panose="020B0604020202020204" pitchFamily="34" charset="0"/>
+                <a:cs typeface="Arial" panose="020B0604020202020204" pitchFamily="34" charset="0"/>
+              </a:rPr>
+              <a:t> tr</a:t>
+            </a:r>
+            <a:r>
+              <a:rPr lang="vi-VN" sz="1400" dirty="0">
+                <a:latin typeface="Arial" panose="020B0604020202020204" pitchFamily="34" charset="0"/>
+                <a:cs typeface="Arial" panose="020B0604020202020204" pitchFamily="34" charset="0"/>
+              </a:rPr>
+              <a:t>ư</a:t>
+            </a:r>
+            <a:r>
+              <a:rPr lang="en-US" sz="1400" dirty="0">
+                <a:latin typeface="Arial" panose="020B0604020202020204" pitchFamily="34" charset="0"/>
+                <a:cs typeface="Arial" panose="020B0604020202020204" pitchFamily="34" charset="0"/>
+              </a:rPr>
+              <a:t>ng </a:t>
+            </a:r>
+            <a:r>
+              <a:rPr lang="en-US" sz="1400" dirty="0" err="1">
+                <a:latin typeface="Arial" panose="020B0604020202020204" pitchFamily="34" charset="0"/>
+                <a:cs typeface="Arial" panose="020B0604020202020204" pitchFamily="34" charset="0"/>
+              </a:rPr>
+              <a:t>khi</a:t>
+            </a:r>
+            <a:r>
+              <a:rPr lang="en-US" sz="1400" dirty="0">
+                <a:latin typeface="Arial" panose="020B0604020202020204" pitchFamily="34" charset="0"/>
+                <a:cs typeface="Arial" panose="020B0604020202020204" pitchFamily="34" charset="0"/>
+              </a:rPr>
+              <a:t> </a:t>
+            </a:r>
+            <a:r>
+              <a:rPr lang="en-US" sz="1400" dirty="0" err="1">
+                <a:latin typeface="Arial" panose="020B0604020202020204" pitchFamily="34" charset="0"/>
+                <a:cs typeface="Arial" panose="020B0604020202020204" pitchFamily="34" charset="0"/>
+              </a:rPr>
+              <a:t>có</a:t>
+            </a:r>
+            <a:r>
+              <a:rPr lang="en-US" sz="1400" dirty="0">
+                <a:latin typeface="Arial" panose="020B0604020202020204" pitchFamily="34" charset="0"/>
+                <a:cs typeface="Arial" panose="020B0604020202020204" pitchFamily="34" charset="0"/>
+              </a:rPr>
+              <a:t> </a:t>
+            </a:r>
+            <a:r>
+              <a:rPr lang="en-US" sz="1400" dirty="0" err="1">
+                <a:latin typeface="Arial" panose="020B0604020202020204" pitchFamily="34" charset="0"/>
+                <a:cs typeface="Arial" panose="020B0604020202020204" pitchFamily="34" charset="0"/>
+              </a:rPr>
+              <a:t>rất</a:t>
+            </a:r>
+            <a:r>
+              <a:rPr lang="en-US" sz="1400" dirty="0">
+                <a:latin typeface="Arial" panose="020B0604020202020204" pitchFamily="34" charset="0"/>
+                <a:cs typeface="Arial" panose="020B0604020202020204" pitchFamily="34" charset="0"/>
+              </a:rPr>
+              <a:t> </a:t>
+            </a:r>
+            <a:r>
+              <a:rPr lang="en-US" sz="1400" dirty="0" err="1">
+                <a:latin typeface="Arial" panose="020B0604020202020204" pitchFamily="34" charset="0"/>
+                <a:cs typeface="Arial" panose="020B0604020202020204" pitchFamily="34" charset="0"/>
+              </a:rPr>
+              <a:t>nhiều</a:t>
+            </a:r>
+            <a:r>
+              <a:rPr lang="en-US" sz="1400" dirty="0">
+                <a:latin typeface="Arial" panose="020B0604020202020204" pitchFamily="34" charset="0"/>
+                <a:cs typeface="Arial" panose="020B0604020202020204" pitchFamily="34" charset="0"/>
+              </a:rPr>
+              <a:t> </a:t>
+            </a:r>
+            <a:r>
+              <a:rPr lang="en-US" sz="1400" dirty="0" err="1">
+                <a:latin typeface="Arial" panose="020B0604020202020204" pitchFamily="34" charset="0"/>
+                <a:cs typeface="Arial" panose="020B0604020202020204" pitchFamily="34" charset="0"/>
+              </a:rPr>
+              <a:t>giá</a:t>
+            </a:r>
+            <a:r>
+              <a:rPr lang="en-US" sz="1400" dirty="0">
+                <a:latin typeface="Arial" panose="020B0604020202020204" pitchFamily="34" charset="0"/>
+                <a:cs typeface="Arial" panose="020B0604020202020204" pitchFamily="34" charset="0"/>
+              </a:rPr>
+              <a:t> </a:t>
+            </a:r>
+            <a:r>
+              <a:rPr lang="en-US" sz="1400" dirty="0" err="1">
+                <a:latin typeface="Arial" panose="020B0604020202020204" pitchFamily="34" charset="0"/>
+                <a:cs typeface="Arial" panose="020B0604020202020204" pitchFamily="34" charset="0"/>
+              </a:rPr>
+              <a:t>trị</a:t>
+            </a:r>
+            <a:r>
+              <a:rPr lang="en-US" sz="1400" dirty="0">
+                <a:latin typeface="Arial" panose="020B0604020202020204" pitchFamily="34" charset="0"/>
+                <a:cs typeface="Arial" panose="020B0604020202020204" pitchFamily="34" charset="0"/>
+              </a:rPr>
+              <a:t> </a:t>
+            </a:r>
+            <a:r>
+              <a:rPr lang="en-US" sz="1400" dirty="0" err="1">
+                <a:latin typeface="Arial" panose="020B0604020202020204" pitchFamily="34" charset="0"/>
+                <a:cs typeface="Arial" panose="020B0604020202020204" pitchFamily="34" charset="0"/>
+              </a:rPr>
+              <a:t>khác</a:t>
+            </a:r>
+            <a:r>
+              <a:rPr lang="en-US" sz="1400" dirty="0">
+                <a:latin typeface="Arial" panose="020B0604020202020204" pitchFamily="34" charset="0"/>
+                <a:cs typeface="Arial" panose="020B0604020202020204" pitchFamily="34" charset="0"/>
+              </a:rPr>
+              <a:t> </a:t>
+            </a:r>
+            <a:r>
+              <a:rPr lang="en-US" sz="1400" dirty="0" err="1">
+                <a:latin typeface="Arial" panose="020B0604020202020204" pitchFamily="34" charset="0"/>
+                <a:cs typeface="Arial" panose="020B0604020202020204" pitchFamily="34" charset="0"/>
+              </a:rPr>
+              <a:t>nhau</a:t>
+            </a:r>
+            <a:r>
+              <a:rPr lang="en-US" sz="1400" dirty="0">
+                <a:latin typeface="Arial" panose="020B0604020202020204" pitchFamily="34" charset="0"/>
+                <a:cs typeface="Arial" panose="020B0604020202020204" pitchFamily="34" charset="0"/>
+              </a:rPr>
+              <a:t>. </a:t>
+            </a:r>
+            <a:r>
+              <a:rPr lang="en-US" sz="1400" dirty="0" err="1">
+                <a:latin typeface="Arial" panose="020B0604020202020204" pitchFamily="34" charset="0"/>
+                <a:cs typeface="Arial" panose="020B0604020202020204" pitchFamily="34" charset="0"/>
+              </a:rPr>
+              <a:t>Nếu</a:t>
+            </a:r>
+            <a:r>
+              <a:rPr lang="en-US" sz="1400" dirty="0">
+                <a:latin typeface="Arial" panose="020B0604020202020204" pitchFamily="34" charset="0"/>
+                <a:cs typeface="Arial" panose="020B0604020202020204" pitchFamily="34" charset="0"/>
+              </a:rPr>
+              <a:t> </a:t>
+            </a:r>
+            <a:r>
+              <a:rPr lang="en-US" sz="1400" dirty="0" err="1">
+                <a:latin typeface="Arial" panose="020B0604020202020204" pitchFamily="34" charset="0"/>
+                <a:cs typeface="Arial" panose="020B0604020202020204" pitchFamily="34" charset="0"/>
+              </a:rPr>
+              <a:t>sử</a:t>
+            </a:r>
+            <a:r>
+              <a:rPr lang="en-US" sz="1400" dirty="0">
+                <a:latin typeface="Arial" panose="020B0604020202020204" pitchFamily="34" charset="0"/>
+                <a:cs typeface="Arial" panose="020B0604020202020204" pitchFamily="34" charset="0"/>
+              </a:rPr>
+              <a:t> </a:t>
+            </a:r>
+            <a:r>
+              <a:rPr lang="en-US" sz="1400" dirty="0" err="1">
+                <a:latin typeface="Arial" panose="020B0604020202020204" pitchFamily="34" charset="0"/>
+                <a:cs typeface="Arial" panose="020B0604020202020204" pitchFamily="34" charset="0"/>
+              </a:rPr>
+              <a:t>dụng</a:t>
+            </a:r>
+            <a:r>
+              <a:rPr lang="en-US" sz="1400" dirty="0">
+                <a:latin typeface="Arial" panose="020B0604020202020204" pitchFamily="34" charset="0"/>
+                <a:cs typeface="Arial" panose="020B0604020202020204" pitchFamily="34" charset="0"/>
+              </a:rPr>
+              <a:t> </a:t>
+            </a:r>
+            <a:r>
+              <a:rPr lang="en-US" sz="1400" dirty="0" err="1">
+                <a:latin typeface="Arial" panose="020B0604020202020204" pitchFamily="34" charset="0"/>
+                <a:cs typeface="Arial" panose="020B0604020202020204" pitchFamily="34" charset="0"/>
+              </a:rPr>
+              <a:t>các</a:t>
+            </a:r>
+            <a:r>
+              <a:rPr lang="en-US" sz="1400" dirty="0">
+                <a:latin typeface="Arial" panose="020B0604020202020204" pitchFamily="34" charset="0"/>
+                <a:cs typeface="Arial" panose="020B0604020202020204" pitchFamily="34" charset="0"/>
+              </a:rPr>
+              <a:t> </a:t>
+            </a:r>
+            <a:r>
+              <a:rPr lang="en-US" sz="1400" dirty="0" err="1">
+                <a:latin typeface="Arial" panose="020B0604020202020204" pitchFamily="34" charset="0"/>
+                <a:cs typeface="Arial" panose="020B0604020202020204" pitchFamily="34" charset="0"/>
+              </a:rPr>
+              <a:t>mô</a:t>
+            </a:r>
+            <a:r>
+              <a:rPr lang="en-US" sz="1400" dirty="0">
+                <a:latin typeface="Arial" panose="020B0604020202020204" pitchFamily="34" charset="0"/>
+                <a:cs typeface="Arial" panose="020B0604020202020204" pitchFamily="34" charset="0"/>
+              </a:rPr>
+              <a:t> </a:t>
+            </a:r>
+            <a:r>
+              <a:rPr lang="en-US" sz="1400" dirty="0" err="1">
+                <a:latin typeface="Arial" panose="020B0604020202020204" pitchFamily="34" charset="0"/>
+                <a:cs typeface="Arial" panose="020B0604020202020204" pitchFamily="34" charset="0"/>
+              </a:rPr>
+              <a:t>hình</a:t>
+            </a:r>
+            <a:r>
+              <a:rPr lang="en-US" sz="1400" dirty="0">
+                <a:latin typeface="Arial" panose="020B0604020202020204" pitchFamily="34" charset="0"/>
+                <a:cs typeface="Arial" panose="020B0604020202020204" pitchFamily="34" charset="0"/>
+              </a:rPr>
+              <a:t> </a:t>
+            </a:r>
+            <a:r>
+              <a:rPr lang="en-US" sz="1400" dirty="0" err="1">
+                <a:latin typeface="Arial" panose="020B0604020202020204" pitchFamily="34" charset="0"/>
+                <a:cs typeface="Arial" panose="020B0604020202020204" pitchFamily="34" charset="0"/>
+              </a:rPr>
+              <a:t>học</a:t>
+            </a:r>
+            <a:r>
+              <a:rPr lang="en-US" sz="1400" dirty="0">
+                <a:latin typeface="Arial" panose="020B0604020202020204" pitchFamily="34" charset="0"/>
+                <a:cs typeface="Arial" panose="020B0604020202020204" pitchFamily="34" charset="0"/>
+              </a:rPr>
+              <a:t>, </a:t>
+            </a:r>
+            <a:r>
+              <a:rPr lang="en-US" sz="1400" dirty="0" err="1">
+                <a:latin typeface="Arial" panose="020B0604020202020204" pitchFamily="34" charset="0"/>
+                <a:cs typeface="Arial" panose="020B0604020202020204" pitchFamily="34" charset="0"/>
+              </a:rPr>
+              <a:t>sẽ</a:t>
+            </a:r>
+            <a:r>
+              <a:rPr lang="en-US" sz="1400" dirty="0">
+                <a:latin typeface="Arial" panose="020B0604020202020204" pitchFamily="34" charset="0"/>
+                <a:cs typeface="Arial" panose="020B0604020202020204" pitchFamily="34" charset="0"/>
+              </a:rPr>
+              <a:t> </a:t>
+            </a:r>
+            <a:r>
+              <a:rPr lang="en-US" sz="1400" dirty="0" err="1">
+                <a:latin typeface="Arial" panose="020B0604020202020204" pitchFamily="34" charset="0"/>
+                <a:cs typeface="Arial" panose="020B0604020202020204" pitchFamily="34" charset="0"/>
+              </a:rPr>
+              <a:t>bị</a:t>
+            </a:r>
+            <a:r>
+              <a:rPr lang="en-US" sz="1400" dirty="0">
+                <a:latin typeface="Arial" panose="020B0604020202020204" pitchFamily="34" charset="0"/>
+                <a:cs typeface="Arial" panose="020B0604020202020204" pitchFamily="34" charset="0"/>
+              </a:rPr>
+              <a:t> overfit </a:t>
+            </a:r>
+            <a:r>
+              <a:rPr lang="en-US" sz="1400" dirty="0" err="1">
+                <a:latin typeface="Arial" panose="020B0604020202020204" pitchFamily="34" charset="0"/>
+                <a:cs typeface="Arial" panose="020B0604020202020204" pitchFamily="34" charset="0"/>
+              </a:rPr>
+              <a:t>vào</a:t>
+            </a:r>
+            <a:r>
+              <a:rPr lang="en-US" sz="1400" dirty="0">
+                <a:latin typeface="Arial" panose="020B0604020202020204" pitchFamily="34" charset="0"/>
+                <a:cs typeface="Arial" panose="020B0604020202020204" pitchFamily="34" charset="0"/>
+              </a:rPr>
+              <a:t> </a:t>
+            </a:r>
+            <a:r>
+              <a:rPr lang="en-US" sz="1400" dirty="0" err="1">
+                <a:latin typeface="Arial" panose="020B0604020202020204" pitchFamily="34" charset="0"/>
+                <a:cs typeface="Arial" panose="020B0604020202020204" pitchFamily="34" charset="0"/>
+              </a:rPr>
+              <a:t>các</a:t>
+            </a:r>
+            <a:r>
+              <a:rPr lang="en-US" sz="1400" dirty="0">
+                <a:latin typeface="Arial" panose="020B0604020202020204" pitchFamily="34" charset="0"/>
+                <a:cs typeface="Arial" panose="020B0604020202020204" pitchFamily="34" charset="0"/>
+              </a:rPr>
+              <a:t> </a:t>
+            </a:r>
+            <a:r>
+              <a:rPr lang="en-US" sz="1400" dirty="0" err="1">
+                <a:latin typeface="Arial" panose="020B0604020202020204" pitchFamily="34" charset="0"/>
+                <a:cs typeface="Arial" panose="020B0604020202020204" pitchFamily="34" charset="0"/>
+              </a:rPr>
+              <a:t>giá</a:t>
+            </a:r>
+            <a:r>
+              <a:rPr lang="en-US" sz="1400" dirty="0">
+                <a:latin typeface="Arial" panose="020B0604020202020204" pitchFamily="34" charset="0"/>
+                <a:cs typeface="Arial" panose="020B0604020202020204" pitchFamily="34" charset="0"/>
+              </a:rPr>
+              <a:t> </a:t>
+            </a:r>
+            <a:r>
+              <a:rPr lang="en-US" sz="1400" dirty="0" err="1">
+                <a:latin typeface="Arial" panose="020B0604020202020204" pitchFamily="34" charset="0"/>
+                <a:cs typeface="Arial" panose="020B0604020202020204" pitchFamily="34" charset="0"/>
+              </a:rPr>
+              <a:t>trị</a:t>
+            </a:r>
+            <a:r>
+              <a:rPr lang="en-US" sz="1400" dirty="0">
+                <a:latin typeface="Arial" panose="020B0604020202020204" pitchFamily="34" charset="0"/>
+                <a:cs typeface="Arial" panose="020B0604020202020204" pitchFamily="34" charset="0"/>
+              </a:rPr>
+              <a:t> </a:t>
+            </a:r>
+            <a:r>
+              <a:rPr lang="en-US" sz="1400" dirty="0" err="1">
+                <a:latin typeface="Arial" panose="020B0604020202020204" pitchFamily="34" charset="0"/>
+                <a:cs typeface="Arial" panose="020B0604020202020204" pitchFamily="34" charset="0"/>
+              </a:rPr>
+              <a:t>đó</a:t>
+            </a:r>
+            <a:r>
+              <a:rPr lang="en-US" sz="1400" dirty="0">
+                <a:latin typeface="Arial" panose="020B0604020202020204" pitchFamily="34" charset="0"/>
+                <a:cs typeface="Arial" panose="020B0604020202020204" pitchFamily="34" charset="0"/>
+              </a:rPr>
+              <a:t>.</a:t>
+            </a:r>
+          </a:p>
+          <a:p>
+            <a:pPr marL="457200" lvl="1" indent="0">
+              <a:lnSpc>
+                <a:spcPct val="150000"/>
+              </a:lnSpc>
+              <a:buNone/>
+            </a:pPr>
+            <a:r>
+              <a:rPr lang="en-US" sz="1400" dirty="0" err="1">
+                <a:latin typeface="Arial" panose="020B0604020202020204" pitchFamily="34" charset="0"/>
+                <a:cs typeface="Arial" panose="020B0604020202020204" pitchFamily="34" charset="0"/>
+              </a:rPr>
+              <a:t>Số</a:t>
+            </a:r>
+            <a:r>
+              <a:rPr lang="en-US" sz="1400" dirty="0">
+                <a:latin typeface="Arial" panose="020B0604020202020204" pitchFamily="34" charset="0"/>
+                <a:cs typeface="Arial" panose="020B0604020202020204" pitchFamily="34" charset="0"/>
+              </a:rPr>
+              <a:t> l</a:t>
+            </a:r>
+            <a:r>
+              <a:rPr lang="vi-VN" sz="1400" dirty="0">
+                <a:latin typeface="Arial" panose="020B0604020202020204" pitchFamily="34" charset="0"/>
+                <a:cs typeface="Arial" panose="020B0604020202020204" pitchFamily="34" charset="0"/>
+              </a:rPr>
+              <a:t>ư</a:t>
+            </a:r>
+            <a:r>
+              <a:rPr lang="en-US" sz="1400" dirty="0" err="1">
+                <a:latin typeface="Arial" panose="020B0604020202020204" pitchFamily="34" charset="0"/>
+                <a:cs typeface="Arial" panose="020B0604020202020204" pitchFamily="34" charset="0"/>
+              </a:rPr>
+              <a:t>ợng</a:t>
+            </a:r>
+            <a:r>
+              <a:rPr lang="en-US" sz="1400" dirty="0">
+                <a:latin typeface="Arial" panose="020B0604020202020204" pitchFamily="34" charset="0"/>
+                <a:cs typeface="Arial" panose="020B0604020202020204" pitchFamily="34" charset="0"/>
+              </a:rPr>
+              <a:t> record </a:t>
+            </a:r>
+            <a:r>
+              <a:rPr lang="en-US" sz="1400" dirty="0" err="1">
+                <a:latin typeface="Arial" panose="020B0604020202020204" pitchFamily="34" charset="0"/>
+                <a:cs typeface="Arial" panose="020B0604020202020204" pitchFamily="34" charset="0"/>
+              </a:rPr>
+              <a:t>trong</a:t>
+            </a:r>
+            <a:r>
+              <a:rPr lang="en-US" sz="1400" dirty="0">
+                <a:latin typeface="Arial" panose="020B0604020202020204" pitchFamily="34" charset="0"/>
+                <a:cs typeface="Arial" panose="020B0604020202020204" pitchFamily="34" charset="0"/>
+              </a:rPr>
+              <a:t> </a:t>
+            </a:r>
+            <a:r>
+              <a:rPr lang="en-US" sz="1400" dirty="0" err="1">
+                <a:latin typeface="Arial" panose="020B0604020202020204" pitchFamily="34" charset="0"/>
+                <a:cs typeface="Arial" panose="020B0604020202020204" pitchFamily="34" charset="0"/>
+              </a:rPr>
+              <a:t>tập</a:t>
+            </a:r>
+            <a:r>
+              <a:rPr lang="en-US" sz="1400" dirty="0">
+                <a:latin typeface="Arial" panose="020B0604020202020204" pitchFamily="34" charset="0"/>
+                <a:cs typeface="Arial" panose="020B0604020202020204" pitchFamily="34" charset="0"/>
+              </a:rPr>
+              <a:t> test </a:t>
+            </a:r>
+            <a:r>
+              <a:rPr lang="en-US" sz="1400" dirty="0" err="1">
+                <a:latin typeface="Arial" panose="020B0604020202020204" pitchFamily="34" charset="0"/>
+                <a:cs typeface="Arial" panose="020B0604020202020204" pitchFamily="34" charset="0"/>
+              </a:rPr>
+              <a:t>có</a:t>
+            </a:r>
+            <a:r>
+              <a:rPr lang="en-US" sz="1400" dirty="0">
+                <a:latin typeface="Arial" panose="020B0604020202020204" pitchFamily="34" charset="0"/>
+                <a:cs typeface="Arial" panose="020B0604020202020204" pitchFamily="34" charset="0"/>
+              </a:rPr>
+              <a:t> </a:t>
+            </a:r>
+            <a:r>
+              <a:rPr lang="en-US" sz="1400" dirty="0" err="1">
+                <a:latin typeface="Arial" panose="020B0604020202020204" pitchFamily="34" charset="0"/>
+                <a:cs typeface="Arial" panose="020B0604020202020204" pitchFamily="34" charset="0"/>
+              </a:rPr>
+              <a:t>nhất</a:t>
+            </a:r>
+            <a:r>
+              <a:rPr lang="en-US" sz="1400" dirty="0">
+                <a:latin typeface="Arial" panose="020B0604020202020204" pitchFamily="34" charset="0"/>
+                <a:cs typeface="Arial" panose="020B0604020202020204" pitchFamily="34" charset="0"/>
+              </a:rPr>
+              <a:t> </a:t>
+            </a:r>
+            <a:r>
+              <a:rPr lang="en-US" sz="1400" dirty="0" err="1">
+                <a:latin typeface="Arial" panose="020B0604020202020204" pitchFamily="34" charset="0"/>
+                <a:cs typeface="Arial" panose="020B0604020202020204" pitchFamily="34" charset="0"/>
+              </a:rPr>
+              <a:t>thiết</a:t>
+            </a:r>
+            <a:r>
+              <a:rPr lang="en-US" sz="1400" dirty="0">
+                <a:latin typeface="Arial" panose="020B0604020202020204" pitchFamily="34" charset="0"/>
+                <a:cs typeface="Arial" panose="020B0604020202020204" pitchFamily="34" charset="0"/>
+              </a:rPr>
+              <a:t> </a:t>
+            </a:r>
+            <a:r>
+              <a:rPr lang="en-US" sz="1400" dirty="0" err="1">
+                <a:latin typeface="Arial" panose="020B0604020202020204" pitchFamily="34" charset="0"/>
+                <a:cs typeface="Arial" panose="020B0604020202020204" pitchFamily="34" charset="0"/>
+              </a:rPr>
+              <a:t>phải</a:t>
+            </a:r>
+            <a:r>
+              <a:rPr lang="en-US" sz="1400" dirty="0">
+                <a:latin typeface="Arial" panose="020B0604020202020204" pitchFamily="34" charset="0"/>
+                <a:cs typeface="Arial" panose="020B0604020202020204" pitchFamily="34" charset="0"/>
+              </a:rPr>
+              <a:t> </a:t>
+            </a:r>
+            <a:r>
+              <a:rPr lang="en-US" sz="1400" dirty="0" err="1">
+                <a:latin typeface="Arial" panose="020B0604020202020204" pitchFamily="34" charset="0"/>
+                <a:cs typeface="Arial" panose="020B0604020202020204" pitchFamily="34" charset="0"/>
+              </a:rPr>
+              <a:t>bằng</a:t>
+            </a:r>
+            <a:r>
+              <a:rPr lang="en-US" sz="1400" dirty="0">
+                <a:latin typeface="Arial" panose="020B0604020202020204" pitchFamily="34" charset="0"/>
+                <a:cs typeface="Arial" panose="020B0604020202020204" pitchFamily="34" charset="0"/>
+              </a:rPr>
+              <a:t> </a:t>
+            </a:r>
+            <a:r>
+              <a:rPr lang="en-US" sz="1400" dirty="0" err="1">
+                <a:latin typeface="Arial" panose="020B0604020202020204" pitchFamily="34" charset="0"/>
+                <a:cs typeface="Arial" panose="020B0604020202020204" pitchFamily="34" charset="0"/>
+              </a:rPr>
+              <a:t>số</a:t>
+            </a:r>
+            <a:r>
+              <a:rPr lang="en-US" sz="1400" dirty="0">
+                <a:latin typeface="Arial" panose="020B0604020202020204" pitchFamily="34" charset="0"/>
+                <a:cs typeface="Arial" panose="020B0604020202020204" pitchFamily="34" charset="0"/>
+              </a:rPr>
+              <a:t> l</a:t>
+            </a:r>
+            <a:r>
+              <a:rPr lang="vi-VN" sz="1400" dirty="0">
+                <a:latin typeface="Arial" panose="020B0604020202020204" pitchFamily="34" charset="0"/>
+                <a:cs typeface="Arial" panose="020B0604020202020204" pitchFamily="34" charset="0"/>
+              </a:rPr>
+              <a:t>ư</a:t>
+            </a:r>
+            <a:r>
+              <a:rPr lang="en-US" sz="1400" dirty="0" err="1">
+                <a:latin typeface="Arial" panose="020B0604020202020204" pitchFamily="34" charset="0"/>
+                <a:cs typeface="Arial" panose="020B0604020202020204" pitchFamily="34" charset="0"/>
+              </a:rPr>
+              <a:t>ợng</a:t>
+            </a:r>
+            <a:r>
+              <a:rPr lang="en-US" sz="1400" dirty="0">
+                <a:latin typeface="Arial" panose="020B0604020202020204" pitchFamily="34" charset="0"/>
+                <a:cs typeface="Arial" panose="020B0604020202020204" pitchFamily="34" charset="0"/>
+              </a:rPr>
+              <a:t> record </a:t>
+            </a:r>
+            <a:r>
+              <a:rPr lang="en-US" sz="1400" dirty="0" err="1">
+                <a:latin typeface="Arial" panose="020B0604020202020204" pitchFamily="34" charset="0"/>
+                <a:cs typeface="Arial" panose="020B0604020202020204" pitchFamily="34" charset="0"/>
+              </a:rPr>
+              <a:t>trong</a:t>
+            </a:r>
+            <a:r>
+              <a:rPr lang="en-US" sz="1400" dirty="0">
+                <a:latin typeface="Arial" panose="020B0604020202020204" pitchFamily="34" charset="0"/>
+                <a:cs typeface="Arial" panose="020B0604020202020204" pitchFamily="34" charset="0"/>
+              </a:rPr>
+              <a:t> </a:t>
+            </a:r>
+            <a:r>
+              <a:rPr lang="en-US" sz="1400" dirty="0" err="1">
+                <a:latin typeface="Arial" panose="020B0604020202020204" pitchFamily="34" charset="0"/>
+                <a:cs typeface="Arial" panose="020B0604020202020204" pitchFamily="34" charset="0"/>
+              </a:rPr>
+              <a:t>tập</a:t>
+            </a:r>
+            <a:r>
+              <a:rPr lang="en-US" sz="1400" dirty="0">
+                <a:latin typeface="Arial" panose="020B0604020202020204" pitchFamily="34" charset="0"/>
+                <a:cs typeface="Arial" panose="020B0604020202020204" pitchFamily="34" charset="0"/>
+              </a:rPr>
+              <a:t> validation.</a:t>
+            </a:r>
+          </a:p>
+        </p:txBody>
+      </p:sp>
     </p:spTree>
     <p:extLst>
       <p:ext uri="{BB962C8B-B14F-4D97-AF65-F5344CB8AC3E}">
-        <p14:creationId xmlns:p14="http://schemas.microsoft.com/office/powerpoint/2010/main" val="3964564971"/>
+        <p14:creationId xmlns:p14="http://schemas.microsoft.com/office/powerpoint/2010/main" val="662106276"/>
       </p:ext>
     </p:extLst>
   </p:cSld>

--- a/doc/report.pptx
+++ b/doc/report.pptx
@@ -225,7 +225,7 @@
           <a:p>
             <a:fld id="{23EDC7EF-2C8A-4BED-BB2A-11CA579B9823}" type="datetimeFigureOut">
               <a:rPr lang="en-US" smtClean="0"/>
-              <a:t>2020-01-08</a:t>
+              <a:t>1/8/2020</a:t>
             </a:fld>
             <a:endParaRPr lang="en-US"/>
           </a:p>
@@ -409,7 +409,7 @@
           <a:p>
             <a:fld id="{F8B84600-A566-40EA-BE9B-5ACBE31EE42D}" type="datetimeFigureOut">
               <a:rPr lang="en-US" smtClean="0"/>
-              <a:t>2020-01-08</a:t>
+              <a:t>1/8/2020</a:t>
             </a:fld>
             <a:endParaRPr lang="en-US"/>
           </a:p>
@@ -1386,6 +1386,134 @@
 </p:notes>
 </file>
 
+<file path=ppt/notesSlides/notesSlide6.xml><?xml version="1.0" encoding="utf-8"?>
+<p:notes xmlns:a="http://schemas.openxmlformats.org/drawingml/2006/main" xmlns:r="http://schemas.openxmlformats.org/officeDocument/2006/relationships" xmlns:p="http://schemas.openxmlformats.org/presentationml/2006/main">
+  <p:cSld>
+    <p:spTree>
+      <p:nvGrpSpPr>
+        <p:cNvPr id="1" name=""/>
+        <p:cNvGrpSpPr/>
+        <p:nvPr/>
+      </p:nvGrpSpPr>
+      <p:grpSpPr>
+        <a:xfrm>
+          <a:off x="0" y="0"/>
+          <a:ext cx="0" cy="0"/>
+          <a:chOff x="0" y="0"/>
+          <a:chExt cx="0" cy="0"/>
+        </a:xfrm>
+      </p:grpSpPr>
+      <p:sp>
+        <p:nvSpPr>
+          <p:cNvPr id="2" name="Slide Image Placeholder 1"/>
+          <p:cNvSpPr>
+            <a:spLocks noGrp="1" noRot="1" noChangeAspect="1"/>
+          </p:cNvSpPr>
+          <p:nvPr>
+            <p:ph type="sldImg"/>
+          </p:nvPr>
+        </p:nvSpPr>
+        <p:spPr/>
+      </p:sp>
+      <p:sp>
+        <p:nvSpPr>
+          <p:cNvPr id="3" name="Notes Placeholder 2"/>
+          <p:cNvSpPr>
+            <a:spLocks noGrp="1"/>
+          </p:cNvSpPr>
+          <p:nvPr>
+            <p:ph type="body" idx="1"/>
+          </p:nvPr>
+        </p:nvSpPr>
+        <p:spPr/>
+        <p:txBody>
+          <a:bodyPr/>
+          <a:lstStyle/>
+          <a:p>
+            <a:endParaRPr lang="en-US"/>
+          </a:p>
+        </p:txBody>
+      </p:sp>
+      <p:sp>
+        <p:nvSpPr>
+          <p:cNvPr id="4" name="Header Placeholder 3"/>
+          <p:cNvSpPr>
+            <a:spLocks noGrp="1"/>
+          </p:cNvSpPr>
+          <p:nvPr>
+            <p:ph type="hdr" sz="quarter"/>
+          </p:nvPr>
+        </p:nvSpPr>
+        <p:spPr/>
+        <p:txBody>
+          <a:bodyPr/>
+          <a:lstStyle/>
+          <a:p>
+            <a:r>
+              <a:rPr lang="en-US"/>
+              <a:t>Hệ tự hành có khả năng tránh vật cản động</a:t>
+            </a:r>
+          </a:p>
+        </p:txBody>
+      </p:sp>
+      <p:sp>
+        <p:nvSpPr>
+          <p:cNvPr id="5" name="Footer Placeholder 4"/>
+          <p:cNvSpPr>
+            <a:spLocks noGrp="1"/>
+          </p:cNvSpPr>
+          <p:nvPr>
+            <p:ph type="ftr" sz="quarter" idx="4"/>
+          </p:nvPr>
+        </p:nvSpPr>
+        <p:spPr/>
+        <p:txBody>
+          <a:bodyPr/>
+          <a:lstStyle/>
+          <a:p>
+            <a:r>
+              <a:rPr lang="en-US"/>
+              <a:t>I. Động lực</a:t>
+            </a:r>
+          </a:p>
+        </p:txBody>
+      </p:sp>
+      <p:sp>
+        <p:nvSpPr>
+          <p:cNvPr id="6" name="Slide Number Placeholder 5"/>
+          <p:cNvSpPr>
+            <a:spLocks noGrp="1"/>
+          </p:cNvSpPr>
+          <p:nvPr>
+            <p:ph type="sldNum" sz="quarter" idx="5"/>
+          </p:nvPr>
+        </p:nvSpPr>
+        <p:spPr/>
+        <p:txBody>
+          <a:bodyPr/>
+          <a:lstStyle/>
+          <a:p>
+            <a:fld id="{F5152F66-8641-4627-9311-0BBB9CB776F3}" type="slidenum">
+              <a:rPr lang="en-US" smtClean="0"/>
+              <a:t>8</a:t>
+            </a:fld>
+            <a:endParaRPr lang="en-US"/>
+          </a:p>
+        </p:txBody>
+      </p:sp>
+    </p:spTree>
+    <p:extLst>
+      <p:ext uri="{BB962C8B-B14F-4D97-AF65-F5344CB8AC3E}">
+        <p14:creationId xmlns:p14="http://schemas.microsoft.com/office/powerpoint/2010/main" val="3530245301"/>
+      </p:ext>
+    </p:extLst>
+  </p:cSld>
+  <p:clrMapOvr>
+    <a:masterClrMapping/>
+  </p:clrMapOvr>
+</p:notes>
+</file>
+
 <file path=ppt/slideLayouts/slideLayout1.xml><?xml version="1.0" encoding="utf-8"?>
 <p:sldLayout xmlns:a="http://schemas.openxmlformats.org/drawingml/2006/main" xmlns:r="http://schemas.openxmlformats.org/officeDocument/2006/relationships" xmlns:p="http://schemas.openxmlformats.org/presentationml/2006/main" type="title" preserve="1">
   <p:cSld name="Title Slide">
@@ -1533,7 +1661,7 @@
           <a:p>
             <a:fld id="{38DF76A7-A227-4517-965D-40E5F781BA5B}" type="datetime1">
               <a:rPr lang="en-US" smtClean="0"/>
-              <a:t>2020-01-08</a:t>
+              <a:t>1/8/2020</a:t>
             </a:fld>
             <a:endParaRPr lang="en-US"/>
           </a:p>
@@ -1734,7 +1862,7 @@
           <a:p>
             <a:fld id="{00E0834F-6201-4D64-91BA-A3F135E26F82}" type="datetime1">
               <a:rPr lang="en-US" smtClean="0"/>
-              <a:t>2020-01-08</a:t>
+              <a:t>1/8/2020</a:t>
             </a:fld>
             <a:endParaRPr lang="en-US"/>
           </a:p>
@@ -1945,7 +2073,7 @@
           <a:p>
             <a:fld id="{CCBEA601-CF0B-4316-BA67-73803036A82D}" type="datetime1">
               <a:rPr lang="en-US" smtClean="0"/>
-              <a:t>2020-01-08</a:t>
+              <a:t>1/8/2020</a:t>
             </a:fld>
             <a:endParaRPr lang="en-US"/>
           </a:p>
@@ -2224,7 +2352,7 @@
           <a:p>
             <a:fld id="{E27BB601-612A-49B6-A526-3A125925B92D}" type="datetime1">
               <a:rPr lang="en-US" smtClean="0"/>
-              <a:t>2020-01-08</a:t>
+              <a:t>1/8/2020</a:t>
             </a:fld>
             <a:endParaRPr lang="en-US"/>
           </a:p>
@@ -2502,7 +2630,7 @@
           <a:p>
             <a:fld id="{6775A2E7-07D1-4BD1-A27A-2C705AA2CC5C}" type="datetime1">
               <a:rPr lang="en-US" smtClean="0"/>
-              <a:t>2020-01-08</a:t>
+              <a:t>1/8/2020</a:t>
             </a:fld>
             <a:endParaRPr lang="en-US"/>
           </a:p>
@@ -2770,7 +2898,7 @@
           <a:p>
             <a:fld id="{BE99AF5B-ED71-4571-8AFE-338CA086A8B8}" type="datetime1">
               <a:rPr lang="en-US" smtClean="0"/>
-              <a:t>2020-01-08</a:t>
+              <a:t>1/8/2020</a:t>
             </a:fld>
             <a:endParaRPr lang="en-US"/>
           </a:p>
@@ -3185,7 +3313,7 @@
           <a:p>
             <a:fld id="{C1803233-257D-4AE7-B6A0-CCA249F54B1C}" type="datetime1">
               <a:rPr lang="en-US" smtClean="0"/>
-              <a:t>2020-01-08</a:t>
+              <a:t>1/8/2020</a:t>
             </a:fld>
             <a:endParaRPr lang="en-US"/>
           </a:p>
@@ -3329,7 +3457,7 @@
           <a:p>
             <a:fld id="{5D351BEF-5ED1-4AB0-91F3-9F5AC17E5BCD}" type="datetime1">
               <a:rPr lang="en-US" smtClean="0"/>
-              <a:t>2020-01-08</a:t>
+              <a:t>1/8/2020</a:t>
             </a:fld>
             <a:endParaRPr lang="en-US"/>
           </a:p>
@@ -3445,7 +3573,7 @@
           <a:p>
             <a:fld id="{73792002-44B4-45F3-965D-838A2E8E0737}" type="datetime1">
               <a:rPr lang="en-US" smtClean="0"/>
-              <a:t>2020-01-08</a:t>
+              <a:t>1/8/2020</a:t>
             </a:fld>
             <a:endParaRPr lang="en-US"/>
           </a:p>
@@ -3759,7 +3887,7 @@
           <a:p>
             <a:fld id="{89A2D48F-B309-49D9-A76A-EF2A755F2083}" type="datetime1">
               <a:rPr lang="en-US" smtClean="0"/>
-              <a:t>2020-01-08</a:t>
+              <a:t>1/8/2020</a:t>
             </a:fld>
             <a:endParaRPr lang="en-US"/>
           </a:p>
@@ -4050,7 +4178,7 @@
           <a:p>
             <a:fld id="{72005573-5152-46B4-A892-1BA3448313C7}" type="datetime1">
               <a:rPr lang="en-US" smtClean="0"/>
-              <a:t>2020-01-08</a:t>
+              <a:t>1/8/2020</a:t>
             </a:fld>
             <a:endParaRPr lang="en-US"/>
           </a:p>
@@ -4294,7 +4422,7 @@
           <a:p>
             <a:fld id="{A7A43355-6594-4835-BB8E-6BCE00E7F01D}" type="datetime1">
               <a:rPr lang="en-US" smtClean="0"/>
-              <a:t>2020-01-08</a:t>
+              <a:t>1/8/2020</a:t>
             </a:fld>
             <a:endParaRPr lang="en-US"/>
           </a:p>
@@ -9165,18 +9293,6 @@
   <p:clrMapOvr>
     <a:masterClrMapping/>
   </p:clrMapOvr>
-  <mc:AlternateContent xmlns:mc="http://schemas.openxmlformats.org/markup-compatibility/2006" xmlns:p14="http://schemas.microsoft.com/office/powerpoint/2010/main">
-    <mc:Choice Requires="p14">
-      <p:transition spd="slow" p14:dur="1200">
-        <p14:prism/>
-      </p:transition>
-    </mc:Choice>
-    <mc:Fallback xmlns="">
-      <p:transition spd="slow">
-        <p:fade/>
-      </p:transition>
-    </mc:Fallback>
-  </mc:AlternateContent>
   <mc:AlternateContent xmlns:mc="http://schemas.openxmlformats.org/markup-compatibility/2006" xmlns:p14="http://schemas.microsoft.com/office/powerpoint/2010/main">
     <mc:Choice Requires="p14">
       <p:timing>
@@ -10828,18 +10944,6 @@
   </p:clrMapOvr>
   <mc:AlternateContent xmlns:mc="http://schemas.openxmlformats.org/markup-compatibility/2006" xmlns:p14="http://schemas.microsoft.com/office/powerpoint/2010/main">
     <mc:Choice Requires="p14">
-      <p:transition spd="slow" p14:dur="2000">
-        <p:push/>
-      </p:transition>
-    </mc:Choice>
-    <mc:Fallback xmlns="">
-      <p:transition spd="slow">
-        <p:push/>
-      </p:transition>
-    </mc:Fallback>
-  </mc:AlternateContent>
-  <mc:AlternateContent xmlns:mc="http://schemas.openxmlformats.org/markup-compatibility/2006" xmlns:p14="http://schemas.microsoft.com/office/powerpoint/2010/main">
-    <mc:Choice Requires="p14">
       <p:timing>
         <p:tnLst>
           <p:par>
@@ -13953,7 +14057,21 @@
                 <a:latin typeface="Arial" panose="020B0604020202020204" pitchFamily="34" charset="0"/>
                 <a:cs typeface="Arial" panose="020B0604020202020204" pitchFamily="34" charset="0"/>
               </a:rPr>
-              <a:t> 15/01/2020 </a:t>
+              <a:t> </a:t>
+            </a:r>
+            <a:r>
+              <a:rPr lang="en-US" sz="1800" b="1" dirty="0">
+                <a:latin typeface="Arial" panose="020B0604020202020204" pitchFamily="34" charset="0"/>
+                <a:cs typeface="Arial" panose="020B0604020202020204" pitchFamily="34" charset="0"/>
+              </a:rPr>
+              <a:t>15/01/2020</a:t>
+            </a:r>
+            <a:r>
+              <a:rPr lang="en-US" sz="1800" dirty="0">
+                <a:latin typeface="Arial" panose="020B0604020202020204" pitchFamily="34" charset="0"/>
+                <a:cs typeface="Arial" panose="020B0604020202020204" pitchFamily="34" charset="0"/>
+              </a:rPr>
+              <a:t> </a:t>
             </a:r>
             <a:r>
               <a:rPr lang="en-US" sz="1800" dirty="0" err="1">
@@ -13967,7 +14085,21 @@
                 <a:latin typeface="Arial" panose="020B0604020202020204" pitchFamily="34" charset="0"/>
                 <a:cs typeface="Arial" panose="020B0604020202020204" pitchFamily="34" charset="0"/>
               </a:rPr>
-              <a:t> 15/01/2022) </a:t>
+              <a:t> </a:t>
+            </a:r>
+            <a:r>
+              <a:rPr lang="en-US" sz="1800" b="1" dirty="0">
+                <a:latin typeface="Arial" panose="020B0604020202020204" pitchFamily="34" charset="0"/>
+                <a:cs typeface="Arial" panose="020B0604020202020204" pitchFamily="34" charset="0"/>
+              </a:rPr>
+              <a:t>15/01/2022</a:t>
+            </a:r>
+            <a:r>
+              <a:rPr lang="en-US" sz="1800" dirty="0">
+                <a:latin typeface="Arial" panose="020B0604020202020204" pitchFamily="34" charset="0"/>
+                <a:cs typeface="Arial" panose="020B0604020202020204" pitchFamily="34" charset="0"/>
+              </a:rPr>
+              <a:t>) </a:t>
             </a:r>
             <a:r>
               <a:rPr lang="en-US" sz="1800" dirty="0" err="1">
@@ -13995,7 +14127,21 @@
                 <a:latin typeface="Arial" panose="020B0604020202020204" pitchFamily="34" charset="0"/>
                 <a:cs typeface="Arial" panose="020B0604020202020204" pitchFamily="34" charset="0"/>
               </a:rPr>
-              <a:t> web: https://www.imdb.com/.</a:t>
+              <a:t> web: </a:t>
+            </a:r>
+            <a:r>
+              <a:rPr lang="en-US" sz="1800" b="1" dirty="0">
+                <a:latin typeface="Arial" panose="020B0604020202020204" pitchFamily="34" charset="0"/>
+                <a:cs typeface="Arial" panose="020B0604020202020204" pitchFamily="34" charset="0"/>
+              </a:rPr>
+              <a:t>https://www.imdb.com/</a:t>
+            </a:r>
+            <a:r>
+              <a:rPr lang="en-US" sz="1800" dirty="0">
+                <a:latin typeface="Arial" panose="020B0604020202020204" pitchFamily="34" charset="0"/>
+                <a:cs typeface="Arial" panose="020B0604020202020204" pitchFamily="34" charset="0"/>
+              </a:rPr>
+              <a:t>.</a:t>
             </a:r>
           </a:p>
           <a:p>
@@ -15660,48 +15806,25 @@
                 <a:latin typeface="Arial" panose="020B0604020202020204" pitchFamily="34" charset="0"/>
                 <a:cs typeface="Arial" panose="020B0604020202020204" pitchFamily="34" charset="0"/>
               </a:rPr>
-              <a:t> rating (</a:t>
-            </a:r>
-            <a:r>
-              <a:rPr lang="en-US" sz="1600" b="1" dirty="0" err="1">
+              <a:t> rating </a:t>
+            </a:r>
+            <a:r>
+              <a:rPr lang="en-US" sz="1600" b="1">
                 <a:solidFill>
                   <a:schemeClr val="bg1"/>
                 </a:solidFill>
                 <a:latin typeface="Arial" panose="020B0604020202020204" pitchFamily="34" charset="0"/>
                 <a:cs typeface="Arial" panose="020B0604020202020204" pitchFamily="34" charset="0"/>
               </a:rPr>
-              <a:t>trên</a:t>
-            </a:r>
-            <a:r>
-              <a:rPr lang="en-US" sz="1600" b="1" dirty="0">
-                <a:solidFill>
-                  <a:schemeClr val="bg1"/>
-                </a:solidFill>
-                <a:latin typeface="Arial" panose="020B0604020202020204" pitchFamily="34" charset="0"/>
-                <a:cs typeface="Arial" panose="020B0604020202020204" pitchFamily="34" charset="0"/>
-              </a:rPr>
-              <a:t> 10 </a:t>
-            </a:r>
-            <a:r>
-              <a:rPr lang="en-US" sz="1600" b="1" dirty="0" err="1">
-                <a:solidFill>
-                  <a:schemeClr val="bg1"/>
-                </a:solidFill>
-                <a:latin typeface="Arial" panose="020B0604020202020204" pitchFamily="34" charset="0"/>
-                <a:cs typeface="Arial" panose="020B0604020202020204" pitchFamily="34" charset="0"/>
-              </a:rPr>
-              <a:t>điểm</a:t>
-            </a:r>
-            <a:r>
-              <a:rPr lang="en-US" sz="1600" b="1" dirty="0">
-                <a:solidFill>
-                  <a:schemeClr val="bg1"/>
-                </a:solidFill>
-                <a:latin typeface="Arial" panose="020B0604020202020204" pitchFamily="34" charset="0"/>
-                <a:cs typeface="Arial" panose="020B0604020202020204" pitchFamily="34" charset="0"/>
-              </a:rPr>
-              <a:t>).</a:t>
-            </a:r>
+              <a:t>(trên thang điểm 10).</a:t>
+            </a:r>
+            <a:endParaRPr lang="en-US" sz="1600" b="1" dirty="0">
+              <a:solidFill>
+                <a:schemeClr val="bg1"/>
+              </a:solidFill>
+              <a:latin typeface="Arial" panose="020B0604020202020204" pitchFamily="34" charset="0"/>
+              <a:cs typeface="Arial" panose="020B0604020202020204" pitchFamily="34" charset="0"/>
+            </a:endParaRPr>
           </a:p>
           <a:p>
             <a:pPr marL="0" indent="0">
@@ -18027,27 +18150,118 @@
               <a:t> </a:t>
             </a:r>
             <a:r>
-              <a:rPr lang="en-US" sz="1600" b="1" dirty="0" err="1">
+              <a:rPr lang="en-US" sz="1600" b="1" err="1">
                 <a:latin typeface="Arial" panose="020B0604020202020204" pitchFamily="34" charset="0"/>
                 <a:cs typeface="Arial" panose="020B0604020202020204" pitchFamily="34" charset="0"/>
               </a:rPr>
               <a:t>dữ</a:t>
             </a:r>
             <a:r>
-              <a:rPr lang="en-US" sz="1600" b="1" dirty="0">
-                <a:latin typeface="Arial" panose="020B0604020202020204" pitchFamily="34" charset="0"/>
-                <a:cs typeface="Arial" panose="020B0604020202020204" pitchFamily="34" charset="0"/>
-              </a:rPr>
-              <a:t> </a:t>
-            </a:r>
-            <a:r>
-              <a:rPr lang="en-US" sz="1600" b="1" dirty="0" err="1">
-                <a:latin typeface="Arial" panose="020B0604020202020204" pitchFamily="34" charset="0"/>
-                <a:cs typeface="Arial" panose="020B0604020202020204" pitchFamily="34" charset="0"/>
-              </a:rPr>
-              <a:t>liệu</a:t>
-            </a:r>
-            <a:endParaRPr lang="en-US" sz="1500" dirty="0">
+              <a:rPr lang="en-US" sz="1600" b="1">
+                <a:latin typeface="Arial" panose="020B0604020202020204" pitchFamily="34" charset="0"/>
+                <a:cs typeface="Arial" panose="020B0604020202020204" pitchFamily="34" charset="0"/>
+              </a:rPr>
+              <a:t> liệu</a:t>
+            </a:r>
+          </a:p>
+          <a:p>
+            <a:pPr>
+              <a:lnSpc>
+                <a:spcPct val="150000"/>
+              </a:lnSpc>
+              <a:buFontTx/>
+              <a:buChar char="-"/>
+            </a:pPr>
+            <a:r>
+              <a:rPr lang="en-US" sz="1600">
+                <a:latin typeface="Arial" panose="020B0604020202020204" pitchFamily="34" charset="0"/>
+                <a:cs typeface="Arial" panose="020B0604020202020204" pitchFamily="34" charset="0"/>
+              </a:rPr>
+              <a:t>Loại bỏ các ký tự đặc biệc trong cột gross.</a:t>
+            </a:r>
+          </a:p>
+          <a:p>
+            <a:pPr>
+              <a:lnSpc>
+                <a:spcPct val="150000"/>
+              </a:lnSpc>
+              <a:buFontTx/>
+              <a:buChar char="-"/>
+            </a:pPr>
+            <a:r>
+              <a:rPr lang="en-US" sz="1600">
+                <a:latin typeface="Arial" panose="020B0604020202020204" pitchFamily="34" charset="0"/>
+                <a:cs typeface="Arial" panose="020B0604020202020204" pitchFamily="34" charset="0"/>
+              </a:rPr>
+              <a:t>VD: $340.5M -&gt; 340.5</a:t>
+            </a:r>
+          </a:p>
+          <a:p>
+            <a:pPr>
+              <a:lnSpc>
+                <a:spcPct val="150000"/>
+              </a:lnSpc>
+              <a:buFontTx/>
+              <a:buChar char="-"/>
+            </a:pPr>
+            <a:r>
+              <a:rPr lang="en-US" sz="1600">
+                <a:latin typeface="Arial" panose="020B0604020202020204" pitchFamily="34" charset="0"/>
+                <a:cs typeface="Arial" panose="020B0604020202020204" pitchFamily="34" charset="0"/>
+              </a:rPr>
+              <a:t>Loại bỏ những dòng trùng nhau, hoặc dòng có rating bằng 0.</a:t>
+            </a:r>
+          </a:p>
+          <a:p>
+            <a:pPr>
+              <a:lnSpc>
+                <a:spcPct val="150000"/>
+              </a:lnSpc>
+              <a:buFontTx/>
+              <a:buChar char="-"/>
+            </a:pPr>
+            <a:r>
+              <a:rPr lang="en-US" sz="1600">
+                <a:latin typeface="Arial" panose="020B0604020202020204" pitchFamily="34" charset="0"/>
+                <a:cs typeface="Arial" panose="020B0604020202020204" pitchFamily="34" charset="0"/>
+              </a:rPr>
+              <a:t>Chia tập train và validation với tỉ lệ 70:30</a:t>
+            </a:r>
+          </a:p>
+          <a:p>
+            <a:pPr>
+              <a:lnSpc>
+                <a:spcPct val="150000"/>
+              </a:lnSpc>
+              <a:buFontTx/>
+              <a:buChar char="-"/>
+            </a:pPr>
+            <a:endParaRPr lang="en-US" sz="1600">
+              <a:latin typeface="Arial" panose="020B0604020202020204" pitchFamily="34" charset="0"/>
+              <a:cs typeface="Arial" panose="020B0604020202020204" pitchFamily="34" charset="0"/>
+            </a:endParaRPr>
+          </a:p>
+          <a:p>
+            <a:pPr marL="0" indent="0">
+              <a:lnSpc>
+                <a:spcPct val="150000"/>
+              </a:lnSpc>
+              <a:buNone/>
+            </a:pPr>
+            <a:endParaRPr lang="en-US" sz="1600">
+              <a:latin typeface="Arial" panose="020B0604020202020204" pitchFamily="34" charset="0"/>
+              <a:cs typeface="Arial" panose="020B0604020202020204" pitchFamily="34" charset="0"/>
+            </a:endParaRPr>
+          </a:p>
+          <a:p>
+            <a:pPr>
+              <a:lnSpc>
+                <a:spcPct val="150000"/>
+              </a:lnSpc>
+              <a:buFontTx/>
+              <a:buChar char="-"/>
+            </a:pPr>
+            <a:endParaRPr lang="en-US" sz="1600" b="1">
               <a:latin typeface="Arial" panose="020B0604020202020204" pitchFamily="34" charset="0"/>
               <a:cs typeface="Arial" panose="020B0604020202020204" pitchFamily="34" charset="0"/>
             </a:endParaRPr>
@@ -18094,70 +18308,6 @@
       </p:grpSpPr>
       <p:sp>
         <p:nvSpPr>
-          <p:cNvPr id="44" name="Rectangle 43">
-            <a:extLst>
-              <a:ext uri="{FF2B5EF4-FFF2-40B4-BE49-F238E27FC236}">
-                <a16:creationId xmlns:a16="http://schemas.microsoft.com/office/drawing/2014/main" id="{867D4867-5BA7-4462-B2F6-A23F4A622AA7}"/>
-              </a:ext>
-              <a:ext uri="{C183D7F6-B498-43B3-948B-1728B52AA6E4}">
-                <adec:decorative xmlns:adec="http://schemas.microsoft.com/office/drawing/2017/decorative" val="1"/>
-              </a:ext>
-            </a:extLst>
-          </p:cNvPr>
-          <p:cNvSpPr>
-            <a:spLocks noGrp="1" noRot="1" noChangeAspect="1" noMove="1" noResize="1" noEditPoints="1" noAdjustHandles="1" noChangeArrowheads="1" noChangeShapeType="1" noTextEdit="1"/>
-          </p:cNvSpPr>
-          <p:nvPr>
-            <p:extLst>
-              <p:ext uri="{386F3935-93C4-4BCD-93E2-E3B085C9AB24}">
-                <p16:designElem xmlns:p16="http://schemas.microsoft.com/office/powerpoint/2015/main" val="1"/>
-              </p:ext>
-            </p:extLst>
-          </p:nvPr>
-        </p:nvSpPr>
-        <p:spPr>
-          <a:xfrm>
-            <a:off x="0" y="0"/>
-            <a:ext cx="4654296" cy="6858000"/>
-          </a:xfrm>
-          <a:prstGeom prst="rect">
-            <a:avLst/>
-          </a:prstGeom>
-          <a:solidFill>
-            <a:schemeClr val="tx1">
-              <a:lumMod val="75000"/>
-              <a:lumOff val="25000"/>
-            </a:schemeClr>
-          </a:solidFill>
-          <a:ln>
-            <a:noFill/>
-          </a:ln>
-        </p:spPr>
-        <p:style>
-          <a:lnRef idx="0">
-            <a:scrgbClr r="0" g="0" b="0"/>
-          </a:lnRef>
-          <a:fillRef idx="0">
-            <a:scrgbClr r="0" g="0" b="0"/>
-          </a:fillRef>
-          <a:effectRef idx="0">
-            <a:scrgbClr r="0" g="0" b="0"/>
-          </a:effectRef>
-          <a:fontRef idx="minor">
-            <a:schemeClr val="lt1"/>
-          </a:fontRef>
-        </p:style>
-        <p:txBody>
-          <a:bodyPr rtlCol="0" anchor="ctr"/>
-          <a:lstStyle/>
-          <a:p>
-            <a:pPr algn="ctr"/>
-            <a:endParaRPr lang="en-US"/>
-          </a:p>
-        </p:txBody>
-      </p:sp>
-      <p:sp>
-        <p:nvSpPr>
           <p:cNvPr id="2" name="Title 1">
             <a:extLst>
               <a:ext uri="{FF2B5EF4-FFF2-40B4-BE49-F238E27FC236}">
@@ -18174,139 +18324,23 @@
         </p:nvSpPr>
         <p:spPr>
           <a:xfrm>
-            <a:off x="480764" y="615022"/>
-            <a:ext cx="3989636" cy="1392702"/>
+            <a:off x="450392" y="45722"/>
+            <a:ext cx="5127031" cy="788667"/>
           </a:xfrm>
-          <a:noFill/>
-          <a:ln w="19050">
-            <a:solidFill>
-              <a:schemeClr val="bg1"/>
-            </a:solidFill>
-          </a:ln>
         </p:spPr>
         <p:txBody>
-          <a:bodyPr wrap="square">
-            <a:normAutofit fontScale="90000"/>
+          <a:bodyPr>
+            <a:normAutofit/>
           </a:bodyPr>
           <a:lstStyle/>
           <a:p>
-            <a:pPr algn="ctr"/>
-            <a:r>
-              <a:rPr lang="en-US" sz="4800" dirty="0">
-                <a:solidFill>
-                  <a:schemeClr val="bg1"/>
-                </a:solidFill>
-                <a:latin typeface="Arial" panose="020B0604020202020204" pitchFamily="34" charset="0"/>
-                <a:cs typeface="Arial" panose="020B0604020202020204" pitchFamily="34" charset="0"/>
-              </a:rPr>
-              <a:t>III. </a:t>
-            </a:r>
-            <a:r>
-              <a:rPr lang="en-US" sz="4800" dirty="0" err="1">
-                <a:solidFill>
-                  <a:schemeClr val="bg1"/>
-                </a:solidFill>
-                <a:latin typeface="Arial" panose="020B0604020202020204" pitchFamily="34" charset="0"/>
-                <a:cs typeface="Arial" panose="020B0604020202020204" pitchFamily="34" charset="0"/>
-              </a:rPr>
-              <a:t>Mô</a:t>
-            </a:r>
-            <a:r>
-              <a:rPr lang="en-US" sz="4800" dirty="0">
-                <a:solidFill>
-                  <a:schemeClr val="bg1"/>
-                </a:solidFill>
-                <a:latin typeface="Arial" panose="020B0604020202020204" pitchFamily="34" charset="0"/>
-                <a:cs typeface="Arial" panose="020B0604020202020204" pitchFamily="34" charset="0"/>
-              </a:rPr>
-              <a:t> </a:t>
-            </a:r>
-            <a:r>
-              <a:rPr lang="en-US" sz="4800" dirty="0" err="1">
-                <a:solidFill>
-                  <a:schemeClr val="bg1"/>
-                </a:solidFill>
-                <a:latin typeface="Arial" panose="020B0604020202020204" pitchFamily="34" charset="0"/>
-                <a:cs typeface="Arial" panose="020B0604020202020204" pitchFamily="34" charset="0"/>
-              </a:rPr>
-              <a:t>tả</a:t>
-            </a:r>
-            <a:r>
-              <a:rPr lang="en-US" sz="4800" dirty="0">
-                <a:solidFill>
-                  <a:schemeClr val="bg1"/>
-                </a:solidFill>
-                <a:latin typeface="Arial" panose="020B0604020202020204" pitchFamily="34" charset="0"/>
-                <a:cs typeface="Arial" panose="020B0604020202020204" pitchFamily="34" charset="0"/>
-              </a:rPr>
-              <a:t> </a:t>
-            </a:r>
-            <a:r>
-              <a:rPr lang="en-US" sz="4800" dirty="0" err="1">
-                <a:solidFill>
-                  <a:schemeClr val="bg1"/>
-                </a:solidFill>
-                <a:latin typeface="Arial" panose="020B0604020202020204" pitchFamily="34" charset="0"/>
-                <a:cs typeface="Arial" panose="020B0604020202020204" pitchFamily="34" charset="0"/>
-              </a:rPr>
-              <a:t>dự</a:t>
-            </a:r>
-            <a:r>
-              <a:rPr lang="en-US" sz="4800" dirty="0">
-                <a:solidFill>
-                  <a:schemeClr val="bg1"/>
-                </a:solidFill>
-                <a:latin typeface="Arial" panose="020B0604020202020204" pitchFamily="34" charset="0"/>
-                <a:cs typeface="Arial" panose="020B0604020202020204" pitchFamily="34" charset="0"/>
-              </a:rPr>
-              <a:t> </a:t>
-            </a:r>
-            <a:r>
-              <a:rPr lang="en-US" sz="4800" dirty="0" err="1">
-                <a:solidFill>
-                  <a:schemeClr val="bg1"/>
-                </a:solidFill>
-                <a:latin typeface="Arial" panose="020B0604020202020204" pitchFamily="34" charset="0"/>
-                <a:cs typeface="Arial" panose="020B0604020202020204" pitchFamily="34" charset="0"/>
-              </a:rPr>
-              <a:t>án</a:t>
-            </a:r>
-            <a:endParaRPr lang="en-US" sz="4800" dirty="0">
-              <a:solidFill>
-                <a:schemeClr val="bg1"/>
-              </a:solidFill>
-              <a:latin typeface="Arial" panose="020B0604020202020204" pitchFamily="34" charset="0"/>
-              <a:cs typeface="Arial" panose="020B0604020202020204" pitchFamily="34" charset="0"/>
-            </a:endParaRPr>
-          </a:p>
-        </p:txBody>
-      </p:sp>
-      <p:sp>
-        <p:nvSpPr>
-          <p:cNvPr id="3" name="Slide Number Placeholder 2">
-            <a:extLst>
-              <a:ext uri="{FF2B5EF4-FFF2-40B4-BE49-F238E27FC236}">
-                <a16:creationId xmlns:a16="http://schemas.microsoft.com/office/drawing/2014/main" id="{DBBDF213-6816-4FB5-B1DD-C379810EA68E}"/>
-              </a:ext>
-            </a:extLst>
-          </p:cNvPr>
-          <p:cNvSpPr>
-            <a:spLocks noGrp="1"/>
-          </p:cNvSpPr>
-          <p:nvPr>
-            <p:ph type="sldNum" sz="quarter" idx="12"/>
-          </p:nvPr>
-        </p:nvSpPr>
-        <p:spPr/>
-        <p:txBody>
-          <a:bodyPr/>
-          <a:lstStyle/>
-          <a:p>
-            <a:fld id="{BA5EFCD9-C1BF-4EA9-9E14-78586E50B94C}" type="slidenum">
-              <a:rPr lang="en-US" smtClean="0"/>
-              <a:t>8</a:t>
-            </a:fld>
-            <a:endParaRPr lang="en-US"/>
+            <a:r>
+              <a:rPr lang="en-US">
+                <a:latin typeface="Arial" panose="020B0604020202020204" pitchFamily="34" charset="0"/>
+                <a:cs typeface="Arial" panose="020B0604020202020204" pitchFamily="34" charset="0"/>
+              </a:rPr>
+              <a:t>III. Mô tả dự án</a:t>
+            </a:r>
           </a:p>
         </p:txBody>
       </p:sp>
@@ -18328,93 +18362,325 @@
         </p:nvSpPr>
         <p:spPr>
           <a:xfrm>
-            <a:off x="4762312" y="1"/>
-            <a:ext cx="7393033" cy="6858000"/>
+            <a:off x="450392" y="925830"/>
+            <a:ext cx="5325567" cy="5292088"/>
           </a:xfrm>
         </p:spPr>
         <p:txBody>
           <a:bodyPr>
-            <a:noAutofit/>
+            <a:normAutofit/>
           </a:bodyPr>
           <a:lstStyle/>
           <a:p>
             <a:pPr marL="0" indent="0">
-              <a:lnSpc>
-                <a:spcPct val="150000"/>
-              </a:lnSpc>
               <a:buNone/>
             </a:pPr>
             <a:r>
-              <a:rPr lang="en-US" sz="1600" b="1" dirty="0">
-                <a:latin typeface="Arial" panose="020B0604020202020204" pitchFamily="34" charset="0"/>
-                <a:cs typeface="Arial" panose="020B0604020202020204" pitchFamily="34" charset="0"/>
-              </a:rPr>
-              <a:t>3) </a:t>
-            </a:r>
-            <a:r>
-              <a:rPr lang="en-US" sz="1600" b="1" dirty="0" err="1">
-                <a:latin typeface="Arial" panose="020B0604020202020204" pitchFamily="34" charset="0"/>
-                <a:cs typeface="Arial" panose="020B0604020202020204" pitchFamily="34" charset="0"/>
-              </a:rPr>
-              <a:t>Mô</a:t>
-            </a:r>
-            <a:r>
-              <a:rPr lang="en-US" sz="1600" b="1" dirty="0">
-                <a:latin typeface="Arial" panose="020B0604020202020204" pitchFamily="34" charset="0"/>
-                <a:cs typeface="Arial" panose="020B0604020202020204" pitchFamily="34" charset="0"/>
-              </a:rPr>
-              <a:t> </a:t>
-            </a:r>
-            <a:r>
-              <a:rPr lang="en-US" sz="1600" b="1" dirty="0" err="1">
-                <a:latin typeface="Arial" panose="020B0604020202020204" pitchFamily="34" charset="0"/>
-                <a:cs typeface="Arial" panose="020B0604020202020204" pitchFamily="34" charset="0"/>
-              </a:rPr>
-              <a:t>hình</a:t>
-            </a:r>
-            <a:r>
-              <a:rPr lang="en-US" sz="1600" b="1" dirty="0">
-                <a:latin typeface="Arial" panose="020B0604020202020204" pitchFamily="34" charset="0"/>
-                <a:cs typeface="Arial" panose="020B0604020202020204" pitchFamily="34" charset="0"/>
-              </a:rPr>
-              <a:t> </a:t>
-            </a:r>
-            <a:r>
-              <a:rPr lang="en-US" sz="1600" b="1" dirty="0" err="1">
-                <a:latin typeface="Arial" panose="020B0604020202020204" pitchFamily="34" charset="0"/>
-                <a:cs typeface="Arial" panose="020B0604020202020204" pitchFamily="34" charset="0"/>
-              </a:rPr>
-              <a:t>hóa</a:t>
-            </a:r>
-            <a:r>
-              <a:rPr lang="en-US" sz="1600" b="1" dirty="0">
-                <a:latin typeface="Arial" panose="020B0604020202020204" pitchFamily="34" charset="0"/>
-                <a:cs typeface="Arial" panose="020B0604020202020204" pitchFamily="34" charset="0"/>
-              </a:rPr>
-              <a:t> </a:t>
-            </a:r>
-            <a:r>
-              <a:rPr lang="en-US" sz="1600" b="1" dirty="0" err="1">
-                <a:latin typeface="Arial" panose="020B0604020202020204" pitchFamily="34" charset="0"/>
-                <a:cs typeface="Arial" panose="020B0604020202020204" pitchFamily="34" charset="0"/>
-              </a:rPr>
-              <a:t>dữ</a:t>
-            </a:r>
-            <a:r>
-              <a:rPr lang="en-US" sz="1600" b="1" dirty="0">
-                <a:latin typeface="Arial" panose="020B0604020202020204" pitchFamily="34" charset="0"/>
-                <a:cs typeface="Arial" panose="020B0604020202020204" pitchFamily="34" charset="0"/>
-              </a:rPr>
-              <a:t> </a:t>
-            </a:r>
-            <a:r>
-              <a:rPr lang="en-US" sz="1600" b="1" dirty="0" err="1">
-                <a:latin typeface="Arial" panose="020B0604020202020204" pitchFamily="34" charset="0"/>
-                <a:cs typeface="Arial" panose="020B0604020202020204" pitchFamily="34" charset="0"/>
-              </a:rPr>
-              <a:t>liệu</a:t>
-            </a:r>
-            <a:endParaRPr lang="en-US" sz="1500" dirty="0">
+              <a:rPr lang="en-US" sz="1800" b="1">
+                <a:latin typeface="Arial" panose="020B0604020202020204" pitchFamily="34" charset="0"/>
+                <a:cs typeface="Arial" panose="020B0604020202020204" pitchFamily="34" charset="0"/>
+              </a:rPr>
+              <a:t>3) Mô hình hóa dữ liệu</a:t>
+            </a:r>
+          </a:p>
+          <a:p>
+            <a:pPr>
+              <a:buFontTx/>
+              <a:buChar char="-"/>
+            </a:pPr>
+            <a:r>
+              <a:rPr lang="en-US" sz="1800">
+                <a:latin typeface="Arial" panose="020B0604020202020204" pitchFamily="34" charset="0"/>
+                <a:cs typeface="Arial" panose="020B0604020202020204" pitchFamily="34" charset="0"/>
+              </a:rPr>
+              <a:t>Loại bỏ cột </a:t>
+            </a:r>
+            <a:r>
+              <a:rPr lang="en-US" sz="1800" b="1">
+                <a:latin typeface="Arial" panose="020B0604020202020204" pitchFamily="34" charset="0"/>
+                <a:cs typeface="Arial" panose="020B0604020202020204" pitchFamily="34" charset="0"/>
+              </a:rPr>
+              <a:t>title</a:t>
+            </a:r>
+            <a:r>
+              <a:rPr lang="en-US" sz="1800">
+                <a:latin typeface="Arial" panose="020B0604020202020204" pitchFamily="34" charset="0"/>
+                <a:cs typeface="Arial" panose="020B0604020202020204" pitchFamily="34" charset="0"/>
+              </a:rPr>
+              <a:t> và </a:t>
+            </a:r>
+            <a:r>
+              <a:rPr lang="en-US" sz="1800" b="1">
+                <a:latin typeface="Arial" panose="020B0604020202020204" pitchFamily="34" charset="0"/>
+                <a:cs typeface="Arial" panose="020B0604020202020204" pitchFamily="34" charset="0"/>
+              </a:rPr>
+              <a:t>des.</a:t>
+            </a:r>
+            <a:endParaRPr lang="en-US" sz="1800">
+              <a:latin typeface="Arial" panose="020B0604020202020204" pitchFamily="34" charset="0"/>
+              <a:cs typeface="Arial" panose="020B0604020202020204" pitchFamily="34" charset="0"/>
+            </a:endParaRPr>
+          </a:p>
+          <a:p>
+            <a:pPr>
+              <a:buFontTx/>
+              <a:buChar char="-"/>
+            </a:pPr>
+            <a:r>
+              <a:rPr lang="en-US" sz="1800">
+                <a:latin typeface="Arial" panose="020B0604020202020204" pitchFamily="34" charset="0"/>
+                <a:cs typeface="Arial" panose="020B0604020202020204" pitchFamily="34" charset="0"/>
+              </a:rPr>
+              <a:t>Gồm có 2 pipeline chính:</a:t>
+            </a:r>
+          </a:p>
+          <a:p>
+            <a:pPr lvl="1">
+              <a:buFontTx/>
+              <a:buChar char="-"/>
+            </a:pPr>
+            <a:r>
+              <a:rPr lang="en-US" sz="1800">
+                <a:latin typeface="Arial" panose="020B0604020202020204" pitchFamily="34" charset="0"/>
+                <a:cs typeface="Arial" panose="020B0604020202020204" pitchFamily="34" charset="0"/>
+              </a:rPr>
+              <a:t>Preprocess pipeline: </a:t>
+            </a:r>
+          </a:p>
+          <a:p>
+            <a:pPr lvl="2">
+              <a:buFontTx/>
+              <a:buChar char="-"/>
+            </a:pPr>
+            <a:r>
+              <a:rPr lang="en-US" sz="1800">
+                <a:latin typeface="Arial" panose="020B0604020202020204" pitchFamily="34" charset="0"/>
+                <a:cs typeface="Arial" panose="020B0604020202020204" pitchFamily="34" charset="0"/>
+              </a:rPr>
+              <a:t>Tính giá trị TF-IDF của các phần tử trong cột: genre, cast, director.</a:t>
+            </a:r>
+          </a:p>
+          <a:p>
+            <a:pPr lvl="2">
+              <a:buFontTx/>
+              <a:buChar char="-"/>
+            </a:pPr>
+            <a:r>
+              <a:rPr lang="en-US" sz="1800">
+                <a:latin typeface="Arial" panose="020B0604020202020204" pitchFamily="34" charset="0"/>
+                <a:cs typeface="Arial" panose="020B0604020202020204" pitchFamily="34" charset="0"/>
+              </a:rPr>
+              <a:t>Thay thế các giá trị thiếu của cột gross thành trung vị của cột đó.</a:t>
+            </a:r>
+          </a:p>
+          <a:p>
+            <a:pPr lvl="2">
+              <a:buFontTx/>
+              <a:buChar char="-"/>
+            </a:pPr>
+            <a:r>
+              <a:rPr lang="en-US" sz="1800">
+                <a:latin typeface="Arial" panose="020B0604020202020204" pitchFamily="34" charset="0"/>
+                <a:cs typeface="Arial" panose="020B0604020202020204" pitchFamily="34" charset="0"/>
+              </a:rPr>
+              <a:t>Tiến hành chuẩn hóa dữ liệu.</a:t>
+            </a:r>
+          </a:p>
+          <a:p>
+            <a:pPr lvl="1">
+              <a:buFontTx/>
+              <a:buChar char="-"/>
+            </a:pPr>
+            <a:r>
+              <a:rPr lang="en-US" sz="1800">
+                <a:latin typeface="Arial" panose="020B0604020202020204" pitchFamily="34" charset="0"/>
+                <a:cs typeface="Arial" panose="020B0604020202020204" pitchFamily="34" charset="0"/>
+              </a:rPr>
+              <a:t>Model pipeline:</a:t>
+            </a:r>
+          </a:p>
+          <a:p>
+            <a:pPr lvl="2">
+              <a:buFontTx/>
+              <a:buChar char="-"/>
+            </a:pPr>
+            <a:r>
+              <a:rPr lang="en-US" sz="1800">
+                <a:latin typeface="Arial" panose="020B0604020202020204" pitchFamily="34" charset="0"/>
+                <a:cs typeface="Arial" panose="020B0604020202020204" pitchFamily="34" charset="0"/>
+              </a:rPr>
+              <a:t>Linear Regression.</a:t>
+            </a:r>
+          </a:p>
+          <a:p>
+            <a:pPr lvl="2">
+              <a:buFontTx/>
+              <a:buChar char="-"/>
+            </a:pPr>
+            <a:r>
+              <a:rPr lang="en-US" sz="1800">
+                <a:latin typeface="Arial" panose="020B0604020202020204" pitchFamily="34" charset="0"/>
+                <a:cs typeface="Arial" panose="020B0604020202020204" pitchFamily="34" charset="0"/>
+              </a:rPr>
+              <a:t>RandomForest.</a:t>
+            </a:r>
+          </a:p>
+          <a:p>
+            <a:pPr marL="914400" lvl="2" indent="0">
+              <a:buNone/>
+            </a:pPr>
+            <a:endParaRPr lang="en-US" sz="1400">
+              <a:latin typeface="Arial" panose="020B0604020202020204" pitchFamily="34" charset="0"/>
+              <a:cs typeface="Arial" panose="020B0604020202020204" pitchFamily="34" charset="0"/>
+            </a:endParaRPr>
+          </a:p>
+          <a:p>
+            <a:pPr marL="0" indent="0">
+              <a:buNone/>
+            </a:pPr>
+            <a:endParaRPr lang="en-US" sz="1400" b="1">
+              <a:latin typeface="Arial" panose="020B0604020202020204" pitchFamily="34" charset="0"/>
+              <a:cs typeface="Arial" panose="020B0604020202020204" pitchFamily="34" charset="0"/>
+            </a:endParaRPr>
+          </a:p>
+        </p:txBody>
+      </p:sp>
+      <p:pic>
+        <p:nvPicPr>
+          <p:cNvPr id="1030" name="Picture 6">
+            <a:extLst>
+              <a:ext uri="{FF2B5EF4-FFF2-40B4-BE49-F238E27FC236}">
+                <a16:creationId xmlns:a16="http://schemas.microsoft.com/office/drawing/2014/main" id="{0E1AB789-3A18-485C-94B3-74D97780F034}"/>
+              </a:ext>
+            </a:extLst>
+          </p:cNvPr>
+          <p:cNvPicPr>
+            <a:picLocks noChangeAspect="1" noChangeArrowheads="1"/>
+          </p:cNvPicPr>
+          <p:nvPr/>
+        </p:nvPicPr>
+        <p:blipFill rotWithShape="1">
+          <a:blip r:embed="rId3">
+            <a:extLst>
+              <a:ext uri="{28A0092B-C50C-407E-A947-70E740481C1C}">
+                <a14:useLocalDpi xmlns:a14="http://schemas.microsoft.com/office/drawing/2010/main" val="0"/>
+              </a:ext>
+            </a:extLst>
+          </a:blip>
+          <a:srcRect l="311" r="1073" b="5"/>
+          <a:stretch/>
+        </p:blipFill>
+        <p:spPr bwMode="auto">
+          <a:xfrm>
+            <a:off x="6096000" y="363083"/>
+            <a:ext cx="5461724" cy="5577837"/>
+          </a:xfrm>
+          <a:prstGeom prst="rect">
+            <a:avLst/>
+          </a:prstGeom>
+          <a:noFill/>
+          <a:effectLst/>
+          <a:extLst>
+            <a:ext uri="{909E8E84-426E-40DD-AFC4-6F175D3DCCD1}">
+              <a14:hiddenFill xmlns:a14="http://schemas.microsoft.com/office/drawing/2010/main">
+                <a:solidFill>
+                  <a:srgbClr val="FFFFFF"/>
+                </a:solidFill>
+              </a14:hiddenFill>
+            </a:ext>
+          </a:extLst>
+        </p:spPr>
+      </p:pic>
+      <p:sp>
+        <p:nvSpPr>
+          <p:cNvPr id="3" name="Slide Number Placeholder 2">
+            <a:extLst>
+              <a:ext uri="{FF2B5EF4-FFF2-40B4-BE49-F238E27FC236}">
+                <a16:creationId xmlns:a16="http://schemas.microsoft.com/office/drawing/2014/main" id="{DBBDF213-6816-4FB5-B1DD-C379810EA68E}"/>
+              </a:ext>
+            </a:extLst>
+          </p:cNvPr>
+          <p:cNvSpPr>
+            <a:spLocks noGrp="1"/>
+          </p:cNvSpPr>
+          <p:nvPr>
+            <p:ph type="sldNum" sz="quarter" idx="12"/>
+          </p:nvPr>
+        </p:nvSpPr>
+        <p:spPr>
+          <a:xfrm>
+            <a:off x="8610600" y="6356350"/>
+            <a:ext cx="2743200" cy="365125"/>
+          </a:xfrm>
+        </p:spPr>
+        <p:txBody>
+          <a:bodyPr>
+            <a:normAutofit/>
+          </a:bodyPr>
+          <a:lstStyle/>
+          <a:p>
+            <a:pPr>
+              <a:spcAft>
+                <a:spcPts val="600"/>
+              </a:spcAft>
+            </a:pPr>
+            <a:fld id="{BA5EFCD9-C1BF-4EA9-9E14-78586E50B94C}" type="slidenum">
+              <a:rPr lang="en-US" smtClean="0"/>
+              <a:pPr>
+                <a:spcAft>
+                  <a:spcPts val="600"/>
+                </a:spcAft>
+              </a:pPr>
+              <a:t>8</a:t>
+            </a:fld>
+            <a:endParaRPr lang="en-US"/>
+          </a:p>
+        </p:txBody>
+      </p:sp>
+      <p:sp>
+        <p:nvSpPr>
+          <p:cNvPr id="12" name="TextBox 11">
+            <a:extLst>
+              <a:ext uri="{FF2B5EF4-FFF2-40B4-BE49-F238E27FC236}">
+                <a16:creationId xmlns:a16="http://schemas.microsoft.com/office/drawing/2014/main" id="{B37573B0-FB9D-4D29-9E4F-784A9A596693}"/>
+              </a:ext>
+            </a:extLst>
+          </p:cNvPr>
+          <p:cNvSpPr txBox="1"/>
+          <p:nvPr/>
+        </p:nvSpPr>
+        <p:spPr>
+          <a:xfrm>
+            <a:off x="6580040" y="6079351"/>
+            <a:ext cx="4493643" cy="307777"/>
+          </a:xfrm>
+          <a:prstGeom prst="rect">
+            <a:avLst/>
+          </a:prstGeom>
+          <a:noFill/>
+        </p:spPr>
+        <p:txBody>
+          <a:bodyPr wrap="square" rtlCol="0">
+            <a:spAutoFit/>
+          </a:bodyPr>
+          <a:lstStyle/>
+          <a:p>
+            <a:pPr algn="ctr"/>
+            <a:r>
+              <a:rPr lang="en-US" sz="1400" err="1">
+                <a:latin typeface="Arial" panose="020B0604020202020204" pitchFamily="34" charset="0"/>
+                <a:cs typeface="Arial" panose="020B0604020202020204" pitchFamily="34" charset="0"/>
+              </a:rPr>
+              <a:t>Hình</a:t>
+            </a:r>
+            <a:r>
+              <a:rPr lang="en-US" sz="1400">
+                <a:latin typeface="Arial" panose="020B0604020202020204" pitchFamily="34" charset="0"/>
+                <a:cs typeface="Arial" panose="020B0604020202020204" pitchFamily="34" charset="0"/>
+              </a:rPr>
+              <a:t> 3: Kết quả.</a:t>
+            </a:r>
+            <a:endParaRPr lang="en-US" sz="1400" dirty="0">
               <a:latin typeface="Arial" panose="020B0604020202020204" pitchFamily="34" charset="0"/>
               <a:cs typeface="Arial" panose="020B0604020202020204" pitchFamily="34" charset="0"/>
             </a:endParaRPr>

--- a/doc/report.pptx
+++ b/doc/report.pptx
@@ -16840,7 +16840,7 @@
                 <a:latin typeface="Arial" panose="020B0604020202020204" pitchFamily="34" charset="0"/>
                 <a:cs typeface="Arial" panose="020B0604020202020204" pitchFamily="34" charset="0"/>
               </a:rPr>
-              <a:t> test: 3953 </a:t>
+              <a:t> test: 3952 </a:t>
             </a:r>
             <a:r>
               <a:rPr lang="en-US" sz="1500" dirty="0" err="1">

--- a/doc/report.pptx
+++ b/doc/report.pptx
@@ -225,7 +225,7 @@
           <a:p>
             <a:fld id="{23EDC7EF-2C8A-4BED-BB2A-11CA579B9823}" type="datetimeFigureOut">
               <a:rPr lang="en-US" smtClean="0"/>
-              <a:t>2020-01-08</a:t>
+              <a:t>1/8/2020</a:t>
             </a:fld>
             <a:endParaRPr lang="en-US"/>
           </a:p>
@@ -409,7 +409,7 @@
           <a:p>
             <a:fld id="{F8B84600-A566-40EA-BE9B-5ACBE31EE42D}" type="datetimeFigureOut">
               <a:rPr lang="en-US" smtClean="0"/>
-              <a:t>2020-01-08</a:t>
+              <a:t>1/8/2020</a:t>
             </a:fld>
             <a:endParaRPr lang="en-US"/>
           </a:p>
@@ -1386,6 +1386,134 @@
 </p:notes>
 </file>
 
+<file path=ppt/notesSlides/notesSlide6.xml><?xml version="1.0" encoding="utf-8"?>
+<p:notes xmlns:a="http://schemas.openxmlformats.org/drawingml/2006/main" xmlns:r="http://schemas.openxmlformats.org/officeDocument/2006/relationships" xmlns:p="http://schemas.openxmlformats.org/presentationml/2006/main">
+  <p:cSld>
+    <p:spTree>
+      <p:nvGrpSpPr>
+        <p:cNvPr id="1" name=""/>
+        <p:cNvGrpSpPr/>
+        <p:nvPr/>
+      </p:nvGrpSpPr>
+      <p:grpSpPr>
+        <a:xfrm>
+          <a:off x="0" y="0"/>
+          <a:ext cx="0" cy="0"/>
+          <a:chOff x="0" y="0"/>
+          <a:chExt cx="0" cy="0"/>
+        </a:xfrm>
+      </p:grpSpPr>
+      <p:sp>
+        <p:nvSpPr>
+          <p:cNvPr id="2" name="Slide Image Placeholder 1"/>
+          <p:cNvSpPr>
+            <a:spLocks noGrp="1" noRot="1" noChangeAspect="1"/>
+          </p:cNvSpPr>
+          <p:nvPr>
+            <p:ph type="sldImg"/>
+          </p:nvPr>
+        </p:nvSpPr>
+        <p:spPr/>
+      </p:sp>
+      <p:sp>
+        <p:nvSpPr>
+          <p:cNvPr id="3" name="Notes Placeholder 2"/>
+          <p:cNvSpPr>
+            <a:spLocks noGrp="1"/>
+          </p:cNvSpPr>
+          <p:nvPr>
+            <p:ph type="body" idx="1"/>
+          </p:nvPr>
+        </p:nvSpPr>
+        <p:spPr/>
+        <p:txBody>
+          <a:bodyPr/>
+          <a:lstStyle/>
+          <a:p>
+            <a:endParaRPr lang="en-US"/>
+          </a:p>
+        </p:txBody>
+      </p:sp>
+      <p:sp>
+        <p:nvSpPr>
+          <p:cNvPr id="4" name="Header Placeholder 3"/>
+          <p:cNvSpPr>
+            <a:spLocks noGrp="1"/>
+          </p:cNvSpPr>
+          <p:nvPr>
+            <p:ph type="hdr" sz="quarter"/>
+          </p:nvPr>
+        </p:nvSpPr>
+        <p:spPr/>
+        <p:txBody>
+          <a:bodyPr/>
+          <a:lstStyle/>
+          <a:p>
+            <a:r>
+              <a:rPr lang="en-US"/>
+              <a:t>Hệ tự hành có khả năng tránh vật cản động</a:t>
+            </a:r>
+          </a:p>
+        </p:txBody>
+      </p:sp>
+      <p:sp>
+        <p:nvSpPr>
+          <p:cNvPr id="5" name="Footer Placeholder 4"/>
+          <p:cNvSpPr>
+            <a:spLocks noGrp="1"/>
+          </p:cNvSpPr>
+          <p:nvPr>
+            <p:ph type="ftr" sz="quarter" idx="4"/>
+          </p:nvPr>
+        </p:nvSpPr>
+        <p:spPr/>
+        <p:txBody>
+          <a:bodyPr/>
+          <a:lstStyle/>
+          <a:p>
+            <a:r>
+              <a:rPr lang="en-US"/>
+              <a:t>I. Động lực</a:t>
+            </a:r>
+          </a:p>
+        </p:txBody>
+      </p:sp>
+      <p:sp>
+        <p:nvSpPr>
+          <p:cNvPr id="6" name="Slide Number Placeholder 5"/>
+          <p:cNvSpPr>
+            <a:spLocks noGrp="1"/>
+          </p:cNvSpPr>
+          <p:nvPr>
+            <p:ph type="sldNum" sz="quarter" idx="5"/>
+          </p:nvPr>
+        </p:nvSpPr>
+        <p:spPr/>
+        <p:txBody>
+          <a:bodyPr/>
+          <a:lstStyle/>
+          <a:p>
+            <a:fld id="{F5152F66-8641-4627-9311-0BBB9CB776F3}" type="slidenum">
+              <a:rPr lang="en-US" smtClean="0"/>
+              <a:t>8</a:t>
+            </a:fld>
+            <a:endParaRPr lang="en-US"/>
+          </a:p>
+        </p:txBody>
+      </p:sp>
+    </p:spTree>
+    <p:extLst>
+      <p:ext uri="{BB962C8B-B14F-4D97-AF65-F5344CB8AC3E}">
+        <p14:creationId xmlns:p14="http://schemas.microsoft.com/office/powerpoint/2010/main" val="3530245301"/>
+      </p:ext>
+    </p:extLst>
+  </p:cSld>
+  <p:clrMapOvr>
+    <a:masterClrMapping/>
+  </p:clrMapOvr>
+</p:notes>
+</file>
+
 <file path=ppt/slideLayouts/slideLayout1.xml><?xml version="1.0" encoding="utf-8"?>
 <p:sldLayout xmlns:a="http://schemas.openxmlformats.org/drawingml/2006/main" xmlns:r="http://schemas.openxmlformats.org/officeDocument/2006/relationships" xmlns:p="http://schemas.openxmlformats.org/presentationml/2006/main" type="title" preserve="1">
   <p:cSld name="Title Slide">
@@ -1533,7 +1661,7 @@
           <a:p>
             <a:fld id="{38DF76A7-A227-4517-965D-40E5F781BA5B}" type="datetime1">
               <a:rPr lang="en-US" smtClean="0"/>
-              <a:t>2020-01-08</a:t>
+              <a:t>1/8/2020</a:t>
             </a:fld>
             <a:endParaRPr lang="en-US"/>
           </a:p>
@@ -1734,7 +1862,7 @@
           <a:p>
             <a:fld id="{00E0834F-6201-4D64-91BA-A3F135E26F82}" type="datetime1">
               <a:rPr lang="en-US" smtClean="0"/>
-              <a:t>2020-01-08</a:t>
+              <a:t>1/8/2020</a:t>
             </a:fld>
             <a:endParaRPr lang="en-US"/>
           </a:p>
@@ -1945,7 +2073,7 @@
           <a:p>
             <a:fld id="{CCBEA601-CF0B-4316-BA67-73803036A82D}" type="datetime1">
               <a:rPr lang="en-US" smtClean="0"/>
-              <a:t>2020-01-08</a:t>
+              <a:t>1/8/2020</a:t>
             </a:fld>
             <a:endParaRPr lang="en-US"/>
           </a:p>
@@ -2224,7 +2352,7 @@
           <a:p>
             <a:fld id="{E27BB601-612A-49B6-A526-3A125925B92D}" type="datetime1">
               <a:rPr lang="en-US" smtClean="0"/>
-              <a:t>2020-01-08</a:t>
+              <a:t>1/8/2020</a:t>
             </a:fld>
             <a:endParaRPr lang="en-US"/>
           </a:p>
@@ -2502,7 +2630,7 @@
           <a:p>
             <a:fld id="{6775A2E7-07D1-4BD1-A27A-2C705AA2CC5C}" type="datetime1">
               <a:rPr lang="en-US" smtClean="0"/>
-              <a:t>2020-01-08</a:t>
+              <a:t>1/8/2020</a:t>
             </a:fld>
             <a:endParaRPr lang="en-US"/>
           </a:p>
@@ -2770,7 +2898,7 @@
           <a:p>
             <a:fld id="{BE99AF5B-ED71-4571-8AFE-338CA086A8B8}" type="datetime1">
               <a:rPr lang="en-US" smtClean="0"/>
-              <a:t>2020-01-08</a:t>
+              <a:t>1/8/2020</a:t>
             </a:fld>
             <a:endParaRPr lang="en-US"/>
           </a:p>
@@ -3185,7 +3313,7 @@
           <a:p>
             <a:fld id="{C1803233-257D-4AE7-B6A0-CCA249F54B1C}" type="datetime1">
               <a:rPr lang="en-US" smtClean="0"/>
-              <a:t>2020-01-08</a:t>
+              <a:t>1/8/2020</a:t>
             </a:fld>
             <a:endParaRPr lang="en-US"/>
           </a:p>
@@ -3329,7 +3457,7 @@
           <a:p>
             <a:fld id="{5D351BEF-5ED1-4AB0-91F3-9F5AC17E5BCD}" type="datetime1">
               <a:rPr lang="en-US" smtClean="0"/>
-              <a:t>2020-01-08</a:t>
+              <a:t>1/8/2020</a:t>
             </a:fld>
             <a:endParaRPr lang="en-US"/>
           </a:p>
@@ -3445,7 +3573,7 @@
           <a:p>
             <a:fld id="{73792002-44B4-45F3-965D-838A2E8E0737}" type="datetime1">
               <a:rPr lang="en-US" smtClean="0"/>
-              <a:t>2020-01-08</a:t>
+              <a:t>1/8/2020</a:t>
             </a:fld>
             <a:endParaRPr lang="en-US"/>
           </a:p>
@@ -3759,7 +3887,7 @@
           <a:p>
             <a:fld id="{89A2D48F-B309-49D9-A76A-EF2A755F2083}" type="datetime1">
               <a:rPr lang="en-US" smtClean="0"/>
-              <a:t>2020-01-08</a:t>
+              <a:t>1/8/2020</a:t>
             </a:fld>
             <a:endParaRPr lang="en-US"/>
           </a:p>
@@ -4050,7 +4178,7 @@
           <a:p>
             <a:fld id="{72005573-5152-46B4-A892-1BA3448313C7}" type="datetime1">
               <a:rPr lang="en-US" smtClean="0"/>
-              <a:t>2020-01-08</a:t>
+              <a:t>1/8/2020</a:t>
             </a:fld>
             <a:endParaRPr lang="en-US"/>
           </a:p>
@@ -4294,7 +4422,7 @@
           <a:p>
             <a:fld id="{A7A43355-6594-4835-BB8E-6BCE00E7F01D}" type="datetime1">
               <a:rPr lang="en-US" smtClean="0"/>
-              <a:t>2020-01-08</a:t>
+              <a:t>1/8/2020</a:t>
             </a:fld>
             <a:endParaRPr lang="en-US"/>
           </a:p>
@@ -9165,18 +9293,6 @@
   <p:clrMapOvr>
     <a:masterClrMapping/>
   </p:clrMapOvr>
-  <mc:AlternateContent xmlns:mc="http://schemas.openxmlformats.org/markup-compatibility/2006" xmlns:p14="http://schemas.microsoft.com/office/powerpoint/2010/main">
-    <mc:Choice Requires="p14">
-      <p:transition spd="slow" p14:dur="1200">
-        <p14:prism/>
-      </p:transition>
-    </mc:Choice>
-    <mc:Fallback xmlns="">
-      <p:transition spd="slow">
-        <p:fade/>
-      </p:transition>
-    </mc:Fallback>
-  </mc:AlternateContent>
   <mc:AlternateContent xmlns:mc="http://schemas.openxmlformats.org/markup-compatibility/2006" xmlns:p14="http://schemas.microsoft.com/office/powerpoint/2010/main">
     <mc:Choice Requires="p14">
       <p:timing>
@@ -10828,18 +10944,6 @@
   </p:clrMapOvr>
   <mc:AlternateContent xmlns:mc="http://schemas.openxmlformats.org/markup-compatibility/2006" xmlns:p14="http://schemas.microsoft.com/office/powerpoint/2010/main">
     <mc:Choice Requires="p14">
-      <p:transition spd="slow" p14:dur="2000">
-        <p:push/>
-      </p:transition>
-    </mc:Choice>
-    <mc:Fallback xmlns="">
-      <p:transition spd="slow">
-        <p:push/>
-      </p:transition>
-    </mc:Fallback>
-  </mc:AlternateContent>
-  <mc:AlternateContent xmlns:mc="http://schemas.openxmlformats.org/markup-compatibility/2006" xmlns:p14="http://schemas.microsoft.com/office/powerpoint/2010/main">
-    <mc:Choice Requires="p14">
       <p:timing>
         <p:tnLst>
           <p:par>
@@ -13953,7 +14057,21 @@
                 <a:latin typeface="Arial" panose="020B0604020202020204" pitchFamily="34" charset="0"/>
                 <a:cs typeface="Arial" panose="020B0604020202020204" pitchFamily="34" charset="0"/>
               </a:rPr>
-              <a:t> 15/01/2020 </a:t>
+              <a:t> </a:t>
+            </a:r>
+            <a:r>
+              <a:rPr lang="en-US" sz="1800" b="1" dirty="0">
+                <a:latin typeface="Arial" panose="020B0604020202020204" pitchFamily="34" charset="0"/>
+                <a:cs typeface="Arial" panose="020B0604020202020204" pitchFamily="34" charset="0"/>
+              </a:rPr>
+              <a:t>15/01/2020</a:t>
+            </a:r>
+            <a:r>
+              <a:rPr lang="en-US" sz="1800" dirty="0">
+                <a:latin typeface="Arial" panose="020B0604020202020204" pitchFamily="34" charset="0"/>
+                <a:cs typeface="Arial" panose="020B0604020202020204" pitchFamily="34" charset="0"/>
+              </a:rPr>
+              <a:t> </a:t>
             </a:r>
             <a:r>
               <a:rPr lang="en-US" sz="1800" dirty="0" err="1">
@@ -13967,7 +14085,21 @@
                 <a:latin typeface="Arial" panose="020B0604020202020204" pitchFamily="34" charset="0"/>
                 <a:cs typeface="Arial" panose="020B0604020202020204" pitchFamily="34" charset="0"/>
               </a:rPr>
-              <a:t> 15/01/2022) </a:t>
+              <a:t> </a:t>
+            </a:r>
+            <a:r>
+              <a:rPr lang="en-US" sz="1800" b="1" dirty="0">
+                <a:latin typeface="Arial" panose="020B0604020202020204" pitchFamily="34" charset="0"/>
+                <a:cs typeface="Arial" panose="020B0604020202020204" pitchFamily="34" charset="0"/>
+              </a:rPr>
+              <a:t>15/01/2022</a:t>
+            </a:r>
+            <a:r>
+              <a:rPr lang="en-US" sz="1800" dirty="0">
+                <a:latin typeface="Arial" panose="020B0604020202020204" pitchFamily="34" charset="0"/>
+                <a:cs typeface="Arial" panose="020B0604020202020204" pitchFamily="34" charset="0"/>
+              </a:rPr>
+              <a:t>) </a:t>
             </a:r>
             <a:r>
               <a:rPr lang="en-US" sz="1800" dirty="0" err="1">
@@ -13995,7 +14127,21 @@
                 <a:latin typeface="Arial" panose="020B0604020202020204" pitchFamily="34" charset="0"/>
                 <a:cs typeface="Arial" panose="020B0604020202020204" pitchFamily="34" charset="0"/>
               </a:rPr>
-              <a:t> web: https://www.imdb.com/.</a:t>
+              <a:t> web: </a:t>
+            </a:r>
+            <a:r>
+              <a:rPr lang="en-US" sz="1800" b="1" dirty="0">
+                <a:latin typeface="Arial" panose="020B0604020202020204" pitchFamily="34" charset="0"/>
+                <a:cs typeface="Arial" panose="020B0604020202020204" pitchFamily="34" charset="0"/>
+              </a:rPr>
+              <a:t>https://www.imdb.com/</a:t>
+            </a:r>
+            <a:r>
+              <a:rPr lang="en-US" sz="1800" dirty="0">
+                <a:latin typeface="Arial" panose="020B0604020202020204" pitchFamily="34" charset="0"/>
+                <a:cs typeface="Arial" panose="020B0604020202020204" pitchFamily="34" charset="0"/>
+              </a:rPr>
+              <a:t>.</a:t>
             </a:r>
           </a:p>
           <a:p>
@@ -15660,48 +15806,25 @@
                 <a:latin typeface="Arial" panose="020B0604020202020204" pitchFamily="34" charset="0"/>
                 <a:cs typeface="Arial" panose="020B0604020202020204" pitchFamily="34" charset="0"/>
               </a:rPr>
-              <a:t> rating (</a:t>
-            </a:r>
-            <a:r>
-              <a:rPr lang="en-US" sz="1600" b="1" dirty="0" err="1">
+              <a:t> rating </a:t>
+            </a:r>
+            <a:r>
+              <a:rPr lang="en-US" sz="1600" b="1">
                 <a:solidFill>
                   <a:schemeClr val="bg1"/>
                 </a:solidFill>
                 <a:latin typeface="Arial" panose="020B0604020202020204" pitchFamily="34" charset="0"/>
                 <a:cs typeface="Arial" panose="020B0604020202020204" pitchFamily="34" charset="0"/>
               </a:rPr>
-              <a:t>trên</a:t>
-            </a:r>
-            <a:r>
-              <a:rPr lang="en-US" sz="1600" b="1" dirty="0">
-                <a:solidFill>
-                  <a:schemeClr val="bg1"/>
-                </a:solidFill>
-                <a:latin typeface="Arial" panose="020B0604020202020204" pitchFamily="34" charset="0"/>
-                <a:cs typeface="Arial" panose="020B0604020202020204" pitchFamily="34" charset="0"/>
-              </a:rPr>
-              <a:t> 10 </a:t>
-            </a:r>
-            <a:r>
-              <a:rPr lang="en-US" sz="1600" b="1" dirty="0" err="1">
-                <a:solidFill>
-                  <a:schemeClr val="bg1"/>
-                </a:solidFill>
-                <a:latin typeface="Arial" panose="020B0604020202020204" pitchFamily="34" charset="0"/>
-                <a:cs typeface="Arial" panose="020B0604020202020204" pitchFamily="34" charset="0"/>
-              </a:rPr>
-              <a:t>điểm</a:t>
-            </a:r>
-            <a:r>
-              <a:rPr lang="en-US" sz="1600" b="1" dirty="0">
-                <a:solidFill>
-                  <a:schemeClr val="bg1"/>
-                </a:solidFill>
-                <a:latin typeface="Arial" panose="020B0604020202020204" pitchFamily="34" charset="0"/>
-                <a:cs typeface="Arial" panose="020B0604020202020204" pitchFamily="34" charset="0"/>
-              </a:rPr>
-              <a:t>).</a:t>
-            </a:r>
+              <a:t>(trên thang điểm 10).</a:t>
+            </a:r>
+            <a:endParaRPr lang="en-US" sz="1600" b="1" dirty="0">
+              <a:solidFill>
+                <a:schemeClr val="bg1"/>
+              </a:solidFill>
+              <a:latin typeface="Arial" panose="020B0604020202020204" pitchFamily="34" charset="0"/>
+              <a:cs typeface="Arial" panose="020B0604020202020204" pitchFamily="34" charset="0"/>
+            </a:endParaRPr>
           </a:p>
           <a:p>
             <a:pPr marL="0" indent="0">
@@ -16840,7 +16963,7 @@
                 <a:latin typeface="Arial" panose="020B0604020202020204" pitchFamily="34" charset="0"/>
                 <a:cs typeface="Arial" panose="020B0604020202020204" pitchFamily="34" charset="0"/>
               </a:rPr>
-              <a:t> test: 3952 </a:t>
+              <a:t> test: 3953 </a:t>
             </a:r>
             <a:r>
               <a:rPr lang="en-US" sz="1500" dirty="0" err="1">
@@ -18027,27 +18150,118 @@
               <a:t> </a:t>
             </a:r>
             <a:r>
-              <a:rPr lang="en-US" sz="1600" b="1" dirty="0" err="1">
+              <a:rPr lang="en-US" sz="1600" b="1" err="1">
                 <a:latin typeface="Arial" panose="020B0604020202020204" pitchFamily="34" charset="0"/>
                 <a:cs typeface="Arial" panose="020B0604020202020204" pitchFamily="34" charset="0"/>
               </a:rPr>
               <a:t>dữ</a:t>
             </a:r>
             <a:r>
-              <a:rPr lang="en-US" sz="1600" b="1" dirty="0">
-                <a:latin typeface="Arial" panose="020B0604020202020204" pitchFamily="34" charset="0"/>
-                <a:cs typeface="Arial" panose="020B0604020202020204" pitchFamily="34" charset="0"/>
-              </a:rPr>
-              <a:t> </a:t>
-            </a:r>
-            <a:r>
-              <a:rPr lang="en-US" sz="1600" b="1" dirty="0" err="1">
-                <a:latin typeface="Arial" panose="020B0604020202020204" pitchFamily="34" charset="0"/>
-                <a:cs typeface="Arial" panose="020B0604020202020204" pitchFamily="34" charset="0"/>
-              </a:rPr>
-              <a:t>liệu</a:t>
-            </a:r>
-            <a:endParaRPr lang="en-US" sz="1500" dirty="0">
+              <a:rPr lang="en-US" sz="1600" b="1">
+                <a:latin typeface="Arial" panose="020B0604020202020204" pitchFamily="34" charset="0"/>
+                <a:cs typeface="Arial" panose="020B0604020202020204" pitchFamily="34" charset="0"/>
+              </a:rPr>
+              <a:t> liệu</a:t>
+            </a:r>
+          </a:p>
+          <a:p>
+            <a:pPr>
+              <a:lnSpc>
+                <a:spcPct val="150000"/>
+              </a:lnSpc>
+              <a:buFontTx/>
+              <a:buChar char="-"/>
+            </a:pPr>
+            <a:r>
+              <a:rPr lang="en-US" sz="1600">
+                <a:latin typeface="Arial" panose="020B0604020202020204" pitchFamily="34" charset="0"/>
+                <a:cs typeface="Arial" panose="020B0604020202020204" pitchFamily="34" charset="0"/>
+              </a:rPr>
+              <a:t>Loại bỏ các ký tự đặc biệc trong cột gross.</a:t>
+            </a:r>
+          </a:p>
+          <a:p>
+            <a:pPr>
+              <a:lnSpc>
+                <a:spcPct val="150000"/>
+              </a:lnSpc>
+              <a:buFontTx/>
+              <a:buChar char="-"/>
+            </a:pPr>
+            <a:r>
+              <a:rPr lang="en-US" sz="1600">
+                <a:latin typeface="Arial" panose="020B0604020202020204" pitchFamily="34" charset="0"/>
+                <a:cs typeface="Arial" panose="020B0604020202020204" pitchFamily="34" charset="0"/>
+              </a:rPr>
+              <a:t>VD: $340.5M -&gt; 340.5</a:t>
+            </a:r>
+          </a:p>
+          <a:p>
+            <a:pPr>
+              <a:lnSpc>
+                <a:spcPct val="150000"/>
+              </a:lnSpc>
+              <a:buFontTx/>
+              <a:buChar char="-"/>
+            </a:pPr>
+            <a:r>
+              <a:rPr lang="en-US" sz="1600">
+                <a:latin typeface="Arial" panose="020B0604020202020204" pitchFamily="34" charset="0"/>
+                <a:cs typeface="Arial" panose="020B0604020202020204" pitchFamily="34" charset="0"/>
+              </a:rPr>
+              <a:t>Loại bỏ những dòng trùng nhau, hoặc dòng có rating bằng 0.</a:t>
+            </a:r>
+          </a:p>
+          <a:p>
+            <a:pPr>
+              <a:lnSpc>
+                <a:spcPct val="150000"/>
+              </a:lnSpc>
+              <a:buFontTx/>
+              <a:buChar char="-"/>
+            </a:pPr>
+            <a:r>
+              <a:rPr lang="en-US" sz="1600">
+                <a:latin typeface="Arial" panose="020B0604020202020204" pitchFamily="34" charset="0"/>
+                <a:cs typeface="Arial" panose="020B0604020202020204" pitchFamily="34" charset="0"/>
+              </a:rPr>
+              <a:t>Chia tập train và validation với tỉ lệ 70:30</a:t>
+            </a:r>
+          </a:p>
+          <a:p>
+            <a:pPr>
+              <a:lnSpc>
+                <a:spcPct val="150000"/>
+              </a:lnSpc>
+              <a:buFontTx/>
+              <a:buChar char="-"/>
+            </a:pPr>
+            <a:endParaRPr lang="en-US" sz="1600">
+              <a:latin typeface="Arial" panose="020B0604020202020204" pitchFamily="34" charset="0"/>
+              <a:cs typeface="Arial" panose="020B0604020202020204" pitchFamily="34" charset="0"/>
+            </a:endParaRPr>
+          </a:p>
+          <a:p>
+            <a:pPr marL="0" indent="0">
+              <a:lnSpc>
+                <a:spcPct val="150000"/>
+              </a:lnSpc>
+              <a:buNone/>
+            </a:pPr>
+            <a:endParaRPr lang="en-US" sz="1600">
+              <a:latin typeface="Arial" panose="020B0604020202020204" pitchFamily="34" charset="0"/>
+              <a:cs typeface="Arial" panose="020B0604020202020204" pitchFamily="34" charset="0"/>
+            </a:endParaRPr>
+          </a:p>
+          <a:p>
+            <a:pPr>
+              <a:lnSpc>
+                <a:spcPct val="150000"/>
+              </a:lnSpc>
+              <a:buFontTx/>
+              <a:buChar char="-"/>
+            </a:pPr>
+            <a:endParaRPr lang="en-US" sz="1600" b="1">
               <a:latin typeface="Arial" panose="020B0604020202020204" pitchFamily="34" charset="0"/>
               <a:cs typeface="Arial" panose="020B0604020202020204" pitchFamily="34" charset="0"/>
             </a:endParaRPr>
@@ -18094,70 +18308,6 @@
       </p:grpSpPr>
       <p:sp>
         <p:nvSpPr>
-          <p:cNvPr id="44" name="Rectangle 43">
-            <a:extLst>
-              <a:ext uri="{FF2B5EF4-FFF2-40B4-BE49-F238E27FC236}">
-                <a16:creationId xmlns:a16="http://schemas.microsoft.com/office/drawing/2014/main" id="{867D4867-5BA7-4462-B2F6-A23F4A622AA7}"/>
-              </a:ext>
-              <a:ext uri="{C183D7F6-B498-43B3-948B-1728B52AA6E4}">
-                <adec:decorative xmlns:adec="http://schemas.microsoft.com/office/drawing/2017/decorative" val="1"/>
-              </a:ext>
-            </a:extLst>
-          </p:cNvPr>
-          <p:cNvSpPr>
-            <a:spLocks noGrp="1" noRot="1" noChangeAspect="1" noMove="1" noResize="1" noEditPoints="1" noAdjustHandles="1" noChangeArrowheads="1" noChangeShapeType="1" noTextEdit="1"/>
-          </p:cNvSpPr>
-          <p:nvPr>
-            <p:extLst>
-              <p:ext uri="{386F3935-93C4-4BCD-93E2-E3B085C9AB24}">
-                <p16:designElem xmlns:p16="http://schemas.microsoft.com/office/powerpoint/2015/main" val="1"/>
-              </p:ext>
-            </p:extLst>
-          </p:nvPr>
-        </p:nvSpPr>
-        <p:spPr>
-          <a:xfrm>
-            <a:off x="0" y="0"/>
-            <a:ext cx="4654296" cy="6858000"/>
-          </a:xfrm>
-          <a:prstGeom prst="rect">
-            <a:avLst/>
-          </a:prstGeom>
-          <a:solidFill>
-            <a:schemeClr val="tx1">
-              <a:lumMod val="75000"/>
-              <a:lumOff val="25000"/>
-            </a:schemeClr>
-          </a:solidFill>
-          <a:ln>
-            <a:noFill/>
-          </a:ln>
-        </p:spPr>
-        <p:style>
-          <a:lnRef idx="0">
-            <a:scrgbClr r="0" g="0" b="0"/>
-          </a:lnRef>
-          <a:fillRef idx="0">
-            <a:scrgbClr r="0" g="0" b="0"/>
-          </a:fillRef>
-          <a:effectRef idx="0">
-            <a:scrgbClr r="0" g="0" b="0"/>
-          </a:effectRef>
-          <a:fontRef idx="minor">
-            <a:schemeClr val="lt1"/>
-          </a:fontRef>
-        </p:style>
-        <p:txBody>
-          <a:bodyPr rtlCol="0" anchor="ctr"/>
-          <a:lstStyle/>
-          <a:p>
-            <a:pPr algn="ctr"/>
-            <a:endParaRPr lang="en-US"/>
-          </a:p>
-        </p:txBody>
-      </p:sp>
-      <p:sp>
-        <p:nvSpPr>
           <p:cNvPr id="2" name="Title 1">
             <a:extLst>
               <a:ext uri="{FF2B5EF4-FFF2-40B4-BE49-F238E27FC236}">
@@ -18174,139 +18324,23 @@
         </p:nvSpPr>
         <p:spPr>
           <a:xfrm>
-            <a:off x="480764" y="615022"/>
-            <a:ext cx="3989636" cy="1392702"/>
+            <a:off x="450392" y="45722"/>
+            <a:ext cx="5127031" cy="788667"/>
           </a:xfrm>
-          <a:noFill/>
-          <a:ln w="19050">
-            <a:solidFill>
-              <a:schemeClr val="bg1"/>
-            </a:solidFill>
-          </a:ln>
         </p:spPr>
         <p:txBody>
-          <a:bodyPr wrap="square">
-            <a:normAutofit fontScale="90000"/>
+          <a:bodyPr>
+            <a:normAutofit/>
           </a:bodyPr>
           <a:lstStyle/>
           <a:p>
-            <a:pPr algn="ctr"/>
-            <a:r>
-              <a:rPr lang="en-US" sz="4800" dirty="0">
-                <a:solidFill>
-                  <a:schemeClr val="bg1"/>
-                </a:solidFill>
-                <a:latin typeface="Arial" panose="020B0604020202020204" pitchFamily="34" charset="0"/>
-                <a:cs typeface="Arial" panose="020B0604020202020204" pitchFamily="34" charset="0"/>
-              </a:rPr>
-              <a:t>III. </a:t>
-            </a:r>
-            <a:r>
-              <a:rPr lang="en-US" sz="4800" dirty="0" err="1">
-                <a:solidFill>
-                  <a:schemeClr val="bg1"/>
-                </a:solidFill>
-                <a:latin typeface="Arial" panose="020B0604020202020204" pitchFamily="34" charset="0"/>
-                <a:cs typeface="Arial" panose="020B0604020202020204" pitchFamily="34" charset="0"/>
-              </a:rPr>
-              <a:t>Mô</a:t>
-            </a:r>
-            <a:r>
-              <a:rPr lang="en-US" sz="4800" dirty="0">
-                <a:solidFill>
-                  <a:schemeClr val="bg1"/>
-                </a:solidFill>
-                <a:latin typeface="Arial" panose="020B0604020202020204" pitchFamily="34" charset="0"/>
-                <a:cs typeface="Arial" panose="020B0604020202020204" pitchFamily="34" charset="0"/>
-              </a:rPr>
-              <a:t> </a:t>
-            </a:r>
-            <a:r>
-              <a:rPr lang="en-US" sz="4800" dirty="0" err="1">
-                <a:solidFill>
-                  <a:schemeClr val="bg1"/>
-                </a:solidFill>
-                <a:latin typeface="Arial" panose="020B0604020202020204" pitchFamily="34" charset="0"/>
-                <a:cs typeface="Arial" panose="020B0604020202020204" pitchFamily="34" charset="0"/>
-              </a:rPr>
-              <a:t>tả</a:t>
-            </a:r>
-            <a:r>
-              <a:rPr lang="en-US" sz="4800" dirty="0">
-                <a:solidFill>
-                  <a:schemeClr val="bg1"/>
-                </a:solidFill>
-                <a:latin typeface="Arial" panose="020B0604020202020204" pitchFamily="34" charset="0"/>
-                <a:cs typeface="Arial" panose="020B0604020202020204" pitchFamily="34" charset="0"/>
-              </a:rPr>
-              <a:t> </a:t>
-            </a:r>
-            <a:r>
-              <a:rPr lang="en-US" sz="4800" dirty="0" err="1">
-                <a:solidFill>
-                  <a:schemeClr val="bg1"/>
-                </a:solidFill>
-                <a:latin typeface="Arial" panose="020B0604020202020204" pitchFamily="34" charset="0"/>
-                <a:cs typeface="Arial" panose="020B0604020202020204" pitchFamily="34" charset="0"/>
-              </a:rPr>
-              <a:t>dự</a:t>
-            </a:r>
-            <a:r>
-              <a:rPr lang="en-US" sz="4800" dirty="0">
-                <a:solidFill>
-                  <a:schemeClr val="bg1"/>
-                </a:solidFill>
-                <a:latin typeface="Arial" panose="020B0604020202020204" pitchFamily="34" charset="0"/>
-                <a:cs typeface="Arial" panose="020B0604020202020204" pitchFamily="34" charset="0"/>
-              </a:rPr>
-              <a:t> </a:t>
-            </a:r>
-            <a:r>
-              <a:rPr lang="en-US" sz="4800" dirty="0" err="1">
-                <a:solidFill>
-                  <a:schemeClr val="bg1"/>
-                </a:solidFill>
-                <a:latin typeface="Arial" panose="020B0604020202020204" pitchFamily="34" charset="0"/>
-                <a:cs typeface="Arial" panose="020B0604020202020204" pitchFamily="34" charset="0"/>
-              </a:rPr>
-              <a:t>án</a:t>
-            </a:r>
-            <a:endParaRPr lang="en-US" sz="4800" dirty="0">
-              <a:solidFill>
-                <a:schemeClr val="bg1"/>
-              </a:solidFill>
-              <a:latin typeface="Arial" panose="020B0604020202020204" pitchFamily="34" charset="0"/>
-              <a:cs typeface="Arial" panose="020B0604020202020204" pitchFamily="34" charset="0"/>
-            </a:endParaRPr>
-          </a:p>
-        </p:txBody>
-      </p:sp>
-      <p:sp>
-        <p:nvSpPr>
-          <p:cNvPr id="3" name="Slide Number Placeholder 2">
-            <a:extLst>
-              <a:ext uri="{FF2B5EF4-FFF2-40B4-BE49-F238E27FC236}">
-                <a16:creationId xmlns:a16="http://schemas.microsoft.com/office/drawing/2014/main" id="{DBBDF213-6816-4FB5-B1DD-C379810EA68E}"/>
-              </a:ext>
-            </a:extLst>
-          </p:cNvPr>
-          <p:cNvSpPr>
-            <a:spLocks noGrp="1"/>
-          </p:cNvSpPr>
-          <p:nvPr>
-            <p:ph type="sldNum" sz="quarter" idx="12"/>
-          </p:nvPr>
-        </p:nvSpPr>
-        <p:spPr/>
-        <p:txBody>
-          <a:bodyPr/>
-          <a:lstStyle/>
-          <a:p>
-            <a:fld id="{BA5EFCD9-C1BF-4EA9-9E14-78586E50B94C}" type="slidenum">
-              <a:rPr lang="en-US" smtClean="0"/>
-              <a:t>8</a:t>
-            </a:fld>
-            <a:endParaRPr lang="en-US"/>
+            <a:r>
+              <a:rPr lang="en-US">
+                <a:latin typeface="Arial" panose="020B0604020202020204" pitchFamily="34" charset="0"/>
+                <a:cs typeface="Arial" panose="020B0604020202020204" pitchFamily="34" charset="0"/>
+              </a:rPr>
+              <a:t>III. Mô tả dự án</a:t>
+            </a:r>
           </a:p>
         </p:txBody>
       </p:sp>
@@ -18328,93 +18362,325 @@
         </p:nvSpPr>
         <p:spPr>
           <a:xfrm>
-            <a:off x="4762312" y="1"/>
-            <a:ext cx="7393033" cy="6858000"/>
+            <a:off x="450392" y="925830"/>
+            <a:ext cx="5325567" cy="5292088"/>
           </a:xfrm>
         </p:spPr>
         <p:txBody>
           <a:bodyPr>
-            <a:noAutofit/>
+            <a:normAutofit/>
           </a:bodyPr>
           <a:lstStyle/>
           <a:p>
             <a:pPr marL="0" indent="0">
-              <a:lnSpc>
-                <a:spcPct val="150000"/>
-              </a:lnSpc>
               <a:buNone/>
             </a:pPr>
             <a:r>
-              <a:rPr lang="en-US" sz="1600" b="1" dirty="0">
-                <a:latin typeface="Arial" panose="020B0604020202020204" pitchFamily="34" charset="0"/>
-                <a:cs typeface="Arial" panose="020B0604020202020204" pitchFamily="34" charset="0"/>
-              </a:rPr>
-              <a:t>3) </a:t>
-            </a:r>
-            <a:r>
-              <a:rPr lang="en-US" sz="1600" b="1" dirty="0" err="1">
-                <a:latin typeface="Arial" panose="020B0604020202020204" pitchFamily="34" charset="0"/>
-                <a:cs typeface="Arial" panose="020B0604020202020204" pitchFamily="34" charset="0"/>
-              </a:rPr>
-              <a:t>Mô</a:t>
-            </a:r>
-            <a:r>
-              <a:rPr lang="en-US" sz="1600" b="1" dirty="0">
-                <a:latin typeface="Arial" panose="020B0604020202020204" pitchFamily="34" charset="0"/>
-                <a:cs typeface="Arial" panose="020B0604020202020204" pitchFamily="34" charset="0"/>
-              </a:rPr>
-              <a:t> </a:t>
-            </a:r>
-            <a:r>
-              <a:rPr lang="en-US" sz="1600" b="1" dirty="0" err="1">
-                <a:latin typeface="Arial" panose="020B0604020202020204" pitchFamily="34" charset="0"/>
-                <a:cs typeface="Arial" panose="020B0604020202020204" pitchFamily="34" charset="0"/>
-              </a:rPr>
-              <a:t>hình</a:t>
-            </a:r>
-            <a:r>
-              <a:rPr lang="en-US" sz="1600" b="1" dirty="0">
-                <a:latin typeface="Arial" panose="020B0604020202020204" pitchFamily="34" charset="0"/>
-                <a:cs typeface="Arial" panose="020B0604020202020204" pitchFamily="34" charset="0"/>
-              </a:rPr>
-              <a:t> </a:t>
-            </a:r>
-            <a:r>
-              <a:rPr lang="en-US" sz="1600" b="1" dirty="0" err="1">
-                <a:latin typeface="Arial" panose="020B0604020202020204" pitchFamily="34" charset="0"/>
-                <a:cs typeface="Arial" panose="020B0604020202020204" pitchFamily="34" charset="0"/>
-              </a:rPr>
-              <a:t>hóa</a:t>
-            </a:r>
-            <a:r>
-              <a:rPr lang="en-US" sz="1600" b="1" dirty="0">
-                <a:latin typeface="Arial" panose="020B0604020202020204" pitchFamily="34" charset="0"/>
-                <a:cs typeface="Arial" panose="020B0604020202020204" pitchFamily="34" charset="0"/>
-              </a:rPr>
-              <a:t> </a:t>
-            </a:r>
-            <a:r>
-              <a:rPr lang="en-US" sz="1600" b="1" dirty="0" err="1">
-                <a:latin typeface="Arial" panose="020B0604020202020204" pitchFamily="34" charset="0"/>
-                <a:cs typeface="Arial" panose="020B0604020202020204" pitchFamily="34" charset="0"/>
-              </a:rPr>
-              <a:t>dữ</a:t>
-            </a:r>
-            <a:r>
-              <a:rPr lang="en-US" sz="1600" b="1" dirty="0">
-                <a:latin typeface="Arial" panose="020B0604020202020204" pitchFamily="34" charset="0"/>
-                <a:cs typeface="Arial" panose="020B0604020202020204" pitchFamily="34" charset="0"/>
-              </a:rPr>
-              <a:t> </a:t>
-            </a:r>
-            <a:r>
-              <a:rPr lang="en-US" sz="1600" b="1" dirty="0" err="1">
-                <a:latin typeface="Arial" panose="020B0604020202020204" pitchFamily="34" charset="0"/>
-                <a:cs typeface="Arial" panose="020B0604020202020204" pitchFamily="34" charset="0"/>
-              </a:rPr>
-              <a:t>liệu</a:t>
-            </a:r>
-            <a:endParaRPr lang="en-US" sz="1500" dirty="0">
+              <a:rPr lang="en-US" sz="1800" b="1">
+                <a:latin typeface="Arial" panose="020B0604020202020204" pitchFamily="34" charset="0"/>
+                <a:cs typeface="Arial" panose="020B0604020202020204" pitchFamily="34" charset="0"/>
+              </a:rPr>
+              <a:t>3) Mô hình hóa dữ liệu</a:t>
+            </a:r>
+          </a:p>
+          <a:p>
+            <a:pPr>
+              <a:buFontTx/>
+              <a:buChar char="-"/>
+            </a:pPr>
+            <a:r>
+              <a:rPr lang="en-US" sz="1800">
+                <a:latin typeface="Arial" panose="020B0604020202020204" pitchFamily="34" charset="0"/>
+                <a:cs typeface="Arial" panose="020B0604020202020204" pitchFamily="34" charset="0"/>
+              </a:rPr>
+              <a:t>Loại bỏ cột </a:t>
+            </a:r>
+            <a:r>
+              <a:rPr lang="en-US" sz="1800" b="1">
+                <a:latin typeface="Arial" panose="020B0604020202020204" pitchFamily="34" charset="0"/>
+                <a:cs typeface="Arial" panose="020B0604020202020204" pitchFamily="34" charset="0"/>
+              </a:rPr>
+              <a:t>title</a:t>
+            </a:r>
+            <a:r>
+              <a:rPr lang="en-US" sz="1800">
+                <a:latin typeface="Arial" panose="020B0604020202020204" pitchFamily="34" charset="0"/>
+                <a:cs typeface="Arial" panose="020B0604020202020204" pitchFamily="34" charset="0"/>
+              </a:rPr>
+              <a:t> và </a:t>
+            </a:r>
+            <a:r>
+              <a:rPr lang="en-US" sz="1800" b="1">
+                <a:latin typeface="Arial" panose="020B0604020202020204" pitchFamily="34" charset="0"/>
+                <a:cs typeface="Arial" panose="020B0604020202020204" pitchFamily="34" charset="0"/>
+              </a:rPr>
+              <a:t>des.</a:t>
+            </a:r>
+            <a:endParaRPr lang="en-US" sz="1800">
+              <a:latin typeface="Arial" panose="020B0604020202020204" pitchFamily="34" charset="0"/>
+              <a:cs typeface="Arial" panose="020B0604020202020204" pitchFamily="34" charset="0"/>
+            </a:endParaRPr>
+          </a:p>
+          <a:p>
+            <a:pPr>
+              <a:buFontTx/>
+              <a:buChar char="-"/>
+            </a:pPr>
+            <a:r>
+              <a:rPr lang="en-US" sz="1800">
+                <a:latin typeface="Arial" panose="020B0604020202020204" pitchFamily="34" charset="0"/>
+                <a:cs typeface="Arial" panose="020B0604020202020204" pitchFamily="34" charset="0"/>
+              </a:rPr>
+              <a:t>Gồm có 2 pipeline chính:</a:t>
+            </a:r>
+          </a:p>
+          <a:p>
+            <a:pPr lvl="1">
+              <a:buFontTx/>
+              <a:buChar char="-"/>
+            </a:pPr>
+            <a:r>
+              <a:rPr lang="en-US" sz="1800">
+                <a:latin typeface="Arial" panose="020B0604020202020204" pitchFamily="34" charset="0"/>
+                <a:cs typeface="Arial" panose="020B0604020202020204" pitchFamily="34" charset="0"/>
+              </a:rPr>
+              <a:t>Preprocess pipeline: </a:t>
+            </a:r>
+          </a:p>
+          <a:p>
+            <a:pPr lvl="2">
+              <a:buFontTx/>
+              <a:buChar char="-"/>
+            </a:pPr>
+            <a:r>
+              <a:rPr lang="en-US" sz="1800">
+                <a:latin typeface="Arial" panose="020B0604020202020204" pitchFamily="34" charset="0"/>
+                <a:cs typeface="Arial" panose="020B0604020202020204" pitchFamily="34" charset="0"/>
+              </a:rPr>
+              <a:t>Tính giá trị TF-IDF của các phần tử trong cột: genre, cast, director.</a:t>
+            </a:r>
+          </a:p>
+          <a:p>
+            <a:pPr lvl="2">
+              <a:buFontTx/>
+              <a:buChar char="-"/>
+            </a:pPr>
+            <a:r>
+              <a:rPr lang="en-US" sz="1800">
+                <a:latin typeface="Arial" panose="020B0604020202020204" pitchFamily="34" charset="0"/>
+                <a:cs typeface="Arial" panose="020B0604020202020204" pitchFamily="34" charset="0"/>
+              </a:rPr>
+              <a:t>Thay thế các giá trị thiếu của cột gross thành trung vị của cột đó.</a:t>
+            </a:r>
+          </a:p>
+          <a:p>
+            <a:pPr lvl="2">
+              <a:buFontTx/>
+              <a:buChar char="-"/>
+            </a:pPr>
+            <a:r>
+              <a:rPr lang="en-US" sz="1800">
+                <a:latin typeface="Arial" panose="020B0604020202020204" pitchFamily="34" charset="0"/>
+                <a:cs typeface="Arial" panose="020B0604020202020204" pitchFamily="34" charset="0"/>
+              </a:rPr>
+              <a:t>Tiến hành chuẩn hóa dữ liệu.</a:t>
+            </a:r>
+          </a:p>
+          <a:p>
+            <a:pPr lvl="1">
+              <a:buFontTx/>
+              <a:buChar char="-"/>
+            </a:pPr>
+            <a:r>
+              <a:rPr lang="en-US" sz="1800">
+                <a:latin typeface="Arial" panose="020B0604020202020204" pitchFamily="34" charset="0"/>
+                <a:cs typeface="Arial" panose="020B0604020202020204" pitchFamily="34" charset="0"/>
+              </a:rPr>
+              <a:t>Model pipeline:</a:t>
+            </a:r>
+          </a:p>
+          <a:p>
+            <a:pPr lvl="2">
+              <a:buFontTx/>
+              <a:buChar char="-"/>
+            </a:pPr>
+            <a:r>
+              <a:rPr lang="en-US" sz="1800">
+                <a:latin typeface="Arial" panose="020B0604020202020204" pitchFamily="34" charset="0"/>
+                <a:cs typeface="Arial" panose="020B0604020202020204" pitchFamily="34" charset="0"/>
+              </a:rPr>
+              <a:t>Linear Regression.</a:t>
+            </a:r>
+          </a:p>
+          <a:p>
+            <a:pPr lvl="2">
+              <a:buFontTx/>
+              <a:buChar char="-"/>
+            </a:pPr>
+            <a:r>
+              <a:rPr lang="en-US" sz="1800">
+                <a:latin typeface="Arial" panose="020B0604020202020204" pitchFamily="34" charset="0"/>
+                <a:cs typeface="Arial" panose="020B0604020202020204" pitchFamily="34" charset="0"/>
+              </a:rPr>
+              <a:t>RandomForest.</a:t>
+            </a:r>
+          </a:p>
+          <a:p>
+            <a:pPr marL="914400" lvl="2" indent="0">
+              <a:buNone/>
+            </a:pPr>
+            <a:endParaRPr lang="en-US" sz="1400">
+              <a:latin typeface="Arial" panose="020B0604020202020204" pitchFamily="34" charset="0"/>
+              <a:cs typeface="Arial" panose="020B0604020202020204" pitchFamily="34" charset="0"/>
+            </a:endParaRPr>
+          </a:p>
+          <a:p>
+            <a:pPr marL="0" indent="0">
+              <a:buNone/>
+            </a:pPr>
+            <a:endParaRPr lang="en-US" sz="1400" b="1">
+              <a:latin typeface="Arial" panose="020B0604020202020204" pitchFamily="34" charset="0"/>
+              <a:cs typeface="Arial" panose="020B0604020202020204" pitchFamily="34" charset="0"/>
+            </a:endParaRPr>
+          </a:p>
+        </p:txBody>
+      </p:sp>
+      <p:pic>
+        <p:nvPicPr>
+          <p:cNvPr id="1030" name="Picture 6">
+            <a:extLst>
+              <a:ext uri="{FF2B5EF4-FFF2-40B4-BE49-F238E27FC236}">
+                <a16:creationId xmlns:a16="http://schemas.microsoft.com/office/drawing/2014/main" id="{0E1AB789-3A18-485C-94B3-74D97780F034}"/>
+              </a:ext>
+            </a:extLst>
+          </p:cNvPr>
+          <p:cNvPicPr>
+            <a:picLocks noChangeAspect="1" noChangeArrowheads="1"/>
+          </p:cNvPicPr>
+          <p:nvPr/>
+        </p:nvPicPr>
+        <p:blipFill rotWithShape="1">
+          <a:blip r:embed="rId3">
+            <a:extLst>
+              <a:ext uri="{28A0092B-C50C-407E-A947-70E740481C1C}">
+                <a14:useLocalDpi xmlns:a14="http://schemas.microsoft.com/office/drawing/2010/main" val="0"/>
+              </a:ext>
+            </a:extLst>
+          </a:blip>
+          <a:srcRect l="311" r="1073" b="5"/>
+          <a:stretch/>
+        </p:blipFill>
+        <p:spPr bwMode="auto">
+          <a:xfrm>
+            <a:off x="6096000" y="363083"/>
+            <a:ext cx="5461724" cy="5577837"/>
+          </a:xfrm>
+          <a:prstGeom prst="rect">
+            <a:avLst/>
+          </a:prstGeom>
+          <a:noFill/>
+          <a:effectLst/>
+          <a:extLst>
+            <a:ext uri="{909E8E84-426E-40DD-AFC4-6F175D3DCCD1}">
+              <a14:hiddenFill xmlns:a14="http://schemas.microsoft.com/office/drawing/2010/main">
+                <a:solidFill>
+                  <a:srgbClr val="FFFFFF"/>
+                </a:solidFill>
+              </a14:hiddenFill>
+            </a:ext>
+          </a:extLst>
+        </p:spPr>
+      </p:pic>
+      <p:sp>
+        <p:nvSpPr>
+          <p:cNvPr id="3" name="Slide Number Placeholder 2">
+            <a:extLst>
+              <a:ext uri="{FF2B5EF4-FFF2-40B4-BE49-F238E27FC236}">
+                <a16:creationId xmlns:a16="http://schemas.microsoft.com/office/drawing/2014/main" id="{DBBDF213-6816-4FB5-B1DD-C379810EA68E}"/>
+              </a:ext>
+            </a:extLst>
+          </p:cNvPr>
+          <p:cNvSpPr>
+            <a:spLocks noGrp="1"/>
+          </p:cNvSpPr>
+          <p:nvPr>
+            <p:ph type="sldNum" sz="quarter" idx="12"/>
+          </p:nvPr>
+        </p:nvSpPr>
+        <p:spPr>
+          <a:xfrm>
+            <a:off x="8610600" y="6356350"/>
+            <a:ext cx="2743200" cy="365125"/>
+          </a:xfrm>
+        </p:spPr>
+        <p:txBody>
+          <a:bodyPr>
+            <a:normAutofit/>
+          </a:bodyPr>
+          <a:lstStyle/>
+          <a:p>
+            <a:pPr>
+              <a:spcAft>
+                <a:spcPts val="600"/>
+              </a:spcAft>
+            </a:pPr>
+            <a:fld id="{BA5EFCD9-C1BF-4EA9-9E14-78586E50B94C}" type="slidenum">
+              <a:rPr lang="en-US" smtClean="0"/>
+              <a:pPr>
+                <a:spcAft>
+                  <a:spcPts val="600"/>
+                </a:spcAft>
+              </a:pPr>
+              <a:t>8</a:t>
+            </a:fld>
+            <a:endParaRPr lang="en-US"/>
+          </a:p>
+        </p:txBody>
+      </p:sp>
+      <p:sp>
+        <p:nvSpPr>
+          <p:cNvPr id="12" name="TextBox 11">
+            <a:extLst>
+              <a:ext uri="{FF2B5EF4-FFF2-40B4-BE49-F238E27FC236}">
+                <a16:creationId xmlns:a16="http://schemas.microsoft.com/office/drawing/2014/main" id="{B37573B0-FB9D-4D29-9E4F-784A9A596693}"/>
+              </a:ext>
+            </a:extLst>
+          </p:cNvPr>
+          <p:cNvSpPr txBox="1"/>
+          <p:nvPr/>
+        </p:nvSpPr>
+        <p:spPr>
+          <a:xfrm>
+            <a:off x="6580040" y="6079351"/>
+            <a:ext cx="4493643" cy="307777"/>
+          </a:xfrm>
+          <a:prstGeom prst="rect">
+            <a:avLst/>
+          </a:prstGeom>
+          <a:noFill/>
+        </p:spPr>
+        <p:txBody>
+          <a:bodyPr wrap="square" rtlCol="0">
+            <a:spAutoFit/>
+          </a:bodyPr>
+          <a:lstStyle/>
+          <a:p>
+            <a:pPr algn="ctr"/>
+            <a:r>
+              <a:rPr lang="en-US" sz="1400" err="1">
+                <a:latin typeface="Arial" panose="020B0604020202020204" pitchFamily="34" charset="0"/>
+                <a:cs typeface="Arial" panose="020B0604020202020204" pitchFamily="34" charset="0"/>
+              </a:rPr>
+              <a:t>Hình</a:t>
+            </a:r>
+            <a:r>
+              <a:rPr lang="en-US" sz="1400">
+                <a:latin typeface="Arial" panose="020B0604020202020204" pitchFamily="34" charset="0"/>
+                <a:cs typeface="Arial" panose="020B0604020202020204" pitchFamily="34" charset="0"/>
+              </a:rPr>
+              <a:t> 3: Kết quả.</a:t>
+            </a:r>
+            <a:endParaRPr lang="en-US" sz="1400" dirty="0">
               <a:latin typeface="Arial" panose="020B0604020202020204" pitchFamily="34" charset="0"/>
               <a:cs typeface="Arial" panose="020B0604020202020204" pitchFamily="34" charset="0"/>
             </a:endParaRPr>

--- a/doc/report.pptx
+++ b/doc/report.pptx
@@ -225,7 +225,7 @@
           <a:p>
             <a:fld id="{23EDC7EF-2C8A-4BED-BB2A-11CA579B9823}" type="datetimeFigureOut">
               <a:rPr lang="en-US" smtClean="0"/>
-              <a:t>1/8/2020</a:t>
+              <a:t>2020-01-08</a:t>
             </a:fld>
             <a:endParaRPr lang="en-US"/>
           </a:p>
@@ -409,7 +409,7 @@
           <a:p>
             <a:fld id="{F8B84600-A566-40EA-BE9B-5ACBE31EE42D}" type="datetimeFigureOut">
               <a:rPr lang="en-US" smtClean="0"/>
-              <a:t>1/8/2020</a:t>
+              <a:t>2020-01-08</a:t>
             </a:fld>
             <a:endParaRPr lang="en-US"/>
           </a:p>
@@ -1661,7 +1661,7 @@
           <a:p>
             <a:fld id="{38DF76A7-A227-4517-965D-40E5F781BA5B}" type="datetime1">
               <a:rPr lang="en-US" smtClean="0"/>
-              <a:t>1/8/2020</a:t>
+              <a:t>2020-01-08</a:t>
             </a:fld>
             <a:endParaRPr lang="en-US"/>
           </a:p>
@@ -1862,7 +1862,7 @@
           <a:p>
             <a:fld id="{00E0834F-6201-4D64-91BA-A3F135E26F82}" type="datetime1">
               <a:rPr lang="en-US" smtClean="0"/>
-              <a:t>1/8/2020</a:t>
+              <a:t>2020-01-08</a:t>
             </a:fld>
             <a:endParaRPr lang="en-US"/>
           </a:p>
@@ -2073,7 +2073,7 @@
           <a:p>
             <a:fld id="{CCBEA601-CF0B-4316-BA67-73803036A82D}" type="datetime1">
               <a:rPr lang="en-US" smtClean="0"/>
-              <a:t>1/8/2020</a:t>
+              <a:t>2020-01-08</a:t>
             </a:fld>
             <a:endParaRPr lang="en-US"/>
           </a:p>
@@ -2352,7 +2352,7 @@
           <a:p>
             <a:fld id="{E27BB601-612A-49B6-A526-3A125925B92D}" type="datetime1">
               <a:rPr lang="en-US" smtClean="0"/>
-              <a:t>1/8/2020</a:t>
+              <a:t>2020-01-08</a:t>
             </a:fld>
             <a:endParaRPr lang="en-US"/>
           </a:p>
@@ -2630,7 +2630,7 @@
           <a:p>
             <a:fld id="{6775A2E7-07D1-4BD1-A27A-2C705AA2CC5C}" type="datetime1">
               <a:rPr lang="en-US" smtClean="0"/>
-              <a:t>1/8/2020</a:t>
+              <a:t>2020-01-08</a:t>
             </a:fld>
             <a:endParaRPr lang="en-US"/>
           </a:p>
@@ -2898,7 +2898,7 @@
           <a:p>
             <a:fld id="{BE99AF5B-ED71-4571-8AFE-338CA086A8B8}" type="datetime1">
               <a:rPr lang="en-US" smtClean="0"/>
-              <a:t>1/8/2020</a:t>
+              <a:t>2020-01-08</a:t>
             </a:fld>
             <a:endParaRPr lang="en-US"/>
           </a:p>
@@ -3313,7 +3313,7 @@
           <a:p>
             <a:fld id="{C1803233-257D-4AE7-B6A0-CCA249F54B1C}" type="datetime1">
               <a:rPr lang="en-US" smtClean="0"/>
-              <a:t>1/8/2020</a:t>
+              <a:t>2020-01-08</a:t>
             </a:fld>
             <a:endParaRPr lang="en-US"/>
           </a:p>
@@ -3457,7 +3457,7 @@
           <a:p>
             <a:fld id="{5D351BEF-5ED1-4AB0-91F3-9F5AC17E5BCD}" type="datetime1">
               <a:rPr lang="en-US" smtClean="0"/>
-              <a:t>1/8/2020</a:t>
+              <a:t>2020-01-08</a:t>
             </a:fld>
             <a:endParaRPr lang="en-US"/>
           </a:p>
@@ -3573,7 +3573,7 @@
           <a:p>
             <a:fld id="{73792002-44B4-45F3-965D-838A2E8E0737}" type="datetime1">
               <a:rPr lang="en-US" smtClean="0"/>
-              <a:t>1/8/2020</a:t>
+              <a:t>2020-01-08</a:t>
             </a:fld>
             <a:endParaRPr lang="en-US"/>
           </a:p>
@@ -3887,7 +3887,7 @@
           <a:p>
             <a:fld id="{89A2D48F-B309-49D9-A76A-EF2A755F2083}" type="datetime1">
               <a:rPr lang="en-US" smtClean="0"/>
-              <a:t>1/8/2020</a:t>
+              <a:t>2020-01-08</a:t>
             </a:fld>
             <a:endParaRPr lang="en-US"/>
           </a:p>
@@ -4178,7 +4178,7 @@
           <a:p>
             <a:fld id="{72005573-5152-46B4-A892-1BA3448313C7}" type="datetime1">
               <a:rPr lang="en-US" smtClean="0"/>
-              <a:t>1/8/2020</a:t>
+              <a:t>2020-01-08</a:t>
             </a:fld>
             <a:endParaRPr lang="en-US"/>
           </a:p>
@@ -4422,7 +4422,7 @@
           <a:p>
             <a:fld id="{A7A43355-6594-4835-BB8E-6BCE00E7F01D}" type="datetime1">
               <a:rPr lang="en-US" smtClean="0"/>
-              <a:t>1/8/2020</a:t>
+              <a:t>2020-01-08</a:t>
             </a:fld>
             <a:endParaRPr lang="en-US"/>
           </a:p>
@@ -6605,7 +6605,7 @@
                 <a:latin typeface="Arial" panose="020B0604020202020204" pitchFamily="34" charset="0"/>
                 <a:cs typeface="Arial" panose="020B0604020202020204" pitchFamily="34" charset="0"/>
               </a:rPr>
-              <a:t>IV. </a:t>
+              <a:t>V. </a:t>
             </a:r>
             <a:r>
               <a:rPr lang="en-US" sz="4800" dirty="0" err="1">
@@ -19080,252 +19080,252 @@
               <a:buNone/>
             </a:pPr>
             <a:r>
-              <a:rPr lang="en-US" sz="1400" dirty="0" err="1">
+              <a:rPr lang="en-US" sz="1600" dirty="0" err="1">
                 <a:latin typeface="Arial" panose="020B0604020202020204" pitchFamily="34" charset="0"/>
                 <a:cs typeface="Arial" panose="020B0604020202020204" pitchFamily="34" charset="0"/>
               </a:rPr>
               <a:t>Biết</a:t>
             </a:r>
             <a:r>
-              <a:rPr lang="en-US" sz="1400" dirty="0">
-                <a:latin typeface="Arial" panose="020B0604020202020204" pitchFamily="34" charset="0"/>
-                <a:cs typeface="Arial" panose="020B0604020202020204" pitchFamily="34" charset="0"/>
-              </a:rPr>
-              <a:t> </a:t>
-            </a:r>
-            <a:r>
-              <a:rPr lang="en-US" sz="1400" dirty="0" err="1">
+              <a:rPr lang="en-US" sz="1600" dirty="0">
+                <a:latin typeface="Arial" panose="020B0604020202020204" pitchFamily="34" charset="0"/>
+                <a:cs typeface="Arial" panose="020B0604020202020204" pitchFamily="34" charset="0"/>
+              </a:rPr>
+              <a:t> </a:t>
+            </a:r>
+            <a:r>
+              <a:rPr lang="en-US" sz="1600" dirty="0" err="1">
                 <a:latin typeface="Arial" panose="020B0604020202020204" pitchFamily="34" charset="0"/>
                 <a:cs typeface="Arial" panose="020B0604020202020204" pitchFamily="34" charset="0"/>
               </a:rPr>
               <a:t>sử</a:t>
             </a:r>
             <a:r>
-              <a:rPr lang="en-US" sz="1400" dirty="0">
-                <a:latin typeface="Arial" panose="020B0604020202020204" pitchFamily="34" charset="0"/>
-                <a:cs typeface="Arial" panose="020B0604020202020204" pitchFamily="34" charset="0"/>
-              </a:rPr>
-              <a:t> </a:t>
-            </a:r>
-            <a:r>
-              <a:rPr lang="en-US" sz="1400" dirty="0" err="1">
+              <a:rPr lang="en-US" sz="1600" dirty="0">
+                <a:latin typeface="Arial" panose="020B0604020202020204" pitchFamily="34" charset="0"/>
+                <a:cs typeface="Arial" panose="020B0604020202020204" pitchFamily="34" charset="0"/>
+              </a:rPr>
+              <a:t> </a:t>
+            </a:r>
+            <a:r>
+              <a:rPr lang="en-US" sz="1600" dirty="0" err="1">
                 <a:latin typeface="Arial" panose="020B0604020202020204" pitchFamily="34" charset="0"/>
                 <a:cs typeface="Arial" panose="020B0604020202020204" pitchFamily="34" charset="0"/>
               </a:rPr>
               <a:t>dụng</a:t>
             </a:r>
             <a:r>
-              <a:rPr lang="en-US" sz="1400" dirty="0">
-                <a:latin typeface="Arial" panose="020B0604020202020204" pitchFamily="34" charset="0"/>
-                <a:cs typeface="Arial" panose="020B0604020202020204" pitchFamily="34" charset="0"/>
-              </a:rPr>
-              <a:t> </a:t>
-            </a:r>
-            <a:r>
-              <a:rPr lang="en-US" sz="1400" dirty="0" err="1">
+              <a:rPr lang="en-US" sz="1600" dirty="0">
+                <a:latin typeface="Arial" panose="020B0604020202020204" pitchFamily="34" charset="0"/>
+                <a:cs typeface="Arial" panose="020B0604020202020204" pitchFamily="34" charset="0"/>
+              </a:rPr>
+              <a:t> </a:t>
+            </a:r>
+            <a:r>
+              <a:rPr lang="en-US" sz="1600" dirty="0" err="1">
                 <a:latin typeface="Arial" panose="020B0604020202020204" pitchFamily="34" charset="0"/>
                 <a:cs typeface="Arial" panose="020B0604020202020204" pitchFamily="34" charset="0"/>
               </a:rPr>
               <a:t>kỹ</a:t>
             </a:r>
             <a:r>
-              <a:rPr lang="en-US" sz="1400" dirty="0">
-                <a:latin typeface="Arial" panose="020B0604020202020204" pitchFamily="34" charset="0"/>
-                <a:cs typeface="Arial" panose="020B0604020202020204" pitchFamily="34" charset="0"/>
-              </a:rPr>
-              <a:t> </a:t>
-            </a:r>
-            <a:r>
-              <a:rPr lang="en-US" sz="1400" dirty="0" err="1">
+              <a:rPr lang="en-US" sz="1600" dirty="0">
+                <a:latin typeface="Arial" panose="020B0604020202020204" pitchFamily="34" charset="0"/>
+                <a:cs typeface="Arial" panose="020B0604020202020204" pitchFamily="34" charset="0"/>
+              </a:rPr>
+              <a:t> </a:t>
+            </a:r>
+            <a:r>
+              <a:rPr lang="en-US" sz="1600" dirty="0" err="1">
                 <a:latin typeface="Arial" panose="020B0604020202020204" pitchFamily="34" charset="0"/>
                 <a:cs typeface="Arial" panose="020B0604020202020204" pitchFamily="34" charset="0"/>
               </a:rPr>
               <a:t>thuật</a:t>
             </a:r>
             <a:r>
-              <a:rPr lang="en-US" sz="1400" dirty="0">
+              <a:rPr lang="en-US" sz="1600" dirty="0">
                 <a:latin typeface="Arial" panose="020B0604020202020204" pitchFamily="34" charset="0"/>
                 <a:cs typeface="Arial" panose="020B0604020202020204" pitchFamily="34" charset="0"/>
               </a:rPr>
               <a:t> TF-IDF </a:t>
             </a:r>
             <a:r>
-              <a:rPr lang="en-US" sz="1400" dirty="0" err="1">
+              <a:rPr lang="en-US" sz="1600" dirty="0" err="1">
                 <a:latin typeface="Arial" panose="020B0604020202020204" pitchFamily="34" charset="0"/>
                 <a:cs typeface="Arial" panose="020B0604020202020204" pitchFamily="34" charset="0"/>
               </a:rPr>
               <a:t>để</a:t>
             </a:r>
             <a:r>
-              <a:rPr lang="en-US" sz="1400" dirty="0">
-                <a:latin typeface="Arial" panose="020B0604020202020204" pitchFamily="34" charset="0"/>
-                <a:cs typeface="Arial" panose="020B0604020202020204" pitchFamily="34" charset="0"/>
-              </a:rPr>
-              <a:t> </a:t>
-            </a:r>
-            <a:r>
-              <a:rPr lang="en-US" sz="1400" dirty="0" err="1">
+              <a:rPr lang="en-US" sz="1600" dirty="0">
+                <a:latin typeface="Arial" panose="020B0604020202020204" pitchFamily="34" charset="0"/>
+                <a:cs typeface="Arial" panose="020B0604020202020204" pitchFamily="34" charset="0"/>
+              </a:rPr>
+              <a:t> </a:t>
+            </a:r>
+            <a:r>
+              <a:rPr lang="en-US" sz="1600" dirty="0" err="1">
                 <a:latin typeface="Arial" panose="020B0604020202020204" pitchFamily="34" charset="0"/>
                 <a:cs typeface="Arial" panose="020B0604020202020204" pitchFamily="34" charset="0"/>
               </a:rPr>
               <a:t>đánh</a:t>
             </a:r>
             <a:r>
-              <a:rPr lang="en-US" sz="1400" dirty="0">
-                <a:latin typeface="Arial" panose="020B0604020202020204" pitchFamily="34" charset="0"/>
-                <a:cs typeface="Arial" panose="020B0604020202020204" pitchFamily="34" charset="0"/>
-              </a:rPr>
-              <a:t> </a:t>
-            </a:r>
-            <a:r>
-              <a:rPr lang="en-US" sz="1400" dirty="0" err="1">
+              <a:rPr lang="en-US" sz="1600" dirty="0">
+                <a:latin typeface="Arial" panose="020B0604020202020204" pitchFamily="34" charset="0"/>
+                <a:cs typeface="Arial" panose="020B0604020202020204" pitchFamily="34" charset="0"/>
+              </a:rPr>
+              <a:t> </a:t>
+            </a:r>
+            <a:r>
+              <a:rPr lang="en-US" sz="1600" dirty="0" err="1">
                 <a:latin typeface="Arial" panose="020B0604020202020204" pitchFamily="34" charset="0"/>
                 <a:cs typeface="Arial" panose="020B0604020202020204" pitchFamily="34" charset="0"/>
               </a:rPr>
               <a:t>giá</a:t>
             </a:r>
             <a:r>
-              <a:rPr lang="en-US" sz="1400" dirty="0">
-                <a:latin typeface="Arial" panose="020B0604020202020204" pitchFamily="34" charset="0"/>
-                <a:cs typeface="Arial" panose="020B0604020202020204" pitchFamily="34" charset="0"/>
-              </a:rPr>
-              <a:t> </a:t>
-            </a:r>
-            <a:r>
-              <a:rPr lang="en-US" sz="1400" dirty="0" err="1">
+              <a:rPr lang="en-US" sz="1600" dirty="0">
+                <a:latin typeface="Arial" panose="020B0604020202020204" pitchFamily="34" charset="0"/>
+                <a:cs typeface="Arial" panose="020B0604020202020204" pitchFamily="34" charset="0"/>
+              </a:rPr>
+              <a:t> </a:t>
+            </a:r>
+            <a:r>
+              <a:rPr lang="en-US" sz="1600" dirty="0" err="1">
                 <a:latin typeface="Arial" panose="020B0604020202020204" pitchFamily="34" charset="0"/>
                 <a:cs typeface="Arial" panose="020B0604020202020204" pitchFamily="34" charset="0"/>
               </a:rPr>
               <a:t>tầm</a:t>
             </a:r>
             <a:r>
-              <a:rPr lang="en-US" sz="1400" dirty="0">
-                <a:latin typeface="Arial" panose="020B0604020202020204" pitchFamily="34" charset="0"/>
-                <a:cs typeface="Arial" panose="020B0604020202020204" pitchFamily="34" charset="0"/>
-              </a:rPr>
-              <a:t> </a:t>
-            </a:r>
-            <a:r>
-              <a:rPr lang="en-US" sz="1400" dirty="0" err="1">
+              <a:rPr lang="en-US" sz="1600" dirty="0">
+                <a:latin typeface="Arial" panose="020B0604020202020204" pitchFamily="34" charset="0"/>
+                <a:cs typeface="Arial" panose="020B0604020202020204" pitchFamily="34" charset="0"/>
+              </a:rPr>
+              <a:t> </a:t>
+            </a:r>
+            <a:r>
+              <a:rPr lang="en-US" sz="1600" dirty="0" err="1">
                 <a:latin typeface="Arial" panose="020B0604020202020204" pitchFamily="34" charset="0"/>
                 <a:cs typeface="Arial" panose="020B0604020202020204" pitchFamily="34" charset="0"/>
               </a:rPr>
               <a:t>quan</a:t>
             </a:r>
             <a:r>
-              <a:rPr lang="en-US" sz="1400" dirty="0">
-                <a:latin typeface="Arial" panose="020B0604020202020204" pitchFamily="34" charset="0"/>
-                <a:cs typeface="Arial" panose="020B0604020202020204" pitchFamily="34" charset="0"/>
-              </a:rPr>
-              <a:t> </a:t>
-            </a:r>
-            <a:r>
-              <a:rPr lang="en-US" sz="1400" dirty="0" err="1">
+              <a:rPr lang="en-US" sz="1600" dirty="0">
+                <a:latin typeface="Arial" panose="020B0604020202020204" pitchFamily="34" charset="0"/>
+                <a:cs typeface="Arial" panose="020B0604020202020204" pitchFamily="34" charset="0"/>
+              </a:rPr>
+              <a:t> </a:t>
+            </a:r>
+            <a:r>
+              <a:rPr lang="en-US" sz="1600" dirty="0" err="1">
                 <a:latin typeface="Arial" panose="020B0604020202020204" pitchFamily="34" charset="0"/>
                 <a:cs typeface="Arial" panose="020B0604020202020204" pitchFamily="34" charset="0"/>
               </a:rPr>
               <a:t>trọng</a:t>
             </a:r>
             <a:r>
-              <a:rPr lang="en-US" sz="1400" dirty="0">
-                <a:latin typeface="Arial" panose="020B0604020202020204" pitchFamily="34" charset="0"/>
-                <a:cs typeface="Arial" panose="020B0604020202020204" pitchFamily="34" charset="0"/>
-              </a:rPr>
-              <a:t> </a:t>
-            </a:r>
-            <a:r>
-              <a:rPr lang="en-US" sz="1400" dirty="0" err="1">
+              <a:rPr lang="en-US" sz="1600" dirty="0">
+                <a:latin typeface="Arial" panose="020B0604020202020204" pitchFamily="34" charset="0"/>
+                <a:cs typeface="Arial" panose="020B0604020202020204" pitchFamily="34" charset="0"/>
+              </a:rPr>
+              <a:t> </a:t>
+            </a:r>
+            <a:r>
+              <a:rPr lang="en-US" sz="1600" dirty="0" err="1">
                 <a:latin typeface="Arial" panose="020B0604020202020204" pitchFamily="34" charset="0"/>
                 <a:cs typeface="Arial" panose="020B0604020202020204" pitchFamily="34" charset="0"/>
               </a:rPr>
               <a:t>của</a:t>
             </a:r>
             <a:r>
-              <a:rPr lang="en-US" sz="1400" dirty="0">
-                <a:latin typeface="Arial" panose="020B0604020202020204" pitchFamily="34" charset="0"/>
-                <a:cs typeface="Arial" panose="020B0604020202020204" pitchFamily="34" charset="0"/>
-              </a:rPr>
-              <a:t> </a:t>
-            </a:r>
-            <a:r>
-              <a:rPr lang="en-US" sz="1400" dirty="0" err="1">
+              <a:rPr lang="en-US" sz="1600" dirty="0">
+                <a:latin typeface="Arial" panose="020B0604020202020204" pitchFamily="34" charset="0"/>
+                <a:cs typeface="Arial" panose="020B0604020202020204" pitchFamily="34" charset="0"/>
+              </a:rPr>
+              <a:t> </a:t>
+            </a:r>
+            <a:r>
+              <a:rPr lang="en-US" sz="1600" dirty="0" err="1">
                 <a:latin typeface="Arial" panose="020B0604020202020204" pitchFamily="34" charset="0"/>
                 <a:cs typeface="Arial" panose="020B0604020202020204" pitchFamily="34" charset="0"/>
               </a:rPr>
               <a:t>một</a:t>
             </a:r>
             <a:r>
-              <a:rPr lang="en-US" sz="1400" dirty="0">
-                <a:latin typeface="Arial" panose="020B0604020202020204" pitchFamily="34" charset="0"/>
-                <a:cs typeface="Arial" panose="020B0604020202020204" pitchFamily="34" charset="0"/>
-              </a:rPr>
-              <a:t> </a:t>
-            </a:r>
-            <a:r>
-              <a:rPr lang="en-US" sz="1400" dirty="0" err="1">
+              <a:rPr lang="en-US" sz="1600" dirty="0">
+                <a:latin typeface="Arial" panose="020B0604020202020204" pitchFamily="34" charset="0"/>
+                <a:cs typeface="Arial" panose="020B0604020202020204" pitchFamily="34" charset="0"/>
+              </a:rPr>
+              <a:t> </a:t>
+            </a:r>
+            <a:r>
+              <a:rPr lang="en-US" sz="1600" dirty="0" err="1">
                 <a:latin typeface="Arial" panose="020B0604020202020204" pitchFamily="34" charset="0"/>
                 <a:cs typeface="Arial" panose="020B0604020202020204" pitchFamily="34" charset="0"/>
               </a:rPr>
               <a:t>từ</a:t>
             </a:r>
             <a:r>
-              <a:rPr lang="en-US" sz="1400" dirty="0">
-                <a:latin typeface="Arial" panose="020B0604020202020204" pitchFamily="34" charset="0"/>
-                <a:cs typeface="Arial" panose="020B0604020202020204" pitchFamily="34" charset="0"/>
-              </a:rPr>
-              <a:t> </a:t>
-            </a:r>
-            <a:r>
-              <a:rPr lang="en-US" sz="1400" dirty="0" err="1">
+              <a:rPr lang="en-US" sz="1600" dirty="0">
+                <a:latin typeface="Arial" panose="020B0604020202020204" pitchFamily="34" charset="0"/>
+                <a:cs typeface="Arial" panose="020B0604020202020204" pitchFamily="34" charset="0"/>
+              </a:rPr>
+              <a:t> </a:t>
+            </a:r>
+            <a:r>
+              <a:rPr lang="en-US" sz="1600" dirty="0" err="1">
                 <a:latin typeface="Arial" panose="020B0604020202020204" pitchFamily="34" charset="0"/>
                 <a:cs typeface="Arial" panose="020B0604020202020204" pitchFamily="34" charset="0"/>
               </a:rPr>
               <a:t>trong</a:t>
             </a:r>
             <a:r>
-              <a:rPr lang="en-US" sz="1400" dirty="0">
-                <a:latin typeface="Arial" panose="020B0604020202020204" pitchFamily="34" charset="0"/>
-                <a:cs typeface="Arial" panose="020B0604020202020204" pitchFamily="34" charset="0"/>
-              </a:rPr>
-              <a:t> </a:t>
-            </a:r>
-            <a:r>
-              <a:rPr lang="en-US" sz="1400" dirty="0" err="1">
+              <a:rPr lang="en-US" sz="1600" dirty="0">
+                <a:latin typeface="Arial" panose="020B0604020202020204" pitchFamily="34" charset="0"/>
+                <a:cs typeface="Arial" panose="020B0604020202020204" pitchFamily="34" charset="0"/>
+              </a:rPr>
+              <a:t> </a:t>
+            </a:r>
+            <a:r>
+              <a:rPr lang="en-US" sz="1600" dirty="0" err="1">
                 <a:latin typeface="Arial" panose="020B0604020202020204" pitchFamily="34" charset="0"/>
                 <a:cs typeface="Arial" panose="020B0604020202020204" pitchFamily="34" charset="0"/>
               </a:rPr>
               <a:t>một</a:t>
             </a:r>
             <a:r>
-              <a:rPr lang="en-US" sz="1400" dirty="0">
-                <a:latin typeface="Arial" panose="020B0604020202020204" pitchFamily="34" charset="0"/>
-                <a:cs typeface="Arial" panose="020B0604020202020204" pitchFamily="34" charset="0"/>
-              </a:rPr>
-              <a:t> </a:t>
-            </a:r>
-            <a:r>
-              <a:rPr lang="en-US" sz="1400" dirty="0" err="1">
+              <a:rPr lang="en-US" sz="1600" dirty="0">
+                <a:latin typeface="Arial" panose="020B0604020202020204" pitchFamily="34" charset="0"/>
+                <a:cs typeface="Arial" panose="020B0604020202020204" pitchFamily="34" charset="0"/>
+              </a:rPr>
+              <a:t> </a:t>
+            </a:r>
+            <a:r>
+              <a:rPr lang="en-US" sz="1600" dirty="0" err="1">
                 <a:latin typeface="Arial" panose="020B0604020202020204" pitchFamily="34" charset="0"/>
                 <a:cs typeface="Arial" panose="020B0604020202020204" pitchFamily="34" charset="0"/>
               </a:rPr>
               <a:t>văn</a:t>
             </a:r>
             <a:r>
-              <a:rPr lang="en-US" sz="1400" dirty="0">
-                <a:latin typeface="Arial" panose="020B0604020202020204" pitchFamily="34" charset="0"/>
-                <a:cs typeface="Arial" panose="020B0604020202020204" pitchFamily="34" charset="0"/>
-              </a:rPr>
-              <a:t> </a:t>
-            </a:r>
-            <a:r>
-              <a:rPr lang="en-US" sz="1400" dirty="0" err="1">
+              <a:rPr lang="en-US" sz="1600" dirty="0">
+                <a:latin typeface="Arial" panose="020B0604020202020204" pitchFamily="34" charset="0"/>
+                <a:cs typeface="Arial" panose="020B0604020202020204" pitchFamily="34" charset="0"/>
+              </a:rPr>
+              <a:t> </a:t>
+            </a:r>
+            <a:r>
+              <a:rPr lang="en-US" sz="1600" dirty="0" err="1">
                 <a:latin typeface="Arial" panose="020B0604020202020204" pitchFamily="34" charset="0"/>
                 <a:cs typeface="Arial" panose="020B0604020202020204" pitchFamily="34" charset="0"/>
               </a:rPr>
               <a:t>bản</a:t>
             </a:r>
             <a:r>
-              <a:rPr lang="en-US" sz="1400" dirty="0">
+              <a:rPr lang="en-US" sz="1600" dirty="0">
                 <a:latin typeface="Arial" panose="020B0604020202020204" pitchFamily="34" charset="0"/>
                 <a:cs typeface="Arial" panose="020B0604020202020204" pitchFamily="34" charset="0"/>
               </a:rPr>
@@ -19340,182 +19340,182 @@
               <a:buNone/>
             </a:pPr>
             <a:r>
-              <a:rPr lang="en-US" sz="1400" dirty="0" err="1">
+              <a:rPr lang="en-US" sz="1600" dirty="0" err="1">
                 <a:latin typeface="Arial" panose="020B0604020202020204" pitchFamily="34" charset="0"/>
                 <a:cs typeface="Arial" panose="020B0604020202020204" pitchFamily="34" charset="0"/>
               </a:rPr>
               <a:t>Các</a:t>
             </a:r>
             <a:r>
-              <a:rPr lang="en-US" sz="1400" dirty="0">
-                <a:latin typeface="Arial" panose="020B0604020202020204" pitchFamily="34" charset="0"/>
-                <a:cs typeface="Arial" panose="020B0604020202020204" pitchFamily="34" charset="0"/>
-              </a:rPr>
-              <a:t> </a:t>
-            </a:r>
-            <a:r>
-              <a:rPr lang="en-US" sz="1400" dirty="0" err="1">
+              <a:rPr lang="en-US" sz="1600" dirty="0">
+                <a:latin typeface="Arial" panose="020B0604020202020204" pitchFamily="34" charset="0"/>
+                <a:cs typeface="Arial" panose="020B0604020202020204" pitchFamily="34" charset="0"/>
+              </a:rPr>
+              <a:t> </a:t>
+            </a:r>
+            <a:r>
+              <a:rPr lang="en-US" sz="1600" dirty="0" err="1">
                 <a:latin typeface="Arial" panose="020B0604020202020204" pitchFamily="34" charset="0"/>
                 <a:cs typeface="Arial" panose="020B0604020202020204" pitchFamily="34" charset="0"/>
               </a:rPr>
               <a:t>quá</a:t>
             </a:r>
             <a:r>
-              <a:rPr lang="en-US" sz="1400" dirty="0">
-                <a:latin typeface="Arial" panose="020B0604020202020204" pitchFamily="34" charset="0"/>
-                <a:cs typeface="Arial" panose="020B0604020202020204" pitchFamily="34" charset="0"/>
-              </a:rPr>
-              <a:t> </a:t>
-            </a:r>
-            <a:r>
-              <a:rPr lang="en-US" sz="1400" dirty="0" err="1">
+              <a:rPr lang="en-US" sz="1600" dirty="0">
+                <a:latin typeface="Arial" panose="020B0604020202020204" pitchFamily="34" charset="0"/>
+                <a:cs typeface="Arial" panose="020B0604020202020204" pitchFamily="34" charset="0"/>
+              </a:rPr>
+              <a:t> </a:t>
+            </a:r>
+            <a:r>
+              <a:rPr lang="en-US" sz="1600" dirty="0" err="1">
                 <a:latin typeface="Arial" panose="020B0604020202020204" pitchFamily="34" charset="0"/>
                 <a:cs typeface="Arial" panose="020B0604020202020204" pitchFamily="34" charset="0"/>
               </a:rPr>
               <a:t>trình</a:t>
             </a:r>
             <a:r>
-              <a:rPr lang="en-US" sz="1400" dirty="0">
+              <a:rPr lang="en-US" sz="1600" dirty="0">
                 <a:latin typeface="Arial" panose="020B0604020202020204" pitchFamily="34" charset="0"/>
                 <a:cs typeface="Arial" panose="020B0604020202020204" pitchFamily="34" charset="0"/>
               </a:rPr>
               <a:t> chia </a:t>
             </a:r>
             <a:r>
-              <a:rPr lang="en-US" sz="1400" dirty="0" err="1">
+              <a:rPr lang="en-US" sz="1600" dirty="0" err="1">
                 <a:latin typeface="Arial" panose="020B0604020202020204" pitchFamily="34" charset="0"/>
                 <a:cs typeface="Arial" panose="020B0604020202020204" pitchFamily="34" charset="0"/>
               </a:rPr>
               <a:t>bộ</a:t>
             </a:r>
             <a:r>
-              <a:rPr lang="en-US" sz="1400" dirty="0">
-                <a:latin typeface="Arial" panose="020B0604020202020204" pitchFamily="34" charset="0"/>
-                <a:cs typeface="Arial" panose="020B0604020202020204" pitchFamily="34" charset="0"/>
-              </a:rPr>
-              <a:t> </a:t>
-            </a:r>
-            <a:r>
-              <a:rPr lang="en-US" sz="1400" dirty="0" err="1">
+              <a:rPr lang="en-US" sz="1600" dirty="0">
+                <a:latin typeface="Arial" panose="020B0604020202020204" pitchFamily="34" charset="0"/>
+                <a:cs typeface="Arial" panose="020B0604020202020204" pitchFamily="34" charset="0"/>
+              </a:rPr>
+              <a:t> </a:t>
+            </a:r>
+            <a:r>
+              <a:rPr lang="en-US" sz="1600" dirty="0" err="1">
                 <a:latin typeface="Arial" panose="020B0604020202020204" pitchFamily="34" charset="0"/>
                 <a:cs typeface="Arial" panose="020B0604020202020204" pitchFamily="34" charset="0"/>
               </a:rPr>
               <a:t>dữ</a:t>
             </a:r>
             <a:r>
-              <a:rPr lang="en-US" sz="1400" dirty="0">
-                <a:latin typeface="Arial" panose="020B0604020202020204" pitchFamily="34" charset="0"/>
-                <a:cs typeface="Arial" panose="020B0604020202020204" pitchFamily="34" charset="0"/>
-              </a:rPr>
-              <a:t> </a:t>
-            </a:r>
-            <a:r>
-              <a:rPr lang="en-US" sz="1400" dirty="0" err="1">
+              <a:rPr lang="en-US" sz="1600" dirty="0">
+                <a:latin typeface="Arial" panose="020B0604020202020204" pitchFamily="34" charset="0"/>
+                <a:cs typeface="Arial" panose="020B0604020202020204" pitchFamily="34" charset="0"/>
+              </a:rPr>
+              <a:t> </a:t>
+            </a:r>
+            <a:r>
+              <a:rPr lang="en-US" sz="1600" dirty="0" err="1">
                 <a:latin typeface="Arial" panose="020B0604020202020204" pitchFamily="34" charset="0"/>
                 <a:cs typeface="Arial" panose="020B0604020202020204" pitchFamily="34" charset="0"/>
               </a:rPr>
               <a:t>liệu</a:t>
             </a:r>
             <a:r>
-              <a:rPr lang="en-US" sz="1400" dirty="0">
+              <a:rPr lang="en-US" sz="1600" dirty="0">
                 <a:latin typeface="Arial" panose="020B0604020202020204" pitchFamily="34" charset="0"/>
                 <a:cs typeface="Arial" panose="020B0604020202020204" pitchFamily="34" charset="0"/>
               </a:rPr>
               <a:t>, </a:t>
             </a:r>
             <a:r>
-              <a:rPr lang="en-US" sz="1400" dirty="0" err="1">
+              <a:rPr lang="en-US" sz="1600" dirty="0" err="1">
                 <a:latin typeface="Arial" panose="020B0604020202020204" pitchFamily="34" charset="0"/>
                 <a:cs typeface="Arial" panose="020B0604020202020204" pitchFamily="34" charset="0"/>
               </a:rPr>
               <a:t>xử</a:t>
             </a:r>
             <a:r>
-              <a:rPr lang="en-US" sz="1400" dirty="0">
-                <a:latin typeface="Arial" panose="020B0604020202020204" pitchFamily="34" charset="0"/>
-                <a:cs typeface="Arial" panose="020B0604020202020204" pitchFamily="34" charset="0"/>
-              </a:rPr>
-              <a:t> </a:t>
-            </a:r>
-            <a:r>
-              <a:rPr lang="en-US" sz="1400" dirty="0" err="1">
+              <a:rPr lang="en-US" sz="1600" dirty="0">
+                <a:latin typeface="Arial" panose="020B0604020202020204" pitchFamily="34" charset="0"/>
+                <a:cs typeface="Arial" panose="020B0604020202020204" pitchFamily="34" charset="0"/>
+              </a:rPr>
+              <a:t> </a:t>
+            </a:r>
+            <a:r>
+              <a:rPr lang="en-US" sz="1600" dirty="0" err="1">
                 <a:latin typeface="Arial" panose="020B0604020202020204" pitchFamily="34" charset="0"/>
                 <a:cs typeface="Arial" panose="020B0604020202020204" pitchFamily="34" charset="0"/>
               </a:rPr>
               <a:t>lý</a:t>
             </a:r>
             <a:r>
-              <a:rPr lang="en-US" sz="1400" dirty="0">
-                <a:latin typeface="Arial" panose="020B0604020202020204" pitchFamily="34" charset="0"/>
-                <a:cs typeface="Arial" panose="020B0604020202020204" pitchFamily="34" charset="0"/>
-              </a:rPr>
-              <a:t> </a:t>
-            </a:r>
-            <a:r>
-              <a:rPr lang="en-US" sz="1400" dirty="0" err="1">
+              <a:rPr lang="en-US" sz="1600" dirty="0">
+                <a:latin typeface="Arial" panose="020B0604020202020204" pitchFamily="34" charset="0"/>
+                <a:cs typeface="Arial" panose="020B0604020202020204" pitchFamily="34" charset="0"/>
+              </a:rPr>
+              <a:t> </a:t>
+            </a:r>
+            <a:r>
+              <a:rPr lang="en-US" sz="1600" dirty="0" err="1">
                 <a:latin typeface="Arial" panose="020B0604020202020204" pitchFamily="34" charset="0"/>
                 <a:cs typeface="Arial" panose="020B0604020202020204" pitchFamily="34" charset="0"/>
               </a:rPr>
               <a:t>riêng</a:t>
             </a:r>
             <a:r>
-              <a:rPr lang="en-US" sz="1400" dirty="0">
-                <a:latin typeface="Arial" panose="020B0604020202020204" pitchFamily="34" charset="0"/>
-                <a:cs typeface="Arial" panose="020B0604020202020204" pitchFamily="34" charset="0"/>
-              </a:rPr>
-              <a:t> </a:t>
-            </a:r>
-            <a:r>
-              <a:rPr lang="en-US" sz="1400" dirty="0" err="1">
+              <a:rPr lang="en-US" sz="1600" dirty="0">
+                <a:latin typeface="Arial" panose="020B0604020202020204" pitchFamily="34" charset="0"/>
+                <a:cs typeface="Arial" panose="020B0604020202020204" pitchFamily="34" charset="0"/>
+              </a:rPr>
+              <a:t> </a:t>
+            </a:r>
+            <a:r>
+              <a:rPr lang="en-US" sz="1600" dirty="0" err="1">
                 <a:latin typeface="Arial" panose="020B0604020202020204" pitchFamily="34" charset="0"/>
                 <a:cs typeface="Arial" panose="020B0604020202020204" pitchFamily="34" charset="0"/>
               </a:rPr>
               <a:t>từng</a:t>
             </a:r>
             <a:r>
-              <a:rPr lang="en-US" sz="1400" dirty="0">
-                <a:latin typeface="Arial" panose="020B0604020202020204" pitchFamily="34" charset="0"/>
-                <a:cs typeface="Arial" panose="020B0604020202020204" pitchFamily="34" charset="0"/>
-              </a:rPr>
-              <a:t> </a:t>
-            </a:r>
-            <a:r>
-              <a:rPr lang="en-US" sz="1400" dirty="0" err="1">
+              <a:rPr lang="en-US" sz="1600" dirty="0">
+                <a:latin typeface="Arial" panose="020B0604020202020204" pitchFamily="34" charset="0"/>
+                <a:cs typeface="Arial" panose="020B0604020202020204" pitchFamily="34" charset="0"/>
+              </a:rPr>
+              <a:t> </a:t>
+            </a:r>
+            <a:r>
+              <a:rPr lang="en-US" sz="1600" dirty="0" err="1">
                 <a:latin typeface="Arial" panose="020B0604020202020204" pitchFamily="34" charset="0"/>
                 <a:cs typeface="Arial" panose="020B0604020202020204" pitchFamily="34" charset="0"/>
               </a:rPr>
               <a:t>bộ</a:t>
             </a:r>
             <a:r>
-              <a:rPr lang="en-US" sz="1400" dirty="0">
-                <a:latin typeface="Arial" panose="020B0604020202020204" pitchFamily="34" charset="0"/>
-                <a:cs typeface="Arial" panose="020B0604020202020204" pitchFamily="34" charset="0"/>
-              </a:rPr>
-              <a:t> </a:t>
-            </a:r>
-            <a:r>
-              <a:rPr lang="en-US" sz="1400" dirty="0" err="1">
+              <a:rPr lang="en-US" sz="1600" dirty="0">
+                <a:latin typeface="Arial" panose="020B0604020202020204" pitchFamily="34" charset="0"/>
+                <a:cs typeface="Arial" panose="020B0604020202020204" pitchFamily="34" charset="0"/>
+              </a:rPr>
+              <a:t> </a:t>
+            </a:r>
+            <a:r>
+              <a:rPr lang="en-US" sz="1600" dirty="0" err="1">
                 <a:latin typeface="Arial" panose="020B0604020202020204" pitchFamily="34" charset="0"/>
                 <a:cs typeface="Arial" panose="020B0604020202020204" pitchFamily="34" charset="0"/>
               </a:rPr>
               <a:t>dữ</a:t>
             </a:r>
             <a:r>
-              <a:rPr lang="en-US" sz="1400" dirty="0">
-                <a:latin typeface="Arial" panose="020B0604020202020204" pitchFamily="34" charset="0"/>
-                <a:cs typeface="Arial" panose="020B0604020202020204" pitchFamily="34" charset="0"/>
-              </a:rPr>
-              <a:t> </a:t>
-            </a:r>
-            <a:r>
-              <a:rPr lang="en-US" sz="1400" dirty="0" err="1">
+              <a:rPr lang="en-US" sz="1600" dirty="0">
+                <a:latin typeface="Arial" panose="020B0604020202020204" pitchFamily="34" charset="0"/>
+                <a:cs typeface="Arial" panose="020B0604020202020204" pitchFamily="34" charset="0"/>
+              </a:rPr>
+              <a:t> </a:t>
+            </a:r>
+            <a:r>
+              <a:rPr lang="en-US" sz="1600" dirty="0" err="1">
                 <a:latin typeface="Arial" panose="020B0604020202020204" pitchFamily="34" charset="0"/>
                 <a:cs typeface="Arial" panose="020B0604020202020204" pitchFamily="34" charset="0"/>
               </a:rPr>
               <a:t>liệu</a:t>
             </a:r>
             <a:r>
-              <a:rPr lang="en-US" sz="1400" dirty="0">
+              <a:rPr lang="en-US" sz="1600" dirty="0">
                 <a:latin typeface="Arial" panose="020B0604020202020204" pitchFamily="34" charset="0"/>
                 <a:cs typeface="Arial" panose="020B0604020202020204" pitchFamily="34" charset="0"/>
               </a:rPr>
@@ -19530,84 +19530,84 @@
               <a:buNone/>
             </a:pPr>
             <a:r>
-              <a:rPr lang="en-US" sz="1400" dirty="0" err="1">
+              <a:rPr lang="en-US" sz="1600" dirty="0" err="1">
                 <a:latin typeface="Arial" panose="020B0604020202020204" pitchFamily="34" charset="0"/>
                 <a:cs typeface="Arial" panose="020B0604020202020204" pitchFamily="34" charset="0"/>
               </a:rPr>
               <a:t>Biết</a:t>
             </a:r>
             <a:r>
-              <a:rPr lang="en-US" sz="1400" dirty="0">
-                <a:latin typeface="Arial" panose="020B0604020202020204" pitchFamily="34" charset="0"/>
-                <a:cs typeface="Arial" panose="020B0604020202020204" pitchFamily="34" charset="0"/>
-              </a:rPr>
-              <a:t> </a:t>
-            </a:r>
-            <a:r>
-              <a:rPr lang="en-US" sz="1400" dirty="0" err="1">
+              <a:rPr lang="en-US" sz="1600" dirty="0">
+                <a:latin typeface="Arial" panose="020B0604020202020204" pitchFamily="34" charset="0"/>
+                <a:cs typeface="Arial" panose="020B0604020202020204" pitchFamily="34" charset="0"/>
+              </a:rPr>
+              <a:t> </a:t>
+            </a:r>
+            <a:r>
+              <a:rPr lang="en-US" sz="1600" dirty="0" err="1">
                 <a:latin typeface="Arial" panose="020B0604020202020204" pitchFamily="34" charset="0"/>
                 <a:cs typeface="Arial" panose="020B0604020202020204" pitchFamily="34" charset="0"/>
               </a:rPr>
               <a:t>sử</a:t>
             </a:r>
             <a:r>
-              <a:rPr lang="en-US" sz="1400" dirty="0">
-                <a:latin typeface="Arial" panose="020B0604020202020204" pitchFamily="34" charset="0"/>
-                <a:cs typeface="Arial" panose="020B0604020202020204" pitchFamily="34" charset="0"/>
-              </a:rPr>
-              <a:t> </a:t>
-            </a:r>
-            <a:r>
-              <a:rPr lang="en-US" sz="1400" dirty="0" err="1">
+              <a:rPr lang="en-US" sz="1600" dirty="0">
+                <a:latin typeface="Arial" panose="020B0604020202020204" pitchFamily="34" charset="0"/>
+                <a:cs typeface="Arial" panose="020B0604020202020204" pitchFamily="34" charset="0"/>
+              </a:rPr>
+              <a:t> </a:t>
+            </a:r>
+            <a:r>
+              <a:rPr lang="en-US" sz="1600" dirty="0" err="1">
                 <a:latin typeface="Arial" panose="020B0604020202020204" pitchFamily="34" charset="0"/>
                 <a:cs typeface="Arial" panose="020B0604020202020204" pitchFamily="34" charset="0"/>
               </a:rPr>
               <a:t>dụng</a:t>
             </a:r>
             <a:r>
-              <a:rPr lang="en-US" sz="1400" dirty="0">
+              <a:rPr lang="en-US" sz="1600" dirty="0">
                 <a:latin typeface="Arial" panose="020B0604020202020204" pitchFamily="34" charset="0"/>
                 <a:cs typeface="Arial" panose="020B0604020202020204" pitchFamily="34" charset="0"/>
               </a:rPr>
               <a:t> Linear Regression </a:t>
             </a:r>
             <a:r>
-              <a:rPr lang="en-US" sz="1400" dirty="0" err="1">
+              <a:rPr lang="en-US" sz="1600" dirty="0" err="1">
                 <a:latin typeface="Arial" panose="020B0604020202020204" pitchFamily="34" charset="0"/>
                 <a:cs typeface="Arial" panose="020B0604020202020204" pitchFamily="34" charset="0"/>
               </a:rPr>
               <a:t>và</a:t>
             </a:r>
             <a:r>
-              <a:rPr lang="en-US" sz="1400" dirty="0">
+              <a:rPr lang="en-US" sz="1600" dirty="0">
                 <a:latin typeface="Arial" panose="020B0604020202020204" pitchFamily="34" charset="0"/>
                 <a:cs typeface="Arial" panose="020B0604020202020204" pitchFamily="34" charset="0"/>
               </a:rPr>
               <a:t> Random Forest </a:t>
             </a:r>
             <a:r>
-              <a:rPr lang="en-US" sz="1400" dirty="0" err="1">
+              <a:rPr lang="en-US" sz="1600" dirty="0" err="1">
                 <a:latin typeface="Arial" panose="020B0604020202020204" pitchFamily="34" charset="0"/>
                 <a:cs typeface="Arial" panose="020B0604020202020204" pitchFamily="34" charset="0"/>
               </a:rPr>
               <a:t>trong</a:t>
             </a:r>
             <a:r>
-              <a:rPr lang="en-US" sz="1400" dirty="0">
-                <a:latin typeface="Arial" panose="020B0604020202020204" pitchFamily="34" charset="0"/>
-                <a:cs typeface="Arial" panose="020B0604020202020204" pitchFamily="34" charset="0"/>
-              </a:rPr>
-              <a:t> </a:t>
-            </a:r>
-            <a:r>
-              <a:rPr lang="en-US" sz="1400" dirty="0" err="1">
+              <a:rPr lang="en-US" sz="1600" dirty="0">
+                <a:latin typeface="Arial" panose="020B0604020202020204" pitchFamily="34" charset="0"/>
+                <a:cs typeface="Arial" panose="020B0604020202020204" pitchFamily="34" charset="0"/>
+              </a:rPr>
+              <a:t> </a:t>
+            </a:r>
+            <a:r>
+              <a:rPr lang="en-US" sz="1600" dirty="0" err="1">
                 <a:latin typeface="Arial" panose="020B0604020202020204" pitchFamily="34" charset="0"/>
                 <a:cs typeface="Arial" panose="020B0604020202020204" pitchFamily="34" charset="0"/>
               </a:rPr>
               <a:t>sklearn</a:t>
             </a:r>
             <a:r>
-              <a:rPr lang="en-US" sz="1400" dirty="0">
+              <a:rPr lang="en-US" sz="1600" dirty="0">
                 <a:latin typeface="Arial" panose="020B0604020202020204" pitchFamily="34" charset="0"/>
                 <a:cs typeface="Arial" panose="020B0604020202020204" pitchFamily="34" charset="0"/>
               </a:rPr>
@@ -19622,112 +19622,112 @@
               <a:buNone/>
             </a:pPr>
             <a:r>
-              <a:rPr lang="en-US" sz="1400" dirty="0" err="1">
+              <a:rPr lang="en-US" sz="1600" dirty="0" err="1">
                 <a:latin typeface="Arial" panose="020B0604020202020204" pitchFamily="34" charset="0"/>
                 <a:cs typeface="Arial" panose="020B0604020202020204" pitchFamily="34" charset="0"/>
               </a:rPr>
               <a:t>Biết</a:t>
             </a:r>
             <a:r>
-              <a:rPr lang="en-US" sz="1400" dirty="0">
-                <a:latin typeface="Arial" panose="020B0604020202020204" pitchFamily="34" charset="0"/>
-                <a:cs typeface="Arial" panose="020B0604020202020204" pitchFamily="34" charset="0"/>
-              </a:rPr>
-              <a:t> </a:t>
-            </a:r>
-            <a:r>
-              <a:rPr lang="en-US" sz="1400" dirty="0" err="1">
+              <a:rPr lang="en-US" sz="1600" dirty="0">
+                <a:latin typeface="Arial" panose="020B0604020202020204" pitchFamily="34" charset="0"/>
+                <a:cs typeface="Arial" panose="020B0604020202020204" pitchFamily="34" charset="0"/>
+              </a:rPr>
+              <a:t> </a:t>
+            </a:r>
+            <a:r>
+              <a:rPr lang="en-US" sz="1600" dirty="0" err="1">
                 <a:latin typeface="Arial" panose="020B0604020202020204" pitchFamily="34" charset="0"/>
                 <a:cs typeface="Arial" panose="020B0604020202020204" pitchFamily="34" charset="0"/>
               </a:rPr>
               <a:t>cách</a:t>
             </a:r>
             <a:r>
-              <a:rPr lang="en-US" sz="1400" dirty="0">
-                <a:latin typeface="Arial" panose="020B0604020202020204" pitchFamily="34" charset="0"/>
-                <a:cs typeface="Arial" panose="020B0604020202020204" pitchFamily="34" charset="0"/>
-              </a:rPr>
-              <a:t> </a:t>
-            </a:r>
-            <a:r>
-              <a:rPr lang="en-US" sz="1400" dirty="0" err="1">
+              <a:rPr lang="en-US" sz="1600" dirty="0">
+                <a:latin typeface="Arial" panose="020B0604020202020204" pitchFamily="34" charset="0"/>
+                <a:cs typeface="Arial" panose="020B0604020202020204" pitchFamily="34" charset="0"/>
+              </a:rPr>
+              <a:t> </a:t>
+            </a:r>
+            <a:r>
+              <a:rPr lang="en-US" sz="1600" dirty="0" err="1">
                 <a:latin typeface="Arial" panose="020B0604020202020204" pitchFamily="34" charset="0"/>
                 <a:cs typeface="Arial" panose="020B0604020202020204" pitchFamily="34" charset="0"/>
               </a:rPr>
               <a:t>quyết</a:t>
             </a:r>
             <a:r>
-              <a:rPr lang="en-US" sz="1400" dirty="0">
-                <a:latin typeface="Arial" panose="020B0604020202020204" pitchFamily="34" charset="0"/>
-                <a:cs typeface="Arial" panose="020B0604020202020204" pitchFamily="34" charset="0"/>
-              </a:rPr>
-              <a:t> </a:t>
-            </a:r>
-            <a:r>
-              <a:rPr lang="en-US" sz="1400" dirty="0" err="1">
+              <a:rPr lang="en-US" sz="1600" dirty="0">
+                <a:latin typeface="Arial" panose="020B0604020202020204" pitchFamily="34" charset="0"/>
+                <a:cs typeface="Arial" panose="020B0604020202020204" pitchFamily="34" charset="0"/>
+              </a:rPr>
+              <a:t> </a:t>
+            </a:r>
+            <a:r>
+              <a:rPr lang="en-US" sz="1600" dirty="0" err="1">
                 <a:latin typeface="Arial" panose="020B0604020202020204" pitchFamily="34" charset="0"/>
                 <a:cs typeface="Arial" panose="020B0604020202020204" pitchFamily="34" charset="0"/>
               </a:rPr>
               <a:t>định</a:t>
             </a:r>
             <a:r>
-              <a:rPr lang="en-US" sz="1400" dirty="0">
-                <a:latin typeface="Arial" panose="020B0604020202020204" pitchFamily="34" charset="0"/>
-                <a:cs typeface="Arial" panose="020B0604020202020204" pitchFamily="34" charset="0"/>
-              </a:rPr>
-              <a:t> </a:t>
-            </a:r>
-            <a:r>
-              <a:rPr lang="en-US" sz="1400" dirty="0" err="1">
+              <a:rPr lang="en-US" sz="1600" dirty="0">
+                <a:latin typeface="Arial" panose="020B0604020202020204" pitchFamily="34" charset="0"/>
+                <a:cs typeface="Arial" panose="020B0604020202020204" pitchFamily="34" charset="0"/>
+              </a:rPr>
+              <a:t> </a:t>
+            </a:r>
+            <a:r>
+              <a:rPr lang="en-US" sz="1600" dirty="0" err="1">
                 <a:latin typeface="Arial" panose="020B0604020202020204" pitchFamily="34" charset="0"/>
                 <a:cs typeface="Arial" panose="020B0604020202020204" pitchFamily="34" charset="0"/>
               </a:rPr>
               <a:t>đặc</a:t>
             </a:r>
             <a:r>
-              <a:rPr lang="en-US" sz="1400" dirty="0">
+              <a:rPr lang="en-US" sz="1600" dirty="0">
                 <a:latin typeface="Arial" panose="020B0604020202020204" pitchFamily="34" charset="0"/>
                 <a:cs typeface="Arial" panose="020B0604020202020204" pitchFamily="34" charset="0"/>
               </a:rPr>
               <a:t> tr</a:t>
             </a:r>
             <a:r>
-              <a:rPr lang="vi-VN" sz="1400" dirty="0">
+              <a:rPr lang="vi-VN" sz="1600" dirty="0">
                 <a:latin typeface="Arial" panose="020B0604020202020204" pitchFamily="34" charset="0"/>
                 <a:cs typeface="Arial" panose="020B0604020202020204" pitchFamily="34" charset="0"/>
               </a:rPr>
               <a:t>ư</a:t>
             </a:r>
             <a:r>
-              <a:rPr lang="en-US" sz="1400" dirty="0">
+              <a:rPr lang="en-US" sz="1600" dirty="0">
                 <a:latin typeface="Arial" panose="020B0604020202020204" pitchFamily="34" charset="0"/>
                 <a:cs typeface="Arial" panose="020B0604020202020204" pitchFamily="34" charset="0"/>
               </a:rPr>
               <a:t>ng </a:t>
             </a:r>
             <a:r>
-              <a:rPr lang="en-US" sz="1400" dirty="0" err="1">
+              <a:rPr lang="en-US" sz="1600" dirty="0" err="1">
                 <a:latin typeface="Arial" panose="020B0604020202020204" pitchFamily="34" charset="0"/>
                 <a:cs typeface="Arial" panose="020B0604020202020204" pitchFamily="34" charset="0"/>
               </a:rPr>
               <a:t>cần</a:t>
             </a:r>
             <a:r>
-              <a:rPr lang="en-US" sz="1400" dirty="0">
-                <a:latin typeface="Arial" panose="020B0604020202020204" pitchFamily="34" charset="0"/>
-                <a:cs typeface="Arial" panose="020B0604020202020204" pitchFamily="34" charset="0"/>
-              </a:rPr>
-              <a:t> </a:t>
-            </a:r>
-            <a:r>
-              <a:rPr lang="en-US" sz="1400" dirty="0" err="1">
+              <a:rPr lang="en-US" sz="1600" dirty="0">
+                <a:latin typeface="Arial" panose="020B0604020202020204" pitchFamily="34" charset="0"/>
+                <a:cs typeface="Arial" panose="020B0604020202020204" pitchFamily="34" charset="0"/>
+              </a:rPr>
+              <a:t> </a:t>
+            </a:r>
+            <a:r>
+              <a:rPr lang="en-US" sz="1600" dirty="0" err="1">
                 <a:latin typeface="Arial" panose="020B0604020202020204" pitchFamily="34" charset="0"/>
                 <a:cs typeface="Arial" panose="020B0604020202020204" pitchFamily="34" charset="0"/>
               </a:rPr>
               <a:t>thiết</a:t>
             </a:r>
             <a:r>
-              <a:rPr lang="en-US" sz="1400" dirty="0">
+              <a:rPr lang="en-US" sz="1600" dirty="0">
                 <a:latin typeface="Arial" panose="020B0604020202020204" pitchFamily="34" charset="0"/>
                 <a:cs typeface="Arial" panose="020B0604020202020204" pitchFamily="34" charset="0"/>
               </a:rPr>
@@ -19834,497 +19834,497 @@
               <a:buNone/>
             </a:pPr>
             <a:r>
-              <a:rPr lang="en-US" sz="1400" dirty="0" err="1">
+              <a:rPr lang="en-US" sz="1600" dirty="0" err="1">
                 <a:latin typeface="Arial" panose="020B0604020202020204" pitchFamily="34" charset="0"/>
                 <a:cs typeface="Arial" panose="020B0604020202020204" pitchFamily="34" charset="0"/>
               </a:rPr>
               <a:t>Liệu</a:t>
             </a:r>
             <a:r>
-              <a:rPr lang="en-US" sz="1400" dirty="0">
-                <a:latin typeface="Arial" panose="020B0604020202020204" pitchFamily="34" charset="0"/>
-                <a:cs typeface="Arial" panose="020B0604020202020204" pitchFamily="34" charset="0"/>
-              </a:rPr>
-              <a:t> </a:t>
-            </a:r>
-            <a:r>
-              <a:rPr lang="en-US" sz="1400" dirty="0" err="1">
+              <a:rPr lang="en-US" sz="1600" dirty="0">
+                <a:latin typeface="Arial" panose="020B0604020202020204" pitchFamily="34" charset="0"/>
+                <a:cs typeface="Arial" panose="020B0604020202020204" pitchFamily="34" charset="0"/>
+              </a:rPr>
+              <a:t> </a:t>
+            </a:r>
+            <a:r>
+              <a:rPr lang="en-US" sz="1600" dirty="0" err="1">
                 <a:latin typeface="Arial" panose="020B0604020202020204" pitchFamily="34" charset="0"/>
                 <a:cs typeface="Arial" panose="020B0604020202020204" pitchFamily="34" charset="0"/>
               </a:rPr>
               <a:t>rằng</a:t>
             </a:r>
             <a:r>
-              <a:rPr lang="en-US" sz="1400" dirty="0">
-                <a:latin typeface="Arial" panose="020B0604020202020204" pitchFamily="34" charset="0"/>
-                <a:cs typeface="Arial" panose="020B0604020202020204" pitchFamily="34" charset="0"/>
-              </a:rPr>
-              <a:t> </a:t>
-            </a:r>
-            <a:r>
-              <a:rPr lang="en-US" sz="1400" dirty="0" err="1">
+              <a:rPr lang="en-US" sz="1600" dirty="0">
+                <a:latin typeface="Arial" panose="020B0604020202020204" pitchFamily="34" charset="0"/>
+                <a:cs typeface="Arial" panose="020B0604020202020204" pitchFamily="34" charset="0"/>
+              </a:rPr>
+              <a:t> </a:t>
+            </a:r>
+            <a:r>
+              <a:rPr lang="en-US" sz="1600" dirty="0" err="1">
                 <a:latin typeface="Arial" panose="020B0604020202020204" pitchFamily="34" charset="0"/>
                 <a:cs typeface="Arial" panose="020B0604020202020204" pitchFamily="34" charset="0"/>
               </a:rPr>
               <a:t>phần</a:t>
             </a:r>
             <a:r>
-              <a:rPr lang="en-US" sz="1400" dirty="0">
-                <a:latin typeface="Arial" panose="020B0604020202020204" pitchFamily="34" charset="0"/>
-                <a:cs typeface="Arial" panose="020B0604020202020204" pitchFamily="34" charset="0"/>
-              </a:rPr>
-              <a:t> </a:t>
-            </a:r>
-            <a:r>
-              <a:rPr lang="en-US" sz="1400" dirty="0" err="1">
+              <a:rPr lang="en-US" sz="1600" dirty="0">
+                <a:latin typeface="Arial" panose="020B0604020202020204" pitchFamily="34" charset="0"/>
+                <a:cs typeface="Arial" panose="020B0604020202020204" pitchFamily="34" charset="0"/>
+              </a:rPr>
+              <a:t> </a:t>
+            </a:r>
+            <a:r>
+              <a:rPr lang="en-US" sz="1600" dirty="0" err="1">
                 <a:latin typeface="Arial" panose="020B0604020202020204" pitchFamily="34" charset="0"/>
                 <a:cs typeface="Arial" panose="020B0604020202020204" pitchFamily="34" charset="0"/>
               </a:rPr>
               <a:t>nội</a:t>
             </a:r>
             <a:r>
-              <a:rPr lang="en-US" sz="1400" dirty="0">
+              <a:rPr lang="en-US" sz="1600" dirty="0">
                 <a:latin typeface="Arial" panose="020B0604020202020204" pitchFamily="34" charset="0"/>
                 <a:cs typeface="Arial" panose="020B0604020202020204" pitchFamily="34" charset="0"/>
               </a:rPr>
               <a:t> dung </a:t>
             </a:r>
             <a:r>
-              <a:rPr lang="en-US" sz="1400" dirty="0" err="1">
+              <a:rPr lang="en-US" sz="1600" dirty="0" err="1">
                 <a:latin typeface="Arial" panose="020B0604020202020204" pitchFamily="34" charset="0"/>
                 <a:cs typeface="Arial" panose="020B0604020202020204" pitchFamily="34" charset="0"/>
               </a:rPr>
               <a:t>và</a:t>
             </a:r>
             <a:r>
-              <a:rPr lang="en-US" sz="1400" dirty="0">
-                <a:latin typeface="Arial" panose="020B0604020202020204" pitchFamily="34" charset="0"/>
-                <a:cs typeface="Arial" panose="020B0604020202020204" pitchFamily="34" charset="0"/>
-              </a:rPr>
-              <a:t> </a:t>
-            </a:r>
-            <a:r>
-              <a:rPr lang="en-US" sz="1400" dirty="0" err="1">
+              <a:rPr lang="en-US" sz="1600" dirty="0">
+                <a:latin typeface="Arial" panose="020B0604020202020204" pitchFamily="34" charset="0"/>
+                <a:cs typeface="Arial" panose="020B0604020202020204" pitchFamily="34" charset="0"/>
+              </a:rPr>
+              <a:t> </a:t>
+            </a:r>
+            <a:r>
+              <a:rPr lang="en-US" sz="1600" dirty="0" err="1">
                 <a:latin typeface="Arial" panose="020B0604020202020204" pitchFamily="34" charset="0"/>
                 <a:cs typeface="Arial" panose="020B0604020202020204" pitchFamily="34" charset="0"/>
               </a:rPr>
               <a:t>tiêu</a:t>
             </a:r>
             <a:r>
-              <a:rPr lang="en-US" sz="1400" dirty="0">
-                <a:latin typeface="Arial" panose="020B0604020202020204" pitchFamily="34" charset="0"/>
-                <a:cs typeface="Arial" panose="020B0604020202020204" pitchFamily="34" charset="0"/>
-              </a:rPr>
-              <a:t> </a:t>
-            </a:r>
-            <a:r>
-              <a:rPr lang="en-US" sz="1400" dirty="0" err="1">
+              <a:rPr lang="en-US" sz="1600" dirty="0">
+                <a:latin typeface="Arial" panose="020B0604020202020204" pitchFamily="34" charset="0"/>
+                <a:cs typeface="Arial" panose="020B0604020202020204" pitchFamily="34" charset="0"/>
+              </a:rPr>
+              <a:t> </a:t>
+            </a:r>
+            <a:r>
+              <a:rPr lang="en-US" sz="1600" dirty="0" err="1">
                 <a:latin typeface="Arial" panose="020B0604020202020204" pitchFamily="34" charset="0"/>
                 <a:cs typeface="Arial" panose="020B0604020202020204" pitchFamily="34" charset="0"/>
               </a:rPr>
               <a:t>đề</a:t>
             </a:r>
             <a:r>
-              <a:rPr lang="en-US" sz="1400" dirty="0">
-                <a:latin typeface="Arial" panose="020B0604020202020204" pitchFamily="34" charset="0"/>
-                <a:cs typeface="Arial" panose="020B0604020202020204" pitchFamily="34" charset="0"/>
-              </a:rPr>
-              <a:t> </a:t>
-            </a:r>
-            <a:r>
-              <a:rPr lang="en-US" sz="1400" dirty="0" err="1">
+              <a:rPr lang="en-US" sz="1600" dirty="0">
+                <a:latin typeface="Arial" panose="020B0604020202020204" pitchFamily="34" charset="0"/>
+                <a:cs typeface="Arial" panose="020B0604020202020204" pitchFamily="34" charset="0"/>
+              </a:rPr>
+              <a:t> </a:t>
+            </a:r>
+            <a:r>
+              <a:rPr lang="en-US" sz="1600" dirty="0" err="1">
                 <a:latin typeface="Arial" panose="020B0604020202020204" pitchFamily="34" charset="0"/>
                 <a:cs typeface="Arial" panose="020B0604020202020204" pitchFamily="34" charset="0"/>
               </a:rPr>
               <a:t>có</a:t>
             </a:r>
             <a:r>
-              <a:rPr lang="en-US" sz="1400" dirty="0">
+              <a:rPr lang="en-US" sz="1600" dirty="0">
                 <a:latin typeface="Arial" panose="020B0604020202020204" pitchFamily="34" charset="0"/>
                 <a:cs typeface="Arial" panose="020B0604020202020204" pitchFamily="34" charset="0"/>
               </a:rPr>
               <a:t> đ</a:t>
             </a:r>
             <a:r>
-              <a:rPr lang="vi-VN" sz="1400" dirty="0">
+              <a:rPr lang="vi-VN" sz="1600" dirty="0">
                 <a:latin typeface="Arial" panose="020B0604020202020204" pitchFamily="34" charset="0"/>
                 <a:cs typeface="Arial" panose="020B0604020202020204" pitchFamily="34" charset="0"/>
               </a:rPr>
               <a:t>ư</a:t>
             </a:r>
             <a:r>
-              <a:rPr lang="en-US" sz="1400" dirty="0" err="1">
+              <a:rPr lang="en-US" sz="1600" dirty="0" err="1">
                 <a:latin typeface="Arial" panose="020B0604020202020204" pitchFamily="34" charset="0"/>
                 <a:cs typeface="Arial" panose="020B0604020202020204" pitchFamily="34" charset="0"/>
               </a:rPr>
               <a:t>ợc</a:t>
             </a:r>
             <a:r>
-              <a:rPr lang="en-US" sz="1400" dirty="0">
-                <a:latin typeface="Arial" panose="020B0604020202020204" pitchFamily="34" charset="0"/>
-                <a:cs typeface="Arial" panose="020B0604020202020204" pitchFamily="34" charset="0"/>
-              </a:rPr>
-              <a:t> </a:t>
-            </a:r>
-            <a:r>
-              <a:rPr lang="en-US" sz="1400" dirty="0" err="1">
+              <a:rPr lang="en-US" sz="1600" dirty="0">
+                <a:latin typeface="Arial" panose="020B0604020202020204" pitchFamily="34" charset="0"/>
+                <a:cs typeface="Arial" panose="020B0604020202020204" pitchFamily="34" charset="0"/>
+              </a:rPr>
+              <a:t> </a:t>
+            </a:r>
+            <a:r>
+              <a:rPr lang="en-US" sz="1600" dirty="0" err="1">
                 <a:latin typeface="Arial" panose="020B0604020202020204" pitchFamily="34" charset="0"/>
                 <a:cs typeface="Arial" panose="020B0604020202020204" pitchFamily="34" charset="0"/>
               </a:rPr>
               <a:t>xem</a:t>
             </a:r>
             <a:r>
-              <a:rPr lang="en-US" sz="1400" dirty="0">
-                <a:latin typeface="Arial" panose="020B0604020202020204" pitchFamily="34" charset="0"/>
-                <a:cs typeface="Arial" panose="020B0604020202020204" pitchFamily="34" charset="0"/>
-              </a:rPr>
-              <a:t> </a:t>
-            </a:r>
-            <a:r>
-              <a:rPr lang="en-US" sz="1400" dirty="0" err="1">
+              <a:rPr lang="en-US" sz="1600" dirty="0">
+                <a:latin typeface="Arial" panose="020B0604020202020204" pitchFamily="34" charset="0"/>
+                <a:cs typeface="Arial" panose="020B0604020202020204" pitchFamily="34" charset="0"/>
+              </a:rPr>
+              <a:t> </a:t>
+            </a:r>
+            <a:r>
+              <a:rPr lang="en-US" sz="1600" dirty="0" err="1">
                 <a:latin typeface="Arial" panose="020B0604020202020204" pitchFamily="34" charset="0"/>
                 <a:cs typeface="Arial" panose="020B0604020202020204" pitchFamily="34" charset="0"/>
               </a:rPr>
               <a:t>là</a:t>
             </a:r>
             <a:r>
-              <a:rPr lang="en-US" sz="1400" dirty="0">
-                <a:latin typeface="Arial" panose="020B0604020202020204" pitchFamily="34" charset="0"/>
-                <a:cs typeface="Arial" panose="020B0604020202020204" pitchFamily="34" charset="0"/>
-              </a:rPr>
-              <a:t> </a:t>
-            </a:r>
-            <a:r>
-              <a:rPr lang="en-US" sz="1400" dirty="0" err="1">
+              <a:rPr lang="en-US" sz="1600" dirty="0">
+                <a:latin typeface="Arial" panose="020B0604020202020204" pitchFamily="34" charset="0"/>
+                <a:cs typeface="Arial" panose="020B0604020202020204" pitchFamily="34" charset="0"/>
+              </a:rPr>
+              <a:t> </a:t>
+            </a:r>
+            <a:r>
+              <a:rPr lang="en-US" sz="1600" dirty="0" err="1">
                 <a:latin typeface="Arial" panose="020B0604020202020204" pitchFamily="34" charset="0"/>
                 <a:cs typeface="Arial" panose="020B0604020202020204" pitchFamily="34" charset="0"/>
               </a:rPr>
               <a:t>đặc</a:t>
             </a:r>
             <a:r>
-              <a:rPr lang="en-US" sz="1400" dirty="0">
+              <a:rPr lang="en-US" sz="1600" dirty="0">
                 <a:latin typeface="Arial" panose="020B0604020202020204" pitchFamily="34" charset="0"/>
                 <a:cs typeface="Arial" panose="020B0604020202020204" pitchFamily="34" charset="0"/>
               </a:rPr>
               <a:t> tr</a:t>
             </a:r>
             <a:r>
-              <a:rPr lang="vi-VN" sz="1400" dirty="0">
+              <a:rPr lang="vi-VN" sz="1600" dirty="0">
                 <a:latin typeface="Arial" panose="020B0604020202020204" pitchFamily="34" charset="0"/>
                 <a:cs typeface="Arial" panose="020B0604020202020204" pitchFamily="34" charset="0"/>
               </a:rPr>
               <a:t>ư</a:t>
             </a:r>
             <a:r>
-              <a:rPr lang="en-US" sz="1400" dirty="0">
+              <a:rPr lang="en-US" sz="1600" dirty="0">
                 <a:latin typeface="Arial" panose="020B0604020202020204" pitchFamily="34" charset="0"/>
                 <a:cs typeface="Arial" panose="020B0604020202020204" pitchFamily="34" charset="0"/>
               </a:rPr>
               <a:t>ng </a:t>
             </a:r>
             <a:r>
-              <a:rPr lang="en-US" sz="1400" dirty="0" err="1">
+              <a:rPr lang="en-US" sz="1600" dirty="0" err="1">
                 <a:latin typeface="Arial" panose="020B0604020202020204" pitchFamily="34" charset="0"/>
                 <a:cs typeface="Arial" panose="020B0604020202020204" pitchFamily="34" charset="0"/>
               </a:rPr>
               <a:t>khi</a:t>
             </a:r>
             <a:r>
-              <a:rPr lang="en-US" sz="1400" dirty="0">
-                <a:latin typeface="Arial" panose="020B0604020202020204" pitchFamily="34" charset="0"/>
-                <a:cs typeface="Arial" panose="020B0604020202020204" pitchFamily="34" charset="0"/>
-              </a:rPr>
-              <a:t> </a:t>
-            </a:r>
-            <a:r>
-              <a:rPr lang="en-US" sz="1400" dirty="0" err="1">
+              <a:rPr lang="en-US" sz="1600" dirty="0">
+                <a:latin typeface="Arial" panose="020B0604020202020204" pitchFamily="34" charset="0"/>
+                <a:cs typeface="Arial" panose="020B0604020202020204" pitchFamily="34" charset="0"/>
+              </a:rPr>
+              <a:t> </a:t>
+            </a:r>
+            <a:r>
+              <a:rPr lang="en-US" sz="1600" dirty="0" err="1">
                 <a:latin typeface="Arial" panose="020B0604020202020204" pitchFamily="34" charset="0"/>
                 <a:cs typeface="Arial" panose="020B0604020202020204" pitchFamily="34" charset="0"/>
               </a:rPr>
               <a:t>có</a:t>
             </a:r>
             <a:r>
-              <a:rPr lang="en-US" sz="1400" dirty="0">
-                <a:latin typeface="Arial" panose="020B0604020202020204" pitchFamily="34" charset="0"/>
-                <a:cs typeface="Arial" panose="020B0604020202020204" pitchFamily="34" charset="0"/>
-              </a:rPr>
-              <a:t> </a:t>
-            </a:r>
-            <a:r>
-              <a:rPr lang="en-US" sz="1400" dirty="0" err="1">
+              <a:rPr lang="en-US" sz="1600" dirty="0">
+                <a:latin typeface="Arial" panose="020B0604020202020204" pitchFamily="34" charset="0"/>
+                <a:cs typeface="Arial" panose="020B0604020202020204" pitchFamily="34" charset="0"/>
+              </a:rPr>
+              <a:t> </a:t>
+            </a:r>
+            <a:r>
+              <a:rPr lang="en-US" sz="1600" dirty="0" err="1">
                 <a:latin typeface="Arial" panose="020B0604020202020204" pitchFamily="34" charset="0"/>
                 <a:cs typeface="Arial" panose="020B0604020202020204" pitchFamily="34" charset="0"/>
               </a:rPr>
               <a:t>rất</a:t>
             </a:r>
             <a:r>
-              <a:rPr lang="en-US" sz="1400" dirty="0">
-                <a:latin typeface="Arial" panose="020B0604020202020204" pitchFamily="34" charset="0"/>
-                <a:cs typeface="Arial" panose="020B0604020202020204" pitchFamily="34" charset="0"/>
-              </a:rPr>
-              <a:t> </a:t>
-            </a:r>
-            <a:r>
-              <a:rPr lang="en-US" sz="1400" dirty="0" err="1">
+              <a:rPr lang="en-US" sz="1600" dirty="0">
+                <a:latin typeface="Arial" panose="020B0604020202020204" pitchFamily="34" charset="0"/>
+                <a:cs typeface="Arial" panose="020B0604020202020204" pitchFamily="34" charset="0"/>
+              </a:rPr>
+              <a:t> </a:t>
+            </a:r>
+            <a:r>
+              <a:rPr lang="en-US" sz="1600" dirty="0" err="1">
                 <a:latin typeface="Arial" panose="020B0604020202020204" pitchFamily="34" charset="0"/>
                 <a:cs typeface="Arial" panose="020B0604020202020204" pitchFamily="34" charset="0"/>
               </a:rPr>
               <a:t>nhiều</a:t>
             </a:r>
             <a:r>
-              <a:rPr lang="en-US" sz="1400" dirty="0">
-                <a:latin typeface="Arial" panose="020B0604020202020204" pitchFamily="34" charset="0"/>
-                <a:cs typeface="Arial" panose="020B0604020202020204" pitchFamily="34" charset="0"/>
-              </a:rPr>
-              <a:t> </a:t>
-            </a:r>
-            <a:r>
-              <a:rPr lang="en-US" sz="1400" dirty="0" err="1">
+              <a:rPr lang="en-US" sz="1600" dirty="0">
+                <a:latin typeface="Arial" panose="020B0604020202020204" pitchFamily="34" charset="0"/>
+                <a:cs typeface="Arial" panose="020B0604020202020204" pitchFamily="34" charset="0"/>
+              </a:rPr>
+              <a:t> </a:t>
+            </a:r>
+            <a:r>
+              <a:rPr lang="en-US" sz="1600" dirty="0" err="1">
                 <a:latin typeface="Arial" panose="020B0604020202020204" pitchFamily="34" charset="0"/>
                 <a:cs typeface="Arial" panose="020B0604020202020204" pitchFamily="34" charset="0"/>
               </a:rPr>
               <a:t>giá</a:t>
             </a:r>
             <a:r>
-              <a:rPr lang="en-US" sz="1400" dirty="0">
-                <a:latin typeface="Arial" panose="020B0604020202020204" pitchFamily="34" charset="0"/>
-                <a:cs typeface="Arial" panose="020B0604020202020204" pitchFamily="34" charset="0"/>
-              </a:rPr>
-              <a:t> </a:t>
-            </a:r>
-            <a:r>
-              <a:rPr lang="en-US" sz="1400" dirty="0" err="1">
+              <a:rPr lang="en-US" sz="1600" dirty="0">
+                <a:latin typeface="Arial" panose="020B0604020202020204" pitchFamily="34" charset="0"/>
+                <a:cs typeface="Arial" panose="020B0604020202020204" pitchFamily="34" charset="0"/>
+              </a:rPr>
+              <a:t> </a:t>
+            </a:r>
+            <a:r>
+              <a:rPr lang="en-US" sz="1600" dirty="0" err="1">
                 <a:latin typeface="Arial" panose="020B0604020202020204" pitchFamily="34" charset="0"/>
                 <a:cs typeface="Arial" panose="020B0604020202020204" pitchFamily="34" charset="0"/>
               </a:rPr>
               <a:t>trị</a:t>
             </a:r>
             <a:r>
-              <a:rPr lang="en-US" sz="1400" dirty="0">
-                <a:latin typeface="Arial" panose="020B0604020202020204" pitchFamily="34" charset="0"/>
-                <a:cs typeface="Arial" panose="020B0604020202020204" pitchFamily="34" charset="0"/>
-              </a:rPr>
-              <a:t> </a:t>
-            </a:r>
-            <a:r>
-              <a:rPr lang="en-US" sz="1400" dirty="0" err="1">
+              <a:rPr lang="en-US" sz="1600" dirty="0">
+                <a:latin typeface="Arial" panose="020B0604020202020204" pitchFamily="34" charset="0"/>
+                <a:cs typeface="Arial" panose="020B0604020202020204" pitchFamily="34" charset="0"/>
+              </a:rPr>
+              <a:t> </a:t>
+            </a:r>
+            <a:r>
+              <a:rPr lang="en-US" sz="1600" dirty="0" err="1">
                 <a:latin typeface="Arial" panose="020B0604020202020204" pitchFamily="34" charset="0"/>
                 <a:cs typeface="Arial" panose="020B0604020202020204" pitchFamily="34" charset="0"/>
               </a:rPr>
               <a:t>khác</a:t>
             </a:r>
             <a:r>
-              <a:rPr lang="en-US" sz="1400" dirty="0">
-                <a:latin typeface="Arial" panose="020B0604020202020204" pitchFamily="34" charset="0"/>
-                <a:cs typeface="Arial" panose="020B0604020202020204" pitchFamily="34" charset="0"/>
-              </a:rPr>
-              <a:t> </a:t>
-            </a:r>
-            <a:r>
-              <a:rPr lang="en-US" sz="1400" dirty="0" err="1">
+              <a:rPr lang="en-US" sz="1600" dirty="0">
+                <a:latin typeface="Arial" panose="020B0604020202020204" pitchFamily="34" charset="0"/>
+                <a:cs typeface="Arial" panose="020B0604020202020204" pitchFamily="34" charset="0"/>
+              </a:rPr>
+              <a:t> </a:t>
+            </a:r>
+            <a:r>
+              <a:rPr lang="en-US" sz="1600" dirty="0" err="1">
                 <a:latin typeface="Arial" panose="020B0604020202020204" pitchFamily="34" charset="0"/>
                 <a:cs typeface="Arial" panose="020B0604020202020204" pitchFamily="34" charset="0"/>
               </a:rPr>
               <a:t>nhau</a:t>
             </a:r>
             <a:r>
-              <a:rPr lang="en-US" sz="1400" dirty="0">
+              <a:rPr lang="en-US" sz="1600" dirty="0">
                 <a:latin typeface="Arial" panose="020B0604020202020204" pitchFamily="34" charset="0"/>
                 <a:cs typeface="Arial" panose="020B0604020202020204" pitchFamily="34" charset="0"/>
               </a:rPr>
               <a:t>. </a:t>
             </a:r>
             <a:r>
-              <a:rPr lang="en-US" sz="1400" dirty="0" err="1">
+              <a:rPr lang="en-US" sz="1600" dirty="0" err="1">
                 <a:latin typeface="Arial" panose="020B0604020202020204" pitchFamily="34" charset="0"/>
                 <a:cs typeface="Arial" panose="020B0604020202020204" pitchFamily="34" charset="0"/>
               </a:rPr>
               <a:t>Nếu</a:t>
             </a:r>
             <a:r>
-              <a:rPr lang="en-US" sz="1400" dirty="0">
-                <a:latin typeface="Arial" panose="020B0604020202020204" pitchFamily="34" charset="0"/>
-                <a:cs typeface="Arial" panose="020B0604020202020204" pitchFamily="34" charset="0"/>
-              </a:rPr>
-              <a:t> </a:t>
-            </a:r>
-            <a:r>
-              <a:rPr lang="en-US" sz="1400" dirty="0" err="1">
+              <a:rPr lang="en-US" sz="1600" dirty="0">
+                <a:latin typeface="Arial" panose="020B0604020202020204" pitchFamily="34" charset="0"/>
+                <a:cs typeface="Arial" panose="020B0604020202020204" pitchFamily="34" charset="0"/>
+              </a:rPr>
+              <a:t> </a:t>
+            </a:r>
+            <a:r>
+              <a:rPr lang="en-US" sz="1600" dirty="0" err="1">
                 <a:latin typeface="Arial" panose="020B0604020202020204" pitchFamily="34" charset="0"/>
                 <a:cs typeface="Arial" panose="020B0604020202020204" pitchFamily="34" charset="0"/>
               </a:rPr>
               <a:t>sử</a:t>
             </a:r>
             <a:r>
-              <a:rPr lang="en-US" sz="1400" dirty="0">
-                <a:latin typeface="Arial" panose="020B0604020202020204" pitchFamily="34" charset="0"/>
-                <a:cs typeface="Arial" panose="020B0604020202020204" pitchFamily="34" charset="0"/>
-              </a:rPr>
-              <a:t> </a:t>
-            </a:r>
-            <a:r>
-              <a:rPr lang="en-US" sz="1400" dirty="0" err="1">
+              <a:rPr lang="en-US" sz="1600" dirty="0">
+                <a:latin typeface="Arial" panose="020B0604020202020204" pitchFamily="34" charset="0"/>
+                <a:cs typeface="Arial" panose="020B0604020202020204" pitchFamily="34" charset="0"/>
+              </a:rPr>
+              <a:t> </a:t>
+            </a:r>
+            <a:r>
+              <a:rPr lang="en-US" sz="1600" dirty="0" err="1">
                 <a:latin typeface="Arial" panose="020B0604020202020204" pitchFamily="34" charset="0"/>
                 <a:cs typeface="Arial" panose="020B0604020202020204" pitchFamily="34" charset="0"/>
               </a:rPr>
               <a:t>dụng</a:t>
             </a:r>
             <a:r>
-              <a:rPr lang="en-US" sz="1400" dirty="0">
-                <a:latin typeface="Arial" panose="020B0604020202020204" pitchFamily="34" charset="0"/>
-                <a:cs typeface="Arial" panose="020B0604020202020204" pitchFamily="34" charset="0"/>
-              </a:rPr>
-              <a:t> </a:t>
-            </a:r>
-            <a:r>
-              <a:rPr lang="en-US" sz="1400" dirty="0" err="1">
+              <a:rPr lang="en-US" sz="1600" dirty="0">
+                <a:latin typeface="Arial" panose="020B0604020202020204" pitchFamily="34" charset="0"/>
+                <a:cs typeface="Arial" panose="020B0604020202020204" pitchFamily="34" charset="0"/>
+              </a:rPr>
+              <a:t> </a:t>
+            </a:r>
+            <a:r>
+              <a:rPr lang="en-US" sz="1600" dirty="0" err="1">
                 <a:latin typeface="Arial" panose="020B0604020202020204" pitchFamily="34" charset="0"/>
                 <a:cs typeface="Arial" panose="020B0604020202020204" pitchFamily="34" charset="0"/>
               </a:rPr>
               <a:t>các</a:t>
             </a:r>
             <a:r>
-              <a:rPr lang="en-US" sz="1400" dirty="0">
-                <a:latin typeface="Arial" panose="020B0604020202020204" pitchFamily="34" charset="0"/>
-                <a:cs typeface="Arial" panose="020B0604020202020204" pitchFamily="34" charset="0"/>
-              </a:rPr>
-              <a:t> </a:t>
-            </a:r>
-            <a:r>
-              <a:rPr lang="en-US" sz="1400" dirty="0" err="1">
+              <a:rPr lang="en-US" sz="1600" dirty="0">
+                <a:latin typeface="Arial" panose="020B0604020202020204" pitchFamily="34" charset="0"/>
+                <a:cs typeface="Arial" panose="020B0604020202020204" pitchFamily="34" charset="0"/>
+              </a:rPr>
+              <a:t> </a:t>
+            </a:r>
+            <a:r>
+              <a:rPr lang="en-US" sz="1600" dirty="0" err="1">
                 <a:latin typeface="Arial" panose="020B0604020202020204" pitchFamily="34" charset="0"/>
                 <a:cs typeface="Arial" panose="020B0604020202020204" pitchFamily="34" charset="0"/>
               </a:rPr>
               <a:t>mô</a:t>
             </a:r>
             <a:r>
-              <a:rPr lang="en-US" sz="1400" dirty="0">
-                <a:latin typeface="Arial" panose="020B0604020202020204" pitchFamily="34" charset="0"/>
-                <a:cs typeface="Arial" panose="020B0604020202020204" pitchFamily="34" charset="0"/>
-              </a:rPr>
-              <a:t> </a:t>
-            </a:r>
-            <a:r>
-              <a:rPr lang="en-US" sz="1400" dirty="0" err="1">
+              <a:rPr lang="en-US" sz="1600" dirty="0">
+                <a:latin typeface="Arial" panose="020B0604020202020204" pitchFamily="34" charset="0"/>
+                <a:cs typeface="Arial" panose="020B0604020202020204" pitchFamily="34" charset="0"/>
+              </a:rPr>
+              <a:t> </a:t>
+            </a:r>
+            <a:r>
+              <a:rPr lang="en-US" sz="1600" dirty="0" err="1">
                 <a:latin typeface="Arial" panose="020B0604020202020204" pitchFamily="34" charset="0"/>
                 <a:cs typeface="Arial" panose="020B0604020202020204" pitchFamily="34" charset="0"/>
               </a:rPr>
               <a:t>hình</a:t>
             </a:r>
             <a:r>
-              <a:rPr lang="en-US" sz="1400" dirty="0">
-                <a:latin typeface="Arial" panose="020B0604020202020204" pitchFamily="34" charset="0"/>
-                <a:cs typeface="Arial" panose="020B0604020202020204" pitchFamily="34" charset="0"/>
-              </a:rPr>
-              <a:t> </a:t>
-            </a:r>
-            <a:r>
-              <a:rPr lang="en-US" sz="1400" dirty="0" err="1">
+              <a:rPr lang="en-US" sz="1600" dirty="0">
+                <a:latin typeface="Arial" panose="020B0604020202020204" pitchFamily="34" charset="0"/>
+                <a:cs typeface="Arial" panose="020B0604020202020204" pitchFamily="34" charset="0"/>
+              </a:rPr>
+              <a:t> </a:t>
+            </a:r>
+            <a:r>
+              <a:rPr lang="en-US" sz="1600" dirty="0" err="1">
                 <a:latin typeface="Arial" panose="020B0604020202020204" pitchFamily="34" charset="0"/>
                 <a:cs typeface="Arial" panose="020B0604020202020204" pitchFamily="34" charset="0"/>
               </a:rPr>
               <a:t>học</a:t>
             </a:r>
             <a:r>
-              <a:rPr lang="en-US" sz="1400" dirty="0">
+              <a:rPr lang="en-US" sz="1600" dirty="0">
                 <a:latin typeface="Arial" panose="020B0604020202020204" pitchFamily="34" charset="0"/>
                 <a:cs typeface="Arial" panose="020B0604020202020204" pitchFamily="34" charset="0"/>
               </a:rPr>
               <a:t>, </a:t>
             </a:r>
             <a:r>
-              <a:rPr lang="en-US" sz="1400" dirty="0" err="1">
+              <a:rPr lang="en-US" sz="1600" dirty="0" err="1">
                 <a:latin typeface="Arial" panose="020B0604020202020204" pitchFamily="34" charset="0"/>
                 <a:cs typeface="Arial" panose="020B0604020202020204" pitchFamily="34" charset="0"/>
               </a:rPr>
               <a:t>sẽ</a:t>
             </a:r>
             <a:r>
-              <a:rPr lang="en-US" sz="1400" dirty="0">
-                <a:latin typeface="Arial" panose="020B0604020202020204" pitchFamily="34" charset="0"/>
-                <a:cs typeface="Arial" panose="020B0604020202020204" pitchFamily="34" charset="0"/>
-              </a:rPr>
-              <a:t> </a:t>
-            </a:r>
-            <a:r>
-              <a:rPr lang="en-US" sz="1400" dirty="0" err="1">
+              <a:rPr lang="en-US" sz="1600" dirty="0">
+                <a:latin typeface="Arial" panose="020B0604020202020204" pitchFamily="34" charset="0"/>
+                <a:cs typeface="Arial" panose="020B0604020202020204" pitchFamily="34" charset="0"/>
+              </a:rPr>
+              <a:t> </a:t>
+            </a:r>
+            <a:r>
+              <a:rPr lang="en-US" sz="1600" dirty="0" err="1">
                 <a:latin typeface="Arial" panose="020B0604020202020204" pitchFamily="34" charset="0"/>
                 <a:cs typeface="Arial" panose="020B0604020202020204" pitchFamily="34" charset="0"/>
               </a:rPr>
               <a:t>bị</a:t>
             </a:r>
             <a:r>
-              <a:rPr lang="en-US" sz="1400" dirty="0">
+              <a:rPr lang="en-US" sz="1600" dirty="0">
                 <a:latin typeface="Arial" panose="020B0604020202020204" pitchFamily="34" charset="0"/>
                 <a:cs typeface="Arial" panose="020B0604020202020204" pitchFamily="34" charset="0"/>
               </a:rPr>
               <a:t> overfit </a:t>
             </a:r>
             <a:r>
-              <a:rPr lang="en-US" sz="1400" dirty="0" err="1">
+              <a:rPr lang="en-US" sz="1600" dirty="0" err="1">
                 <a:latin typeface="Arial" panose="020B0604020202020204" pitchFamily="34" charset="0"/>
                 <a:cs typeface="Arial" panose="020B0604020202020204" pitchFamily="34" charset="0"/>
               </a:rPr>
               <a:t>vào</a:t>
             </a:r>
             <a:r>
-              <a:rPr lang="en-US" sz="1400" dirty="0">
-                <a:latin typeface="Arial" panose="020B0604020202020204" pitchFamily="34" charset="0"/>
-                <a:cs typeface="Arial" panose="020B0604020202020204" pitchFamily="34" charset="0"/>
-              </a:rPr>
-              <a:t> </a:t>
-            </a:r>
-            <a:r>
-              <a:rPr lang="en-US" sz="1400" dirty="0" err="1">
+              <a:rPr lang="en-US" sz="1600" dirty="0">
+                <a:latin typeface="Arial" panose="020B0604020202020204" pitchFamily="34" charset="0"/>
+                <a:cs typeface="Arial" panose="020B0604020202020204" pitchFamily="34" charset="0"/>
+              </a:rPr>
+              <a:t> </a:t>
+            </a:r>
+            <a:r>
+              <a:rPr lang="en-US" sz="1600" dirty="0" err="1">
                 <a:latin typeface="Arial" panose="020B0604020202020204" pitchFamily="34" charset="0"/>
                 <a:cs typeface="Arial" panose="020B0604020202020204" pitchFamily="34" charset="0"/>
               </a:rPr>
               <a:t>các</a:t>
             </a:r>
             <a:r>
-              <a:rPr lang="en-US" sz="1400" dirty="0">
-                <a:latin typeface="Arial" panose="020B0604020202020204" pitchFamily="34" charset="0"/>
-                <a:cs typeface="Arial" panose="020B0604020202020204" pitchFamily="34" charset="0"/>
-              </a:rPr>
-              <a:t> </a:t>
-            </a:r>
-            <a:r>
-              <a:rPr lang="en-US" sz="1400" dirty="0" err="1">
+              <a:rPr lang="en-US" sz="1600" dirty="0">
+                <a:latin typeface="Arial" panose="020B0604020202020204" pitchFamily="34" charset="0"/>
+                <a:cs typeface="Arial" panose="020B0604020202020204" pitchFamily="34" charset="0"/>
+              </a:rPr>
+              <a:t> </a:t>
+            </a:r>
+            <a:r>
+              <a:rPr lang="en-US" sz="1600" dirty="0" err="1">
                 <a:latin typeface="Arial" panose="020B0604020202020204" pitchFamily="34" charset="0"/>
                 <a:cs typeface="Arial" panose="020B0604020202020204" pitchFamily="34" charset="0"/>
               </a:rPr>
               <a:t>giá</a:t>
             </a:r>
             <a:r>
-              <a:rPr lang="en-US" sz="1400" dirty="0">
-                <a:latin typeface="Arial" panose="020B0604020202020204" pitchFamily="34" charset="0"/>
-                <a:cs typeface="Arial" panose="020B0604020202020204" pitchFamily="34" charset="0"/>
-              </a:rPr>
-              <a:t> </a:t>
-            </a:r>
-            <a:r>
-              <a:rPr lang="en-US" sz="1400" dirty="0" err="1">
+              <a:rPr lang="en-US" sz="1600" dirty="0">
+                <a:latin typeface="Arial" panose="020B0604020202020204" pitchFamily="34" charset="0"/>
+                <a:cs typeface="Arial" panose="020B0604020202020204" pitchFamily="34" charset="0"/>
+              </a:rPr>
+              <a:t> </a:t>
+            </a:r>
+            <a:r>
+              <a:rPr lang="en-US" sz="1600" dirty="0" err="1">
                 <a:latin typeface="Arial" panose="020B0604020202020204" pitchFamily="34" charset="0"/>
                 <a:cs typeface="Arial" panose="020B0604020202020204" pitchFamily="34" charset="0"/>
               </a:rPr>
               <a:t>trị</a:t>
             </a:r>
             <a:r>
-              <a:rPr lang="en-US" sz="1400" dirty="0">
-                <a:latin typeface="Arial" panose="020B0604020202020204" pitchFamily="34" charset="0"/>
-                <a:cs typeface="Arial" panose="020B0604020202020204" pitchFamily="34" charset="0"/>
-              </a:rPr>
-              <a:t> </a:t>
-            </a:r>
-            <a:r>
-              <a:rPr lang="en-US" sz="1400" dirty="0" err="1">
+              <a:rPr lang="en-US" sz="1600" dirty="0">
+                <a:latin typeface="Arial" panose="020B0604020202020204" pitchFamily="34" charset="0"/>
+                <a:cs typeface="Arial" panose="020B0604020202020204" pitchFamily="34" charset="0"/>
+              </a:rPr>
+              <a:t> </a:t>
+            </a:r>
+            <a:r>
+              <a:rPr lang="en-US" sz="1600" dirty="0" err="1">
                 <a:latin typeface="Arial" panose="020B0604020202020204" pitchFamily="34" charset="0"/>
                 <a:cs typeface="Arial" panose="020B0604020202020204" pitchFamily="34" charset="0"/>
               </a:rPr>
               <a:t>đó</a:t>
             </a:r>
             <a:r>
-              <a:rPr lang="en-US" sz="1400" dirty="0">
+              <a:rPr lang="en-US" sz="1600" dirty="0">
                 <a:latin typeface="Arial" panose="020B0604020202020204" pitchFamily="34" charset="0"/>
                 <a:cs typeface="Arial" panose="020B0604020202020204" pitchFamily="34" charset="0"/>
               </a:rPr>
@@ -20339,196 +20339,196 @@
               <a:buNone/>
             </a:pPr>
             <a:r>
-              <a:rPr lang="en-US" sz="1400" dirty="0" err="1">
+              <a:rPr lang="en-US" sz="1600" dirty="0" err="1">
                 <a:latin typeface="Arial" panose="020B0604020202020204" pitchFamily="34" charset="0"/>
                 <a:cs typeface="Arial" panose="020B0604020202020204" pitchFamily="34" charset="0"/>
               </a:rPr>
               <a:t>Số</a:t>
             </a:r>
             <a:r>
-              <a:rPr lang="en-US" sz="1400" dirty="0">
+              <a:rPr lang="en-US" sz="1600" dirty="0">
                 <a:latin typeface="Arial" panose="020B0604020202020204" pitchFamily="34" charset="0"/>
                 <a:cs typeface="Arial" panose="020B0604020202020204" pitchFamily="34" charset="0"/>
               </a:rPr>
               <a:t> l</a:t>
             </a:r>
             <a:r>
-              <a:rPr lang="vi-VN" sz="1400" dirty="0">
+              <a:rPr lang="vi-VN" sz="1600" dirty="0">
                 <a:latin typeface="Arial" panose="020B0604020202020204" pitchFamily="34" charset="0"/>
                 <a:cs typeface="Arial" panose="020B0604020202020204" pitchFamily="34" charset="0"/>
               </a:rPr>
               <a:t>ư</a:t>
             </a:r>
             <a:r>
-              <a:rPr lang="en-US" sz="1400" dirty="0" err="1">
+              <a:rPr lang="en-US" sz="1600" dirty="0" err="1">
                 <a:latin typeface="Arial" panose="020B0604020202020204" pitchFamily="34" charset="0"/>
                 <a:cs typeface="Arial" panose="020B0604020202020204" pitchFamily="34" charset="0"/>
               </a:rPr>
               <a:t>ợng</a:t>
             </a:r>
             <a:r>
-              <a:rPr lang="en-US" sz="1400" dirty="0">
+              <a:rPr lang="en-US" sz="1600" dirty="0">
                 <a:latin typeface="Arial" panose="020B0604020202020204" pitchFamily="34" charset="0"/>
                 <a:cs typeface="Arial" panose="020B0604020202020204" pitchFamily="34" charset="0"/>
               </a:rPr>
               <a:t> record </a:t>
             </a:r>
             <a:r>
-              <a:rPr lang="en-US" sz="1400" dirty="0" err="1">
+              <a:rPr lang="en-US" sz="1600" dirty="0" err="1">
                 <a:latin typeface="Arial" panose="020B0604020202020204" pitchFamily="34" charset="0"/>
                 <a:cs typeface="Arial" panose="020B0604020202020204" pitchFamily="34" charset="0"/>
               </a:rPr>
               <a:t>trong</a:t>
             </a:r>
             <a:r>
-              <a:rPr lang="en-US" sz="1400" dirty="0">
-                <a:latin typeface="Arial" panose="020B0604020202020204" pitchFamily="34" charset="0"/>
-                <a:cs typeface="Arial" panose="020B0604020202020204" pitchFamily="34" charset="0"/>
-              </a:rPr>
-              <a:t> </a:t>
-            </a:r>
-            <a:r>
-              <a:rPr lang="en-US" sz="1400" dirty="0" err="1">
+              <a:rPr lang="en-US" sz="1600" dirty="0">
+                <a:latin typeface="Arial" panose="020B0604020202020204" pitchFamily="34" charset="0"/>
+                <a:cs typeface="Arial" panose="020B0604020202020204" pitchFamily="34" charset="0"/>
+              </a:rPr>
+              <a:t> </a:t>
+            </a:r>
+            <a:r>
+              <a:rPr lang="en-US" sz="1600" dirty="0" err="1">
                 <a:latin typeface="Arial" panose="020B0604020202020204" pitchFamily="34" charset="0"/>
                 <a:cs typeface="Arial" panose="020B0604020202020204" pitchFamily="34" charset="0"/>
               </a:rPr>
               <a:t>tập</a:t>
             </a:r>
             <a:r>
-              <a:rPr lang="en-US" sz="1400" dirty="0">
+              <a:rPr lang="en-US" sz="1600" dirty="0">
                 <a:latin typeface="Arial" panose="020B0604020202020204" pitchFamily="34" charset="0"/>
                 <a:cs typeface="Arial" panose="020B0604020202020204" pitchFamily="34" charset="0"/>
               </a:rPr>
               <a:t> test </a:t>
             </a:r>
             <a:r>
-              <a:rPr lang="en-US" sz="1400" dirty="0" err="1">
+              <a:rPr lang="en-US" sz="1600" dirty="0" err="1">
                 <a:latin typeface="Arial" panose="020B0604020202020204" pitchFamily="34" charset="0"/>
                 <a:cs typeface="Arial" panose="020B0604020202020204" pitchFamily="34" charset="0"/>
               </a:rPr>
               <a:t>có</a:t>
             </a:r>
             <a:r>
-              <a:rPr lang="en-US" sz="1400" dirty="0">
-                <a:latin typeface="Arial" panose="020B0604020202020204" pitchFamily="34" charset="0"/>
-                <a:cs typeface="Arial" panose="020B0604020202020204" pitchFamily="34" charset="0"/>
-              </a:rPr>
-              <a:t> </a:t>
-            </a:r>
-            <a:r>
-              <a:rPr lang="en-US" sz="1400" dirty="0" err="1">
+              <a:rPr lang="en-US" sz="1600" dirty="0">
+                <a:latin typeface="Arial" panose="020B0604020202020204" pitchFamily="34" charset="0"/>
+                <a:cs typeface="Arial" panose="020B0604020202020204" pitchFamily="34" charset="0"/>
+              </a:rPr>
+              <a:t> </a:t>
+            </a:r>
+            <a:r>
+              <a:rPr lang="en-US" sz="1600" dirty="0" err="1">
                 <a:latin typeface="Arial" panose="020B0604020202020204" pitchFamily="34" charset="0"/>
                 <a:cs typeface="Arial" panose="020B0604020202020204" pitchFamily="34" charset="0"/>
               </a:rPr>
               <a:t>nhất</a:t>
             </a:r>
             <a:r>
-              <a:rPr lang="en-US" sz="1400" dirty="0">
-                <a:latin typeface="Arial" panose="020B0604020202020204" pitchFamily="34" charset="0"/>
-                <a:cs typeface="Arial" panose="020B0604020202020204" pitchFamily="34" charset="0"/>
-              </a:rPr>
-              <a:t> </a:t>
-            </a:r>
-            <a:r>
-              <a:rPr lang="en-US" sz="1400" dirty="0" err="1">
+              <a:rPr lang="en-US" sz="1600" dirty="0">
+                <a:latin typeface="Arial" panose="020B0604020202020204" pitchFamily="34" charset="0"/>
+                <a:cs typeface="Arial" panose="020B0604020202020204" pitchFamily="34" charset="0"/>
+              </a:rPr>
+              <a:t> </a:t>
+            </a:r>
+            <a:r>
+              <a:rPr lang="en-US" sz="1600" dirty="0" err="1">
                 <a:latin typeface="Arial" panose="020B0604020202020204" pitchFamily="34" charset="0"/>
                 <a:cs typeface="Arial" panose="020B0604020202020204" pitchFamily="34" charset="0"/>
               </a:rPr>
               <a:t>thiết</a:t>
             </a:r>
             <a:r>
-              <a:rPr lang="en-US" sz="1400" dirty="0">
-                <a:latin typeface="Arial" panose="020B0604020202020204" pitchFamily="34" charset="0"/>
-                <a:cs typeface="Arial" panose="020B0604020202020204" pitchFamily="34" charset="0"/>
-              </a:rPr>
-              <a:t> </a:t>
-            </a:r>
-            <a:r>
-              <a:rPr lang="en-US" sz="1400" dirty="0" err="1">
+              <a:rPr lang="en-US" sz="1600" dirty="0">
+                <a:latin typeface="Arial" panose="020B0604020202020204" pitchFamily="34" charset="0"/>
+                <a:cs typeface="Arial" panose="020B0604020202020204" pitchFamily="34" charset="0"/>
+              </a:rPr>
+              <a:t> </a:t>
+            </a:r>
+            <a:r>
+              <a:rPr lang="en-US" sz="1600" dirty="0" err="1">
                 <a:latin typeface="Arial" panose="020B0604020202020204" pitchFamily="34" charset="0"/>
                 <a:cs typeface="Arial" panose="020B0604020202020204" pitchFamily="34" charset="0"/>
               </a:rPr>
               <a:t>phải</a:t>
             </a:r>
             <a:r>
-              <a:rPr lang="en-US" sz="1400" dirty="0">
-                <a:latin typeface="Arial" panose="020B0604020202020204" pitchFamily="34" charset="0"/>
-                <a:cs typeface="Arial" panose="020B0604020202020204" pitchFamily="34" charset="0"/>
-              </a:rPr>
-              <a:t> </a:t>
-            </a:r>
-            <a:r>
-              <a:rPr lang="en-US" sz="1400" dirty="0" err="1">
+              <a:rPr lang="en-US" sz="1600" dirty="0">
+                <a:latin typeface="Arial" panose="020B0604020202020204" pitchFamily="34" charset="0"/>
+                <a:cs typeface="Arial" panose="020B0604020202020204" pitchFamily="34" charset="0"/>
+              </a:rPr>
+              <a:t> </a:t>
+            </a:r>
+            <a:r>
+              <a:rPr lang="en-US" sz="1600" dirty="0" err="1">
                 <a:latin typeface="Arial" panose="020B0604020202020204" pitchFamily="34" charset="0"/>
                 <a:cs typeface="Arial" panose="020B0604020202020204" pitchFamily="34" charset="0"/>
               </a:rPr>
               <a:t>bằng</a:t>
             </a:r>
             <a:r>
-              <a:rPr lang="en-US" sz="1400" dirty="0">
-                <a:latin typeface="Arial" panose="020B0604020202020204" pitchFamily="34" charset="0"/>
-                <a:cs typeface="Arial" panose="020B0604020202020204" pitchFamily="34" charset="0"/>
-              </a:rPr>
-              <a:t> </a:t>
-            </a:r>
-            <a:r>
-              <a:rPr lang="en-US" sz="1400" dirty="0" err="1">
+              <a:rPr lang="en-US" sz="1600" dirty="0">
+                <a:latin typeface="Arial" panose="020B0604020202020204" pitchFamily="34" charset="0"/>
+                <a:cs typeface="Arial" panose="020B0604020202020204" pitchFamily="34" charset="0"/>
+              </a:rPr>
+              <a:t> </a:t>
+            </a:r>
+            <a:r>
+              <a:rPr lang="en-US" sz="1600" dirty="0" err="1">
                 <a:latin typeface="Arial" panose="020B0604020202020204" pitchFamily="34" charset="0"/>
                 <a:cs typeface="Arial" panose="020B0604020202020204" pitchFamily="34" charset="0"/>
               </a:rPr>
               <a:t>số</a:t>
             </a:r>
             <a:r>
-              <a:rPr lang="en-US" sz="1400" dirty="0">
+              <a:rPr lang="en-US" sz="1600" dirty="0">
                 <a:latin typeface="Arial" panose="020B0604020202020204" pitchFamily="34" charset="0"/>
                 <a:cs typeface="Arial" panose="020B0604020202020204" pitchFamily="34" charset="0"/>
               </a:rPr>
               <a:t> l</a:t>
             </a:r>
             <a:r>
-              <a:rPr lang="vi-VN" sz="1400" dirty="0">
+              <a:rPr lang="vi-VN" sz="1600" dirty="0">
                 <a:latin typeface="Arial" panose="020B0604020202020204" pitchFamily="34" charset="0"/>
                 <a:cs typeface="Arial" panose="020B0604020202020204" pitchFamily="34" charset="0"/>
               </a:rPr>
               <a:t>ư</a:t>
             </a:r>
             <a:r>
-              <a:rPr lang="en-US" sz="1400" dirty="0" err="1">
+              <a:rPr lang="en-US" sz="1600" dirty="0" err="1">
                 <a:latin typeface="Arial" panose="020B0604020202020204" pitchFamily="34" charset="0"/>
                 <a:cs typeface="Arial" panose="020B0604020202020204" pitchFamily="34" charset="0"/>
               </a:rPr>
               <a:t>ợng</a:t>
             </a:r>
             <a:r>
-              <a:rPr lang="en-US" sz="1400" dirty="0">
+              <a:rPr lang="en-US" sz="1600" dirty="0">
                 <a:latin typeface="Arial" panose="020B0604020202020204" pitchFamily="34" charset="0"/>
                 <a:cs typeface="Arial" panose="020B0604020202020204" pitchFamily="34" charset="0"/>
               </a:rPr>
               <a:t> record </a:t>
             </a:r>
             <a:r>
-              <a:rPr lang="en-US" sz="1400" dirty="0" err="1">
+              <a:rPr lang="en-US" sz="1600" dirty="0" err="1">
                 <a:latin typeface="Arial" panose="020B0604020202020204" pitchFamily="34" charset="0"/>
                 <a:cs typeface="Arial" panose="020B0604020202020204" pitchFamily="34" charset="0"/>
               </a:rPr>
               <a:t>trong</a:t>
             </a:r>
             <a:r>
-              <a:rPr lang="en-US" sz="1400" dirty="0">
-                <a:latin typeface="Arial" panose="020B0604020202020204" pitchFamily="34" charset="0"/>
-                <a:cs typeface="Arial" panose="020B0604020202020204" pitchFamily="34" charset="0"/>
-              </a:rPr>
-              <a:t> </a:t>
-            </a:r>
-            <a:r>
-              <a:rPr lang="en-US" sz="1400" dirty="0" err="1">
+              <a:rPr lang="en-US" sz="1600" dirty="0">
+                <a:latin typeface="Arial" panose="020B0604020202020204" pitchFamily="34" charset="0"/>
+                <a:cs typeface="Arial" panose="020B0604020202020204" pitchFamily="34" charset="0"/>
+              </a:rPr>
+              <a:t> </a:t>
+            </a:r>
+            <a:r>
+              <a:rPr lang="en-US" sz="1600" dirty="0" err="1">
                 <a:latin typeface="Arial" panose="020B0604020202020204" pitchFamily="34" charset="0"/>
                 <a:cs typeface="Arial" panose="020B0604020202020204" pitchFamily="34" charset="0"/>
               </a:rPr>
               <a:t>tập</a:t>
             </a:r>
             <a:r>
-              <a:rPr lang="en-US" sz="1400" dirty="0">
+              <a:rPr lang="en-US" sz="1600" dirty="0">
                 <a:latin typeface="Arial" panose="020B0604020202020204" pitchFamily="34" charset="0"/>
                 <a:cs typeface="Arial" panose="020B0604020202020204" pitchFamily="34" charset="0"/>
               </a:rPr>

--- a/doc/report.pptx
+++ b/doc/report.pptx
@@ -225,7 +225,7 @@
           <a:p>
             <a:fld id="{23EDC7EF-2C8A-4BED-BB2A-11CA579B9823}" type="datetimeFigureOut">
               <a:rPr lang="en-US" smtClean="0"/>
-              <a:t>2020-01-08</a:t>
+              <a:t>2020-01-09</a:t>
             </a:fld>
             <a:endParaRPr lang="en-US"/>
           </a:p>
@@ -409,7 +409,7 @@
           <a:p>
             <a:fld id="{F8B84600-A566-40EA-BE9B-5ACBE31EE42D}" type="datetimeFigureOut">
               <a:rPr lang="en-US" smtClean="0"/>
-              <a:t>2020-01-08</a:t>
+              <a:t>2020-01-09</a:t>
             </a:fld>
             <a:endParaRPr lang="en-US"/>
           </a:p>
@@ -1661,7 +1661,7 @@
           <a:p>
             <a:fld id="{38DF76A7-A227-4517-965D-40E5F781BA5B}" type="datetime1">
               <a:rPr lang="en-US" smtClean="0"/>
-              <a:t>2020-01-08</a:t>
+              <a:t>2020-01-09</a:t>
             </a:fld>
             <a:endParaRPr lang="en-US"/>
           </a:p>
@@ -1862,7 +1862,7 @@
           <a:p>
             <a:fld id="{00E0834F-6201-4D64-91BA-A3F135E26F82}" type="datetime1">
               <a:rPr lang="en-US" smtClean="0"/>
-              <a:t>2020-01-08</a:t>
+              <a:t>2020-01-09</a:t>
             </a:fld>
             <a:endParaRPr lang="en-US"/>
           </a:p>
@@ -2073,7 +2073,7 @@
           <a:p>
             <a:fld id="{CCBEA601-CF0B-4316-BA67-73803036A82D}" type="datetime1">
               <a:rPr lang="en-US" smtClean="0"/>
-              <a:t>2020-01-08</a:t>
+              <a:t>2020-01-09</a:t>
             </a:fld>
             <a:endParaRPr lang="en-US"/>
           </a:p>
@@ -2352,7 +2352,7 @@
           <a:p>
             <a:fld id="{E27BB601-612A-49B6-A526-3A125925B92D}" type="datetime1">
               <a:rPr lang="en-US" smtClean="0"/>
-              <a:t>2020-01-08</a:t>
+              <a:t>2020-01-09</a:t>
             </a:fld>
             <a:endParaRPr lang="en-US"/>
           </a:p>
@@ -2630,7 +2630,7 @@
           <a:p>
             <a:fld id="{6775A2E7-07D1-4BD1-A27A-2C705AA2CC5C}" type="datetime1">
               <a:rPr lang="en-US" smtClean="0"/>
-              <a:t>2020-01-08</a:t>
+              <a:t>2020-01-09</a:t>
             </a:fld>
             <a:endParaRPr lang="en-US"/>
           </a:p>
@@ -2898,7 +2898,7 @@
           <a:p>
             <a:fld id="{BE99AF5B-ED71-4571-8AFE-338CA086A8B8}" type="datetime1">
               <a:rPr lang="en-US" smtClean="0"/>
-              <a:t>2020-01-08</a:t>
+              <a:t>2020-01-09</a:t>
             </a:fld>
             <a:endParaRPr lang="en-US"/>
           </a:p>
@@ -3313,7 +3313,7 @@
           <a:p>
             <a:fld id="{C1803233-257D-4AE7-B6A0-CCA249F54B1C}" type="datetime1">
               <a:rPr lang="en-US" smtClean="0"/>
-              <a:t>2020-01-08</a:t>
+              <a:t>2020-01-09</a:t>
             </a:fld>
             <a:endParaRPr lang="en-US"/>
           </a:p>
@@ -3457,7 +3457,7 @@
           <a:p>
             <a:fld id="{5D351BEF-5ED1-4AB0-91F3-9F5AC17E5BCD}" type="datetime1">
               <a:rPr lang="en-US" smtClean="0"/>
-              <a:t>2020-01-08</a:t>
+              <a:t>2020-01-09</a:t>
             </a:fld>
             <a:endParaRPr lang="en-US"/>
           </a:p>
@@ -3573,7 +3573,7 @@
           <a:p>
             <a:fld id="{73792002-44B4-45F3-965D-838A2E8E0737}" type="datetime1">
               <a:rPr lang="en-US" smtClean="0"/>
-              <a:t>2020-01-08</a:t>
+              <a:t>2020-01-09</a:t>
             </a:fld>
             <a:endParaRPr lang="en-US"/>
           </a:p>
@@ -3887,7 +3887,7 @@
           <a:p>
             <a:fld id="{89A2D48F-B309-49D9-A76A-EF2A755F2083}" type="datetime1">
               <a:rPr lang="en-US" smtClean="0"/>
-              <a:t>2020-01-08</a:t>
+              <a:t>2020-01-09</a:t>
             </a:fld>
             <a:endParaRPr lang="en-US"/>
           </a:p>
@@ -4178,7 +4178,7 @@
           <a:p>
             <a:fld id="{72005573-5152-46B4-A892-1BA3448313C7}" type="datetime1">
               <a:rPr lang="en-US" smtClean="0"/>
-              <a:t>2020-01-08</a:t>
+              <a:t>2020-01-09</a:t>
             </a:fld>
             <a:endParaRPr lang="en-US"/>
           </a:p>
@@ -4422,7 +4422,7 @@
           <a:p>
             <a:fld id="{A7A43355-6594-4835-BB8E-6BCE00E7F01D}" type="datetime1">
               <a:rPr lang="en-US" smtClean="0"/>
-              <a:t>2020-01-08</a:t>
+              <a:t>2020-01-09</a:t>
             </a:fld>
             <a:endParaRPr lang="en-US"/>
           </a:p>
@@ -9293,552 +9293,6 @@
   <p:clrMapOvr>
     <a:masterClrMapping/>
   </p:clrMapOvr>
-  <mc:AlternateContent xmlns:mc="http://schemas.openxmlformats.org/markup-compatibility/2006" xmlns:p14="http://schemas.microsoft.com/office/powerpoint/2010/main">
-    <mc:Choice Requires="p14">
-      <p:timing>
-        <p:tnLst>
-          <p:par>
-            <p:cTn id="1" dur="indefinite" restart="never" nodeType="tmRoot">
-              <p:childTnLst>
-                <p:seq concurrent="1" nextAc="seek">
-                  <p:cTn id="2" dur="indefinite" nodeType="mainSeq">
-                    <p:childTnLst>
-                      <p:par>
-                        <p:cTn id="3" fill="hold">
-                          <p:stCondLst>
-                            <p:cond delay="indefinite"/>
-                            <p:cond evt="onBegin" delay="0">
-                              <p:tn val="2"/>
-                            </p:cond>
-                          </p:stCondLst>
-                          <p:childTnLst>
-                            <p:par>
-                              <p:cTn id="4" fill="hold">
-                                <p:stCondLst>
-                                  <p:cond delay="0"/>
-                                </p:stCondLst>
-                                <p:childTnLst>
-                                  <p:par>
-                                    <p:cTn id="5" presetID="2" presetClass="entr" presetSubtype="4" fill="hold" nodeType="withEffect" p14:presetBounceEnd="56000">
-                                      <p:stCondLst>
-                                        <p:cond delay="0"/>
-                                      </p:stCondLst>
-                                      <p:childTnLst>
-                                        <p:set>
-                                          <p:cBhvr>
-                                            <p:cTn id="6" dur="1" fill="hold">
-                                              <p:stCondLst>
-                                                <p:cond delay="0"/>
-                                              </p:stCondLst>
-                                            </p:cTn>
-                                            <p:tgtEl>
-                                              <p:spTgt spid="2"/>
-                                            </p:tgtEl>
-                                            <p:attrNameLst>
-                                              <p:attrName>style.visibility</p:attrName>
-                                            </p:attrNameLst>
-                                          </p:cBhvr>
-                                          <p:to>
-                                            <p:strVal val="visible"/>
-                                          </p:to>
-                                        </p:set>
-                                        <p:anim calcmode="lin" valueType="num" p14:bounceEnd="56000">
-                                          <p:cBhvr additive="base">
-                                            <p:cTn id="7" dur="1250" fill="hold"/>
-                                            <p:tgtEl>
-                                              <p:spTgt spid="2"/>
-                                            </p:tgtEl>
-                                            <p:attrNameLst>
-                                              <p:attrName>ppt_x</p:attrName>
-                                            </p:attrNameLst>
-                                          </p:cBhvr>
-                                          <p:tavLst>
-                                            <p:tav tm="0">
-                                              <p:val>
-                                                <p:strVal val="#ppt_x"/>
-                                              </p:val>
-                                            </p:tav>
-                                            <p:tav tm="100000">
-                                              <p:val>
-                                                <p:strVal val="#ppt_x"/>
-                                              </p:val>
-                                            </p:tav>
-                                          </p:tavLst>
-                                        </p:anim>
-                                        <p:anim calcmode="lin" valueType="num" p14:bounceEnd="56000">
-                                          <p:cBhvr additive="base">
-                                            <p:cTn id="8" dur="1250" fill="hold"/>
-                                            <p:tgtEl>
-                                              <p:spTgt spid="2"/>
-                                            </p:tgtEl>
-                                            <p:attrNameLst>
-                                              <p:attrName>ppt_y</p:attrName>
-                                            </p:attrNameLst>
-                                          </p:cBhvr>
-                                          <p:tavLst>
-                                            <p:tav tm="0">
-                                              <p:val>
-                                                <p:strVal val="1+#ppt_h/2"/>
-                                              </p:val>
-                                            </p:tav>
-                                            <p:tav tm="100000">
-                                              <p:val>
-                                                <p:strVal val="#ppt_y"/>
-                                              </p:val>
-                                            </p:tav>
-                                          </p:tavLst>
-                                        </p:anim>
-                                      </p:childTnLst>
-                                    </p:cTn>
-                                  </p:par>
-                                  <p:par>
-                                    <p:cTn id="9" presetID="2" presetClass="entr" presetSubtype="4" fill="hold" nodeType="withEffect" p14:presetBounceEnd="56000">
-                                      <p:stCondLst>
-                                        <p:cond delay="0"/>
-                                      </p:stCondLst>
-                                      <p:childTnLst>
-                                        <p:set>
-                                          <p:cBhvr>
-                                            <p:cTn id="10" dur="1" fill="hold">
-                                              <p:stCondLst>
-                                                <p:cond delay="0"/>
-                                              </p:stCondLst>
-                                            </p:cTn>
-                                            <p:tgtEl>
-                                              <p:spTgt spid="27"/>
-                                            </p:tgtEl>
-                                            <p:attrNameLst>
-                                              <p:attrName>style.visibility</p:attrName>
-                                            </p:attrNameLst>
-                                          </p:cBhvr>
-                                          <p:to>
-                                            <p:strVal val="visible"/>
-                                          </p:to>
-                                        </p:set>
-                                        <p:anim calcmode="lin" valueType="num" p14:bounceEnd="56000">
-                                          <p:cBhvr additive="base">
-                                            <p:cTn id="11" dur="1250" fill="hold"/>
-                                            <p:tgtEl>
-                                              <p:spTgt spid="27"/>
-                                            </p:tgtEl>
-                                            <p:attrNameLst>
-                                              <p:attrName>ppt_x</p:attrName>
-                                            </p:attrNameLst>
-                                          </p:cBhvr>
-                                          <p:tavLst>
-                                            <p:tav tm="0">
-                                              <p:val>
-                                                <p:strVal val="#ppt_x"/>
-                                              </p:val>
-                                            </p:tav>
-                                            <p:tav tm="100000">
-                                              <p:val>
-                                                <p:strVal val="#ppt_x"/>
-                                              </p:val>
-                                            </p:tav>
-                                          </p:tavLst>
-                                        </p:anim>
-                                        <p:anim calcmode="lin" valueType="num" p14:bounceEnd="56000">
-                                          <p:cBhvr additive="base">
-                                            <p:cTn id="12" dur="1250" fill="hold"/>
-                                            <p:tgtEl>
-                                              <p:spTgt spid="27"/>
-                                            </p:tgtEl>
-                                            <p:attrNameLst>
-                                              <p:attrName>ppt_y</p:attrName>
-                                            </p:attrNameLst>
-                                          </p:cBhvr>
-                                          <p:tavLst>
-                                            <p:tav tm="0">
-                                              <p:val>
-                                                <p:strVal val="1+#ppt_h/2"/>
-                                              </p:val>
-                                            </p:tav>
-                                            <p:tav tm="100000">
-                                              <p:val>
-                                                <p:strVal val="#ppt_y"/>
-                                              </p:val>
-                                            </p:tav>
-                                          </p:tavLst>
-                                        </p:anim>
-                                      </p:childTnLst>
-                                    </p:cTn>
-                                  </p:par>
-                                  <p:par>
-                                    <p:cTn id="13" presetID="2" presetClass="entr" presetSubtype="4" fill="hold" nodeType="withEffect" p14:presetBounceEnd="56000">
-                                      <p:stCondLst>
-                                        <p:cond delay="0"/>
-                                      </p:stCondLst>
-                                      <p:childTnLst>
-                                        <p:set>
-                                          <p:cBhvr>
-                                            <p:cTn id="14" dur="1" fill="hold">
-                                              <p:stCondLst>
-                                                <p:cond delay="0"/>
-                                              </p:stCondLst>
-                                            </p:cTn>
-                                            <p:tgtEl>
-                                              <p:spTgt spid="30"/>
-                                            </p:tgtEl>
-                                            <p:attrNameLst>
-                                              <p:attrName>style.visibility</p:attrName>
-                                            </p:attrNameLst>
-                                          </p:cBhvr>
-                                          <p:to>
-                                            <p:strVal val="visible"/>
-                                          </p:to>
-                                        </p:set>
-                                        <p:anim calcmode="lin" valueType="num" p14:bounceEnd="56000">
-                                          <p:cBhvr additive="base">
-                                            <p:cTn id="15" dur="1250" fill="hold"/>
-                                            <p:tgtEl>
-                                              <p:spTgt spid="30"/>
-                                            </p:tgtEl>
-                                            <p:attrNameLst>
-                                              <p:attrName>ppt_x</p:attrName>
-                                            </p:attrNameLst>
-                                          </p:cBhvr>
-                                          <p:tavLst>
-                                            <p:tav tm="0">
-                                              <p:val>
-                                                <p:strVal val="#ppt_x"/>
-                                              </p:val>
-                                            </p:tav>
-                                            <p:tav tm="100000">
-                                              <p:val>
-                                                <p:strVal val="#ppt_x"/>
-                                              </p:val>
-                                            </p:tav>
-                                          </p:tavLst>
-                                        </p:anim>
-                                        <p:anim calcmode="lin" valueType="num" p14:bounceEnd="56000">
-                                          <p:cBhvr additive="base">
-                                            <p:cTn id="16" dur="1250" fill="hold"/>
-                                            <p:tgtEl>
-                                              <p:spTgt spid="30"/>
-                                            </p:tgtEl>
-                                            <p:attrNameLst>
-                                              <p:attrName>ppt_y</p:attrName>
-                                            </p:attrNameLst>
-                                          </p:cBhvr>
-                                          <p:tavLst>
-                                            <p:tav tm="0">
-                                              <p:val>
-                                                <p:strVal val="1+#ppt_h/2"/>
-                                              </p:val>
-                                            </p:tav>
-                                            <p:tav tm="100000">
-                                              <p:val>
-                                                <p:strVal val="#ppt_y"/>
-                                              </p:val>
-                                            </p:tav>
-                                          </p:tavLst>
-                                        </p:anim>
-                                      </p:childTnLst>
-                                    </p:cTn>
-                                  </p:par>
-                                </p:childTnLst>
-                              </p:cTn>
-                            </p:par>
-                          </p:childTnLst>
-                        </p:cTn>
-                      </p:par>
-                    </p:childTnLst>
-                  </p:cTn>
-                  <p:prevCondLst>
-                    <p:cond evt="onPrev" delay="0">
-                      <p:tgtEl>
-                        <p:sldTgt/>
-                      </p:tgtEl>
-                    </p:cond>
-                  </p:prevCondLst>
-                  <p:nextCondLst>
-                    <p:cond evt="onNext" delay="0">
-                      <p:tgtEl>
-                        <p:sldTgt/>
-                      </p:tgtEl>
-                    </p:cond>
-                  </p:nextCondLst>
-                </p:seq>
-              </p:childTnLst>
-            </p:cTn>
-          </p:par>
-        </p:tnLst>
-      </p:timing>
-    </mc:Choice>
-    <mc:Fallback xmlns="">
-      <p:timing>
-        <p:tnLst>
-          <p:par>
-            <p:cTn id="1" dur="indefinite" restart="never" nodeType="tmRoot">
-              <p:childTnLst>
-                <p:seq concurrent="1" nextAc="seek">
-                  <p:cTn id="2" dur="indefinite" nodeType="mainSeq">
-                    <p:childTnLst>
-                      <p:par>
-                        <p:cTn id="3" fill="hold">
-                          <p:stCondLst>
-                            <p:cond delay="indefinite"/>
-                            <p:cond evt="onBegin" delay="0">
-                              <p:tn val="2"/>
-                            </p:cond>
-                          </p:stCondLst>
-                          <p:childTnLst>
-                            <p:par>
-                              <p:cTn id="4" fill="hold">
-                                <p:stCondLst>
-                                  <p:cond delay="0"/>
-                                </p:stCondLst>
-                                <p:childTnLst>
-                                  <p:par>
-                                    <p:cTn id="5" presetID="2" presetClass="entr" presetSubtype="4" fill="hold" nodeType="withEffect">
-                                      <p:stCondLst>
-                                        <p:cond delay="0"/>
-                                      </p:stCondLst>
-                                      <p:childTnLst>
-                                        <p:set>
-                                          <p:cBhvr>
-                                            <p:cTn id="6" dur="1" fill="hold">
-                                              <p:stCondLst>
-                                                <p:cond delay="0"/>
-                                              </p:stCondLst>
-                                            </p:cTn>
-                                            <p:tgtEl>
-                                              <p:spTgt spid="2"/>
-                                            </p:tgtEl>
-                                            <p:attrNameLst>
-                                              <p:attrName>style.visibility</p:attrName>
-                                            </p:attrNameLst>
-                                          </p:cBhvr>
-                                          <p:to>
-                                            <p:strVal val="visible"/>
-                                          </p:to>
-                                        </p:set>
-                                        <p:anim calcmode="lin" valueType="num">
-                                          <p:cBhvr additive="base">
-                                            <p:cTn id="7" dur="1250" fill="hold"/>
-                                            <p:tgtEl>
-                                              <p:spTgt spid="2"/>
-                                            </p:tgtEl>
-                                            <p:attrNameLst>
-                                              <p:attrName>ppt_x</p:attrName>
-                                            </p:attrNameLst>
-                                          </p:cBhvr>
-                                          <p:tavLst>
-                                            <p:tav tm="0">
-                                              <p:val>
-                                                <p:strVal val="#ppt_x"/>
-                                              </p:val>
-                                            </p:tav>
-                                            <p:tav tm="100000">
-                                              <p:val>
-                                                <p:strVal val="#ppt_x"/>
-                                              </p:val>
-                                            </p:tav>
-                                          </p:tavLst>
-                                        </p:anim>
-                                        <p:anim calcmode="lin" valueType="num">
-                                          <p:cBhvr additive="base">
-                                            <p:cTn id="8" dur="1250" fill="hold"/>
-                                            <p:tgtEl>
-                                              <p:spTgt spid="2"/>
-                                            </p:tgtEl>
-                                            <p:attrNameLst>
-                                              <p:attrName>ppt_y</p:attrName>
-                                            </p:attrNameLst>
-                                          </p:cBhvr>
-                                          <p:tavLst>
-                                            <p:tav tm="0">
-                                              <p:val>
-                                                <p:strVal val="1+#ppt_h/2"/>
-                                              </p:val>
-                                            </p:tav>
-                                            <p:tav tm="100000">
-                                              <p:val>
-                                                <p:strVal val="#ppt_y"/>
-                                              </p:val>
-                                            </p:tav>
-                                          </p:tavLst>
-                                        </p:anim>
-                                      </p:childTnLst>
-                                    </p:cTn>
-                                  </p:par>
-                                  <p:par>
-                                    <p:cTn id="9" presetID="2" presetClass="entr" presetSubtype="4" fill="hold" nodeType="withEffect">
-                                      <p:stCondLst>
-                                        <p:cond delay="0"/>
-                                      </p:stCondLst>
-                                      <p:childTnLst>
-                                        <p:set>
-                                          <p:cBhvr>
-                                            <p:cTn id="10" dur="1" fill="hold">
-                                              <p:stCondLst>
-                                                <p:cond delay="0"/>
-                                              </p:stCondLst>
-                                            </p:cTn>
-                                            <p:tgtEl>
-                                              <p:spTgt spid="27"/>
-                                            </p:tgtEl>
-                                            <p:attrNameLst>
-                                              <p:attrName>style.visibility</p:attrName>
-                                            </p:attrNameLst>
-                                          </p:cBhvr>
-                                          <p:to>
-                                            <p:strVal val="visible"/>
-                                          </p:to>
-                                        </p:set>
-                                        <p:anim calcmode="lin" valueType="num">
-                                          <p:cBhvr additive="base">
-                                            <p:cTn id="11" dur="1250" fill="hold"/>
-                                            <p:tgtEl>
-                                              <p:spTgt spid="27"/>
-                                            </p:tgtEl>
-                                            <p:attrNameLst>
-                                              <p:attrName>ppt_x</p:attrName>
-                                            </p:attrNameLst>
-                                          </p:cBhvr>
-                                          <p:tavLst>
-                                            <p:tav tm="0">
-                                              <p:val>
-                                                <p:strVal val="#ppt_x"/>
-                                              </p:val>
-                                            </p:tav>
-                                            <p:tav tm="100000">
-                                              <p:val>
-                                                <p:strVal val="#ppt_x"/>
-                                              </p:val>
-                                            </p:tav>
-                                          </p:tavLst>
-                                        </p:anim>
-                                        <p:anim calcmode="lin" valueType="num">
-                                          <p:cBhvr additive="base">
-                                            <p:cTn id="12" dur="1250" fill="hold"/>
-                                            <p:tgtEl>
-                                              <p:spTgt spid="27"/>
-                                            </p:tgtEl>
-                                            <p:attrNameLst>
-                                              <p:attrName>ppt_y</p:attrName>
-                                            </p:attrNameLst>
-                                          </p:cBhvr>
-                                          <p:tavLst>
-                                            <p:tav tm="0">
-                                              <p:val>
-                                                <p:strVal val="1+#ppt_h/2"/>
-                                              </p:val>
-                                            </p:tav>
-                                            <p:tav tm="100000">
-                                              <p:val>
-                                                <p:strVal val="#ppt_y"/>
-                                              </p:val>
-                                            </p:tav>
-                                          </p:tavLst>
-                                        </p:anim>
-                                      </p:childTnLst>
-                                    </p:cTn>
-                                  </p:par>
-                                  <p:par>
-                                    <p:cTn id="13" presetID="2" presetClass="entr" presetSubtype="4" fill="hold" nodeType="withEffect">
-                                      <p:stCondLst>
-                                        <p:cond delay="0"/>
-                                      </p:stCondLst>
-                                      <p:childTnLst>
-                                        <p:set>
-                                          <p:cBhvr>
-                                            <p:cTn id="14" dur="1" fill="hold">
-                                              <p:stCondLst>
-                                                <p:cond delay="0"/>
-                                              </p:stCondLst>
-                                            </p:cTn>
-                                            <p:tgtEl>
-                                              <p:spTgt spid="30"/>
-                                            </p:tgtEl>
-                                            <p:attrNameLst>
-                                              <p:attrName>style.visibility</p:attrName>
-                                            </p:attrNameLst>
-                                          </p:cBhvr>
-                                          <p:to>
-                                            <p:strVal val="visible"/>
-                                          </p:to>
-                                        </p:set>
-                                        <p:anim calcmode="lin" valueType="num">
-                                          <p:cBhvr additive="base">
-                                            <p:cTn id="15" dur="1250" fill="hold"/>
-                                            <p:tgtEl>
-                                              <p:spTgt spid="30"/>
-                                            </p:tgtEl>
-                                            <p:attrNameLst>
-                                              <p:attrName>ppt_x</p:attrName>
-                                            </p:attrNameLst>
-                                          </p:cBhvr>
-                                          <p:tavLst>
-                                            <p:tav tm="0">
-                                              <p:val>
-                                                <p:strVal val="#ppt_x"/>
-                                              </p:val>
-                                            </p:tav>
-                                            <p:tav tm="100000">
-                                              <p:val>
-                                                <p:strVal val="#ppt_x"/>
-                                              </p:val>
-                                            </p:tav>
-                                          </p:tavLst>
-                                        </p:anim>
-                                        <p:anim calcmode="lin" valueType="num">
-                                          <p:cBhvr additive="base">
-                                            <p:cTn id="16" dur="1250" fill="hold"/>
-                                            <p:tgtEl>
-                                              <p:spTgt spid="30"/>
-                                            </p:tgtEl>
-                                            <p:attrNameLst>
-                                              <p:attrName>ppt_y</p:attrName>
-                                            </p:attrNameLst>
-                                          </p:cBhvr>
-                                          <p:tavLst>
-                                            <p:tav tm="0">
-                                              <p:val>
-                                                <p:strVal val="1+#ppt_h/2"/>
-                                              </p:val>
-                                            </p:tav>
-                                            <p:tav tm="100000">
-                                              <p:val>
-                                                <p:strVal val="#ppt_y"/>
-                                              </p:val>
-                                            </p:tav>
-                                          </p:tavLst>
-                                        </p:anim>
-                                      </p:childTnLst>
-                                    </p:cTn>
-                                  </p:par>
-                                </p:childTnLst>
-                              </p:cTn>
-                            </p:par>
-                          </p:childTnLst>
-                        </p:cTn>
-                      </p:par>
-                    </p:childTnLst>
-                  </p:cTn>
-                  <p:prevCondLst>
-                    <p:cond evt="onPrev" delay="0">
-                      <p:tgtEl>
-                        <p:sldTgt/>
-                      </p:tgtEl>
-                    </p:cond>
-                  </p:prevCondLst>
-                  <p:nextCondLst>
-                    <p:cond evt="onNext" delay="0">
-                      <p:tgtEl>
-                        <p:sldTgt/>
-                      </p:tgtEl>
-                    </p:cond>
-                  </p:nextCondLst>
-                </p:seq>
-              </p:childTnLst>
-            </p:cTn>
-          </p:par>
-        </p:tnLst>
-      </p:timing>
-    </mc:Fallback>
-  </mc:AlternateContent>
 </p:sld>
 </file>
 
@@ -10942,333 +10396,6 @@
   <p:clrMapOvr>
     <a:masterClrMapping/>
   </p:clrMapOvr>
-  <mc:AlternateContent xmlns:mc="http://schemas.openxmlformats.org/markup-compatibility/2006" xmlns:p14="http://schemas.microsoft.com/office/powerpoint/2010/main">
-    <mc:Choice Requires="p14">
-      <p:timing>
-        <p:tnLst>
-          <p:par>
-            <p:cTn id="1" dur="indefinite" restart="never" nodeType="tmRoot">
-              <p:childTnLst>
-                <p:seq concurrent="1" nextAc="seek">
-                  <p:cTn id="2" dur="indefinite" nodeType="mainSeq">
-                    <p:childTnLst>
-                      <p:par>
-                        <p:cTn id="3" fill="hold">
-                          <p:stCondLst>
-                            <p:cond delay="indefinite"/>
-                            <p:cond evt="onBegin" delay="0">
-                              <p:tn val="2"/>
-                            </p:cond>
-                          </p:stCondLst>
-                          <p:childTnLst>
-                            <p:par>
-                              <p:cTn id="4" fill="hold">
-                                <p:stCondLst>
-                                  <p:cond delay="0"/>
-                                </p:stCondLst>
-                                <p:childTnLst>
-                                  <p:par>
-                                    <p:cTn id="5" presetID="2" presetClass="entr" presetSubtype="4" fill="hold" nodeType="withEffect" p14:presetBounceEnd="56000">
-                                      <p:stCondLst>
-                                        <p:cond delay="0"/>
-                                      </p:stCondLst>
-                                      <p:childTnLst>
-                                        <p:set>
-                                          <p:cBhvr>
-                                            <p:cTn id="6" dur="1" fill="hold">
-                                              <p:stCondLst>
-                                                <p:cond delay="0"/>
-                                              </p:stCondLst>
-                                            </p:cTn>
-                                            <p:tgtEl>
-                                              <p:spTgt spid="17"/>
-                                            </p:tgtEl>
-                                            <p:attrNameLst>
-                                              <p:attrName>style.visibility</p:attrName>
-                                            </p:attrNameLst>
-                                          </p:cBhvr>
-                                          <p:to>
-                                            <p:strVal val="visible"/>
-                                          </p:to>
-                                        </p:set>
-                                        <p:anim calcmode="lin" valueType="num" p14:bounceEnd="56000">
-                                          <p:cBhvr additive="base">
-                                            <p:cTn id="7" dur="1250" fill="hold"/>
-                                            <p:tgtEl>
-                                              <p:spTgt spid="17"/>
-                                            </p:tgtEl>
-                                            <p:attrNameLst>
-                                              <p:attrName>ppt_x</p:attrName>
-                                            </p:attrNameLst>
-                                          </p:cBhvr>
-                                          <p:tavLst>
-                                            <p:tav tm="0">
-                                              <p:val>
-                                                <p:strVal val="#ppt_x"/>
-                                              </p:val>
-                                            </p:tav>
-                                            <p:tav tm="100000">
-                                              <p:val>
-                                                <p:strVal val="#ppt_x"/>
-                                              </p:val>
-                                            </p:tav>
-                                          </p:tavLst>
-                                        </p:anim>
-                                        <p:anim calcmode="lin" valueType="num" p14:bounceEnd="56000">
-                                          <p:cBhvr additive="base">
-                                            <p:cTn id="8" dur="1250" fill="hold"/>
-                                            <p:tgtEl>
-                                              <p:spTgt spid="17"/>
-                                            </p:tgtEl>
-                                            <p:attrNameLst>
-                                              <p:attrName>ppt_y</p:attrName>
-                                            </p:attrNameLst>
-                                          </p:cBhvr>
-                                          <p:tavLst>
-                                            <p:tav tm="0">
-                                              <p:val>
-                                                <p:strVal val="1+#ppt_h/2"/>
-                                              </p:val>
-                                            </p:tav>
-                                            <p:tav tm="100000">
-                                              <p:val>
-                                                <p:strVal val="#ppt_y"/>
-                                              </p:val>
-                                            </p:tav>
-                                          </p:tavLst>
-                                        </p:anim>
-                                      </p:childTnLst>
-                                    </p:cTn>
-                                  </p:par>
-                                </p:childTnLst>
-                              </p:cTn>
-                            </p:par>
-                          </p:childTnLst>
-                        </p:cTn>
-                      </p:par>
-                    </p:childTnLst>
-                  </p:cTn>
-                  <p:prevCondLst>
-                    <p:cond evt="onPrev" delay="0">
-                      <p:tgtEl>
-                        <p:sldTgt/>
-                      </p:tgtEl>
-                    </p:cond>
-                  </p:prevCondLst>
-                  <p:nextCondLst>
-                    <p:cond evt="onNext" delay="0">
-                      <p:tgtEl>
-                        <p:sldTgt/>
-                      </p:tgtEl>
-                    </p:cond>
-                  </p:nextCondLst>
-                </p:seq>
-              </p:childTnLst>
-            </p:cTn>
-          </p:par>
-        </p:tnLst>
-      </p:timing>
-    </mc:Choice>
-    <mc:Fallback xmlns="">
-      <p:timing>
-        <p:tnLst>
-          <p:par>
-            <p:cTn id="1" dur="indefinite" restart="never" nodeType="tmRoot">
-              <p:childTnLst>
-                <p:seq concurrent="1" nextAc="seek">
-                  <p:cTn id="2" dur="indefinite" nodeType="mainSeq">
-                    <p:childTnLst>
-                      <p:par>
-                        <p:cTn id="3" fill="hold">
-                          <p:stCondLst>
-                            <p:cond delay="indefinite"/>
-                            <p:cond evt="onBegin" delay="0">
-                              <p:tn val="2"/>
-                            </p:cond>
-                          </p:stCondLst>
-                          <p:childTnLst>
-                            <p:par>
-                              <p:cTn id="4" fill="hold">
-                                <p:stCondLst>
-                                  <p:cond delay="0"/>
-                                </p:stCondLst>
-                                <p:childTnLst>
-                                  <p:par>
-                                    <p:cTn id="5" presetID="2" presetClass="entr" presetSubtype="4" fill="hold" nodeType="withEffect">
-                                      <p:stCondLst>
-                                        <p:cond delay="0"/>
-                                      </p:stCondLst>
-                                      <p:childTnLst>
-                                        <p:set>
-                                          <p:cBhvr>
-                                            <p:cTn id="6" dur="1" fill="hold">
-                                              <p:stCondLst>
-                                                <p:cond delay="0"/>
-                                              </p:stCondLst>
-                                            </p:cTn>
-                                            <p:tgtEl>
-                                              <p:spTgt spid="25"/>
-                                            </p:tgtEl>
-                                            <p:attrNameLst>
-                                              <p:attrName>style.visibility</p:attrName>
-                                            </p:attrNameLst>
-                                          </p:cBhvr>
-                                          <p:to>
-                                            <p:strVal val="visible"/>
-                                          </p:to>
-                                        </p:set>
-                                        <p:anim calcmode="lin" valueType="num">
-                                          <p:cBhvr additive="base">
-                                            <p:cTn id="7" dur="1250" fill="hold"/>
-                                            <p:tgtEl>
-                                              <p:spTgt spid="25"/>
-                                            </p:tgtEl>
-                                            <p:attrNameLst>
-                                              <p:attrName>ppt_x</p:attrName>
-                                            </p:attrNameLst>
-                                          </p:cBhvr>
-                                          <p:tavLst>
-                                            <p:tav tm="0">
-                                              <p:val>
-                                                <p:strVal val="#ppt_x"/>
-                                              </p:val>
-                                            </p:tav>
-                                            <p:tav tm="100000">
-                                              <p:val>
-                                                <p:strVal val="#ppt_x"/>
-                                              </p:val>
-                                            </p:tav>
-                                          </p:tavLst>
-                                        </p:anim>
-                                        <p:anim calcmode="lin" valueType="num">
-                                          <p:cBhvr additive="base">
-                                            <p:cTn id="8" dur="1250" fill="hold"/>
-                                            <p:tgtEl>
-                                              <p:spTgt spid="25"/>
-                                            </p:tgtEl>
-                                            <p:attrNameLst>
-                                              <p:attrName>ppt_y</p:attrName>
-                                            </p:attrNameLst>
-                                          </p:cBhvr>
-                                          <p:tavLst>
-                                            <p:tav tm="0">
-                                              <p:val>
-                                                <p:strVal val="1+#ppt_h/2"/>
-                                              </p:val>
-                                            </p:tav>
-                                            <p:tav tm="100000">
-                                              <p:val>
-                                                <p:strVal val="#ppt_y"/>
-                                              </p:val>
-                                            </p:tav>
-                                          </p:tavLst>
-                                        </p:anim>
-                                      </p:childTnLst>
-                                    </p:cTn>
-                                  </p:par>
-                                  <p:par>
-                                    <p:cTn id="9" presetID="2" presetClass="entr" presetSubtype="4" fill="hold" nodeType="withEffect">
-                                      <p:stCondLst>
-                                        <p:cond delay="0"/>
-                                      </p:stCondLst>
-                                      <p:childTnLst>
-                                        <p:set>
-                                          <p:cBhvr>
-                                            <p:cTn id="10" dur="1" fill="hold">
-                                              <p:stCondLst>
-                                                <p:cond delay="0"/>
-                                              </p:stCondLst>
-                                            </p:cTn>
-                                            <p:tgtEl>
-                                              <p:spTgt spid="17"/>
-                                            </p:tgtEl>
-                                            <p:attrNameLst>
-                                              <p:attrName>style.visibility</p:attrName>
-                                            </p:attrNameLst>
-                                          </p:cBhvr>
-                                          <p:to>
-                                            <p:strVal val="visible"/>
-                                          </p:to>
-                                        </p:set>
-                                        <p:anim calcmode="lin" valueType="num">
-                                          <p:cBhvr additive="base">
-                                            <p:cTn id="11" dur="1250" fill="hold"/>
-                                            <p:tgtEl>
-                                              <p:spTgt spid="17"/>
-                                            </p:tgtEl>
-                                            <p:attrNameLst>
-                                              <p:attrName>ppt_x</p:attrName>
-                                            </p:attrNameLst>
-                                          </p:cBhvr>
-                                          <p:tavLst>
-                                            <p:tav tm="0">
-                                              <p:val>
-                                                <p:strVal val="#ppt_x"/>
-                                              </p:val>
-                                            </p:tav>
-                                            <p:tav tm="100000">
-                                              <p:val>
-                                                <p:strVal val="#ppt_x"/>
-                                              </p:val>
-                                            </p:tav>
-                                          </p:tavLst>
-                                        </p:anim>
-                                        <p:anim calcmode="lin" valueType="num">
-                                          <p:cBhvr additive="base">
-                                            <p:cTn id="12" dur="1250" fill="hold"/>
-                                            <p:tgtEl>
-                                              <p:spTgt spid="17"/>
-                                            </p:tgtEl>
-                                            <p:attrNameLst>
-                                              <p:attrName>ppt_y</p:attrName>
-                                            </p:attrNameLst>
-                                          </p:cBhvr>
-                                          <p:tavLst>
-                                            <p:tav tm="0">
-                                              <p:val>
-                                                <p:strVal val="1+#ppt_h/2"/>
-                                              </p:val>
-                                            </p:tav>
-                                            <p:tav tm="100000">
-                                              <p:val>
-                                                <p:strVal val="#ppt_y"/>
-                                              </p:val>
-                                            </p:tav>
-                                          </p:tavLst>
-                                        </p:anim>
-                                      </p:childTnLst>
-                                    </p:cTn>
-                                  </p:par>
-                                </p:childTnLst>
-                              </p:cTn>
-                            </p:par>
-                          </p:childTnLst>
-                        </p:cTn>
-                      </p:par>
-                    </p:childTnLst>
-                  </p:cTn>
-                  <p:prevCondLst>
-                    <p:cond evt="onPrev" delay="0">
-                      <p:tgtEl>
-                        <p:sldTgt/>
-                      </p:tgtEl>
-                    </p:cond>
-                  </p:prevCondLst>
-                  <p:nextCondLst>
-                    <p:cond evt="onNext" delay="0">
-                      <p:tgtEl>
-                        <p:sldTgt/>
-                      </p:tgtEl>
-                    </p:cond>
-                  </p:nextCondLst>
-                </p:seq>
-              </p:childTnLst>
-            </p:cTn>
-          </p:par>
-        </p:tnLst>
-      </p:timing>
-    </mc:Fallback>
-  </mc:AlternateContent>
 </p:sld>
 </file>
 
@@ -16963,7 +16090,14 @@
                 <a:latin typeface="Arial" panose="020B0604020202020204" pitchFamily="34" charset="0"/>
                 <a:cs typeface="Arial" panose="020B0604020202020204" pitchFamily="34" charset="0"/>
               </a:rPr>
-              <a:t> test: 3953 </a:t>
+              <a:t> test</a:t>
+            </a:r>
+            <a:r>
+              <a:rPr lang="en-US" sz="1500">
+                <a:latin typeface="Arial" panose="020B0604020202020204" pitchFamily="34" charset="0"/>
+                <a:cs typeface="Arial" panose="020B0604020202020204" pitchFamily="34" charset="0"/>
+              </a:rPr>
+              <a:t>: 3971 </a:t>
             </a:r>
             <a:r>
               <a:rPr lang="en-US" sz="1500" dirty="0" err="1">
@@ -18084,8 +17218,8 @@
         </p:nvSpPr>
         <p:spPr>
           <a:xfrm>
-            <a:off x="4762312" y="1"/>
-            <a:ext cx="7393033" cy="6858000"/>
+            <a:off x="4762313" y="1"/>
+            <a:ext cx="6694582" cy="2560319"/>
           </a:xfrm>
         </p:spPr>
         <p:txBody>
@@ -18101,68 +17235,79 @@
               <a:buNone/>
             </a:pPr>
             <a:r>
-              <a:rPr lang="en-US" sz="1600" b="1" dirty="0">
+              <a:rPr lang="en-US" sz="1800" b="1" dirty="0">
                 <a:latin typeface="Arial" panose="020B0604020202020204" pitchFamily="34" charset="0"/>
                 <a:cs typeface="Arial" panose="020B0604020202020204" pitchFamily="34" charset="0"/>
               </a:rPr>
               <a:t>2) </a:t>
             </a:r>
             <a:r>
-              <a:rPr lang="en-US" sz="1600" b="1" dirty="0" err="1">
+              <a:rPr lang="en-US" sz="1800" b="1" dirty="0" err="1">
                 <a:latin typeface="Arial" panose="020B0604020202020204" pitchFamily="34" charset="0"/>
                 <a:cs typeface="Arial" panose="020B0604020202020204" pitchFamily="34" charset="0"/>
               </a:rPr>
               <a:t>Tiền</a:t>
             </a:r>
             <a:r>
-              <a:rPr lang="en-US" sz="1600" b="1" dirty="0">
-                <a:latin typeface="Arial" panose="020B0604020202020204" pitchFamily="34" charset="0"/>
-                <a:cs typeface="Arial" panose="020B0604020202020204" pitchFamily="34" charset="0"/>
-              </a:rPr>
-              <a:t> </a:t>
-            </a:r>
-            <a:r>
-              <a:rPr lang="en-US" sz="1600" b="1" dirty="0" err="1">
+              <a:rPr lang="en-US" sz="1800" b="1" dirty="0">
+                <a:latin typeface="Arial" panose="020B0604020202020204" pitchFamily="34" charset="0"/>
+                <a:cs typeface="Arial" panose="020B0604020202020204" pitchFamily="34" charset="0"/>
+              </a:rPr>
+              <a:t> </a:t>
+            </a:r>
+            <a:r>
+              <a:rPr lang="en-US" sz="1800" b="1" dirty="0" err="1">
                 <a:latin typeface="Arial" panose="020B0604020202020204" pitchFamily="34" charset="0"/>
                 <a:cs typeface="Arial" panose="020B0604020202020204" pitchFamily="34" charset="0"/>
               </a:rPr>
               <a:t>xử</a:t>
             </a:r>
             <a:r>
-              <a:rPr lang="en-US" sz="1600" b="1" dirty="0">
-                <a:latin typeface="Arial" panose="020B0604020202020204" pitchFamily="34" charset="0"/>
-                <a:cs typeface="Arial" panose="020B0604020202020204" pitchFamily="34" charset="0"/>
-              </a:rPr>
-              <a:t> </a:t>
-            </a:r>
-            <a:r>
-              <a:rPr lang="en-US" sz="1600" b="1" dirty="0" err="1">
+              <a:rPr lang="en-US" sz="1800" b="1" dirty="0">
+                <a:latin typeface="Arial" panose="020B0604020202020204" pitchFamily="34" charset="0"/>
+                <a:cs typeface="Arial" panose="020B0604020202020204" pitchFamily="34" charset="0"/>
+              </a:rPr>
+              <a:t> </a:t>
+            </a:r>
+            <a:r>
+              <a:rPr lang="en-US" sz="1800" b="1" dirty="0" err="1">
                 <a:latin typeface="Arial" panose="020B0604020202020204" pitchFamily="34" charset="0"/>
                 <a:cs typeface="Arial" panose="020B0604020202020204" pitchFamily="34" charset="0"/>
               </a:rPr>
               <a:t>lý</a:t>
             </a:r>
             <a:r>
-              <a:rPr lang="en-US" sz="1600" b="1" dirty="0">
-                <a:latin typeface="Arial" panose="020B0604020202020204" pitchFamily="34" charset="0"/>
-                <a:cs typeface="Arial" panose="020B0604020202020204" pitchFamily="34" charset="0"/>
-              </a:rPr>
-              <a:t> </a:t>
-            </a:r>
-            <a:r>
-              <a:rPr lang="en-US" sz="1600" b="1" err="1">
+              <a:rPr lang="en-US" sz="1800" b="1" dirty="0">
+                <a:latin typeface="Arial" panose="020B0604020202020204" pitchFamily="34" charset="0"/>
+                <a:cs typeface="Arial" panose="020B0604020202020204" pitchFamily="34" charset="0"/>
+              </a:rPr>
+              <a:t> </a:t>
+            </a:r>
+            <a:r>
+              <a:rPr lang="en-US" sz="1800" b="1" dirty="0" err="1">
                 <a:latin typeface="Arial" panose="020B0604020202020204" pitchFamily="34" charset="0"/>
                 <a:cs typeface="Arial" panose="020B0604020202020204" pitchFamily="34" charset="0"/>
               </a:rPr>
               <a:t>dữ</a:t>
             </a:r>
             <a:r>
-              <a:rPr lang="en-US" sz="1600" b="1">
-                <a:latin typeface="Arial" panose="020B0604020202020204" pitchFamily="34" charset="0"/>
-                <a:cs typeface="Arial" panose="020B0604020202020204" pitchFamily="34" charset="0"/>
-              </a:rPr>
-              <a:t> liệu</a:t>
-            </a:r>
+              <a:rPr lang="en-US" sz="1800" b="1" dirty="0">
+                <a:latin typeface="Arial" panose="020B0604020202020204" pitchFamily="34" charset="0"/>
+                <a:cs typeface="Arial" panose="020B0604020202020204" pitchFamily="34" charset="0"/>
+              </a:rPr>
+              <a:t> </a:t>
+            </a:r>
+            <a:r>
+              <a:rPr lang="en-US" sz="1800" b="1" dirty="0" err="1">
+                <a:latin typeface="Arial" panose="020B0604020202020204" pitchFamily="34" charset="0"/>
+                <a:cs typeface="Arial" panose="020B0604020202020204" pitchFamily="34" charset="0"/>
+              </a:rPr>
+              <a:t>liệu</a:t>
+            </a:r>
+            <a:endParaRPr lang="en-US" sz="1800" b="1" dirty="0">
+              <a:latin typeface="Arial" panose="020B0604020202020204" pitchFamily="34" charset="0"/>
+              <a:cs typeface="Arial" panose="020B0604020202020204" pitchFamily="34" charset="0"/>
+            </a:endParaRPr>
           </a:p>
           <a:p>
             <a:pPr>
@@ -18173,11 +17318,130 @@
               <a:buChar char="-"/>
             </a:pPr>
             <a:r>
-              <a:rPr lang="en-US" sz="1600">
-                <a:latin typeface="Arial" panose="020B0604020202020204" pitchFamily="34" charset="0"/>
-                <a:cs typeface="Arial" panose="020B0604020202020204" pitchFamily="34" charset="0"/>
-              </a:rPr>
-              <a:t>Loại bỏ các ký tự đặc biệc trong cột gross.</a:t>
+              <a:rPr lang="en-US" sz="1800" dirty="0" err="1">
+                <a:latin typeface="Arial" panose="020B0604020202020204" pitchFamily="34" charset="0"/>
+                <a:cs typeface="Arial" panose="020B0604020202020204" pitchFamily="34" charset="0"/>
+              </a:rPr>
+              <a:t>Loại</a:t>
+            </a:r>
+            <a:r>
+              <a:rPr lang="en-US" sz="1800" dirty="0">
+                <a:latin typeface="Arial" panose="020B0604020202020204" pitchFamily="34" charset="0"/>
+                <a:cs typeface="Arial" panose="020B0604020202020204" pitchFamily="34" charset="0"/>
+              </a:rPr>
+              <a:t> </a:t>
+            </a:r>
+            <a:r>
+              <a:rPr lang="en-US" sz="1800" dirty="0" err="1">
+                <a:latin typeface="Arial" panose="020B0604020202020204" pitchFamily="34" charset="0"/>
+                <a:cs typeface="Arial" panose="020B0604020202020204" pitchFamily="34" charset="0"/>
+              </a:rPr>
+              <a:t>bỏ</a:t>
+            </a:r>
+            <a:r>
+              <a:rPr lang="en-US" sz="1800" dirty="0">
+                <a:latin typeface="Arial" panose="020B0604020202020204" pitchFamily="34" charset="0"/>
+                <a:cs typeface="Arial" panose="020B0604020202020204" pitchFamily="34" charset="0"/>
+              </a:rPr>
+              <a:t> </a:t>
+            </a:r>
+            <a:r>
+              <a:rPr lang="en-US" sz="1800" dirty="0" err="1">
+                <a:latin typeface="Arial" panose="020B0604020202020204" pitchFamily="34" charset="0"/>
+                <a:cs typeface="Arial" panose="020B0604020202020204" pitchFamily="34" charset="0"/>
+              </a:rPr>
+              <a:t>các</a:t>
+            </a:r>
+            <a:r>
+              <a:rPr lang="en-US" sz="1800" dirty="0">
+                <a:latin typeface="Arial" panose="020B0604020202020204" pitchFamily="34" charset="0"/>
+                <a:cs typeface="Arial" panose="020B0604020202020204" pitchFamily="34" charset="0"/>
+              </a:rPr>
+              <a:t> </a:t>
+            </a:r>
+            <a:r>
+              <a:rPr lang="en-US" sz="1800" dirty="0" err="1">
+                <a:latin typeface="Arial" panose="020B0604020202020204" pitchFamily="34" charset="0"/>
+                <a:cs typeface="Arial" panose="020B0604020202020204" pitchFamily="34" charset="0"/>
+              </a:rPr>
+              <a:t>ký</a:t>
+            </a:r>
+            <a:r>
+              <a:rPr lang="en-US" sz="1800" dirty="0">
+                <a:latin typeface="Arial" panose="020B0604020202020204" pitchFamily="34" charset="0"/>
+                <a:cs typeface="Arial" panose="020B0604020202020204" pitchFamily="34" charset="0"/>
+              </a:rPr>
+              <a:t> </a:t>
+            </a:r>
+            <a:r>
+              <a:rPr lang="en-US" sz="1800" dirty="0" err="1">
+                <a:latin typeface="Arial" panose="020B0604020202020204" pitchFamily="34" charset="0"/>
+                <a:cs typeface="Arial" panose="020B0604020202020204" pitchFamily="34" charset="0"/>
+              </a:rPr>
+              <a:t>tự</a:t>
+            </a:r>
+            <a:r>
+              <a:rPr lang="en-US" sz="1800" dirty="0">
+                <a:latin typeface="Arial" panose="020B0604020202020204" pitchFamily="34" charset="0"/>
+                <a:cs typeface="Arial" panose="020B0604020202020204" pitchFamily="34" charset="0"/>
+              </a:rPr>
+              <a:t> </a:t>
+            </a:r>
+            <a:r>
+              <a:rPr lang="en-US" sz="1800" dirty="0" err="1">
+                <a:latin typeface="Arial" panose="020B0604020202020204" pitchFamily="34" charset="0"/>
+                <a:cs typeface="Arial" panose="020B0604020202020204" pitchFamily="34" charset="0"/>
+              </a:rPr>
+              <a:t>đặc</a:t>
+            </a:r>
+            <a:r>
+              <a:rPr lang="en-US" sz="1800" dirty="0">
+                <a:latin typeface="Arial" panose="020B0604020202020204" pitchFamily="34" charset="0"/>
+                <a:cs typeface="Arial" panose="020B0604020202020204" pitchFamily="34" charset="0"/>
+              </a:rPr>
+              <a:t> </a:t>
+            </a:r>
+            <a:r>
+              <a:rPr lang="en-US" sz="1800" dirty="0" err="1">
+                <a:latin typeface="Arial" panose="020B0604020202020204" pitchFamily="34" charset="0"/>
+                <a:cs typeface="Arial" panose="020B0604020202020204" pitchFamily="34" charset="0"/>
+              </a:rPr>
+              <a:t>biệc</a:t>
+            </a:r>
+            <a:r>
+              <a:rPr lang="en-US" sz="1800" dirty="0">
+                <a:latin typeface="Arial" panose="020B0604020202020204" pitchFamily="34" charset="0"/>
+                <a:cs typeface="Arial" panose="020B0604020202020204" pitchFamily="34" charset="0"/>
+              </a:rPr>
+              <a:t> </a:t>
+            </a:r>
+            <a:r>
+              <a:rPr lang="en-US" sz="1800" dirty="0" err="1">
+                <a:latin typeface="Arial" panose="020B0604020202020204" pitchFamily="34" charset="0"/>
+                <a:cs typeface="Arial" panose="020B0604020202020204" pitchFamily="34" charset="0"/>
+              </a:rPr>
+              <a:t>trong</a:t>
+            </a:r>
+            <a:r>
+              <a:rPr lang="en-US" sz="1800" dirty="0">
+                <a:latin typeface="Arial" panose="020B0604020202020204" pitchFamily="34" charset="0"/>
+                <a:cs typeface="Arial" panose="020B0604020202020204" pitchFamily="34" charset="0"/>
+              </a:rPr>
+              <a:t> </a:t>
+            </a:r>
+            <a:r>
+              <a:rPr lang="en-US" sz="1800" dirty="0" err="1">
+                <a:latin typeface="Arial" panose="020B0604020202020204" pitchFamily="34" charset="0"/>
+                <a:cs typeface="Arial" panose="020B0604020202020204" pitchFamily="34" charset="0"/>
+              </a:rPr>
+              <a:t>cột</a:t>
+            </a:r>
+            <a:r>
+              <a:rPr lang="en-US" sz="1800" dirty="0">
+                <a:latin typeface="Arial" panose="020B0604020202020204" pitchFamily="34" charset="0"/>
+                <a:cs typeface="Arial" panose="020B0604020202020204" pitchFamily="34" charset="0"/>
+              </a:rPr>
+              <a:t> gross.</a:t>
             </a:r>
           </a:p>
           <a:p>
@@ -18189,7 +17453,7 @@
               <a:buChar char="-"/>
             </a:pPr>
             <a:r>
-              <a:rPr lang="en-US" sz="1600">
+              <a:rPr lang="en-US" sz="1800" dirty="0">
                 <a:latin typeface="Arial" panose="020B0604020202020204" pitchFamily="34" charset="0"/>
                 <a:cs typeface="Arial" panose="020B0604020202020204" pitchFamily="34" charset="0"/>
               </a:rPr>
@@ -18205,11 +17469,144 @@
               <a:buChar char="-"/>
             </a:pPr>
             <a:r>
-              <a:rPr lang="en-US" sz="1600">
-                <a:latin typeface="Arial" panose="020B0604020202020204" pitchFamily="34" charset="0"/>
-                <a:cs typeface="Arial" panose="020B0604020202020204" pitchFamily="34" charset="0"/>
-              </a:rPr>
-              <a:t>Loại bỏ những dòng trùng nhau, hoặc dòng có rating bằng 0.</a:t>
+              <a:rPr lang="en-US" sz="1800" dirty="0" err="1">
+                <a:latin typeface="Arial" panose="020B0604020202020204" pitchFamily="34" charset="0"/>
+                <a:cs typeface="Arial" panose="020B0604020202020204" pitchFamily="34" charset="0"/>
+              </a:rPr>
+              <a:t>Loại</a:t>
+            </a:r>
+            <a:r>
+              <a:rPr lang="en-US" sz="1800" dirty="0">
+                <a:latin typeface="Arial" panose="020B0604020202020204" pitchFamily="34" charset="0"/>
+                <a:cs typeface="Arial" panose="020B0604020202020204" pitchFamily="34" charset="0"/>
+              </a:rPr>
+              <a:t> </a:t>
+            </a:r>
+            <a:r>
+              <a:rPr lang="en-US" sz="1800" dirty="0" err="1">
+                <a:latin typeface="Arial" panose="020B0604020202020204" pitchFamily="34" charset="0"/>
+                <a:cs typeface="Arial" panose="020B0604020202020204" pitchFamily="34" charset="0"/>
+              </a:rPr>
+              <a:t>bỏ</a:t>
+            </a:r>
+            <a:r>
+              <a:rPr lang="en-US" sz="1800" dirty="0">
+                <a:latin typeface="Arial" panose="020B0604020202020204" pitchFamily="34" charset="0"/>
+                <a:cs typeface="Arial" panose="020B0604020202020204" pitchFamily="34" charset="0"/>
+              </a:rPr>
+              <a:t> </a:t>
+            </a:r>
+            <a:r>
+              <a:rPr lang="en-US" sz="1800" dirty="0" err="1">
+                <a:latin typeface="Arial" panose="020B0604020202020204" pitchFamily="34" charset="0"/>
+                <a:cs typeface="Arial" panose="020B0604020202020204" pitchFamily="34" charset="0"/>
+              </a:rPr>
+              <a:t>những</a:t>
+            </a:r>
+            <a:r>
+              <a:rPr lang="en-US" sz="1800" dirty="0">
+                <a:latin typeface="Arial" panose="020B0604020202020204" pitchFamily="34" charset="0"/>
+                <a:cs typeface="Arial" panose="020B0604020202020204" pitchFamily="34" charset="0"/>
+              </a:rPr>
+              <a:t> </a:t>
+            </a:r>
+            <a:r>
+              <a:rPr lang="en-US" sz="1800" dirty="0" err="1">
+                <a:latin typeface="Arial" panose="020B0604020202020204" pitchFamily="34" charset="0"/>
+                <a:cs typeface="Arial" panose="020B0604020202020204" pitchFamily="34" charset="0"/>
+              </a:rPr>
+              <a:t>dòng</a:t>
+            </a:r>
+            <a:r>
+              <a:rPr lang="en-US" sz="1800" dirty="0">
+                <a:latin typeface="Arial" panose="020B0604020202020204" pitchFamily="34" charset="0"/>
+                <a:cs typeface="Arial" panose="020B0604020202020204" pitchFamily="34" charset="0"/>
+              </a:rPr>
+              <a:t> </a:t>
+            </a:r>
+            <a:r>
+              <a:rPr lang="en-US" sz="1800" dirty="0" err="1">
+                <a:latin typeface="Arial" panose="020B0604020202020204" pitchFamily="34" charset="0"/>
+                <a:cs typeface="Arial" panose="020B0604020202020204" pitchFamily="34" charset="0"/>
+              </a:rPr>
+              <a:t>trùng</a:t>
+            </a:r>
+            <a:r>
+              <a:rPr lang="en-US" sz="1800" dirty="0">
+                <a:latin typeface="Arial" panose="020B0604020202020204" pitchFamily="34" charset="0"/>
+                <a:cs typeface="Arial" panose="020B0604020202020204" pitchFamily="34" charset="0"/>
+              </a:rPr>
+              <a:t> </a:t>
+            </a:r>
+            <a:r>
+              <a:rPr lang="en-US" sz="1800" dirty="0" err="1">
+                <a:latin typeface="Arial" panose="020B0604020202020204" pitchFamily="34" charset="0"/>
+                <a:cs typeface="Arial" panose="020B0604020202020204" pitchFamily="34" charset="0"/>
+              </a:rPr>
+              <a:t>nhau</a:t>
+            </a:r>
+            <a:r>
+              <a:rPr lang="en-US" sz="1800" dirty="0">
+                <a:latin typeface="Arial" panose="020B0604020202020204" pitchFamily="34" charset="0"/>
+                <a:cs typeface="Arial" panose="020B0604020202020204" pitchFamily="34" charset="0"/>
+              </a:rPr>
+              <a:t>, </a:t>
+            </a:r>
+            <a:r>
+              <a:rPr lang="en-US" sz="1800" dirty="0" err="1">
+                <a:latin typeface="Arial" panose="020B0604020202020204" pitchFamily="34" charset="0"/>
+                <a:cs typeface="Arial" panose="020B0604020202020204" pitchFamily="34" charset="0"/>
+              </a:rPr>
+              <a:t>hoặc</a:t>
+            </a:r>
+            <a:r>
+              <a:rPr lang="en-US" sz="1800" dirty="0">
+                <a:latin typeface="Arial" panose="020B0604020202020204" pitchFamily="34" charset="0"/>
+                <a:cs typeface="Arial" panose="020B0604020202020204" pitchFamily="34" charset="0"/>
+              </a:rPr>
+              <a:t> </a:t>
+            </a:r>
+            <a:r>
+              <a:rPr lang="en-US" sz="1800" dirty="0" err="1">
+                <a:latin typeface="Arial" panose="020B0604020202020204" pitchFamily="34" charset="0"/>
+                <a:cs typeface="Arial" panose="020B0604020202020204" pitchFamily="34" charset="0"/>
+              </a:rPr>
+              <a:t>dòng</a:t>
+            </a:r>
+            <a:r>
+              <a:rPr lang="en-US" sz="1800" dirty="0">
+                <a:latin typeface="Arial" panose="020B0604020202020204" pitchFamily="34" charset="0"/>
+                <a:cs typeface="Arial" panose="020B0604020202020204" pitchFamily="34" charset="0"/>
+              </a:rPr>
+              <a:t> </a:t>
+            </a:r>
+            <a:r>
+              <a:rPr lang="en-US" sz="1800" dirty="0" err="1">
+                <a:latin typeface="Arial" panose="020B0604020202020204" pitchFamily="34" charset="0"/>
+                <a:cs typeface="Arial" panose="020B0604020202020204" pitchFamily="34" charset="0"/>
+              </a:rPr>
+              <a:t>có</a:t>
+            </a:r>
+            <a:r>
+              <a:rPr lang="en-US" sz="1800" dirty="0">
+                <a:latin typeface="Arial" panose="020B0604020202020204" pitchFamily="34" charset="0"/>
+                <a:cs typeface="Arial" panose="020B0604020202020204" pitchFamily="34" charset="0"/>
+              </a:rPr>
+              <a:t> rating </a:t>
+            </a:r>
+            <a:r>
+              <a:rPr lang="en-US" sz="1800" dirty="0" err="1">
+                <a:latin typeface="Arial" panose="020B0604020202020204" pitchFamily="34" charset="0"/>
+                <a:cs typeface="Arial" panose="020B0604020202020204" pitchFamily="34" charset="0"/>
+              </a:rPr>
+              <a:t>bằng</a:t>
+            </a:r>
+            <a:r>
+              <a:rPr lang="en-US" sz="1800" dirty="0">
+                <a:latin typeface="Arial" panose="020B0604020202020204" pitchFamily="34" charset="0"/>
+                <a:cs typeface="Arial" panose="020B0604020202020204" pitchFamily="34" charset="0"/>
+              </a:rPr>
+              <a:t> 0.</a:t>
             </a:r>
           </a:p>
           <a:p>
@@ -18221,11 +17618,81 @@
               <a:buChar char="-"/>
             </a:pPr>
             <a:r>
-              <a:rPr lang="en-US" sz="1600">
-                <a:latin typeface="Arial" panose="020B0604020202020204" pitchFamily="34" charset="0"/>
-                <a:cs typeface="Arial" panose="020B0604020202020204" pitchFamily="34" charset="0"/>
-              </a:rPr>
-              <a:t>Chia tập train và validation với tỉ lệ 70:30</a:t>
+              <a:rPr lang="en-US" sz="1800" dirty="0">
+                <a:latin typeface="Arial" panose="020B0604020202020204" pitchFamily="34" charset="0"/>
+                <a:cs typeface="Arial" panose="020B0604020202020204" pitchFamily="34" charset="0"/>
+              </a:rPr>
+              <a:t>Chia </a:t>
+            </a:r>
+            <a:r>
+              <a:rPr lang="en-US" sz="1800" dirty="0" err="1">
+                <a:latin typeface="Arial" panose="020B0604020202020204" pitchFamily="34" charset="0"/>
+                <a:cs typeface="Arial" panose="020B0604020202020204" pitchFamily="34" charset="0"/>
+              </a:rPr>
+              <a:t>tập</a:t>
+            </a:r>
+            <a:r>
+              <a:rPr lang="en-US" sz="1800" dirty="0">
+                <a:latin typeface="Arial" panose="020B0604020202020204" pitchFamily="34" charset="0"/>
+                <a:cs typeface="Arial" panose="020B0604020202020204" pitchFamily="34" charset="0"/>
+              </a:rPr>
+              <a:t> train </a:t>
+            </a:r>
+            <a:r>
+              <a:rPr lang="en-US" sz="1800" dirty="0" err="1">
+                <a:latin typeface="Arial" panose="020B0604020202020204" pitchFamily="34" charset="0"/>
+                <a:cs typeface="Arial" panose="020B0604020202020204" pitchFamily="34" charset="0"/>
+              </a:rPr>
+              <a:t>và</a:t>
+            </a:r>
+            <a:r>
+              <a:rPr lang="en-US" sz="1800" dirty="0">
+                <a:latin typeface="Arial" panose="020B0604020202020204" pitchFamily="34" charset="0"/>
+                <a:cs typeface="Arial" panose="020B0604020202020204" pitchFamily="34" charset="0"/>
+              </a:rPr>
+              <a:t> validation </a:t>
+            </a:r>
+            <a:r>
+              <a:rPr lang="en-US" sz="1800" dirty="0" err="1">
+                <a:latin typeface="Arial" panose="020B0604020202020204" pitchFamily="34" charset="0"/>
+                <a:cs typeface="Arial" panose="020B0604020202020204" pitchFamily="34" charset="0"/>
+              </a:rPr>
+              <a:t>với</a:t>
+            </a:r>
+            <a:r>
+              <a:rPr lang="en-US" sz="1800" dirty="0">
+                <a:latin typeface="Arial" panose="020B0604020202020204" pitchFamily="34" charset="0"/>
+                <a:cs typeface="Arial" panose="020B0604020202020204" pitchFamily="34" charset="0"/>
+              </a:rPr>
+              <a:t> </a:t>
+            </a:r>
+            <a:r>
+              <a:rPr lang="en-US" sz="1800" dirty="0" err="1">
+                <a:latin typeface="Arial" panose="020B0604020202020204" pitchFamily="34" charset="0"/>
+                <a:cs typeface="Arial" panose="020B0604020202020204" pitchFamily="34" charset="0"/>
+              </a:rPr>
+              <a:t>tỉ</a:t>
+            </a:r>
+            <a:r>
+              <a:rPr lang="en-US" sz="1800" dirty="0">
+                <a:latin typeface="Arial" panose="020B0604020202020204" pitchFamily="34" charset="0"/>
+                <a:cs typeface="Arial" panose="020B0604020202020204" pitchFamily="34" charset="0"/>
+              </a:rPr>
+              <a:t> </a:t>
+            </a:r>
+            <a:r>
+              <a:rPr lang="en-US" sz="1800" dirty="0" err="1">
+                <a:latin typeface="Arial" panose="020B0604020202020204" pitchFamily="34" charset="0"/>
+                <a:cs typeface="Arial" panose="020B0604020202020204" pitchFamily="34" charset="0"/>
+              </a:rPr>
+              <a:t>lệ</a:t>
+            </a:r>
+            <a:r>
+              <a:rPr lang="en-US" sz="1800" dirty="0">
+                <a:latin typeface="Arial" panose="020B0604020202020204" pitchFamily="34" charset="0"/>
+                <a:cs typeface="Arial" panose="020B0604020202020204" pitchFamily="34" charset="0"/>
+              </a:rPr>
+              <a:t> 70:30.</a:t>
             </a:r>
           </a:p>
           <a:p>
@@ -18236,7 +17703,7 @@
               <a:buFontTx/>
               <a:buChar char="-"/>
             </a:pPr>
-            <a:endParaRPr lang="en-US" sz="1600">
+            <a:endParaRPr lang="en-US" sz="1800" dirty="0">
               <a:latin typeface="Arial" panose="020B0604020202020204" pitchFamily="34" charset="0"/>
               <a:cs typeface="Arial" panose="020B0604020202020204" pitchFamily="34" charset="0"/>
             </a:endParaRPr>
@@ -18248,7 +17715,7 @@
               </a:lnSpc>
               <a:buNone/>
             </a:pPr>
-            <a:endParaRPr lang="en-US" sz="1600">
+            <a:endParaRPr lang="en-US" sz="1800" dirty="0">
               <a:latin typeface="Arial" panose="020B0604020202020204" pitchFamily="34" charset="0"/>
               <a:cs typeface="Arial" panose="020B0604020202020204" pitchFamily="34" charset="0"/>
             </a:endParaRPr>
@@ -18261,7 +17728,918 @@
               <a:buFontTx/>
               <a:buChar char="-"/>
             </a:pPr>
-            <a:endParaRPr lang="en-US" sz="1600" b="1">
+            <a:endParaRPr lang="en-US" sz="1800" b="1" dirty="0">
+              <a:latin typeface="Arial" panose="020B0604020202020204" pitchFamily="34" charset="0"/>
+              <a:cs typeface="Arial" panose="020B0604020202020204" pitchFamily="34" charset="0"/>
+            </a:endParaRPr>
+          </a:p>
+        </p:txBody>
+      </p:sp>
+      <p:sp>
+        <p:nvSpPr>
+          <p:cNvPr id="6" name="Content Placeholder 9">
+            <a:extLst>
+              <a:ext uri="{FF2B5EF4-FFF2-40B4-BE49-F238E27FC236}">
+                <a16:creationId xmlns:a16="http://schemas.microsoft.com/office/drawing/2014/main" id="{668046A4-A390-4EFA-B830-BAB5FB6D865F}"/>
+              </a:ext>
+            </a:extLst>
+          </p:cNvPr>
+          <p:cNvSpPr txBox="1">
+            <a:spLocks/>
+          </p:cNvSpPr>
+          <p:nvPr/>
+        </p:nvSpPr>
+        <p:spPr>
+          <a:xfrm>
+            <a:off x="4762313" y="2700170"/>
+            <a:ext cx="7429687" cy="5292088"/>
+          </a:xfrm>
+          <a:prstGeom prst="rect">
+            <a:avLst/>
+          </a:prstGeom>
+        </p:spPr>
+        <p:txBody>
+          <a:bodyPr vert="horz" lIns="91440" tIns="45720" rIns="91440" bIns="45720" rtlCol="0">
+            <a:normAutofit/>
+          </a:bodyPr>
+          <a:lstStyle>
+            <a:lvl1pPr marL="228600" indent="-228600" algn="l" defTabSz="914400" rtl="0" eaLnBrk="1" latinLnBrk="0" hangingPunct="1">
+              <a:lnSpc>
+                <a:spcPct val="90000"/>
+              </a:lnSpc>
+              <a:spcBef>
+                <a:spcPts val="1000"/>
+              </a:spcBef>
+              <a:buFont typeface="Arial" panose="020B0604020202020204" pitchFamily="34" charset="0"/>
+              <a:buChar char="•"/>
+              <a:defRPr sz="2800" kern="1200">
+                <a:solidFill>
+                  <a:schemeClr val="tx1"/>
+                </a:solidFill>
+                <a:latin typeface="+mn-lt"/>
+                <a:ea typeface="+mn-ea"/>
+                <a:cs typeface="+mn-cs"/>
+              </a:defRPr>
+            </a:lvl1pPr>
+            <a:lvl2pPr marL="685800" indent="-228600" algn="l" defTabSz="914400" rtl="0" eaLnBrk="1" latinLnBrk="0" hangingPunct="1">
+              <a:lnSpc>
+                <a:spcPct val="90000"/>
+              </a:lnSpc>
+              <a:spcBef>
+                <a:spcPts val="500"/>
+              </a:spcBef>
+              <a:buFont typeface="Arial" panose="020B0604020202020204" pitchFamily="34" charset="0"/>
+              <a:buChar char="•"/>
+              <a:defRPr sz="2400" kern="1200">
+                <a:solidFill>
+                  <a:schemeClr val="tx1"/>
+                </a:solidFill>
+                <a:latin typeface="+mn-lt"/>
+                <a:ea typeface="+mn-ea"/>
+                <a:cs typeface="+mn-cs"/>
+              </a:defRPr>
+            </a:lvl2pPr>
+            <a:lvl3pPr marL="1143000" indent="-228600" algn="l" defTabSz="914400" rtl="0" eaLnBrk="1" latinLnBrk="0" hangingPunct="1">
+              <a:lnSpc>
+                <a:spcPct val="90000"/>
+              </a:lnSpc>
+              <a:spcBef>
+                <a:spcPts val="500"/>
+              </a:spcBef>
+              <a:buFont typeface="Arial" panose="020B0604020202020204" pitchFamily="34" charset="0"/>
+              <a:buChar char="•"/>
+              <a:defRPr sz="2000" kern="1200">
+                <a:solidFill>
+                  <a:schemeClr val="tx1"/>
+                </a:solidFill>
+                <a:latin typeface="+mn-lt"/>
+                <a:ea typeface="+mn-ea"/>
+                <a:cs typeface="+mn-cs"/>
+              </a:defRPr>
+            </a:lvl3pPr>
+            <a:lvl4pPr marL="1600200" indent="-228600" algn="l" defTabSz="914400" rtl="0" eaLnBrk="1" latinLnBrk="0" hangingPunct="1">
+              <a:lnSpc>
+                <a:spcPct val="90000"/>
+              </a:lnSpc>
+              <a:spcBef>
+                <a:spcPts val="500"/>
+              </a:spcBef>
+              <a:buFont typeface="Arial" panose="020B0604020202020204" pitchFamily="34" charset="0"/>
+              <a:buChar char="•"/>
+              <a:defRPr sz="1800" kern="1200">
+                <a:solidFill>
+                  <a:schemeClr val="tx1"/>
+                </a:solidFill>
+                <a:latin typeface="+mn-lt"/>
+                <a:ea typeface="+mn-ea"/>
+                <a:cs typeface="+mn-cs"/>
+              </a:defRPr>
+            </a:lvl4pPr>
+            <a:lvl5pPr marL="2057400" indent="-228600" algn="l" defTabSz="914400" rtl="0" eaLnBrk="1" latinLnBrk="0" hangingPunct="1">
+              <a:lnSpc>
+                <a:spcPct val="90000"/>
+              </a:lnSpc>
+              <a:spcBef>
+                <a:spcPts val="500"/>
+              </a:spcBef>
+              <a:buFont typeface="Arial" panose="020B0604020202020204" pitchFamily="34" charset="0"/>
+              <a:buChar char="•"/>
+              <a:defRPr sz="1800" kern="1200">
+                <a:solidFill>
+                  <a:schemeClr val="tx1"/>
+                </a:solidFill>
+                <a:latin typeface="+mn-lt"/>
+                <a:ea typeface="+mn-ea"/>
+                <a:cs typeface="+mn-cs"/>
+              </a:defRPr>
+            </a:lvl5pPr>
+            <a:lvl6pPr marL="2514600" indent="-228600" algn="l" defTabSz="914400" rtl="0" eaLnBrk="1" latinLnBrk="0" hangingPunct="1">
+              <a:lnSpc>
+                <a:spcPct val="90000"/>
+              </a:lnSpc>
+              <a:spcBef>
+                <a:spcPts val="500"/>
+              </a:spcBef>
+              <a:buFont typeface="Arial" panose="020B0604020202020204" pitchFamily="34" charset="0"/>
+              <a:buChar char="•"/>
+              <a:defRPr sz="1800" kern="1200">
+                <a:solidFill>
+                  <a:schemeClr val="tx1"/>
+                </a:solidFill>
+                <a:latin typeface="+mn-lt"/>
+                <a:ea typeface="+mn-ea"/>
+                <a:cs typeface="+mn-cs"/>
+              </a:defRPr>
+            </a:lvl6pPr>
+            <a:lvl7pPr marL="2971800" indent="-228600" algn="l" defTabSz="914400" rtl="0" eaLnBrk="1" latinLnBrk="0" hangingPunct="1">
+              <a:lnSpc>
+                <a:spcPct val="90000"/>
+              </a:lnSpc>
+              <a:spcBef>
+                <a:spcPts val="500"/>
+              </a:spcBef>
+              <a:buFont typeface="Arial" panose="020B0604020202020204" pitchFamily="34" charset="0"/>
+              <a:buChar char="•"/>
+              <a:defRPr sz="1800" kern="1200">
+                <a:solidFill>
+                  <a:schemeClr val="tx1"/>
+                </a:solidFill>
+                <a:latin typeface="+mn-lt"/>
+                <a:ea typeface="+mn-ea"/>
+                <a:cs typeface="+mn-cs"/>
+              </a:defRPr>
+            </a:lvl7pPr>
+            <a:lvl8pPr marL="3429000" indent="-228600" algn="l" defTabSz="914400" rtl="0" eaLnBrk="1" latinLnBrk="0" hangingPunct="1">
+              <a:lnSpc>
+                <a:spcPct val="90000"/>
+              </a:lnSpc>
+              <a:spcBef>
+                <a:spcPts val="500"/>
+              </a:spcBef>
+              <a:buFont typeface="Arial" panose="020B0604020202020204" pitchFamily="34" charset="0"/>
+              <a:buChar char="•"/>
+              <a:defRPr sz="1800" kern="1200">
+                <a:solidFill>
+                  <a:schemeClr val="tx1"/>
+                </a:solidFill>
+                <a:latin typeface="+mn-lt"/>
+                <a:ea typeface="+mn-ea"/>
+                <a:cs typeface="+mn-cs"/>
+              </a:defRPr>
+            </a:lvl8pPr>
+            <a:lvl9pPr marL="3886200" indent="-228600" algn="l" defTabSz="914400" rtl="0" eaLnBrk="1" latinLnBrk="0" hangingPunct="1">
+              <a:lnSpc>
+                <a:spcPct val="90000"/>
+              </a:lnSpc>
+              <a:spcBef>
+                <a:spcPts val="500"/>
+              </a:spcBef>
+              <a:buFont typeface="Arial" panose="020B0604020202020204" pitchFamily="34" charset="0"/>
+              <a:buChar char="•"/>
+              <a:defRPr sz="1800" kern="1200">
+                <a:solidFill>
+                  <a:schemeClr val="tx1"/>
+                </a:solidFill>
+                <a:latin typeface="+mn-lt"/>
+                <a:ea typeface="+mn-ea"/>
+                <a:cs typeface="+mn-cs"/>
+              </a:defRPr>
+            </a:lvl9pPr>
+          </a:lstStyle>
+          <a:p>
+            <a:pPr marL="0" indent="0">
+              <a:buFont typeface="Arial" panose="020B0604020202020204" pitchFamily="34" charset="0"/>
+              <a:buNone/>
+            </a:pPr>
+            <a:r>
+              <a:rPr lang="en-US" sz="1800" b="1" dirty="0">
+                <a:latin typeface="Arial" panose="020B0604020202020204" pitchFamily="34" charset="0"/>
+                <a:cs typeface="Arial" panose="020B0604020202020204" pitchFamily="34" charset="0"/>
+              </a:rPr>
+              <a:t>3) </a:t>
+            </a:r>
+            <a:r>
+              <a:rPr lang="en-US" sz="1800" b="1" dirty="0" err="1">
+                <a:latin typeface="Arial" panose="020B0604020202020204" pitchFamily="34" charset="0"/>
+                <a:cs typeface="Arial" panose="020B0604020202020204" pitchFamily="34" charset="0"/>
+              </a:rPr>
+              <a:t>Mô</a:t>
+            </a:r>
+            <a:r>
+              <a:rPr lang="en-US" sz="1800" b="1" dirty="0">
+                <a:latin typeface="Arial" panose="020B0604020202020204" pitchFamily="34" charset="0"/>
+                <a:cs typeface="Arial" panose="020B0604020202020204" pitchFamily="34" charset="0"/>
+              </a:rPr>
+              <a:t> </a:t>
+            </a:r>
+            <a:r>
+              <a:rPr lang="en-US" sz="1800" b="1" dirty="0" err="1">
+                <a:latin typeface="Arial" panose="020B0604020202020204" pitchFamily="34" charset="0"/>
+                <a:cs typeface="Arial" panose="020B0604020202020204" pitchFamily="34" charset="0"/>
+              </a:rPr>
+              <a:t>hình</a:t>
+            </a:r>
+            <a:r>
+              <a:rPr lang="en-US" sz="1800" b="1" dirty="0">
+                <a:latin typeface="Arial" panose="020B0604020202020204" pitchFamily="34" charset="0"/>
+                <a:cs typeface="Arial" panose="020B0604020202020204" pitchFamily="34" charset="0"/>
+              </a:rPr>
+              <a:t> </a:t>
+            </a:r>
+            <a:r>
+              <a:rPr lang="en-US" sz="1800" b="1" dirty="0" err="1">
+                <a:latin typeface="Arial" panose="020B0604020202020204" pitchFamily="34" charset="0"/>
+                <a:cs typeface="Arial" panose="020B0604020202020204" pitchFamily="34" charset="0"/>
+              </a:rPr>
+              <a:t>hóa</a:t>
+            </a:r>
+            <a:r>
+              <a:rPr lang="en-US" sz="1800" b="1" dirty="0">
+                <a:latin typeface="Arial" panose="020B0604020202020204" pitchFamily="34" charset="0"/>
+                <a:cs typeface="Arial" panose="020B0604020202020204" pitchFamily="34" charset="0"/>
+              </a:rPr>
+              <a:t> </a:t>
+            </a:r>
+            <a:r>
+              <a:rPr lang="en-US" sz="1800" b="1" dirty="0" err="1">
+                <a:latin typeface="Arial" panose="020B0604020202020204" pitchFamily="34" charset="0"/>
+                <a:cs typeface="Arial" panose="020B0604020202020204" pitchFamily="34" charset="0"/>
+              </a:rPr>
+              <a:t>dữ</a:t>
+            </a:r>
+            <a:r>
+              <a:rPr lang="en-US" sz="1800" b="1" dirty="0">
+                <a:latin typeface="Arial" panose="020B0604020202020204" pitchFamily="34" charset="0"/>
+                <a:cs typeface="Arial" panose="020B0604020202020204" pitchFamily="34" charset="0"/>
+              </a:rPr>
+              <a:t> </a:t>
+            </a:r>
+            <a:r>
+              <a:rPr lang="en-US" sz="1800" b="1" dirty="0" err="1">
+                <a:latin typeface="Arial" panose="020B0604020202020204" pitchFamily="34" charset="0"/>
+                <a:cs typeface="Arial" panose="020B0604020202020204" pitchFamily="34" charset="0"/>
+              </a:rPr>
+              <a:t>liệu</a:t>
+            </a:r>
+            <a:endParaRPr lang="en-US" sz="1800" b="1" dirty="0">
+              <a:latin typeface="Arial" panose="020B0604020202020204" pitchFamily="34" charset="0"/>
+              <a:cs typeface="Arial" panose="020B0604020202020204" pitchFamily="34" charset="0"/>
+            </a:endParaRPr>
+          </a:p>
+          <a:p>
+            <a:pPr>
+              <a:buFontTx/>
+              <a:buChar char="-"/>
+            </a:pPr>
+            <a:r>
+              <a:rPr lang="en-US" sz="1800" dirty="0" err="1">
+                <a:latin typeface="Arial" panose="020B0604020202020204" pitchFamily="34" charset="0"/>
+                <a:cs typeface="Arial" panose="020B0604020202020204" pitchFamily="34" charset="0"/>
+              </a:rPr>
+              <a:t>Loại</a:t>
+            </a:r>
+            <a:r>
+              <a:rPr lang="en-US" sz="1800" dirty="0">
+                <a:latin typeface="Arial" panose="020B0604020202020204" pitchFamily="34" charset="0"/>
+                <a:cs typeface="Arial" panose="020B0604020202020204" pitchFamily="34" charset="0"/>
+              </a:rPr>
+              <a:t> </a:t>
+            </a:r>
+            <a:r>
+              <a:rPr lang="en-US" sz="1800" dirty="0" err="1">
+                <a:latin typeface="Arial" panose="020B0604020202020204" pitchFamily="34" charset="0"/>
+                <a:cs typeface="Arial" panose="020B0604020202020204" pitchFamily="34" charset="0"/>
+              </a:rPr>
+              <a:t>bỏ</a:t>
+            </a:r>
+            <a:r>
+              <a:rPr lang="en-US" sz="1800" dirty="0">
+                <a:latin typeface="Arial" panose="020B0604020202020204" pitchFamily="34" charset="0"/>
+                <a:cs typeface="Arial" panose="020B0604020202020204" pitchFamily="34" charset="0"/>
+              </a:rPr>
+              <a:t> </a:t>
+            </a:r>
+            <a:r>
+              <a:rPr lang="en-US" sz="1800" dirty="0" err="1">
+                <a:latin typeface="Arial" panose="020B0604020202020204" pitchFamily="34" charset="0"/>
+                <a:cs typeface="Arial" panose="020B0604020202020204" pitchFamily="34" charset="0"/>
+              </a:rPr>
+              <a:t>cột</a:t>
+            </a:r>
+            <a:r>
+              <a:rPr lang="en-US" sz="1800" dirty="0">
+                <a:latin typeface="Arial" panose="020B0604020202020204" pitchFamily="34" charset="0"/>
+                <a:cs typeface="Arial" panose="020B0604020202020204" pitchFamily="34" charset="0"/>
+              </a:rPr>
+              <a:t> </a:t>
+            </a:r>
+            <a:r>
+              <a:rPr lang="en-US" sz="1800" b="1" dirty="0">
+                <a:latin typeface="Arial" panose="020B0604020202020204" pitchFamily="34" charset="0"/>
+                <a:cs typeface="Arial" panose="020B0604020202020204" pitchFamily="34" charset="0"/>
+              </a:rPr>
+              <a:t>title</a:t>
+            </a:r>
+            <a:r>
+              <a:rPr lang="en-US" sz="1800" dirty="0">
+                <a:latin typeface="Arial" panose="020B0604020202020204" pitchFamily="34" charset="0"/>
+                <a:cs typeface="Arial" panose="020B0604020202020204" pitchFamily="34" charset="0"/>
+              </a:rPr>
+              <a:t> </a:t>
+            </a:r>
+            <a:r>
+              <a:rPr lang="en-US" sz="1800" dirty="0" err="1">
+                <a:latin typeface="Arial" panose="020B0604020202020204" pitchFamily="34" charset="0"/>
+                <a:cs typeface="Arial" panose="020B0604020202020204" pitchFamily="34" charset="0"/>
+              </a:rPr>
+              <a:t>và</a:t>
+            </a:r>
+            <a:r>
+              <a:rPr lang="en-US" sz="1800" dirty="0">
+                <a:latin typeface="Arial" panose="020B0604020202020204" pitchFamily="34" charset="0"/>
+                <a:cs typeface="Arial" panose="020B0604020202020204" pitchFamily="34" charset="0"/>
+              </a:rPr>
+              <a:t> </a:t>
+            </a:r>
+            <a:r>
+              <a:rPr lang="en-US" sz="1800" b="1" dirty="0">
+                <a:latin typeface="Arial" panose="020B0604020202020204" pitchFamily="34" charset="0"/>
+                <a:cs typeface="Arial" panose="020B0604020202020204" pitchFamily="34" charset="0"/>
+              </a:rPr>
+              <a:t>des.</a:t>
+            </a:r>
+            <a:endParaRPr lang="en-US" sz="1800" dirty="0">
+              <a:latin typeface="Arial" panose="020B0604020202020204" pitchFamily="34" charset="0"/>
+              <a:cs typeface="Arial" panose="020B0604020202020204" pitchFamily="34" charset="0"/>
+            </a:endParaRPr>
+          </a:p>
+          <a:p>
+            <a:pPr>
+              <a:buFontTx/>
+              <a:buChar char="-"/>
+            </a:pPr>
+            <a:r>
+              <a:rPr lang="en-US" sz="1800" dirty="0" err="1">
+                <a:latin typeface="Arial" panose="020B0604020202020204" pitchFamily="34" charset="0"/>
+                <a:cs typeface="Arial" panose="020B0604020202020204" pitchFamily="34" charset="0"/>
+              </a:rPr>
+              <a:t>Gồm</a:t>
+            </a:r>
+            <a:r>
+              <a:rPr lang="en-US" sz="1800" dirty="0">
+                <a:latin typeface="Arial" panose="020B0604020202020204" pitchFamily="34" charset="0"/>
+                <a:cs typeface="Arial" panose="020B0604020202020204" pitchFamily="34" charset="0"/>
+              </a:rPr>
+              <a:t> </a:t>
+            </a:r>
+            <a:r>
+              <a:rPr lang="en-US" sz="1800" dirty="0" err="1">
+                <a:latin typeface="Arial" panose="020B0604020202020204" pitchFamily="34" charset="0"/>
+                <a:cs typeface="Arial" panose="020B0604020202020204" pitchFamily="34" charset="0"/>
+              </a:rPr>
+              <a:t>có</a:t>
+            </a:r>
+            <a:r>
+              <a:rPr lang="en-US" sz="1800" dirty="0">
+                <a:latin typeface="Arial" panose="020B0604020202020204" pitchFamily="34" charset="0"/>
+                <a:cs typeface="Arial" panose="020B0604020202020204" pitchFamily="34" charset="0"/>
+              </a:rPr>
+              <a:t> 2 pipeline </a:t>
+            </a:r>
+            <a:r>
+              <a:rPr lang="en-US" sz="1800" dirty="0" err="1">
+                <a:latin typeface="Arial" panose="020B0604020202020204" pitchFamily="34" charset="0"/>
+                <a:cs typeface="Arial" panose="020B0604020202020204" pitchFamily="34" charset="0"/>
+              </a:rPr>
+              <a:t>chính</a:t>
+            </a:r>
+            <a:r>
+              <a:rPr lang="en-US" sz="1800" dirty="0">
+                <a:latin typeface="Arial" panose="020B0604020202020204" pitchFamily="34" charset="0"/>
+                <a:cs typeface="Arial" panose="020B0604020202020204" pitchFamily="34" charset="0"/>
+              </a:rPr>
+              <a:t>:</a:t>
+            </a:r>
+          </a:p>
+          <a:p>
+            <a:pPr lvl="1">
+              <a:buFontTx/>
+              <a:buChar char="-"/>
+            </a:pPr>
+            <a:r>
+              <a:rPr lang="en-US" sz="1800" dirty="0">
+                <a:latin typeface="Arial" panose="020B0604020202020204" pitchFamily="34" charset="0"/>
+                <a:cs typeface="Arial" panose="020B0604020202020204" pitchFamily="34" charset="0"/>
+              </a:rPr>
+              <a:t>Preprocess pipeline: </a:t>
+            </a:r>
+          </a:p>
+          <a:p>
+            <a:pPr lvl="2">
+              <a:buFontTx/>
+              <a:buChar char="-"/>
+            </a:pPr>
+            <a:r>
+              <a:rPr lang="en-US" sz="1800" dirty="0" err="1">
+                <a:latin typeface="Arial" panose="020B0604020202020204" pitchFamily="34" charset="0"/>
+                <a:cs typeface="Arial" panose="020B0604020202020204" pitchFamily="34" charset="0"/>
+              </a:rPr>
+              <a:t>Tính</a:t>
+            </a:r>
+            <a:r>
+              <a:rPr lang="en-US" sz="1800" dirty="0">
+                <a:latin typeface="Arial" panose="020B0604020202020204" pitchFamily="34" charset="0"/>
+                <a:cs typeface="Arial" panose="020B0604020202020204" pitchFamily="34" charset="0"/>
+              </a:rPr>
+              <a:t> </a:t>
+            </a:r>
+            <a:r>
+              <a:rPr lang="en-US" sz="1800" dirty="0" err="1">
+                <a:latin typeface="Arial" panose="020B0604020202020204" pitchFamily="34" charset="0"/>
+                <a:cs typeface="Arial" panose="020B0604020202020204" pitchFamily="34" charset="0"/>
+              </a:rPr>
+              <a:t>giá</a:t>
+            </a:r>
+            <a:r>
+              <a:rPr lang="en-US" sz="1800" dirty="0">
+                <a:latin typeface="Arial" panose="020B0604020202020204" pitchFamily="34" charset="0"/>
+                <a:cs typeface="Arial" panose="020B0604020202020204" pitchFamily="34" charset="0"/>
+              </a:rPr>
+              <a:t> </a:t>
+            </a:r>
+            <a:r>
+              <a:rPr lang="en-US" sz="1800" dirty="0" err="1">
+                <a:latin typeface="Arial" panose="020B0604020202020204" pitchFamily="34" charset="0"/>
+                <a:cs typeface="Arial" panose="020B0604020202020204" pitchFamily="34" charset="0"/>
+              </a:rPr>
+              <a:t>trị</a:t>
+            </a:r>
+            <a:r>
+              <a:rPr lang="en-US" sz="1800" dirty="0">
+                <a:latin typeface="Arial" panose="020B0604020202020204" pitchFamily="34" charset="0"/>
+                <a:cs typeface="Arial" panose="020B0604020202020204" pitchFamily="34" charset="0"/>
+              </a:rPr>
+              <a:t> TF-IDF </a:t>
+            </a:r>
+            <a:r>
+              <a:rPr lang="en-US" sz="1800" dirty="0" err="1">
+                <a:latin typeface="Arial" panose="020B0604020202020204" pitchFamily="34" charset="0"/>
+                <a:cs typeface="Arial" panose="020B0604020202020204" pitchFamily="34" charset="0"/>
+              </a:rPr>
+              <a:t>của</a:t>
+            </a:r>
+            <a:r>
+              <a:rPr lang="en-US" sz="1800" dirty="0">
+                <a:latin typeface="Arial" panose="020B0604020202020204" pitchFamily="34" charset="0"/>
+                <a:cs typeface="Arial" panose="020B0604020202020204" pitchFamily="34" charset="0"/>
+              </a:rPr>
+              <a:t> </a:t>
+            </a:r>
+            <a:r>
+              <a:rPr lang="en-US" sz="1800" dirty="0" err="1">
+                <a:latin typeface="Arial" panose="020B0604020202020204" pitchFamily="34" charset="0"/>
+                <a:cs typeface="Arial" panose="020B0604020202020204" pitchFamily="34" charset="0"/>
+              </a:rPr>
+              <a:t>các</a:t>
+            </a:r>
+            <a:r>
+              <a:rPr lang="en-US" sz="1800" dirty="0">
+                <a:latin typeface="Arial" panose="020B0604020202020204" pitchFamily="34" charset="0"/>
+                <a:cs typeface="Arial" panose="020B0604020202020204" pitchFamily="34" charset="0"/>
+              </a:rPr>
+              <a:t> </a:t>
+            </a:r>
+            <a:r>
+              <a:rPr lang="en-US" sz="1800" dirty="0" err="1">
+                <a:latin typeface="Arial" panose="020B0604020202020204" pitchFamily="34" charset="0"/>
+                <a:cs typeface="Arial" panose="020B0604020202020204" pitchFamily="34" charset="0"/>
+              </a:rPr>
+              <a:t>phần</a:t>
+            </a:r>
+            <a:r>
+              <a:rPr lang="en-US" sz="1800" dirty="0">
+                <a:latin typeface="Arial" panose="020B0604020202020204" pitchFamily="34" charset="0"/>
+                <a:cs typeface="Arial" panose="020B0604020202020204" pitchFamily="34" charset="0"/>
+              </a:rPr>
+              <a:t> </a:t>
+            </a:r>
+            <a:r>
+              <a:rPr lang="en-US" sz="1800" dirty="0" err="1">
+                <a:latin typeface="Arial" panose="020B0604020202020204" pitchFamily="34" charset="0"/>
+                <a:cs typeface="Arial" panose="020B0604020202020204" pitchFamily="34" charset="0"/>
+              </a:rPr>
+              <a:t>tử</a:t>
+            </a:r>
+            <a:r>
+              <a:rPr lang="en-US" sz="1800" dirty="0">
+                <a:latin typeface="Arial" panose="020B0604020202020204" pitchFamily="34" charset="0"/>
+                <a:cs typeface="Arial" panose="020B0604020202020204" pitchFamily="34" charset="0"/>
+              </a:rPr>
+              <a:t> </a:t>
+            </a:r>
+            <a:r>
+              <a:rPr lang="en-US" sz="1800" dirty="0" err="1">
+                <a:latin typeface="Arial" panose="020B0604020202020204" pitchFamily="34" charset="0"/>
+                <a:cs typeface="Arial" panose="020B0604020202020204" pitchFamily="34" charset="0"/>
+              </a:rPr>
+              <a:t>trong</a:t>
+            </a:r>
+            <a:r>
+              <a:rPr lang="en-US" sz="1800" dirty="0">
+                <a:latin typeface="Arial" panose="020B0604020202020204" pitchFamily="34" charset="0"/>
+                <a:cs typeface="Arial" panose="020B0604020202020204" pitchFamily="34" charset="0"/>
+              </a:rPr>
+              <a:t> </a:t>
+            </a:r>
+            <a:r>
+              <a:rPr lang="en-US" sz="1800" dirty="0" err="1">
+                <a:latin typeface="Arial" panose="020B0604020202020204" pitchFamily="34" charset="0"/>
+                <a:cs typeface="Arial" panose="020B0604020202020204" pitchFamily="34" charset="0"/>
+              </a:rPr>
+              <a:t>cột</a:t>
+            </a:r>
+            <a:r>
+              <a:rPr lang="en-US" sz="1800" dirty="0">
+                <a:latin typeface="Arial" panose="020B0604020202020204" pitchFamily="34" charset="0"/>
+                <a:cs typeface="Arial" panose="020B0604020202020204" pitchFamily="34" charset="0"/>
+              </a:rPr>
+              <a:t>: genre, cast, director.</a:t>
+            </a:r>
+          </a:p>
+          <a:p>
+            <a:pPr lvl="2">
+              <a:buFontTx/>
+              <a:buChar char="-"/>
+            </a:pPr>
+            <a:r>
+              <a:rPr lang="en-US" sz="1800" dirty="0" err="1">
+                <a:latin typeface="Arial" panose="020B0604020202020204" pitchFamily="34" charset="0"/>
+                <a:cs typeface="Arial" panose="020B0604020202020204" pitchFamily="34" charset="0"/>
+              </a:rPr>
+              <a:t>Thay</a:t>
+            </a:r>
+            <a:r>
+              <a:rPr lang="en-US" sz="1800" dirty="0">
+                <a:latin typeface="Arial" panose="020B0604020202020204" pitchFamily="34" charset="0"/>
+                <a:cs typeface="Arial" panose="020B0604020202020204" pitchFamily="34" charset="0"/>
+              </a:rPr>
+              <a:t> </a:t>
+            </a:r>
+            <a:r>
+              <a:rPr lang="en-US" sz="1800" dirty="0" err="1">
+                <a:latin typeface="Arial" panose="020B0604020202020204" pitchFamily="34" charset="0"/>
+                <a:cs typeface="Arial" panose="020B0604020202020204" pitchFamily="34" charset="0"/>
+              </a:rPr>
+              <a:t>thế</a:t>
+            </a:r>
+            <a:r>
+              <a:rPr lang="en-US" sz="1800" dirty="0">
+                <a:latin typeface="Arial" panose="020B0604020202020204" pitchFamily="34" charset="0"/>
+                <a:cs typeface="Arial" panose="020B0604020202020204" pitchFamily="34" charset="0"/>
+              </a:rPr>
+              <a:t> </a:t>
+            </a:r>
+            <a:r>
+              <a:rPr lang="en-US" sz="1800" dirty="0" err="1">
+                <a:latin typeface="Arial" panose="020B0604020202020204" pitchFamily="34" charset="0"/>
+                <a:cs typeface="Arial" panose="020B0604020202020204" pitchFamily="34" charset="0"/>
+              </a:rPr>
+              <a:t>các</a:t>
+            </a:r>
+            <a:r>
+              <a:rPr lang="en-US" sz="1800" dirty="0">
+                <a:latin typeface="Arial" panose="020B0604020202020204" pitchFamily="34" charset="0"/>
+                <a:cs typeface="Arial" panose="020B0604020202020204" pitchFamily="34" charset="0"/>
+              </a:rPr>
+              <a:t> </a:t>
+            </a:r>
+            <a:r>
+              <a:rPr lang="en-US" sz="1800" dirty="0" err="1">
+                <a:latin typeface="Arial" panose="020B0604020202020204" pitchFamily="34" charset="0"/>
+                <a:cs typeface="Arial" panose="020B0604020202020204" pitchFamily="34" charset="0"/>
+              </a:rPr>
+              <a:t>giá</a:t>
+            </a:r>
+            <a:r>
+              <a:rPr lang="en-US" sz="1800" dirty="0">
+                <a:latin typeface="Arial" panose="020B0604020202020204" pitchFamily="34" charset="0"/>
+                <a:cs typeface="Arial" panose="020B0604020202020204" pitchFamily="34" charset="0"/>
+              </a:rPr>
+              <a:t> </a:t>
+            </a:r>
+            <a:r>
+              <a:rPr lang="en-US" sz="1800" dirty="0" err="1">
+                <a:latin typeface="Arial" panose="020B0604020202020204" pitchFamily="34" charset="0"/>
+                <a:cs typeface="Arial" panose="020B0604020202020204" pitchFamily="34" charset="0"/>
+              </a:rPr>
+              <a:t>trị</a:t>
+            </a:r>
+            <a:r>
+              <a:rPr lang="en-US" sz="1800" dirty="0">
+                <a:latin typeface="Arial" panose="020B0604020202020204" pitchFamily="34" charset="0"/>
+                <a:cs typeface="Arial" panose="020B0604020202020204" pitchFamily="34" charset="0"/>
+              </a:rPr>
+              <a:t> </a:t>
+            </a:r>
+            <a:r>
+              <a:rPr lang="en-US" sz="1800" dirty="0" err="1">
+                <a:latin typeface="Arial" panose="020B0604020202020204" pitchFamily="34" charset="0"/>
+                <a:cs typeface="Arial" panose="020B0604020202020204" pitchFamily="34" charset="0"/>
+              </a:rPr>
+              <a:t>thiếu</a:t>
+            </a:r>
+            <a:r>
+              <a:rPr lang="en-US" sz="1800" dirty="0">
+                <a:latin typeface="Arial" panose="020B0604020202020204" pitchFamily="34" charset="0"/>
+                <a:cs typeface="Arial" panose="020B0604020202020204" pitchFamily="34" charset="0"/>
+              </a:rPr>
+              <a:t> </a:t>
+            </a:r>
+            <a:r>
+              <a:rPr lang="en-US" sz="1800" dirty="0" err="1">
+                <a:latin typeface="Arial" panose="020B0604020202020204" pitchFamily="34" charset="0"/>
+                <a:cs typeface="Arial" panose="020B0604020202020204" pitchFamily="34" charset="0"/>
+              </a:rPr>
+              <a:t>của</a:t>
+            </a:r>
+            <a:r>
+              <a:rPr lang="en-US" sz="1800" dirty="0">
+                <a:latin typeface="Arial" panose="020B0604020202020204" pitchFamily="34" charset="0"/>
+                <a:cs typeface="Arial" panose="020B0604020202020204" pitchFamily="34" charset="0"/>
+              </a:rPr>
+              <a:t> </a:t>
+            </a:r>
+            <a:r>
+              <a:rPr lang="en-US" sz="1800" dirty="0" err="1">
+                <a:latin typeface="Arial" panose="020B0604020202020204" pitchFamily="34" charset="0"/>
+                <a:cs typeface="Arial" panose="020B0604020202020204" pitchFamily="34" charset="0"/>
+              </a:rPr>
+              <a:t>cột</a:t>
+            </a:r>
+            <a:r>
+              <a:rPr lang="en-US" sz="1800" dirty="0">
+                <a:latin typeface="Arial" panose="020B0604020202020204" pitchFamily="34" charset="0"/>
+                <a:cs typeface="Arial" panose="020B0604020202020204" pitchFamily="34" charset="0"/>
+              </a:rPr>
+              <a:t> gross </a:t>
+            </a:r>
+            <a:r>
+              <a:rPr lang="en-US" sz="1800" dirty="0" err="1">
+                <a:latin typeface="Arial" panose="020B0604020202020204" pitchFamily="34" charset="0"/>
+                <a:cs typeface="Arial" panose="020B0604020202020204" pitchFamily="34" charset="0"/>
+              </a:rPr>
+              <a:t>thành</a:t>
+            </a:r>
+            <a:r>
+              <a:rPr lang="en-US" sz="1800" dirty="0">
+                <a:latin typeface="Arial" panose="020B0604020202020204" pitchFamily="34" charset="0"/>
+                <a:cs typeface="Arial" panose="020B0604020202020204" pitchFamily="34" charset="0"/>
+              </a:rPr>
+              <a:t> </a:t>
+            </a:r>
+            <a:r>
+              <a:rPr lang="en-US" sz="1800" dirty="0" err="1">
+                <a:latin typeface="Arial" panose="020B0604020202020204" pitchFamily="34" charset="0"/>
+                <a:cs typeface="Arial" panose="020B0604020202020204" pitchFamily="34" charset="0"/>
+              </a:rPr>
+              <a:t>trung</a:t>
+            </a:r>
+            <a:r>
+              <a:rPr lang="en-US" sz="1800" dirty="0">
+                <a:latin typeface="Arial" panose="020B0604020202020204" pitchFamily="34" charset="0"/>
+                <a:cs typeface="Arial" panose="020B0604020202020204" pitchFamily="34" charset="0"/>
+              </a:rPr>
+              <a:t> </a:t>
+            </a:r>
+            <a:r>
+              <a:rPr lang="en-US" sz="1800" dirty="0" err="1">
+                <a:latin typeface="Arial" panose="020B0604020202020204" pitchFamily="34" charset="0"/>
+                <a:cs typeface="Arial" panose="020B0604020202020204" pitchFamily="34" charset="0"/>
+              </a:rPr>
+              <a:t>vị</a:t>
+            </a:r>
+            <a:r>
+              <a:rPr lang="en-US" sz="1800" dirty="0">
+                <a:latin typeface="Arial" panose="020B0604020202020204" pitchFamily="34" charset="0"/>
+                <a:cs typeface="Arial" panose="020B0604020202020204" pitchFamily="34" charset="0"/>
+              </a:rPr>
+              <a:t> </a:t>
+            </a:r>
+            <a:r>
+              <a:rPr lang="en-US" sz="1800" dirty="0" err="1">
+                <a:latin typeface="Arial" panose="020B0604020202020204" pitchFamily="34" charset="0"/>
+                <a:cs typeface="Arial" panose="020B0604020202020204" pitchFamily="34" charset="0"/>
+              </a:rPr>
+              <a:t>của</a:t>
+            </a:r>
+            <a:r>
+              <a:rPr lang="en-US" sz="1800" dirty="0">
+                <a:latin typeface="Arial" panose="020B0604020202020204" pitchFamily="34" charset="0"/>
+                <a:cs typeface="Arial" panose="020B0604020202020204" pitchFamily="34" charset="0"/>
+              </a:rPr>
+              <a:t> </a:t>
+            </a:r>
+            <a:r>
+              <a:rPr lang="en-US" sz="1800" dirty="0" err="1">
+                <a:latin typeface="Arial" panose="020B0604020202020204" pitchFamily="34" charset="0"/>
+                <a:cs typeface="Arial" panose="020B0604020202020204" pitchFamily="34" charset="0"/>
+              </a:rPr>
+              <a:t>cột</a:t>
+            </a:r>
+            <a:r>
+              <a:rPr lang="en-US" sz="1800" dirty="0">
+                <a:latin typeface="Arial" panose="020B0604020202020204" pitchFamily="34" charset="0"/>
+                <a:cs typeface="Arial" panose="020B0604020202020204" pitchFamily="34" charset="0"/>
+              </a:rPr>
+              <a:t> </a:t>
+            </a:r>
+            <a:r>
+              <a:rPr lang="en-US" sz="1800" dirty="0" err="1">
+                <a:latin typeface="Arial" panose="020B0604020202020204" pitchFamily="34" charset="0"/>
+                <a:cs typeface="Arial" panose="020B0604020202020204" pitchFamily="34" charset="0"/>
+              </a:rPr>
+              <a:t>đó</a:t>
+            </a:r>
+            <a:r>
+              <a:rPr lang="en-US" sz="1800" dirty="0">
+                <a:latin typeface="Arial" panose="020B0604020202020204" pitchFamily="34" charset="0"/>
+                <a:cs typeface="Arial" panose="020B0604020202020204" pitchFamily="34" charset="0"/>
+              </a:rPr>
+              <a:t>.</a:t>
+            </a:r>
+          </a:p>
+          <a:p>
+            <a:pPr lvl="2">
+              <a:buFontTx/>
+              <a:buChar char="-"/>
+            </a:pPr>
+            <a:r>
+              <a:rPr lang="en-US" sz="1800" dirty="0" err="1">
+                <a:latin typeface="Arial" panose="020B0604020202020204" pitchFamily="34" charset="0"/>
+                <a:cs typeface="Arial" panose="020B0604020202020204" pitchFamily="34" charset="0"/>
+              </a:rPr>
+              <a:t>Tiến</a:t>
+            </a:r>
+            <a:r>
+              <a:rPr lang="en-US" sz="1800" dirty="0">
+                <a:latin typeface="Arial" panose="020B0604020202020204" pitchFamily="34" charset="0"/>
+                <a:cs typeface="Arial" panose="020B0604020202020204" pitchFamily="34" charset="0"/>
+              </a:rPr>
+              <a:t> </a:t>
+            </a:r>
+            <a:r>
+              <a:rPr lang="en-US" sz="1800" dirty="0" err="1">
+                <a:latin typeface="Arial" panose="020B0604020202020204" pitchFamily="34" charset="0"/>
+                <a:cs typeface="Arial" panose="020B0604020202020204" pitchFamily="34" charset="0"/>
+              </a:rPr>
+              <a:t>hành</a:t>
+            </a:r>
+            <a:r>
+              <a:rPr lang="en-US" sz="1800" dirty="0">
+                <a:latin typeface="Arial" panose="020B0604020202020204" pitchFamily="34" charset="0"/>
+                <a:cs typeface="Arial" panose="020B0604020202020204" pitchFamily="34" charset="0"/>
+              </a:rPr>
+              <a:t> </a:t>
+            </a:r>
+            <a:r>
+              <a:rPr lang="en-US" sz="1800" dirty="0" err="1">
+                <a:latin typeface="Arial" panose="020B0604020202020204" pitchFamily="34" charset="0"/>
+                <a:cs typeface="Arial" panose="020B0604020202020204" pitchFamily="34" charset="0"/>
+              </a:rPr>
+              <a:t>chuẩn</a:t>
+            </a:r>
+            <a:r>
+              <a:rPr lang="en-US" sz="1800" dirty="0">
+                <a:latin typeface="Arial" panose="020B0604020202020204" pitchFamily="34" charset="0"/>
+                <a:cs typeface="Arial" panose="020B0604020202020204" pitchFamily="34" charset="0"/>
+              </a:rPr>
+              <a:t> </a:t>
+            </a:r>
+            <a:r>
+              <a:rPr lang="en-US" sz="1800" dirty="0" err="1">
+                <a:latin typeface="Arial" panose="020B0604020202020204" pitchFamily="34" charset="0"/>
+                <a:cs typeface="Arial" panose="020B0604020202020204" pitchFamily="34" charset="0"/>
+              </a:rPr>
+              <a:t>hóa</a:t>
+            </a:r>
+            <a:r>
+              <a:rPr lang="en-US" sz="1800" dirty="0">
+                <a:latin typeface="Arial" panose="020B0604020202020204" pitchFamily="34" charset="0"/>
+                <a:cs typeface="Arial" panose="020B0604020202020204" pitchFamily="34" charset="0"/>
+              </a:rPr>
+              <a:t> </a:t>
+            </a:r>
+            <a:r>
+              <a:rPr lang="en-US" sz="1800" dirty="0" err="1">
+                <a:latin typeface="Arial" panose="020B0604020202020204" pitchFamily="34" charset="0"/>
+                <a:cs typeface="Arial" panose="020B0604020202020204" pitchFamily="34" charset="0"/>
+              </a:rPr>
+              <a:t>dữ</a:t>
+            </a:r>
+            <a:r>
+              <a:rPr lang="en-US" sz="1800" dirty="0">
+                <a:latin typeface="Arial" panose="020B0604020202020204" pitchFamily="34" charset="0"/>
+                <a:cs typeface="Arial" panose="020B0604020202020204" pitchFamily="34" charset="0"/>
+              </a:rPr>
+              <a:t> </a:t>
+            </a:r>
+            <a:r>
+              <a:rPr lang="en-US" sz="1800" dirty="0" err="1">
+                <a:latin typeface="Arial" panose="020B0604020202020204" pitchFamily="34" charset="0"/>
+                <a:cs typeface="Arial" panose="020B0604020202020204" pitchFamily="34" charset="0"/>
+              </a:rPr>
+              <a:t>liệu</a:t>
+            </a:r>
+            <a:r>
+              <a:rPr lang="en-US" sz="1800" dirty="0">
+                <a:latin typeface="Arial" panose="020B0604020202020204" pitchFamily="34" charset="0"/>
+                <a:cs typeface="Arial" panose="020B0604020202020204" pitchFamily="34" charset="0"/>
+              </a:rPr>
+              <a:t>.</a:t>
+            </a:r>
+          </a:p>
+          <a:p>
+            <a:pPr lvl="1">
+              <a:buFontTx/>
+              <a:buChar char="-"/>
+            </a:pPr>
+            <a:r>
+              <a:rPr lang="en-US" sz="1800" dirty="0">
+                <a:latin typeface="Arial" panose="020B0604020202020204" pitchFamily="34" charset="0"/>
+                <a:cs typeface="Arial" panose="020B0604020202020204" pitchFamily="34" charset="0"/>
+              </a:rPr>
+              <a:t>Model pipeline:</a:t>
+            </a:r>
+          </a:p>
+          <a:p>
+            <a:pPr lvl="2">
+              <a:buFontTx/>
+              <a:buChar char="-"/>
+            </a:pPr>
+            <a:r>
+              <a:rPr lang="en-US" sz="1800" dirty="0">
+                <a:latin typeface="Arial" panose="020B0604020202020204" pitchFamily="34" charset="0"/>
+                <a:cs typeface="Arial" panose="020B0604020202020204" pitchFamily="34" charset="0"/>
+              </a:rPr>
+              <a:t>Linear Regression.</a:t>
+            </a:r>
+          </a:p>
+          <a:p>
+            <a:pPr lvl="2">
+              <a:buFontTx/>
+              <a:buChar char="-"/>
+            </a:pPr>
+            <a:r>
+              <a:rPr lang="en-US" sz="1800" dirty="0" err="1">
+                <a:latin typeface="Arial" panose="020B0604020202020204" pitchFamily="34" charset="0"/>
+                <a:cs typeface="Arial" panose="020B0604020202020204" pitchFamily="34" charset="0"/>
+              </a:rPr>
+              <a:t>RandomForest</a:t>
+            </a:r>
+            <a:r>
+              <a:rPr lang="en-US" sz="1800" dirty="0">
+                <a:latin typeface="Arial" panose="020B0604020202020204" pitchFamily="34" charset="0"/>
+                <a:cs typeface="Arial" panose="020B0604020202020204" pitchFamily="34" charset="0"/>
+              </a:rPr>
+              <a:t>.</a:t>
+            </a:r>
+          </a:p>
+          <a:p>
+            <a:pPr marL="914400" lvl="2" indent="0">
+              <a:buFont typeface="Arial" panose="020B0604020202020204" pitchFamily="34" charset="0"/>
+              <a:buNone/>
+            </a:pPr>
+            <a:endParaRPr lang="en-US" sz="1400" dirty="0">
+              <a:latin typeface="Arial" panose="020B0604020202020204" pitchFamily="34" charset="0"/>
+              <a:cs typeface="Arial" panose="020B0604020202020204" pitchFamily="34" charset="0"/>
+            </a:endParaRPr>
+          </a:p>
+          <a:p>
+            <a:pPr marL="0" indent="0">
+              <a:buFont typeface="Arial" panose="020B0604020202020204" pitchFamily="34" charset="0"/>
+              <a:buNone/>
+            </a:pPr>
+            <a:endParaRPr lang="en-US" sz="1400" b="1" dirty="0">
               <a:latin typeface="Arial" panose="020B0604020202020204" pitchFamily="34" charset="0"/>
               <a:cs typeface="Arial" panose="020B0604020202020204" pitchFamily="34" charset="0"/>
             </a:endParaRPr>
@@ -18344,207 +18722,6 @@
           </a:p>
         </p:txBody>
       </p:sp>
-      <p:sp>
-        <p:nvSpPr>
-          <p:cNvPr id="5" name="Content Placeholder 9">
-            <a:extLst>
-              <a:ext uri="{FF2B5EF4-FFF2-40B4-BE49-F238E27FC236}">
-                <a16:creationId xmlns:a16="http://schemas.microsoft.com/office/drawing/2014/main" id="{A1D587CD-FFCB-4AB8-A366-84EBC245702D}"/>
-              </a:ext>
-            </a:extLst>
-          </p:cNvPr>
-          <p:cNvSpPr>
-            <a:spLocks noGrp="1"/>
-          </p:cNvSpPr>
-          <p:nvPr>
-            <p:ph idx="1"/>
-          </p:nvPr>
-        </p:nvSpPr>
-        <p:spPr>
-          <a:xfrm>
-            <a:off x="450392" y="925830"/>
-            <a:ext cx="5325567" cy="5292088"/>
-          </a:xfrm>
-        </p:spPr>
-        <p:txBody>
-          <a:bodyPr>
-            <a:normAutofit/>
-          </a:bodyPr>
-          <a:lstStyle/>
-          <a:p>
-            <a:pPr marL="0" indent="0">
-              <a:buNone/>
-            </a:pPr>
-            <a:r>
-              <a:rPr lang="en-US" sz="1800" b="1">
-                <a:latin typeface="Arial" panose="020B0604020202020204" pitchFamily="34" charset="0"/>
-                <a:cs typeface="Arial" panose="020B0604020202020204" pitchFamily="34" charset="0"/>
-              </a:rPr>
-              <a:t>3) Mô hình hóa dữ liệu</a:t>
-            </a:r>
-          </a:p>
-          <a:p>
-            <a:pPr>
-              <a:buFontTx/>
-              <a:buChar char="-"/>
-            </a:pPr>
-            <a:r>
-              <a:rPr lang="en-US" sz="1800">
-                <a:latin typeface="Arial" panose="020B0604020202020204" pitchFamily="34" charset="0"/>
-                <a:cs typeface="Arial" panose="020B0604020202020204" pitchFamily="34" charset="0"/>
-              </a:rPr>
-              <a:t>Loại bỏ cột </a:t>
-            </a:r>
-            <a:r>
-              <a:rPr lang="en-US" sz="1800" b="1">
-                <a:latin typeface="Arial" panose="020B0604020202020204" pitchFamily="34" charset="0"/>
-                <a:cs typeface="Arial" panose="020B0604020202020204" pitchFamily="34" charset="0"/>
-              </a:rPr>
-              <a:t>title</a:t>
-            </a:r>
-            <a:r>
-              <a:rPr lang="en-US" sz="1800">
-                <a:latin typeface="Arial" panose="020B0604020202020204" pitchFamily="34" charset="0"/>
-                <a:cs typeface="Arial" panose="020B0604020202020204" pitchFamily="34" charset="0"/>
-              </a:rPr>
-              <a:t> và </a:t>
-            </a:r>
-            <a:r>
-              <a:rPr lang="en-US" sz="1800" b="1">
-                <a:latin typeface="Arial" panose="020B0604020202020204" pitchFamily="34" charset="0"/>
-                <a:cs typeface="Arial" panose="020B0604020202020204" pitchFamily="34" charset="0"/>
-              </a:rPr>
-              <a:t>des.</a:t>
-            </a:r>
-            <a:endParaRPr lang="en-US" sz="1800">
-              <a:latin typeface="Arial" panose="020B0604020202020204" pitchFamily="34" charset="0"/>
-              <a:cs typeface="Arial" panose="020B0604020202020204" pitchFamily="34" charset="0"/>
-            </a:endParaRPr>
-          </a:p>
-          <a:p>
-            <a:pPr>
-              <a:buFontTx/>
-              <a:buChar char="-"/>
-            </a:pPr>
-            <a:r>
-              <a:rPr lang="en-US" sz="1800">
-                <a:latin typeface="Arial" panose="020B0604020202020204" pitchFamily="34" charset="0"/>
-                <a:cs typeface="Arial" panose="020B0604020202020204" pitchFamily="34" charset="0"/>
-              </a:rPr>
-              <a:t>Gồm có 2 pipeline chính:</a:t>
-            </a:r>
-          </a:p>
-          <a:p>
-            <a:pPr lvl="1">
-              <a:buFontTx/>
-              <a:buChar char="-"/>
-            </a:pPr>
-            <a:r>
-              <a:rPr lang="en-US" sz="1800">
-                <a:latin typeface="Arial" panose="020B0604020202020204" pitchFamily="34" charset="0"/>
-                <a:cs typeface="Arial" panose="020B0604020202020204" pitchFamily="34" charset="0"/>
-              </a:rPr>
-              <a:t>Preprocess pipeline: </a:t>
-            </a:r>
-          </a:p>
-          <a:p>
-            <a:pPr lvl="2">
-              <a:buFontTx/>
-              <a:buChar char="-"/>
-            </a:pPr>
-            <a:r>
-              <a:rPr lang="en-US" sz="1800">
-                <a:latin typeface="Arial" panose="020B0604020202020204" pitchFamily="34" charset="0"/>
-                <a:cs typeface="Arial" panose="020B0604020202020204" pitchFamily="34" charset="0"/>
-              </a:rPr>
-              <a:t>Tính giá trị TF-IDF của các phần tử trong cột: genre, cast, director.</a:t>
-            </a:r>
-          </a:p>
-          <a:p>
-            <a:pPr lvl="2">
-              <a:buFontTx/>
-              <a:buChar char="-"/>
-            </a:pPr>
-            <a:r>
-              <a:rPr lang="en-US" sz="1800">
-                <a:latin typeface="Arial" panose="020B0604020202020204" pitchFamily="34" charset="0"/>
-                <a:cs typeface="Arial" panose="020B0604020202020204" pitchFamily="34" charset="0"/>
-              </a:rPr>
-              <a:t>Thay thế các giá trị thiếu của cột gross thành trung vị của cột đó.</a:t>
-            </a:r>
-          </a:p>
-          <a:p>
-            <a:pPr lvl="2">
-              <a:buFontTx/>
-              <a:buChar char="-"/>
-            </a:pPr>
-            <a:r>
-              <a:rPr lang="en-US" sz="1800">
-                <a:latin typeface="Arial" panose="020B0604020202020204" pitchFamily="34" charset="0"/>
-                <a:cs typeface="Arial" panose="020B0604020202020204" pitchFamily="34" charset="0"/>
-              </a:rPr>
-              <a:t>Tiến hành chuẩn hóa dữ liệu.</a:t>
-            </a:r>
-          </a:p>
-          <a:p>
-            <a:pPr lvl="1">
-              <a:buFontTx/>
-              <a:buChar char="-"/>
-            </a:pPr>
-            <a:r>
-              <a:rPr lang="en-US" sz="1800">
-                <a:latin typeface="Arial" panose="020B0604020202020204" pitchFamily="34" charset="0"/>
-                <a:cs typeface="Arial" panose="020B0604020202020204" pitchFamily="34" charset="0"/>
-              </a:rPr>
-              <a:t>Model pipeline:</a:t>
-            </a:r>
-          </a:p>
-          <a:p>
-            <a:pPr lvl="2">
-              <a:buFontTx/>
-              <a:buChar char="-"/>
-            </a:pPr>
-            <a:r>
-              <a:rPr lang="en-US" sz="1800">
-                <a:latin typeface="Arial" panose="020B0604020202020204" pitchFamily="34" charset="0"/>
-                <a:cs typeface="Arial" panose="020B0604020202020204" pitchFamily="34" charset="0"/>
-              </a:rPr>
-              <a:t>Linear Regression.</a:t>
-            </a:r>
-          </a:p>
-          <a:p>
-            <a:pPr lvl="2">
-              <a:buFontTx/>
-              <a:buChar char="-"/>
-            </a:pPr>
-            <a:r>
-              <a:rPr lang="en-US" sz="1800">
-                <a:latin typeface="Arial" panose="020B0604020202020204" pitchFamily="34" charset="0"/>
-                <a:cs typeface="Arial" panose="020B0604020202020204" pitchFamily="34" charset="0"/>
-              </a:rPr>
-              <a:t>RandomForest.</a:t>
-            </a:r>
-          </a:p>
-          <a:p>
-            <a:pPr marL="914400" lvl="2" indent="0">
-              <a:buNone/>
-            </a:pPr>
-            <a:endParaRPr lang="en-US" sz="1400">
-              <a:latin typeface="Arial" panose="020B0604020202020204" pitchFamily="34" charset="0"/>
-              <a:cs typeface="Arial" panose="020B0604020202020204" pitchFamily="34" charset="0"/>
-            </a:endParaRPr>
-          </a:p>
-          <a:p>
-            <a:pPr marL="0" indent="0">
-              <a:buNone/>
-            </a:pPr>
-            <a:endParaRPr lang="en-US" sz="1400" b="1">
-              <a:latin typeface="Arial" panose="020B0604020202020204" pitchFamily="34" charset="0"/>
-              <a:cs typeface="Arial" panose="020B0604020202020204" pitchFamily="34" charset="0"/>
-            </a:endParaRPr>
-          </a:p>
-        </p:txBody>
-      </p:sp>
       <p:pic>
         <p:nvPicPr>
           <p:cNvPr id="1030" name="Picture 6">
@@ -18652,7 +18829,7 @@
         <p:spPr>
           <a:xfrm>
             <a:off x="6580040" y="6079351"/>
-            <a:ext cx="4493643" cy="307777"/>
+            <a:ext cx="4493643" cy="738664"/>
           </a:xfrm>
           <a:prstGeom prst="rect">
             <a:avLst/>
@@ -18667,23 +18844,790 @@
           <a:p>
             <a:pPr algn="ctr"/>
             <a:r>
-              <a:rPr lang="en-US" sz="1400" err="1">
+              <a:rPr lang="en-US" sz="1400" dirty="0" err="1">
                 <a:latin typeface="Arial" panose="020B0604020202020204" pitchFamily="34" charset="0"/>
                 <a:cs typeface="Arial" panose="020B0604020202020204" pitchFamily="34" charset="0"/>
               </a:rPr>
               <a:t>Hình</a:t>
             </a:r>
             <a:r>
-              <a:rPr lang="en-US" sz="1400">
-                <a:latin typeface="Arial" panose="020B0604020202020204" pitchFamily="34" charset="0"/>
-                <a:cs typeface="Arial" panose="020B0604020202020204" pitchFamily="34" charset="0"/>
-              </a:rPr>
-              <a:t> 3: Kết quả.</a:t>
-            </a:r>
-            <a:endParaRPr lang="en-US" sz="1400" dirty="0">
-              <a:latin typeface="Arial" panose="020B0604020202020204" pitchFamily="34" charset="0"/>
-              <a:cs typeface="Arial" panose="020B0604020202020204" pitchFamily="34" charset="0"/>
-            </a:endParaRPr>
+              <a:rPr lang="en-US" sz="1400" dirty="0">
+                <a:latin typeface="Arial" panose="020B0604020202020204" pitchFamily="34" charset="0"/>
+                <a:cs typeface="Arial" panose="020B0604020202020204" pitchFamily="34" charset="0"/>
+              </a:rPr>
+              <a:t> 3: </a:t>
+            </a:r>
+            <a:r>
+              <a:rPr lang="en-US" sz="1400" dirty="0" err="1">
+                <a:latin typeface="Arial" panose="020B0604020202020204" pitchFamily="34" charset="0"/>
+                <a:cs typeface="Arial" panose="020B0604020202020204" pitchFamily="34" charset="0"/>
+              </a:rPr>
+              <a:t>Biểu</a:t>
+            </a:r>
+            <a:r>
+              <a:rPr lang="en-US" sz="1400" dirty="0">
+                <a:latin typeface="Arial" panose="020B0604020202020204" pitchFamily="34" charset="0"/>
+                <a:cs typeface="Arial" panose="020B0604020202020204" pitchFamily="34" charset="0"/>
+              </a:rPr>
+              <a:t> </a:t>
+            </a:r>
+            <a:r>
+              <a:rPr lang="en-US" sz="1400" dirty="0" err="1">
+                <a:latin typeface="Arial" panose="020B0604020202020204" pitchFamily="34" charset="0"/>
+                <a:cs typeface="Arial" panose="020B0604020202020204" pitchFamily="34" charset="0"/>
+              </a:rPr>
+              <a:t>đồ</a:t>
+            </a:r>
+            <a:r>
+              <a:rPr lang="en-US" sz="1400" dirty="0">
+                <a:latin typeface="Arial" panose="020B0604020202020204" pitchFamily="34" charset="0"/>
+                <a:cs typeface="Arial" panose="020B0604020202020204" pitchFamily="34" charset="0"/>
+              </a:rPr>
+              <a:t> </a:t>
+            </a:r>
+            <a:r>
+              <a:rPr lang="en-US" sz="1400" dirty="0" err="1">
+                <a:latin typeface="Arial" panose="020B0604020202020204" pitchFamily="34" charset="0"/>
+                <a:cs typeface="Arial" panose="020B0604020202020204" pitchFamily="34" charset="0"/>
+              </a:rPr>
+              <a:t>thể</a:t>
+            </a:r>
+            <a:r>
+              <a:rPr lang="en-US" sz="1400" dirty="0">
+                <a:latin typeface="Arial" panose="020B0604020202020204" pitchFamily="34" charset="0"/>
+                <a:cs typeface="Arial" panose="020B0604020202020204" pitchFamily="34" charset="0"/>
+              </a:rPr>
+              <a:t> </a:t>
+            </a:r>
+            <a:r>
+              <a:rPr lang="en-US" sz="1400" dirty="0" err="1">
+                <a:latin typeface="Arial" panose="020B0604020202020204" pitchFamily="34" charset="0"/>
+                <a:cs typeface="Arial" panose="020B0604020202020204" pitchFamily="34" charset="0"/>
+              </a:rPr>
+              <a:t>hiện</a:t>
+            </a:r>
+            <a:r>
+              <a:rPr lang="en-US" sz="1400" dirty="0">
+                <a:latin typeface="Arial" panose="020B0604020202020204" pitchFamily="34" charset="0"/>
+                <a:cs typeface="Arial" panose="020B0604020202020204" pitchFamily="34" charset="0"/>
+              </a:rPr>
+              <a:t> </a:t>
+            </a:r>
+            <a:r>
+              <a:rPr lang="en-US" sz="1400" dirty="0" err="1">
+                <a:latin typeface="Arial" panose="020B0604020202020204" pitchFamily="34" charset="0"/>
+                <a:cs typeface="Arial" panose="020B0604020202020204" pitchFamily="34" charset="0"/>
+              </a:rPr>
+              <a:t>sự</a:t>
+            </a:r>
+            <a:r>
+              <a:rPr lang="en-US" sz="1400" dirty="0">
+                <a:latin typeface="Arial" panose="020B0604020202020204" pitchFamily="34" charset="0"/>
+                <a:cs typeface="Arial" panose="020B0604020202020204" pitchFamily="34" charset="0"/>
+              </a:rPr>
+              <a:t> t</a:t>
+            </a:r>
+            <a:r>
+              <a:rPr lang="vi-VN" sz="1400" dirty="0">
+                <a:latin typeface="Arial" panose="020B0604020202020204" pitchFamily="34" charset="0"/>
+                <a:cs typeface="Arial" panose="020B0604020202020204" pitchFamily="34" charset="0"/>
+              </a:rPr>
+              <a:t>ư</a:t>
+            </a:r>
+            <a:r>
+              <a:rPr lang="en-US" sz="1400" dirty="0" err="1">
+                <a:latin typeface="Arial" panose="020B0604020202020204" pitchFamily="34" charset="0"/>
+                <a:cs typeface="Arial" panose="020B0604020202020204" pitchFamily="34" charset="0"/>
+              </a:rPr>
+              <a:t>ơng</a:t>
+            </a:r>
+            <a:r>
+              <a:rPr lang="en-US" sz="1400" dirty="0">
+                <a:latin typeface="Arial" panose="020B0604020202020204" pitchFamily="34" charset="0"/>
+                <a:cs typeface="Arial" panose="020B0604020202020204" pitchFamily="34" charset="0"/>
+              </a:rPr>
+              <a:t> </a:t>
+            </a:r>
+            <a:r>
+              <a:rPr lang="en-US" sz="1400" dirty="0" err="1">
+                <a:latin typeface="Arial" panose="020B0604020202020204" pitchFamily="34" charset="0"/>
+                <a:cs typeface="Arial" panose="020B0604020202020204" pitchFamily="34" charset="0"/>
+              </a:rPr>
+              <a:t>đồng</a:t>
+            </a:r>
+            <a:r>
+              <a:rPr lang="en-US" sz="1400" dirty="0">
+                <a:latin typeface="Arial" panose="020B0604020202020204" pitchFamily="34" charset="0"/>
+                <a:cs typeface="Arial" panose="020B0604020202020204" pitchFamily="34" charset="0"/>
+              </a:rPr>
+              <a:t> </a:t>
+            </a:r>
+            <a:r>
+              <a:rPr lang="en-US" sz="1400" dirty="0" err="1">
+                <a:latin typeface="Arial" panose="020B0604020202020204" pitchFamily="34" charset="0"/>
+                <a:cs typeface="Arial" panose="020B0604020202020204" pitchFamily="34" charset="0"/>
+              </a:rPr>
+              <a:t>giữa</a:t>
+            </a:r>
+            <a:r>
+              <a:rPr lang="en-US" sz="1400" dirty="0">
+                <a:latin typeface="Arial" panose="020B0604020202020204" pitchFamily="34" charset="0"/>
+                <a:cs typeface="Arial" panose="020B0604020202020204" pitchFamily="34" charset="0"/>
+              </a:rPr>
+              <a:t> rating </a:t>
+            </a:r>
+            <a:r>
+              <a:rPr lang="en-US" sz="1400" dirty="0" err="1">
+                <a:latin typeface="Arial" panose="020B0604020202020204" pitchFamily="34" charset="0"/>
+                <a:cs typeface="Arial" panose="020B0604020202020204" pitchFamily="34" charset="0"/>
+              </a:rPr>
+              <a:t>dự</a:t>
+            </a:r>
+            <a:r>
+              <a:rPr lang="en-US" sz="1400" dirty="0">
+                <a:latin typeface="Arial" panose="020B0604020202020204" pitchFamily="34" charset="0"/>
+                <a:cs typeface="Arial" panose="020B0604020202020204" pitchFamily="34" charset="0"/>
+              </a:rPr>
+              <a:t> </a:t>
+            </a:r>
+            <a:r>
+              <a:rPr lang="en-US" sz="1400" dirty="0" err="1">
+                <a:latin typeface="Arial" panose="020B0604020202020204" pitchFamily="34" charset="0"/>
+                <a:cs typeface="Arial" panose="020B0604020202020204" pitchFamily="34" charset="0"/>
+              </a:rPr>
+              <a:t>đoán</a:t>
+            </a:r>
+            <a:r>
+              <a:rPr lang="en-US" sz="1400" dirty="0">
+                <a:latin typeface="Arial" panose="020B0604020202020204" pitchFamily="34" charset="0"/>
+                <a:cs typeface="Arial" panose="020B0604020202020204" pitchFamily="34" charset="0"/>
+              </a:rPr>
+              <a:t> </a:t>
+            </a:r>
+            <a:r>
+              <a:rPr lang="en-US" sz="1400" dirty="0" err="1">
+                <a:latin typeface="Arial" panose="020B0604020202020204" pitchFamily="34" charset="0"/>
+                <a:cs typeface="Arial" panose="020B0604020202020204" pitchFamily="34" charset="0"/>
+              </a:rPr>
+              <a:t>và</a:t>
+            </a:r>
+            <a:r>
+              <a:rPr lang="en-US" sz="1400" dirty="0">
+                <a:latin typeface="Arial" panose="020B0604020202020204" pitchFamily="34" charset="0"/>
+                <a:cs typeface="Arial" panose="020B0604020202020204" pitchFamily="34" charset="0"/>
+              </a:rPr>
+              <a:t> rating </a:t>
+            </a:r>
+            <a:r>
+              <a:rPr lang="en-US" sz="1400" dirty="0" err="1">
+                <a:latin typeface="Arial" panose="020B0604020202020204" pitchFamily="34" charset="0"/>
+                <a:cs typeface="Arial" panose="020B0604020202020204" pitchFamily="34" charset="0"/>
+              </a:rPr>
+              <a:t>thực</a:t>
+            </a:r>
+            <a:r>
+              <a:rPr lang="en-US" sz="1400" dirty="0">
+                <a:latin typeface="Arial" panose="020B0604020202020204" pitchFamily="34" charset="0"/>
+                <a:cs typeface="Arial" panose="020B0604020202020204" pitchFamily="34" charset="0"/>
+              </a:rPr>
+              <a:t> </a:t>
+            </a:r>
+            <a:r>
+              <a:rPr lang="en-US" sz="1400" dirty="0" err="1">
+                <a:latin typeface="Arial" panose="020B0604020202020204" pitchFamily="34" charset="0"/>
+                <a:cs typeface="Arial" panose="020B0604020202020204" pitchFamily="34" charset="0"/>
+              </a:rPr>
+              <a:t>tế</a:t>
+            </a:r>
+            <a:r>
+              <a:rPr lang="en-US" sz="1400" dirty="0">
+                <a:latin typeface="Arial" panose="020B0604020202020204" pitchFamily="34" charset="0"/>
+                <a:cs typeface="Arial" panose="020B0604020202020204" pitchFamily="34" charset="0"/>
+              </a:rPr>
+              <a:t> </a:t>
+            </a:r>
+            <a:r>
+              <a:rPr lang="en-US" sz="1400" dirty="0" err="1">
+                <a:latin typeface="Arial" panose="020B0604020202020204" pitchFamily="34" charset="0"/>
+                <a:cs typeface="Arial" panose="020B0604020202020204" pitchFamily="34" charset="0"/>
+              </a:rPr>
+              <a:t>trên</a:t>
+            </a:r>
+            <a:r>
+              <a:rPr lang="en-US" sz="1400" dirty="0">
+                <a:latin typeface="Arial" panose="020B0604020202020204" pitchFamily="34" charset="0"/>
+                <a:cs typeface="Arial" panose="020B0604020202020204" pitchFamily="34" charset="0"/>
+              </a:rPr>
+              <a:t> </a:t>
+            </a:r>
+            <a:r>
+              <a:rPr lang="en-US" sz="1400" dirty="0" err="1">
+                <a:latin typeface="Arial" panose="020B0604020202020204" pitchFamily="34" charset="0"/>
+                <a:cs typeface="Arial" panose="020B0604020202020204" pitchFamily="34" charset="0"/>
+              </a:rPr>
+              <a:t>tập</a:t>
+            </a:r>
+            <a:r>
+              <a:rPr lang="en-US" sz="1400" dirty="0">
+                <a:latin typeface="Arial" panose="020B0604020202020204" pitchFamily="34" charset="0"/>
+                <a:cs typeface="Arial" panose="020B0604020202020204" pitchFamily="34" charset="0"/>
+              </a:rPr>
+              <a:t> validation </a:t>
+            </a:r>
+            <a:r>
+              <a:rPr lang="en-US" sz="1400" dirty="0" err="1">
+                <a:latin typeface="Arial" panose="020B0604020202020204" pitchFamily="34" charset="0"/>
+                <a:cs typeface="Arial" panose="020B0604020202020204" pitchFamily="34" charset="0"/>
+              </a:rPr>
+              <a:t>theo</a:t>
+            </a:r>
+            <a:r>
+              <a:rPr lang="en-US" sz="1400" dirty="0">
+                <a:latin typeface="Arial" panose="020B0604020202020204" pitchFamily="34" charset="0"/>
+                <a:cs typeface="Arial" panose="020B0604020202020204" pitchFamily="34" charset="0"/>
+              </a:rPr>
+              <a:t> </a:t>
+            </a:r>
+            <a:r>
+              <a:rPr lang="en-US" sz="1400" dirty="0" err="1">
+                <a:latin typeface="Arial" panose="020B0604020202020204" pitchFamily="34" charset="0"/>
+                <a:cs typeface="Arial" panose="020B0604020202020204" pitchFamily="34" charset="0"/>
+              </a:rPr>
+              <a:t>ph</a:t>
+            </a:r>
+            <a:r>
+              <a:rPr lang="vi-VN" sz="1400" dirty="0">
+                <a:cs typeface="Arial" panose="020B0604020202020204" pitchFamily="34" charset="0"/>
+              </a:rPr>
+              <a:t>ư</a:t>
+            </a:r>
+            <a:r>
+              <a:rPr lang="en-US" sz="1400" dirty="0" err="1">
+                <a:latin typeface="Arial" panose="020B0604020202020204" pitchFamily="34" charset="0"/>
+                <a:cs typeface="Arial" panose="020B0604020202020204" pitchFamily="34" charset="0"/>
+              </a:rPr>
+              <a:t>ơng</a:t>
+            </a:r>
+            <a:r>
+              <a:rPr lang="en-US" sz="1400" dirty="0">
+                <a:latin typeface="Arial" panose="020B0604020202020204" pitchFamily="34" charset="0"/>
+                <a:cs typeface="Arial" panose="020B0604020202020204" pitchFamily="34" charset="0"/>
+              </a:rPr>
+              <a:t> </a:t>
+            </a:r>
+            <a:r>
+              <a:rPr lang="en-US" sz="1400" dirty="0" err="1">
+                <a:latin typeface="Arial" panose="020B0604020202020204" pitchFamily="34" charset="0"/>
+                <a:cs typeface="Arial" panose="020B0604020202020204" pitchFamily="34" charset="0"/>
+              </a:rPr>
+              <a:t>pháp</a:t>
+            </a:r>
+            <a:r>
+              <a:rPr lang="en-US" sz="1400" dirty="0">
+                <a:latin typeface="Arial" panose="020B0604020202020204" pitchFamily="34" charset="0"/>
+                <a:cs typeface="Arial" panose="020B0604020202020204" pitchFamily="34" charset="0"/>
+              </a:rPr>
+              <a:t> Linear Regression </a:t>
+            </a:r>
+            <a:r>
+              <a:rPr lang="en-US" sz="1400" dirty="0" err="1">
+                <a:latin typeface="Arial" panose="020B0604020202020204" pitchFamily="34" charset="0"/>
+                <a:cs typeface="Arial" panose="020B0604020202020204" pitchFamily="34" charset="0"/>
+              </a:rPr>
+              <a:t>và</a:t>
+            </a:r>
+            <a:r>
+              <a:rPr lang="en-US" sz="1400" dirty="0">
+                <a:latin typeface="Arial" panose="020B0604020202020204" pitchFamily="34" charset="0"/>
+                <a:cs typeface="Arial" panose="020B0604020202020204" pitchFamily="34" charset="0"/>
+              </a:rPr>
+              <a:t> Random Forest.</a:t>
+            </a:r>
+          </a:p>
+        </p:txBody>
+      </p:sp>
+      <p:graphicFrame>
+        <p:nvGraphicFramePr>
+          <p:cNvPr id="4" name="Table 3">
+            <a:extLst>
+              <a:ext uri="{FF2B5EF4-FFF2-40B4-BE49-F238E27FC236}">
+                <a16:creationId xmlns:a16="http://schemas.microsoft.com/office/drawing/2014/main" id="{1CDC860C-0848-49BB-ACD3-DCEAC77DC41E}"/>
+              </a:ext>
+            </a:extLst>
+          </p:cNvPr>
+          <p:cNvGraphicFramePr>
+            <a:graphicFrameLocks noGrp="1"/>
+          </p:cNvGraphicFramePr>
+          <p:nvPr>
+            <p:extLst>
+              <p:ext uri="{D42A27DB-BD31-4B8C-83A1-F6EECF244321}">
+                <p14:modId xmlns:p14="http://schemas.microsoft.com/office/powerpoint/2010/main" val="329985106"/>
+              </p:ext>
+            </p:extLst>
+          </p:nvPr>
+        </p:nvGraphicFramePr>
+        <p:xfrm>
+          <a:off x="450392" y="1666339"/>
+          <a:ext cx="5461725" cy="2819601"/>
+        </p:xfrm>
+        <a:graphic>
+          <a:graphicData uri="http://schemas.openxmlformats.org/drawingml/2006/table">
+            <a:tbl>
+              <a:tblPr firstRow="1" bandRow="1">
+                <a:tableStyleId>{5C22544A-7EE6-4342-B048-85BDC9FD1C3A}</a:tableStyleId>
+              </a:tblPr>
+              <a:tblGrid>
+                <a:gridCol w="1820575">
+                  <a:extLst>
+                    <a:ext uri="{9D8B030D-6E8A-4147-A177-3AD203B41FA5}">
+                      <a16:colId xmlns:a16="http://schemas.microsoft.com/office/drawing/2014/main" val="1228912802"/>
+                    </a:ext>
+                  </a:extLst>
+                </a:gridCol>
+                <a:gridCol w="1820575">
+                  <a:extLst>
+                    <a:ext uri="{9D8B030D-6E8A-4147-A177-3AD203B41FA5}">
+                      <a16:colId xmlns:a16="http://schemas.microsoft.com/office/drawing/2014/main" val="3672893611"/>
+                    </a:ext>
+                  </a:extLst>
+                </a:gridCol>
+                <a:gridCol w="1820575">
+                  <a:extLst>
+                    <a:ext uri="{9D8B030D-6E8A-4147-A177-3AD203B41FA5}">
+                      <a16:colId xmlns:a16="http://schemas.microsoft.com/office/drawing/2014/main" val="2601307042"/>
+                    </a:ext>
+                  </a:extLst>
+                </a:gridCol>
+              </a:tblGrid>
+              <a:tr h="939867">
+                <a:tc>
+                  <a:txBody>
+                    <a:bodyPr/>
+                    <a:lstStyle/>
+                    <a:p>
+                      <a:pPr algn="ctr"/>
+                      <a:endParaRPr lang="en-US" dirty="0"/>
+                    </a:p>
+                  </a:txBody>
+                  <a:tcPr anchor="ctr"/>
+                </a:tc>
+                <a:tc>
+                  <a:txBody>
+                    <a:bodyPr/>
+                    <a:lstStyle/>
+                    <a:p>
+                      <a:pPr algn="ctr"/>
+                      <a:r>
+                        <a:rPr lang="en-US" dirty="0" err="1"/>
+                        <a:t>Độ</a:t>
+                      </a:r>
+                      <a:r>
+                        <a:rPr lang="en-US" dirty="0"/>
+                        <a:t> </a:t>
+                      </a:r>
+                      <a:r>
+                        <a:rPr lang="en-US" dirty="0" err="1"/>
+                        <a:t>lỗi</a:t>
+                      </a:r>
+                      <a:r>
+                        <a:rPr lang="en-US" dirty="0"/>
+                        <a:t> </a:t>
+                      </a:r>
+                      <a:r>
+                        <a:rPr lang="en-US" dirty="0" err="1"/>
+                        <a:t>trên</a:t>
+                      </a:r>
+                      <a:r>
+                        <a:rPr lang="en-US" dirty="0"/>
+                        <a:t> </a:t>
+                      </a:r>
+                      <a:r>
+                        <a:rPr lang="en-US" dirty="0" err="1"/>
+                        <a:t>tập</a:t>
+                      </a:r>
+                      <a:r>
+                        <a:rPr lang="en-US" dirty="0"/>
+                        <a:t> train</a:t>
+                      </a:r>
+                    </a:p>
+                  </a:txBody>
+                  <a:tcPr anchor="ctr"/>
+                </a:tc>
+                <a:tc>
+                  <a:txBody>
+                    <a:bodyPr/>
+                    <a:lstStyle/>
+                    <a:p>
+                      <a:pPr algn="ctr"/>
+                      <a:r>
+                        <a:rPr lang="en-US" dirty="0" err="1"/>
+                        <a:t>Độ</a:t>
+                      </a:r>
+                      <a:r>
+                        <a:rPr lang="en-US" dirty="0"/>
+                        <a:t> </a:t>
+                      </a:r>
+                      <a:r>
+                        <a:rPr lang="en-US" dirty="0" err="1"/>
+                        <a:t>lỗi</a:t>
+                      </a:r>
+                      <a:r>
+                        <a:rPr lang="en-US" dirty="0"/>
+                        <a:t> </a:t>
+                      </a:r>
+                      <a:r>
+                        <a:rPr lang="en-US" dirty="0" err="1"/>
+                        <a:t>trên</a:t>
+                      </a:r>
+                      <a:r>
+                        <a:rPr lang="en-US" dirty="0"/>
+                        <a:t> </a:t>
+                      </a:r>
+                      <a:r>
+                        <a:rPr lang="en-US" dirty="0" err="1"/>
+                        <a:t>tập</a:t>
+                      </a:r>
+                      <a:r>
+                        <a:rPr lang="en-US" dirty="0"/>
+                        <a:t> validation</a:t>
+                      </a:r>
+                    </a:p>
+                  </a:txBody>
+                  <a:tcPr anchor="ctr"/>
+                </a:tc>
+                <a:extLst>
+                  <a:ext uri="{0D108BD9-81ED-4DB2-BD59-A6C34878D82A}">
+                    <a16:rowId xmlns:a16="http://schemas.microsoft.com/office/drawing/2014/main" val="3676805993"/>
+                  </a:ext>
+                </a:extLst>
+              </a:tr>
+              <a:tr h="939867">
+                <a:tc>
+                  <a:txBody>
+                    <a:bodyPr/>
+                    <a:lstStyle/>
+                    <a:p>
+                      <a:pPr algn="ctr"/>
+                      <a:r>
+                        <a:rPr lang="en-US" dirty="0"/>
+                        <a:t>Linear Regression</a:t>
+                      </a:r>
+                    </a:p>
+                  </a:txBody>
+                  <a:tcPr anchor="ctr"/>
+                </a:tc>
+                <a:tc>
+                  <a:txBody>
+                    <a:bodyPr/>
+                    <a:lstStyle/>
+                    <a:p>
+                      <a:pPr algn="ctr"/>
+                      <a:r>
+                        <a:rPr lang="en-US" dirty="0"/>
+                        <a:t>94.82</a:t>
+                      </a:r>
+                    </a:p>
+                  </a:txBody>
+                  <a:tcPr anchor="ctr"/>
+                </a:tc>
+                <a:tc>
+                  <a:txBody>
+                    <a:bodyPr/>
+                    <a:lstStyle/>
+                    <a:p>
+                      <a:pPr algn="ctr"/>
+                      <a:r>
+                        <a:rPr lang="en-US" dirty="0"/>
+                        <a:t>94.99</a:t>
+                      </a:r>
+                    </a:p>
+                  </a:txBody>
+                  <a:tcPr anchor="ctr"/>
+                </a:tc>
+                <a:extLst>
+                  <a:ext uri="{0D108BD9-81ED-4DB2-BD59-A6C34878D82A}">
+                    <a16:rowId xmlns:a16="http://schemas.microsoft.com/office/drawing/2014/main" val="321628839"/>
+                  </a:ext>
+                </a:extLst>
+              </a:tr>
+              <a:tr h="939867">
+                <a:tc>
+                  <a:txBody>
+                    <a:bodyPr/>
+                    <a:lstStyle/>
+                    <a:p>
+                      <a:pPr algn="ctr"/>
+                      <a:r>
+                        <a:rPr lang="en-US" dirty="0"/>
+                        <a:t>Random Forest</a:t>
+                      </a:r>
+                    </a:p>
+                  </a:txBody>
+                  <a:tcPr anchor="ctr"/>
+                </a:tc>
+                <a:tc>
+                  <a:txBody>
+                    <a:bodyPr/>
+                    <a:lstStyle/>
+                    <a:p>
+                      <a:pPr algn="ctr"/>
+                      <a:r>
+                        <a:rPr lang="en-US" dirty="0"/>
+                        <a:t>10.04</a:t>
+                      </a:r>
+                    </a:p>
+                  </a:txBody>
+                  <a:tcPr anchor="ctr"/>
+                </a:tc>
+                <a:tc>
+                  <a:txBody>
+                    <a:bodyPr/>
+                    <a:lstStyle/>
+                    <a:p>
+                      <a:pPr algn="ctr"/>
+                      <a:r>
+                        <a:rPr lang="en-US" dirty="0"/>
+                        <a:t>71.08</a:t>
+                      </a:r>
+                    </a:p>
+                  </a:txBody>
+                  <a:tcPr anchor="ctr"/>
+                </a:tc>
+                <a:extLst>
+                  <a:ext uri="{0D108BD9-81ED-4DB2-BD59-A6C34878D82A}">
+                    <a16:rowId xmlns:a16="http://schemas.microsoft.com/office/drawing/2014/main" val="908184633"/>
+                  </a:ext>
+                </a:extLst>
+              </a:tr>
+            </a:tbl>
+          </a:graphicData>
+        </a:graphic>
+      </p:graphicFrame>
+      <p:sp>
+        <p:nvSpPr>
+          <p:cNvPr id="9" name="TextBox 8">
+            <a:extLst>
+              <a:ext uri="{FF2B5EF4-FFF2-40B4-BE49-F238E27FC236}">
+                <a16:creationId xmlns:a16="http://schemas.microsoft.com/office/drawing/2014/main" id="{19063BE4-7073-446D-88EF-C3B78D33B96F}"/>
+              </a:ext>
+            </a:extLst>
+          </p:cNvPr>
+          <p:cNvSpPr txBox="1"/>
+          <p:nvPr/>
+        </p:nvSpPr>
+        <p:spPr>
+          <a:xfrm>
+            <a:off x="767085" y="4691615"/>
+            <a:ext cx="4810338" cy="523220"/>
+          </a:xfrm>
+          <a:prstGeom prst="rect">
+            <a:avLst/>
+          </a:prstGeom>
+          <a:noFill/>
+        </p:spPr>
+        <p:txBody>
+          <a:bodyPr wrap="square" rtlCol="0">
+            <a:spAutoFit/>
+          </a:bodyPr>
+          <a:lstStyle/>
+          <a:p>
+            <a:pPr algn="ctr"/>
+            <a:r>
+              <a:rPr lang="en-US" sz="1400" dirty="0" err="1">
+                <a:latin typeface="Arial" panose="020B0604020202020204" pitchFamily="34" charset="0"/>
+                <a:cs typeface="Arial" panose="020B0604020202020204" pitchFamily="34" charset="0"/>
+              </a:rPr>
+              <a:t>Bảng</a:t>
+            </a:r>
+            <a:r>
+              <a:rPr lang="en-US" sz="1400" dirty="0">
+                <a:latin typeface="Arial" panose="020B0604020202020204" pitchFamily="34" charset="0"/>
+                <a:cs typeface="Arial" panose="020B0604020202020204" pitchFamily="34" charset="0"/>
+              </a:rPr>
+              <a:t> 1: </a:t>
+            </a:r>
+            <a:r>
+              <a:rPr lang="en-US" sz="1400" dirty="0" err="1">
+                <a:latin typeface="Arial" panose="020B0604020202020204" pitchFamily="34" charset="0"/>
+                <a:cs typeface="Arial" panose="020B0604020202020204" pitchFamily="34" charset="0"/>
+              </a:rPr>
+              <a:t>Mô</a:t>
+            </a:r>
+            <a:r>
+              <a:rPr lang="en-US" sz="1400" dirty="0">
+                <a:latin typeface="Arial" panose="020B0604020202020204" pitchFamily="34" charset="0"/>
+                <a:cs typeface="Arial" panose="020B0604020202020204" pitchFamily="34" charset="0"/>
+              </a:rPr>
+              <a:t> </a:t>
+            </a:r>
+            <a:r>
+              <a:rPr lang="en-US" sz="1400" dirty="0" err="1">
+                <a:latin typeface="Arial" panose="020B0604020202020204" pitchFamily="34" charset="0"/>
+                <a:cs typeface="Arial" panose="020B0604020202020204" pitchFamily="34" charset="0"/>
+              </a:rPr>
+              <a:t>tả</a:t>
+            </a:r>
+            <a:r>
+              <a:rPr lang="en-US" sz="1400" dirty="0">
+                <a:latin typeface="Arial" panose="020B0604020202020204" pitchFamily="34" charset="0"/>
+                <a:cs typeface="Arial" panose="020B0604020202020204" pitchFamily="34" charset="0"/>
+              </a:rPr>
+              <a:t> </a:t>
+            </a:r>
+            <a:r>
+              <a:rPr lang="en-US" sz="1400" dirty="0" err="1">
+                <a:latin typeface="Arial" panose="020B0604020202020204" pitchFamily="34" charset="0"/>
+                <a:cs typeface="Arial" panose="020B0604020202020204" pitchFamily="34" charset="0"/>
+              </a:rPr>
+              <a:t>độ</a:t>
+            </a:r>
+            <a:r>
+              <a:rPr lang="en-US" sz="1400" dirty="0">
+                <a:latin typeface="Arial" panose="020B0604020202020204" pitchFamily="34" charset="0"/>
+                <a:cs typeface="Arial" panose="020B0604020202020204" pitchFamily="34" charset="0"/>
+              </a:rPr>
+              <a:t> </a:t>
+            </a:r>
+            <a:r>
+              <a:rPr lang="en-US" sz="1400" dirty="0" err="1">
+                <a:latin typeface="Arial" panose="020B0604020202020204" pitchFamily="34" charset="0"/>
+                <a:cs typeface="Arial" panose="020B0604020202020204" pitchFamily="34" charset="0"/>
+              </a:rPr>
+              <a:t>lỗi</a:t>
+            </a:r>
+            <a:r>
+              <a:rPr lang="en-US" sz="1400" dirty="0">
+                <a:latin typeface="Arial" panose="020B0604020202020204" pitchFamily="34" charset="0"/>
+                <a:cs typeface="Arial" panose="020B0604020202020204" pitchFamily="34" charset="0"/>
+              </a:rPr>
+              <a:t> </a:t>
+            </a:r>
+            <a:r>
+              <a:rPr lang="en-US" sz="1400" dirty="0" err="1">
+                <a:latin typeface="Arial" panose="020B0604020202020204" pitchFamily="34" charset="0"/>
+                <a:cs typeface="Arial" panose="020B0604020202020204" pitchFamily="34" charset="0"/>
+              </a:rPr>
+              <a:t>trên</a:t>
+            </a:r>
+            <a:r>
+              <a:rPr lang="en-US" sz="1400" dirty="0">
+                <a:latin typeface="Arial" panose="020B0604020202020204" pitchFamily="34" charset="0"/>
+                <a:cs typeface="Arial" panose="020B0604020202020204" pitchFamily="34" charset="0"/>
+              </a:rPr>
+              <a:t> </a:t>
+            </a:r>
+            <a:r>
+              <a:rPr lang="en-US" sz="1400" dirty="0" err="1">
+                <a:latin typeface="Arial" panose="020B0604020202020204" pitchFamily="34" charset="0"/>
+                <a:cs typeface="Arial" panose="020B0604020202020204" pitchFamily="34" charset="0"/>
+              </a:rPr>
+              <a:t>tập</a:t>
+            </a:r>
+            <a:r>
+              <a:rPr lang="en-US" sz="1400" dirty="0">
+                <a:latin typeface="Arial" panose="020B0604020202020204" pitchFamily="34" charset="0"/>
+                <a:cs typeface="Arial" panose="020B0604020202020204" pitchFamily="34" charset="0"/>
+              </a:rPr>
+              <a:t> train </a:t>
+            </a:r>
+            <a:r>
+              <a:rPr lang="en-US" sz="1400" dirty="0" err="1">
+                <a:latin typeface="Arial" panose="020B0604020202020204" pitchFamily="34" charset="0"/>
+                <a:cs typeface="Arial" panose="020B0604020202020204" pitchFamily="34" charset="0"/>
+              </a:rPr>
+              <a:t>và</a:t>
+            </a:r>
+            <a:r>
+              <a:rPr lang="en-US" sz="1400" dirty="0">
+                <a:latin typeface="Arial" panose="020B0604020202020204" pitchFamily="34" charset="0"/>
+                <a:cs typeface="Arial" panose="020B0604020202020204" pitchFamily="34" charset="0"/>
+              </a:rPr>
+              <a:t> </a:t>
+            </a:r>
+            <a:r>
+              <a:rPr lang="en-US" sz="1400" dirty="0" err="1">
+                <a:latin typeface="Arial" panose="020B0604020202020204" pitchFamily="34" charset="0"/>
+                <a:cs typeface="Arial" panose="020B0604020202020204" pitchFamily="34" charset="0"/>
+              </a:rPr>
+              <a:t>tập</a:t>
+            </a:r>
+            <a:r>
+              <a:rPr lang="en-US" sz="1400" dirty="0">
+                <a:latin typeface="Arial" panose="020B0604020202020204" pitchFamily="34" charset="0"/>
+                <a:cs typeface="Arial" panose="020B0604020202020204" pitchFamily="34" charset="0"/>
+              </a:rPr>
+              <a:t> validation </a:t>
+            </a:r>
+            <a:r>
+              <a:rPr lang="en-US" sz="1400" dirty="0" err="1">
+                <a:latin typeface="Arial" panose="020B0604020202020204" pitchFamily="34" charset="0"/>
+                <a:cs typeface="Arial" panose="020B0604020202020204" pitchFamily="34" charset="0"/>
+              </a:rPr>
+              <a:t>theo</a:t>
+            </a:r>
+            <a:r>
+              <a:rPr lang="en-US" sz="1400" dirty="0">
+                <a:latin typeface="Arial" panose="020B0604020202020204" pitchFamily="34" charset="0"/>
+                <a:cs typeface="Arial" panose="020B0604020202020204" pitchFamily="34" charset="0"/>
+              </a:rPr>
+              <a:t> </a:t>
+            </a:r>
+            <a:r>
+              <a:rPr lang="en-US" sz="1400" dirty="0" err="1">
+                <a:latin typeface="Arial" panose="020B0604020202020204" pitchFamily="34" charset="0"/>
+                <a:cs typeface="Arial" panose="020B0604020202020204" pitchFamily="34" charset="0"/>
+              </a:rPr>
+              <a:t>ph</a:t>
+            </a:r>
+            <a:r>
+              <a:rPr lang="vi-VN" sz="1400" dirty="0">
+                <a:latin typeface="Arial" panose="020B0604020202020204" pitchFamily="34" charset="0"/>
+                <a:cs typeface="Arial" panose="020B0604020202020204" pitchFamily="34" charset="0"/>
+              </a:rPr>
+              <a:t>ư</a:t>
+            </a:r>
+            <a:r>
+              <a:rPr lang="en-US" sz="1400" dirty="0" err="1">
+                <a:latin typeface="Arial" panose="020B0604020202020204" pitchFamily="34" charset="0"/>
+                <a:cs typeface="Arial" panose="020B0604020202020204" pitchFamily="34" charset="0"/>
+              </a:rPr>
+              <a:t>ơng</a:t>
+            </a:r>
+            <a:r>
+              <a:rPr lang="en-US" sz="1400" dirty="0">
+                <a:latin typeface="Arial" panose="020B0604020202020204" pitchFamily="34" charset="0"/>
+                <a:cs typeface="Arial" panose="020B0604020202020204" pitchFamily="34" charset="0"/>
+              </a:rPr>
+              <a:t> </a:t>
+            </a:r>
+            <a:r>
+              <a:rPr lang="en-US" sz="1400" dirty="0" err="1">
+                <a:latin typeface="Arial" panose="020B0604020202020204" pitchFamily="34" charset="0"/>
+                <a:cs typeface="Arial" panose="020B0604020202020204" pitchFamily="34" charset="0"/>
+              </a:rPr>
+              <a:t>pháp</a:t>
+            </a:r>
+            <a:r>
+              <a:rPr lang="en-US" sz="1400" dirty="0">
+                <a:latin typeface="Arial" panose="020B0604020202020204" pitchFamily="34" charset="0"/>
+                <a:cs typeface="Arial" panose="020B0604020202020204" pitchFamily="34" charset="0"/>
+              </a:rPr>
+              <a:t> Linear Regression </a:t>
+            </a:r>
+            <a:r>
+              <a:rPr lang="en-US" sz="1400" dirty="0" err="1">
+                <a:latin typeface="Arial" panose="020B0604020202020204" pitchFamily="34" charset="0"/>
+                <a:cs typeface="Arial" panose="020B0604020202020204" pitchFamily="34" charset="0"/>
+              </a:rPr>
+              <a:t>và</a:t>
+            </a:r>
+            <a:r>
+              <a:rPr lang="en-US" sz="1400" dirty="0">
+                <a:latin typeface="Arial" panose="020B0604020202020204" pitchFamily="34" charset="0"/>
+                <a:cs typeface="Arial" panose="020B0604020202020204" pitchFamily="34" charset="0"/>
+              </a:rPr>
+              <a:t> Random Forest.</a:t>
+            </a:r>
           </a:p>
         </p:txBody>
       </p:sp>
@@ -18921,8 +19865,8 @@
         </p:nvSpPr>
         <p:spPr>
           <a:xfrm>
-            <a:off x="5156703" y="635518"/>
-            <a:ext cx="6741255" cy="5883616"/>
+            <a:off x="4654296" y="0"/>
+            <a:ext cx="7078531" cy="6303981"/>
           </a:xfrm>
         </p:spPr>
         <p:txBody>
@@ -18999,6 +19943,520 @@
                 <a:cs typeface="Arial" panose="020B0604020202020204" pitchFamily="34" charset="0"/>
               </a:rPr>
               <a:t>:</a:t>
+            </a:r>
+          </a:p>
+          <a:p>
+            <a:pPr marL="457200" lvl="1" indent="0">
+              <a:lnSpc>
+                <a:spcPct val="150000"/>
+              </a:lnSpc>
+              <a:buNone/>
+            </a:pPr>
+            <a:r>
+              <a:rPr lang="en-US" sz="1600" dirty="0" err="1">
+                <a:latin typeface="Arial" panose="020B0604020202020204" pitchFamily="34" charset="0"/>
+                <a:cs typeface="Arial" panose="020B0604020202020204" pitchFamily="34" charset="0"/>
+              </a:rPr>
+              <a:t>Biết</a:t>
+            </a:r>
+            <a:r>
+              <a:rPr lang="en-US" sz="1600" dirty="0">
+                <a:latin typeface="Arial" panose="020B0604020202020204" pitchFamily="34" charset="0"/>
+                <a:cs typeface="Arial" panose="020B0604020202020204" pitchFamily="34" charset="0"/>
+              </a:rPr>
+              <a:t> </a:t>
+            </a:r>
+            <a:r>
+              <a:rPr lang="en-US" sz="1600" dirty="0" err="1">
+                <a:latin typeface="Arial" panose="020B0604020202020204" pitchFamily="34" charset="0"/>
+                <a:cs typeface="Arial" panose="020B0604020202020204" pitchFamily="34" charset="0"/>
+              </a:rPr>
+              <a:t>các</a:t>
+            </a:r>
+            <a:r>
+              <a:rPr lang="en-US" sz="1600" dirty="0">
+                <a:latin typeface="Arial" panose="020B0604020202020204" pitchFamily="34" charset="0"/>
+                <a:cs typeface="Arial" panose="020B0604020202020204" pitchFamily="34" charset="0"/>
+              </a:rPr>
+              <a:t> </a:t>
+            </a:r>
+            <a:r>
+              <a:rPr lang="en-US" sz="1600" dirty="0" err="1">
+                <a:latin typeface="Arial" panose="020B0604020202020204" pitchFamily="34" charset="0"/>
+                <a:cs typeface="Arial" panose="020B0604020202020204" pitchFamily="34" charset="0"/>
+              </a:rPr>
+              <a:t>tiền</a:t>
+            </a:r>
+            <a:r>
+              <a:rPr lang="en-US" sz="1600" dirty="0">
+                <a:latin typeface="Arial" panose="020B0604020202020204" pitchFamily="34" charset="0"/>
+                <a:cs typeface="Arial" panose="020B0604020202020204" pitchFamily="34" charset="0"/>
+              </a:rPr>
+              <a:t> </a:t>
+            </a:r>
+            <a:r>
+              <a:rPr lang="en-US" sz="1600" dirty="0" err="1">
+                <a:latin typeface="Arial" panose="020B0604020202020204" pitchFamily="34" charset="0"/>
+                <a:cs typeface="Arial" panose="020B0604020202020204" pitchFamily="34" charset="0"/>
+              </a:rPr>
+              <a:t>xử</a:t>
+            </a:r>
+            <a:r>
+              <a:rPr lang="en-US" sz="1600" dirty="0">
+                <a:latin typeface="Arial" panose="020B0604020202020204" pitchFamily="34" charset="0"/>
+                <a:cs typeface="Arial" panose="020B0604020202020204" pitchFamily="34" charset="0"/>
+              </a:rPr>
+              <a:t> </a:t>
+            </a:r>
+            <a:r>
+              <a:rPr lang="en-US" sz="1600" dirty="0" err="1">
+                <a:latin typeface="Arial" panose="020B0604020202020204" pitchFamily="34" charset="0"/>
+                <a:cs typeface="Arial" panose="020B0604020202020204" pitchFamily="34" charset="0"/>
+              </a:rPr>
+              <a:t>lý</a:t>
+            </a:r>
+            <a:r>
+              <a:rPr lang="en-US" sz="1600" dirty="0">
+                <a:latin typeface="Arial" panose="020B0604020202020204" pitchFamily="34" charset="0"/>
+                <a:cs typeface="Arial" panose="020B0604020202020204" pitchFamily="34" charset="0"/>
+              </a:rPr>
+              <a:t> </a:t>
+            </a:r>
+            <a:r>
+              <a:rPr lang="en-US" sz="1600" dirty="0" err="1">
+                <a:latin typeface="Arial" panose="020B0604020202020204" pitchFamily="34" charset="0"/>
+                <a:cs typeface="Arial" panose="020B0604020202020204" pitchFamily="34" charset="0"/>
+              </a:rPr>
+              <a:t>dữ</a:t>
+            </a:r>
+            <a:r>
+              <a:rPr lang="en-US" sz="1600" dirty="0">
+                <a:latin typeface="Arial" panose="020B0604020202020204" pitchFamily="34" charset="0"/>
+                <a:cs typeface="Arial" panose="020B0604020202020204" pitchFamily="34" charset="0"/>
+              </a:rPr>
+              <a:t> </a:t>
+            </a:r>
+            <a:r>
+              <a:rPr lang="en-US" sz="1600" dirty="0" err="1">
+                <a:latin typeface="Arial" panose="020B0604020202020204" pitchFamily="34" charset="0"/>
+                <a:cs typeface="Arial" panose="020B0604020202020204" pitchFamily="34" charset="0"/>
+              </a:rPr>
+              <a:t>liệu</a:t>
+            </a:r>
+            <a:r>
+              <a:rPr lang="en-US" sz="1600" dirty="0">
+                <a:latin typeface="Arial" panose="020B0604020202020204" pitchFamily="34" charset="0"/>
+                <a:cs typeface="Arial" panose="020B0604020202020204" pitchFamily="34" charset="0"/>
+              </a:rPr>
+              <a:t> </a:t>
+            </a:r>
+            <a:r>
+              <a:rPr lang="en-US" sz="1600" dirty="0" err="1">
+                <a:latin typeface="Arial" panose="020B0604020202020204" pitchFamily="34" charset="0"/>
+                <a:cs typeface="Arial" panose="020B0604020202020204" pitchFamily="34" charset="0"/>
+              </a:rPr>
+              <a:t>và</a:t>
+            </a:r>
+            <a:r>
+              <a:rPr lang="en-US" sz="1600" dirty="0">
+                <a:latin typeface="Arial" panose="020B0604020202020204" pitchFamily="34" charset="0"/>
+                <a:cs typeface="Arial" panose="020B0604020202020204" pitchFamily="34" charset="0"/>
+              </a:rPr>
+              <a:t> đ</a:t>
+            </a:r>
+            <a:r>
+              <a:rPr lang="vi-VN" sz="1600" dirty="0">
+                <a:latin typeface="Arial" panose="020B0604020202020204" pitchFamily="34" charset="0"/>
+                <a:cs typeface="Arial" panose="020B0604020202020204" pitchFamily="34" charset="0"/>
+              </a:rPr>
+              <a:t>ư</a:t>
+            </a:r>
+            <a:r>
+              <a:rPr lang="en-US" sz="1600" dirty="0">
+                <a:latin typeface="Arial" panose="020B0604020202020204" pitchFamily="34" charset="0"/>
+                <a:cs typeface="Arial" panose="020B0604020202020204" pitchFamily="34" charset="0"/>
+              </a:rPr>
+              <a:t>a </a:t>
+            </a:r>
+            <a:r>
+              <a:rPr lang="en-US" sz="1600" dirty="0" err="1">
+                <a:latin typeface="Arial" panose="020B0604020202020204" pitchFamily="34" charset="0"/>
+                <a:cs typeface="Arial" panose="020B0604020202020204" pitchFamily="34" charset="0"/>
+              </a:rPr>
+              <a:t>vào</a:t>
+            </a:r>
+            <a:r>
+              <a:rPr lang="en-US" sz="1600" dirty="0">
+                <a:latin typeface="Arial" panose="020B0604020202020204" pitchFamily="34" charset="0"/>
+                <a:cs typeface="Arial" panose="020B0604020202020204" pitchFamily="34" charset="0"/>
+              </a:rPr>
+              <a:t> pipeline </a:t>
+            </a:r>
+            <a:r>
+              <a:rPr lang="en-US" sz="1600" dirty="0" err="1">
+                <a:latin typeface="Arial" panose="020B0604020202020204" pitchFamily="34" charset="0"/>
+                <a:cs typeface="Arial" panose="020B0604020202020204" pitchFamily="34" charset="0"/>
+              </a:rPr>
+              <a:t>của</a:t>
+            </a:r>
+            <a:r>
+              <a:rPr lang="en-US" sz="1600" dirty="0">
+                <a:latin typeface="Arial" panose="020B0604020202020204" pitchFamily="34" charset="0"/>
+                <a:cs typeface="Arial" panose="020B0604020202020204" pitchFamily="34" charset="0"/>
+              </a:rPr>
+              <a:t> </a:t>
+            </a:r>
+            <a:r>
+              <a:rPr lang="en-US" sz="1600" dirty="0" err="1">
+                <a:latin typeface="Arial" panose="020B0604020202020204" pitchFamily="34" charset="0"/>
+                <a:cs typeface="Arial" panose="020B0604020202020204" pitchFamily="34" charset="0"/>
+              </a:rPr>
+              <a:t>sklearn</a:t>
+            </a:r>
+            <a:r>
+              <a:rPr lang="en-US" sz="1600" dirty="0">
+                <a:latin typeface="Arial" panose="020B0604020202020204" pitchFamily="34" charset="0"/>
+                <a:cs typeface="Arial" panose="020B0604020202020204" pitchFamily="34" charset="0"/>
+              </a:rPr>
+              <a:t>.</a:t>
+            </a:r>
+          </a:p>
+          <a:p>
+            <a:pPr marL="457200" lvl="1" indent="0">
+              <a:lnSpc>
+                <a:spcPct val="150000"/>
+              </a:lnSpc>
+              <a:buNone/>
+            </a:pPr>
+            <a:r>
+              <a:rPr lang="en-US" sz="1600" dirty="0">
+                <a:latin typeface="Arial" panose="020B0604020202020204" pitchFamily="34" charset="0"/>
+                <a:cs typeface="Arial" panose="020B0604020202020204" pitchFamily="34" charset="0"/>
+              </a:rPr>
+              <a:t>So </a:t>
+            </a:r>
+            <a:r>
+              <a:rPr lang="en-US" sz="1600" dirty="0" err="1">
+                <a:latin typeface="Arial" panose="020B0604020202020204" pitchFamily="34" charset="0"/>
+                <a:cs typeface="Arial" panose="020B0604020202020204" pitchFamily="34" charset="0"/>
+              </a:rPr>
+              <a:t>sánh</a:t>
+            </a:r>
+            <a:r>
+              <a:rPr lang="en-US" sz="1600" dirty="0">
+                <a:latin typeface="Arial" panose="020B0604020202020204" pitchFamily="34" charset="0"/>
+                <a:cs typeface="Arial" panose="020B0604020202020204" pitchFamily="34" charset="0"/>
+              </a:rPr>
+              <a:t> </a:t>
+            </a:r>
+            <a:r>
+              <a:rPr lang="en-US" sz="1600" dirty="0" err="1">
+                <a:latin typeface="Arial" panose="020B0604020202020204" pitchFamily="34" charset="0"/>
+                <a:cs typeface="Arial" panose="020B0604020202020204" pitchFamily="34" charset="0"/>
+              </a:rPr>
+              <a:t>hiệu</a:t>
+            </a:r>
+            <a:r>
+              <a:rPr lang="en-US" sz="1600" dirty="0">
+                <a:latin typeface="Arial" panose="020B0604020202020204" pitchFamily="34" charset="0"/>
+                <a:cs typeface="Arial" panose="020B0604020202020204" pitchFamily="34" charset="0"/>
+              </a:rPr>
+              <a:t> </a:t>
+            </a:r>
+            <a:r>
+              <a:rPr lang="en-US" sz="1600" dirty="0" err="1">
+                <a:latin typeface="Arial" panose="020B0604020202020204" pitchFamily="34" charset="0"/>
+                <a:cs typeface="Arial" panose="020B0604020202020204" pitchFamily="34" charset="0"/>
+              </a:rPr>
+              <a:t>quả</a:t>
+            </a:r>
+            <a:r>
+              <a:rPr lang="en-US" sz="1600" dirty="0">
+                <a:latin typeface="Arial" panose="020B0604020202020204" pitchFamily="34" charset="0"/>
+                <a:cs typeface="Arial" panose="020B0604020202020204" pitchFamily="34" charset="0"/>
+              </a:rPr>
+              <a:t> </a:t>
+            </a:r>
+            <a:r>
+              <a:rPr lang="en-US" sz="1600" dirty="0" err="1">
+                <a:latin typeface="Arial" panose="020B0604020202020204" pitchFamily="34" charset="0"/>
+                <a:cs typeface="Arial" panose="020B0604020202020204" pitchFamily="34" charset="0"/>
+              </a:rPr>
+              <a:t>giữa</a:t>
+            </a:r>
+            <a:r>
+              <a:rPr lang="en-US" sz="1600" dirty="0">
+                <a:latin typeface="Arial" panose="020B0604020202020204" pitchFamily="34" charset="0"/>
+                <a:cs typeface="Arial" panose="020B0604020202020204" pitchFamily="34" charset="0"/>
+              </a:rPr>
+              <a:t> 2 </a:t>
+            </a:r>
+            <a:r>
+              <a:rPr lang="en-US" sz="1600" dirty="0" err="1">
+                <a:latin typeface="Arial" panose="020B0604020202020204" pitchFamily="34" charset="0"/>
+                <a:cs typeface="Arial" panose="020B0604020202020204" pitchFamily="34" charset="0"/>
+              </a:rPr>
+              <a:t>mô</a:t>
+            </a:r>
+            <a:r>
+              <a:rPr lang="en-US" sz="1600" dirty="0">
+                <a:latin typeface="Arial" panose="020B0604020202020204" pitchFamily="34" charset="0"/>
+                <a:cs typeface="Arial" panose="020B0604020202020204" pitchFamily="34" charset="0"/>
+              </a:rPr>
+              <a:t> </a:t>
+            </a:r>
+            <a:r>
+              <a:rPr lang="en-US" sz="1600" dirty="0" err="1">
+                <a:latin typeface="Arial" panose="020B0604020202020204" pitchFamily="34" charset="0"/>
+                <a:cs typeface="Arial" panose="020B0604020202020204" pitchFamily="34" charset="0"/>
+              </a:rPr>
+              <a:t>hình</a:t>
+            </a:r>
+            <a:r>
+              <a:rPr lang="en-US" sz="1600" dirty="0">
+                <a:latin typeface="Arial" panose="020B0604020202020204" pitchFamily="34" charset="0"/>
+                <a:cs typeface="Arial" panose="020B0604020202020204" pitchFamily="34" charset="0"/>
+              </a:rPr>
+              <a:t> </a:t>
+            </a:r>
+            <a:r>
+              <a:rPr lang="en-US" sz="1600" dirty="0" err="1">
+                <a:latin typeface="Arial" panose="020B0604020202020204" pitchFamily="34" charset="0"/>
+                <a:cs typeface="Arial" panose="020B0604020202020204" pitchFamily="34" charset="0"/>
+              </a:rPr>
+              <a:t>trên</a:t>
+            </a:r>
+            <a:r>
+              <a:rPr lang="en-US" sz="1600" dirty="0">
+                <a:latin typeface="Arial" panose="020B0604020202020204" pitchFamily="34" charset="0"/>
+                <a:cs typeface="Arial" panose="020B0604020202020204" pitchFamily="34" charset="0"/>
+              </a:rPr>
+              <a:t> </a:t>
+            </a:r>
+            <a:r>
+              <a:rPr lang="en-US" sz="1600" dirty="0" err="1">
+                <a:latin typeface="Arial" panose="020B0604020202020204" pitchFamily="34" charset="0"/>
+                <a:cs typeface="Arial" panose="020B0604020202020204" pitchFamily="34" charset="0"/>
+              </a:rPr>
+              <a:t>tập</a:t>
+            </a:r>
+            <a:r>
+              <a:rPr lang="en-US" sz="1600" dirty="0">
+                <a:latin typeface="Arial" panose="020B0604020202020204" pitchFamily="34" charset="0"/>
+                <a:cs typeface="Arial" panose="020B0604020202020204" pitchFamily="34" charset="0"/>
+              </a:rPr>
+              <a:t> </a:t>
+            </a:r>
+            <a:r>
+              <a:rPr lang="en-US" sz="1600" dirty="0" err="1">
+                <a:latin typeface="Arial" panose="020B0604020202020204" pitchFamily="34" charset="0"/>
+                <a:cs typeface="Arial" panose="020B0604020202020204" pitchFamily="34" charset="0"/>
+              </a:rPr>
+              <a:t>dữ</a:t>
+            </a:r>
+            <a:r>
+              <a:rPr lang="en-US" sz="1600" dirty="0">
+                <a:latin typeface="Arial" panose="020B0604020202020204" pitchFamily="34" charset="0"/>
+                <a:cs typeface="Arial" panose="020B0604020202020204" pitchFamily="34" charset="0"/>
+              </a:rPr>
+              <a:t> </a:t>
+            </a:r>
+            <a:r>
+              <a:rPr lang="en-US" sz="1600" dirty="0" err="1">
+                <a:latin typeface="Arial" panose="020B0604020202020204" pitchFamily="34" charset="0"/>
+                <a:cs typeface="Arial" panose="020B0604020202020204" pitchFamily="34" charset="0"/>
+              </a:rPr>
+              <a:t>liệu</a:t>
+            </a:r>
+            <a:r>
+              <a:rPr lang="en-US" sz="1600" dirty="0">
+                <a:latin typeface="Arial" panose="020B0604020202020204" pitchFamily="34" charset="0"/>
+                <a:cs typeface="Arial" panose="020B0604020202020204" pitchFamily="34" charset="0"/>
+              </a:rPr>
+              <a:t> </a:t>
+            </a:r>
+            <a:r>
+              <a:rPr lang="en-US" sz="1600" dirty="0" err="1">
+                <a:latin typeface="Arial" panose="020B0604020202020204" pitchFamily="34" charset="0"/>
+                <a:cs typeface="Arial" panose="020B0604020202020204" pitchFamily="34" charset="0"/>
+              </a:rPr>
+              <a:t>đã</a:t>
+            </a:r>
+            <a:r>
+              <a:rPr lang="en-US" sz="1600" dirty="0">
+                <a:latin typeface="Arial" panose="020B0604020202020204" pitchFamily="34" charset="0"/>
+                <a:cs typeface="Arial" panose="020B0604020202020204" pitchFamily="34" charset="0"/>
+              </a:rPr>
+              <a:t> </a:t>
+            </a:r>
+            <a:r>
+              <a:rPr lang="en-US" sz="1600" dirty="0" err="1">
+                <a:latin typeface="Arial" panose="020B0604020202020204" pitchFamily="34" charset="0"/>
+                <a:cs typeface="Arial" panose="020B0604020202020204" pitchFamily="34" charset="0"/>
+              </a:rPr>
+              <a:t>thu</a:t>
+            </a:r>
+            <a:r>
+              <a:rPr lang="en-US" sz="1600" dirty="0">
+                <a:latin typeface="Arial" panose="020B0604020202020204" pitchFamily="34" charset="0"/>
+                <a:cs typeface="Arial" panose="020B0604020202020204" pitchFamily="34" charset="0"/>
+              </a:rPr>
+              <a:t> </a:t>
+            </a:r>
+            <a:r>
+              <a:rPr lang="en-US" sz="1600" dirty="0" err="1">
+                <a:latin typeface="Arial" panose="020B0604020202020204" pitchFamily="34" charset="0"/>
+                <a:cs typeface="Arial" panose="020B0604020202020204" pitchFamily="34" charset="0"/>
+              </a:rPr>
+              <a:t>thập</a:t>
+            </a:r>
+            <a:r>
+              <a:rPr lang="en-US" sz="1600" dirty="0">
+                <a:latin typeface="Arial" panose="020B0604020202020204" pitchFamily="34" charset="0"/>
+                <a:cs typeface="Arial" panose="020B0604020202020204" pitchFamily="34" charset="0"/>
+              </a:rPr>
+              <a:t>.</a:t>
+            </a:r>
+          </a:p>
+          <a:p>
+            <a:pPr marL="457200" lvl="1" indent="0">
+              <a:lnSpc>
+                <a:spcPct val="150000"/>
+              </a:lnSpc>
+              <a:buNone/>
+            </a:pPr>
+            <a:r>
+              <a:rPr lang="en-US" sz="1600" dirty="0">
+                <a:latin typeface="Arial" panose="020B0604020202020204" pitchFamily="34" charset="0"/>
+                <a:cs typeface="Arial" panose="020B0604020202020204" pitchFamily="34" charset="0"/>
+              </a:rPr>
+              <a:t>Tuning </a:t>
+            </a:r>
+            <a:r>
+              <a:rPr lang="en-US" sz="1600" dirty="0" err="1">
+                <a:latin typeface="Arial" panose="020B0604020202020204" pitchFamily="34" charset="0"/>
+                <a:cs typeface="Arial" panose="020B0604020202020204" pitchFamily="34" charset="0"/>
+              </a:rPr>
+              <a:t>các</a:t>
+            </a:r>
+            <a:r>
+              <a:rPr lang="en-US" sz="1600" dirty="0">
+                <a:latin typeface="Arial" panose="020B0604020202020204" pitchFamily="34" charset="0"/>
+                <a:cs typeface="Arial" panose="020B0604020202020204" pitchFamily="34" charset="0"/>
+              </a:rPr>
+              <a:t> </a:t>
+            </a:r>
+            <a:r>
+              <a:rPr lang="en-US" sz="1600" dirty="0" err="1">
+                <a:latin typeface="Arial" panose="020B0604020202020204" pitchFamily="34" charset="0"/>
+                <a:cs typeface="Arial" panose="020B0604020202020204" pitchFamily="34" charset="0"/>
+              </a:rPr>
+              <a:t>tham</a:t>
+            </a:r>
+            <a:r>
+              <a:rPr lang="en-US" sz="1600" dirty="0">
+                <a:latin typeface="Arial" panose="020B0604020202020204" pitchFamily="34" charset="0"/>
+                <a:cs typeface="Arial" panose="020B0604020202020204" pitchFamily="34" charset="0"/>
+              </a:rPr>
+              <a:t> </a:t>
+            </a:r>
+            <a:r>
+              <a:rPr lang="en-US" sz="1600" dirty="0" err="1">
+                <a:latin typeface="Arial" panose="020B0604020202020204" pitchFamily="34" charset="0"/>
+                <a:cs typeface="Arial" panose="020B0604020202020204" pitchFamily="34" charset="0"/>
+              </a:rPr>
+              <a:t>số</a:t>
+            </a:r>
+            <a:r>
+              <a:rPr lang="en-US" sz="1600" dirty="0">
+                <a:latin typeface="Arial" panose="020B0604020202020204" pitchFamily="34" charset="0"/>
+                <a:cs typeface="Arial" panose="020B0604020202020204" pitchFamily="34" charset="0"/>
+              </a:rPr>
+              <a:t>: </a:t>
+            </a:r>
+            <a:r>
+              <a:rPr lang="en-US" sz="1600" dirty="0" err="1">
+                <a:latin typeface="Arial" panose="020B0604020202020204" pitchFamily="34" charset="0"/>
+                <a:cs typeface="Arial" panose="020B0604020202020204" pitchFamily="34" charset="0"/>
+              </a:rPr>
+              <a:t>max_depth</a:t>
+            </a:r>
+            <a:r>
+              <a:rPr lang="en-US" sz="1600" dirty="0">
+                <a:latin typeface="Arial" panose="020B0604020202020204" pitchFamily="34" charset="0"/>
+                <a:cs typeface="Arial" panose="020B0604020202020204" pitchFamily="34" charset="0"/>
+              </a:rPr>
+              <a:t> </a:t>
+            </a:r>
+            <a:r>
+              <a:rPr lang="en-US" sz="1600" dirty="0" err="1">
+                <a:latin typeface="Arial" panose="020B0604020202020204" pitchFamily="34" charset="0"/>
+                <a:cs typeface="Arial" panose="020B0604020202020204" pitchFamily="34" charset="0"/>
+              </a:rPr>
+              <a:t>và</a:t>
+            </a:r>
+            <a:r>
+              <a:rPr lang="en-US" sz="1600" dirty="0">
+                <a:latin typeface="Arial" panose="020B0604020202020204" pitchFamily="34" charset="0"/>
+                <a:cs typeface="Arial" panose="020B0604020202020204" pitchFamily="34" charset="0"/>
+              </a:rPr>
+              <a:t> </a:t>
+            </a:r>
+            <a:r>
+              <a:rPr lang="en-US" sz="1600" dirty="0" err="1">
+                <a:latin typeface="Arial" panose="020B0604020202020204" pitchFamily="34" charset="0"/>
+                <a:cs typeface="Arial" panose="020B0604020202020204" pitchFamily="34" charset="0"/>
+              </a:rPr>
+              <a:t>n_estimators</a:t>
+            </a:r>
+            <a:r>
+              <a:rPr lang="en-US" sz="1600" dirty="0">
+                <a:latin typeface="Arial" panose="020B0604020202020204" pitchFamily="34" charset="0"/>
+                <a:cs typeface="Arial" panose="020B0604020202020204" pitchFamily="34" charset="0"/>
+              </a:rPr>
+              <a:t> </a:t>
+            </a:r>
+            <a:r>
+              <a:rPr lang="en-US" sz="1600" dirty="0" err="1">
+                <a:latin typeface="Arial" panose="020B0604020202020204" pitchFamily="34" charset="0"/>
+                <a:cs typeface="Arial" panose="020B0604020202020204" pitchFamily="34" charset="0"/>
+              </a:rPr>
+              <a:t>trong</a:t>
+            </a:r>
+            <a:r>
+              <a:rPr lang="en-US" sz="1600" dirty="0">
+                <a:latin typeface="Arial" panose="020B0604020202020204" pitchFamily="34" charset="0"/>
+                <a:cs typeface="Arial" panose="020B0604020202020204" pitchFamily="34" charset="0"/>
+              </a:rPr>
+              <a:t> </a:t>
+            </a:r>
+            <a:r>
+              <a:rPr lang="en-US" sz="1600" dirty="0" err="1">
+                <a:latin typeface="Arial" panose="020B0604020202020204" pitchFamily="34" charset="0"/>
+                <a:cs typeface="Arial" panose="020B0604020202020204" pitchFamily="34" charset="0"/>
+              </a:rPr>
+              <a:t>mô</a:t>
+            </a:r>
+            <a:r>
+              <a:rPr lang="en-US" sz="1600" dirty="0">
+                <a:latin typeface="Arial" panose="020B0604020202020204" pitchFamily="34" charset="0"/>
+                <a:cs typeface="Arial" panose="020B0604020202020204" pitchFamily="34" charset="0"/>
+              </a:rPr>
+              <a:t> </a:t>
+            </a:r>
+            <a:r>
+              <a:rPr lang="en-US" sz="1600" dirty="0" err="1">
+                <a:latin typeface="Arial" panose="020B0604020202020204" pitchFamily="34" charset="0"/>
+                <a:cs typeface="Arial" panose="020B0604020202020204" pitchFamily="34" charset="0"/>
+              </a:rPr>
+              <a:t>hình</a:t>
+            </a:r>
+            <a:r>
+              <a:rPr lang="en-US" sz="1600" dirty="0">
+                <a:latin typeface="Arial" panose="020B0604020202020204" pitchFamily="34" charset="0"/>
+                <a:cs typeface="Arial" panose="020B0604020202020204" pitchFamily="34" charset="0"/>
+              </a:rPr>
+              <a:t> Random Forest.</a:t>
             </a:r>
           </a:p>
           <a:p>

--- a/doc/report.pptx
+++ b/doc/report.pptx
@@ -17406,7 +17406,7 @@
                 <a:latin typeface="Arial" panose="020B0604020202020204" pitchFamily="34" charset="0"/>
                 <a:cs typeface="Arial" panose="020B0604020202020204" pitchFamily="34" charset="0"/>
               </a:rPr>
-              <a:t>biệc</a:t>
+              <a:t>biệt</a:t>
             </a:r>
             <a:r>
               <a:rPr lang="en-US" sz="1800" dirty="0">
@@ -19161,7 +19161,7 @@
           <p:nvPr>
             <p:extLst>
               <p:ext uri="{D42A27DB-BD31-4B8C-83A1-F6EECF244321}">
-                <p14:modId xmlns:p14="http://schemas.microsoft.com/office/powerpoint/2010/main" val="329985106"/>
+                <p14:modId xmlns:p14="http://schemas.microsoft.com/office/powerpoint/2010/main" val="1336904682"/>
               </p:ext>
             </p:extLst>
           </p:nvPr>
@@ -19218,20 +19218,8 @@
                     <a:p>
                       <a:pPr algn="ctr"/>
                       <a:r>
-                        <a:rPr lang="en-US" dirty="0" err="1"/>
-                        <a:t>Độ</a:t>
-                      </a:r>
-                      <a:r>
                         <a:rPr lang="en-US" dirty="0"/>
-                        <a:t> </a:t>
-                      </a:r>
-                      <a:r>
-                        <a:rPr lang="en-US" dirty="0" err="1"/>
-                        <a:t>lỗi</a:t>
-                      </a:r>
-                      <a:r>
-                        <a:rPr lang="en-US" dirty="0"/>
-                        <a:t> </a:t>
+                        <a:t>Score </a:t>
                       </a:r>
                       <a:r>
                         <a:rPr lang="en-US" dirty="0" err="1"/>
@@ -19260,20 +19248,8 @@
                     <a:p>
                       <a:pPr algn="ctr"/>
                       <a:r>
-                        <a:rPr lang="en-US" dirty="0" err="1"/>
-                        <a:t>Độ</a:t>
-                      </a:r>
-                      <a:r>
                         <a:rPr lang="en-US" dirty="0"/>
-                        <a:t> </a:t>
-                      </a:r>
-                      <a:r>
-                        <a:rPr lang="en-US" dirty="0" err="1"/>
-                        <a:t>lỗi</a:t>
-                      </a:r>
-                      <a:r>
-                        <a:rPr lang="en-US" dirty="0"/>
-                        <a:t> </a:t>
+                        <a:t>Score </a:t>
                       </a:r>
                       <a:r>
                         <a:rPr lang="en-US" dirty="0" err="1"/>
@@ -19324,7 +19300,7 @@
                       <a:pPr algn="ctr"/>
                       <a:r>
                         <a:rPr lang="en-US" dirty="0"/>
-                        <a:t>94.82</a:t>
+                        <a:t>0.0518</a:t>
                       </a:r>
                     </a:p>
                   </a:txBody>
@@ -19338,7 +19314,7 @@
                       <a:pPr algn="ctr"/>
                       <a:r>
                         <a:rPr lang="en-US" dirty="0"/>
-                        <a:t>94.99</a:t>
+                        <a:t>0.0501</a:t>
                       </a:r>
                     </a:p>
                   </a:txBody>
@@ -19373,7 +19349,7 @@
                       <a:pPr algn="ctr"/>
                       <a:r>
                         <a:rPr lang="en-US" dirty="0"/>
-                        <a:t>10.04</a:t>
+                        <a:t>0.8996</a:t>
                       </a:r>
                     </a:p>
                   </a:txBody>
@@ -19387,7 +19363,7 @@
                       <a:pPr algn="ctr"/>
                       <a:r>
                         <a:rPr lang="en-US" dirty="0"/>
-                        <a:t>71.08</a:t>
+                        <a:t>0.2892</a:t>
                       </a:r>
                     </a:p>
                   </a:txBody>
@@ -19866,7 +19842,7 @@
         <p:spPr>
           <a:xfrm>
             <a:off x="4654296" y="0"/>
-            <a:ext cx="7078531" cy="6303981"/>
+            <a:ext cx="7706240" cy="7089289"/>
           </a:xfrm>
         </p:spPr>
         <p:txBody>
@@ -21311,20 +21287,6 @@
                 <a:cs typeface="Arial" panose="020B0604020202020204" pitchFamily="34" charset="0"/>
               </a:rPr>
               <a:t>rằng</a:t>
-            </a:r>
-            <a:r>
-              <a:rPr lang="en-US" sz="1600" dirty="0">
-                <a:latin typeface="Arial" panose="020B0604020202020204" pitchFamily="34" charset="0"/>
-                <a:cs typeface="Arial" panose="020B0604020202020204" pitchFamily="34" charset="0"/>
-              </a:rPr>
-              <a:t> </a:t>
-            </a:r>
-            <a:r>
-              <a:rPr lang="en-US" sz="1600" dirty="0" err="1">
-                <a:latin typeface="Arial" panose="020B0604020202020204" pitchFamily="34" charset="0"/>
-                <a:cs typeface="Arial" panose="020B0604020202020204" pitchFamily="34" charset="0"/>
-              </a:rPr>
-              <a:t>phần</a:t>
             </a:r>
             <a:r>
               <a:rPr lang="en-US" sz="1600" dirty="0">
